--- a/2017/dec_7_Git_GitHub_WorkShop/DGO.pptx
+++ b/2017/dec_7_Git_GitHub_WorkShop/DGO.pptx
@@ -12,9 +12,14 @@
     <p:sldId id="260" r:id="rId6"/>
     <p:sldId id="261" r:id="rId7"/>
     <p:sldId id="262" r:id="rId8"/>
-    <p:sldId id="263" r:id="rId9"/>
-    <p:sldId id="264" r:id="rId10"/>
-    <p:sldId id="265" r:id="rId11"/>
+    <p:sldId id="266" r:id="rId9"/>
+    <p:sldId id="267" r:id="rId10"/>
+    <p:sldId id="268" r:id="rId11"/>
+    <p:sldId id="269" r:id="rId12"/>
+    <p:sldId id="263" r:id="rId13"/>
+    <p:sldId id="264" r:id="rId14"/>
+    <p:sldId id="270" r:id="rId15"/>
+    <p:sldId id="265" r:id="rId16"/>
   </p:sldIdLst>
   <p:sldSz cx="12192000" cy="6858000"/>
   <p:notesSz cx="6858000" cy="9144000"/>
@@ -252,7 +257,7 @@
           <a:p>
             <a:fld id="{3FD3500F-8B60-4FBA-BC8A-72168F3C79F5}" type="datetimeFigureOut">
               <a:rPr lang="es-MX" smtClean="0"/>
-              <a:t>26/11/2017</a:t>
+              <a:t>30/11/2017</a:t>
             </a:fld>
             <a:endParaRPr lang="es-MX"/>
           </a:p>
@@ -422,7 +427,7 @@
           <a:p>
             <a:fld id="{3FD3500F-8B60-4FBA-BC8A-72168F3C79F5}" type="datetimeFigureOut">
               <a:rPr lang="es-MX" smtClean="0"/>
-              <a:t>26/11/2017</a:t>
+              <a:t>30/11/2017</a:t>
             </a:fld>
             <a:endParaRPr lang="es-MX"/>
           </a:p>
@@ -602,7 +607,7 @@
           <a:p>
             <a:fld id="{3FD3500F-8B60-4FBA-BC8A-72168F3C79F5}" type="datetimeFigureOut">
               <a:rPr lang="es-MX" smtClean="0"/>
-              <a:t>26/11/2017</a:t>
+              <a:t>30/11/2017</a:t>
             </a:fld>
             <a:endParaRPr lang="es-MX"/>
           </a:p>
@@ -772,7 +777,7 @@
           <a:p>
             <a:fld id="{3FD3500F-8B60-4FBA-BC8A-72168F3C79F5}" type="datetimeFigureOut">
               <a:rPr lang="es-MX" smtClean="0"/>
-              <a:t>26/11/2017</a:t>
+              <a:t>30/11/2017</a:t>
             </a:fld>
             <a:endParaRPr lang="es-MX"/>
           </a:p>
@@ -1018,7 +1023,7 @@
           <a:p>
             <a:fld id="{3FD3500F-8B60-4FBA-BC8A-72168F3C79F5}" type="datetimeFigureOut">
               <a:rPr lang="es-MX" smtClean="0"/>
-              <a:t>26/11/2017</a:t>
+              <a:t>30/11/2017</a:t>
             </a:fld>
             <a:endParaRPr lang="es-MX"/>
           </a:p>
@@ -1250,7 +1255,7 @@
           <a:p>
             <a:fld id="{3FD3500F-8B60-4FBA-BC8A-72168F3C79F5}" type="datetimeFigureOut">
               <a:rPr lang="es-MX" smtClean="0"/>
-              <a:t>26/11/2017</a:t>
+              <a:t>30/11/2017</a:t>
             </a:fld>
             <a:endParaRPr lang="es-MX"/>
           </a:p>
@@ -1617,7 +1622,7 @@
           <a:p>
             <a:fld id="{3FD3500F-8B60-4FBA-BC8A-72168F3C79F5}" type="datetimeFigureOut">
               <a:rPr lang="es-MX" smtClean="0"/>
-              <a:t>26/11/2017</a:t>
+              <a:t>30/11/2017</a:t>
             </a:fld>
             <a:endParaRPr lang="es-MX"/>
           </a:p>
@@ -1735,7 +1740,7 @@
           <a:p>
             <a:fld id="{3FD3500F-8B60-4FBA-BC8A-72168F3C79F5}" type="datetimeFigureOut">
               <a:rPr lang="es-MX" smtClean="0"/>
-              <a:t>26/11/2017</a:t>
+              <a:t>30/11/2017</a:t>
             </a:fld>
             <a:endParaRPr lang="es-MX"/>
           </a:p>
@@ -1830,7 +1835,7 @@
           <a:p>
             <a:fld id="{3FD3500F-8B60-4FBA-BC8A-72168F3C79F5}" type="datetimeFigureOut">
               <a:rPr lang="es-MX" smtClean="0"/>
-              <a:t>26/11/2017</a:t>
+              <a:t>30/11/2017</a:t>
             </a:fld>
             <a:endParaRPr lang="es-MX"/>
           </a:p>
@@ -2107,7 +2112,7 @@
           <a:p>
             <a:fld id="{3FD3500F-8B60-4FBA-BC8A-72168F3C79F5}" type="datetimeFigureOut">
               <a:rPr lang="es-MX" smtClean="0"/>
-              <a:t>26/11/2017</a:t>
+              <a:t>30/11/2017</a:t>
             </a:fld>
             <a:endParaRPr lang="es-MX"/>
           </a:p>
@@ -2364,7 +2369,7 @@
           <a:p>
             <a:fld id="{3FD3500F-8B60-4FBA-BC8A-72168F3C79F5}" type="datetimeFigureOut">
               <a:rPr lang="es-MX" smtClean="0"/>
-              <a:t>26/11/2017</a:t>
+              <a:t>30/11/2017</a:t>
             </a:fld>
             <a:endParaRPr lang="es-MX"/>
           </a:p>
@@ -2577,7 +2582,7 @@
           <a:p>
             <a:fld id="{3FD3500F-8B60-4FBA-BC8A-72168F3C79F5}" type="datetimeFigureOut">
               <a:rPr lang="es-MX" smtClean="0"/>
-              <a:t>26/11/2017</a:t>
+              <a:t>30/11/2017</a:t>
             </a:fld>
             <a:endParaRPr lang="es-MX"/>
           </a:p>
@@ -3007,65 +3012,61 @@
           <a:p>
             <a:r>
               <a:rPr lang="es-MX" sz="11000" dirty="0" err="1" smtClean="0">
+                <a:solidFill>
+                  <a:srgbClr val="921429"/>
+                </a:solidFill>
+                <a:latin typeface="Roboto Black" panose="02000000000000000000" pitchFamily="2" charset="0"/>
+                <a:ea typeface="Roboto Black" panose="02000000000000000000" pitchFamily="2" charset="0"/>
+                <a:cs typeface="Open Sans" panose="020B0606030504020204" pitchFamily="34" charset="0"/>
+              </a:rPr>
+              <a:t>Git</a:t>
+            </a:r>
+            <a:r>
+              <a:rPr lang="es-MX" sz="11000" dirty="0" smtClean="0">
+                <a:solidFill>
+                  <a:srgbClr val="921429"/>
+                </a:solidFill>
+                <a:latin typeface="Roboto Black" panose="02000000000000000000" pitchFamily="2" charset="0"/>
+                <a:ea typeface="Roboto Black" panose="02000000000000000000" pitchFamily="2" charset="0"/>
+                <a:cs typeface="Open Sans" panose="020B0606030504020204" pitchFamily="34" charset="0"/>
+              </a:rPr>
+              <a:t> / </a:t>
+            </a:r>
+            <a:r>
+              <a:rPr lang="es-MX" sz="11000" dirty="0" smtClean="0">
                 <a:gradFill flip="none" rotWithShape="1">
                   <a:gsLst>
-                    <a:gs pos="23000">
-                      <a:srgbClr val="6A3093"/>
+                    <a:gs pos="26000">
+                      <a:srgbClr val="921429"/>
                     </a:gs>
-                    <a:gs pos="100000">
-                      <a:srgbClr val="B469FF">
-                        <a:alpha val="27000"/>
-                      </a:srgbClr>
+                    <a:gs pos="0">
+                      <a:srgbClr val="D50F2E"/>
                     </a:gs>
                   </a:gsLst>
                   <a:lin ang="5400000" scaled="1"/>
                   <a:tileRect/>
                 </a:gradFill>
-                <a:latin typeface="Roboto" panose="02000000000000000000" pitchFamily="2" charset="0"/>
-                <a:ea typeface="Roboto" panose="02000000000000000000" pitchFamily="2" charset="0"/>
+                <a:latin typeface="Roboto Black" panose="02000000000000000000" pitchFamily="2" charset="0"/>
+                <a:ea typeface="Roboto Black" panose="02000000000000000000" pitchFamily="2" charset="0"/>
                 <a:cs typeface="Open Sans" panose="020B0606030504020204" pitchFamily="34" charset="0"/>
               </a:rPr>
-              <a:t>Git</a:t>
-            </a:r>
-            <a:r>
-              <a:rPr lang="es-MX" sz="11000" dirty="0" smtClean="0">
-                <a:gradFill flip="none" rotWithShape="1">
-                  <a:gsLst>
-                    <a:gs pos="23000">
-                      <a:srgbClr val="6A3093"/>
-                    </a:gs>
-                    <a:gs pos="100000">
-                      <a:srgbClr val="B469FF">
-                        <a:alpha val="27000"/>
-                      </a:srgbClr>
-                    </a:gs>
-                  </a:gsLst>
-                  <a:lin ang="5400000" scaled="1"/>
-                  <a:tileRect/>
-                </a:gradFill>
-                <a:latin typeface="Roboto" panose="02000000000000000000" pitchFamily="2" charset="0"/>
-                <a:ea typeface="Roboto" panose="02000000000000000000" pitchFamily="2" charset="0"/>
-                <a:cs typeface="Open Sans" panose="020B0606030504020204" pitchFamily="34" charset="0"/>
-              </a:rPr>
-              <a:t> / GitHub</a:t>
+              <a:t>GitHub</a:t>
             </a:r>
             <a:endParaRPr lang="es-MX" sz="11000" dirty="0">
               <a:gradFill flip="none" rotWithShape="1">
                 <a:gsLst>
-                  <a:gs pos="23000">
-                    <a:srgbClr val="6A3093"/>
+                  <a:gs pos="26000">
+                    <a:srgbClr val="921429"/>
                   </a:gs>
-                  <a:gs pos="100000">
-                    <a:srgbClr val="B469FF">
-                      <a:alpha val="27000"/>
-                    </a:srgbClr>
+                  <a:gs pos="0">
+                    <a:srgbClr val="D50F2E"/>
                   </a:gs>
                 </a:gsLst>
                 <a:lin ang="5400000" scaled="1"/>
                 <a:tileRect/>
               </a:gradFill>
-              <a:latin typeface="Roboto" panose="02000000000000000000" pitchFamily="2" charset="0"/>
-              <a:ea typeface="Roboto" panose="02000000000000000000" pitchFamily="2" charset="0"/>
+              <a:latin typeface="Roboto Black" panose="02000000000000000000" pitchFamily="2" charset="0"/>
+              <a:ea typeface="Roboto Black" panose="02000000000000000000" pitchFamily="2" charset="0"/>
               <a:cs typeface="Open Sans" panose="020B0606030504020204" pitchFamily="34" charset="0"/>
             </a:endParaRPr>
           </a:p>
@@ -3094,7 +3095,7 @@
           <a:lstStyle/>
           <a:p>
             <a:r>
-              <a:rPr lang="es-MX" sz="2000" dirty="0" err="1">
+              <a:rPr lang="es-MX" sz="1900" dirty="0" err="1">
                 <a:solidFill>
                   <a:srgbClr val="ACAFAF"/>
                 </a:solidFill>
@@ -3104,7 +3105,7 @@
               <a:t>f</a:t>
             </a:r>
             <a:r>
-              <a:rPr lang="es-MX" sz="2000" dirty="0" err="1" smtClean="0">
+              <a:rPr lang="es-MX" sz="1900" dirty="0" err="1" smtClean="0">
                 <a:solidFill>
                   <a:srgbClr val="ACAFAF"/>
                 </a:solidFill>
@@ -3114,7 +3115,7 @@
               <a:t>rom</a:t>
             </a:r>
             <a:r>
-              <a:rPr lang="es-MX" sz="2000" dirty="0" smtClean="0">
+              <a:rPr lang="es-MX" sz="1900" dirty="0" smtClean="0">
                 <a:solidFill>
                   <a:srgbClr val="ACAFAF"/>
                 </a:solidFill>
@@ -3124,7 +3125,7 @@
               <a:t> </a:t>
             </a:r>
             <a:r>
-              <a:rPr lang="es-MX" sz="2000" dirty="0" err="1" smtClean="0">
+              <a:rPr lang="es-MX" sz="1900" dirty="0" err="1" smtClean="0">
                 <a:solidFill>
                   <a:srgbClr val="ACAFAF"/>
                 </a:solidFill>
@@ -3134,7 +3135,7 @@
               <a:t>zero</a:t>
             </a:r>
             <a:r>
-              <a:rPr lang="es-MX" sz="2000" dirty="0" smtClean="0">
+              <a:rPr lang="es-MX" sz="1900" dirty="0" smtClean="0">
                 <a:solidFill>
                   <a:srgbClr val="ACAFAF"/>
                 </a:solidFill>
@@ -3144,7 +3145,7 @@
               <a:t> to </a:t>
             </a:r>
             <a:r>
-              <a:rPr lang="es-MX" sz="2000" dirty="0" err="1" smtClean="0">
+              <a:rPr lang="es-MX" sz="1900" dirty="0" err="1" smtClean="0">
                 <a:solidFill>
                   <a:srgbClr val="ACAFAF"/>
                 </a:solidFill>
@@ -3153,7 +3154,7 @@
               </a:rPr>
               <a:t>hero</a:t>
             </a:r>
-            <a:endParaRPr lang="es-MX" sz="2000" dirty="0">
+            <a:endParaRPr lang="es-MX" sz="1900" dirty="0">
               <a:solidFill>
                 <a:srgbClr val="ACAFAF"/>
               </a:solidFill>
@@ -3284,6 +3285,2355 @@
           <a:bodyPr/>
           <a:lstStyle/>
           <a:p>
+            <a:r>
+              <a:rPr lang="es-MX" sz="5000" dirty="0" smtClean="0">
+                <a:solidFill>
+                  <a:srgbClr val="D50F2E"/>
+                </a:solidFill>
+                <a:latin typeface="Roboto Black" panose="02000000000000000000" pitchFamily="2" charset="0"/>
+                <a:ea typeface="Roboto Black" panose="02000000000000000000" pitchFamily="2" charset="0"/>
+              </a:rPr>
+              <a:t>SSH to GitHub </a:t>
+            </a:r>
+            <a:r>
+              <a:rPr lang="es-MX" sz="5000" dirty="0" smtClean="0">
+                <a:solidFill>
+                  <a:srgbClr val="6A3093"/>
+                </a:solidFill>
+                <a:latin typeface="Roboto" panose="02000000000000000000" pitchFamily="2" charset="0"/>
+                <a:ea typeface="Roboto" panose="02000000000000000000" pitchFamily="2" charset="0"/>
+              </a:rPr>
+              <a:t> </a:t>
+            </a:r>
+            <a:r>
+              <a:rPr lang="es-MX" sz="2500" dirty="0">
+                <a:solidFill>
+                  <a:schemeClr val="bg1">
+                    <a:lumMod val="85000"/>
+                  </a:schemeClr>
+                </a:solidFill>
+                <a:latin typeface="Roboto" panose="02000000000000000000" pitchFamily="2" charset="0"/>
+                <a:ea typeface="Roboto" panose="02000000000000000000" pitchFamily="2" charset="0"/>
+              </a:rPr>
+              <a:t>[</a:t>
+            </a:r>
+            <a:r>
+              <a:rPr lang="es-MX" sz="3000" dirty="0" smtClean="0">
+                <a:solidFill>
+                  <a:schemeClr val="bg1">
+                    <a:lumMod val="85000"/>
+                  </a:schemeClr>
+                </a:solidFill>
+                <a:latin typeface="Roboto" panose="02000000000000000000" pitchFamily="2" charset="0"/>
+                <a:ea typeface="Roboto" panose="02000000000000000000" pitchFamily="2" charset="0"/>
+              </a:rPr>
+              <a:t> </a:t>
+            </a:r>
+            <a:r>
+              <a:rPr lang="es-MX" sz="3000" dirty="0" err="1" smtClean="0">
+                <a:solidFill>
+                  <a:schemeClr val="bg1">
+                    <a:lumMod val="85000"/>
+                  </a:schemeClr>
+                </a:solidFill>
+                <a:latin typeface="Roboto" panose="02000000000000000000" pitchFamily="2" charset="0"/>
+                <a:ea typeface="Roboto" panose="02000000000000000000" pitchFamily="2" charset="0"/>
+              </a:rPr>
+              <a:t>git</a:t>
+            </a:r>
+            <a:r>
+              <a:rPr lang="es-MX" sz="4000" dirty="0" smtClean="0">
+                <a:solidFill>
+                  <a:schemeClr val="bg1">
+                    <a:lumMod val="85000"/>
+                  </a:schemeClr>
+                </a:solidFill>
+                <a:latin typeface="Roboto" panose="02000000000000000000" pitchFamily="2" charset="0"/>
+                <a:ea typeface="Roboto" panose="02000000000000000000" pitchFamily="2" charset="0"/>
+              </a:rPr>
+              <a:t> </a:t>
+            </a:r>
+            <a:r>
+              <a:rPr lang="es-MX" sz="2500" dirty="0" smtClean="0">
+                <a:solidFill>
+                  <a:schemeClr val="bg1">
+                    <a:lumMod val="85000"/>
+                  </a:schemeClr>
+                </a:solidFill>
+                <a:latin typeface="Roboto" panose="02000000000000000000" pitchFamily="2" charset="0"/>
+                <a:ea typeface="Roboto" panose="02000000000000000000" pitchFamily="2" charset="0"/>
+              </a:rPr>
+              <a:t>]</a:t>
+            </a:r>
+            <a:r>
+              <a:rPr lang="es-MX" sz="4000" dirty="0" smtClean="0">
+                <a:solidFill>
+                  <a:schemeClr val="bg1">
+                    <a:lumMod val="85000"/>
+                  </a:schemeClr>
+                </a:solidFill>
+                <a:latin typeface="Roboto" panose="02000000000000000000" pitchFamily="2" charset="0"/>
+                <a:ea typeface="Roboto" panose="02000000000000000000" pitchFamily="2" charset="0"/>
+              </a:rPr>
+              <a:t> </a:t>
+            </a:r>
+            <a:endParaRPr lang="es-MX" sz="4000" dirty="0">
+              <a:solidFill>
+                <a:schemeClr val="bg1">
+                  <a:lumMod val="85000"/>
+                </a:schemeClr>
+              </a:solidFill>
+              <a:latin typeface="Roboto" panose="02000000000000000000" pitchFamily="2" charset="0"/>
+              <a:ea typeface="Roboto" panose="02000000000000000000" pitchFamily="2" charset="0"/>
+            </a:endParaRPr>
+          </a:p>
+        </p:txBody>
+      </p:sp>
+      <p:sp>
+        <p:nvSpPr>
+          <p:cNvPr id="3" name="Marcador de contenido 2"/>
+          <p:cNvSpPr>
+            <a:spLocks noGrp="1"/>
+          </p:cNvSpPr>
+          <p:nvPr>
+            <p:ph idx="1"/>
+          </p:nvPr>
+        </p:nvSpPr>
+        <p:spPr>
+          <a:xfrm>
+            <a:off x="838200" y="1895690"/>
+            <a:ext cx="10515600" cy="2190321"/>
+          </a:xfrm>
+        </p:spPr>
+        <p:txBody>
+          <a:bodyPr>
+            <a:noAutofit/>
+          </a:bodyPr>
+          <a:lstStyle/>
+          <a:p>
+            <a:pPr marL="0" indent="0">
+              <a:buNone/>
+            </a:pPr>
+            <a:r>
+              <a:rPr lang="es-MX" sz="2200" dirty="0" smtClean="0">
+                <a:solidFill>
+                  <a:schemeClr val="bg1">
+                    <a:lumMod val="75000"/>
+                  </a:schemeClr>
+                </a:solidFill>
+                <a:latin typeface="Roboto" panose="02000000000000000000" pitchFamily="2" charset="0"/>
+                <a:ea typeface="Roboto" panose="02000000000000000000" pitchFamily="2" charset="0"/>
+              </a:rPr>
+              <a:t>Copiar llave</a:t>
+            </a:r>
+            <a:endParaRPr lang="es-MX" sz="2200" dirty="0" smtClean="0">
+              <a:solidFill>
+                <a:schemeClr val="bg1">
+                  <a:lumMod val="75000"/>
+                </a:schemeClr>
+              </a:solidFill>
+              <a:latin typeface="Roboto" panose="02000000000000000000" pitchFamily="2" charset="0"/>
+              <a:ea typeface="Roboto" panose="02000000000000000000" pitchFamily="2" charset="0"/>
+            </a:endParaRPr>
+          </a:p>
+          <a:p>
+            <a:pPr marL="0" indent="0">
+              <a:buNone/>
+            </a:pPr>
+            <a:r>
+              <a:rPr lang="es-MX" sz="2400" u="sng" dirty="0">
+                <a:solidFill>
+                  <a:schemeClr val="bg1">
+                    <a:lumMod val="50000"/>
+                  </a:schemeClr>
+                </a:solidFill>
+                <a:latin typeface="Roboto" panose="02000000000000000000" pitchFamily="2" charset="0"/>
+                <a:ea typeface="Roboto" panose="02000000000000000000" pitchFamily="2" charset="0"/>
+              </a:rPr>
+              <a:t>c</a:t>
+            </a:r>
+            <a:r>
+              <a:rPr lang="es-MX" sz="2400" u="sng" dirty="0" smtClean="0">
+                <a:solidFill>
+                  <a:schemeClr val="bg1">
+                    <a:lumMod val="50000"/>
+                  </a:schemeClr>
+                </a:solidFill>
+                <a:latin typeface="Roboto" panose="02000000000000000000" pitchFamily="2" charset="0"/>
+                <a:ea typeface="Roboto" panose="02000000000000000000" pitchFamily="2" charset="0"/>
+              </a:rPr>
+              <a:t>lip</a:t>
+            </a:r>
+            <a:r>
+              <a:rPr lang="es-MX" sz="2400" dirty="0" smtClean="0">
+                <a:solidFill>
+                  <a:schemeClr val="bg1">
+                    <a:lumMod val="50000"/>
+                  </a:schemeClr>
+                </a:solidFill>
+                <a:latin typeface="Roboto" panose="02000000000000000000" pitchFamily="2" charset="0"/>
+                <a:ea typeface="Roboto" panose="02000000000000000000" pitchFamily="2" charset="0"/>
+              </a:rPr>
+              <a:t> &lt; ~/.</a:t>
+            </a:r>
+            <a:r>
+              <a:rPr lang="es-MX" sz="2400" dirty="0" err="1" smtClean="0">
+                <a:solidFill>
+                  <a:schemeClr val="bg1">
+                    <a:lumMod val="50000"/>
+                  </a:schemeClr>
+                </a:solidFill>
+                <a:latin typeface="Roboto" panose="02000000000000000000" pitchFamily="2" charset="0"/>
+                <a:ea typeface="Roboto" panose="02000000000000000000" pitchFamily="2" charset="0"/>
+              </a:rPr>
+              <a:t>ssh</a:t>
+            </a:r>
+            <a:r>
+              <a:rPr lang="es-MX" sz="2400" dirty="0" smtClean="0">
+                <a:solidFill>
+                  <a:schemeClr val="bg1">
+                    <a:lumMod val="50000"/>
+                  </a:schemeClr>
+                </a:solidFill>
+                <a:latin typeface="Roboto" panose="02000000000000000000" pitchFamily="2" charset="0"/>
+                <a:ea typeface="Roboto" panose="02000000000000000000" pitchFamily="2" charset="0"/>
+              </a:rPr>
+              <a:t>/&lt;nombreLlave.pub&gt;</a:t>
+            </a:r>
+            <a:endParaRPr lang="es-MX" sz="2400" dirty="0" smtClean="0">
+              <a:solidFill>
+                <a:schemeClr val="bg1">
+                  <a:lumMod val="50000"/>
+                </a:schemeClr>
+              </a:solidFill>
+              <a:latin typeface="Roboto" panose="02000000000000000000" pitchFamily="2" charset="0"/>
+              <a:ea typeface="Roboto" panose="02000000000000000000" pitchFamily="2" charset="0"/>
+            </a:endParaRPr>
+          </a:p>
+          <a:p>
+            <a:pPr marL="0" indent="0">
+              <a:buNone/>
+            </a:pPr>
+            <a:endParaRPr lang="es-MX" sz="2400" dirty="0">
+              <a:solidFill>
+                <a:schemeClr val="bg1">
+                  <a:lumMod val="50000"/>
+                </a:schemeClr>
+              </a:solidFill>
+              <a:latin typeface="Roboto" panose="02000000000000000000" pitchFamily="2" charset="0"/>
+              <a:ea typeface="Roboto" panose="02000000000000000000" pitchFamily="2" charset="0"/>
+            </a:endParaRPr>
+          </a:p>
+          <a:p>
+            <a:pPr marL="0" indent="0">
+              <a:buNone/>
+            </a:pPr>
+            <a:endParaRPr lang="es-MX" sz="2500" dirty="0">
+              <a:solidFill>
+                <a:schemeClr val="bg1">
+                  <a:lumMod val="50000"/>
+                </a:schemeClr>
+              </a:solidFill>
+              <a:latin typeface="Roboto" panose="02000000000000000000" pitchFamily="2" charset="0"/>
+              <a:ea typeface="Roboto" panose="02000000000000000000" pitchFamily="2" charset="0"/>
+            </a:endParaRPr>
+          </a:p>
+        </p:txBody>
+      </p:sp>
+      <p:pic>
+        <p:nvPicPr>
+          <p:cNvPr id="6" name="Imagen 5"/>
+          <p:cNvPicPr>
+            <a:picLocks noChangeAspect="1"/>
+          </p:cNvPicPr>
+          <p:nvPr/>
+        </p:nvPicPr>
+        <p:blipFill>
+          <a:blip r:embed="rId2"/>
+          <a:stretch>
+            <a:fillRect/>
+          </a:stretch>
+        </p:blipFill>
+        <p:spPr>
+          <a:xfrm>
+            <a:off x="838200" y="3208895"/>
+            <a:ext cx="10553700" cy="3257550"/>
+          </a:xfrm>
+          <a:prstGeom prst="rect">
+            <a:avLst/>
+          </a:prstGeom>
+        </p:spPr>
+      </p:pic>
+    </p:spTree>
+    <p:extLst>
+      <p:ext uri="{BB962C8B-B14F-4D97-AF65-F5344CB8AC3E}">
+        <p14:creationId xmlns:p14="http://schemas.microsoft.com/office/powerpoint/2010/main" val="2930691735"/>
+      </p:ext>
+    </p:extLst>
+  </p:cSld>
+  <p:clrMapOvr>
+    <a:masterClrMapping/>
+  </p:clrMapOvr>
+  <p:timing>
+    <p:tnLst>
+      <p:par>
+        <p:cTn id="1" dur="indefinite" restart="never" nodeType="tmRoot"/>
+      </p:par>
+    </p:tnLst>
+  </p:timing>
+</p:sld>
+</file>
+
+<file path=ppt/slides/slide11.xml><?xml version="1.0" encoding="utf-8"?>
+<p:sld xmlns:a="http://schemas.openxmlformats.org/drawingml/2006/main" xmlns:r="http://schemas.openxmlformats.org/officeDocument/2006/relationships" xmlns:p="http://schemas.openxmlformats.org/presentationml/2006/main">
+  <p:cSld>
+    <p:spTree>
+      <p:nvGrpSpPr>
+        <p:cNvPr id="1" name=""/>
+        <p:cNvGrpSpPr/>
+        <p:nvPr/>
+      </p:nvGrpSpPr>
+      <p:grpSpPr>
+        <a:xfrm>
+          <a:off x="0" y="0"/>
+          <a:ext cx="0" cy="0"/>
+          <a:chOff x="0" y="0"/>
+          <a:chExt cx="0" cy="0"/>
+        </a:xfrm>
+      </p:grpSpPr>
+      <p:sp>
+        <p:nvSpPr>
+          <p:cNvPr id="2" name="Título 1"/>
+          <p:cNvSpPr>
+            <a:spLocks noGrp="1"/>
+          </p:cNvSpPr>
+          <p:nvPr>
+            <p:ph type="title"/>
+          </p:nvPr>
+        </p:nvSpPr>
+        <p:spPr/>
+        <p:txBody>
+          <a:bodyPr/>
+          <a:lstStyle/>
+          <a:p>
+            <a:r>
+              <a:rPr lang="es-MX" sz="5000" dirty="0" err="1" smtClean="0">
+                <a:solidFill>
+                  <a:srgbClr val="D50F2E"/>
+                </a:solidFill>
+                <a:latin typeface="Roboto Black" panose="02000000000000000000" pitchFamily="2" charset="0"/>
+                <a:ea typeface="Roboto Black" panose="02000000000000000000" pitchFamily="2" charset="0"/>
+              </a:rPr>
+              <a:t>Testing</a:t>
+            </a:r>
+            <a:r>
+              <a:rPr lang="es-MX" sz="5000" dirty="0" smtClean="0">
+                <a:solidFill>
+                  <a:srgbClr val="D50F2E"/>
+                </a:solidFill>
+                <a:latin typeface="Roboto Black" panose="02000000000000000000" pitchFamily="2" charset="0"/>
+                <a:ea typeface="Roboto Black" panose="02000000000000000000" pitchFamily="2" charset="0"/>
+              </a:rPr>
+              <a:t> </a:t>
+            </a:r>
+            <a:r>
+              <a:rPr lang="es-MX" sz="2500" dirty="0" smtClean="0">
+                <a:solidFill>
+                  <a:schemeClr val="bg1">
+                    <a:lumMod val="85000"/>
+                  </a:schemeClr>
+                </a:solidFill>
+                <a:latin typeface="Roboto" panose="02000000000000000000" pitchFamily="2" charset="0"/>
+                <a:ea typeface="Roboto" panose="02000000000000000000" pitchFamily="2" charset="0"/>
+              </a:rPr>
+              <a:t>[</a:t>
+            </a:r>
+            <a:r>
+              <a:rPr lang="es-MX" sz="3000" dirty="0" smtClean="0">
+                <a:solidFill>
+                  <a:schemeClr val="bg1">
+                    <a:lumMod val="85000"/>
+                  </a:schemeClr>
+                </a:solidFill>
+                <a:latin typeface="Roboto" panose="02000000000000000000" pitchFamily="2" charset="0"/>
+                <a:ea typeface="Roboto" panose="02000000000000000000" pitchFamily="2" charset="0"/>
+              </a:rPr>
+              <a:t> </a:t>
+            </a:r>
+            <a:r>
+              <a:rPr lang="es-MX" sz="3000" dirty="0" err="1" smtClean="0">
+                <a:solidFill>
+                  <a:schemeClr val="bg1">
+                    <a:lumMod val="85000"/>
+                  </a:schemeClr>
+                </a:solidFill>
+                <a:latin typeface="Roboto" panose="02000000000000000000" pitchFamily="2" charset="0"/>
+                <a:ea typeface="Roboto" panose="02000000000000000000" pitchFamily="2" charset="0"/>
+              </a:rPr>
+              <a:t>git</a:t>
+            </a:r>
+            <a:r>
+              <a:rPr lang="es-MX" sz="4000" dirty="0" smtClean="0">
+                <a:solidFill>
+                  <a:schemeClr val="bg1">
+                    <a:lumMod val="85000"/>
+                  </a:schemeClr>
+                </a:solidFill>
+                <a:latin typeface="Roboto" panose="02000000000000000000" pitchFamily="2" charset="0"/>
+                <a:ea typeface="Roboto" panose="02000000000000000000" pitchFamily="2" charset="0"/>
+              </a:rPr>
+              <a:t> </a:t>
+            </a:r>
+            <a:r>
+              <a:rPr lang="es-MX" sz="2500" dirty="0" smtClean="0">
+                <a:solidFill>
+                  <a:schemeClr val="bg1">
+                    <a:lumMod val="85000"/>
+                  </a:schemeClr>
+                </a:solidFill>
+                <a:latin typeface="Roboto" panose="02000000000000000000" pitchFamily="2" charset="0"/>
+                <a:ea typeface="Roboto" panose="02000000000000000000" pitchFamily="2" charset="0"/>
+              </a:rPr>
+              <a:t>]</a:t>
+            </a:r>
+            <a:r>
+              <a:rPr lang="es-MX" sz="4000" dirty="0" smtClean="0">
+                <a:solidFill>
+                  <a:schemeClr val="bg1">
+                    <a:lumMod val="85000"/>
+                  </a:schemeClr>
+                </a:solidFill>
+                <a:latin typeface="Roboto" panose="02000000000000000000" pitchFamily="2" charset="0"/>
+                <a:ea typeface="Roboto" panose="02000000000000000000" pitchFamily="2" charset="0"/>
+              </a:rPr>
+              <a:t> </a:t>
+            </a:r>
+            <a:endParaRPr lang="es-MX" sz="4000" dirty="0">
+              <a:solidFill>
+                <a:schemeClr val="bg1">
+                  <a:lumMod val="85000"/>
+                </a:schemeClr>
+              </a:solidFill>
+              <a:latin typeface="Roboto" panose="02000000000000000000" pitchFamily="2" charset="0"/>
+              <a:ea typeface="Roboto" panose="02000000000000000000" pitchFamily="2" charset="0"/>
+            </a:endParaRPr>
+          </a:p>
+        </p:txBody>
+      </p:sp>
+      <p:sp>
+        <p:nvSpPr>
+          <p:cNvPr id="3" name="Marcador de contenido 2"/>
+          <p:cNvSpPr>
+            <a:spLocks noGrp="1"/>
+          </p:cNvSpPr>
+          <p:nvPr>
+            <p:ph idx="1"/>
+          </p:nvPr>
+        </p:nvSpPr>
+        <p:spPr>
+          <a:xfrm>
+            <a:off x="838200" y="1895690"/>
+            <a:ext cx="10515600" cy="2190321"/>
+          </a:xfrm>
+        </p:spPr>
+        <p:txBody>
+          <a:bodyPr>
+            <a:noAutofit/>
+          </a:bodyPr>
+          <a:lstStyle/>
+          <a:p>
+            <a:pPr marL="0" indent="0">
+              <a:buNone/>
+            </a:pPr>
+            <a:r>
+              <a:rPr lang="es-MX" sz="2200" dirty="0" smtClean="0">
+                <a:solidFill>
+                  <a:schemeClr val="bg1">
+                    <a:lumMod val="75000"/>
+                  </a:schemeClr>
+                </a:solidFill>
+                <a:latin typeface="Roboto" panose="02000000000000000000" pitchFamily="2" charset="0"/>
+                <a:ea typeface="Roboto" panose="02000000000000000000" pitchFamily="2" charset="0"/>
+              </a:rPr>
+              <a:t>Probando conexión</a:t>
+            </a:r>
+          </a:p>
+          <a:p>
+            <a:pPr marL="0" indent="0">
+              <a:buNone/>
+            </a:pPr>
+            <a:r>
+              <a:rPr lang="es-MX" sz="2400" u="sng" dirty="0" err="1">
+                <a:solidFill>
+                  <a:schemeClr val="bg1">
+                    <a:lumMod val="50000"/>
+                  </a:schemeClr>
+                </a:solidFill>
+                <a:latin typeface="Roboto" panose="02000000000000000000" pitchFamily="2" charset="0"/>
+                <a:ea typeface="Roboto" panose="02000000000000000000" pitchFamily="2" charset="0"/>
+              </a:rPr>
+              <a:t>s</a:t>
+            </a:r>
+            <a:r>
+              <a:rPr lang="es-MX" sz="2400" u="sng" dirty="0" err="1" smtClean="0">
+                <a:solidFill>
+                  <a:schemeClr val="bg1">
+                    <a:lumMod val="50000"/>
+                  </a:schemeClr>
+                </a:solidFill>
+                <a:latin typeface="Roboto" panose="02000000000000000000" pitchFamily="2" charset="0"/>
+                <a:ea typeface="Roboto" panose="02000000000000000000" pitchFamily="2" charset="0"/>
+              </a:rPr>
+              <a:t>sh</a:t>
+            </a:r>
+            <a:r>
+              <a:rPr lang="es-MX" sz="2400" u="sng" dirty="0" smtClean="0">
+                <a:solidFill>
+                  <a:schemeClr val="bg1">
+                    <a:lumMod val="50000"/>
+                  </a:schemeClr>
+                </a:solidFill>
+                <a:latin typeface="Roboto" panose="02000000000000000000" pitchFamily="2" charset="0"/>
+                <a:ea typeface="Roboto" panose="02000000000000000000" pitchFamily="2" charset="0"/>
+              </a:rPr>
+              <a:t> –T git@github.com</a:t>
+            </a:r>
+            <a:endParaRPr lang="es-MX" sz="2400" dirty="0" smtClean="0">
+              <a:solidFill>
+                <a:schemeClr val="bg1">
+                  <a:lumMod val="50000"/>
+                </a:schemeClr>
+              </a:solidFill>
+              <a:latin typeface="Roboto" panose="02000000000000000000" pitchFamily="2" charset="0"/>
+              <a:ea typeface="Roboto" panose="02000000000000000000" pitchFamily="2" charset="0"/>
+            </a:endParaRPr>
+          </a:p>
+          <a:p>
+            <a:pPr marL="0" indent="0">
+              <a:buNone/>
+            </a:pPr>
+            <a:endParaRPr lang="es-MX" sz="2400" dirty="0" smtClean="0">
+              <a:solidFill>
+                <a:schemeClr val="bg1">
+                  <a:lumMod val="50000"/>
+                </a:schemeClr>
+              </a:solidFill>
+              <a:latin typeface="Roboto" panose="02000000000000000000" pitchFamily="2" charset="0"/>
+              <a:ea typeface="Roboto" panose="02000000000000000000" pitchFamily="2" charset="0"/>
+            </a:endParaRPr>
+          </a:p>
+          <a:p>
+            <a:pPr marL="0" indent="0">
+              <a:buNone/>
+            </a:pPr>
+            <a:endParaRPr lang="es-MX" sz="2500" dirty="0">
+              <a:solidFill>
+                <a:schemeClr val="bg1">
+                  <a:lumMod val="50000"/>
+                </a:schemeClr>
+              </a:solidFill>
+              <a:latin typeface="Roboto" panose="02000000000000000000" pitchFamily="2" charset="0"/>
+              <a:ea typeface="Roboto" panose="02000000000000000000" pitchFamily="2" charset="0"/>
+            </a:endParaRPr>
+          </a:p>
+        </p:txBody>
+      </p:sp>
+      <p:pic>
+        <p:nvPicPr>
+          <p:cNvPr id="4" name="Imagen 3"/>
+          <p:cNvPicPr>
+            <a:picLocks noChangeAspect="1"/>
+          </p:cNvPicPr>
+          <p:nvPr/>
+        </p:nvPicPr>
+        <p:blipFill>
+          <a:blip r:embed="rId2">
+            <a:extLst>
+              <a:ext uri="{28A0092B-C50C-407E-A947-70E740481C1C}">
+                <a14:useLocalDpi xmlns:a14="http://schemas.microsoft.com/office/drawing/2010/main" val="0"/>
+              </a:ext>
+            </a:extLst>
+          </a:blip>
+          <a:stretch>
+            <a:fillRect/>
+          </a:stretch>
+        </p:blipFill>
+        <p:spPr>
+          <a:xfrm>
+            <a:off x="4000500" y="3235926"/>
+            <a:ext cx="4191000" cy="2857500"/>
+          </a:xfrm>
+          <a:prstGeom prst="rect">
+            <a:avLst/>
+          </a:prstGeom>
+        </p:spPr>
+      </p:pic>
+    </p:spTree>
+    <p:extLst>
+      <p:ext uri="{BB962C8B-B14F-4D97-AF65-F5344CB8AC3E}">
+        <p14:creationId xmlns:p14="http://schemas.microsoft.com/office/powerpoint/2010/main" val="3360139183"/>
+      </p:ext>
+    </p:extLst>
+  </p:cSld>
+  <p:clrMapOvr>
+    <a:masterClrMapping/>
+  </p:clrMapOvr>
+  <p:timing>
+    <p:tnLst>
+      <p:par>
+        <p:cTn id="1" dur="indefinite" restart="never" nodeType="tmRoot"/>
+      </p:par>
+    </p:tnLst>
+  </p:timing>
+</p:sld>
+</file>
+
+<file path=ppt/slides/slide12.xml><?xml version="1.0" encoding="utf-8"?>
+<p:sld xmlns:a="http://schemas.openxmlformats.org/drawingml/2006/main" xmlns:r="http://schemas.openxmlformats.org/officeDocument/2006/relationships" xmlns:p="http://schemas.openxmlformats.org/presentationml/2006/main">
+  <p:cSld>
+    <p:spTree>
+      <p:nvGrpSpPr>
+        <p:cNvPr id="1" name=""/>
+        <p:cNvGrpSpPr/>
+        <p:nvPr/>
+      </p:nvGrpSpPr>
+      <p:grpSpPr>
+        <a:xfrm>
+          <a:off x="0" y="0"/>
+          <a:ext cx="0" cy="0"/>
+          <a:chOff x="0" y="0"/>
+          <a:chExt cx="0" cy="0"/>
+        </a:xfrm>
+      </p:grpSpPr>
+      <p:sp>
+        <p:nvSpPr>
+          <p:cNvPr id="3" name="Marcador de contenido 2"/>
+          <p:cNvSpPr>
+            <a:spLocks noGrp="1"/>
+          </p:cNvSpPr>
+          <p:nvPr>
+            <p:ph idx="1"/>
+          </p:nvPr>
+        </p:nvSpPr>
+        <p:spPr>
+          <a:xfrm>
+            <a:off x="862913" y="2333840"/>
+            <a:ext cx="10515600" cy="2190321"/>
+          </a:xfrm>
+        </p:spPr>
+        <p:txBody>
+          <a:bodyPr>
+            <a:noAutofit/>
+          </a:bodyPr>
+          <a:lstStyle/>
+          <a:p>
+            <a:pPr marL="0" indent="0">
+              <a:buNone/>
+            </a:pPr>
+            <a:r>
+              <a:rPr lang="es-MX" sz="2200" dirty="0">
+                <a:solidFill>
+                  <a:schemeClr val="bg1">
+                    <a:lumMod val="75000"/>
+                  </a:schemeClr>
+                </a:solidFill>
+                <a:latin typeface="Roboto" panose="02000000000000000000" pitchFamily="2" charset="0"/>
+                <a:ea typeface="Roboto" panose="02000000000000000000" pitchFamily="2" charset="0"/>
+              </a:rPr>
+              <a:t>Iniciar </a:t>
+            </a:r>
+            <a:r>
+              <a:rPr lang="es-MX" sz="2200" dirty="0" err="1">
+                <a:solidFill>
+                  <a:schemeClr val="bg1">
+                    <a:lumMod val="75000"/>
+                  </a:schemeClr>
+                </a:solidFill>
+                <a:latin typeface="Roboto" panose="02000000000000000000" pitchFamily="2" charset="0"/>
+                <a:ea typeface="Roboto" panose="02000000000000000000" pitchFamily="2" charset="0"/>
+              </a:rPr>
+              <a:t>git</a:t>
+            </a:r>
+            <a:r>
+              <a:rPr lang="es-MX" sz="2200" dirty="0">
+                <a:solidFill>
+                  <a:schemeClr val="bg1">
+                    <a:lumMod val="75000"/>
+                  </a:schemeClr>
+                </a:solidFill>
+                <a:latin typeface="Roboto" panose="02000000000000000000" pitchFamily="2" charset="0"/>
+                <a:ea typeface="Roboto" panose="02000000000000000000" pitchFamily="2" charset="0"/>
+              </a:rPr>
+              <a:t> en folder</a:t>
+            </a:r>
+          </a:p>
+          <a:p>
+            <a:pPr marL="0" indent="0">
+              <a:buNone/>
+            </a:pPr>
+            <a:r>
+              <a:rPr lang="es-MX" sz="2400" dirty="0" err="1">
+                <a:solidFill>
+                  <a:schemeClr val="bg1">
+                    <a:lumMod val="50000"/>
+                  </a:schemeClr>
+                </a:solidFill>
+                <a:latin typeface="Roboto" panose="02000000000000000000" pitchFamily="2" charset="0"/>
+                <a:ea typeface="Roboto" panose="02000000000000000000" pitchFamily="2" charset="0"/>
+              </a:rPr>
+              <a:t>git</a:t>
+            </a:r>
+            <a:r>
+              <a:rPr lang="es-MX" sz="2400" dirty="0">
+                <a:solidFill>
+                  <a:schemeClr val="bg1">
+                    <a:lumMod val="50000"/>
+                  </a:schemeClr>
+                </a:solidFill>
+                <a:latin typeface="Roboto" panose="02000000000000000000" pitchFamily="2" charset="0"/>
+                <a:ea typeface="Roboto" panose="02000000000000000000" pitchFamily="2" charset="0"/>
+              </a:rPr>
+              <a:t> </a:t>
+            </a:r>
+            <a:r>
+              <a:rPr lang="es-MX" sz="2400" dirty="0" err="1">
+                <a:solidFill>
+                  <a:schemeClr val="bg1">
+                    <a:lumMod val="50000"/>
+                  </a:schemeClr>
+                </a:solidFill>
+                <a:latin typeface="Roboto" panose="02000000000000000000" pitchFamily="2" charset="0"/>
+                <a:ea typeface="Roboto" panose="02000000000000000000" pitchFamily="2" charset="0"/>
+              </a:rPr>
+              <a:t>init</a:t>
+            </a:r>
+            <a:r>
+              <a:rPr lang="es-MX" sz="2400" dirty="0">
+                <a:solidFill>
+                  <a:schemeClr val="bg1">
+                    <a:lumMod val="50000"/>
+                  </a:schemeClr>
+                </a:solidFill>
+                <a:latin typeface="Roboto" panose="02000000000000000000" pitchFamily="2" charset="0"/>
+                <a:ea typeface="Roboto" panose="02000000000000000000" pitchFamily="2" charset="0"/>
+              </a:rPr>
+              <a:t> </a:t>
+            </a:r>
+            <a:r>
+              <a:rPr lang="es-MX" sz="2000" dirty="0">
+                <a:solidFill>
+                  <a:schemeClr val="bg1">
+                    <a:lumMod val="50000"/>
+                  </a:schemeClr>
+                </a:solidFill>
+                <a:latin typeface="Roboto" panose="02000000000000000000" pitchFamily="2" charset="0"/>
+                <a:ea typeface="Roboto" panose="02000000000000000000" pitchFamily="2" charset="0"/>
+              </a:rPr>
+              <a:t>[</a:t>
+            </a:r>
+            <a:r>
+              <a:rPr lang="es-MX" sz="2400" dirty="0">
+                <a:solidFill>
+                  <a:schemeClr val="bg1">
+                    <a:lumMod val="50000"/>
+                  </a:schemeClr>
+                </a:solidFill>
+                <a:latin typeface="Roboto" panose="02000000000000000000" pitchFamily="2" charset="0"/>
+                <a:ea typeface="Roboto" panose="02000000000000000000" pitchFamily="2" charset="0"/>
+              </a:rPr>
+              <a:t>nombre repo</a:t>
+            </a:r>
+            <a:r>
+              <a:rPr lang="es-MX" sz="2000" dirty="0" smtClean="0">
+                <a:solidFill>
+                  <a:schemeClr val="bg1">
+                    <a:lumMod val="50000"/>
+                  </a:schemeClr>
+                </a:solidFill>
+                <a:latin typeface="Roboto" panose="02000000000000000000" pitchFamily="2" charset="0"/>
+                <a:ea typeface="Roboto" panose="02000000000000000000" pitchFamily="2" charset="0"/>
+              </a:rPr>
+              <a:t>]</a:t>
+            </a:r>
+          </a:p>
+          <a:p>
+            <a:pPr marL="0" indent="0">
+              <a:buNone/>
+            </a:pPr>
+            <a:endParaRPr lang="es-MX" sz="2000" dirty="0">
+              <a:solidFill>
+                <a:schemeClr val="bg1">
+                  <a:lumMod val="50000"/>
+                </a:schemeClr>
+              </a:solidFill>
+              <a:latin typeface="Roboto" panose="02000000000000000000" pitchFamily="2" charset="0"/>
+              <a:ea typeface="Roboto" panose="02000000000000000000" pitchFamily="2" charset="0"/>
+            </a:endParaRPr>
+          </a:p>
+          <a:p>
+            <a:pPr marL="0" indent="0">
+              <a:buNone/>
+            </a:pPr>
+            <a:r>
+              <a:rPr lang="es-MX" sz="2200" dirty="0">
+                <a:solidFill>
+                  <a:schemeClr val="bg1">
+                    <a:lumMod val="75000"/>
+                  </a:schemeClr>
+                </a:solidFill>
+                <a:latin typeface="Roboto" panose="02000000000000000000" pitchFamily="2" charset="0"/>
+                <a:ea typeface="Roboto" panose="02000000000000000000" pitchFamily="2" charset="0"/>
+              </a:rPr>
+              <a:t>Agregar los archivos existentes</a:t>
+            </a:r>
+          </a:p>
+          <a:p>
+            <a:pPr marL="0" indent="0">
+              <a:buNone/>
+            </a:pPr>
+            <a:r>
+              <a:rPr lang="es-MX" sz="2400" dirty="0" err="1" smtClean="0">
+                <a:solidFill>
+                  <a:schemeClr val="bg1">
+                    <a:lumMod val="50000"/>
+                  </a:schemeClr>
+                </a:solidFill>
+                <a:latin typeface="Roboto" panose="02000000000000000000" pitchFamily="2" charset="0"/>
+                <a:ea typeface="Roboto" panose="02000000000000000000" pitchFamily="2" charset="0"/>
+              </a:rPr>
+              <a:t>git</a:t>
+            </a:r>
+            <a:r>
+              <a:rPr lang="es-MX" sz="2400" dirty="0" smtClean="0">
+                <a:solidFill>
+                  <a:schemeClr val="bg1">
+                    <a:lumMod val="50000"/>
+                  </a:schemeClr>
+                </a:solidFill>
+                <a:latin typeface="Roboto" panose="02000000000000000000" pitchFamily="2" charset="0"/>
+                <a:ea typeface="Roboto" panose="02000000000000000000" pitchFamily="2" charset="0"/>
+              </a:rPr>
+              <a:t> </a:t>
+            </a:r>
+            <a:r>
+              <a:rPr lang="es-MX" sz="2400" dirty="0" err="1">
+                <a:solidFill>
+                  <a:schemeClr val="bg1">
+                    <a:lumMod val="50000"/>
+                  </a:schemeClr>
+                </a:solidFill>
+                <a:latin typeface="Roboto" panose="02000000000000000000" pitchFamily="2" charset="0"/>
+                <a:ea typeface="Roboto" panose="02000000000000000000" pitchFamily="2" charset="0"/>
+              </a:rPr>
+              <a:t>add</a:t>
+            </a:r>
+            <a:r>
+              <a:rPr lang="es-MX" sz="2400" dirty="0">
+                <a:solidFill>
+                  <a:schemeClr val="bg1">
+                    <a:lumMod val="50000"/>
+                  </a:schemeClr>
+                </a:solidFill>
+                <a:latin typeface="Roboto" panose="02000000000000000000" pitchFamily="2" charset="0"/>
+                <a:ea typeface="Roboto" panose="02000000000000000000" pitchFamily="2" charset="0"/>
+              </a:rPr>
+              <a:t> </a:t>
+            </a:r>
+            <a:r>
+              <a:rPr lang="es-MX" sz="2400" dirty="0" smtClean="0">
+                <a:solidFill>
+                  <a:schemeClr val="bg1">
+                    <a:lumMod val="50000"/>
+                  </a:schemeClr>
+                </a:solidFill>
+                <a:latin typeface="Roboto" panose="02000000000000000000" pitchFamily="2" charset="0"/>
+                <a:ea typeface="Roboto" panose="02000000000000000000" pitchFamily="2" charset="0"/>
+              </a:rPr>
+              <a:t>. </a:t>
+            </a:r>
+            <a:r>
+              <a:rPr lang="es-MX" sz="2400" dirty="0">
+                <a:solidFill>
+                  <a:schemeClr val="bg1">
+                    <a:lumMod val="50000"/>
+                  </a:schemeClr>
+                </a:solidFill>
+                <a:latin typeface="Roboto" panose="02000000000000000000" pitchFamily="2" charset="0"/>
+                <a:ea typeface="Roboto" panose="02000000000000000000" pitchFamily="2" charset="0"/>
+              </a:rPr>
+              <a:t>	</a:t>
+            </a:r>
+            <a:r>
+              <a:rPr lang="es-MX" sz="2400" dirty="0" err="1">
+                <a:solidFill>
+                  <a:schemeClr val="bg1">
+                    <a:lumMod val="50000"/>
+                  </a:schemeClr>
+                </a:solidFill>
+                <a:latin typeface="Roboto" panose="02000000000000000000" pitchFamily="2" charset="0"/>
+                <a:ea typeface="Roboto" panose="02000000000000000000" pitchFamily="2" charset="0"/>
+              </a:rPr>
+              <a:t>g</a:t>
+            </a:r>
+            <a:r>
+              <a:rPr lang="es-MX" sz="2400" dirty="0" err="1" smtClean="0">
+                <a:solidFill>
+                  <a:schemeClr val="bg1">
+                    <a:lumMod val="50000"/>
+                  </a:schemeClr>
+                </a:solidFill>
+                <a:latin typeface="Roboto" panose="02000000000000000000" pitchFamily="2" charset="0"/>
+                <a:ea typeface="Roboto" panose="02000000000000000000" pitchFamily="2" charset="0"/>
+              </a:rPr>
+              <a:t>it</a:t>
+            </a:r>
+            <a:r>
+              <a:rPr lang="es-MX" sz="2400" dirty="0" smtClean="0">
+                <a:solidFill>
+                  <a:schemeClr val="bg1">
+                    <a:lumMod val="50000"/>
+                  </a:schemeClr>
+                </a:solidFill>
+                <a:latin typeface="Roboto" panose="02000000000000000000" pitchFamily="2" charset="0"/>
+                <a:ea typeface="Roboto" panose="02000000000000000000" pitchFamily="2" charset="0"/>
+              </a:rPr>
+              <a:t> </a:t>
+            </a:r>
+            <a:r>
+              <a:rPr lang="es-MX" sz="2400" dirty="0" err="1" smtClean="0">
+                <a:solidFill>
+                  <a:schemeClr val="bg1">
+                    <a:lumMod val="50000"/>
+                  </a:schemeClr>
+                </a:solidFill>
+                <a:latin typeface="Roboto" panose="02000000000000000000" pitchFamily="2" charset="0"/>
+                <a:ea typeface="Roboto" panose="02000000000000000000" pitchFamily="2" charset="0"/>
+              </a:rPr>
+              <a:t>add</a:t>
+            </a:r>
+            <a:r>
+              <a:rPr lang="es-MX" sz="2400" dirty="0" smtClean="0">
+                <a:solidFill>
+                  <a:schemeClr val="bg1">
+                    <a:lumMod val="50000"/>
+                  </a:schemeClr>
+                </a:solidFill>
+                <a:latin typeface="Roboto" panose="02000000000000000000" pitchFamily="2" charset="0"/>
+                <a:ea typeface="Roboto" panose="02000000000000000000" pitchFamily="2" charset="0"/>
+              </a:rPr>
+              <a:t> --</a:t>
+            </a:r>
+            <a:r>
+              <a:rPr lang="es-MX" sz="2400" dirty="0" err="1" smtClean="0">
+                <a:solidFill>
+                  <a:schemeClr val="bg1">
+                    <a:lumMod val="50000"/>
+                  </a:schemeClr>
+                </a:solidFill>
+                <a:latin typeface="Roboto" panose="02000000000000000000" pitchFamily="2" charset="0"/>
+                <a:ea typeface="Roboto" panose="02000000000000000000" pitchFamily="2" charset="0"/>
+              </a:rPr>
+              <a:t>all</a:t>
+            </a:r>
+            <a:r>
+              <a:rPr lang="es-MX" sz="2400" dirty="0">
+                <a:solidFill>
+                  <a:schemeClr val="bg1">
+                    <a:lumMod val="50000"/>
+                  </a:schemeClr>
+                </a:solidFill>
+                <a:latin typeface="Roboto" panose="02000000000000000000" pitchFamily="2" charset="0"/>
+                <a:ea typeface="Roboto" panose="02000000000000000000" pitchFamily="2" charset="0"/>
+              </a:rPr>
+              <a:t>	</a:t>
+            </a:r>
+            <a:r>
+              <a:rPr lang="es-MX" sz="2400" dirty="0" smtClean="0">
+                <a:solidFill>
+                  <a:schemeClr val="bg1">
+                    <a:lumMod val="50000"/>
+                  </a:schemeClr>
+                </a:solidFill>
+                <a:latin typeface="Roboto" panose="02000000000000000000" pitchFamily="2" charset="0"/>
+                <a:ea typeface="Roboto" panose="02000000000000000000" pitchFamily="2" charset="0"/>
+              </a:rPr>
+              <a:t>	</a:t>
+            </a:r>
+            <a:r>
+              <a:rPr lang="es-MX" sz="2400" dirty="0" err="1" smtClean="0">
+                <a:solidFill>
+                  <a:schemeClr val="bg1">
+                    <a:lumMod val="50000"/>
+                  </a:schemeClr>
+                </a:solidFill>
+                <a:latin typeface="Roboto" panose="02000000000000000000" pitchFamily="2" charset="0"/>
+                <a:ea typeface="Roboto" panose="02000000000000000000" pitchFamily="2" charset="0"/>
+              </a:rPr>
+              <a:t>git</a:t>
+            </a:r>
+            <a:r>
+              <a:rPr lang="es-MX" sz="2400" dirty="0" smtClean="0">
+                <a:solidFill>
+                  <a:schemeClr val="bg1">
+                    <a:lumMod val="50000"/>
+                  </a:schemeClr>
+                </a:solidFill>
+                <a:latin typeface="Roboto" panose="02000000000000000000" pitchFamily="2" charset="0"/>
+                <a:ea typeface="Roboto" panose="02000000000000000000" pitchFamily="2" charset="0"/>
+              </a:rPr>
+              <a:t> </a:t>
+            </a:r>
+            <a:r>
+              <a:rPr lang="es-MX" sz="2400" dirty="0" err="1" smtClean="0">
+                <a:solidFill>
+                  <a:schemeClr val="bg1">
+                    <a:lumMod val="50000"/>
+                  </a:schemeClr>
+                </a:solidFill>
+                <a:latin typeface="Roboto" panose="02000000000000000000" pitchFamily="2" charset="0"/>
+                <a:ea typeface="Roboto" panose="02000000000000000000" pitchFamily="2" charset="0"/>
+              </a:rPr>
+              <a:t>add</a:t>
+            </a:r>
+            <a:r>
+              <a:rPr lang="es-MX" sz="2400" dirty="0">
+                <a:solidFill>
+                  <a:schemeClr val="bg1">
+                    <a:lumMod val="50000"/>
+                  </a:schemeClr>
+                </a:solidFill>
+                <a:latin typeface="Roboto" panose="02000000000000000000" pitchFamily="2" charset="0"/>
+                <a:ea typeface="Roboto" panose="02000000000000000000" pitchFamily="2" charset="0"/>
+              </a:rPr>
+              <a:t> </a:t>
+            </a:r>
+            <a:r>
+              <a:rPr lang="es-MX" sz="2400" dirty="0" smtClean="0">
+                <a:solidFill>
+                  <a:schemeClr val="bg1">
+                    <a:lumMod val="50000"/>
+                  </a:schemeClr>
+                </a:solidFill>
+                <a:latin typeface="Roboto" panose="02000000000000000000" pitchFamily="2" charset="0"/>
+                <a:ea typeface="Roboto" panose="02000000000000000000" pitchFamily="2" charset="0"/>
+              </a:rPr>
+              <a:t>--u</a:t>
+            </a:r>
+          </a:p>
+          <a:p>
+            <a:pPr marL="0" indent="0">
+              <a:buNone/>
+            </a:pPr>
+            <a:endParaRPr lang="es-MX" sz="2400" dirty="0" smtClean="0">
+              <a:solidFill>
+                <a:schemeClr val="bg1">
+                  <a:lumMod val="50000"/>
+                </a:schemeClr>
+              </a:solidFill>
+              <a:latin typeface="Roboto" panose="02000000000000000000" pitchFamily="2" charset="0"/>
+              <a:ea typeface="Roboto" panose="02000000000000000000" pitchFamily="2" charset="0"/>
+            </a:endParaRPr>
+          </a:p>
+          <a:p>
+            <a:pPr marL="0" indent="0">
+              <a:buNone/>
+            </a:pPr>
+            <a:endParaRPr lang="es-MX" sz="2400" dirty="0">
+              <a:solidFill>
+                <a:schemeClr val="bg1">
+                  <a:lumMod val="50000"/>
+                </a:schemeClr>
+              </a:solidFill>
+              <a:latin typeface="Roboto" panose="02000000000000000000" pitchFamily="2" charset="0"/>
+              <a:ea typeface="Roboto" panose="02000000000000000000" pitchFamily="2" charset="0"/>
+            </a:endParaRPr>
+          </a:p>
+          <a:p>
+            <a:pPr marL="0" indent="0">
+              <a:buNone/>
+            </a:pPr>
+            <a:endParaRPr lang="es-MX" dirty="0">
+              <a:solidFill>
+                <a:schemeClr val="bg1">
+                  <a:lumMod val="75000"/>
+                </a:schemeClr>
+              </a:solidFill>
+              <a:latin typeface="Roboto" panose="02000000000000000000" pitchFamily="2" charset="0"/>
+              <a:ea typeface="Roboto" panose="02000000000000000000" pitchFamily="2" charset="0"/>
+            </a:endParaRPr>
+          </a:p>
+          <a:p>
+            <a:pPr marL="0" indent="0">
+              <a:buNone/>
+            </a:pPr>
+            <a:endParaRPr lang="es-MX" dirty="0"/>
+          </a:p>
+        </p:txBody>
+      </p:sp>
+      <p:sp>
+        <p:nvSpPr>
+          <p:cNvPr id="4" name="Título 1"/>
+          <p:cNvSpPr txBox="1">
+            <a:spLocks/>
+          </p:cNvSpPr>
+          <p:nvPr/>
+        </p:nvSpPr>
+        <p:spPr>
+          <a:xfrm>
+            <a:off x="862913" y="393956"/>
+            <a:ext cx="10515600" cy="1325563"/>
+          </a:xfrm>
+          <a:prstGeom prst="rect">
+            <a:avLst/>
+          </a:prstGeom>
+        </p:spPr>
+        <p:txBody>
+          <a:bodyPr vert="horz" lIns="91440" tIns="45720" rIns="91440" bIns="45720" rtlCol="0" anchor="ctr">
+            <a:normAutofit/>
+          </a:bodyPr>
+          <a:lstStyle>
+            <a:lvl1pPr algn="l" defTabSz="914400" rtl="0" eaLnBrk="1" latinLnBrk="0" hangingPunct="1">
+              <a:lnSpc>
+                <a:spcPct val="90000"/>
+              </a:lnSpc>
+              <a:spcBef>
+                <a:spcPct val="0"/>
+              </a:spcBef>
+              <a:buNone/>
+              <a:defRPr sz="4400" kern="1200">
+                <a:solidFill>
+                  <a:schemeClr val="tx1"/>
+                </a:solidFill>
+                <a:latin typeface="+mj-lt"/>
+                <a:ea typeface="+mj-ea"/>
+                <a:cs typeface="+mj-cs"/>
+              </a:defRPr>
+            </a:lvl1pPr>
+          </a:lstStyle>
+          <a:p>
+            <a:r>
+              <a:rPr lang="es-MX" sz="5000" dirty="0">
+                <a:solidFill>
+                  <a:srgbClr val="D50F2E"/>
+                </a:solidFill>
+                <a:latin typeface="Roboto Black" panose="02000000000000000000" pitchFamily="2" charset="0"/>
+                <a:ea typeface="Roboto Black" panose="02000000000000000000" pitchFamily="2" charset="0"/>
+              </a:rPr>
+              <a:t>Crear repositorio </a:t>
+            </a:r>
+            <a:r>
+              <a:rPr lang="es-MX" sz="2500" dirty="0">
+                <a:solidFill>
+                  <a:schemeClr val="bg1">
+                    <a:lumMod val="85000"/>
+                  </a:schemeClr>
+                </a:solidFill>
+                <a:latin typeface="Roboto" panose="02000000000000000000" pitchFamily="2" charset="0"/>
+                <a:ea typeface="Roboto" panose="02000000000000000000" pitchFamily="2" charset="0"/>
+              </a:rPr>
+              <a:t>[</a:t>
+            </a:r>
+            <a:r>
+              <a:rPr lang="es-MX" sz="3000" dirty="0" smtClean="0">
+                <a:solidFill>
+                  <a:schemeClr val="bg1">
+                    <a:lumMod val="85000"/>
+                  </a:schemeClr>
+                </a:solidFill>
+                <a:latin typeface="Roboto" panose="02000000000000000000" pitchFamily="2" charset="0"/>
+                <a:ea typeface="Roboto" panose="02000000000000000000" pitchFamily="2" charset="0"/>
+              </a:rPr>
+              <a:t> </a:t>
+            </a:r>
+            <a:r>
+              <a:rPr lang="es-MX" sz="3000" dirty="0" err="1">
+                <a:solidFill>
+                  <a:schemeClr val="bg1">
+                    <a:lumMod val="85000"/>
+                  </a:schemeClr>
+                </a:solidFill>
+                <a:latin typeface="Roboto" panose="02000000000000000000" pitchFamily="2" charset="0"/>
+                <a:ea typeface="Roboto" panose="02000000000000000000" pitchFamily="2" charset="0"/>
+              </a:rPr>
+              <a:t>git</a:t>
+            </a:r>
+            <a:r>
+              <a:rPr lang="es-MX" sz="4000" dirty="0" smtClean="0">
+                <a:solidFill>
+                  <a:schemeClr val="bg1">
+                    <a:lumMod val="85000"/>
+                  </a:schemeClr>
+                </a:solidFill>
+                <a:latin typeface="Roboto" panose="02000000000000000000" pitchFamily="2" charset="0"/>
+                <a:ea typeface="Roboto" panose="02000000000000000000" pitchFamily="2" charset="0"/>
+              </a:rPr>
+              <a:t> </a:t>
+            </a:r>
+            <a:r>
+              <a:rPr lang="es-MX" sz="2500" dirty="0">
+                <a:solidFill>
+                  <a:schemeClr val="bg1">
+                    <a:lumMod val="85000"/>
+                  </a:schemeClr>
+                </a:solidFill>
+                <a:latin typeface="Roboto" panose="02000000000000000000" pitchFamily="2" charset="0"/>
+                <a:ea typeface="Roboto" panose="02000000000000000000" pitchFamily="2" charset="0"/>
+              </a:rPr>
+              <a:t>]</a:t>
+            </a:r>
+            <a:r>
+              <a:rPr lang="es-MX" sz="4000" dirty="0" smtClean="0">
+                <a:solidFill>
+                  <a:schemeClr val="bg1">
+                    <a:lumMod val="85000"/>
+                  </a:schemeClr>
+                </a:solidFill>
+                <a:latin typeface="Roboto" panose="02000000000000000000" pitchFamily="2" charset="0"/>
+                <a:ea typeface="Roboto" panose="02000000000000000000" pitchFamily="2" charset="0"/>
+              </a:rPr>
+              <a:t> </a:t>
+            </a:r>
+            <a:endParaRPr lang="es-MX" sz="4000" dirty="0">
+              <a:solidFill>
+                <a:schemeClr val="bg1">
+                  <a:lumMod val="85000"/>
+                </a:schemeClr>
+              </a:solidFill>
+              <a:latin typeface="Roboto" panose="02000000000000000000" pitchFamily="2" charset="0"/>
+              <a:ea typeface="Roboto" panose="02000000000000000000" pitchFamily="2" charset="0"/>
+            </a:endParaRPr>
+          </a:p>
+        </p:txBody>
+      </p:sp>
+    </p:spTree>
+    <p:extLst>
+      <p:ext uri="{BB962C8B-B14F-4D97-AF65-F5344CB8AC3E}">
+        <p14:creationId xmlns:p14="http://schemas.microsoft.com/office/powerpoint/2010/main" val="2285823744"/>
+      </p:ext>
+    </p:extLst>
+  </p:cSld>
+  <p:clrMapOvr>
+    <a:masterClrMapping/>
+  </p:clrMapOvr>
+  <p:timing>
+    <p:tnLst>
+      <p:par>
+        <p:cTn id="1" dur="indefinite" restart="never" nodeType="tmRoot"/>
+      </p:par>
+    </p:tnLst>
+  </p:timing>
+</p:sld>
+</file>
+
+<file path=ppt/slides/slide13.xml><?xml version="1.0" encoding="utf-8"?>
+<p:sld xmlns:a="http://schemas.openxmlformats.org/drawingml/2006/main" xmlns:r="http://schemas.openxmlformats.org/officeDocument/2006/relationships" xmlns:p="http://schemas.openxmlformats.org/presentationml/2006/main">
+  <p:cSld>
+    <p:spTree>
+      <p:nvGrpSpPr>
+        <p:cNvPr id="1" name=""/>
+        <p:cNvGrpSpPr/>
+        <p:nvPr/>
+      </p:nvGrpSpPr>
+      <p:grpSpPr>
+        <a:xfrm>
+          <a:off x="0" y="0"/>
+          <a:ext cx="0" cy="0"/>
+          <a:chOff x="0" y="0"/>
+          <a:chExt cx="0" cy="0"/>
+        </a:xfrm>
+      </p:grpSpPr>
+      <p:sp>
+        <p:nvSpPr>
+          <p:cNvPr id="4" name="Título 1"/>
+          <p:cNvSpPr txBox="1">
+            <a:spLocks/>
+          </p:cNvSpPr>
+          <p:nvPr/>
+        </p:nvSpPr>
+        <p:spPr>
+          <a:xfrm>
+            <a:off x="862913" y="393956"/>
+            <a:ext cx="8639433" cy="1325563"/>
+          </a:xfrm>
+          <a:prstGeom prst="rect">
+            <a:avLst/>
+          </a:prstGeom>
+        </p:spPr>
+        <p:txBody>
+          <a:bodyPr vert="horz" lIns="91440" tIns="45720" rIns="91440" bIns="45720" rtlCol="0" anchor="ctr">
+            <a:normAutofit/>
+          </a:bodyPr>
+          <a:lstStyle>
+            <a:lvl1pPr algn="l" defTabSz="914400" rtl="0" eaLnBrk="1" latinLnBrk="0" hangingPunct="1">
+              <a:lnSpc>
+                <a:spcPct val="90000"/>
+              </a:lnSpc>
+              <a:spcBef>
+                <a:spcPct val="0"/>
+              </a:spcBef>
+              <a:buNone/>
+              <a:defRPr sz="4400" kern="1200">
+                <a:solidFill>
+                  <a:schemeClr val="tx1"/>
+                </a:solidFill>
+                <a:latin typeface="+mj-lt"/>
+                <a:ea typeface="+mj-ea"/>
+                <a:cs typeface="+mj-cs"/>
+              </a:defRPr>
+            </a:lvl1pPr>
+          </a:lstStyle>
+          <a:p>
+            <a:r>
+              <a:rPr lang="es-MX" sz="5000" dirty="0">
+                <a:solidFill>
+                  <a:srgbClr val="D50F2E"/>
+                </a:solidFill>
+                <a:latin typeface="Roboto Black" panose="02000000000000000000" pitchFamily="2" charset="0"/>
+                <a:ea typeface="Roboto Black" panose="02000000000000000000" pitchFamily="2" charset="0"/>
+              </a:rPr>
+              <a:t>Hacer cambios </a:t>
+            </a:r>
+            <a:r>
+              <a:rPr lang="es-MX" sz="2500" dirty="0">
+                <a:solidFill>
+                  <a:schemeClr val="bg1">
+                    <a:lumMod val="85000"/>
+                  </a:schemeClr>
+                </a:solidFill>
+                <a:latin typeface="Roboto" panose="02000000000000000000" pitchFamily="2" charset="0"/>
+                <a:ea typeface="Roboto" panose="02000000000000000000" pitchFamily="2" charset="0"/>
+              </a:rPr>
+              <a:t>[</a:t>
+            </a:r>
+            <a:r>
+              <a:rPr lang="es-MX" sz="3000" dirty="0" smtClean="0">
+                <a:solidFill>
+                  <a:schemeClr val="bg1">
+                    <a:lumMod val="85000"/>
+                  </a:schemeClr>
+                </a:solidFill>
+                <a:latin typeface="Roboto" panose="02000000000000000000" pitchFamily="2" charset="0"/>
+                <a:ea typeface="Roboto" panose="02000000000000000000" pitchFamily="2" charset="0"/>
+              </a:rPr>
+              <a:t> </a:t>
+            </a:r>
+            <a:r>
+              <a:rPr lang="es-MX" sz="3000" dirty="0" err="1" smtClean="0">
+                <a:solidFill>
+                  <a:schemeClr val="bg1">
+                    <a:lumMod val="85000"/>
+                  </a:schemeClr>
+                </a:solidFill>
+                <a:latin typeface="Roboto" panose="02000000000000000000" pitchFamily="2" charset="0"/>
+                <a:ea typeface="Roboto" panose="02000000000000000000" pitchFamily="2" charset="0"/>
+              </a:rPr>
+              <a:t>git</a:t>
+            </a:r>
+            <a:r>
+              <a:rPr lang="es-MX" sz="3000" dirty="0" smtClean="0">
+                <a:solidFill>
+                  <a:schemeClr val="bg1">
+                    <a:lumMod val="85000"/>
+                  </a:schemeClr>
+                </a:solidFill>
+                <a:latin typeface="Roboto" panose="02000000000000000000" pitchFamily="2" charset="0"/>
+                <a:ea typeface="Roboto" panose="02000000000000000000" pitchFamily="2" charset="0"/>
+              </a:rPr>
+              <a:t> </a:t>
+            </a:r>
+            <a:r>
+              <a:rPr lang="es-MX" sz="2500" dirty="0" smtClean="0">
+                <a:solidFill>
+                  <a:schemeClr val="bg1">
+                    <a:lumMod val="85000"/>
+                  </a:schemeClr>
+                </a:solidFill>
+                <a:latin typeface="Roboto" panose="02000000000000000000" pitchFamily="2" charset="0"/>
+                <a:ea typeface="Roboto" panose="02000000000000000000" pitchFamily="2" charset="0"/>
+              </a:rPr>
+              <a:t>]</a:t>
+            </a:r>
+            <a:r>
+              <a:rPr lang="es-MX" sz="3000" dirty="0" smtClean="0">
+                <a:solidFill>
+                  <a:schemeClr val="bg1">
+                    <a:lumMod val="85000"/>
+                  </a:schemeClr>
+                </a:solidFill>
+                <a:latin typeface="Roboto" panose="02000000000000000000" pitchFamily="2" charset="0"/>
+                <a:ea typeface="Roboto" panose="02000000000000000000" pitchFamily="2" charset="0"/>
+              </a:rPr>
+              <a:t> </a:t>
+            </a:r>
+            <a:endParaRPr lang="es-MX" sz="3000" dirty="0">
+              <a:solidFill>
+                <a:schemeClr val="bg1">
+                  <a:lumMod val="85000"/>
+                </a:schemeClr>
+              </a:solidFill>
+              <a:latin typeface="Roboto" panose="02000000000000000000" pitchFamily="2" charset="0"/>
+              <a:ea typeface="Roboto" panose="02000000000000000000" pitchFamily="2" charset="0"/>
+            </a:endParaRPr>
+          </a:p>
+        </p:txBody>
+      </p:sp>
+      <p:sp>
+        <p:nvSpPr>
+          <p:cNvPr id="5" name="Marcador de contenido 2"/>
+          <p:cNvSpPr>
+            <a:spLocks noGrp="1"/>
+          </p:cNvSpPr>
+          <p:nvPr>
+            <p:ph idx="1"/>
+          </p:nvPr>
+        </p:nvSpPr>
+        <p:spPr>
+          <a:xfrm>
+            <a:off x="862913" y="2333840"/>
+            <a:ext cx="10515600" cy="4524160"/>
+          </a:xfrm>
+        </p:spPr>
+        <p:txBody>
+          <a:bodyPr>
+            <a:normAutofit/>
+          </a:bodyPr>
+          <a:lstStyle/>
+          <a:p>
+            <a:pPr marL="0" indent="0">
+              <a:buNone/>
+            </a:pPr>
+            <a:r>
+              <a:rPr lang="es-MX" sz="2200" dirty="0" smtClean="0">
+                <a:solidFill>
+                  <a:schemeClr val="bg1">
+                    <a:lumMod val="75000"/>
+                  </a:schemeClr>
+                </a:solidFill>
+                <a:latin typeface="Roboto" panose="02000000000000000000" pitchFamily="2" charset="0"/>
+                <a:ea typeface="Roboto" panose="02000000000000000000" pitchFamily="2" charset="0"/>
+              </a:rPr>
+              <a:t>Registrar </a:t>
+            </a:r>
+            <a:r>
+              <a:rPr lang="es-MX" sz="2200" dirty="0">
+                <a:solidFill>
+                  <a:schemeClr val="bg1">
+                    <a:lumMod val="75000"/>
+                  </a:schemeClr>
+                </a:solidFill>
+                <a:latin typeface="Roboto" panose="02000000000000000000" pitchFamily="2" charset="0"/>
+                <a:ea typeface="Roboto" panose="02000000000000000000" pitchFamily="2" charset="0"/>
+              </a:rPr>
+              <a:t>cambios</a:t>
+            </a:r>
+          </a:p>
+          <a:p>
+            <a:pPr marL="0" indent="0">
+              <a:buNone/>
+            </a:pPr>
+            <a:r>
+              <a:rPr lang="es-MX" sz="2400" dirty="0" err="1" smtClean="0">
+                <a:solidFill>
+                  <a:schemeClr val="bg1">
+                    <a:lumMod val="50000"/>
+                  </a:schemeClr>
+                </a:solidFill>
+                <a:latin typeface="Roboto" panose="02000000000000000000" pitchFamily="2" charset="0"/>
+                <a:ea typeface="Roboto" panose="02000000000000000000" pitchFamily="2" charset="0"/>
+              </a:rPr>
+              <a:t>git</a:t>
+            </a:r>
+            <a:r>
+              <a:rPr lang="es-MX" sz="2400" dirty="0" smtClean="0">
+                <a:solidFill>
+                  <a:schemeClr val="bg1">
+                    <a:lumMod val="50000"/>
+                  </a:schemeClr>
+                </a:solidFill>
+                <a:latin typeface="Roboto" panose="02000000000000000000" pitchFamily="2" charset="0"/>
+                <a:ea typeface="Roboto" panose="02000000000000000000" pitchFamily="2" charset="0"/>
+              </a:rPr>
+              <a:t> </a:t>
+            </a:r>
+            <a:r>
+              <a:rPr lang="es-MX" sz="2400" dirty="0" err="1" smtClean="0">
+                <a:solidFill>
+                  <a:schemeClr val="bg1">
+                    <a:lumMod val="50000"/>
+                  </a:schemeClr>
+                </a:solidFill>
+                <a:latin typeface="Roboto" panose="02000000000000000000" pitchFamily="2" charset="0"/>
+                <a:ea typeface="Roboto" panose="02000000000000000000" pitchFamily="2" charset="0"/>
+              </a:rPr>
+              <a:t>commit</a:t>
+            </a:r>
+            <a:r>
+              <a:rPr lang="es-MX" sz="2400" dirty="0">
+                <a:solidFill>
+                  <a:schemeClr val="bg1">
+                    <a:lumMod val="50000"/>
+                  </a:schemeClr>
+                </a:solidFill>
+                <a:latin typeface="Roboto" panose="02000000000000000000" pitchFamily="2" charset="0"/>
+                <a:ea typeface="Roboto" panose="02000000000000000000" pitchFamily="2" charset="0"/>
+              </a:rPr>
+              <a:t>	</a:t>
+            </a:r>
+            <a:r>
+              <a:rPr lang="es-MX" sz="2400" dirty="0" err="1" smtClean="0">
+                <a:solidFill>
+                  <a:schemeClr val="bg1">
+                    <a:lumMod val="50000"/>
+                  </a:schemeClr>
+                </a:solidFill>
+                <a:latin typeface="Roboto" panose="02000000000000000000" pitchFamily="2" charset="0"/>
+                <a:ea typeface="Roboto" panose="02000000000000000000" pitchFamily="2" charset="0"/>
+              </a:rPr>
+              <a:t>git</a:t>
+            </a:r>
+            <a:r>
+              <a:rPr lang="es-MX" sz="2400" dirty="0" smtClean="0">
+                <a:solidFill>
+                  <a:schemeClr val="bg1">
+                    <a:lumMod val="50000"/>
+                  </a:schemeClr>
+                </a:solidFill>
+                <a:latin typeface="Roboto" panose="02000000000000000000" pitchFamily="2" charset="0"/>
+                <a:ea typeface="Roboto" panose="02000000000000000000" pitchFamily="2" charset="0"/>
+              </a:rPr>
+              <a:t> </a:t>
+            </a:r>
+            <a:r>
+              <a:rPr lang="es-MX" sz="2400" dirty="0" err="1" smtClean="0">
+                <a:solidFill>
+                  <a:schemeClr val="bg1">
+                    <a:lumMod val="50000"/>
+                  </a:schemeClr>
+                </a:solidFill>
+                <a:latin typeface="Roboto" panose="02000000000000000000" pitchFamily="2" charset="0"/>
+                <a:ea typeface="Roboto" panose="02000000000000000000" pitchFamily="2" charset="0"/>
+              </a:rPr>
+              <a:t>commit</a:t>
+            </a:r>
+            <a:r>
+              <a:rPr lang="es-MX" sz="2400" dirty="0" smtClean="0">
+                <a:solidFill>
+                  <a:schemeClr val="bg1">
+                    <a:lumMod val="50000"/>
+                  </a:schemeClr>
+                </a:solidFill>
+                <a:latin typeface="Roboto" panose="02000000000000000000" pitchFamily="2" charset="0"/>
+                <a:ea typeface="Roboto" panose="02000000000000000000" pitchFamily="2" charset="0"/>
+              </a:rPr>
+              <a:t> -m “</a:t>
+            </a:r>
+            <a:r>
+              <a:rPr lang="es-MX" sz="2000" dirty="0" smtClean="0">
+                <a:solidFill>
+                  <a:schemeClr val="bg1">
+                    <a:lumMod val="50000"/>
+                  </a:schemeClr>
+                </a:solidFill>
+                <a:latin typeface="Roboto" panose="02000000000000000000" pitchFamily="2" charset="0"/>
+                <a:ea typeface="Roboto" panose="02000000000000000000" pitchFamily="2" charset="0"/>
+              </a:rPr>
+              <a:t>[</a:t>
+            </a:r>
+            <a:r>
+              <a:rPr lang="es-MX" sz="2400" dirty="0" smtClean="0">
+                <a:solidFill>
+                  <a:schemeClr val="bg1">
+                    <a:lumMod val="50000"/>
+                  </a:schemeClr>
+                </a:solidFill>
+                <a:latin typeface="Roboto" panose="02000000000000000000" pitchFamily="2" charset="0"/>
+                <a:ea typeface="Roboto" panose="02000000000000000000" pitchFamily="2" charset="0"/>
+              </a:rPr>
+              <a:t>descripción</a:t>
+            </a:r>
+            <a:r>
+              <a:rPr lang="es-MX" sz="2000" dirty="0" smtClean="0">
+                <a:solidFill>
+                  <a:schemeClr val="bg1">
+                    <a:lumMod val="50000"/>
+                  </a:schemeClr>
+                </a:solidFill>
+                <a:latin typeface="Roboto" panose="02000000000000000000" pitchFamily="2" charset="0"/>
+                <a:ea typeface="Roboto" panose="02000000000000000000" pitchFamily="2" charset="0"/>
+              </a:rPr>
+              <a:t>]</a:t>
+            </a:r>
+            <a:r>
+              <a:rPr lang="es-MX" sz="2400" dirty="0" smtClean="0">
+                <a:solidFill>
+                  <a:schemeClr val="bg1">
+                    <a:lumMod val="50000"/>
+                  </a:schemeClr>
+                </a:solidFill>
+                <a:latin typeface="Roboto" panose="02000000000000000000" pitchFamily="2" charset="0"/>
+                <a:ea typeface="Roboto" panose="02000000000000000000" pitchFamily="2" charset="0"/>
+              </a:rPr>
+              <a:t>”</a:t>
+            </a:r>
+          </a:p>
+          <a:p>
+            <a:pPr marL="0" indent="0">
+              <a:buNone/>
+            </a:pPr>
+            <a:endParaRPr lang="es-MX" sz="2400" dirty="0">
+              <a:solidFill>
+                <a:schemeClr val="bg1">
+                  <a:lumMod val="50000"/>
+                </a:schemeClr>
+              </a:solidFill>
+              <a:latin typeface="Roboto" panose="02000000000000000000" pitchFamily="2" charset="0"/>
+              <a:ea typeface="Roboto" panose="02000000000000000000" pitchFamily="2" charset="0"/>
+            </a:endParaRPr>
+          </a:p>
+          <a:p>
+            <a:pPr marL="0" indent="0">
+              <a:buNone/>
+            </a:pPr>
+            <a:endParaRPr lang="es-MX" sz="2400" dirty="0" smtClean="0">
+              <a:solidFill>
+                <a:schemeClr val="bg1">
+                  <a:lumMod val="50000"/>
+                </a:schemeClr>
+              </a:solidFill>
+              <a:latin typeface="Roboto" panose="02000000000000000000" pitchFamily="2" charset="0"/>
+              <a:ea typeface="Roboto" panose="02000000000000000000" pitchFamily="2" charset="0"/>
+            </a:endParaRPr>
+          </a:p>
+          <a:p>
+            <a:pPr marL="0" indent="0">
+              <a:buNone/>
+            </a:pPr>
+            <a:endParaRPr lang="es-MX" sz="2400" dirty="0">
+              <a:solidFill>
+                <a:schemeClr val="bg1">
+                  <a:lumMod val="50000"/>
+                </a:schemeClr>
+              </a:solidFill>
+              <a:latin typeface="Roboto" panose="02000000000000000000" pitchFamily="2" charset="0"/>
+              <a:ea typeface="Roboto" panose="02000000000000000000" pitchFamily="2" charset="0"/>
+            </a:endParaRPr>
+          </a:p>
+          <a:p>
+            <a:pPr marL="0" indent="0">
+              <a:buNone/>
+            </a:pPr>
+            <a:endParaRPr lang="es-MX" sz="2400" b="1" dirty="0" smtClean="0">
+              <a:solidFill>
+                <a:schemeClr val="bg1">
+                  <a:lumMod val="50000"/>
+                </a:schemeClr>
+              </a:solidFill>
+              <a:latin typeface="Roboto" panose="02000000000000000000" pitchFamily="2" charset="0"/>
+              <a:ea typeface="Roboto" panose="02000000000000000000" pitchFamily="2" charset="0"/>
+            </a:endParaRPr>
+          </a:p>
+          <a:p>
+            <a:pPr marL="0" indent="0">
+              <a:buNone/>
+            </a:pPr>
+            <a:endParaRPr lang="es-MX" sz="2400" dirty="0" smtClean="0">
+              <a:solidFill>
+                <a:schemeClr val="bg1">
+                  <a:lumMod val="50000"/>
+                </a:schemeClr>
+              </a:solidFill>
+              <a:latin typeface="Roboto" panose="02000000000000000000" pitchFamily="2" charset="0"/>
+              <a:ea typeface="Roboto" panose="02000000000000000000" pitchFamily="2" charset="0"/>
+            </a:endParaRPr>
+          </a:p>
+          <a:p>
+            <a:pPr marL="0" indent="0">
+              <a:buNone/>
+            </a:pPr>
+            <a:endParaRPr lang="es-MX" sz="2400" dirty="0">
+              <a:solidFill>
+                <a:schemeClr val="bg1">
+                  <a:lumMod val="50000"/>
+                </a:schemeClr>
+              </a:solidFill>
+              <a:latin typeface="Roboto" panose="02000000000000000000" pitchFamily="2" charset="0"/>
+              <a:ea typeface="Roboto" panose="02000000000000000000" pitchFamily="2" charset="0"/>
+            </a:endParaRPr>
+          </a:p>
+          <a:p>
+            <a:pPr marL="0" indent="0">
+              <a:buNone/>
+            </a:pPr>
+            <a:endParaRPr lang="es-MX" dirty="0">
+              <a:solidFill>
+                <a:schemeClr val="bg1">
+                  <a:lumMod val="75000"/>
+                </a:schemeClr>
+              </a:solidFill>
+              <a:latin typeface="Roboto" panose="02000000000000000000" pitchFamily="2" charset="0"/>
+              <a:ea typeface="Roboto" panose="02000000000000000000" pitchFamily="2" charset="0"/>
+            </a:endParaRPr>
+          </a:p>
+          <a:p>
+            <a:pPr marL="0" indent="0">
+              <a:buNone/>
+            </a:pPr>
+            <a:endParaRPr lang="es-MX" dirty="0"/>
+          </a:p>
+        </p:txBody>
+      </p:sp>
+    </p:spTree>
+    <p:extLst>
+      <p:ext uri="{BB962C8B-B14F-4D97-AF65-F5344CB8AC3E}">
+        <p14:creationId xmlns:p14="http://schemas.microsoft.com/office/powerpoint/2010/main" val="1393074935"/>
+      </p:ext>
+    </p:extLst>
+  </p:cSld>
+  <p:clrMapOvr>
+    <a:masterClrMapping/>
+  </p:clrMapOvr>
+  <p:timing>
+    <p:tnLst>
+      <p:par>
+        <p:cTn id="1" dur="indefinite" restart="never" nodeType="tmRoot"/>
+      </p:par>
+    </p:tnLst>
+  </p:timing>
+</p:sld>
+</file>
+
+<file path=ppt/slides/slide14.xml><?xml version="1.0" encoding="utf-8"?>
+<p:sld xmlns:a="http://schemas.openxmlformats.org/drawingml/2006/main" xmlns:r="http://schemas.openxmlformats.org/officeDocument/2006/relationships" xmlns:p="http://schemas.openxmlformats.org/presentationml/2006/main">
+  <p:cSld>
+    <p:spTree>
+      <p:nvGrpSpPr>
+        <p:cNvPr id="1" name=""/>
+        <p:cNvGrpSpPr/>
+        <p:nvPr/>
+      </p:nvGrpSpPr>
+      <p:grpSpPr>
+        <a:xfrm>
+          <a:off x="0" y="0"/>
+          <a:ext cx="0" cy="0"/>
+          <a:chOff x="0" y="0"/>
+          <a:chExt cx="0" cy="0"/>
+        </a:xfrm>
+      </p:grpSpPr>
+      <p:sp>
+        <p:nvSpPr>
+          <p:cNvPr id="4" name="Título 1"/>
+          <p:cNvSpPr txBox="1">
+            <a:spLocks/>
+          </p:cNvSpPr>
+          <p:nvPr/>
+        </p:nvSpPr>
+        <p:spPr>
+          <a:xfrm>
+            <a:off x="862913" y="393956"/>
+            <a:ext cx="8639433" cy="1325563"/>
+          </a:xfrm>
+          <a:prstGeom prst="rect">
+            <a:avLst/>
+          </a:prstGeom>
+        </p:spPr>
+        <p:txBody>
+          <a:bodyPr vert="horz" lIns="91440" tIns="45720" rIns="91440" bIns="45720" rtlCol="0" anchor="ctr">
+            <a:normAutofit/>
+          </a:bodyPr>
+          <a:lstStyle>
+            <a:lvl1pPr algn="l" defTabSz="914400" rtl="0" eaLnBrk="1" latinLnBrk="0" hangingPunct="1">
+              <a:lnSpc>
+                <a:spcPct val="90000"/>
+              </a:lnSpc>
+              <a:spcBef>
+                <a:spcPct val="0"/>
+              </a:spcBef>
+              <a:buNone/>
+              <a:defRPr sz="4400" kern="1200">
+                <a:solidFill>
+                  <a:schemeClr val="tx1"/>
+                </a:solidFill>
+                <a:latin typeface="+mj-lt"/>
+                <a:ea typeface="+mj-ea"/>
+                <a:cs typeface="+mj-cs"/>
+              </a:defRPr>
+            </a:lvl1pPr>
+          </a:lstStyle>
+          <a:p>
+            <a:r>
+              <a:rPr lang="es-MX" sz="5000" dirty="0" smtClean="0">
+                <a:solidFill>
+                  <a:srgbClr val="D50F2E"/>
+                </a:solidFill>
+                <a:latin typeface="Roboto Black" panose="02000000000000000000" pitchFamily="2" charset="0"/>
+                <a:ea typeface="Roboto Black" panose="02000000000000000000" pitchFamily="2" charset="0"/>
+              </a:rPr>
+              <a:t>GitHub Repo </a:t>
+            </a:r>
+            <a:r>
+              <a:rPr lang="es-MX" sz="2500" dirty="0">
+                <a:solidFill>
+                  <a:schemeClr val="bg1">
+                    <a:lumMod val="85000"/>
+                  </a:schemeClr>
+                </a:solidFill>
+                <a:latin typeface="Roboto" panose="02000000000000000000" pitchFamily="2" charset="0"/>
+                <a:ea typeface="Roboto" panose="02000000000000000000" pitchFamily="2" charset="0"/>
+              </a:rPr>
+              <a:t>[</a:t>
+            </a:r>
+            <a:r>
+              <a:rPr lang="es-MX" sz="3000" dirty="0" smtClean="0">
+                <a:solidFill>
+                  <a:schemeClr val="bg1">
+                    <a:lumMod val="85000"/>
+                  </a:schemeClr>
+                </a:solidFill>
+                <a:latin typeface="Roboto" panose="02000000000000000000" pitchFamily="2" charset="0"/>
+                <a:ea typeface="Roboto" panose="02000000000000000000" pitchFamily="2" charset="0"/>
+              </a:rPr>
+              <a:t> </a:t>
+            </a:r>
+            <a:r>
+              <a:rPr lang="es-MX" sz="3000" dirty="0" err="1" smtClean="0">
+                <a:solidFill>
+                  <a:schemeClr val="bg1">
+                    <a:lumMod val="85000"/>
+                  </a:schemeClr>
+                </a:solidFill>
+                <a:latin typeface="Roboto" panose="02000000000000000000" pitchFamily="2" charset="0"/>
+                <a:ea typeface="Roboto" panose="02000000000000000000" pitchFamily="2" charset="0"/>
+              </a:rPr>
+              <a:t>git</a:t>
+            </a:r>
+            <a:r>
+              <a:rPr lang="es-MX" sz="3000" dirty="0" smtClean="0">
+                <a:solidFill>
+                  <a:schemeClr val="bg1">
+                    <a:lumMod val="85000"/>
+                  </a:schemeClr>
+                </a:solidFill>
+                <a:latin typeface="Roboto" panose="02000000000000000000" pitchFamily="2" charset="0"/>
+                <a:ea typeface="Roboto" panose="02000000000000000000" pitchFamily="2" charset="0"/>
+              </a:rPr>
+              <a:t> </a:t>
+            </a:r>
+            <a:r>
+              <a:rPr lang="es-MX" sz="2500" dirty="0" smtClean="0">
+                <a:solidFill>
+                  <a:schemeClr val="bg1">
+                    <a:lumMod val="85000"/>
+                  </a:schemeClr>
+                </a:solidFill>
+                <a:latin typeface="Roboto" panose="02000000000000000000" pitchFamily="2" charset="0"/>
+                <a:ea typeface="Roboto" panose="02000000000000000000" pitchFamily="2" charset="0"/>
+              </a:rPr>
+              <a:t>]</a:t>
+            </a:r>
+            <a:r>
+              <a:rPr lang="es-MX" sz="3000" dirty="0" smtClean="0">
+                <a:solidFill>
+                  <a:schemeClr val="bg1">
+                    <a:lumMod val="85000"/>
+                  </a:schemeClr>
+                </a:solidFill>
+                <a:latin typeface="Roboto" panose="02000000000000000000" pitchFamily="2" charset="0"/>
+                <a:ea typeface="Roboto" panose="02000000000000000000" pitchFamily="2" charset="0"/>
+              </a:rPr>
+              <a:t> </a:t>
+            </a:r>
+            <a:endParaRPr lang="es-MX" sz="3000" dirty="0">
+              <a:solidFill>
+                <a:schemeClr val="bg1">
+                  <a:lumMod val="85000"/>
+                </a:schemeClr>
+              </a:solidFill>
+              <a:latin typeface="Roboto" panose="02000000000000000000" pitchFamily="2" charset="0"/>
+              <a:ea typeface="Roboto" panose="02000000000000000000" pitchFamily="2" charset="0"/>
+            </a:endParaRPr>
+          </a:p>
+        </p:txBody>
+      </p:sp>
+      <p:sp>
+        <p:nvSpPr>
+          <p:cNvPr id="2" name="Marcador de contenido 1"/>
+          <p:cNvSpPr>
+            <a:spLocks noGrp="1"/>
+          </p:cNvSpPr>
+          <p:nvPr>
+            <p:ph idx="1"/>
+          </p:nvPr>
+        </p:nvSpPr>
+        <p:spPr/>
+        <p:txBody>
+          <a:bodyPr>
+            <a:normAutofit lnSpcReduction="10000"/>
+          </a:bodyPr>
+          <a:lstStyle/>
+          <a:p>
+            <a:pPr marL="0" indent="0">
+              <a:buNone/>
+            </a:pPr>
+            <a:r>
+              <a:rPr lang="es-MX" sz="2200" dirty="0" smtClean="0">
+                <a:solidFill>
+                  <a:schemeClr val="bg1">
+                    <a:lumMod val="75000"/>
+                  </a:schemeClr>
+                </a:solidFill>
+                <a:latin typeface="Roboto" panose="02000000000000000000" pitchFamily="2" charset="0"/>
+                <a:ea typeface="Roboto" panose="02000000000000000000" pitchFamily="2" charset="0"/>
+              </a:rPr>
+              <a:t>Crear repo en GitHub</a:t>
+            </a:r>
+          </a:p>
+          <a:p>
+            <a:pPr marL="0" indent="0">
+              <a:buNone/>
+            </a:pPr>
+            <a:endParaRPr lang="es-MX" sz="2200" dirty="0">
+              <a:solidFill>
+                <a:schemeClr val="bg1">
+                  <a:lumMod val="75000"/>
+                </a:schemeClr>
+              </a:solidFill>
+              <a:latin typeface="Roboto" panose="02000000000000000000" pitchFamily="2" charset="0"/>
+              <a:ea typeface="Roboto" panose="02000000000000000000" pitchFamily="2" charset="0"/>
+            </a:endParaRPr>
+          </a:p>
+          <a:p>
+            <a:pPr marL="0" indent="0">
+              <a:buNone/>
+            </a:pPr>
+            <a:r>
+              <a:rPr lang="es-MX" sz="2200" dirty="0" smtClean="0">
+                <a:solidFill>
+                  <a:schemeClr val="bg1">
+                    <a:lumMod val="75000"/>
+                  </a:schemeClr>
+                </a:solidFill>
+                <a:latin typeface="Roboto" panose="02000000000000000000" pitchFamily="2" charset="0"/>
+                <a:ea typeface="Roboto" panose="02000000000000000000" pitchFamily="2" charset="0"/>
+              </a:rPr>
+              <a:t>Agregando </a:t>
+            </a:r>
+            <a:r>
+              <a:rPr lang="es-MX" sz="2200" dirty="0">
+                <a:solidFill>
+                  <a:schemeClr val="bg1">
+                    <a:lumMod val="75000"/>
+                  </a:schemeClr>
+                </a:solidFill>
+                <a:latin typeface="Roboto" panose="02000000000000000000" pitchFamily="2" charset="0"/>
+                <a:ea typeface="Roboto" panose="02000000000000000000" pitchFamily="2" charset="0"/>
+              </a:rPr>
+              <a:t>el acceso al repo remoto</a:t>
+            </a:r>
+          </a:p>
+          <a:p>
+            <a:pPr marL="0" indent="0">
+              <a:buNone/>
+            </a:pPr>
+            <a:r>
+              <a:rPr lang="es-MX" sz="2400" dirty="0" err="1" smtClean="0">
+                <a:solidFill>
+                  <a:schemeClr val="bg1">
+                    <a:lumMod val="50000"/>
+                  </a:schemeClr>
+                </a:solidFill>
+                <a:latin typeface="Roboto" panose="02000000000000000000" pitchFamily="2" charset="0"/>
+                <a:ea typeface="Roboto" panose="02000000000000000000" pitchFamily="2" charset="0"/>
+              </a:rPr>
+              <a:t>git</a:t>
+            </a:r>
+            <a:r>
+              <a:rPr lang="es-MX" sz="2400" dirty="0" smtClean="0">
+                <a:solidFill>
+                  <a:schemeClr val="bg1">
+                    <a:lumMod val="50000"/>
+                  </a:schemeClr>
+                </a:solidFill>
+                <a:latin typeface="Roboto" panose="02000000000000000000" pitchFamily="2" charset="0"/>
+                <a:ea typeface="Roboto" panose="02000000000000000000" pitchFamily="2" charset="0"/>
+              </a:rPr>
+              <a:t> </a:t>
+            </a:r>
+            <a:r>
+              <a:rPr lang="es-MX" sz="2400" dirty="0" err="1">
+                <a:solidFill>
+                  <a:schemeClr val="bg1">
+                    <a:lumMod val="50000"/>
+                  </a:schemeClr>
+                </a:solidFill>
+                <a:latin typeface="Roboto" panose="02000000000000000000" pitchFamily="2" charset="0"/>
+                <a:ea typeface="Roboto" panose="02000000000000000000" pitchFamily="2" charset="0"/>
+              </a:rPr>
+              <a:t>remote</a:t>
+            </a:r>
+            <a:r>
+              <a:rPr lang="es-MX" sz="2400" dirty="0">
+                <a:solidFill>
+                  <a:schemeClr val="bg1">
+                    <a:lumMod val="50000"/>
+                  </a:schemeClr>
+                </a:solidFill>
+                <a:latin typeface="Roboto" panose="02000000000000000000" pitchFamily="2" charset="0"/>
+                <a:ea typeface="Roboto" panose="02000000000000000000" pitchFamily="2" charset="0"/>
+              </a:rPr>
+              <a:t> </a:t>
+            </a:r>
+            <a:r>
+              <a:rPr lang="es-MX" sz="2400" dirty="0" err="1">
+                <a:solidFill>
+                  <a:schemeClr val="bg1">
+                    <a:lumMod val="50000"/>
+                  </a:schemeClr>
+                </a:solidFill>
+                <a:latin typeface="Roboto" panose="02000000000000000000" pitchFamily="2" charset="0"/>
+                <a:ea typeface="Roboto" panose="02000000000000000000" pitchFamily="2" charset="0"/>
+              </a:rPr>
+              <a:t>add</a:t>
+            </a:r>
+            <a:r>
+              <a:rPr lang="es-MX" sz="2400" dirty="0">
+                <a:solidFill>
+                  <a:schemeClr val="bg1">
+                    <a:lumMod val="50000"/>
+                  </a:schemeClr>
+                </a:solidFill>
+                <a:latin typeface="Roboto" panose="02000000000000000000" pitchFamily="2" charset="0"/>
+                <a:ea typeface="Roboto" panose="02000000000000000000" pitchFamily="2" charset="0"/>
+              </a:rPr>
+              <a:t> </a:t>
+            </a:r>
+            <a:r>
+              <a:rPr lang="es-MX" sz="2400" dirty="0" err="1">
+                <a:solidFill>
+                  <a:schemeClr val="bg1">
+                    <a:lumMod val="50000"/>
+                  </a:schemeClr>
+                </a:solidFill>
+                <a:latin typeface="Roboto" panose="02000000000000000000" pitchFamily="2" charset="0"/>
+                <a:ea typeface="Roboto" panose="02000000000000000000" pitchFamily="2" charset="0"/>
+              </a:rPr>
+              <a:t>origin</a:t>
+            </a:r>
+            <a:r>
+              <a:rPr lang="es-MX" sz="2400" dirty="0">
+                <a:solidFill>
+                  <a:schemeClr val="bg1">
+                    <a:lumMod val="50000"/>
+                  </a:schemeClr>
+                </a:solidFill>
+                <a:latin typeface="Roboto" panose="02000000000000000000" pitchFamily="2" charset="0"/>
+                <a:ea typeface="Roboto" panose="02000000000000000000" pitchFamily="2" charset="0"/>
+              </a:rPr>
+              <a:t> </a:t>
+            </a:r>
+            <a:r>
+              <a:rPr lang="es-MX" sz="2400" dirty="0" smtClean="0">
+                <a:solidFill>
+                  <a:schemeClr val="bg1">
+                    <a:lumMod val="50000"/>
+                  </a:schemeClr>
+                </a:solidFill>
+                <a:latin typeface="Roboto" panose="02000000000000000000" pitchFamily="2" charset="0"/>
+                <a:ea typeface="Roboto" panose="02000000000000000000" pitchFamily="2" charset="0"/>
+              </a:rPr>
+              <a:t>[ </a:t>
+            </a:r>
+            <a:r>
+              <a:rPr lang="es-MX" sz="2400" dirty="0" err="1" smtClean="0">
+                <a:solidFill>
+                  <a:schemeClr val="bg1">
+                    <a:lumMod val="50000"/>
+                  </a:schemeClr>
+                </a:solidFill>
+                <a:latin typeface="Roboto" panose="02000000000000000000" pitchFamily="2" charset="0"/>
+                <a:ea typeface="Roboto" panose="02000000000000000000" pitchFamily="2" charset="0"/>
+              </a:rPr>
+              <a:t>url</a:t>
+            </a:r>
+            <a:r>
+              <a:rPr lang="es-MX" sz="2400" dirty="0" smtClean="0">
+                <a:solidFill>
+                  <a:schemeClr val="bg1">
+                    <a:lumMod val="50000"/>
+                  </a:schemeClr>
+                </a:solidFill>
+                <a:latin typeface="Roboto" panose="02000000000000000000" pitchFamily="2" charset="0"/>
+                <a:ea typeface="Roboto" panose="02000000000000000000" pitchFamily="2" charset="0"/>
+              </a:rPr>
+              <a:t> ]</a:t>
+            </a:r>
+          </a:p>
+          <a:p>
+            <a:pPr marL="0" indent="0">
+              <a:buNone/>
+            </a:pPr>
+            <a:endParaRPr lang="es-MX" sz="2400" dirty="0">
+              <a:solidFill>
+                <a:schemeClr val="bg1">
+                  <a:lumMod val="50000"/>
+                </a:schemeClr>
+              </a:solidFill>
+              <a:latin typeface="Roboto" panose="02000000000000000000" pitchFamily="2" charset="0"/>
+              <a:ea typeface="Roboto" panose="02000000000000000000" pitchFamily="2" charset="0"/>
+            </a:endParaRPr>
+          </a:p>
+          <a:p>
+            <a:pPr marL="0" indent="0">
+              <a:buNone/>
+            </a:pPr>
+            <a:r>
+              <a:rPr lang="es-MX" sz="2200" dirty="0">
+                <a:solidFill>
+                  <a:schemeClr val="bg1">
+                    <a:lumMod val="75000"/>
+                  </a:schemeClr>
+                </a:solidFill>
+                <a:latin typeface="Roboto" panose="02000000000000000000" pitchFamily="2" charset="0"/>
+                <a:ea typeface="Roboto" panose="02000000000000000000" pitchFamily="2" charset="0"/>
+              </a:rPr>
+              <a:t>Ver todas las conexiones a remoto</a:t>
+            </a:r>
+          </a:p>
+          <a:p>
+            <a:pPr marL="0" indent="0">
+              <a:buNone/>
+            </a:pPr>
+            <a:r>
+              <a:rPr lang="es-MX" sz="2400" dirty="0" err="1" smtClean="0">
+                <a:solidFill>
+                  <a:schemeClr val="bg1">
+                    <a:lumMod val="50000"/>
+                  </a:schemeClr>
+                </a:solidFill>
+                <a:latin typeface="Roboto" panose="02000000000000000000" pitchFamily="2" charset="0"/>
+                <a:ea typeface="Roboto" panose="02000000000000000000" pitchFamily="2" charset="0"/>
+              </a:rPr>
+              <a:t>git</a:t>
+            </a:r>
+            <a:r>
+              <a:rPr lang="es-MX" sz="2400" dirty="0" smtClean="0">
+                <a:solidFill>
+                  <a:schemeClr val="bg1">
+                    <a:lumMod val="50000"/>
+                  </a:schemeClr>
+                </a:solidFill>
+                <a:latin typeface="Roboto" panose="02000000000000000000" pitchFamily="2" charset="0"/>
+                <a:ea typeface="Roboto" panose="02000000000000000000" pitchFamily="2" charset="0"/>
+              </a:rPr>
+              <a:t> </a:t>
+            </a:r>
+            <a:r>
+              <a:rPr lang="es-MX" sz="2400" dirty="0" err="1" smtClean="0">
+                <a:solidFill>
+                  <a:schemeClr val="bg1">
+                    <a:lumMod val="50000"/>
+                  </a:schemeClr>
+                </a:solidFill>
+                <a:latin typeface="Roboto" panose="02000000000000000000" pitchFamily="2" charset="0"/>
+                <a:ea typeface="Roboto" panose="02000000000000000000" pitchFamily="2" charset="0"/>
+              </a:rPr>
+              <a:t>remote</a:t>
+            </a:r>
+            <a:r>
+              <a:rPr lang="es-MX" sz="2400" dirty="0" smtClean="0">
+                <a:solidFill>
+                  <a:schemeClr val="bg1">
+                    <a:lumMod val="50000"/>
+                  </a:schemeClr>
+                </a:solidFill>
+                <a:latin typeface="Roboto" panose="02000000000000000000" pitchFamily="2" charset="0"/>
+                <a:ea typeface="Roboto" panose="02000000000000000000" pitchFamily="2" charset="0"/>
+              </a:rPr>
+              <a:t> –v</a:t>
+            </a:r>
+          </a:p>
+          <a:p>
+            <a:pPr marL="0" indent="0">
+              <a:buNone/>
+            </a:pPr>
+            <a:endParaRPr lang="es-MX" sz="2400" dirty="0">
+              <a:solidFill>
+                <a:schemeClr val="bg1">
+                  <a:lumMod val="50000"/>
+                </a:schemeClr>
+              </a:solidFill>
+              <a:latin typeface="Roboto" panose="02000000000000000000" pitchFamily="2" charset="0"/>
+              <a:ea typeface="Roboto" panose="02000000000000000000" pitchFamily="2" charset="0"/>
+            </a:endParaRPr>
+          </a:p>
+          <a:p>
+            <a:pPr marL="0" indent="0">
+              <a:buNone/>
+            </a:pPr>
+            <a:r>
+              <a:rPr lang="es-MX" sz="2200" dirty="0">
+                <a:solidFill>
+                  <a:schemeClr val="bg1">
+                    <a:lumMod val="75000"/>
+                  </a:schemeClr>
+                </a:solidFill>
+                <a:latin typeface="Roboto" panose="02000000000000000000" pitchFamily="2" charset="0"/>
+                <a:ea typeface="Roboto" panose="02000000000000000000" pitchFamily="2" charset="0"/>
+              </a:rPr>
+              <a:t>Publicar cambios</a:t>
+            </a:r>
+          </a:p>
+          <a:p>
+            <a:pPr marL="0" indent="0">
+              <a:buNone/>
+            </a:pPr>
+            <a:r>
+              <a:rPr lang="es-MX" sz="2400" dirty="0" err="1">
+                <a:solidFill>
+                  <a:schemeClr val="bg1">
+                    <a:lumMod val="50000"/>
+                  </a:schemeClr>
+                </a:solidFill>
+                <a:latin typeface="Roboto" panose="02000000000000000000" pitchFamily="2" charset="0"/>
+                <a:ea typeface="Roboto" panose="02000000000000000000" pitchFamily="2" charset="0"/>
+              </a:rPr>
+              <a:t>g</a:t>
+            </a:r>
+            <a:r>
+              <a:rPr lang="es-MX" sz="2400" dirty="0" err="1" smtClean="0">
+                <a:solidFill>
+                  <a:schemeClr val="bg1">
+                    <a:lumMod val="50000"/>
+                  </a:schemeClr>
+                </a:solidFill>
+                <a:latin typeface="Roboto" panose="02000000000000000000" pitchFamily="2" charset="0"/>
+                <a:ea typeface="Roboto" panose="02000000000000000000" pitchFamily="2" charset="0"/>
+              </a:rPr>
+              <a:t>it</a:t>
+            </a:r>
+            <a:r>
+              <a:rPr lang="es-MX" sz="2400" dirty="0" smtClean="0">
+                <a:solidFill>
+                  <a:schemeClr val="bg1">
+                    <a:lumMod val="50000"/>
+                  </a:schemeClr>
+                </a:solidFill>
+                <a:latin typeface="Roboto" panose="02000000000000000000" pitchFamily="2" charset="0"/>
+                <a:ea typeface="Roboto" panose="02000000000000000000" pitchFamily="2" charset="0"/>
+              </a:rPr>
+              <a:t> </a:t>
+            </a:r>
+            <a:r>
+              <a:rPr lang="es-MX" sz="2400" dirty="0" err="1" smtClean="0">
+                <a:solidFill>
+                  <a:schemeClr val="bg1">
+                    <a:lumMod val="50000"/>
+                  </a:schemeClr>
+                </a:solidFill>
+                <a:latin typeface="Roboto" panose="02000000000000000000" pitchFamily="2" charset="0"/>
+                <a:ea typeface="Roboto" panose="02000000000000000000" pitchFamily="2" charset="0"/>
+              </a:rPr>
+              <a:t>push</a:t>
+            </a:r>
+            <a:r>
+              <a:rPr lang="es-MX" sz="2400" dirty="0" smtClean="0">
+                <a:solidFill>
+                  <a:schemeClr val="bg1">
+                    <a:lumMod val="50000"/>
+                  </a:schemeClr>
+                </a:solidFill>
+                <a:latin typeface="Roboto" panose="02000000000000000000" pitchFamily="2" charset="0"/>
+                <a:ea typeface="Roboto" panose="02000000000000000000" pitchFamily="2" charset="0"/>
+              </a:rPr>
+              <a:t> –u </a:t>
+            </a:r>
+            <a:r>
+              <a:rPr lang="es-MX" sz="2400" dirty="0" err="1" smtClean="0">
+                <a:solidFill>
+                  <a:schemeClr val="bg1">
+                    <a:lumMod val="50000"/>
+                  </a:schemeClr>
+                </a:solidFill>
+                <a:latin typeface="Roboto" panose="02000000000000000000" pitchFamily="2" charset="0"/>
+                <a:ea typeface="Roboto" panose="02000000000000000000" pitchFamily="2" charset="0"/>
+              </a:rPr>
+              <a:t>origin</a:t>
+            </a:r>
+            <a:r>
+              <a:rPr lang="es-MX" sz="2400" dirty="0" smtClean="0">
+                <a:solidFill>
+                  <a:schemeClr val="bg1">
+                    <a:lumMod val="50000"/>
+                  </a:schemeClr>
+                </a:solidFill>
+                <a:latin typeface="Roboto" panose="02000000000000000000" pitchFamily="2" charset="0"/>
+                <a:ea typeface="Roboto" panose="02000000000000000000" pitchFamily="2" charset="0"/>
+              </a:rPr>
+              <a:t> master</a:t>
+            </a:r>
+            <a:endParaRPr lang="es-MX" sz="2400" dirty="0">
+              <a:solidFill>
+                <a:schemeClr val="bg1">
+                  <a:lumMod val="50000"/>
+                </a:schemeClr>
+              </a:solidFill>
+              <a:latin typeface="Roboto" panose="02000000000000000000" pitchFamily="2" charset="0"/>
+              <a:ea typeface="Roboto" panose="02000000000000000000" pitchFamily="2" charset="0"/>
+            </a:endParaRPr>
+          </a:p>
+        </p:txBody>
+      </p:sp>
+    </p:spTree>
+    <p:extLst>
+      <p:ext uri="{BB962C8B-B14F-4D97-AF65-F5344CB8AC3E}">
+        <p14:creationId xmlns:p14="http://schemas.microsoft.com/office/powerpoint/2010/main" val="1060063928"/>
+      </p:ext>
+    </p:extLst>
+  </p:cSld>
+  <p:clrMapOvr>
+    <a:masterClrMapping/>
+  </p:clrMapOvr>
+  <p:timing>
+    <p:tnLst>
+      <p:par>
+        <p:cTn id="1" dur="indefinite" restart="never" nodeType="tmRoot"/>
+      </p:par>
+    </p:tnLst>
+  </p:timing>
+</p:sld>
+</file>
+
+<file path=ppt/slides/slide15.xml><?xml version="1.0" encoding="utf-8"?>
+<p:sld xmlns:a="http://schemas.openxmlformats.org/drawingml/2006/main" xmlns:r="http://schemas.openxmlformats.org/officeDocument/2006/relationships" xmlns:p="http://schemas.openxmlformats.org/presentationml/2006/main">
+  <p:cSld>
+    <p:spTree>
+      <p:nvGrpSpPr>
+        <p:cNvPr id="1" name=""/>
+        <p:cNvGrpSpPr/>
+        <p:nvPr/>
+      </p:nvGrpSpPr>
+      <p:grpSpPr>
+        <a:xfrm>
+          <a:off x="0" y="0"/>
+          <a:ext cx="0" cy="0"/>
+          <a:chOff x="0" y="0"/>
+          <a:chExt cx="0" cy="0"/>
+        </a:xfrm>
+      </p:grpSpPr>
+      <p:sp>
+        <p:nvSpPr>
+          <p:cNvPr id="2" name="Título 1"/>
+          <p:cNvSpPr>
+            <a:spLocks noGrp="1"/>
+          </p:cNvSpPr>
+          <p:nvPr>
+            <p:ph type="title"/>
+          </p:nvPr>
+        </p:nvSpPr>
+        <p:spPr/>
+        <p:txBody>
+          <a:bodyPr/>
+          <a:lstStyle/>
+          <a:p>
             <a:endParaRPr lang="es-MX" dirty="0"/>
           </a:p>
         </p:txBody>
@@ -3317,6 +5667,13 @@
   <p:clrMapOvr>
     <a:masterClrMapping/>
   </p:clrMapOvr>
+  <p:timing>
+    <p:tnLst>
+      <p:par>
+        <p:cTn id="1" dur="indefinite" restart="never" nodeType="tmRoot"/>
+      </p:par>
+    </p:tnLst>
+  </p:timing>
 </p:sld>
 </file>
 
@@ -3357,25 +5714,25 @@
             <a:r>
               <a:rPr lang="es-MX" sz="5000" dirty="0" smtClean="0">
                 <a:solidFill>
+                  <a:srgbClr val="D50F2E"/>
+                </a:solidFill>
+                <a:latin typeface="Roboto Black" panose="02000000000000000000" pitchFamily="2" charset="0"/>
+                <a:ea typeface="Roboto Black" panose="02000000000000000000" pitchFamily="2" charset="0"/>
+              </a:rPr>
+              <a:t>Datos</a:t>
+            </a:r>
+            <a:r>
+              <a:rPr lang="es-MX" sz="4000" dirty="0" smtClean="0">
+                <a:solidFill>
                   <a:srgbClr val="6A3093"/>
                 </a:solidFill>
                 <a:latin typeface="Roboto" panose="02000000000000000000" pitchFamily="2" charset="0"/>
                 <a:ea typeface="Roboto" panose="02000000000000000000" pitchFamily="2" charset="0"/>
               </a:rPr>
-              <a:t>Datos</a:t>
-            </a:r>
-            <a:r>
-              <a:rPr lang="es-MX" sz="4000" dirty="0" smtClean="0">
-                <a:solidFill>
-                  <a:srgbClr val="6A3093"/>
-                </a:solidFill>
-                <a:latin typeface="Roboto" panose="02000000000000000000" pitchFamily="2" charset="0"/>
-                <a:ea typeface="Roboto" panose="02000000000000000000" pitchFamily="2" charset="0"/>
-              </a:rPr>
               <a:t> </a:t>
             </a:r>
             <a:r>
-              <a:rPr lang="es-MX" sz="3000" dirty="0">
+              <a:rPr lang="es-MX" sz="2500" dirty="0">
                 <a:solidFill>
                   <a:schemeClr val="bg1">
                     <a:lumMod val="85000"/>
@@ -3399,7 +5756,7 @@
               <a:t> </a:t>
             </a:r>
             <a:r>
-              <a:rPr lang="es-MX" sz="4000" dirty="0" err="1" smtClean="0">
+              <a:rPr lang="es-MX" sz="3000" dirty="0" err="1">
                 <a:solidFill>
                   <a:schemeClr val="bg1">
                     <a:lumMod val="85000"/>
@@ -3420,9 +5777,21 @@
                 <a:latin typeface="Roboto" panose="02000000000000000000" pitchFamily="2" charset="0"/>
                 <a:ea typeface="Roboto" panose="02000000000000000000" pitchFamily="2" charset="0"/>
               </a:rPr>
-              <a:t> ]</a:t>
-            </a:r>
-            <a:endParaRPr lang="es-MX" sz="3000" dirty="0">
+              <a:t> </a:t>
+            </a:r>
+            <a:r>
+              <a:rPr lang="es-MX" sz="2500" dirty="0">
+                <a:solidFill>
+                  <a:schemeClr val="bg1">
+                    <a:lumMod val="85000"/>
+                  </a:schemeClr>
+                </a:solidFill>
+                <a:latin typeface="Roboto" panose="02000000000000000000" pitchFamily="2" charset="0"/>
+                <a:ea typeface="Roboto" panose="02000000000000000000" pitchFamily="2" charset="0"/>
+              </a:rPr>
+              <a:t>]</a:t>
+            </a:r>
+            <a:endParaRPr lang="es-MX" sz="2500" dirty="0">
               <a:solidFill>
                 <a:schemeClr val="bg1">
                   <a:lumMod val="85000"/>
@@ -3841,12 +6210,22 @@
             <a:r>
               <a:rPr lang="es-MX" sz="8000" dirty="0" smtClean="0">
                 <a:solidFill>
+                  <a:srgbClr val="D50F2E"/>
+                </a:solidFill>
+                <a:latin typeface="Roboto" panose="02000000000000000000" pitchFamily="2" charset="0"/>
+                <a:ea typeface="Roboto" panose="02000000000000000000" pitchFamily="2" charset="0"/>
+              </a:rPr>
+              <a:t>Instalación</a:t>
+            </a:r>
+            <a:r>
+              <a:rPr lang="es-MX" sz="8000" dirty="0" smtClean="0">
+                <a:solidFill>
                   <a:srgbClr val="6A3093"/>
                 </a:solidFill>
                 <a:latin typeface="Roboto" panose="02000000000000000000" pitchFamily="2" charset="0"/>
                 <a:ea typeface="Roboto" panose="02000000000000000000" pitchFamily="2" charset="0"/>
               </a:rPr>
-              <a:t>Instalación </a:t>
+              <a:t> </a:t>
             </a:r>
             <a:br>
               <a:rPr lang="es-MX" sz="8000" dirty="0" smtClean="0">
@@ -4169,19 +6548,7 @@
                   <a:latin typeface="Roboto" panose="02000000000000000000" pitchFamily="2" charset="0"/>
                   <a:ea typeface="Roboto" panose="02000000000000000000" pitchFamily="2" charset="0"/>
                 </a:rPr>
-                <a:t>G</a:t>
-              </a:r>
-              <a:r>
-                <a:rPr lang="es-MX" sz="2500" dirty="0" err="1">
-                  <a:solidFill>
-                    <a:schemeClr val="bg1">
-                      <a:lumMod val="65000"/>
-                    </a:schemeClr>
-                  </a:solidFill>
-                  <a:latin typeface="Roboto" panose="02000000000000000000" pitchFamily="2" charset="0"/>
-                  <a:ea typeface="Roboto" panose="02000000000000000000" pitchFamily="2" charset="0"/>
-                </a:rPr>
-                <a:t>it</a:t>
+                <a:t>Git</a:t>
               </a:r>
               <a:r>
                 <a:rPr lang="es-MX" sz="2500" dirty="0">
@@ -4508,26 +6875,38 @@
           <a:lstStyle/>
           <a:p>
             <a:r>
-              <a:rPr lang="es-MX" sz="5000" dirty="0" err="1" smtClean="0">
+              <a:rPr lang="es-MX" sz="5000" dirty="0" err="1">
+                <a:solidFill>
+                  <a:srgbClr val="D50F2E"/>
+                </a:solidFill>
+                <a:latin typeface="Roboto Black" panose="02000000000000000000" pitchFamily="2" charset="0"/>
+                <a:ea typeface="Roboto Black" panose="02000000000000000000" pitchFamily="2" charset="0"/>
+              </a:rPr>
+              <a:t>Config</a:t>
+            </a:r>
+            <a:r>
+              <a:rPr lang="es-MX" sz="5000" dirty="0" smtClean="0">
                 <a:solidFill>
                   <a:srgbClr val="6A3093"/>
                 </a:solidFill>
                 <a:latin typeface="Roboto" panose="02000000000000000000" pitchFamily="2" charset="0"/>
                 <a:ea typeface="Roboto" panose="02000000000000000000" pitchFamily="2" charset="0"/>
               </a:rPr>
-              <a:t>Config</a:t>
-            </a:r>
-            <a:r>
-              <a:rPr lang="es-MX" sz="5000" dirty="0" smtClean="0">
-                <a:solidFill>
-                  <a:srgbClr val="6A3093"/>
-                </a:solidFill>
-                <a:latin typeface="Roboto" panose="02000000000000000000" pitchFamily="2" charset="0"/>
-                <a:ea typeface="Roboto" panose="02000000000000000000" pitchFamily="2" charset="0"/>
-              </a:rPr>
               <a:t> </a:t>
             </a:r>
             <a:r>
+              <a:rPr lang="es-MX" sz="2500" dirty="0">
+                <a:solidFill>
+                  <a:schemeClr val="bg1">
+                    <a:lumMod val="85000"/>
+                  </a:schemeClr>
+                </a:solidFill>
+                <a:latin typeface="Roboto" panose="02000000000000000000" pitchFamily="2" charset="0"/>
+                <a:ea typeface="Roboto" panose="02000000000000000000" pitchFamily="2" charset="0"/>
+              </a:rPr>
+              <a:t>[</a:t>
+            </a:r>
+            <a:r>
               <a:rPr lang="es-MX" sz="3000" dirty="0" smtClean="0">
                 <a:solidFill>
                   <a:schemeClr val="bg1">
@@ -4537,10 +6916,10 @@
                 <a:latin typeface="Roboto" panose="02000000000000000000" pitchFamily="2" charset="0"/>
                 <a:ea typeface="Roboto" panose="02000000000000000000" pitchFamily="2" charset="0"/>
               </a:rPr>
-              <a:t>[ </a:t>
-            </a:r>
-            <a:r>
-              <a:rPr lang="es-MX" sz="4000" dirty="0" err="1" smtClean="0">
+              <a:t> </a:t>
+            </a:r>
+            <a:r>
+              <a:rPr lang="es-MX" sz="3000" dirty="0" err="1" smtClean="0">
                 <a:solidFill>
                   <a:schemeClr val="bg1">
                     <a:lumMod val="85000"/>
@@ -4564,7 +6943,7 @@
               <a:t> </a:t>
             </a:r>
             <a:r>
-              <a:rPr lang="es-MX" sz="3000" dirty="0" smtClean="0">
+              <a:rPr lang="es-MX" sz="2500" dirty="0" smtClean="0">
                 <a:solidFill>
                   <a:schemeClr val="bg1">
                     <a:lumMod val="85000"/>
@@ -4617,7 +6996,7 @@
         </p:spPr>
         <p:txBody>
           <a:bodyPr>
-            <a:normAutofit/>
+            <a:noAutofit/>
           </a:bodyPr>
           <a:lstStyle/>
           <a:p>
@@ -4980,6 +7359,135 @@
       </p:grpSpPr>
       <p:sp>
         <p:nvSpPr>
+          <p:cNvPr id="2" name="Título 1"/>
+          <p:cNvSpPr>
+            <a:spLocks noGrp="1"/>
+          </p:cNvSpPr>
+          <p:nvPr>
+            <p:ph type="title"/>
+          </p:nvPr>
+        </p:nvSpPr>
+        <p:spPr/>
+        <p:txBody>
+          <a:bodyPr/>
+          <a:lstStyle/>
+          <a:p>
+            <a:r>
+              <a:rPr lang="es-MX" sz="5000" dirty="0" err="1" smtClean="0">
+                <a:solidFill>
+                  <a:srgbClr val="D50F2E"/>
+                </a:solidFill>
+                <a:latin typeface="Roboto Black" panose="02000000000000000000" pitchFamily="2" charset="0"/>
+                <a:ea typeface="Roboto Black" panose="02000000000000000000" pitchFamily="2" charset="0"/>
+              </a:rPr>
+              <a:t>Check</a:t>
+            </a:r>
+            <a:r>
+              <a:rPr lang="es-MX" sz="5000" dirty="0" smtClean="0">
+                <a:solidFill>
+                  <a:srgbClr val="D50F2E"/>
+                </a:solidFill>
+                <a:latin typeface="Roboto Black" panose="02000000000000000000" pitchFamily="2" charset="0"/>
+                <a:ea typeface="Roboto Black" panose="02000000000000000000" pitchFamily="2" charset="0"/>
+              </a:rPr>
+              <a:t> SSH </a:t>
+            </a:r>
+            <a:r>
+              <a:rPr lang="es-MX" sz="5000" dirty="0" smtClean="0">
+                <a:solidFill>
+                  <a:srgbClr val="6A3093"/>
+                </a:solidFill>
+                <a:latin typeface="Roboto" panose="02000000000000000000" pitchFamily="2" charset="0"/>
+                <a:ea typeface="Roboto" panose="02000000000000000000" pitchFamily="2" charset="0"/>
+              </a:rPr>
+              <a:t> </a:t>
+            </a:r>
+            <a:r>
+              <a:rPr lang="es-MX" sz="2500" dirty="0">
+                <a:solidFill>
+                  <a:schemeClr val="bg1">
+                    <a:lumMod val="85000"/>
+                  </a:schemeClr>
+                </a:solidFill>
+                <a:latin typeface="Roboto" panose="02000000000000000000" pitchFamily="2" charset="0"/>
+                <a:ea typeface="Roboto" panose="02000000000000000000" pitchFamily="2" charset="0"/>
+              </a:rPr>
+              <a:t>[</a:t>
+            </a:r>
+            <a:r>
+              <a:rPr lang="es-MX" sz="3000" dirty="0" smtClean="0">
+                <a:solidFill>
+                  <a:schemeClr val="bg1">
+                    <a:lumMod val="85000"/>
+                  </a:schemeClr>
+                </a:solidFill>
+                <a:latin typeface="Roboto" panose="02000000000000000000" pitchFamily="2" charset="0"/>
+                <a:ea typeface="Roboto" panose="02000000000000000000" pitchFamily="2" charset="0"/>
+              </a:rPr>
+              <a:t> </a:t>
+            </a:r>
+            <a:r>
+              <a:rPr lang="es-MX" sz="3000" dirty="0" err="1" smtClean="0">
+                <a:solidFill>
+                  <a:schemeClr val="bg1">
+                    <a:lumMod val="85000"/>
+                  </a:schemeClr>
+                </a:solidFill>
+                <a:latin typeface="Roboto" panose="02000000000000000000" pitchFamily="2" charset="0"/>
+                <a:ea typeface="Roboto" panose="02000000000000000000" pitchFamily="2" charset="0"/>
+              </a:rPr>
+              <a:t>git</a:t>
+            </a:r>
+            <a:r>
+              <a:rPr lang="es-MX" sz="4000" dirty="0" smtClean="0">
+                <a:solidFill>
+                  <a:schemeClr val="bg1">
+                    <a:lumMod val="85000"/>
+                  </a:schemeClr>
+                </a:solidFill>
+                <a:latin typeface="Roboto" panose="02000000000000000000" pitchFamily="2" charset="0"/>
+                <a:ea typeface="Roboto" panose="02000000000000000000" pitchFamily="2" charset="0"/>
+              </a:rPr>
+              <a:t> </a:t>
+            </a:r>
+            <a:r>
+              <a:rPr lang="es-MX" sz="2500" dirty="0" smtClean="0">
+                <a:solidFill>
+                  <a:schemeClr val="bg1">
+                    <a:lumMod val="85000"/>
+                  </a:schemeClr>
+                </a:solidFill>
+                <a:latin typeface="Roboto" panose="02000000000000000000" pitchFamily="2" charset="0"/>
+                <a:ea typeface="Roboto" panose="02000000000000000000" pitchFamily="2" charset="0"/>
+              </a:rPr>
+              <a:t>]</a:t>
+            </a:r>
+            <a:r>
+              <a:rPr lang="es-MX" sz="4000" dirty="0" smtClean="0">
+                <a:solidFill>
+                  <a:schemeClr val="bg1">
+                    <a:lumMod val="85000"/>
+                  </a:schemeClr>
+                </a:solidFill>
+                <a:latin typeface="Roboto" panose="02000000000000000000" pitchFamily="2" charset="0"/>
+                <a:ea typeface="Roboto" panose="02000000000000000000" pitchFamily="2" charset="0"/>
+              </a:rPr>
+              <a:t> </a:t>
+            </a:r>
+            <a:endParaRPr lang="es-MX" sz="4000" dirty="0">
+              <a:solidFill>
+                <a:schemeClr val="bg1">
+                  <a:lumMod val="85000"/>
+                </a:schemeClr>
+              </a:solidFill>
+              <a:latin typeface="Roboto" panose="02000000000000000000" pitchFamily="2" charset="0"/>
+              <a:ea typeface="Roboto" panose="02000000000000000000" pitchFamily="2" charset="0"/>
+            </a:endParaRPr>
+          </a:p>
+        </p:txBody>
+      </p:sp>
+      <p:sp>
+        <p:nvSpPr>
           <p:cNvPr id="3" name="Marcador de contenido 2"/>
           <p:cNvSpPr>
             <a:spLocks noGrp="1"/>
@@ -4990,19 +7498,21 @@
         </p:nvSpPr>
         <p:spPr>
           <a:xfrm>
-            <a:off x="862913" y="2333840"/>
+            <a:off x="838200" y="2333840"/>
             <a:ext cx="10515600" cy="2190321"/>
           </a:xfrm>
         </p:spPr>
         <p:txBody>
-          <a:bodyPr/>
+          <a:bodyPr>
+            <a:noAutofit/>
+          </a:bodyPr>
           <a:lstStyle/>
           <a:p>
             <a:pPr marL="0" indent="0">
               <a:buNone/>
             </a:pPr>
             <a:r>
-              <a:rPr lang="es-MX" sz="2200" dirty="0">
+              <a:rPr lang="es-MX" sz="2200" dirty="0" smtClean="0">
                 <a:solidFill>
                   <a:schemeClr val="bg1">
                     <a:lumMod val="75000"/>
@@ -5011,127 +7521,59 @@
                 <a:latin typeface="Roboto" panose="02000000000000000000" pitchFamily="2" charset="0"/>
                 <a:ea typeface="Roboto" panose="02000000000000000000" pitchFamily="2" charset="0"/>
               </a:rPr>
-              <a:t>Iniciar </a:t>
-            </a:r>
-            <a:r>
-              <a:rPr lang="es-MX" sz="2200" dirty="0" err="1">
-                <a:solidFill>
-                  <a:schemeClr val="bg1">
-                    <a:lumMod val="75000"/>
-                  </a:schemeClr>
-                </a:solidFill>
-                <a:latin typeface="Roboto" panose="02000000000000000000" pitchFamily="2" charset="0"/>
-                <a:ea typeface="Roboto" panose="02000000000000000000" pitchFamily="2" charset="0"/>
-              </a:rPr>
-              <a:t>git</a:t>
-            </a:r>
-            <a:r>
-              <a:rPr lang="es-MX" sz="2200" dirty="0">
-                <a:solidFill>
-                  <a:schemeClr val="bg1">
-                    <a:lumMod val="75000"/>
-                  </a:schemeClr>
-                </a:solidFill>
-                <a:latin typeface="Roboto" panose="02000000000000000000" pitchFamily="2" charset="0"/>
-                <a:ea typeface="Roboto" panose="02000000000000000000" pitchFamily="2" charset="0"/>
-              </a:rPr>
-              <a:t> en folder</a:t>
-            </a:r>
+              <a:t>Checar claves</a:t>
+            </a:r>
+            <a:endParaRPr lang="es-MX" sz="2200" dirty="0" smtClean="0">
+              <a:solidFill>
+                <a:schemeClr val="bg1">
+                  <a:lumMod val="75000"/>
+                </a:schemeClr>
+              </a:solidFill>
+              <a:latin typeface="Roboto" panose="02000000000000000000" pitchFamily="2" charset="0"/>
+              <a:ea typeface="Roboto" panose="02000000000000000000" pitchFamily="2" charset="0"/>
+            </a:endParaRPr>
           </a:p>
           <a:p>
             <a:pPr marL="0" indent="0">
               <a:buNone/>
             </a:pPr>
             <a:r>
-              <a:rPr lang="es-MX" sz="2400" dirty="0" err="1">
-                <a:solidFill>
-                  <a:schemeClr val="bg1">
-                    <a:lumMod val="50000"/>
-                  </a:schemeClr>
-                </a:solidFill>
-                <a:latin typeface="Roboto" panose="02000000000000000000" pitchFamily="2" charset="0"/>
-                <a:ea typeface="Roboto" panose="02000000000000000000" pitchFamily="2" charset="0"/>
-              </a:rPr>
-              <a:t>git</a:t>
-            </a:r>
-            <a:r>
-              <a:rPr lang="es-MX" sz="2400" dirty="0">
-                <a:solidFill>
-                  <a:schemeClr val="bg1">
-                    <a:lumMod val="50000"/>
-                  </a:schemeClr>
-                </a:solidFill>
-                <a:latin typeface="Roboto" panose="02000000000000000000" pitchFamily="2" charset="0"/>
-                <a:ea typeface="Roboto" panose="02000000000000000000" pitchFamily="2" charset="0"/>
-              </a:rPr>
-              <a:t> </a:t>
-            </a:r>
-            <a:r>
-              <a:rPr lang="es-MX" sz="2400" dirty="0" err="1">
-                <a:solidFill>
-                  <a:schemeClr val="bg1">
-                    <a:lumMod val="50000"/>
-                  </a:schemeClr>
-                </a:solidFill>
-                <a:latin typeface="Roboto" panose="02000000000000000000" pitchFamily="2" charset="0"/>
-                <a:ea typeface="Roboto" panose="02000000000000000000" pitchFamily="2" charset="0"/>
-              </a:rPr>
-              <a:t>init</a:t>
-            </a:r>
-            <a:r>
-              <a:rPr lang="es-MX" sz="2400" dirty="0">
-                <a:solidFill>
-                  <a:schemeClr val="bg1">
-                    <a:lumMod val="50000"/>
-                  </a:schemeClr>
-                </a:solidFill>
-                <a:latin typeface="Roboto" panose="02000000000000000000" pitchFamily="2" charset="0"/>
-                <a:ea typeface="Roboto" panose="02000000000000000000" pitchFamily="2" charset="0"/>
-              </a:rPr>
-              <a:t> </a:t>
-            </a:r>
-            <a:r>
-              <a:rPr lang="es-MX" sz="2000" dirty="0">
-                <a:solidFill>
-                  <a:schemeClr val="bg1">
-                    <a:lumMod val="50000"/>
-                  </a:schemeClr>
-                </a:solidFill>
-                <a:latin typeface="Roboto" panose="02000000000000000000" pitchFamily="2" charset="0"/>
-                <a:ea typeface="Roboto" panose="02000000000000000000" pitchFamily="2" charset="0"/>
-              </a:rPr>
-              <a:t>[</a:t>
-            </a:r>
-            <a:r>
-              <a:rPr lang="es-MX" sz="2400" dirty="0">
-                <a:solidFill>
-                  <a:schemeClr val="bg1">
-                    <a:lumMod val="50000"/>
-                  </a:schemeClr>
-                </a:solidFill>
-                <a:latin typeface="Roboto" panose="02000000000000000000" pitchFamily="2" charset="0"/>
-                <a:ea typeface="Roboto" panose="02000000000000000000" pitchFamily="2" charset="0"/>
-              </a:rPr>
-              <a:t>nombre repo</a:t>
-            </a:r>
-            <a:r>
-              <a:rPr lang="es-MX" sz="2000" dirty="0" smtClean="0">
-                <a:solidFill>
-                  <a:schemeClr val="bg1">
-                    <a:lumMod val="50000"/>
-                  </a:schemeClr>
-                </a:solidFill>
-                <a:latin typeface="Roboto" panose="02000000000000000000" pitchFamily="2" charset="0"/>
-                <a:ea typeface="Roboto" panose="02000000000000000000" pitchFamily="2" charset="0"/>
-              </a:rPr>
-              <a:t>]</a:t>
-            </a:r>
-          </a:p>
-          <a:p>
-            <a:pPr marL="0" indent="0">
-              <a:buNone/>
-            </a:pPr>
-            <a:endParaRPr lang="es-MX" sz="2000" dirty="0">
+              <a:rPr lang="es-MX" sz="2400" dirty="0" err="1" smtClean="0">
+                <a:solidFill>
+                  <a:schemeClr val="bg1">
+                    <a:lumMod val="50000"/>
+                  </a:schemeClr>
+                </a:solidFill>
+                <a:latin typeface="Roboto" panose="02000000000000000000" pitchFamily="2" charset="0"/>
+                <a:ea typeface="Roboto" panose="02000000000000000000" pitchFamily="2" charset="0"/>
+              </a:rPr>
+              <a:t>ls</a:t>
+            </a:r>
+            <a:r>
+              <a:rPr lang="es-MX" sz="2400" dirty="0" smtClean="0">
+                <a:solidFill>
+                  <a:schemeClr val="bg1">
+                    <a:lumMod val="50000"/>
+                  </a:schemeClr>
+                </a:solidFill>
+                <a:latin typeface="Roboto" panose="02000000000000000000" pitchFamily="2" charset="0"/>
+                <a:ea typeface="Roboto" panose="02000000000000000000" pitchFamily="2" charset="0"/>
+              </a:rPr>
+              <a:t> –al ~/.</a:t>
+            </a:r>
+            <a:r>
+              <a:rPr lang="es-MX" sz="2400" dirty="0" err="1" smtClean="0">
+                <a:solidFill>
+                  <a:schemeClr val="bg1">
+                    <a:lumMod val="50000"/>
+                  </a:schemeClr>
+                </a:solidFill>
+                <a:latin typeface="Roboto" panose="02000000000000000000" pitchFamily="2" charset="0"/>
+                <a:ea typeface="Roboto" panose="02000000000000000000" pitchFamily="2" charset="0"/>
+              </a:rPr>
+              <a:t>ssh</a:t>
+            </a:r>
+            <a:endParaRPr lang="es-MX" sz="2400" dirty="0" smtClean="0">
               <a:solidFill>
                 <a:schemeClr val="bg1">
                   <a:lumMod val="50000"/>
@@ -5142,24 +7584,24 @@
             </a:endParaRPr>
           </a:p>
           <a:p>
-            <a:pPr marL="0" indent="0">
+            <a:pPr marL="457200" lvl="1" indent="0" fontAlgn="base">
               <a:buNone/>
             </a:pPr>
             <a:r>
-              <a:rPr lang="es-MX" sz="2200" dirty="0">
-                <a:solidFill>
-                  <a:schemeClr val="bg1">
+              <a:rPr lang="es-MX" dirty="0" smtClean="0">
+                <a:solidFill>
+                  <a:schemeClr val="accent2">
                     <a:lumMod val="75000"/>
                   </a:schemeClr>
                 </a:solidFill>
                 <a:latin typeface="Roboto" panose="02000000000000000000" pitchFamily="2" charset="0"/>
                 <a:ea typeface="Roboto" panose="02000000000000000000" pitchFamily="2" charset="0"/>
               </a:rPr>
-              <a:t>Agregar los archivos existentes</a:t>
-            </a:r>
-            <a:endParaRPr lang="es-MX" sz="2200" dirty="0">
+              <a:t>&gt; id_dsa.pub</a:t>
+            </a:r>
+            <a:endParaRPr lang="es-MX" dirty="0">
               <a:solidFill>
-                <a:schemeClr val="bg1">
+                <a:schemeClr val="accent2">
                   <a:lumMod val="75000"/>
                 </a:schemeClr>
               </a:solidFill>
@@ -5168,246 +7610,77 @@
             </a:endParaRPr>
           </a:p>
           <a:p>
-            <a:pPr marL="0" indent="0">
+            <a:pPr marL="457200" lvl="1" indent="0" fontAlgn="base">
               <a:buNone/>
             </a:pPr>
             <a:r>
-              <a:rPr lang="es-MX" sz="2400" dirty="0" err="1" smtClean="0">
-                <a:solidFill>
-                  <a:schemeClr val="bg1">
-                    <a:lumMod val="50000"/>
-                  </a:schemeClr>
-                </a:solidFill>
-                <a:latin typeface="Roboto" panose="02000000000000000000" pitchFamily="2" charset="0"/>
-                <a:ea typeface="Roboto" panose="02000000000000000000" pitchFamily="2" charset="0"/>
-              </a:rPr>
-              <a:t>git</a:t>
-            </a:r>
-            <a:r>
-              <a:rPr lang="es-MX" sz="2400" dirty="0" smtClean="0">
-                <a:solidFill>
-                  <a:schemeClr val="bg1">
-                    <a:lumMod val="50000"/>
-                  </a:schemeClr>
-                </a:solidFill>
-                <a:latin typeface="Roboto" panose="02000000000000000000" pitchFamily="2" charset="0"/>
-                <a:ea typeface="Roboto" panose="02000000000000000000" pitchFamily="2" charset="0"/>
-              </a:rPr>
-              <a:t> </a:t>
-            </a:r>
-            <a:r>
-              <a:rPr lang="es-MX" sz="2400" dirty="0" err="1">
-                <a:solidFill>
-                  <a:schemeClr val="bg1">
-                    <a:lumMod val="50000"/>
-                  </a:schemeClr>
-                </a:solidFill>
-                <a:latin typeface="Roboto" panose="02000000000000000000" pitchFamily="2" charset="0"/>
-                <a:ea typeface="Roboto" panose="02000000000000000000" pitchFamily="2" charset="0"/>
-              </a:rPr>
-              <a:t>add</a:t>
-            </a:r>
-            <a:r>
-              <a:rPr lang="es-MX" sz="2400" dirty="0">
-                <a:solidFill>
-                  <a:schemeClr val="bg1">
-                    <a:lumMod val="50000"/>
-                  </a:schemeClr>
-                </a:solidFill>
-                <a:latin typeface="Roboto" panose="02000000000000000000" pitchFamily="2" charset="0"/>
-                <a:ea typeface="Roboto" panose="02000000000000000000" pitchFamily="2" charset="0"/>
-              </a:rPr>
-              <a:t> </a:t>
-            </a:r>
-            <a:r>
-              <a:rPr lang="es-MX" sz="2400" dirty="0" smtClean="0">
-                <a:solidFill>
-                  <a:schemeClr val="bg1">
-                    <a:lumMod val="50000"/>
-                  </a:schemeClr>
-                </a:solidFill>
-                <a:latin typeface="Roboto" panose="02000000000000000000" pitchFamily="2" charset="0"/>
-                <a:ea typeface="Roboto" panose="02000000000000000000" pitchFamily="2" charset="0"/>
-              </a:rPr>
-              <a:t>. </a:t>
-            </a:r>
-            <a:r>
-              <a:rPr lang="es-MX" sz="2400" dirty="0">
-                <a:solidFill>
-                  <a:schemeClr val="bg1">
-                    <a:lumMod val="50000"/>
-                  </a:schemeClr>
-                </a:solidFill>
-                <a:latin typeface="Roboto" panose="02000000000000000000" pitchFamily="2" charset="0"/>
-                <a:ea typeface="Roboto" panose="02000000000000000000" pitchFamily="2" charset="0"/>
-              </a:rPr>
-              <a:t>	</a:t>
-            </a:r>
-            <a:r>
-              <a:rPr lang="es-MX" sz="2400" dirty="0" err="1">
-                <a:solidFill>
-                  <a:schemeClr val="bg1">
-                    <a:lumMod val="50000"/>
-                  </a:schemeClr>
-                </a:solidFill>
-                <a:latin typeface="Roboto" panose="02000000000000000000" pitchFamily="2" charset="0"/>
-                <a:ea typeface="Roboto" panose="02000000000000000000" pitchFamily="2" charset="0"/>
-              </a:rPr>
-              <a:t>g</a:t>
-            </a:r>
-            <a:r>
-              <a:rPr lang="es-MX" sz="2400" dirty="0" err="1" smtClean="0">
-                <a:solidFill>
-                  <a:schemeClr val="bg1">
-                    <a:lumMod val="50000"/>
-                  </a:schemeClr>
-                </a:solidFill>
-                <a:latin typeface="Roboto" panose="02000000000000000000" pitchFamily="2" charset="0"/>
-                <a:ea typeface="Roboto" panose="02000000000000000000" pitchFamily="2" charset="0"/>
-              </a:rPr>
-              <a:t>it</a:t>
-            </a:r>
-            <a:r>
-              <a:rPr lang="es-MX" sz="2400" dirty="0" smtClean="0">
-                <a:solidFill>
-                  <a:schemeClr val="bg1">
-                    <a:lumMod val="50000"/>
-                  </a:schemeClr>
-                </a:solidFill>
-                <a:latin typeface="Roboto" panose="02000000000000000000" pitchFamily="2" charset="0"/>
-                <a:ea typeface="Roboto" panose="02000000000000000000" pitchFamily="2" charset="0"/>
-              </a:rPr>
-              <a:t> </a:t>
-            </a:r>
-            <a:r>
-              <a:rPr lang="es-MX" sz="2400" dirty="0" err="1" smtClean="0">
-                <a:solidFill>
-                  <a:schemeClr val="bg1">
-                    <a:lumMod val="50000"/>
-                  </a:schemeClr>
-                </a:solidFill>
-                <a:latin typeface="Roboto" panose="02000000000000000000" pitchFamily="2" charset="0"/>
-                <a:ea typeface="Roboto" panose="02000000000000000000" pitchFamily="2" charset="0"/>
-              </a:rPr>
-              <a:t>add</a:t>
-            </a:r>
-            <a:r>
-              <a:rPr lang="es-MX" sz="2400" dirty="0" smtClean="0">
-                <a:solidFill>
-                  <a:schemeClr val="bg1">
-                    <a:lumMod val="50000"/>
-                  </a:schemeClr>
-                </a:solidFill>
-                <a:latin typeface="Roboto" panose="02000000000000000000" pitchFamily="2" charset="0"/>
-                <a:ea typeface="Roboto" panose="02000000000000000000" pitchFamily="2" charset="0"/>
-              </a:rPr>
-              <a:t> --</a:t>
-            </a:r>
-            <a:r>
-              <a:rPr lang="es-MX" sz="2400" dirty="0" err="1" smtClean="0">
-                <a:solidFill>
-                  <a:schemeClr val="bg1">
-                    <a:lumMod val="50000"/>
-                  </a:schemeClr>
-                </a:solidFill>
-                <a:latin typeface="Roboto" panose="02000000000000000000" pitchFamily="2" charset="0"/>
-                <a:ea typeface="Roboto" panose="02000000000000000000" pitchFamily="2" charset="0"/>
-              </a:rPr>
-              <a:t>all</a:t>
-            </a:r>
-            <a:r>
-              <a:rPr lang="es-MX" sz="2400" dirty="0">
-                <a:solidFill>
-                  <a:schemeClr val="bg1">
-                    <a:lumMod val="50000"/>
-                  </a:schemeClr>
-                </a:solidFill>
-                <a:latin typeface="Roboto" panose="02000000000000000000" pitchFamily="2" charset="0"/>
-                <a:ea typeface="Roboto" panose="02000000000000000000" pitchFamily="2" charset="0"/>
-              </a:rPr>
-              <a:t>	</a:t>
-            </a:r>
-            <a:r>
-              <a:rPr lang="es-MX" sz="2400" dirty="0" smtClean="0">
-                <a:solidFill>
-                  <a:schemeClr val="bg1">
-                    <a:lumMod val="50000"/>
-                  </a:schemeClr>
-                </a:solidFill>
-                <a:latin typeface="Roboto" panose="02000000000000000000" pitchFamily="2" charset="0"/>
-                <a:ea typeface="Roboto" panose="02000000000000000000" pitchFamily="2" charset="0"/>
-              </a:rPr>
-              <a:t>	</a:t>
-            </a:r>
-            <a:r>
-              <a:rPr lang="es-MX" sz="2400" dirty="0" err="1" smtClean="0">
-                <a:solidFill>
-                  <a:schemeClr val="bg1">
-                    <a:lumMod val="50000"/>
-                  </a:schemeClr>
-                </a:solidFill>
-                <a:latin typeface="Roboto" panose="02000000000000000000" pitchFamily="2" charset="0"/>
-                <a:ea typeface="Roboto" panose="02000000000000000000" pitchFamily="2" charset="0"/>
-              </a:rPr>
-              <a:t>git</a:t>
-            </a:r>
-            <a:r>
-              <a:rPr lang="es-MX" sz="2400" dirty="0" smtClean="0">
-                <a:solidFill>
-                  <a:schemeClr val="bg1">
-                    <a:lumMod val="50000"/>
-                  </a:schemeClr>
-                </a:solidFill>
-                <a:latin typeface="Roboto" panose="02000000000000000000" pitchFamily="2" charset="0"/>
-                <a:ea typeface="Roboto" panose="02000000000000000000" pitchFamily="2" charset="0"/>
-              </a:rPr>
-              <a:t> </a:t>
-            </a:r>
-            <a:r>
-              <a:rPr lang="es-MX" sz="2400" dirty="0" err="1" smtClean="0">
-                <a:solidFill>
-                  <a:schemeClr val="bg1">
-                    <a:lumMod val="50000"/>
-                  </a:schemeClr>
-                </a:solidFill>
-                <a:latin typeface="Roboto" panose="02000000000000000000" pitchFamily="2" charset="0"/>
-                <a:ea typeface="Roboto" panose="02000000000000000000" pitchFamily="2" charset="0"/>
-              </a:rPr>
-              <a:t>add</a:t>
-            </a:r>
-            <a:r>
-              <a:rPr lang="es-MX" sz="2400" dirty="0">
-                <a:solidFill>
-                  <a:schemeClr val="bg1">
-                    <a:lumMod val="50000"/>
-                  </a:schemeClr>
-                </a:solidFill>
-                <a:latin typeface="Roboto" panose="02000000000000000000" pitchFamily="2" charset="0"/>
-                <a:ea typeface="Roboto" panose="02000000000000000000" pitchFamily="2" charset="0"/>
-              </a:rPr>
-              <a:t> </a:t>
-            </a:r>
-            <a:r>
-              <a:rPr lang="es-MX" sz="2400" dirty="0" smtClean="0">
-                <a:solidFill>
-                  <a:schemeClr val="bg1">
-                    <a:lumMod val="50000"/>
-                  </a:schemeClr>
-                </a:solidFill>
-                <a:latin typeface="Roboto" panose="02000000000000000000" pitchFamily="2" charset="0"/>
-                <a:ea typeface="Roboto" panose="02000000000000000000" pitchFamily="2" charset="0"/>
-              </a:rPr>
-              <a:t>--u</a:t>
-            </a:r>
-          </a:p>
-          <a:p>
-            <a:pPr marL="0" indent="0">
+              <a:rPr lang="es-MX" dirty="0" smtClean="0">
+                <a:solidFill>
+                  <a:schemeClr val="accent2">
+                    <a:lumMod val="75000"/>
+                  </a:schemeClr>
+                </a:solidFill>
+                <a:latin typeface="Roboto" panose="02000000000000000000" pitchFamily="2" charset="0"/>
+                <a:ea typeface="Roboto" panose="02000000000000000000" pitchFamily="2" charset="0"/>
+              </a:rPr>
+              <a:t>&gt; id_ecdsa.pub</a:t>
+            </a:r>
+            <a:endParaRPr lang="es-MX" dirty="0">
+              <a:solidFill>
+                <a:schemeClr val="accent2">
+                  <a:lumMod val="75000"/>
+                </a:schemeClr>
+              </a:solidFill>
+              <a:latin typeface="Roboto" panose="02000000000000000000" pitchFamily="2" charset="0"/>
+              <a:ea typeface="Roboto" panose="02000000000000000000" pitchFamily="2" charset="0"/>
+            </a:endParaRPr>
+          </a:p>
+          <a:p>
+            <a:pPr marL="457200" lvl="1" indent="0" fontAlgn="base">
               <a:buNone/>
             </a:pPr>
-            <a:endParaRPr lang="es-MX" sz="2400" dirty="0" smtClean="0">
+            <a:r>
+              <a:rPr lang="es-MX" dirty="0" smtClean="0">
+                <a:solidFill>
+                  <a:schemeClr val="accent2">
+                    <a:lumMod val="75000"/>
+                  </a:schemeClr>
+                </a:solidFill>
+                <a:latin typeface="Roboto" panose="02000000000000000000" pitchFamily="2" charset="0"/>
+                <a:ea typeface="Roboto" panose="02000000000000000000" pitchFamily="2" charset="0"/>
+              </a:rPr>
+              <a:t>&gt; id_ed25519.pub</a:t>
+            </a:r>
+            <a:endParaRPr lang="es-MX" dirty="0">
               <a:solidFill>
-                <a:schemeClr val="bg1">
-                  <a:lumMod val="50000"/>
+                <a:schemeClr val="accent2">
+                  <a:lumMod val="75000"/>
+                </a:schemeClr>
+              </a:solidFill>
+              <a:latin typeface="Roboto" panose="02000000000000000000" pitchFamily="2" charset="0"/>
+              <a:ea typeface="Roboto" panose="02000000000000000000" pitchFamily="2" charset="0"/>
+            </a:endParaRPr>
+          </a:p>
+          <a:p>
+            <a:pPr marL="457200" lvl="1" indent="0" fontAlgn="base">
+              <a:buNone/>
+            </a:pPr>
+            <a:r>
+              <a:rPr lang="es-MX" dirty="0" smtClean="0">
+                <a:solidFill>
+                  <a:schemeClr val="accent2">
+                    <a:lumMod val="75000"/>
+                  </a:schemeClr>
+                </a:solidFill>
+                <a:latin typeface="Roboto" panose="02000000000000000000" pitchFamily="2" charset="0"/>
+                <a:ea typeface="Roboto" panose="02000000000000000000" pitchFamily="2" charset="0"/>
+              </a:rPr>
+              <a:t>&gt; id_rsa.pub</a:t>
+            </a:r>
+            <a:endParaRPr lang="es-MX" dirty="0">
+              <a:solidFill>
+                <a:schemeClr val="accent2">
+                  <a:lumMod val="75000"/>
                 </a:schemeClr>
               </a:solidFill>
               <a:latin typeface="Roboto" panose="02000000000000000000" pitchFamily="2" charset="0"/>
@@ -5428,155 +7701,12 @@
               <a:ea typeface="Roboto" panose="02000000000000000000" pitchFamily="2" charset="0"/>
             </a:endParaRPr>
           </a:p>
-          <a:p>
-            <a:pPr marL="0" indent="0">
-              <a:buNone/>
-            </a:pPr>
-            <a:endParaRPr lang="es-MX" dirty="0">
-              <a:solidFill>
-                <a:schemeClr val="bg1">
-                  <a:lumMod val="75000"/>
-                </a:schemeClr>
-              </a:solidFill>
-              <a:latin typeface="Roboto" panose="02000000000000000000" pitchFamily="2" charset="0"/>
-              <a:ea typeface="Roboto" panose="02000000000000000000" pitchFamily="2" charset="0"/>
-            </a:endParaRPr>
-          </a:p>
-          <a:p>
-            <a:pPr marL="0" indent="0">
-              <a:buNone/>
-            </a:pPr>
-            <a:endParaRPr lang="es-MX" dirty="0"/>
-          </a:p>
-        </p:txBody>
-      </p:sp>
-      <p:sp>
-        <p:nvSpPr>
-          <p:cNvPr id="4" name="Título 1"/>
-          <p:cNvSpPr txBox="1">
-            <a:spLocks/>
-          </p:cNvSpPr>
-          <p:nvPr/>
-        </p:nvSpPr>
-        <p:spPr>
-          <a:xfrm>
-            <a:off x="862913" y="393956"/>
-            <a:ext cx="10515600" cy="1325563"/>
-          </a:xfrm>
-          <a:prstGeom prst="rect">
-            <a:avLst/>
-          </a:prstGeom>
-        </p:spPr>
-        <p:txBody>
-          <a:bodyPr vert="horz" lIns="91440" tIns="45720" rIns="91440" bIns="45720" rtlCol="0" anchor="ctr">
-            <a:normAutofit/>
-          </a:bodyPr>
-          <a:lstStyle>
-            <a:lvl1pPr algn="l" defTabSz="914400" rtl="0" eaLnBrk="1" latinLnBrk="0" hangingPunct="1">
-              <a:lnSpc>
-                <a:spcPct val="90000"/>
-              </a:lnSpc>
-              <a:spcBef>
-                <a:spcPct val="0"/>
-              </a:spcBef>
-              <a:buNone/>
-              <a:defRPr sz="4400" kern="1200">
-                <a:solidFill>
-                  <a:schemeClr val="tx1"/>
-                </a:solidFill>
-                <a:latin typeface="+mj-lt"/>
-                <a:ea typeface="+mj-ea"/>
-                <a:cs typeface="+mj-cs"/>
-              </a:defRPr>
-            </a:lvl1pPr>
-          </a:lstStyle>
-          <a:p>
-            <a:r>
-              <a:rPr lang="es-MX" sz="5000" dirty="0">
-                <a:solidFill>
-                  <a:srgbClr val="6A3093"/>
-                </a:solidFill>
-                <a:latin typeface="Roboto" panose="02000000000000000000" pitchFamily="2" charset="0"/>
-                <a:ea typeface="Roboto" panose="02000000000000000000" pitchFamily="2" charset="0"/>
-              </a:rPr>
-              <a:t>Crear repositorio </a:t>
-            </a:r>
-            <a:r>
-              <a:rPr lang="es-MX" sz="3000" dirty="0" smtClean="0">
-                <a:solidFill>
-                  <a:schemeClr val="bg1">
-                    <a:lumMod val="85000"/>
-                  </a:schemeClr>
-                </a:solidFill>
-                <a:latin typeface="Roboto" panose="02000000000000000000" pitchFamily="2" charset="0"/>
-                <a:ea typeface="Roboto" panose="02000000000000000000" pitchFamily="2" charset="0"/>
-              </a:rPr>
-              <a:t>[ </a:t>
-            </a:r>
-            <a:r>
-              <a:rPr lang="es-MX" sz="4000" dirty="0" err="1" smtClean="0">
-                <a:solidFill>
-                  <a:schemeClr val="bg1">
-                    <a:lumMod val="85000"/>
-                  </a:schemeClr>
-                </a:solidFill>
-                <a:latin typeface="Roboto" panose="02000000000000000000" pitchFamily="2" charset="0"/>
-                <a:ea typeface="Roboto" panose="02000000000000000000" pitchFamily="2" charset="0"/>
-              </a:rPr>
-              <a:t>git</a:t>
-            </a:r>
-            <a:r>
-              <a:rPr lang="es-MX" sz="4000" dirty="0" smtClean="0">
-                <a:solidFill>
-                  <a:schemeClr val="bg1">
-                    <a:lumMod val="85000"/>
-                  </a:schemeClr>
-                </a:solidFill>
-                <a:latin typeface="Roboto" panose="02000000000000000000" pitchFamily="2" charset="0"/>
-                <a:ea typeface="Roboto" panose="02000000000000000000" pitchFamily="2" charset="0"/>
-              </a:rPr>
-              <a:t> </a:t>
-            </a:r>
-            <a:r>
-              <a:rPr lang="es-MX" sz="3000" dirty="0" smtClean="0">
-                <a:solidFill>
-                  <a:schemeClr val="bg1">
-                    <a:lumMod val="85000"/>
-                  </a:schemeClr>
-                </a:solidFill>
-                <a:latin typeface="Roboto" panose="02000000000000000000" pitchFamily="2" charset="0"/>
-                <a:ea typeface="Roboto" panose="02000000000000000000" pitchFamily="2" charset="0"/>
-              </a:rPr>
-              <a:t>]</a:t>
-            </a:r>
-            <a:r>
-              <a:rPr lang="es-MX" sz="4000" dirty="0" smtClean="0">
-                <a:solidFill>
-                  <a:schemeClr val="bg1">
-                    <a:lumMod val="85000"/>
-                  </a:schemeClr>
-                </a:solidFill>
-                <a:latin typeface="Roboto" panose="02000000000000000000" pitchFamily="2" charset="0"/>
-                <a:ea typeface="Roboto" panose="02000000000000000000" pitchFamily="2" charset="0"/>
-              </a:rPr>
-              <a:t> </a:t>
-            </a:r>
-            <a:endParaRPr lang="es-MX" sz="4000" dirty="0">
-              <a:solidFill>
-                <a:schemeClr val="bg1">
-                  <a:lumMod val="85000"/>
-                </a:schemeClr>
-              </a:solidFill>
-              <a:latin typeface="Roboto" panose="02000000000000000000" pitchFamily="2" charset="0"/>
-              <a:ea typeface="Roboto" panose="02000000000000000000" pitchFamily="2" charset="0"/>
-            </a:endParaRPr>
-          </a:p>
         </p:txBody>
       </p:sp>
     </p:spTree>
     <p:extLst>
       <p:ext uri="{BB962C8B-B14F-4D97-AF65-F5344CB8AC3E}">
-        <p14:creationId xmlns:p14="http://schemas.microsoft.com/office/powerpoint/2010/main" val="2285823744"/>
+        <p14:creationId xmlns:p14="http://schemas.microsoft.com/office/powerpoint/2010/main" val="903624983"/>
       </p:ext>
     </p:extLst>
   </p:cSld>
@@ -5612,54 +7742,50 @@
       </p:grpSpPr>
       <p:sp>
         <p:nvSpPr>
-          <p:cNvPr id="4" name="Título 1"/>
-          <p:cNvSpPr txBox="1">
-            <a:spLocks/>
-          </p:cNvSpPr>
-          <p:nvPr/>
-        </p:nvSpPr>
-        <p:spPr>
-          <a:xfrm>
-            <a:off x="862913" y="393956"/>
-            <a:ext cx="8639433" cy="1325563"/>
-          </a:xfrm>
-          <a:prstGeom prst="rect">
-            <a:avLst/>
-          </a:prstGeom>
-        </p:spPr>
-        <p:txBody>
-          <a:bodyPr vert="horz" lIns="91440" tIns="45720" rIns="91440" bIns="45720" rtlCol="0" anchor="ctr">
-            <a:normAutofit/>
-          </a:bodyPr>
-          <a:lstStyle>
-            <a:lvl1pPr algn="l" defTabSz="914400" rtl="0" eaLnBrk="1" latinLnBrk="0" hangingPunct="1">
-              <a:lnSpc>
-                <a:spcPct val="90000"/>
-              </a:lnSpc>
-              <a:spcBef>
-                <a:spcPct val="0"/>
-              </a:spcBef>
-              <a:buNone/>
-              <a:defRPr sz="4400" kern="1200">
-                <a:solidFill>
-                  <a:schemeClr val="tx1"/>
-                </a:solidFill>
-                <a:latin typeface="+mj-lt"/>
-                <a:ea typeface="+mj-ea"/>
-                <a:cs typeface="+mj-cs"/>
-              </a:defRPr>
-            </a:lvl1pPr>
-          </a:lstStyle>
+          <p:cNvPr id="2" name="Título 1"/>
+          <p:cNvSpPr>
+            <a:spLocks noGrp="1"/>
+          </p:cNvSpPr>
+          <p:nvPr>
+            <p:ph type="title"/>
+          </p:nvPr>
+        </p:nvSpPr>
+        <p:spPr/>
+        <p:txBody>
+          <a:bodyPr/>
+          <a:lstStyle/>
           <a:p>
             <a:r>
               <a:rPr lang="es-MX" sz="5000" dirty="0" smtClean="0">
                 <a:solidFill>
+                  <a:srgbClr val="D50F2E"/>
+                </a:solidFill>
+                <a:latin typeface="Roboto Black" panose="02000000000000000000" pitchFamily="2" charset="0"/>
+                <a:ea typeface="Roboto Black" panose="02000000000000000000" pitchFamily="2" charset="0"/>
+              </a:rPr>
+              <a:t>SSH </a:t>
+            </a:r>
+            <a:r>
+              <a:rPr lang="es-MX" sz="5000" dirty="0" smtClean="0">
+                <a:solidFill>
                   <a:srgbClr val="6A3093"/>
                 </a:solidFill>
                 <a:latin typeface="Roboto" panose="02000000000000000000" pitchFamily="2" charset="0"/>
                 <a:ea typeface="Roboto" panose="02000000000000000000" pitchFamily="2" charset="0"/>
               </a:rPr>
-              <a:t>Hacer cambios </a:t>
+              <a:t> </a:t>
+            </a:r>
+            <a:r>
+              <a:rPr lang="es-MX" sz="2500" dirty="0">
+                <a:solidFill>
+                  <a:schemeClr val="bg1">
+                    <a:lumMod val="85000"/>
+                  </a:schemeClr>
+                </a:solidFill>
+                <a:latin typeface="Roboto" panose="02000000000000000000" pitchFamily="2" charset="0"/>
+                <a:ea typeface="Roboto" panose="02000000000000000000" pitchFamily="2" charset="0"/>
+              </a:rPr>
+              <a:t>[</a:t>
             </a:r>
             <a:r>
               <a:rPr lang="es-MX" sz="3000" dirty="0" smtClean="0">
@@ -5671,10 +7797,10 @@
                 <a:latin typeface="Roboto" panose="02000000000000000000" pitchFamily="2" charset="0"/>
                 <a:ea typeface="Roboto" panose="02000000000000000000" pitchFamily="2" charset="0"/>
               </a:rPr>
-              <a:t>[ </a:t>
-            </a:r>
-            <a:r>
-              <a:rPr lang="es-MX" sz="4000" dirty="0" err="1" smtClean="0">
+              <a:t> </a:t>
+            </a:r>
+            <a:r>
+              <a:rPr lang="es-MX" sz="3000" dirty="0" err="1" smtClean="0">
                 <a:solidFill>
                   <a:schemeClr val="bg1">
                     <a:lumMod val="85000"/>
@@ -5698,7 +7824,7 @@
               <a:t> </a:t>
             </a:r>
             <a:r>
-              <a:rPr lang="es-MX" sz="3000" dirty="0" smtClean="0">
+              <a:rPr lang="es-MX" sz="2500" dirty="0" smtClean="0">
                 <a:solidFill>
                   <a:schemeClr val="bg1">
                     <a:lumMod val="85000"/>
@@ -5735,7 +7861,7 @@
       </p:sp>
       <p:sp>
         <p:nvSpPr>
-          <p:cNvPr id="5" name="Marcador de contenido 2"/>
+          <p:cNvPr id="3" name="Marcador de contenido 2"/>
           <p:cNvSpPr>
             <a:spLocks noGrp="1"/>
           </p:cNvSpPr>
@@ -5745,13 +7871,13 @@
         </p:nvSpPr>
         <p:spPr>
           <a:xfrm>
-            <a:off x="862913" y="2333840"/>
-            <a:ext cx="10515600" cy="4524160"/>
+            <a:off x="838200" y="1895690"/>
+            <a:ext cx="10515600" cy="2190321"/>
           </a:xfrm>
         </p:spPr>
         <p:txBody>
           <a:bodyPr>
-            <a:normAutofit/>
+            <a:noAutofit/>
           </a:bodyPr>
           <a:lstStyle/>
           <a:p>
@@ -5759,7 +7885,7 @@
               <a:buNone/>
             </a:pPr>
             <a:r>
-              <a:rPr lang="es-MX" sz="2200" smtClean="0">
+              <a:rPr lang="es-MX" sz="2200" dirty="0" smtClean="0">
                 <a:solidFill>
                   <a:schemeClr val="bg1">
                     <a:lumMod val="75000"/>
@@ -5768,20 +7894,17 @@
                 <a:latin typeface="Roboto" panose="02000000000000000000" pitchFamily="2" charset="0"/>
                 <a:ea typeface="Roboto" panose="02000000000000000000" pitchFamily="2" charset="0"/>
               </a:rPr>
-              <a:t>Registrar </a:t>
-            </a:r>
-            <a:r>
-              <a:rPr lang="es-MX" sz="2200" dirty="0">
-                <a:solidFill>
-                  <a:schemeClr val="bg1">
-                    <a:lumMod val="75000"/>
-                  </a:schemeClr>
-                </a:solidFill>
-                <a:latin typeface="Roboto" panose="02000000000000000000" pitchFamily="2" charset="0"/>
-                <a:ea typeface="Roboto" panose="02000000000000000000" pitchFamily="2" charset="0"/>
-              </a:rPr>
-              <a:t>cambios</a:t>
-            </a:r>
+              <a:t>Comando para generar clave SSH</a:t>
+            </a:r>
+            <a:endParaRPr lang="es-MX" sz="2200" dirty="0" smtClean="0">
+              <a:solidFill>
+                <a:schemeClr val="bg1">
+                  <a:lumMod val="75000"/>
+                </a:schemeClr>
+              </a:solidFill>
+              <a:latin typeface="Roboto" panose="02000000000000000000" pitchFamily="2" charset="0"/>
+              <a:ea typeface="Roboto" panose="02000000000000000000" pitchFamily="2" charset="0"/>
+            </a:endParaRPr>
           </a:p>
           <a:p>
             <a:pPr marL="0" indent="0">
@@ -5797,7 +7920,19 @@
                 <a:latin typeface="Roboto" panose="02000000000000000000" pitchFamily="2" charset="0"/>
                 <a:ea typeface="Roboto" panose="02000000000000000000" pitchFamily="2" charset="0"/>
               </a:rPr>
-              <a:t>git</a:t>
+              <a:t>s</a:t>
+            </a:r>
+            <a:r>
+              <a:rPr lang="es-MX" sz="2400" dirty="0" err="1" smtClean="0">
+                <a:solidFill>
+                  <a:schemeClr val="bg1">
+                    <a:lumMod val="50000"/>
+                  </a:schemeClr>
+                </a:solidFill>
+                <a:latin typeface="Roboto" panose="02000000000000000000" pitchFamily="2" charset="0"/>
+                <a:ea typeface="Roboto" panose="02000000000000000000" pitchFamily="2" charset="0"/>
+              </a:rPr>
+              <a:t>sh-keygen</a:t>
             </a:r>
             <a:r>
               <a:rPr lang="es-MX" sz="2400" dirty="0" smtClean="0">
@@ -5809,7 +7944,7 @@
                 <a:latin typeface="Roboto" panose="02000000000000000000" pitchFamily="2" charset="0"/>
                 <a:ea typeface="Roboto" panose="02000000000000000000" pitchFamily="2" charset="0"/>
               </a:rPr>
-              <a:t> </a:t>
+              <a:t> –t </a:t>
             </a:r>
             <a:r>
               <a:rPr lang="es-MX" sz="2400" dirty="0" err="1" smtClean="0">
@@ -5821,31 +7956,7 @@
                 <a:latin typeface="Roboto" panose="02000000000000000000" pitchFamily="2" charset="0"/>
                 <a:ea typeface="Roboto" panose="02000000000000000000" pitchFamily="2" charset="0"/>
               </a:rPr>
-              <a:t>commit</a:t>
-            </a:r>
-            <a:r>
-              <a:rPr lang="es-MX" sz="2400" dirty="0">
-                <a:solidFill>
-                  <a:schemeClr val="bg1">
-                    <a:lumMod val="50000"/>
-                  </a:schemeClr>
-                </a:solidFill>
-                <a:latin typeface="Roboto" panose="02000000000000000000" pitchFamily="2" charset="0"/>
-                <a:ea typeface="Roboto" panose="02000000000000000000" pitchFamily="2" charset="0"/>
-              </a:rPr>
-              <a:t>	</a:t>
-            </a:r>
-            <a:r>
-              <a:rPr lang="es-MX" sz="2400" dirty="0" err="1" smtClean="0">
-                <a:solidFill>
-                  <a:schemeClr val="bg1">
-                    <a:lumMod val="50000"/>
-                  </a:schemeClr>
-                </a:solidFill>
-                <a:latin typeface="Roboto" panose="02000000000000000000" pitchFamily="2" charset="0"/>
-                <a:ea typeface="Roboto" panose="02000000000000000000" pitchFamily="2" charset="0"/>
-              </a:rPr>
-              <a:t>git</a:t>
+              <a:t>rsa</a:t>
             </a:r>
             <a:r>
               <a:rPr lang="es-MX" sz="2400" dirty="0" smtClean="0">
@@ -5857,19 +7968,7 @@
                 <a:latin typeface="Roboto" panose="02000000000000000000" pitchFamily="2" charset="0"/>
                 <a:ea typeface="Roboto" panose="02000000000000000000" pitchFamily="2" charset="0"/>
               </a:rPr>
-              <a:t> </a:t>
-            </a:r>
-            <a:r>
-              <a:rPr lang="es-MX" sz="2400" dirty="0" err="1" smtClean="0">
-                <a:solidFill>
-                  <a:schemeClr val="bg1">
-                    <a:lumMod val="50000"/>
-                  </a:schemeClr>
-                </a:solidFill>
-                <a:latin typeface="Roboto" panose="02000000000000000000" pitchFamily="2" charset="0"/>
-                <a:ea typeface="Roboto" panose="02000000000000000000" pitchFamily="2" charset="0"/>
-              </a:rPr>
-              <a:t>commit</a:t>
+              <a:t> –b 4096 –C “</a:t>
             </a:r>
             <a:r>
               <a:rPr lang="es-MX" sz="2400" dirty="0" smtClean="0">
@@ -5881,19 +7980,7 @@
                 <a:latin typeface="Roboto" panose="02000000000000000000" pitchFamily="2" charset="0"/>
                 <a:ea typeface="Roboto" panose="02000000000000000000" pitchFamily="2" charset="0"/>
               </a:rPr>
-              <a:t> -m “</a:t>
-            </a:r>
-            <a:r>
-              <a:rPr lang="es-MX" sz="2000" dirty="0" smtClean="0">
-                <a:solidFill>
-                  <a:schemeClr val="bg1">
-                    <a:lumMod val="50000"/>
-                  </a:schemeClr>
-                </a:solidFill>
-                <a:latin typeface="Roboto" panose="02000000000000000000" pitchFamily="2" charset="0"/>
-                <a:ea typeface="Roboto" panose="02000000000000000000" pitchFamily="2" charset="0"/>
-              </a:rPr>
-              <a:t>[</a:t>
+              <a:t>G</a:t>
             </a:r>
             <a:r>
               <a:rPr lang="es-MX" sz="2400" dirty="0" smtClean="0">
@@ -5905,31 +7992,7 @@
                 <a:latin typeface="Roboto" panose="02000000000000000000" pitchFamily="2" charset="0"/>
                 <a:ea typeface="Roboto" panose="02000000000000000000" pitchFamily="2" charset="0"/>
               </a:rPr>
-              <a:t>descripción</a:t>
-            </a:r>
-            <a:r>
-              <a:rPr lang="es-MX" sz="2000" dirty="0" smtClean="0">
-                <a:solidFill>
-                  <a:schemeClr val="bg1">
-                    <a:lumMod val="50000"/>
-                  </a:schemeClr>
-                </a:solidFill>
-                <a:latin typeface="Roboto" panose="02000000000000000000" pitchFamily="2" charset="0"/>
-                <a:ea typeface="Roboto" panose="02000000000000000000" pitchFamily="2" charset="0"/>
-              </a:rPr>
-              <a:t>]</a:t>
-            </a:r>
-            <a:r>
-              <a:rPr lang="es-MX" sz="2400" dirty="0" smtClean="0">
-                <a:solidFill>
-                  <a:schemeClr val="bg1">
-                    <a:lumMod val="50000"/>
-                  </a:schemeClr>
-                </a:solidFill>
-                <a:latin typeface="Roboto" panose="02000000000000000000" pitchFamily="2" charset="0"/>
-                <a:ea typeface="Roboto" panose="02000000000000000000" pitchFamily="2" charset="0"/>
-              </a:rPr>
-              <a:t>”</a:t>
+              <a:t>itHub email”</a:t>
             </a:r>
           </a:p>
           <a:p>
@@ -5950,7 +8013,168 @@
             <a:pPr marL="0" indent="0">
               <a:buNone/>
             </a:pPr>
-            <a:endParaRPr lang="es-MX" sz="2400" dirty="0" smtClean="0">
+            <a:r>
+              <a:rPr lang="es-MX" sz="2200" dirty="0">
+                <a:solidFill>
+                  <a:schemeClr val="bg1">
+                    <a:lumMod val="75000"/>
+                  </a:schemeClr>
+                </a:solidFill>
+                <a:latin typeface="Roboto" panose="02000000000000000000" pitchFamily="2" charset="0"/>
+                <a:ea typeface="Roboto" panose="02000000000000000000" pitchFamily="2" charset="0"/>
+              </a:rPr>
+              <a:t>[</a:t>
+            </a:r>
+            <a:r>
+              <a:rPr lang="es-MX" sz="2200" dirty="0" err="1">
+                <a:solidFill>
+                  <a:schemeClr val="bg1">
+                    <a:lumMod val="75000"/>
+                  </a:schemeClr>
+                </a:solidFill>
+                <a:latin typeface="Roboto" panose="02000000000000000000" pitchFamily="2" charset="0"/>
+                <a:ea typeface="Roboto" panose="02000000000000000000" pitchFamily="2" charset="0"/>
+              </a:rPr>
+              <a:t>enter</a:t>
+            </a:r>
+            <a:r>
+              <a:rPr lang="es-MX" sz="2200" dirty="0">
+                <a:solidFill>
+                  <a:schemeClr val="bg1">
+                    <a:lumMod val="75000"/>
+                  </a:schemeClr>
+                </a:solidFill>
+                <a:latin typeface="Roboto" panose="02000000000000000000" pitchFamily="2" charset="0"/>
+                <a:ea typeface="Roboto" panose="02000000000000000000" pitchFamily="2" charset="0"/>
+              </a:rPr>
+              <a:t>] para generar clave con valores predeterminados</a:t>
+            </a:r>
+            <a:r>
+              <a:rPr lang="es-MX" sz="2200" dirty="0" smtClean="0">
+                <a:solidFill>
+                  <a:schemeClr val="bg1">
+                    <a:lumMod val="75000"/>
+                  </a:schemeClr>
+                </a:solidFill>
+                <a:latin typeface="Roboto" panose="02000000000000000000" pitchFamily="2" charset="0"/>
+                <a:ea typeface="Roboto" panose="02000000000000000000" pitchFamily="2" charset="0"/>
+              </a:rPr>
+              <a:t>.</a:t>
+            </a:r>
+          </a:p>
+          <a:p>
+            <a:pPr marL="0" indent="0">
+              <a:buNone/>
+            </a:pPr>
+            <a:endParaRPr lang="es-MX" sz="2200" dirty="0">
+              <a:solidFill>
+                <a:schemeClr val="bg1">
+                  <a:lumMod val="75000"/>
+                </a:schemeClr>
+              </a:solidFill>
+              <a:latin typeface="Roboto" panose="02000000000000000000" pitchFamily="2" charset="0"/>
+              <a:ea typeface="Roboto" panose="02000000000000000000" pitchFamily="2" charset="0"/>
+            </a:endParaRPr>
+          </a:p>
+          <a:p>
+            <a:pPr marL="0" indent="0">
+              <a:buNone/>
+            </a:pPr>
+            <a:r>
+              <a:rPr lang="es-MX" sz="2200" dirty="0" smtClean="0">
+                <a:solidFill>
+                  <a:schemeClr val="bg1">
+                    <a:lumMod val="75000"/>
+                  </a:schemeClr>
+                </a:solidFill>
+                <a:latin typeface="Roboto" panose="02000000000000000000" pitchFamily="2" charset="0"/>
+                <a:ea typeface="Roboto" panose="02000000000000000000" pitchFamily="2" charset="0"/>
+              </a:rPr>
+              <a:t>Iniciar agente SSH</a:t>
+            </a:r>
+          </a:p>
+          <a:p>
+            <a:pPr marL="0" indent="0">
+              <a:buNone/>
+            </a:pPr>
+            <a:r>
+              <a:rPr lang="es-MX" sz="2500" dirty="0" err="1" smtClean="0">
+                <a:solidFill>
+                  <a:schemeClr val="bg1">
+                    <a:lumMod val="50000"/>
+                  </a:schemeClr>
+                </a:solidFill>
+                <a:latin typeface="Roboto" panose="02000000000000000000" pitchFamily="2" charset="0"/>
+                <a:ea typeface="Roboto" panose="02000000000000000000" pitchFamily="2" charset="0"/>
+              </a:rPr>
+              <a:t>eval</a:t>
+            </a:r>
+            <a:r>
+              <a:rPr lang="es-MX" sz="2500" dirty="0" smtClean="0">
+                <a:solidFill>
+                  <a:schemeClr val="bg1">
+                    <a:lumMod val="50000"/>
+                  </a:schemeClr>
+                </a:solidFill>
+                <a:latin typeface="Roboto" panose="02000000000000000000" pitchFamily="2" charset="0"/>
+                <a:ea typeface="Roboto" panose="02000000000000000000" pitchFamily="2" charset="0"/>
+              </a:rPr>
+              <a:t> </a:t>
+            </a:r>
+            <a:r>
+              <a:rPr lang="es-MX" sz="2500" dirty="0">
+                <a:solidFill>
+                  <a:schemeClr val="bg1">
+                    <a:lumMod val="50000"/>
+                  </a:schemeClr>
+                </a:solidFill>
+                <a:latin typeface="Roboto" panose="02000000000000000000" pitchFamily="2" charset="0"/>
+                <a:ea typeface="Roboto" panose="02000000000000000000" pitchFamily="2" charset="0"/>
+              </a:rPr>
+              <a:t>$(</a:t>
+            </a:r>
+            <a:r>
+              <a:rPr lang="es-MX" sz="2500" dirty="0" err="1">
+                <a:solidFill>
+                  <a:schemeClr val="bg1">
+                    <a:lumMod val="50000"/>
+                  </a:schemeClr>
+                </a:solidFill>
+                <a:latin typeface="Roboto" panose="02000000000000000000" pitchFamily="2" charset="0"/>
+                <a:ea typeface="Roboto" panose="02000000000000000000" pitchFamily="2" charset="0"/>
+              </a:rPr>
+              <a:t>ssh-agent</a:t>
+            </a:r>
+            <a:r>
+              <a:rPr lang="es-MX" sz="2500" dirty="0">
+                <a:solidFill>
+                  <a:schemeClr val="bg1">
+                    <a:lumMod val="50000"/>
+                  </a:schemeClr>
+                </a:solidFill>
+                <a:latin typeface="Roboto" panose="02000000000000000000" pitchFamily="2" charset="0"/>
+                <a:ea typeface="Roboto" panose="02000000000000000000" pitchFamily="2" charset="0"/>
+              </a:rPr>
+              <a:t> –s</a:t>
+            </a:r>
+            <a:r>
+              <a:rPr lang="es-MX" sz="2500" dirty="0" smtClean="0">
+                <a:solidFill>
+                  <a:schemeClr val="bg1">
+                    <a:lumMod val="50000"/>
+                  </a:schemeClr>
+                </a:solidFill>
+                <a:latin typeface="Roboto" panose="02000000000000000000" pitchFamily="2" charset="0"/>
+                <a:ea typeface="Roboto" panose="02000000000000000000" pitchFamily="2" charset="0"/>
+              </a:rPr>
+              <a:t>)</a:t>
+            </a:r>
+          </a:p>
+          <a:p>
+            <a:pPr marL="0" indent="0">
+              <a:buNone/>
+            </a:pPr>
+            <a:endParaRPr lang="es-MX" sz="2500" dirty="0">
               <a:solidFill>
                 <a:schemeClr val="bg1">
                   <a:lumMod val="50000"/>
@@ -5964,7 +8188,101 @@
             <a:pPr marL="0" indent="0">
               <a:buNone/>
             </a:pPr>
-            <a:endParaRPr lang="es-MX" sz="2400" dirty="0">
+            <a:r>
+              <a:rPr lang="es-MX" sz="2200" dirty="0">
+                <a:solidFill>
+                  <a:schemeClr val="bg1">
+                    <a:lumMod val="75000"/>
+                  </a:schemeClr>
+                </a:solidFill>
+                <a:latin typeface="Roboto" panose="02000000000000000000" pitchFamily="2" charset="0"/>
+                <a:ea typeface="Roboto" panose="02000000000000000000" pitchFamily="2" charset="0"/>
+              </a:rPr>
+              <a:t>Agregar clave SSH a agente</a:t>
+            </a:r>
+          </a:p>
+          <a:p>
+            <a:pPr marL="0" indent="0">
+              <a:buNone/>
+            </a:pPr>
+            <a:r>
+              <a:rPr lang="es-MX" sz="2500" dirty="0" err="1" smtClean="0">
+                <a:solidFill>
+                  <a:schemeClr val="bg1">
+                    <a:lumMod val="50000"/>
+                  </a:schemeClr>
+                </a:solidFill>
+                <a:latin typeface="Roboto" panose="02000000000000000000" pitchFamily="2" charset="0"/>
+                <a:ea typeface="Roboto" panose="02000000000000000000" pitchFamily="2" charset="0"/>
+              </a:rPr>
+              <a:t>ssh-add</a:t>
+            </a:r>
+            <a:r>
+              <a:rPr lang="es-MX" sz="2500" dirty="0" smtClean="0">
+                <a:solidFill>
+                  <a:schemeClr val="bg1">
+                    <a:lumMod val="50000"/>
+                  </a:schemeClr>
+                </a:solidFill>
+                <a:latin typeface="Roboto" panose="02000000000000000000" pitchFamily="2" charset="0"/>
+                <a:ea typeface="Roboto" panose="02000000000000000000" pitchFamily="2" charset="0"/>
+              </a:rPr>
+              <a:t> ~/.</a:t>
+            </a:r>
+            <a:r>
+              <a:rPr lang="es-MX" sz="2500" dirty="0" err="1" smtClean="0">
+                <a:solidFill>
+                  <a:schemeClr val="bg1">
+                    <a:lumMod val="50000"/>
+                  </a:schemeClr>
+                </a:solidFill>
+                <a:latin typeface="Roboto" panose="02000000000000000000" pitchFamily="2" charset="0"/>
+                <a:ea typeface="Roboto" panose="02000000000000000000" pitchFamily="2" charset="0"/>
+              </a:rPr>
+              <a:t>ssh</a:t>
+            </a:r>
+            <a:r>
+              <a:rPr lang="es-MX" sz="2500" dirty="0" smtClean="0">
+                <a:solidFill>
+                  <a:schemeClr val="bg1">
+                    <a:lumMod val="50000"/>
+                  </a:schemeClr>
+                </a:solidFill>
+                <a:latin typeface="Roboto" panose="02000000000000000000" pitchFamily="2" charset="0"/>
+                <a:ea typeface="Roboto" panose="02000000000000000000" pitchFamily="2" charset="0"/>
+              </a:rPr>
+              <a:t>/&lt;clave </a:t>
+            </a:r>
+            <a:r>
+              <a:rPr lang="es-MX" sz="2500" dirty="0" err="1" smtClean="0">
+                <a:solidFill>
+                  <a:schemeClr val="bg1">
+                    <a:lumMod val="50000"/>
+                  </a:schemeClr>
+                </a:solidFill>
+                <a:latin typeface="Roboto" panose="02000000000000000000" pitchFamily="2" charset="0"/>
+                <a:ea typeface="Roboto" panose="02000000000000000000" pitchFamily="2" charset="0"/>
+              </a:rPr>
+              <a:t>ssh</a:t>
+            </a:r>
+            <a:r>
+              <a:rPr lang="es-MX" sz="2500" dirty="0" smtClean="0">
+                <a:solidFill>
+                  <a:schemeClr val="bg1">
+                    <a:lumMod val="50000"/>
+                  </a:schemeClr>
+                </a:solidFill>
+                <a:latin typeface="Roboto" panose="02000000000000000000" pitchFamily="2" charset="0"/>
+                <a:ea typeface="Roboto" panose="02000000000000000000" pitchFamily="2" charset="0"/>
+              </a:rPr>
+              <a:t>&gt;</a:t>
+            </a:r>
+          </a:p>
+          <a:p>
+            <a:pPr marL="0" indent="0">
+              <a:buNone/>
+            </a:pPr>
+            <a:endParaRPr lang="es-MX" sz="2500" dirty="0">
               <a:solidFill>
                 <a:schemeClr val="bg1">
                   <a:lumMod val="50000"/>
@@ -5978,7 +8296,7 @@
             <a:pPr marL="0" indent="0">
               <a:buNone/>
             </a:pPr>
-            <a:endParaRPr lang="es-MX" sz="2400" b="1" dirty="0" smtClean="0">
+            <a:endParaRPr lang="es-MX" sz="2500" dirty="0">
               <a:solidFill>
                 <a:schemeClr val="bg1">
                   <a:lumMod val="50000"/>
@@ -5988,66 +8306,25 @@
               <a:ea typeface="Roboto" panose="02000000000000000000" pitchFamily="2" charset="0"/>
             </a:endParaRPr>
           </a:p>
-          <a:p>
-            <a:pPr marL="0" indent="0">
-              <a:buNone/>
-            </a:pPr>
-            <a:endParaRPr lang="es-MX" sz="2400" dirty="0" smtClean="0">
-              <a:solidFill>
-                <a:schemeClr val="bg1">
-                  <a:lumMod val="50000"/>
-                </a:schemeClr>
-              </a:solidFill>
-              <a:latin typeface="Roboto" panose="02000000000000000000" pitchFamily="2" charset="0"/>
-              <a:ea typeface="Roboto" panose="02000000000000000000" pitchFamily="2" charset="0"/>
-            </a:endParaRPr>
-          </a:p>
-          <a:p>
-            <a:pPr marL="0" indent="0">
-              <a:buNone/>
-            </a:pPr>
-            <a:endParaRPr lang="es-MX" sz="2400" dirty="0">
-              <a:solidFill>
-                <a:schemeClr val="bg1">
-                  <a:lumMod val="50000"/>
-                </a:schemeClr>
-              </a:solidFill>
-              <a:latin typeface="Roboto" panose="02000000000000000000" pitchFamily="2" charset="0"/>
-              <a:ea typeface="Roboto" panose="02000000000000000000" pitchFamily="2" charset="0"/>
-            </a:endParaRPr>
-          </a:p>
-          <a:p>
-            <a:pPr marL="0" indent="0">
-              <a:buNone/>
-            </a:pPr>
-            <a:endParaRPr lang="es-MX" dirty="0">
-              <a:solidFill>
-                <a:schemeClr val="bg1">
-                  <a:lumMod val="75000"/>
-                </a:schemeClr>
-              </a:solidFill>
-              <a:latin typeface="Roboto" panose="02000000000000000000" pitchFamily="2" charset="0"/>
-              <a:ea typeface="Roboto" panose="02000000000000000000" pitchFamily="2" charset="0"/>
-            </a:endParaRPr>
-          </a:p>
-          <a:p>
-            <a:pPr marL="0" indent="0">
-              <a:buNone/>
-            </a:pPr>
-            <a:endParaRPr lang="es-MX" dirty="0"/>
-          </a:p>
         </p:txBody>
       </p:sp>
     </p:spTree>
     <p:extLst>
       <p:ext uri="{BB962C8B-B14F-4D97-AF65-F5344CB8AC3E}">
-        <p14:creationId xmlns:p14="http://schemas.microsoft.com/office/powerpoint/2010/main" val="1393074935"/>
+        <p14:creationId xmlns:p14="http://schemas.microsoft.com/office/powerpoint/2010/main" val="1223086477"/>
       </p:ext>
     </p:extLst>
   </p:cSld>
   <p:clrMapOvr>
     <a:masterClrMapping/>
   </p:clrMapOvr>
+  <p:timing>
+    <p:tnLst>
+      <p:par>
+        <p:cTn id="1" dur="indefinite" restart="never" nodeType="tmRoot"/>
+      </p:par>
+    </p:tnLst>
+  </p:timing>
 </p:sld>
 </file>
 

--- a/2017/dec_7_Git_GitHub_WorkShop/DGO.pptx
+++ b/2017/dec_7_Git_GitHub_WorkShop/DGO.pptx
@@ -20,6 +20,22 @@
     <p:sldId id="264" r:id="rId14"/>
     <p:sldId id="270" r:id="rId15"/>
     <p:sldId id="265" r:id="rId16"/>
+    <p:sldId id="284" r:id="rId17"/>
+    <p:sldId id="285" r:id="rId18"/>
+    <p:sldId id="286" r:id="rId19"/>
+    <p:sldId id="287" r:id="rId20"/>
+    <p:sldId id="271" r:id="rId21"/>
+    <p:sldId id="272" r:id="rId22"/>
+    <p:sldId id="274" r:id="rId23"/>
+    <p:sldId id="277" r:id="rId24"/>
+    <p:sldId id="273" r:id="rId25"/>
+    <p:sldId id="279" r:id="rId26"/>
+    <p:sldId id="275" r:id="rId27"/>
+    <p:sldId id="280" r:id="rId28"/>
+    <p:sldId id="276" r:id="rId29"/>
+    <p:sldId id="281" r:id="rId30"/>
+    <p:sldId id="278" r:id="rId31"/>
+    <p:sldId id="283" r:id="rId32"/>
   </p:sldIdLst>
   <p:sldSz cx="12192000" cy="6858000"/>
   <p:notesSz cx="6858000" cy="9144000"/>
@@ -257,7 +273,7 @@
           <a:p>
             <a:fld id="{3FD3500F-8B60-4FBA-BC8A-72168F3C79F5}" type="datetimeFigureOut">
               <a:rPr lang="es-MX" smtClean="0"/>
-              <a:t>30/11/2017</a:t>
+              <a:t>05/12/2017</a:t>
             </a:fld>
             <a:endParaRPr lang="es-MX"/>
           </a:p>
@@ -427,7 +443,7 @@
           <a:p>
             <a:fld id="{3FD3500F-8B60-4FBA-BC8A-72168F3C79F5}" type="datetimeFigureOut">
               <a:rPr lang="es-MX" smtClean="0"/>
-              <a:t>30/11/2017</a:t>
+              <a:t>05/12/2017</a:t>
             </a:fld>
             <a:endParaRPr lang="es-MX"/>
           </a:p>
@@ -607,7 +623,7 @@
           <a:p>
             <a:fld id="{3FD3500F-8B60-4FBA-BC8A-72168F3C79F5}" type="datetimeFigureOut">
               <a:rPr lang="es-MX" smtClean="0"/>
-              <a:t>30/11/2017</a:t>
+              <a:t>05/12/2017</a:t>
             </a:fld>
             <a:endParaRPr lang="es-MX"/>
           </a:p>
@@ -777,7 +793,7 @@
           <a:p>
             <a:fld id="{3FD3500F-8B60-4FBA-BC8A-72168F3C79F5}" type="datetimeFigureOut">
               <a:rPr lang="es-MX" smtClean="0"/>
-              <a:t>30/11/2017</a:t>
+              <a:t>05/12/2017</a:t>
             </a:fld>
             <a:endParaRPr lang="es-MX"/>
           </a:p>
@@ -1023,7 +1039,7 @@
           <a:p>
             <a:fld id="{3FD3500F-8B60-4FBA-BC8A-72168F3C79F5}" type="datetimeFigureOut">
               <a:rPr lang="es-MX" smtClean="0"/>
-              <a:t>30/11/2017</a:t>
+              <a:t>05/12/2017</a:t>
             </a:fld>
             <a:endParaRPr lang="es-MX"/>
           </a:p>
@@ -1255,7 +1271,7 @@
           <a:p>
             <a:fld id="{3FD3500F-8B60-4FBA-BC8A-72168F3C79F5}" type="datetimeFigureOut">
               <a:rPr lang="es-MX" smtClean="0"/>
-              <a:t>30/11/2017</a:t>
+              <a:t>05/12/2017</a:t>
             </a:fld>
             <a:endParaRPr lang="es-MX"/>
           </a:p>
@@ -1622,7 +1638,7 @@
           <a:p>
             <a:fld id="{3FD3500F-8B60-4FBA-BC8A-72168F3C79F5}" type="datetimeFigureOut">
               <a:rPr lang="es-MX" smtClean="0"/>
-              <a:t>30/11/2017</a:t>
+              <a:t>05/12/2017</a:t>
             </a:fld>
             <a:endParaRPr lang="es-MX"/>
           </a:p>
@@ -1740,7 +1756,7 @@
           <a:p>
             <a:fld id="{3FD3500F-8B60-4FBA-BC8A-72168F3C79F5}" type="datetimeFigureOut">
               <a:rPr lang="es-MX" smtClean="0"/>
-              <a:t>30/11/2017</a:t>
+              <a:t>05/12/2017</a:t>
             </a:fld>
             <a:endParaRPr lang="es-MX"/>
           </a:p>
@@ -1835,7 +1851,7 @@
           <a:p>
             <a:fld id="{3FD3500F-8B60-4FBA-BC8A-72168F3C79F5}" type="datetimeFigureOut">
               <a:rPr lang="es-MX" smtClean="0"/>
-              <a:t>30/11/2017</a:t>
+              <a:t>05/12/2017</a:t>
             </a:fld>
             <a:endParaRPr lang="es-MX"/>
           </a:p>
@@ -2112,7 +2128,7 @@
           <a:p>
             <a:fld id="{3FD3500F-8B60-4FBA-BC8A-72168F3C79F5}" type="datetimeFigureOut">
               <a:rPr lang="es-MX" smtClean="0"/>
-              <a:t>30/11/2017</a:t>
+              <a:t>05/12/2017</a:t>
             </a:fld>
             <a:endParaRPr lang="es-MX"/>
           </a:p>
@@ -2369,7 +2385,7 @@
           <a:p>
             <a:fld id="{3FD3500F-8B60-4FBA-BC8A-72168F3C79F5}" type="datetimeFigureOut">
               <a:rPr lang="es-MX" smtClean="0"/>
-              <a:t>30/11/2017</a:t>
+              <a:t>05/12/2017</a:t>
             </a:fld>
             <a:endParaRPr lang="es-MX"/>
           </a:p>
@@ -2582,7 +2598,7 @@
           <a:p>
             <a:fld id="{3FD3500F-8B60-4FBA-BC8A-72168F3C79F5}" type="datetimeFigureOut">
               <a:rPr lang="es-MX" smtClean="0"/>
-              <a:t>30/11/2017</a:t>
+              <a:t>05/12/2017</a:t>
             </a:fld>
             <a:endParaRPr lang="es-MX"/>
           </a:p>
@@ -3030,7 +3046,18 @@
                 <a:ea typeface="Roboto Black" panose="02000000000000000000" pitchFamily="2" charset="0"/>
                 <a:cs typeface="Open Sans" panose="020B0606030504020204" pitchFamily="34" charset="0"/>
               </a:rPr>
-              <a:t> / </a:t>
+              <a:t> </a:t>
+            </a:r>
+            <a:r>
+              <a:rPr lang="es-MX" sz="11000" dirty="0" smtClean="0">
+                <a:solidFill>
+                  <a:srgbClr val="921429"/>
+                </a:solidFill>
+                <a:latin typeface="Roboto Black" panose="02000000000000000000" pitchFamily="2" charset="0"/>
+                <a:ea typeface="Roboto Black" panose="02000000000000000000" pitchFamily="2" charset="0"/>
+                <a:cs typeface="Open Sans" panose="020B0606030504020204" pitchFamily="34" charset="0"/>
+              </a:rPr>
+              <a:t>/ </a:t>
             </a:r>
             <a:r>
               <a:rPr lang="es-MX" sz="11000" dirty="0" smtClean="0">
@@ -3426,15 +3453,6 @@
               </a:rPr>
               <a:t>Copiar llave</a:t>
             </a:r>
-            <a:endParaRPr lang="es-MX" sz="2200" dirty="0" smtClean="0">
-              <a:solidFill>
-                <a:schemeClr val="bg1">
-                  <a:lumMod val="75000"/>
-                </a:schemeClr>
-              </a:solidFill>
-              <a:latin typeface="Roboto" panose="02000000000000000000" pitchFamily="2" charset="0"/>
-              <a:ea typeface="Roboto" panose="02000000000000000000" pitchFamily="2" charset="0"/>
-            </a:endParaRPr>
           </a:p>
           <a:p>
             <a:pPr marL="0" indent="0">
@@ -3500,15 +3518,6 @@
               </a:rPr>
               <a:t>/&lt;nombreLlave.pub&gt;</a:t>
             </a:r>
-            <a:endParaRPr lang="es-MX" sz="2400" dirty="0" smtClean="0">
-              <a:solidFill>
-                <a:schemeClr val="bg1">
-                  <a:lumMod val="50000"/>
-                </a:schemeClr>
-              </a:solidFill>
-              <a:latin typeface="Roboto" panose="02000000000000000000" pitchFamily="2" charset="0"/>
-              <a:ea typeface="Roboto" panose="02000000000000000000" pitchFamily="2" charset="0"/>
-            </a:endParaRPr>
           </a:p>
           <a:p>
             <a:pPr marL="0" indent="0">
@@ -4164,7 +4173,7 @@
               <a:t>	</a:t>
             </a:r>
             <a:r>
-              <a:rPr lang="es-MX" sz="2400" dirty="0" err="1">
+              <a:rPr lang="es-MX" sz="2400" dirty="0" smtClean="0">
                 <a:solidFill>
                   <a:schemeClr val="bg1">
                     <a:lumMod val="50000"/>
@@ -4173,7 +4182,7 @@
                 <a:latin typeface="Roboto" panose="02000000000000000000" pitchFamily="2" charset="0"/>
                 <a:ea typeface="Roboto" panose="02000000000000000000" pitchFamily="2" charset="0"/>
               </a:rPr>
-              <a:t>g</a:t>
+              <a:t>	</a:t>
             </a:r>
             <a:r>
               <a:rPr lang="es-MX" sz="2400" dirty="0" err="1" smtClean="0">
@@ -4185,7 +4194,7 @@
                 <a:latin typeface="Roboto" panose="02000000000000000000" pitchFamily="2" charset="0"/>
                 <a:ea typeface="Roboto" panose="02000000000000000000" pitchFamily="2" charset="0"/>
               </a:rPr>
-              <a:t>it</a:t>
+              <a:t>git</a:t>
             </a:r>
             <a:r>
               <a:rPr lang="es-MX" sz="2400" dirty="0" smtClean="0">
@@ -4221,7 +4230,19 @@
                 <a:latin typeface="Roboto" panose="02000000000000000000" pitchFamily="2" charset="0"/>
                 <a:ea typeface="Roboto" panose="02000000000000000000" pitchFamily="2" charset="0"/>
               </a:rPr>
-              <a:t> --</a:t>
+              <a:t> </a:t>
+            </a:r>
+            <a:r>
+              <a:rPr lang="es-MX" sz="2400" dirty="0" smtClean="0">
+                <a:solidFill>
+                  <a:schemeClr val="bg1">
+                    <a:lumMod val="50000"/>
+                  </a:schemeClr>
+                </a:solidFill>
+                <a:latin typeface="Roboto" panose="02000000000000000000" pitchFamily="2" charset="0"/>
+                <a:ea typeface="Roboto" panose="02000000000000000000" pitchFamily="2" charset="0"/>
+              </a:rPr>
+              <a:t>–</a:t>
             </a:r>
             <a:r>
               <a:rPr lang="es-MX" sz="2400" dirty="0" err="1" smtClean="0">
@@ -4234,6 +4255,18 @@
                 <a:ea typeface="Roboto" panose="02000000000000000000" pitchFamily="2" charset="0"/>
               </a:rPr>
               <a:t>all</a:t>
+            </a:r>
+            <a:r>
+              <a:rPr lang="es-MX" sz="2400" dirty="0" smtClean="0">
+                <a:solidFill>
+                  <a:schemeClr val="bg1">
+                    <a:lumMod val="50000"/>
+                  </a:schemeClr>
+                </a:solidFill>
+                <a:latin typeface="Roboto" panose="02000000000000000000" pitchFamily="2" charset="0"/>
+                <a:ea typeface="Roboto" panose="02000000000000000000" pitchFamily="2" charset="0"/>
+              </a:rPr>
+              <a:t>	</a:t>
             </a:r>
             <a:r>
               <a:rPr lang="es-MX" sz="2400" dirty="0">
@@ -4780,6 +4813,18 @@
               <a:t>	</a:t>
             </a:r>
             <a:r>
+              <a:rPr lang="es-MX" sz="2400" dirty="0" smtClean="0">
+                <a:solidFill>
+                  <a:schemeClr val="bg1">
+                    <a:lumMod val="50000"/>
+                  </a:schemeClr>
+                </a:solidFill>
+                <a:latin typeface="Roboto" panose="02000000000000000000" pitchFamily="2" charset="0"/>
+                <a:ea typeface="Roboto" panose="02000000000000000000" pitchFamily="2" charset="0"/>
+              </a:rPr>
+              <a:t>		</a:t>
+            </a:r>
+            <a:r>
               <a:rPr lang="es-MX" sz="2400" dirty="0" err="1" smtClean="0">
                 <a:solidFill>
                   <a:schemeClr val="bg1">
@@ -5605,6 +5650,14 @@
 <file path=ppt/slides/slide15.xml><?xml version="1.0" encoding="utf-8"?>
 <p:sld xmlns:a="http://schemas.openxmlformats.org/drawingml/2006/main" xmlns:r="http://schemas.openxmlformats.org/officeDocument/2006/relationships" xmlns:p="http://schemas.openxmlformats.org/presentationml/2006/main">
   <p:cSld>
+    <p:bg>
+      <p:bgPr>
+        <a:solidFill>
+          <a:srgbClr val="D71F3C"/>
+        </a:solidFill>
+        <a:effectLst/>
+      </p:bgPr>
+    </p:bg>
     <p:spTree>
       <p:nvGrpSpPr>
         <p:cNvPr id="1" name=""/>
@@ -5621,46 +5674,3012 @@
       </p:grpSpPr>
       <p:sp>
         <p:nvSpPr>
-          <p:cNvPr id="2" name="Título 1"/>
-          <p:cNvSpPr>
-            <a:spLocks noGrp="1"/>
-          </p:cNvSpPr>
-          <p:nvPr>
-            <p:ph type="title"/>
-          </p:nvPr>
+          <p:cNvPr id="4" name="CuadroTexto 3"/>
+          <p:cNvSpPr txBox="1"/>
+          <p:nvPr/>
         </p:nvSpPr>
-        <p:spPr/>
+        <p:spPr>
+          <a:xfrm>
+            <a:off x="137124" y="1873419"/>
+            <a:ext cx="4475905" cy="1015663"/>
+          </a:xfrm>
+          <a:prstGeom prst="rect">
+            <a:avLst/>
+          </a:prstGeom>
+          <a:noFill/>
+        </p:spPr>
         <p:txBody>
-          <a:bodyPr/>
+          <a:bodyPr wrap="none" rtlCol="0">
+            <a:spAutoFit/>
+          </a:bodyPr>
           <a:lstStyle/>
           <a:p>
-            <a:endParaRPr lang="es-MX" dirty="0"/>
+            <a:r>
+              <a:rPr lang="es-MX" sz="6000" dirty="0" err="1" smtClean="0">
+                <a:solidFill>
+                  <a:schemeClr val="bg1"/>
+                </a:solidFill>
+                <a:latin typeface="Roboto Black" panose="02000000000000000000" pitchFamily="2" charset="0"/>
+                <a:ea typeface="Roboto Black" panose="02000000000000000000" pitchFamily="2" charset="0"/>
+              </a:rPr>
+              <a:t>downstream</a:t>
+            </a:r>
+            <a:endParaRPr lang="es-MX" sz="6000" dirty="0">
+              <a:solidFill>
+                <a:schemeClr val="bg1"/>
+              </a:solidFill>
+              <a:latin typeface="Roboto Black" panose="02000000000000000000" pitchFamily="2" charset="0"/>
+              <a:ea typeface="Roboto Black" panose="02000000000000000000" pitchFamily="2" charset="0"/>
+            </a:endParaRPr>
           </a:p>
         </p:txBody>
       </p:sp>
       <p:sp>
         <p:nvSpPr>
-          <p:cNvPr id="3" name="Marcador de contenido 2"/>
-          <p:cNvSpPr>
-            <a:spLocks noGrp="1"/>
-          </p:cNvSpPr>
-          <p:nvPr>
-            <p:ph idx="1"/>
-          </p:nvPr>
+          <p:cNvPr id="5" name="CuadroTexto 4"/>
+          <p:cNvSpPr txBox="1"/>
+          <p:nvPr/>
         </p:nvSpPr>
-        <p:spPr/>
+        <p:spPr>
+          <a:xfrm>
+            <a:off x="137124" y="4029878"/>
+            <a:ext cx="3485249" cy="1015663"/>
+          </a:xfrm>
+          <a:prstGeom prst="rect">
+            <a:avLst/>
+          </a:prstGeom>
+          <a:noFill/>
+        </p:spPr>
         <p:txBody>
-          <a:bodyPr/>
+          <a:bodyPr wrap="none" rtlCol="0">
+            <a:spAutoFit/>
+          </a:bodyPr>
           <a:lstStyle/>
           <a:p>
-            <a:endParaRPr lang="es-MX"/>
+            <a:r>
+              <a:rPr lang="es-MX" sz="6000" dirty="0" err="1" smtClean="0">
+                <a:solidFill>
+                  <a:schemeClr val="bg1"/>
+                </a:solidFill>
+                <a:latin typeface="Roboto Black" panose="02000000000000000000" pitchFamily="2" charset="0"/>
+                <a:ea typeface="Roboto Black" panose="02000000000000000000" pitchFamily="2" charset="0"/>
+              </a:rPr>
+              <a:t>upstream</a:t>
+            </a:r>
+            <a:endParaRPr lang="es-MX" sz="6000" dirty="0">
+              <a:solidFill>
+                <a:schemeClr val="bg1"/>
+              </a:solidFill>
+              <a:latin typeface="Roboto Black" panose="02000000000000000000" pitchFamily="2" charset="0"/>
+              <a:ea typeface="Roboto Black" panose="02000000000000000000" pitchFamily="2" charset="0"/>
+            </a:endParaRPr>
+          </a:p>
+        </p:txBody>
+      </p:sp>
+      <p:grpSp>
+        <p:nvGrpSpPr>
+          <p:cNvPr id="11" name="Grupo 10"/>
+          <p:cNvGrpSpPr/>
+          <p:nvPr/>
+        </p:nvGrpSpPr>
+        <p:grpSpPr>
+          <a:xfrm>
+            <a:off x="8117628" y="2142723"/>
+            <a:ext cx="3565925" cy="477054"/>
+            <a:chOff x="7111788" y="2139353"/>
+            <a:chExt cx="3565925" cy="477054"/>
+          </a:xfrm>
+        </p:grpSpPr>
+        <p:sp>
+          <p:nvSpPr>
+            <p:cNvPr id="6" name="CuadroTexto 5"/>
+            <p:cNvSpPr txBox="1"/>
+            <p:nvPr/>
+          </p:nvSpPr>
+          <p:spPr>
+            <a:xfrm>
+              <a:off x="7815730" y="2139353"/>
+              <a:ext cx="2334766" cy="477054"/>
+            </a:xfrm>
+            <a:prstGeom prst="rect">
+              <a:avLst/>
+            </a:prstGeom>
+            <a:noFill/>
+          </p:spPr>
+          <p:txBody>
+            <a:bodyPr wrap="square" rtlCol="0">
+              <a:spAutoFit/>
+            </a:bodyPr>
+            <a:lstStyle/>
+            <a:p>
+              <a:r>
+                <a:rPr lang="es-MX" sz="2500" b="1" dirty="0">
+                  <a:solidFill>
+                    <a:schemeClr val="bg1">
+                      <a:lumMod val="95000"/>
+                    </a:schemeClr>
+                  </a:solidFill>
+                  <a:latin typeface="Roboto Light" panose="02000000000000000000" pitchFamily="2" charset="0"/>
+                  <a:ea typeface="Roboto Light" panose="02000000000000000000" pitchFamily="2" charset="0"/>
+                </a:rPr>
+                <a:t>local </a:t>
+              </a:r>
+              <a:r>
+                <a:rPr lang="es-MX" sz="2500" b="1" dirty="0">
+                  <a:solidFill>
+                    <a:srgbClr val="FFC000"/>
+                  </a:solidFill>
+                  <a:latin typeface="Roboto Black" panose="02000000000000000000" pitchFamily="2" charset="0"/>
+                  <a:ea typeface="Roboto Black" panose="02000000000000000000" pitchFamily="2" charset="0"/>
+                </a:rPr>
+                <a:t>&lt;-</a:t>
+              </a:r>
+              <a:r>
+                <a:rPr lang="es-MX" sz="2500" b="1" dirty="0">
+                  <a:solidFill>
+                    <a:schemeClr val="bg1">
+                      <a:lumMod val="95000"/>
+                    </a:schemeClr>
+                  </a:solidFill>
+                  <a:latin typeface="Roboto Light" panose="02000000000000000000" pitchFamily="2" charset="0"/>
+                  <a:ea typeface="Roboto Light" panose="02000000000000000000" pitchFamily="2" charset="0"/>
+                </a:rPr>
+                <a:t> remoto</a:t>
+              </a:r>
+              <a:endParaRPr lang="es-MX" sz="2500" b="1" dirty="0">
+                <a:solidFill>
+                  <a:schemeClr val="bg1">
+                    <a:lumMod val="95000"/>
+                  </a:schemeClr>
+                </a:solidFill>
+                <a:latin typeface="Roboto Light" panose="02000000000000000000" pitchFamily="2" charset="0"/>
+                <a:ea typeface="Roboto Light" panose="02000000000000000000" pitchFamily="2" charset="0"/>
+              </a:endParaRPr>
+            </a:p>
+          </p:txBody>
+        </p:sp>
+        <p:pic>
+          <p:nvPicPr>
+            <p:cNvPr id="9" name="Imagen 8"/>
+            <p:cNvPicPr>
+              <a:picLocks noChangeAspect="1"/>
+            </p:cNvPicPr>
+            <p:nvPr/>
+          </p:nvPicPr>
+          <p:blipFill>
+            <a:blip r:embed="rId2" cstate="print">
+              <a:extLst>
+                <a:ext uri="{28A0092B-C50C-407E-A947-70E740481C1C}">
+                  <a14:useLocalDpi xmlns:a14="http://schemas.microsoft.com/office/drawing/2010/main" val="0"/>
+                </a:ext>
+              </a:extLst>
+            </a:blip>
+            <a:stretch>
+              <a:fillRect/>
+            </a:stretch>
+          </p:blipFill>
+          <p:spPr>
+            <a:xfrm>
+              <a:off x="7111788" y="2234626"/>
+              <a:ext cx="508330" cy="336448"/>
+            </a:xfrm>
+            <a:prstGeom prst="rect">
+              <a:avLst/>
+            </a:prstGeom>
+          </p:spPr>
+        </p:pic>
+        <p:pic>
+          <p:nvPicPr>
+            <p:cNvPr id="10" name="Imagen 9"/>
+            <p:cNvPicPr>
+              <a:picLocks noChangeAspect="1"/>
+            </p:cNvPicPr>
+            <p:nvPr/>
+          </p:nvPicPr>
+          <p:blipFill>
+            <a:blip r:embed="rId3" cstate="print">
+              <a:extLst>
+                <a:ext uri="{28A0092B-C50C-407E-A947-70E740481C1C}">
+                  <a14:useLocalDpi xmlns:a14="http://schemas.microsoft.com/office/drawing/2010/main" val="0"/>
+                </a:ext>
+              </a:extLst>
+            </a:blip>
+            <a:stretch>
+              <a:fillRect/>
+            </a:stretch>
+          </p:blipFill>
+          <p:spPr>
+            <a:xfrm>
+              <a:off x="10346108" y="2234626"/>
+              <a:ext cx="331605" cy="336448"/>
+            </a:xfrm>
+            <a:prstGeom prst="rect">
+              <a:avLst/>
+            </a:prstGeom>
+          </p:spPr>
+        </p:pic>
+      </p:grpSp>
+      <p:grpSp>
+        <p:nvGrpSpPr>
+          <p:cNvPr id="14" name="Grupo 13"/>
+          <p:cNvGrpSpPr/>
+          <p:nvPr/>
+        </p:nvGrpSpPr>
+        <p:grpSpPr>
+          <a:xfrm>
+            <a:off x="8117628" y="4299182"/>
+            <a:ext cx="3565925" cy="477054"/>
+            <a:chOff x="8117628" y="4299183"/>
+            <a:chExt cx="3565925" cy="477054"/>
+          </a:xfrm>
+        </p:grpSpPr>
+        <p:sp>
+          <p:nvSpPr>
+            <p:cNvPr id="7" name="CuadroTexto 6"/>
+            <p:cNvSpPr txBox="1"/>
+            <p:nvPr/>
+          </p:nvSpPr>
+          <p:spPr>
+            <a:xfrm>
+              <a:off x="8847026" y="4299183"/>
+              <a:ext cx="2386829" cy="477054"/>
+            </a:xfrm>
+            <a:prstGeom prst="rect">
+              <a:avLst/>
+            </a:prstGeom>
+            <a:noFill/>
+          </p:spPr>
+          <p:txBody>
+            <a:bodyPr wrap="square" rtlCol="0">
+              <a:spAutoFit/>
+            </a:bodyPr>
+            <a:lstStyle/>
+            <a:p>
+              <a:r>
+                <a:rPr lang="es-MX" sz="2500" b="1" dirty="0" smtClean="0">
+                  <a:solidFill>
+                    <a:schemeClr val="bg1">
+                      <a:lumMod val="95000"/>
+                    </a:schemeClr>
+                  </a:solidFill>
+                  <a:latin typeface="Roboto Light" panose="02000000000000000000" pitchFamily="2" charset="0"/>
+                  <a:ea typeface="Roboto Light" panose="02000000000000000000" pitchFamily="2" charset="0"/>
+                </a:rPr>
+                <a:t>local </a:t>
+              </a:r>
+              <a:r>
+                <a:rPr lang="es-MX" sz="2500" b="1" dirty="0" smtClean="0">
+                  <a:solidFill>
+                    <a:srgbClr val="FFC000"/>
+                  </a:solidFill>
+                  <a:latin typeface="Roboto Black" panose="02000000000000000000" pitchFamily="2" charset="0"/>
+                  <a:ea typeface="Roboto Black" panose="02000000000000000000" pitchFamily="2" charset="0"/>
+                </a:rPr>
+                <a:t>-&gt;</a:t>
+              </a:r>
+              <a:r>
+                <a:rPr lang="es-MX" sz="2500" b="1" dirty="0" smtClean="0">
+                  <a:solidFill>
+                    <a:schemeClr val="bg1">
+                      <a:lumMod val="95000"/>
+                    </a:schemeClr>
+                  </a:solidFill>
+                  <a:latin typeface="Roboto Light" panose="02000000000000000000" pitchFamily="2" charset="0"/>
+                  <a:ea typeface="Roboto Light" panose="02000000000000000000" pitchFamily="2" charset="0"/>
+                </a:rPr>
+                <a:t> remoto</a:t>
+              </a:r>
+              <a:endParaRPr lang="es-MX" sz="2500" b="1" dirty="0">
+                <a:solidFill>
+                  <a:schemeClr val="bg1">
+                    <a:lumMod val="95000"/>
+                  </a:schemeClr>
+                </a:solidFill>
+                <a:latin typeface="Roboto Light" panose="02000000000000000000" pitchFamily="2" charset="0"/>
+                <a:ea typeface="Roboto Light" panose="02000000000000000000" pitchFamily="2" charset="0"/>
+              </a:endParaRPr>
+            </a:p>
+          </p:txBody>
+        </p:sp>
+        <p:pic>
+          <p:nvPicPr>
+            <p:cNvPr id="12" name="Imagen 11"/>
+            <p:cNvPicPr>
+              <a:picLocks noChangeAspect="1"/>
+            </p:cNvPicPr>
+            <p:nvPr/>
+          </p:nvPicPr>
+          <p:blipFill>
+            <a:blip r:embed="rId2" cstate="print">
+              <a:extLst>
+                <a:ext uri="{28A0092B-C50C-407E-A947-70E740481C1C}">
+                  <a14:useLocalDpi xmlns:a14="http://schemas.microsoft.com/office/drawing/2010/main" val="0"/>
+                </a:ext>
+              </a:extLst>
+            </a:blip>
+            <a:stretch>
+              <a:fillRect/>
+            </a:stretch>
+          </p:blipFill>
+          <p:spPr>
+            <a:xfrm>
+              <a:off x="8117628" y="4371596"/>
+              <a:ext cx="508330" cy="336448"/>
+            </a:xfrm>
+            <a:prstGeom prst="rect">
+              <a:avLst/>
+            </a:prstGeom>
+          </p:spPr>
+        </p:pic>
+        <p:pic>
+          <p:nvPicPr>
+            <p:cNvPr id="13" name="Imagen 12"/>
+            <p:cNvPicPr>
+              <a:picLocks noChangeAspect="1"/>
+            </p:cNvPicPr>
+            <p:nvPr/>
+          </p:nvPicPr>
+          <p:blipFill>
+            <a:blip r:embed="rId3" cstate="print">
+              <a:extLst>
+                <a:ext uri="{28A0092B-C50C-407E-A947-70E740481C1C}">
+                  <a14:useLocalDpi xmlns:a14="http://schemas.microsoft.com/office/drawing/2010/main" val="0"/>
+                </a:ext>
+              </a:extLst>
+            </a:blip>
+            <a:stretch>
+              <a:fillRect/>
+            </a:stretch>
+          </p:blipFill>
+          <p:spPr>
+            <a:xfrm>
+              <a:off x="11351948" y="4371596"/>
+              <a:ext cx="331605" cy="336448"/>
+            </a:xfrm>
+            <a:prstGeom prst="rect">
+              <a:avLst/>
+            </a:prstGeom>
+          </p:spPr>
+        </p:pic>
+      </p:grpSp>
+    </p:spTree>
+    <p:extLst>
+      <p:ext uri="{BB962C8B-B14F-4D97-AF65-F5344CB8AC3E}">
+        <p14:creationId xmlns:p14="http://schemas.microsoft.com/office/powerpoint/2010/main" val="3972107316"/>
+      </p:ext>
+    </p:extLst>
+  </p:cSld>
+  <p:clrMapOvr>
+    <a:masterClrMapping/>
+  </p:clrMapOvr>
+  <p:timing>
+    <p:tnLst>
+      <p:par>
+        <p:cTn id="1" dur="indefinite" restart="never" nodeType="tmRoot"/>
+      </p:par>
+    </p:tnLst>
+  </p:timing>
+</p:sld>
+</file>
+
+<file path=ppt/slides/slide16.xml><?xml version="1.0" encoding="utf-8"?>
+<p:sld xmlns:a="http://schemas.openxmlformats.org/drawingml/2006/main" xmlns:r="http://schemas.openxmlformats.org/officeDocument/2006/relationships" xmlns:p="http://schemas.openxmlformats.org/presentationml/2006/main">
+  <p:cSld>
+    <p:bg>
+      <p:bgPr>
+        <a:solidFill>
+          <a:schemeClr val="accent6">
+            <a:lumMod val="75000"/>
+          </a:schemeClr>
+        </a:solidFill>
+        <a:effectLst/>
+      </p:bgPr>
+    </p:bg>
+    <p:spTree>
+      <p:nvGrpSpPr>
+        <p:cNvPr id="1" name=""/>
+        <p:cNvGrpSpPr/>
+        <p:nvPr/>
+      </p:nvGrpSpPr>
+      <p:grpSpPr>
+        <a:xfrm>
+          <a:off x="0" y="0"/>
+          <a:ext cx="0" cy="0"/>
+          <a:chOff x="0" y="0"/>
+          <a:chExt cx="0" cy="0"/>
+        </a:xfrm>
+      </p:grpSpPr>
+      <p:sp>
+        <p:nvSpPr>
+          <p:cNvPr id="2" name="CuadroTexto 1"/>
+          <p:cNvSpPr txBox="1"/>
+          <p:nvPr/>
+        </p:nvSpPr>
+        <p:spPr>
+          <a:xfrm>
+            <a:off x="5382569" y="2767281"/>
+            <a:ext cx="1426862" cy="1323439"/>
+          </a:xfrm>
+          <a:prstGeom prst="rect">
+            <a:avLst/>
+          </a:prstGeom>
+          <a:noFill/>
+        </p:spPr>
+        <p:txBody>
+          <a:bodyPr wrap="square" rtlCol="0">
+            <a:spAutoFit/>
+          </a:bodyPr>
+          <a:lstStyle/>
+          <a:p>
+            <a:pPr algn="ctr"/>
+            <a:r>
+              <a:rPr lang="es-MX" sz="6000" dirty="0" smtClean="0">
+                <a:solidFill>
+                  <a:schemeClr val="bg1"/>
+                </a:solidFill>
+                <a:latin typeface="Roboto Black" panose="02000000000000000000" pitchFamily="2" charset="0"/>
+                <a:ea typeface="Roboto Black" panose="02000000000000000000" pitchFamily="2" charset="0"/>
+              </a:rPr>
+              <a:t>VI</a:t>
+            </a:r>
+          </a:p>
+          <a:p>
+            <a:pPr algn="ctr"/>
+            <a:r>
+              <a:rPr lang="es-MX" sz="2000" dirty="0" err="1">
+                <a:solidFill>
+                  <a:schemeClr val="bg1">
+                    <a:lumMod val="75000"/>
+                  </a:schemeClr>
+                </a:solidFill>
+                <a:latin typeface="Roboto" panose="02000000000000000000" pitchFamily="2" charset="0"/>
+                <a:ea typeface="Roboto" panose="02000000000000000000" pitchFamily="2" charset="0"/>
+              </a:rPr>
+              <a:t>t</a:t>
+            </a:r>
+            <a:r>
+              <a:rPr lang="es-MX" sz="2000" dirty="0" err="1" smtClean="0">
+                <a:solidFill>
+                  <a:schemeClr val="bg1">
+                    <a:lumMod val="75000"/>
+                  </a:schemeClr>
+                </a:solidFill>
+                <a:latin typeface="Roboto" panose="02000000000000000000" pitchFamily="2" charset="0"/>
+                <a:ea typeface="Roboto" panose="02000000000000000000" pitchFamily="2" charset="0"/>
+              </a:rPr>
+              <a:t>ext</a:t>
+            </a:r>
+            <a:r>
+              <a:rPr lang="es-MX" sz="2000" dirty="0" smtClean="0">
+                <a:solidFill>
+                  <a:schemeClr val="bg1">
+                    <a:lumMod val="75000"/>
+                  </a:schemeClr>
+                </a:solidFill>
+                <a:latin typeface="Roboto" panose="02000000000000000000" pitchFamily="2" charset="0"/>
+                <a:ea typeface="Roboto" panose="02000000000000000000" pitchFamily="2" charset="0"/>
+              </a:rPr>
+              <a:t> editor</a:t>
+            </a:r>
+            <a:endParaRPr lang="es-MX" sz="2000" dirty="0">
+              <a:solidFill>
+                <a:schemeClr val="bg1">
+                  <a:lumMod val="75000"/>
+                </a:schemeClr>
+              </a:solidFill>
+              <a:latin typeface="Roboto" panose="02000000000000000000" pitchFamily="2" charset="0"/>
+              <a:ea typeface="Roboto" panose="02000000000000000000" pitchFamily="2" charset="0"/>
+            </a:endParaRPr>
           </a:p>
         </p:txBody>
       </p:sp>
     </p:spTree>
     <p:extLst>
       <p:ext uri="{BB962C8B-B14F-4D97-AF65-F5344CB8AC3E}">
-        <p14:creationId xmlns:p14="http://schemas.microsoft.com/office/powerpoint/2010/main" val="3972107316"/>
+        <p14:creationId xmlns:p14="http://schemas.microsoft.com/office/powerpoint/2010/main" val="168698447"/>
+      </p:ext>
+    </p:extLst>
+  </p:cSld>
+  <p:clrMapOvr>
+    <a:masterClrMapping/>
+  </p:clrMapOvr>
+  <p:timing>
+    <p:tnLst>
+      <p:par>
+        <p:cTn id="1" dur="indefinite" restart="never" nodeType="tmRoot"/>
+      </p:par>
+    </p:tnLst>
+  </p:timing>
+</p:sld>
+</file>
+
+<file path=ppt/slides/slide17.xml><?xml version="1.0" encoding="utf-8"?>
+<p:sld xmlns:a="http://schemas.openxmlformats.org/drawingml/2006/main" xmlns:r="http://schemas.openxmlformats.org/officeDocument/2006/relationships" xmlns:p="http://schemas.openxmlformats.org/presentationml/2006/main">
+  <p:cSld>
+    <p:bg>
+      <p:bgPr>
+        <a:solidFill>
+          <a:schemeClr val="accent6">
+            <a:lumMod val="75000"/>
+          </a:schemeClr>
+        </a:solidFill>
+        <a:effectLst/>
+      </p:bgPr>
+    </p:bg>
+    <p:spTree>
+      <p:nvGrpSpPr>
+        <p:cNvPr id="1" name=""/>
+        <p:cNvGrpSpPr/>
+        <p:nvPr/>
+      </p:nvGrpSpPr>
+      <p:grpSpPr>
+        <a:xfrm>
+          <a:off x="0" y="0"/>
+          <a:ext cx="0" cy="0"/>
+          <a:chOff x="0" y="0"/>
+          <a:chExt cx="0" cy="0"/>
+        </a:xfrm>
+      </p:grpSpPr>
+      <p:sp>
+        <p:nvSpPr>
+          <p:cNvPr id="3" name="CuadroTexto 2"/>
+          <p:cNvSpPr txBox="1"/>
+          <p:nvPr/>
+        </p:nvSpPr>
+        <p:spPr>
+          <a:xfrm>
+            <a:off x="577970" y="448574"/>
+            <a:ext cx="5096267" cy="707886"/>
+          </a:xfrm>
+          <a:prstGeom prst="rect">
+            <a:avLst/>
+          </a:prstGeom>
+          <a:noFill/>
+        </p:spPr>
+        <p:txBody>
+          <a:bodyPr wrap="none" rtlCol="0">
+            <a:spAutoFit/>
+          </a:bodyPr>
+          <a:lstStyle/>
+          <a:p>
+            <a:r>
+              <a:rPr lang="es-MX" sz="4000" dirty="0">
+                <a:solidFill>
+                  <a:schemeClr val="bg1"/>
+                </a:solidFill>
+                <a:latin typeface="Roboto Black" panose="02000000000000000000" pitchFamily="2" charset="0"/>
+                <a:ea typeface="Roboto Black" panose="02000000000000000000" pitchFamily="2" charset="0"/>
+              </a:rPr>
+              <a:t>Comandos </a:t>
+            </a:r>
+            <a:r>
+              <a:rPr lang="es-MX" sz="4000" dirty="0" smtClean="0">
+                <a:solidFill>
+                  <a:schemeClr val="bg1"/>
+                </a:solidFill>
+                <a:latin typeface="Roboto Black" panose="02000000000000000000" pitchFamily="2" charset="0"/>
+                <a:ea typeface="Roboto Black" panose="02000000000000000000" pitchFamily="2" charset="0"/>
+              </a:rPr>
+              <a:t>básicos </a:t>
+            </a:r>
+            <a:r>
+              <a:rPr lang="es-MX" sz="2500" dirty="0" smtClean="0">
+                <a:solidFill>
+                  <a:schemeClr val="bg1">
+                    <a:lumMod val="75000"/>
+                  </a:schemeClr>
+                </a:solidFill>
+                <a:latin typeface="Roboto" panose="02000000000000000000" pitchFamily="2" charset="0"/>
+                <a:ea typeface="Roboto" panose="02000000000000000000" pitchFamily="2" charset="0"/>
+              </a:rPr>
+              <a:t>[vi]</a:t>
+            </a:r>
+            <a:endParaRPr lang="es-MX" sz="2500" dirty="0">
+              <a:solidFill>
+                <a:schemeClr val="bg1">
+                  <a:lumMod val="75000"/>
+                </a:schemeClr>
+              </a:solidFill>
+              <a:latin typeface="Roboto" panose="02000000000000000000" pitchFamily="2" charset="0"/>
+              <a:ea typeface="Roboto" panose="02000000000000000000" pitchFamily="2" charset="0"/>
+            </a:endParaRPr>
+          </a:p>
+        </p:txBody>
+      </p:sp>
+      <p:grpSp>
+        <p:nvGrpSpPr>
+          <p:cNvPr id="7" name="Grupo 6"/>
+          <p:cNvGrpSpPr/>
+          <p:nvPr/>
+        </p:nvGrpSpPr>
+        <p:grpSpPr>
+          <a:xfrm>
+            <a:off x="830413" y="1505396"/>
+            <a:ext cx="10531175" cy="3847208"/>
+            <a:chOff x="759125" y="1794293"/>
+            <a:chExt cx="10531175" cy="3847208"/>
+          </a:xfrm>
+        </p:grpSpPr>
+        <p:sp>
+          <p:nvSpPr>
+            <p:cNvPr id="4" name="CuadroTexto 3"/>
+            <p:cNvSpPr txBox="1"/>
+            <p:nvPr/>
+          </p:nvSpPr>
+          <p:spPr>
+            <a:xfrm>
+              <a:off x="759125" y="1794294"/>
+              <a:ext cx="4473275" cy="3847207"/>
+            </a:xfrm>
+            <a:prstGeom prst="rect">
+              <a:avLst/>
+            </a:prstGeom>
+            <a:noFill/>
+          </p:spPr>
+          <p:txBody>
+            <a:bodyPr wrap="square" rtlCol="0">
+              <a:spAutoFit/>
+            </a:bodyPr>
+            <a:lstStyle/>
+            <a:p>
+              <a:r>
+                <a:rPr lang="es-MX" sz="2200" dirty="0" smtClean="0">
+                  <a:solidFill>
+                    <a:schemeClr val="accent6">
+                      <a:lumMod val="40000"/>
+                      <a:lumOff val="60000"/>
+                    </a:schemeClr>
+                  </a:solidFill>
+                  <a:latin typeface="Roboto" panose="02000000000000000000" pitchFamily="2" charset="0"/>
+                  <a:ea typeface="Roboto" panose="02000000000000000000" pitchFamily="2" charset="0"/>
+                </a:rPr>
+                <a:t>Utilizar vi</a:t>
+              </a:r>
+            </a:p>
+            <a:p>
+              <a:r>
+                <a:rPr lang="es-MX" sz="2400" dirty="0" smtClean="0">
+                  <a:solidFill>
+                    <a:schemeClr val="bg1">
+                      <a:lumMod val="95000"/>
+                    </a:schemeClr>
+                  </a:solidFill>
+                  <a:latin typeface="Roboto" panose="02000000000000000000" pitchFamily="2" charset="0"/>
+                  <a:ea typeface="Roboto" panose="02000000000000000000" pitchFamily="2" charset="0"/>
+                </a:rPr>
+                <a:t>	vi </a:t>
+              </a:r>
+              <a:r>
+                <a:rPr lang="es-MX" sz="2400" dirty="0">
+                  <a:solidFill>
+                    <a:schemeClr val="bg1">
+                      <a:lumMod val="95000"/>
+                    </a:schemeClr>
+                  </a:solidFill>
+                  <a:latin typeface="Roboto" panose="02000000000000000000" pitchFamily="2" charset="0"/>
+                  <a:ea typeface="Roboto" panose="02000000000000000000" pitchFamily="2" charset="0"/>
+                </a:rPr>
+                <a:t>[nombre-archivo</a:t>
+              </a:r>
+              <a:r>
+                <a:rPr lang="es-MX" sz="2400" dirty="0" smtClean="0">
+                  <a:solidFill>
+                    <a:schemeClr val="bg1">
+                      <a:lumMod val="95000"/>
+                    </a:schemeClr>
+                  </a:solidFill>
+                  <a:latin typeface="Roboto" panose="02000000000000000000" pitchFamily="2" charset="0"/>
+                  <a:ea typeface="Roboto" panose="02000000000000000000" pitchFamily="2" charset="0"/>
+                </a:rPr>
+                <a:t>]</a:t>
+              </a:r>
+            </a:p>
+            <a:p>
+              <a:endParaRPr lang="es-MX" sz="2400" dirty="0" smtClean="0">
+                <a:solidFill>
+                  <a:schemeClr val="bg1">
+                    <a:lumMod val="95000"/>
+                  </a:schemeClr>
+                </a:solidFill>
+                <a:latin typeface="Roboto" panose="02000000000000000000" pitchFamily="2" charset="0"/>
+                <a:ea typeface="Roboto" panose="02000000000000000000" pitchFamily="2" charset="0"/>
+              </a:endParaRPr>
+            </a:p>
+            <a:p>
+              <a:r>
+                <a:rPr lang="es-MX" sz="2200" dirty="0">
+                  <a:solidFill>
+                    <a:schemeClr val="accent6">
+                      <a:lumMod val="40000"/>
+                      <a:lumOff val="60000"/>
+                    </a:schemeClr>
+                  </a:solidFill>
+                  <a:latin typeface="Roboto" panose="02000000000000000000" pitchFamily="2" charset="0"/>
+                  <a:ea typeface="Roboto" panose="02000000000000000000" pitchFamily="2" charset="0"/>
+                </a:rPr>
+                <a:t>Cerrar vi </a:t>
+              </a:r>
+              <a:r>
+                <a:rPr lang="es-MX" sz="2200" b="1" dirty="0">
+                  <a:solidFill>
+                    <a:srgbClr val="FFC000"/>
+                  </a:solidFill>
+                  <a:latin typeface="Roboto" panose="02000000000000000000" pitchFamily="2" charset="0"/>
+                  <a:ea typeface="Roboto" panose="02000000000000000000" pitchFamily="2" charset="0"/>
+                </a:rPr>
+                <a:t>forzoso sin guardar</a:t>
+              </a:r>
+            </a:p>
+            <a:p>
+              <a:r>
+                <a:rPr lang="es-MX" sz="2400" dirty="0">
+                  <a:solidFill>
+                    <a:schemeClr val="bg1">
+                      <a:lumMod val="95000"/>
+                    </a:schemeClr>
+                  </a:solidFill>
+                  <a:latin typeface="Roboto" panose="02000000000000000000" pitchFamily="2" charset="0"/>
+                  <a:ea typeface="Roboto" panose="02000000000000000000" pitchFamily="2" charset="0"/>
+                </a:rPr>
+                <a:t>	</a:t>
+              </a:r>
+              <a:r>
+                <a:rPr lang="es-MX" sz="2400" dirty="0" err="1">
+                  <a:solidFill>
+                    <a:schemeClr val="bg1">
+                      <a:lumMod val="95000"/>
+                    </a:schemeClr>
+                  </a:solidFill>
+                  <a:latin typeface="Roboto" panose="02000000000000000000" pitchFamily="2" charset="0"/>
+                  <a:ea typeface="Roboto" panose="02000000000000000000" pitchFamily="2" charset="0"/>
+                </a:rPr>
+                <a:t>esc</a:t>
+              </a:r>
+              <a:r>
+                <a:rPr lang="es-MX" sz="2400" dirty="0">
+                  <a:solidFill>
+                    <a:schemeClr val="bg1">
+                      <a:lumMod val="95000"/>
+                    </a:schemeClr>
+                  </a:solidFill>
+                  <a:latin typeface="Roboto" panose="02000000000000000000" pitchFamily="2" charset="0"/>
+                  <a:ea typeface="Roboto" panose="02000000000000000000" pitchFamily="2" charset="0"/>
+                </a:rPr>
+                <a:t> -&gt; :q!</a:t>
+              </a:r>
+            </a:p>
+            <a:p>
+              <a:endParaRPr lang="es-MX" dirty="0" smtClean="0"/>
+            </a:p>
+            <a:p>
+              <a:r>
+                <a:rPr lang="es-MX" sz="2200" dirty="0">
+                  <a:solidFill>
+                    <a:schemeClr val="accent6">
+                      <a:lumMod val="40000"/>
+                      <a:lumOff val="60000"/>
+                    </a:schemeClr>
+                  </a:solidFill>
+                  <a:latin typeface="Roboto" panose="02000000000000000000" pitchFamily="2" charset="0"/>
+                  <a:ea typeface="Roboto" panose="02000000000000000000" pitchFamily="2" charset="0"/>
+                </a:rPr>
+                <a:t>Cerrar vi </a:t>
+              </a:r>
+              <a:r>
+                <a:rPr lang="es-MX" sz="2200" b="1" dirty="0">
+                  <a:solidFill>
+                    <a:srgbClr val="FFC000"/>
+                  </a:solidFill>
+                  <a:latin typeface="Roboto" panose="02000000000000000000" pitchFamily="2" charset="0"/>
+                  <a:ea typeface="Roboto" panose="02000000000000000000" pitchFamily="2" charset="0"/>
+                </a:rPr>
+                <a:t>forzoso sin guardar</a:t>
+              </a:r>
+            </a:p>
+            <a:p>
+              <a:r>
+                <a:rPr lang="es-MX" dirty="0">
+                  <a:solidFill>
+                    <a:schemeClr val="bg1">
+                      <a:lumMod val="95000"/>
+                    </a:schemeClr>
+                  </a:solidFill>
+                  <a:latin typeface="Roboto" panose="02000000000000000000" pitchFamily="2" charset="0"/>
+                  <a:ea typeface="Roboto" panose="02000000000000000000" pitchFamily="2" charset="0"/>
+                </a:rPr>
+                <a:t>	</a:t>
+              </a:r>
+              <a:r>
+                <a:rPr lang="es-MX" sz="2400" dirty="0" err="1">
+                  <a:solidFill>
+                    <a:schemeClr val="bg1">
+                      <a:lumMod val="95000"/>
+                    </a:schemeClr>
+                  </a:solidFill>
+                  <a:latin typeface="Roboto" panose="02000000000000000000" pitchFamily="2" charset="0"/>
+                  <a:ea typeface="Roboto" panose="02000000000000000000" pitchFamily="2" charset="0"/>
+                </a:rPr>
+                <a:t>esc</a:t>
+              </a:r>
+              <a:r>
+                <a:rPr lang="es-MX" sz="2400" dirty="0">
+                  <a:solidFill>
+                    <a:schemeClr val="bg1">
+                      <a:lumMod val="95000"/>
+                    </a:schemeClr>
+                  </a:solidFill>
+                  <a:latin typeface="Roboto" panose="02000000000000000000" pitchFamily="2" charset="0"/>
+                  <a:ea typeface="Roboto" panose="02000000000000000000" pitchFamily="2" charset="0"/>
+                </a:rPr>
+                <a:t> -&gt; :</a:t>
+              </a:r>
+              <a:r>
+                <a:rPr lang="es-MX" sz="2400" dirty="0" smtClean="0">
+                  <a:solidFill>
+                    <a:schemeClr val="bg1">
+                      <a:lumMod val="95000"/>
+                    </a:schemeClr>
+                  </a:solidFill>
+                  <a:latin typeface="Roboto" panose="02000000000000000000" pitchFamily="2" charset="0"/>
+                  <a:ea typeface="Roboto" panose="02000000000000000000" pitchFamily="2" charset="0"/>
+                </a:rPr>
+                <a:t>q</a:t>
+              </a:r>
+              <a:endParaRPr lang="es-MX" sz="2400" dirty="0">
+                <a:solidFill>
+                  <a:schemeClr val="bg1">
+                    <a:lumMod val="95000"/>
+                  </a:schemeClr>
+                </a:solidFill>
+                <a:latin typeface="Roboto" panose="02000000000000000000" pitchFamily="2" charset="0"/>
+                <a:ea typeface="Roboto" panose="02000000000000000000" pitchFamily="2" charset="0"/>
+              </a:endParaRPr>
+            </a:p>
+            <a:p>
+              <a:endParaRPr lang="es-MX" dirty="0" smtClean="0"/>
+            </a:p>
+            <a:p>
+              <a:r>
+                <a:rPr lang="es-MX" sz="2200" dirty="0">
+                  <a:solidFill>
+                    <a:schemeClr val="accent6">
+                      <a:lumMod val="40000"/>
+                      <a:lumOff val="60000"/>
+                    </a:schemeClr>
+                  </a:solidFill>
+                  <a:latin typeface="Roboto" panose="02000000000000000000" pitchFamily="2" charset="0"/>
+                  <a:ea typeface="Roboto" panose="02000000000000000000" pitchFamily="2" charset="0"/>
+                </a:rPr>
+                <a:t>Cerrar vi </a:t>
+              </a:r>
+              <a:r>
+                <a:rPr lang="es-MX" sz="2200" b="1" dirty="0" smtClean="0">
+                  <a:solidFill>
+                    <a:srgbClr val="FFC000"/>
+                  </a:solidFill>
+                  <a:latin typeface="Roboto" panose="02000000000000000000" pitchFamily="2" charset="0"/>
+                  <a:ea typeface="Roboto" panose="02000000000000000000" pitchFamily="2" charset="0"/>
+                </a:rPr>
+                <a:t>guardando</a:t>
+              </a:r>
+            </a:p>
+            <a:p>
+              <a:r>
+                <a:rPr lang="es-MX" sz="2200" b="1" dirty="0">
+                  <a:solidFill>
+                    <a:srgbClr val="FFC000"/>
+                  </a:solidFill>
+                  <a:latin typeface="Roboto" panose="02000000000000000000" pitchFamily="2" charset="0"/>
+                  <a:ea typeface="Roboto" panose="02000000000000000000" pitchFamily="2" charset="0"/>
+                </a:rPr>
+                <a:t>	</a:t>
+              </a:r>
+              <a:r>
+                <a:rPr lang="es-MX" sz="2400" dirty="0" err="1">
+                  <a:solidFill>
+                    <a:schemeClr val="bg1">
+                      <a:lumMod val="95000"/>
+                    </a:schemeClr>
+                  </a:solidFill>
+                  <a:latin typeface="Roboto" panose="02000000000000000000" pitchFamily="2" charset="0"/>
+                  <a:ea typeface="Roboto" panose="02000000000000000000" pitchFamily="2" charset="0"/>
+                </a:rPr>
+                <a:t>esc</a:t>
+              </a:r>
+              <a:r>
+                <a:rPr lang="es-MX" sz="2400" dirty="0">
+                  <a:solidFill>
+                    <a:schemeClr val="bg1">
+                      <a:lumMod val="95000"/>
+                    </a:schemeClr>
+                  </a:solidFill>
+                  <a:latin typeface="Roboto" panose="02000000000000000000" pitchFamily="2" charset="0"/>
+                  <a:ea typeface="Roboto" panose="02000000000000000000" pitchFamily="2" charset="0"/>
+                </a:rPr>
+                <a:t> -&gt; :</a:t>
+              </a:r>
+              <a:r>
+                <a:rPr lang="es-MX" sz="2400" dirty="0" err="1">
+                  <a:solidFill>
+                    <a:schemeClr val="bg1">
+                      <a:lumMod val="95000"/>
+                    </a:schemeClr>
+                  </a:solidFill>
+                  <a:latin typeface="Roboto" panose="02000000000000000000" pitchFamily="2" charset="0"/>
+                  <a:ea typeface="Roboto" panose="02000000000000000000" pitchFamily="2" charset="0"/>
+                </a:rPr>
+                <a:t>wq</a:t>
+              </a:r>
+              <a:endParaRPr lang="es-MX" sz="2400" dirty="0">
+                <a:solidFill>
+                  <a:schemeClr val="bg1">
+                    <a:lumMod val="95000"/>
+                  </a:schemeClr>
+                </a:solidFill>
+                <a:latin typeface="Roboto" panose="02000000000000000000" pitchFamily="2" charset="0"/>
+                <a:ea typeface="Roboto" panose="02000000000000000000" pitchFamily="2" charset="0"/>
+              </a:endParaRPr>
+            </a:p>
+          </p:txBody>
+        </p:sp>
+        <p:sp>
+          <p:nvSpPr>
+            <p:cNvPr id="5" name="CuadroTexto 4"/>
+            <p:cNvSpPr txBox="1"/>
+            <p:nvPr/>
+          </p:nvSpPr>
+          <p:spPr>
+            <a:xfrm>
+              <a:off x="6817025" y="1794293"/>
+              <a:ext cx="4473275" cy="3847207"/>
+            </a:xfrm>
+            <a:prstGeom prst="rect">
+              <a:avLst/>
+            </a:prstGeom>
+            <a:noFill/>
+          </p:spPr>
+          <p:txBody>
+            <a:bodyPr wrap="square" rtlCol="0">
+              <a:spAutoFit/>
+            </a:bodyPr>
+            <a:lstStyle/>
+            <a:p>
+              <a:r>
+                <a:rPr lang="es-MX" sz="2200" dirty="0" smtClean="0">
+                  <a:solidFill>
+                    <a:schemeClr val="accent6">
+                      <a:lumMod val="40000"/>
+                      <a:lumOff val="60000"/>
+                    </a:schemeClr>
+                  </a:solidFill>
+                  <a:latin typeface="Roboto" panose="02000000000000000000" pitchFamily="2" charset="0"/>
+                  <a:ea typeface="Roboto" panose="02000000000000000000" pitchFamily="2" charset="0"/>
+                </a:rPr>
+                <a:t>Desplazamiento una </a:t>
+              </a:r>
+              <a:r>
+                <a:rPr lang="es-MX" sz="2200" b="1" dirty="0">
+                  <a:solidFill>
+                    <a:srgbClr val="FFC000"/>
+                  </a:solidFill>
+                  <a:latin typeface="Roboto" panose="02000000000000000000" pitchFamily="2" charset="0"/>
+                  <a:ea typeface="Roboto" panose="02000000000000000000" pitchFamily="2" charset="0"/>
+                </a:rPr>
+                <a:t>línea abajo</a:t>
+              </a:r>
+            </a:p>
+            <a:p>
+              <a:r>
+                <a:rPr lang="es-MX" sz="2400" dirty="0" smtClean="0">
+                  <a:solidFill>
+                    <a:schemeClr val="bg1">
+                      <a:lumMod val="95000"/>
+                    </a:schemeClr>
+                  </a:solidFill>
+                  <a:latin typeface="Roboto" panose="02000000000000000000" pitchFamily="2" charset="0"/>
+                  <a:ea typeface="Roboto" panose="02000000000000000000" pitchFamily="2" charset="0"/>
+                </a:rPr>
+                <a:t>	</a:t>
+              </a:r>
+              <a:r>
+                <a:rPr lang="es-MX" sz="2400" dirty="0">
+                  <a:solidFill>
+                    <a:schemeClr val="bg1">
+                      <a:lumMod val="95000"/>
+                    </a:schemeClr>
+                  </a:solidFill>
+                  <a:latin typeface="Roboto" panose="02000000000000000000" pitchFamily="2" charset="0"/>
+                  <a:ea typeface="Roboto" panose="02000000000000000000" pitchFamily="2" charset="0"/>
+                </a:rPr>
+                <a:t>j ó ↓</a:t>
+              </a:r>
+            </a:p>
+            <a:p>
+              <a:endParaRPr lang="es-MX" sz="2400" dirty="0" smtClean="0">
+                <a:solidFill>
+                  <a:schemeClr val="bg1">
+                    <a:lumMod val="95000"/>
+                  </a:schemeClr>
+                </a:solidFill>
+                <a:latin typeface="Roboto" panose="02000000000000000000" pitchFamily="2" charset="0"/>
+                <a:ea typeface="Roboto" panose="02000000000000000000" pitchFamily="2" charset="0"/>
+              </a:endParaRPr>
+            </a:p>
+            <a:p>
+              <a:r>
+                <a:rPr lang="es-MX" sz="2200" dirty="0">
+                  <a:solidFill>
+                    <a:schemeClr val="accent6">
+                      <a:lumMod val="40000"/>
+                      <a:lumOff val="60000"/>
+                    </a:schemeClr>
+                  </a:solidFill>
+                  <a:latin typeface="Roboto" panose="02000000000000000000" pitchFamily="2" charset="0"/>
+                  <a:ea typeface="Roboto" panose="02000000000000000000" pitchFamily="2" charset="0"/>
+                </a:rPr>
+                <a:t>Desplazamiento una </a:t>
+              </a:r>
+              <a:r>
+                <a:rPr lang="es-MX" sz="2200" b="1" dirty="0">
+                  <a:solidFill>
+                    <a:srgbClr val="FFC000"/>
+                  </a:solidFill>
+                  <a:latin typeface="Roboto" panose="02000000000000000000" pitchFamily="2" charset="0"/>
+                  <a:ea typeface="Roboto" panose="02000000000000000000" pitchFamily="2" charset="0"/>
+                </a:rPr>
+                <a:t>línea </a:t>
+              </a:r>
+              <a:r>
+                <a:rPr lang="es-MX" sz="2200" b="1" dirty="0">
+                  <a:solidFill>
+                    <a:srgbClr val="FFC000"/>
+                  </a:solidFill>
+                  <a:latin typeface="Roboto" panose="02000000000000000000" pitchFamily="2" charset="0"/>
+                  <a:ea typeface="Roboto" panose="02000000000000000000" pitchFamily="2" charset="0"/>
+                </a:rPr>
+                <a:t>arriba</a:t>
+              </a:r>
+              <a:endParaRPr lang="es-MX" sz="2200" b="1" dirty="0">
+                <a:solidFill>
+                  <a:srgbClr val="FFC000"/>
+                </a:solidFill>
+                <a:latin typeface="Roboto" panose="02000000000000000000" pitchFamily="2" charset="0"/>
+                <a:ea typeface="Roboto" panose="02000000000000000000" pitchFamily="2" charset="0"/>
+              </a:endParaRPr>
+            </a:p>
+            <a:p>
+              <a:r>
+                <a:rPr lang="es-MX" sz="2400" dirty="0">
+                  <a:solidFill>
+                    <a:schemeClr val="bg1">
+                      <a:lumMod val="95000"/>
+                    </a:schemeClr>
+                  </a:solidFill>
+                  <a:latin typeface="Roboto" panose="02000000000000000000" pitchFamily="2" charset="0"/>
+                  <a:ea typeface="Roboto" panose="02000000000000000000" pitchFamily="2" charset="0"/>
+                </a:rPr>
+                <a:t>	</a:t>
+              </a:r>
+              <a:r>
+                <a:rPr lang="es-MX" sz="2400" dirty="0" smtClean="0">
+                  <a:solidFill>
+                    <a:schemeClr val="bg1">
+                      <a:lumMod val="95000"/>
+                    </a:schemeClr>
+                  </a:solidFill>
+                  <a:latin typeface="Roboto" panose="02000000000000000000" pitchFamily="2" charset="0"/>
+                  <a:ea typeface="Roboto" panose="02000000000000000000" pitchFamily="2" charset="0"/>
+                </a:rPr>
+                <a:t>k ó ↑</a:t>
+              </a:r>
+              <a:endParaRPr lang="es-MX" sz="2400" dirty="0">
+                <a:solidFill>
+                  <a:schemeClr val="bg1">
+                    <a:lumMod val="95000"/>
+                  </a:schemeClr>
+                </a:solidFill>
+                <a:latin typeface="Roboto" panose="02000000000000000000" pitchFamily="2" charset="0"/>
+                <a:ea typeface="Roboto" panose="02000000000000000000" pitchFamily="2" charset="0"/>
+              </a:endParaRPr>
+            </a:p>
+            <a:p>
+              <a:endParaRPr lang="es-MX" dirty="0" smtClean="0"/>
+            </a:p>
+            <a:p>
+              <a:r>
+                <a:rPr lang="es-MX" sz="2200" dirty="0">
+                  <a:solidFill>
+                    <a:schemeClr val="accent6">
+                      <a:lumMod val="40000"/>
+                      <a:lumOff val="60000"/>
+                    </a:schemeClr>
+                  </a:solidFill>
+                  <a:latin typeface="Roboto" panose="02000000000000000000" pitchFamily="2" charset="0"/>
+                  <a:ea typeface="Roboto" panose="02000000000000000000" pitchFamily="2" charset="0"/>
+                </a:rPr>
+                <a:t>Desplazamiento una </a:t>
+              </a:r>
+              <a:r>
+                <a:rPr lang="es-MX" sz="2200" b="1" dirty="0">
+                  <a:solidFill>
+                    <a:srgbClr val="FFC000"/>
+                  </a:solidFill>
+                  <a:latin typeface="Roboto" panose="02000000000000000000" pitchFamily="2" charset="0"/>
+                  <a:ea typeface="Roboto" panose="02000000000000000000" pitchFamily="2" charset="0"/>
+                </a:rPr>
+                <a:t>letra a la </a:t>
+              </a:r>
+              <a:r>
+                <a:rPr lang="es-MX" sz="2200" b="1" dirty="0" err="1">
+                  <a:solidFill>
+                    <a:srgbClr val="FFC000"/>
+                  </a:solidFill>
+                  <a:latin typeface="Roboto" panose="02000000000000000000" pitchFamily="2" charset="0"/>
+                  <a:ea typeface="Roboto" panose="02000000000000000000" pitchFamily="2" charset="0"/>
+                </a:rPr>
+                <a:t>izq</a:t>
+              </a:r>
+              <a:endParaRPr lang="es-MX" sz="2200" b="1" dirty="0">
+                <a:solidFill>
+                  <a:srgbClr val="FFC000"/>
+                </a:solidFill>
+                <a:latin typeface="Roboto" panose="02000000000000000000" pitchFamily="2" charset="0"/>
+                <a:ea typeface="Roboto" panose="02000000000000000000" pitchFamily="2" charset="0"/>
+              </a:endParaRPr>
+            </a:p>
+            <a:p>
+              <a:r>
+                <a:rPr lang="es-MX" dirty="0">
+                  <a:solidFill>
+                    <a:schemeClr val="bg1">
+                      <a:lumMod val="95000"/>
+                    </a:schemeClr>
+                  </a:solidFill>
+                  <a:latin typeface="Roboto" panose="02000000000000000000" pitchFamily="2" charset="0"/>
+                  <a:ea typeface="Roboto" panose="02000000000000000000" pitchFamily="2" charset="0"/>
+                </a:rPr>
+                <a:t>	</a:t>
+              </a:r>
+              <a:r>
+                <a:rPr lang="es-MX" sz="2400" dirty="0" smtClean="0">
+                  <a:solidFill>
+                    <a:schemeClr val="bg1">
+                      <a:lumMod val="95000"/>
+                    </a:schemeClr>
+                  </a:solidFill>
+                  <a:latin typeface="Roboto" panose="02000000000000000000" pitchFamily="2" charset="0"/>
+                  <a:ea typeface="Roboto" panose="02000000000000000000" pitchFamily="2" charset="0"/>
+                </a:rPr>
+                <a:t>h ó →</a:t>
+              </a:r>
+              <a:endParaRPr lang="es-MX" sz="2400" dirty="0">
+                <a:solidFill>
+                  <a:schemeClr val="bg1">
+                    <a:lumMod val="95000"/>
+                  </a:schemeClr>
+                </a:solidFill>
+                <a:latin typeface="Roboto" panose="02000000000000000000" pitchFamily="2" charset="0"/>
+                <a:ea typeface="Roboto" panose="02000000000000000000" pitchFamily="2" charset="0"/>
+              </a:endParaRPr>
+            </a:p>
+            <a:p>
+              <a:endParaRPr lang="es-MX" dirty="0" smtClean="0"/>
+            </a:p>
+            <a:p>
+              <a:r>
+                <a:rPr lang="es-MX" sz="2200" dirty="0">
+                  <a:solidFill>
+                    <a:schemeClr val="accent6">
+                      <a:lumMod val="40000"/>
+                      <a:lumOff val="60000"/>
+                    </a:schemeClr>
+                  </a:solidFill>
+                  <a:latin typeface="Roboto" panose="02000000000000000000" pitchFamily="2" charset="0"/>
+                  <a:ea typeface="Roboto" panose="02000000000000000000" pitchFamily="2" charset="0"/>
+                </a:rPr>
+                <a:t>Desplazamiento una </a:t>
+              </a:r>
+              <a:r>
+                <a:rPr lang="es-MX" sz="2200" b="1" dirty="0">
+                  <a:solidFill>
+                    <a:srgbClr val="FFC000"/>
+                  </a:solidFill>
+                  <a:latin typeface="Roboto" panose="02000000000000000000" pitchFamily="2" charset="0"/>
+                  <a:ea typeface="Roboto" panose="02000000000000000000" pitchFamily="2" charset="0"/>
+                </a:rPr>
+                <a:t>letra a la </a:t>
+              </a:r>
+              <a:r>
+                <a:rPr lang="es-MX" sz="2200" b="1" dirty="0">
+                  <a:solidFill>
+                    <a:srgbClr val="FFC000"/>
+                  </a:solidFill>
+                  <a:latin typeface="Roboto" panose="02000000000000000000" pitchFamily="2" charset="0"/>
+                  <a:ea typeface="Roboto" panose="02000000000000000000" pitchFamily="2" charset="0"/>
+                </a:rPr>
+                <a:t>der</a:t>
+              </a:r>
+              <a:endParaRPr lang="es-MX" sz="2200" b="1" dirty="0">
+                <a:solidFill>
+                  <a:srgbClr val="FFC000"/>
+                </a:solidFill>
+                <a:latin typeface="Roboto" panose="02000000000000000000" pitchFamily="2" charset="0"/>
+                <a:ea typeface="Roboto" panose="02000000000000000000" pitchFamily="2" charset="0"/>
+              </a:endParaRPr>
+            </a:p>
+            <a:p>
+              <a:r>
+                <a:rPr lang="es-MX" sz="2200" b="1" dirty="0">
+                  <a:solidFill>
+                    <a:srgbClr val="FFC000"/>
+                  </a:solidFill>
+                  <a:latin typeface="Roboto" panose="02000000000000000000" pitchFamily="2" charset="0"/>
+                  <a:ea typeface="Roboto" panose="02000000000000000000" pitchFamily="2" charset="0"/>
+                </a:rPr>
+                <a:t>	</a:t>
+              </a:r>
+              <a:r>
+                <a:rPr lang="es-MX" sz="2400" dirty="0" smtClean="0">
+                  <a:solidFill>
+                    <a:schemeClr val="bg1">
+                      <a:lumMod val="95000"/>
+                    </a:schemeClr>
+                  </a:solidFill>
+                  <a:latin typeface="Roboto" panose="02000000000000000000" pitchFamily="2" charset="0"/>
+                  <a:ea typeface="Roboto" panose="02000000000000000000" pitchFamily="2" charset="0"/>
+                </a:rPr>
+                <a:t>l ó ←</a:t>
+              </a:r>
+              <a:endParaRPr lang="es-MX" sz="2400" dirty="0">
+                <a:solidFill>
+                  <a:schemeClr val="bg1">
+                    <a:lumMod val="95000"/>
+                  </a:schemeClr>
+                </a:solidFill>
+                <a:latin typeface="Roboto" panose="02000000000000000000" pitchFamily="2" charset="0"/>
+                <a:ea typeface="Roboto" panose="02000000000000000000" pitchFamily="2" charset="0"/>
+              </a:endParaRPr>
+            </a:p>
+          </p:txBody>
+        </p:sp>
+      </p:grpSp>
+    </p:spTree>
+    <p:extLst>
+      <p:ext uri="{BB962C8B-B14F-4D97-AF65-F5344CB8AC3E}">
+        <p14:creationId xmlns:p14="http://schemas.microsoft.com/office/powerpoint/2010/main" val="3378214257"/>
+      </p:ext>
+    </p:extLst>
+  </p:cSld>
+  <p:clrMapOvr>
+    <a:overrideClrMapping bg1="lt1" tx1="dk1" bg2="lt2" tx2="dk2" accent1="accent1" accent2="accent2" accent3="accent3" accent4="accent4" accent5="accent5" accent6="accent6" hlink="hlink" folHlink="folHlink"/>
+  </p:clrMapOvr>
+  <p:timing>
+    <p:tnLst>
+      <p:par>
+        <p:cTn id="1" dur="indefinite" restart="never" nodeType="tmRoot"/>
+      </p:par>
+    </p:tnLst>
+  </p:timing>
+</p:sld>
+</file>
+
+<file path=ppt/slides/slide18.xml><?xml version="1.0" encoding="utf-8"?>
+<p:sld xmlns:a="http://schemas.openxmlformats.org/drawingml/2006/main" xmlns:r="http://schemas.openxmlformats.org/officeDocument/2006/relationships" xmlns:p="http://schemas.openxmlformats.org/presentationml/2006/main">
+  <p:cSld>
+    <p:bg>
+      <p:bgPr>
+        <a:solidFill>
+          <a:schemeClr val="accent6">
+            <a:lumMod val="75000"/>
+          </a:schemeClr>
+        </a:solidFill>
+        <a:effectLst/>
+      </p:bgPr>
+    </p:bg>
+    <p:spTree>
+      <p:nvGrpSpPr>
+        <p:cNvPr id="1" name=""/>
+        <p:cNvGrpSpPr/>
+        <p:nvPr/>
+      </p:nvGrpSpPr>
+      <p:grpSpPr>
+        <a:xfrm>
+          <a:off x="0" y="0"/>
+          <a:ext cx="0" cy="0"/>
+          <a:chOff x="0" y="0"/>
+          <a:chExt cx="0" cy="0"/>
+        </a:xfrm>
+      </p:grpSpPr>
+      <p:sp>
+        <p:nvSpPr>
+          <p:cNvPr id="3" name="CuadroTexto 2"/>
+          <p:cNvSpPr txBox="1"/>
+          <p:nvPr/>
+        </p:nvSpPr>
+        <p:spPr>
+          <a:xfrm>
+            <a:off x="577970" y="448574"/>
+            <a:ext cx="5096267" cy="707886"/>
+          </a:xfrm>
+          <a:prstGeom prst="rect">
+            <a:avLst/>
+          </a:prstGeom>
+          <a:noFill/>
+        </p:spPr>
+        <p:txBody>
+          <a:bodyPr wrap="none" rtlCol="0">
+            <a:spAutoFit/>
+          </a:bodyPr>
+          <a:lstStyle/>
+          <a:p>
+            <a:r>
+              <a:rPr lang="es-MX" sz="4000" dirty="0">
+                <a:solidFill>
+                  <a:schemeClr val="bg1"/>
+                </a:solidFill>
+                <a:latin typeface="Roboto Black" panose="02000000000000000000" pitchFamily="2" charset="0"/>
+                <a:ea typeface="Roboto Black" panose="02000000000000000000" pitchFamily="2" charset="0"/>
+              </a:rPr>
+              <a:t>Comandos </a:t>
+            </a:r>
+            <a:r>
+              <a:rPr lang="es-MX" sz="4000" dirty="0" smtClean="0">
+                <a:solidFill>
+                  <a:schemeClr val="bg1"/>
+                </a:solidFill>
+                <a:latin typeface="Roboto Black" panose="02000000000000000000" pitchFamily="2" charset="0"/>
+                <a:ea typeface="Roboto Black" panose="02000000000000000000" pitchFamily="2" charset="0"/>
+              </a:rPr>
+              <a:t>básicos </a:t>
+            </a:r>
+            <a:r>
+              <a:rPr lang="es-MX" sz="2500" dirty="0" smtClean="0">
+                <a:solidFill>
+                  <a:schemeClr val="bg1">
+                    <a:lumMod val="75000"/>
+                  </a:schemeClr>
+                </a:solidFill>
+                <a:latin typeface="Roboto" panose="02000000000000000000" pitchFamily="2" charset="0"/>
+                <a:ea typeface="Roboto" panose="02000000000000000000" pitchFamily="2" charset="0"/>
+              </a:rPr>
+              <a:t>[vi]</a:t>
+            </a:r>
+            <a:endParaRPr lang="es-MX" sz="2500" dirty="0">
+              <a:solidFill>
+                <a:schemeClr val="bg1">
+                  <a:lumMod val="75000"/>
+                </a:schemeClr>
+              </a:solidFill>
+              <a:latin typeface="Roboto" panose="02000000000000000000" pitchFamily="2" charset="0"/>
+              <a:ea typeface="Roboto" panose="02000000000000000000" pitchFamily="2" charset="0"/>
+            </a:endParaRPr>
+          </a:p>
+        </p:txBody>
+      </p:sp>
+      <p:grpSp>
+        <p:nvGrpSpPr>
+          <p:cNvPr id="7" name="Grupo 6"/>
+          <p:cNvGrpSpPr/>
+          <p:nvPr/>
+        </p:nvGrpSpPr>
+        <p:grpSpPr>
+          <a:xfrm>
+            <a:off x="830413" y="1505396"/>
+            <a:ext cx="10531175" cy="3847208"/>
+            <a:chOff x="759125" y="1794293"/>
+            <a:chExt cx="10531175" cy="3847208"/>
+          </a:xfrm>
+        </p:grpSpPr>
+        <p:sp>
+          <p:nvSpPr>
+            <p:cNvPr id="4" name="CuadroTexto 3"/>
+            <p:cNvSpPr txBox="1"/>
+            <p:nvPr/>
+          </p:nvSpPr>
+          <p:spPr>
+            <a:xfrm>
+              <a:off x="759125" y="1794294"/>
+              <a:ext cx="4473275" cy="3847207"/>
+            </a:xfrm>
+            <a:prstGeom prst="rect">
+              <a:avLst/>
+            </a:prstGeom>
+            <a:noFill/>
+          </p:spPr>
+          <p:txBody>
+            <a:bodyPr wrap="square" rtlCol="0">
+              <a:spAutoFit/>
+            </a:bodyPr>
+            <a:lstStyle/>
+            <a:p>
+              <a:r>
+                <a:rPr lang="es-MX" sz="2200" dirty="0" smtClean="0">
+                  <a:solidFill>
+                    <a:schemeClr val="accent6">
+                      <a:lumMod val="40000"/>
+                      <a:lumOff val="60000"/>
+                    </a:schemeClr>
+                  </a:solidFill>
+                  <a:latin typeface="Roboto" panose="02000000000000000000" pitchFamily="2" charset="0"/>
+                  <a:ea typeface="Roboto" panose="02000000000000000000" pitchFamily="2" charset="0"/>
+                </a:rPr>
+                <a:t>Cursor palabra </a:t>
+              </a:r>
+              <a:r>
+                <a:rPr lang="es-MX" sz="2200" b="1" dirty="0">
+                  <a:solidFill>
+                    <a:srgbClr val="FFC000"/>
+                  </a:solidFill>
+                  <a:latin typeface="Roboto" panose="02000000000000000000" pitchFamily="2" charset="0"/>
+                  <a:ea typeface="Roboto" panose="02000000000000000000" pitchFamily="2" charset="0"/>
+                </a:rPr>
+                <a:t>siguiente</a:t>
+              </a:r>
+            </a:p>
+            <a:p>
+              <a:r>
+                <a:rPr lang="es-MX" sz="2400" dirty="0" smtClean="0">
+                  <a:solidFill>
+                    <a:schemeClr val="bg1">
+                      <a:lumMod val="95000"/>
+                    </a:schemeClr>
+                  </a:solidFill>
+                  <a:latin typeface="Roboto" panose="02000000000000000000" pitchFamily="2" charset="0"/>
+                  <a:ea typeface="Roboto" panose="02000000000000000000" pitchFamily="2" charset="0"/>
+                </a:rPr>
+                <a:t>	w</a:t>
+              </a:r>
+            </a:p>
+            <a:p>
+              <a:endParaRPr lang="es-MX" sz="2400" dirty="0" smtClean="0">
+                <a:solidFill>
+                  <a:schemeClr val="bg1">
+                    <a:lumMod val="95000"/>
+                  </a:schemeClr>
+                </a:solidFill>
+                <a:latin typeface="Roboto" panose="02000000000000000000" pitchFamily="2" charset="0"/>
+                <a:ea typeface="Roboto" panose="02000000000000000000" pitchFamily="2" charset="0"/>
+              </a:endParaRPr>
+            </a:p>
+            <a:p>
+              <a:r>
+                <a:rPr lang="es-MX" sz="2200" dirty="0" smtClean="0">
+                  <a:solidFill>
+                    <a:schemeClr val="accent6">
+                      <a:lumMod val="40000"/>
+                      <a:lumOff val="60000"/>
+                    </a:schemeClr>
+                  </a:solidFill>
+                  <a:latin typeface="Roboto" panose="02000000000000000000" pitchFamily="2" charset="0"/>
+                  <a:ea typeface="Roboto" panose="02000000000000000000" pitchFamily="2" charset="0"/>
+                </a:rPr>
+                <a:t>Cursor palabra </a:t>
+              </a:r>
+              <a:r>
+                <a:rPr lang="es-MX" sz="2200" b="1" dirty="0">
+                  <a:solidFill>
+                    <a:srgbClr val="FFC000"/>
+                  </a:solidFill>
+                  <a:latin typeface="Roboto" panose="02000000000000000000" pitchFamily="2" charset="0"/>
+                  <a:ea typeface="Roboto" panose="02000000000000000000" pitchFamily="2" charset="0"/>
+                </a:rPr>
+                <a:t>anterior</a:t>
+              </a:r>
+              <a:endParaRPr lang="es-MX" sz="2200" b="1" dirty="0">
+                <a:solidFill>
+                  <a:srgbClr val="FFC000"/>
+                </a:solidFill>
+                <a:latin typeface="Roboto" panose="02000000000000000000" pitchFamily="2" charset="0"/>
+                <a:ea typeface="Roboto" panose="02000000000000000000" pitchFamily="2" charset="0"/>
+              </a:endParaRPr>
+            </a:p>
+            <a:p>
+              <a:r>
+                <a:rPr lang="es-MX" sz="2400" dirty="0">
+                  <a:solidFill>
+                    <a:schemeClr val="bg1">
+                      <a:lumMod val="95000"/>
+                    </a:schemeClr>
+                  </a:solidFill>
+                  <a:latin typeface="Roboto" panose="02000000000000000000" pitchFamily="2" charset="0"/>
+                  <a:ea typeface="Roboto" panose="02000000000000000000" pitchFamily="2" charset="0"/>
+                </a:rPr>
+                <a:t>	</a:t>
+              </a:r>
+              <a:r>
+                <a:rPr lang="es-MX" sz="2400" dirty="0" smtClean="0">
+                  <a:solidFill>
+                    <a:schemeClr val="bg1">
+                      <a:lumMod val="95000"/>
+                    </a:schemeClr>
+                  </a:solidFill>
+                  <a:latin typeface="Roboto" panose="02000000000000000000" pitchFamily="2" charset="0"/>
+                  <a:ea typeface="Roboto" panose="02000000000000000000" pitchFamily="2" charset="0"/>
+                </a:rPr>
+                <a:t>b</a:t>
+              </a:r>
+              <a:endParaRPr lang="es-MX" sz="2400" dirty="0">
+                <a:solidFill>
+                  <a:schemeClr val="bg1">
+                    <a:lumMod val="95000"/>
+                  </a:schemeClr>
+                </a:solidFill>
+                <a:latin typeface="Roboto" panose="02000000000000000000" pitchFamily="2" charset="0"/>
+                <a:ea typeface="Roboto" panose="02000000000000000000" pitchFamily="2" charset="0"/>
+              </a:endParaRPr>
+            </a:p>
+            <a:p>
+              <a:endParaRPr lang="es-MX" dirty="0" smtClean="0">
+                <a:solidFill>
+                  <a:schemeClr val="bg1">
+                    <a:lumMod val="95000"/>
+                  </a:schemeClr>
+                </a:solidFill>
+                <a:latin typeface="Roboto" panose="02000000000000000000" pitchFamily="2" charset="0"/>
+                <a:ea typeface="Roboto" panose="02000000000000000000" pitchFamily="2" charset="0"/>
+              </a:endParaRPr>
+            </a:p>
+            <a:p>
+              <a:r>
+                <a:rPr lang="es-MX" sz="2200" dirty="0">
+                  <a:solidFill>
+                    <a:schemeClr val="accent6">
+                      <a:lumMod val="40000"/>
+                      <a:lumOff val="60000"/>
+                    </a:schemeClr>
+                  </a:solidFill>
+                  <a:latin typeface="Roboto" panose="02000000000000000000" pitchFamily="2" charset="0"/>
+                  <a:ea typeface="Roboto" panose="02000000000000000000" pitchFamily="2" charset="0"/>
+                </a:rPr>
+                <a:t>Cursor </a:t>
+              </a:r>
+              <a:r>
+                <a:rPr lang="es-MX" sz="2200" b="1" dirty="0">
+                  <a:solidFill>
+                    <a:srgbClr val="FFC000"/>
+                  </a:solidFill>
+                  <a:latin typeface="Roboto" panose="02000000000000000000" pitchFamily="2" charset="0"/>
+                  <a:ea typeface="Roboto" panose="02000000000000000000" pitchFamily="2" charset="0"/>
+                </a:rPr>
+                <a:t>primera línea </a:t>
+              </a:r>
+            </a:p>
+            <a:p>
+              <a:r>
+                <a:rPr lang="es-MX" dirty="0">
+                  <a:solidFill>
+                    <a:schemeClr val="bg1">
+                      <a:lumMod val="95000"/>
+                    </a:schemeClr>
+                  </a:solidFill>
+                  <a:latin typeface="Roboto" panose="02000000000000000000" pitchFamily="2" charset="0"/>
+                  <a:ea typeface="Roboto" panose="02000000000000000000" pitchFamily="2" charset="0"/>
+                </a:rPr>
+                <a:t>	</a:t>
+              </a:r>
+              <a:r>
+                <a:rPr lang="es-MX" sz="2400" dirty="0" err="1">
+                  <a:solidFill>
+                    <a:schemeClr val="bg1">
+                      <a:lumMod val="95000"/>
+                    </a:schemeClr>
+                  </a:solidFill>
+                  <a:latin typeface="Roboto" panose="02000000000000000000" pitchFamily="2" charset="0"/>
+                  <a:ea typeface="Roboto" panose="02000000000000000000" pitchFamily="2" charset="0"/>
+                </a:rPr>
+                <a:t>esc</a:t>
+              </a:r>
+              <a:r>
+                <a:rPr lang="es-MX" sz="2400" dirty="0">
+                  <a:solidFill>
+                    <a:schemeClr val="bg1">
+                      <a:lumMod val="95000"/>
+                    </a:schemeClr>
+                  </a:solidFill>
+                  <a:latin typeface="Roboto" panose="02000000000000000000" pitchFamily="2" charset="0"/>
+                  <a:ea typeface="Roboto" panose="02000000000000000000" pitchFamily="2" charset="0"/>
+                </a:rPr>
+                <a:t> -&gt; </a:t>
+              </a:r>
+              <a:r>
+                <a:rPr lang="es-MX" sz="2400" dirty="0" smtClean="0">
+                  <a:solidFill>
+                    <a:schemeClr val="bg1">
+                      <a:lumMod val="95000"/>
+                    </a:schemeClr>
+                  </a:solidFill>
+                  <a:latin typeface="Roboto" panose="02000000000000000000" pitchFamily="2" charset="0"/>
+                  <a:ea typeface="Roboto" panose="02000000000000000000" pitchFamily="2" charset="0"/>
+                </a:rPr>
+                <a:t>:</a:t>
+              </a:r>
+              <a:r>
+                <a:rPr lang="es-MX" sz="2400" dirty="0">
+                  <a:solidFill>
+                    <a:schemeClr val="bg1">
+                      <a:lumMod val="95000"/>
+                    </a:schemeClr>
+                  </a:solidFill>
+                  <a:latin typeface="Roboto" panose="02000000000000000000" pitchFamily="2" charset="0"/>
+                  <a:ea typeface="Roboto" panose="02000000000000000000" pitchFamily="2" charset="0"/>
+                </a:rPr>
+                <a:t>0</a:t>
+              </a:r>
+              <a:endParaRPr lang="es-MX" sz="2400" dirty="0">
+                <a:solidFill>
+                  <a:schemeClr val="bg1">
+                    <a:lumMod val="95000"/>
+                  </a:schemeClr>
+                </a:solidFill>
+                <a:latin typeface="Roboto" panose="02000000000000000000" pitchFamily="2" charset="0"/>
+                <a:ea typeface="Roboto" panose="02000000000000000000" pitchFamily="2" charset="0"/>
+              </a:endParaRPr>
+            </a:p>
+            <a:p>
+              <a:endParaRPr lang="es-MX" dirty="0" smtClean="0"/>
+            </a:p>
+            <a:p>
+              <a:r>
+                <a:rPr lang="es-MX" sz="2200" dirty="0">
+                  <a:solidFill>
+                    <a:schemeClr val="accent6">
+                      <a:lumMod val="40000"/>
+                      <a:lumOff val="60000"/>
+                    </a:schemeClr>
+                  </a:solidFill>
+                  <a:latin typeface="Roboto" panose="02000000000000000000" pitchFamily="2" charset="0"/>
+                  <a:ea typeface="Roboto" panose="02000000000000000000" pitchFamily="2" charset="0"/>
+                </a:rPr>
+                <a:t>Cursor </a:t>
+              </a:r>
+              <a:r>
+                <a:rPr lang="es-MX" sz="2200" b="1" dirty="0" smtClean="0">
+                  <a:solidFill>
+                    <a:srgbClr val="FFC000"/>
+                  </a:solidFill>
+                  <a:latin typeface="Roboto" panose="02000000000000000000" pitchFamily="2" charset="0"/>
+                  <a:ea typeface="Roboto" panose="02000000000000000000" pitchFamily="2" charset="0"/>
+                </a:rPr>
+                <a:t>última línea </a:t>
+              </a:r>
+              <a:endParaRPr lang="es-MX" sz="2200" b="1" dirty="0">
+                <a:solidFill>
+                  <a:srgbClr val="FFC000"/>
+                </a:solidFill>
+                <a:latin typeface="Roboto" panose="02000000000000000000" pitchFamily="2" charset="0"/>
+                <a:ea typeface="Roboto" panose="02000000000000000000" pitchFamily="2" charset="0"/>
+              </a:endParaRPr>
+            </a:p>
+            <a:p>
+              <a:r>
+                <a:rPr lang="es-MX" sz="2200" b="1" dirty="0">
+                  <a:solidFill>
+                    <a:srgbClr val="FFC000"/>
+                  </a:solidFill>
+                  <a:latin typeface="Roboto" panose="02000000000000000000" pitchFamily="2" charset="0"/>
+                  <a:ea typeface="Roboto" panose="02000000000000000000" pitchFamily="2" charset="0"/>
+                </a:rPr>
+                <a:t>	</a:t>
+              </a:r>
+              <a:r>
+                <a:rPr lang="es-MX" sz="2400" dirty="0" err="1">
+                  <a:solidFill>
+                    <a:schemeClr val="bg1">
+                      <a:lumMod val="95000"/>
+                    </a:schemeClr>
+                  </a:solidFill>
+                  <a:latin typeface="Roboto" panose="02000000000000000000" pitchFamily="2" charset="0"/>
+                  <a:ea typeface="Roboto" panose="02000000000000000000" pitchFamily="2" charset="0"/>
+                </a:rPr>
+                <a:t>esc</a:t>
+              </a:r>
+              <a:r>
+                <a:rPr lang="es-MX" sz="2400" dirty="0">
+                  <a:solidFill>
+                    <a:schemeClr val="bg1">
+                      <a:lumMod val="95000"/>
+                    </a:schemeClr>
+                  </a:solidFill>
+                  <a:latin typeface="Roboto" panose="02000000000000000000" pitchFamily="2" charset="0"/>
+                  <a:ea typeface="Roboto" panose="02000000000000000000" pitchFamily="2" charset="0"/>
+                </a:rPr>
+                <a:t> -&gt; </a:t>
+              </a:r>
+              <a:r>
+                <a:rPr lang="es-MX" sz="2400" dirty="0" smtClean="0">
+                  <a:solidFill>
+                    <a:schemeClr val="bg1">
+                      <a:lumMod val="95000"/>
+                    </a:schemeClr>
+                  </a:solidFill>
+                  <a:latin typeface="Roboto" panose="02000000000000000000" pitchFamily="2" charset="0"/>
+                  <a:ea typeface="Roboto" panose="02000000000000000000" pitchFamily="2" charset="0"/>
+                </a:rPr>
+                <a:t>:</a:t>
+              </a:r>
+              <a:r>
+                <a:rPr lang="es-MX" sz="2400" dirty="0">
+                  <a:solidFill>
+                    <a:schemeClr val="bg1">
+                      <a:lumMod val="95000"/>
+                    </a:schemeClr>
+                  </a:solidFill>
+                  <a:latin typeface="Roboto" panose="02000000000000000000" pitchFamily="2" charset="0"/>
+                  <a:ea typeface="Roboto" panose="02000000000000000000" pitchFamily="2" charset="0"/>
+                </a:rPr>
+                <a:t>$</a:t>
+              </a:r>
+              <a:endParaRPr lang="es-MX" sz="2400" dirty="0">
+                <a:solidFill>
+                  <a:schemeClr val="bg1">
+                    <a:lumMod val="95000"/>
+                  </a:schemeClr>
+                </a:solidFill>
+                <a:latin typeface="Roboto" panose="02000000000000000000" pitchFamily="2" charset="0"/>
+                <a:ea typeface="Roboto" panose="02000000000000000000" pitchFamily="2" charset="0"/>
+              </a:endParaRPr>
+            </a:p>
+          </p:txBody>
+        </p:sp>
+        <p:sp>
+          <p:nvSpPr>
+            <p:cNvPr id="5" name="CuadroTexto 4"/>
+            <p:cNvSpPr txBox="1"/>
+            <p:nvPr/>
+          </p:nvSpPr>
+          <p:spPr>
+            <a:xfrm>
+              <a:off x="6817025" y="1794293"/>
+              <a:ext cx="4473275" cy="3847207"/>
+            </a:xfrm>
+            <a:prstGeom prst="rect">
+              <a:avLst/>
+            </a:prstGeom>
+            <a:noFill/>
+          </p:spPr>
+          <p:txBody>
+            <a:bodyPr wrap="square" rtlCol="0">
+              <a:spAutoFit/>
+            </a:bodyPr>
+            <a:lstStyle/>
+            <a:p>
+              <a:r>
+                <a:rPr lang="es-MX" sz="2200" dirty="0">
+                  <a:solidFill>
+                    <a:schemeClr val="accent6">
+                      <a:lumMod val="40000"/>
+                      <a:lumOff val="60000"/>
+                    </a:schemeClr>
+                  </a:solidFill>
+                  <a:latin typeface="Roboto" panose="02000000000000000000" pitchFamily="2" charset="0"/>
+                  <a:ea typeface="Roboto" panose="02000000000000000000" pitchFamily="2" charset="0"/>
+                </a:rPr>
+                <a:t>Cursor </a:t>
+              </a:r>
+              <a:r>
+                <a:rPr lang="es-MX" sz="2200" b="1" dirty="0" smtClean="0">
+                  <a:solidFill>
+                    <a:srgbClr val="FFC000"/>
+                  </a:solidFill>
+                  <a:latin typeface="Roboto" panose="02000000000000000000" pitchFamily="2" charset="0"/>
+                  <a:ea typeface="Roboto" panose="02000000000000000000" pitchFamily="2" charset="0"/>
+                </a:rPr>
+                <a:t>n </a:t>
+              </a:r>
+              <a:r>
+                <a:rPr lang="es-MX" sz="2200" b="1" dirty="0">
+                  <a:solidFill>
+                    <a:srgbClr val="FFC000"/>
+                  </a:solidFill>
+                  <a:latin typeface="Roboto" panose="02000000000000000000" pitchFamily="2" charset="0"/>
+                  <a:ea typeface="Roboto" panose="02000000000000000000" pitchFamily="2" charset="0"/>
+                </a:rPr>
+                <a:t>línea </a:t>
+              </a:r>
+            </a:p>
+            <a:p>
+              <a:r>
+                <a:rPr lang="es-MX" sz="2400" dirty="0" smtClean="0">
+                  <a:solidFill>
+                    <a:schemeClr val="bg1">
+                      <a:lumMod val="95000"/>
+                    </a:schemeClr>
+                  </a:solidFill>
+                  <a:latin typeface="Roboto" panose="02000000000000000000" pitchFamily="2" charset="0"/>
+                  <a:ea typeface="Roboto" panose="02000000000000000000" pitchFamily="2" charset="0"/>
+                </a:rPr>
+                <a:t>	</a:t>
+              </a:r>
+              <a:r>
+                <a:rPr lang="es-MX" sz="2400" dirty="0" err="1">
+                  <a:solidFill>
+                    <a:schemeClr val="bg1">
+                      <a:lumMod val="95000"/>
+                    </a:schemeClr>
+                  </a:solidFill>
+                  <a:latin typeface="Roboto" panose="02000000000000000000" pitchFamily="2" charset="0"/>
+                  <a:ea typeface="Roboto" panose="02000000000000000000" pitchFamily="2" charset="0"/>
+                </a:rPr>
+                <a:t>esc</a:t>
+              </a:r>
+              <a:r>
+                <a:rPr lang="es-MX" sz="2400" dirty="0">
+                  <a:solidFill>
+                    <a:schemeClr val="bg1">
+                      <a:lumMod val="95000"/>
+                    </a:schemeClr>
+                  </a:solidFill>
+                  <a:latin typeface="Roboto" panose="02000000000000000000" pitchFamily="2" charset="0"/>
+                  <a:ea typeface="Roboto" panose="02000000000000000000" pitchFamily="2" charset="0"/>
+                </a:rPr>
+                <a:t> -&gt; </a:t>
+              </a:r>
+              <a:r>
+                <a:rPr lang="es-MX" sz="2400" dirty="0" smtClean="0">
+                  <a:solidFill>
+                    <a:schemeClr val="bg1">
+                      <a:lumMod val="95000"/>
+                    </a:schemeClr>
+                  </a:solidFill>
+                  <a:latin typeface="Roboto" panose="02000000000000000000" pitchFamily="2" charset="0"/>
+                  <a:ea typeface="Roboto" panose="02000000000000000000" pitchFamily="2" charset="0"/>
+                </a:rPr>
+                <a:t>:n</a:t>
+              </a:r>
+              <a:endParaRPr lang="es-MX" sz="2400" dirty="0">
+                <a:solidFill>
+                  <a:schemeClr val="bg1">
+                    <a:lumMod val="95000"/>
+                  </a:schemeClr>
+                </a:solidFill>
+                <a:latin typeface="Roboto" panose="02000000000000000000" pitchFamily="2" charset="0"/>
+                <a:ea typeface="Roboto" panose="02000000000000000000" pitchFamily="2" charset="0"/>
+              </a:endParaRPr>
+            </a:p>
+            <a:p>
+              <a:endParaRPr lang="es-MX" sz="2400" dirty="0" smtClean="0">
+                <a:solidFill>
+                  <a:schemeClr val="bg1">
+                    <a:lumMod val="95000"/>
+                  </a:schemeClr>
+                </a:solidFill>
+                <a:latin typeface="Roboto" panose="02000000000000000000" pitchFamily="2" charset="0"/>
+                <a:ea typeface="Roboto" panose="02000000000000000000" pitchFamily="2" charset="0"/>
+              </a:endParaRPr>
+            </a:p>
+            <a:p>
+              <a:r>
+                <a:rPr lang="es-MX" sz="2200" b="1" dirty="0">
+                  <a:solidFill>
+                    <a:srgbClr val="FFC000"/>
+                  </a:solidFill>
+                  <a:latin typeface="Roboto" panose="02000000000000000000" pitchFamily="2" charset="0"/>
+                  <a:ea typeface="Roboto" panose="02000000000000000000" pitchFamily="2" charset="0"/>
+                </a:rPr>
+                <a:t>Descartar cambios </a:t>
+              </a:r>
+              <a:r>
+                <a:rPr lang="es-MX" sz="2200" dirty="0" smtClean="0">
+                  <a:solidFill>
+                    <a:schemeClr val="accent6">
+                      <a:lumMod val="40000"/>
+                      <a:lumOff val="60000"/>
+                    </a:schemeClr>
+                  </a:solidFill>
+                  <a:latin typeface="Roboto" panose="02000000000000000000" pitchFamily="2" charset="0"/>
+                  <a:ea typeface="Roboto" panose="02000000000000000000" pitchFamily="2" charset="0"/>
+                </a:rPr>
+                <a:t>en la sesión</a:t>
+              </a:r>
+              <a:endParaRPr lang="es-MX" sz="2200" b="1" dirty="0">
+                <a:solidFill>
+                  <a:srgbClr val="FFC000"/>
+                </a:solidFill>
+                <a:latin typeface="Roboto" panose="02000000000000000000" pitchFamily="2" charset="0"/>
+                <a:ea typeface="Roboto" panose="02000000000000000000" pitchFamily="2" charset="0"/>
+              </a:endParaRPr>
+            </a:p>
+            <a:p>
+              <a:r>
+                <a:rPr lang="es-MX" sz="2400" dirty="0">
+                  <a:solidFill>
+                    <a:schemeClr val="bg1">
+                      <a:lumMod val="95000"/>
+                    </a:schemeClr>
+                  </a:solidFill>
+                  <a:latin typeface="Roboto" panose="02000000000000000000" pitchFamily="2" charset="0"/>
+                  <a:ea typeface="Roboto" panose="02000000000000000000" pitchFamily="2" charset="0"/>
+                </a:rPr>
+                <a:t>	</a:t>
+              </a:r>
+              <a:r>
+                <a:rPr lang="es-MX" sz="2400" dirty="0" smtClean="0">
+                  <a:solidFill>
+                    <a:schemeClr val="bg1">
+                      <a:lumMod val="95000"/>
+                    </a:schemeClr>
+                  </a:solidFill>
+                  <a:latin typeface="Roboto" panose="02000000000000000000" pitchFamily="2" charset="0"/>
+                  <a:ea typeface="Roboto" panose="02000000000000000000" pitchFamily="2" charset="0"/>
+                </a:rPr>
+                <a:t>* </a:t>
+              </a:r>
+              <a:r>
+                <a:rPr lang="es-MX" sz="1600" dirty="0" smtClean="0">
+                  <a:solidFill>
+                    <a:schemeClr val="bg1">
+                      <a:lumMod val="75000"/>
+                    </a:schemeClr>
+                  </a:solidFill>
+                  <a:latin typeface="Roboto" panose="02000000000000000000" pitchFamily="2" charset="0"/>
+                  <a:ea typeface="Roboto" panose="02000000000000000000" pitchFamily="2" charset="0"/>
+                </a:rPr>
+                <a:t>+</a:t>
+              </a:r>
+              <a:r>
+                <a:rPr lang="es-MX" sz="2400" dirty="0" smtClean="0">
+                  <a:solidFill>
+                    <a:schemeClr val="bg1">
+                      <a:lumMod val="95000"/>
+                    </a:schemeClr>
+                  </a:solidFill>
+                  <a:latin typeface="Roboto" panose="02000000000000000000" pitchFamily="2" charset="0"/>
+                  <a:ea typeface="Roboto" panose="02000000000000000000" pitchFamily="2" charset="0"/>
+                </a:rPr>
+                <a:t> u</a:t>
+              </a:r>
+              <a:endParaRPr lang="es-MX" sz="2400" dirty="0">
+                <a:solidFill>
+                  <a:schemeClr val="bg1">
+                    <a:lumMod val="95000"/>
+                  </a:schemeClr>
+                </a:solidFill>
+                <a:latin typeface="Roboto" panose="02000000000000000000" pitchFamily="2" charset="0"/>
+                <a:ea typeface="Roboto" panose="02000000000000000000" pitchFamily="2" charset="0"/>
+              </a:endParaRPr>
+            </a:p>
+            <a:p>
+              <a:endParaRPr lang="es-MX" dirty="0" smtClean="0"/>
+            </a:p>
+            <a:p>
+              <a:r>
+                <a:rPr lang="es-MX" sz="2200" dirty="0">
+                  <a:solidFill>
+                    <a:schemeClr val="accent6">
+                      <a:lumMod val="40000"/>
+                      <a:lumOff val="60000"/>
+                    </a:schemeClr>
+                  </a:solidFill>
+                  <a:latin typeface="Roboto" panose="02000000000000000000" pitchFamily="2" charset="0"/>
+                  <a:ea typeface="Roboto" panose="02000000000000000000" pitchFamily="2" charset="0"/>
+                </a:rPr>
+                <a:t>Desplazamiento una </a:t>
+              </a:r>
+              <a:r>
+                <a:rPr lang="es-MX" sz="2200" b="1" dirty="0">
+                  <a:solidFill>
+                    <a:srgbClr val="FFC000"/>
+                  </a:solidFill>
+                  <a:latin typeface="Roboto" panose="02000000000000000000" pitchFamily="2" charset="0"/>
+                  <a:ea typeface="Roboto" panose="02000000000000000000" pitchFamily="2" charset="0"/>
+                </a:rPr>
+                <a:t>letra a la </a:t>
+              </a:r>
+              <a:r>
+                <a:rPr lang="es-MX" sz="2200" b="1" dirty="0" err="1">
+                  <a:solidFill>
+                    <a:srgbClr val="FFC000"/>
+                  </a:solidFill>
+                  <a:latin typeface="Roboto" panose="02000000000000000000" pitchFamily="2" charset="0"/>
+                  <a:ea typeface="Roboto" panose="02000000000000000000" pitchFamily="2" charset="0"/>
+                </a:rPr>
+                <a:t>izq</a:t>
+              </a:r>
+              <a:endParaRPr lang="es-MX" sz="2200" b="1" dirty="0">
+                <a:solidFill>
+                  <a:srgbClr val="FFC000"/>
+                </a:solidFill>
+                <a:latin typeface="Roboto" panose="02000000000000000000" pitchFamily="2" charset="0"/>
+                <a:ea typeface="Roboto" panose="02000000000000000000" pitchFamily="2" charset="0"/>
+              </a:endParaRPr>
+            </a:p>
+            <a:p>
+              <a:r>
+                <a:rPr lang="es-MX" dirty="0">
+                  <a:solidFill>
+                    <a:schemeClr val="bg1">
+                      <a:lumMod val="95000"/>
+                    </a:schemeClr>
+                  </a:solidFill>
+                  <a:latin typeface="Roboto" panose="02000000000000000000" pitchFamily="2" charset="0"/>
+                  <a:ea typeface="Roboto" panose="02000000000000000000" pitchFamily="2" charset="0"/>
+                </a:rPr>
+                <a:t>	</a:t>
+              </a:r>
+              <a:r>
+                <a:rPr lang="es-MX" sz="2400" dirty="0" smtClean="0">
+                  <a:solidFill>
+                    <a:schemeClr val="bg1">
+                      <a:lumMod val="95000"/>
+                    </a:schemeClr>
+                  </a:solidFill>
+                  <a:latin typeface="Roboto" panose="02000000000000000000" pitchFamily="2" charset="0"/>
+                  <a:ea typeface="Roboto" panose="02000000000000000000" pitchFamily="2" charset="0"/>
+                </a:rPr>
+                <a:t>h ó →</a:t>
+              </a:r>
+              <a:endParaRPr lang="es-MX" sz="2400" dirty="0">
+                <a:solidFill>
+                  <a:schemeClr val="bg1">
+                    <a:lumMod val="95000"/>
+                  </a:schemeClr>
+                </a:solidFill>
+                <a:latin typeface="Roboto" panose="02000000000000000000" pitchFamily="2" charset="0"/>
+                <a:ea typeface="Roboto" panose="02000000000000000000" pitchFamily="2" charset="0"/>
+              </a:endParaRPr>
+            </a:p>
+            <a:p>
+              <a:endParaRPr lang="es-MX" dirty="0" smtClean="0"/>
+            </a:p>
+            <a:p>
+              <a:r>
+                <a:rPr lang="es-MX" sz="2200" dirty="0">
+                  <a:solidFill>
+                    <a:schemeClr val="accent6">
+                      <a:lumMod val="40000"/>
+                      <a:lumOff val="60000"/>
+                    </a:schemeClr>
+                  </a:solidFill>
+                  <a:latin typeface="Roboto" panose="02000000000000000000" pitchFamily="2" charset="0"/>
+                  <a:ea typeface="Roboto" panose="02000000000000000000" pitchFamily="2" charset="0"/>
+                </a:rPr>
+                <a:t>Desplazamiento una </a:t>
+              </a:r>
+              <a:r>
+                <a:rPr lang="es-MX" sz="2200" b="1" dirty="0">
+                  <a:solidFill>
+                    <a:srgbClr val="FFC000"/>
+                  </a:solidFill>
+                  <a:latin typeface="Roboto" panose="02000000000000000000" pitchFamily="2" charset="0"/>
+                  <a:ea typeface="Roboto" panose="02000000000000000000" pitchFamily="2" charset="0"/>
+                </a:rPr>
+                <a:t>letra a la </a:t>
+              </a:r>
+              <a:r>
+                <a:rPr lang="es-MX" sz="2200" b="1" dirty="0">
+                  <a:solidFill>
+                    <a:srgbClr val="FFC000"/>
+                  </a:solidFill>
+                  <a:latin typeface="Roboto" panose="02000000000000000000" pitchFamily="2" charset="0"/>
+                  <a:ea typeface="Roboto" panose="02000000000000000000" pitchFamily="2" charset="0"/>
+                </a:rPr>
+                <a:t>der</a:t>
+              </a:r>
+              <a:endParaRPr lang="es-MX" sz="2200" b="1" dirty="0">
+                <a:solidFill>
+                  <a:srgbClr val="FFC000"/>
+                </a:solidFill>
+                <a:latin typeface="Roboto" panose="02000000000000000000" pitchFamily="2" charset="0"/>
+                <a:ea typeface="Roboto" panose="02000000000000000000" pitchFamily="2" charset="0"/>
+              </a:endParaRPr>
+            </a:p>
+            <a:p>
+              <a:r>
+                <a:rPr lang="es-MX" sz="2200" b="1" dirty="0">
+                  <a:solidFill>
+                    <a:srgbClr val="FFC000"/>
+                  </a:solidFill>
+                  <a:latin typeface="Roboto" panose="02000000000000000000" pitchFamily="2" charset="0"/>
+                  <a:ea typeface="Roboto" panose="02000000000000000000" pitchFamily="2" charset="0"/>
+                </a:rPr>
+                <a:t>	</a:t>
+              </a:r>
+              <a:r>
+                <a:rPr lang="es-MX" sz="2400" dirty="0" smtClean="0">
+                  <a:solidFill>
+                    <a:schemeClr val="bg1">
+                      <a:lumMod val="95000"/>
+                    </a:schemeClr>
+                  </a:solidFill>
+                  <a:latin typeface="Roboto" panose="02000000000000000000" pitchFamily="2" charset="0"/>
+                  <a:ea typeface="Roboto" panose="02000000000000000000" pitchFamily="2" charset="0"/>
+                </a:rPr>
+                <a:t>l ó ←</a:t>
+              </a:r>
+              <a:endParaRPr lang="es-MX" sz="2400" dirty="0">
+                <a:solidFill>
+                  <a:schemeClr val="bg1">
+                    <a:lumMod val="95000"/>
+                  </a:schemeClr>
+                </a:solidFill>
+                <a:latin typeface="Roboto" panose="02000000000000000000" pitchFamily="2" charset="0"/>
+                <a:ea typeface="Roboto" panose="02000000000000000000" pitchFamily="2" charset="0"/>
+              </a:endParaRPr>
+            </a:p>
+          </p:txBody>
+        </p:sp>
+      </p:grpSp>
+    </p:spTree>
+    <p:extLst>
+      <p:ext uri="{BB962C8B-B14F-4D97-AF65-F5344CB8AC3E}">
+        <p14:creationId xmlns:p14="http://schemas.microsoft.com/office/powerpoint/2010/main" val="969130873"/>
+      </p:ext>
+    </p:extLst>
+  </p:cSld>
+  <p:clrMapOvr>
+    <a:masterClrMapping/>
+  </p:clrMapOvr>
+  <p:timing>
+    <p:tnLst>
+      <p:par>
+        <p:cTn id="1" dur="indefinite" restart="never" nodeType="tmRoot"/>
+      </p:par>
+    </p:tnLst>
+  </p:timing>
+</p:sld>
+</file>
+
+<file path=ppt/slides/slide19.xml><?xml version="1.0" encoding="utf-8"?>
+<p:sld xmlns:a="http://schemas.openxmlformats.org/drawingml/2006/main" xmlns:r="http://schemas.openxmlformats.org/officeDocument/2006/relationships" xmlns:p="http://schemas.openxmlformats.org/presentationml/2006/main">
+  <p:cSld>
+    <p:bg>
+      <p:bgPr>
+        <a:solidFill>
+          <a:schemeClr val="accent6">
+            <a:lumMod val="75000"/>
+          </a:schemeClr>
+        </a:solidFill>
+        <a:effectLst/>
+      </p:bgPr>
+    </p:bg>
+    <p:spTree>
+      <p:nvGrpSpPr>
+        <p:cNvPr id="1" name=""/>
+        <p:cNvGrpSpPr/>
+        <p:nvPr/>
+      </p:nvGrpSpPr>
+      <p:grpSpPr>
+        <a:xfrm>
+          <a:off x="0" y="0"/>
+          <a:ext cx="0" cy="0"/>
+          <a:chOff x="0" y="0"/>
+          <a:chExt cx="0" cy="0"/>
+        </a:xfrm>
+      </p:grpSpPr>
+      <p:sp>
+        <p:nvSpPr>
+          <p:cNvPr id="3" name="CuadroTexto 2"/>
+          <p:cNvSpPr txBox="1"/>
+          <p:nvPr/>
+        </p:nvSpPr>
+        <p:spPr>
+          <a:xfrm>
+            <a:off x="577970" y="448574"/>
+            <a:ext cx="5096267" cy="707886"/>
+          </a:xfrm>
+          <a:prstGeom prst="rect">
+            <a:avLst/>
+          </a:prstGeom>
+          <a:noFill/>
+        </p:spPr>
+        <p:txBody>
+          <a:bodyPr wrap="none" rtlCol="0">
+            <a:spAutoFit/>
+          </a:bodyPr>
+          <a:lstStyle/>
+          <a:p>
+            <a:r>
+              <a:rPr lang="es-MX" sz="4000" dirty="0">
+                <a:solidFill>
+                  <a:schemeClr val="bg1"/>
+                </a:solidFill>
+                <a:latin typeface="Roboto Black" panose="02000000000000000000" pitchFamily="2" charset="0"/>
+                <a:ea typeface="Roboto Black" panose="02000000000000000000" pitchFamily="2" charset="0"/>
+              </a:rPr>
+              <a:t>Comandos </a:t>
+            </a:r>
+            <a:r>
+              <a:rPr lang="es-MX" sz="4000" dirty="0" smtClean="0">
+                <a:solidFill>
+                  <a:schemeClr val="bg1"/>
+                </a:solidFill>
+                <a:latin typeface="Roboto Black" panose="02000000000000000000" pitchFamily="2" charset="0"/>
+                <a:ea typeface="Roboto Black" panose="02000000000000000000" pitchFamily="2" charset="0"/>
+              </a:rPr>
+              <a:t>básicos </a:t>
+            </a:r>
+            <a:r>
+              <a:rPr lang="es-MX" sz="2500" dirty="0" smtClean="0">
+                <a:solidFill>
+                  <a:schemeClr val="bg1">
+                    <a:lumMod val="75000"/>
+                  </a:schemeClr>
+                </a:solidFill>
+                <a:latin typeface="Roboto" panose="02000000000000000000" pitchFamily="2" charset="0"/>
+                <a:ea typeface="Roboto" panose="02000000000000000000" pitchFamily="2" charset="0"/>
+              </a:rPr>
+              <a:t>[vi]</a:t>
+            </a:r>
+            <a:endParaRPr lang="es-MX" sz="2500" dirty="0">
+              <a:solidFill>
+                <a:schemeClr val="bg1">
+                  <a:lumMod val="75000"/>
+                </a:schemeClr>
+              </a:solidFill>
+              <a:latin typeface="Roboto" panose="02000000000000000000" pitchFamily="2" charset="0"/>
+              <a:ea typeface="Roboto" panose="02000000000000000000" pitchFamily="2" charset="0"/>
+            </a:endParaRPr>
+          </a:p>
+        </p:txBody>
+      </p:sp>
+      <p:grpSp>
+        <p:nvGrpSpPr>
+          <p:cNvPr id="7" name="Grupo 6"/>
+          <p:cNvGrpSpPr/>
+          <p:nvPr/>
+        </p:nvGrpSpPr>
+        <p:grpSpPr>
+          <a:xfrm>
+            <a:off x="830413" y="1505396"/>
+            <a:ext cx="10531175" cy="3847208"/>
+            <a:chOff x="759125" y="1794293"/>
+            <a:chExt cx="10531175" cy="3847208"/>
+          </a:xfrm>
+        </p:grpSpPr>
+        <p:sp>
+          <p:nvSpPr>
+            <p:cNvPr id="4" name="CuadroTexto 3"/>
+            <p:cNvSpPr txBox="1"/>
+            <p:nvPr/>
+          </p:nvSpPr>
+          <p:spPr>
+            <a:xfrm>
+              <a:off x="759125" y="1794294"/>
+              <a:ext cx="4473275" cy="3847207"/>
+            </a:xfrm>
+            <a:prstGeom prst="rect">
+              <a:avLst/>
+            </a:prstGeom>
+            <a:noFill/>
+          </p:spPr>
+          <p:txBody>
+            <a:bodyPr wrap="square" rtlCol="0">
+              <a:spAutoFit/>
+            </a:bodyPr>
+            <a:lstStyle/>
+            <a:p>
+              <a:r>
+                <a:rPr lang="es-MX" sz="2200" dirty="0" smtClean="0">
+                  <a:solidFill>
+                    <a:schemeClr val="accent6">
+                      <a:lumMod val="40000"/>
+                      <a:lumOff val="60000"/>
+                    </a:schemeClr>
+                  </a:solidFill>
+                  <a:latin typeface="Roboto" panose="02000000000000000000" pitchFamily="2" charset="0"/>
+                  <a:ea typeface="Roboto" panose="02000000000000000000" pitchFamily="2" charset="0"/>
+                </a:rPr>
+                <a:t>Insertar texto </a:t>
+              </a:r>
+              <a:r>
+                <a:rPr lang="es-MX" sz="2200" b="1" dirty="0">
+                  <a:solidFill>
+                    <a:srgbClr val="FFC000"/>
+                  </a:solidFill>
+                  <a:latin typeface="Roboto" panose="02000000000000000000" pitchFamily="2" charset="0"/>
+                  <a:ea typeface="Roboto" panose="02000000000000000000" pitchFamily="2" charset="0"/>
+                </a:rPr>
+                <a:t>(después de ‘</a:t>
+              </a:r>
+              <a:r>
+                <a:rPr lang="es-MX" sz="2200" b="1" dirty="0" err="1">
+                  <a:solidFill>
+                    <a:srgbClr val="FFC000"/>
+                  </a:solidFill>
+                  <a:latin typeface="Roboto" panose="02000000000000000000" pitchFamily="2" charset="0"/>
+                  <a:ea typeface="Roboto" panose="02000000000000000000" pitchFamily="2" charset="0"/>
+                </a:rPr>
+                <a:t>esc</a:t>
+              </a:r>
+              <a:r>
+                <a:rPr lang="es-MX" sz="2200" b="1" dirty="0">
+                  <a:solidFill>
+                    <a:srgbClr val="FFC000"/>
+                  </a:solidFill>
+                  <a:latin typeface="Roboto" panose="02000000000000000000" pitchFamily="2" charset="0"/>
+                  <a:ea typeface="Roboto" panose="02000000000000000000" pitchFamily="2" charset="0"/>
+                </a:rPr>
+                <a:t>’)</a:t>
+              </a:r>
+              <a:endParaRPr lang="es-MX" sz="2200" b="1" dirty="0">
+                <a:solidFill>
+                  <a:srgbClr val="FFC000"/>
+                </a:solidFill>
+                <a:latin typeface="Roboto" panose="02000000000000000000" pitchFamily="2" charset="0"/>
+                <a:ea typeface="Roboto" panose="02000000000000000000" pitchFamily="2" charset="0"/>
+              </a:endParaRPr>
+            </a:p>
+            <a:p>
+              <a:r>
+                <a:rPr lang="es-MX" sz="2400" dirty="0" smtClean="0">
+                  <a:solidFill>
+                    <a:schemeClr val="bg1">
+                      <a:lumMod val="95000"/>
+                    </a:schemeClr>
+                  </a:solidFill>
+                  <a:latin typeface="Roboto" panose="02000000000000000000" pitchFamily="2" charset="0"/>
+                  <a:ea typeface="Roboto" panose="02000000000000000000" pitchFamily="2" charset="0"/>
+                </a:rPr>
+                <a:t>	i</a:t>
+              </a:r>
+            </a:p>
+            <a:p>
+              <a:endParaRPr lang="es-MX" sz="2400" dirty="0" smtClean="0">
+                <a:solidFill>
+                  <a:schemeClr val="bg1">
+                    <a:lumMod val="95000"/>
+                  </a:schemeClr>
+                </a:solidFill>
+                <a:latin typeface="Roboto" panose="02000000000000000000" pitchFamily="2" charset="0"/>
+                <a:ea typeface="Roboto" panose="02000000000000000000" pitchFamily="2" charset="0"/>
+              </a:endParaRPr>
+            </a:p>
+            <a:p>
+              <a:r>
+                <a:rPr lang="es-MX" sz="2200" dirty="0" smtClean="0">
+                  <a:solidFill>
+                    <a:schemeClr val="accent6">
+                      <a:lumMod val="40000"/>
+                      <a:lumOff val="60000"/>
+                    </a:schemeClr>
+                  </a:solidFill>
+                  <a:latin typeface="Roboto" panose="02000000000000000000" pitchFamily="2" charset="0"/>
+                  <a:ea typeface="Roboto" panose="02000000000000000000" pitchFamily="2" charset="0"/>
+                </a:rPr>
+                <a:t>Reemplazar carácter </a:t>
+              </a:r>
+              <a:endParaRPr lang="es-MX" sz="2200" b="1" dirty="0">
+                <a:solidFill>
+                  <a:srgbClr val="FFC000"/>
+                </a:solidFill>
+                <a:latin typeface="Roboto" panose="02000000000000000000" pitchFamily="2" charset="0"/>
+                <a:ea typeface="Roboto" panose="02000000000000000000" pitchFamily="2" charset="0"/>
+              </a:endParaRPr>
+            </a:p>
+            <a:p>
+              <a:r>
+                <a:rPr lang="es-MX" sz="2400" dirty="0">
+                  <a:solidFill>
+                    <a:schemeClr val="bg1">
+                      <a:lumMod val="95000"/>
+                    </a:schemeClr>
+                  </a:solidFill>
+                  <a:latin typeface="Roboto" panose="02000000000000000000" pitchFamily="2" charset="0"/>
+                  <a:ea typeface="Roboto" panose="02000000000000000000" pitchFamily="2" charset="0"/>
+                </a:rPr>
+                <a:t>	</a:t>
+              </a:r>
+              <a:r>
+                <a:rPr lang="es-MX" sz="2400" dirty="0" smtClean="0">
+                  <a:solidFill>
+                    <a:schemeClr val="bg1">
+                      <a:lumMod val="95000"/>
+                    </a:schemeClr>
+                  </a:solidFill>
+                  <a:latin typeface="Roboto" panose="02000000000000000000" pitchFamily="2" charset="0"/>
+                  <a:ea typeface="Roboto" panose="02000000000000000000" pitchFamily="2" charset="0"/>
+                </a:rPr>
+                <a:t>* + a</a:t>
+              </a:r>
+              <a:endParaRPr lang="es-MX" sz="2400" dirty="0">
+                <a:solidFill>
+                  <a:schemeClr val="bg1">
+                    <a:lumMod val="95000"/>
+                  </a:schemeClr>
+                </a:solidFill>
+                <a:latin typeface="Roboto" panose="02000000000000000000" pitchFamily="2" charset="0"/>
+                <a:ea typeface="Roboto" panose="02000000000000000000" pitchFamily="2" charset="0"/>
+              </a:endParaRPr>
+            </a:p>
+            <a:p>
+              <a:endParaRPr lang="es-MX" dirty="0" smtClean="0">
+                <a:solidFill>
+                  <a:schemeClr val="bg1">
+                    <a:lumMod val="95000"/>
+                  </a:schemeClr>
+                </a:solidFill>
+                <a:latin typeface="Roboto" panose="02000000000000000000" pitchFamily="2" charset="0"/>
+                <a:ea typeface="Roboto" panose="02000000000000000000" pitchFamily="2" charset="0"/>
+              </a:endParaRPr>
+            </a:p>
+            <a:p>
+              <a:r>
+                <a:rPr lang="es-MX" sz="2200" dirty="0">
+                  <a:solidFill>
+                    <a:schemeClr val="accent6">
+                      <a:lumMod val="40000"/>
+                      <a:lumOff val="60000"/>
+                    </a:schemeClr>
+                  </a:solidFill>
+                  <a:latin typeface="Roboto" panose="02000000000000000000" pitchFamily="2" charset="0"/>
+                  <a:ea typeface="Roboto" panose="02000000000000000000" pitchFamily="2" charset="0"/>
+                </a:rPr>
+                <a:t>Reemplazar </a:t>
+              </a:r>
+              <a:r>
+                <a:rPr lang="es-MX" sz="2200" dirty="0" smtClean="0">
+                  <a:solidFill>
+                    <a:schemeClr val="accent6">
+                      <a:lumMod val="40000"/>
+                      <a:lumOff val="60000"/>
+                    </a:schemeClr>
+                  </a:solidFill>
+                  <a:latin typeface="Roboto" panose="02000000000000000000" pitchFamily="2" charset="0"/>
+                  <a:ea typeface="Roboto" panose="02000000000000000000" pitchFamily="2" charset="0"/>
+                </a:rPr>
+                <a:t>caracteres </a:t>
+              </a:r>
+              <a:r>
+                <a:rPr lang="es-MX" sz="2200" b="1" dirty="0">
+                  <a:solidFill>
+                    <a:srgbClr val="FFC000"/>
+                  </a:solidFill>
+                  <a:latin typeface="Roboto" panose="02000000000000000000" pitchFamily="2" charset="0"/>
+                  <a:ea typeface="Roboto" panose="02000000000000000000" pitchFamily="2" charset="0"/>
+                </a:rPr>
+                <a:t>hasta </a:t>
+              </a:r>
+              <a:r>
+                <a:rPr lang="es-MX" sz="2200" b="1" dirty="0" err="1">
+                  <a:solidFill>
+                    <a:srgbClr val="FFC000"/>
+                  </a:solidFill>
+                  <a:latin typeface="Roboto" panose="02000000000000000000" pitchFamily="2" charset="0"/>
+                  <a:ea typeface="Roboto" panose="02000000000000000000" pitchFamily="2" charset="0"/>
+                </a:rPr>
+                <a:t>esc</a:t>
+              </a:r>
+              <a:r>
+                <a:rPr lang="es-MX" sz="2200" b="1" dirty="0">
+                  <a:solidFill>
+                    <a:srgbClr val="FFC000"/>
+                  </a:solidFill>
+                  <a:latin typeface="Roboto" panose="02000000000000000000" pitchFamily="2" charset="0"/>
+                  <a:ea typeface="Roboto" panose="02000000000000000000" pitchFamily="2" charset="0"/>
+                </a:rPr>
+                <a:t> </a:t>
+              </a:r>
+              <a:endParaRPr lang="es-MX" sz="2200" b="1" dirty="0">
+                <a:solidFill>
+                  <a:srgbClr val="FFC000"/>
+                </a:solidFill>
+                <a:latin typeface="Roboto" panose="02000000000000000000" pitchFamily="2" charset="0"/>
+                <a:ea typeface="Roboto" panose="02000000000000000000" pitchFamily="2" charset="0"/>
+              </a:endParaRPr>
+            </a:p>
+            <a:p>
+              <a:r>
+                <a:rPr lang="es-MX" dirty="0">
+                  <a:solidFill>
+                    <a:schemeClr val="bg1">
+                      <a:lumMod val="95000"/>
+                    </a:schemeClr>
+                  </a:solidFill>
+                  <a:latin typeface="Roboto" panose="02000000000000000000" pitchFamily="2" charset="0"/>
+                  <a:ea typeface="Roboto" panose="02000000000000000000" pitchFamily="2" charset="0"/>
+                </a:rPr>
+                <a:t>	</a:t>
+              </a:r>
+              <a:r>
+                <a:rPr lang="es-MX" sz="2400" dirty="0" smtClean="0">
+                  <a:solidFill>
+                    <a:schemeClr val="bg1">
+                      <a:lumMod val="95000"/>
+                    </a:schemeClr>
+                  </a:solidFill>
+                  <a:latin typeface="Roboto" panose="02000000000000000000" pitchFamily="2" charset="0"/>
+                  <a:ea typeface="Roboto" panose="02000000000000000000" pitchFamily="2" charset="0"/>
+                </a:rPr>
+                <a:t>R</a:t>
+              </a:r>
+              <a:endParaRPr lang="es-MX" sz="2400" dirty="0">
+                <a:solidFill>
+                  <a:schemeClr val="bg1">
+                    <a:lumMod val="95000"/>
+                  </a:schemeClr>
+                </a:solidFill>
+                <a:latin typeface="Roboto" panose="02000000000000000000" pitchFamily="2" charset="0"/>
+                <a:ea typeface="Roboto" panose="02000000000000000000" pitchFamily="2" charset="0"/>
+              </a:endParaRPr>
+            </a:p>
+            <a:p>
+              <a:endParaRPr lang="es-MX" dirty="0" smtClean="0"/>
+            </a:p>
+            <a:p>
+              <a:r>
+                <a:rPr lang="es-MX" sz="2200" dirty="0">
+                  <a:solidFill>
+                    <a:schemeClr val="accent6">
+                      <a:lumMod val="40000"/>
+                      <a:lumOff val="60000"/>
+                    </a:schemeClr>
+                  </a:solidFill>
+                  <a:latin typeface="Roboto" panose="02000000000000000000" pitchFamily="2" charset="0"/>
+                  <a:ea typeface="Roboto" panose="02000000000000000000" pitchFamily="2" charset="0"/>
+                </a:rPr>
+                <a:t>Cursor </a:t>
+              </a:r>
+              <a:r>
+                <a:rPr lang="es-MX" sz="2200" b="1" dirty="0" smtClean="0">
+                  <a:solidFill>
+                    <a:srgbClr val="FFC000"/>
+                  </a:solidFill>
+                  <a:latin typeface="Roboto" panose="02000000000000000000" pitchFamily="2" charset="0"/>
+                  <a:ea typeface="Roboto" panose="02000000000000000000" pitchFamily="2" charset="0"/>
+                </a:rPr>
+                <a:t>última línea </a:t>
+              </a:r>
+              <a:endParaRPr lang="es-MX" sz="2200" b="1" dirty="0">
+                <a:solidFill>
+                  <a:srgbClr val="FFC000"/>
+                </a:solidFill>
+                <a:latin typeface="Roboto" panose="02000000000000000000" pitchFamily="2" charset="0"/>
+                <a:ea typeface="Roboto" panose="02000000000000000000" pitchFamily="2" charset="0"/>
+              </a:endParaRPr>
+            </a:p>
+            <a:p>
+              <a:r>
+                <a:rPr lang="es-MX" sz="2200" b="1" dirty="0">
+                  <a:solidFill>
+                    <a:srgbClr val="FFC000"/>
+                  </a:solidFill>
+                  <a:latin typeface="Roboto" panose="02000000000000000000" pitchFamily="2" charset="0"/>
+                  <a:ea typeface="Roboto" panose="02000000000000000000" pitchFamily="2" charset="0"/>
+                </a:rPr>
+                <a:t>	</a:t>
+              </a:r>
+              <a:r>
+                <a:rPr lang="es-MX" sz="2400" dirty="0" err="1">
+                  <a:solidFill>
+                    <a:schemeClr val="bg1">
+                      <a:lumMod val="95000"/>
+                    </a:schemeClr>
+                  </a:solidFill>
+                  <a:latin typeface="Roboto" panose="02000000000000000000" pitchFamily="2" charset="0"/>
+                  <a:ea typeface="Roboto" panose="02000000000000000000" pitchFamily="2" charset="0"/>
+                </a:rPr>
+                <a:t>esc</a:t>
+              </a:r>
+              <a:r>
+                <a:rPr lang="es-MX" sz="2400" dirty="0">
+                  <a:solidFill>
+                    <a:schemeClr val="bg1">
+                      <a:lumMod val="95000"/>
+                    </a:schemeClr>
+                  </a:solidFill>
+                  <a:latin typeface="Roboto" panose="02000000000000000000" pitchFamily="2" charset="0"/>
+                  <a:ea typeface="Roboto" panose="02000000000000000000" pitchFamily="2" charset="0"/>
+                </a:rPr>
+                <a:t> -&gt; </a:t>
+              </a:r>
+              <a:r>
+                <a:rPr lang="es-MX" sz="2400" dirty="0" smtClean="0">
+                  <a:solidFill>
+                    <a:schemeClr val="bg1">
+                      <a:lumMod val="95000"/>
+                    </a:schemeClr>
+                  </a:solidFill>
+                  <a:latin typeface="Roboto" panose="02000000000000000000" pitchFamily="2" charset="0"/>
+                  <a:ea typeface="Roboto" panose="02000000000000000000" pitchFamily="2" charset="0"/>
+                </a:rPr>
+                <a:t>:</a:t>
+              </a:r>
+              <a:r>
+                <a:rPr lang="es-MX" sz="2400" dirty="0">
+                  <a:solidFill>
+                    <a:schemeClr val="bg1">
+                      <a:lumMod val="95000"/>
+                    </a:schemeClr>
+                  </a:solidFill>
+                  <a:latin typeface="Roboto" panose="02000000000000000000" pitchFamily="2" charset="0"/>
+                  <a:ea typeface="Roboto" panose="02000000000000000000" pitchFamily="2" charset="0"/>
+                </a:rPr>
+                <a:t>$</a:t>
+              </a:r>
+              <a:endParaRPr lang="es-MX" sz="2400" dirty="0">
+                <a:solidFill>
+                  <a:schemeClr val="bg1">
+                    <a:lumMod val="95000"/>
+                  </a:schemeClr>
+                </a:solidFill>
+                <a:latin typeface="Roboto" panose="02000000000000000000" pitchFamily="2" charset="0"/>
+                <a:ea typeface="Roboto" panose="02000000000000000000" pitchFamily="2" charset="0"/>
+              </a:endParaRPr>
+            </a:p>
+          </p:txBody>
+        </p:sp>
+        <p:sp>
+          <p:nvSpPr>
+            <p:cNvPr id="5" name="CuadroTexto 4"/>
+            <p:cNvSpPr txBox="1"/>
+            <p:nvPr/>
+          </p:nvSpPr>
+          <p:spPr>
+            <a:xfrm>
+              <a:off x="6817025" y="1794293"/>
+              <a:ext cx="4473275" cy="3847207"/>
+            </a:xfrm>
+            <a:prstGeom prst="rect">
+              <a:avLst/>
+            </a:prstGeom>
+            <a:noFill/>
+          </p:spPr>
+          <p:txBody>
+            <a:bodyPr wrap="square" rtlCol="0">
+              <a:spAutoFit/>
+            </a:bodyPr>
+            <a:lstStyle/>
+            <a:p>
+              <a:r>
+                <a:rPr lang="es-MX" sz="2200" dirty="0">
+                  <a:solidFill>
+                    <a:schemeClr val="accent6">
+                      <a:lumMod val="40000"/>
+                      <a:lumOff val="60000"/>
+                    </a:schemeClr>
+                  </a:solidFill>
+                  <a:latin typeface="Roboto" panose="02000000000000000000" pitchFamily="2" charset="0"/>
+                  <a:ea typeface="Roboto" panose="02000000000000000000" pitchFamily="2" charset="0"/>
+                </a:rPr>
+                <a:t>Cursor </a:t>
+              </a:r>
+              <a:r>
+                <a:rPr lang="es-MX" sz="2200" b="1" dirty="0" smtClean="0">
+                  <a:solidFill>
+                    <a:srgbClr val="FFC000"/>
+                  </a:solidFill>
+                  <a:latin typeface="Roboto" panose="02000000000000000000" pitchFamily="2" charset="0"/>
+                  <a:ea typeface="Roboto" panose="02000000000000000000" pitchFamily="2" charset="0"/>
+                </a:rPr>
+                <a:t>n </a:t>
+              </a:r>
+              <a:r>
+                <a:rPr lang="es-MX" sz="2200" b="1" dirty="0">
+                  <a:solidFill>
+                    <a:srgbClr val="FFC000"/>
+                  </a:solidFill>
+                  <a:latin typeface="Roboto" panose="02000000000000000000" pitchFamily="2" charset="0"/>
+                  <a:ea typeface="Roboto" panose="02000000000000000000" pitchFamily="2" charset="0"/>
+                </a:rPr>
+                <a:t>línea </a:t>
+              </a:r>
+            </a:p>
+            <a:p>
+              <a:r>
+                <a:rPr lang="es-MX" sz="2400" dirty="0" smtClean="0">
+                  <a:solidFill>
+                    <a:schemeClr val="bg1">
+                      <a:lumMod val="95000"/>
+                    </a:schemeClr>
+                  </a:solidFill>
+                  <a:latin typeface="Roboto" panose="02000000000000000000" pitchFamily="2" charset="0"/>
+                  <a:ea typeface="Roboto" panose="02000000000000000000" pitchFamily="2" charset="0"/>
+                </a:rPr>
+                <a:t>	</a:t>
+              </a:r>
+              <a:r>
+                <a:rPr lang="es-MX" sz="2400" dirty="0" err="1">
+                  <a:solidFill>
+                    <a:schemeClr val="bg1">
+                      <a:lumMod val="95000"/>
+                    </a:schemeClr>
+                  </a:solidFill>
+                  <a:latin typeface="Roboto" panose="02000000000000000000" pitchFamily="2" charset="0"/>
+                  <a:ea typeface="Roboto" panose="02000000000000000000" pitchFamily="2" charset="0"/>
+                </a:rPr>
+                <a:t>esc</a:t>
+              </a:r>
+              <a:r>
+                <a:rPr lang="es-MX" sz="2400" dirty="0">
+                  <a:solidFill>
+                    <a:schemeClr val="bg1">
+                      <a:lumMod val="95000"/>
+                    </a:schemeClr>
+                  </a:solidFill>
+                  <a:latin typeface="Roboto" panose="02000000000000000000" pitchFamily="2" charset="0"/>
+                  <a:ea typeface="Roboto" panose="02000000000000000000" pitchFamily="2" charset="0"/>
+                </a:rPr>
+                <a:t> -&gt; </a:t>
+              </a:r>
+              <a:r>
+                <a:rPr lang="es-MX" sz="2400" dirty="0" smtClean="0">
+                  <a:solidFill>
+                    <a:schemeClr val="bg1">
+                      <a:lumMod val="95000"/>
+                    </a:schemeClr>
+                  </a:solidFill>
+                  <a:latin typeface="Roboto" panose="02000000000000000000" pitchFamily="2" charset="0"/>
+                  <a:ea typeface="Roboto" panose="02000000000000000000" pitchFamily="2" charset="0"/>
+                </a:rPr>
+                <a:t>:n</a:t>
+              </a:r>
+              <a:endParaRPr lang="es-MX" sz="2400" dirty="0">
+                <a:solidFill>
+                  <a:schemeClr val="bg1">
+                    <a:lumMod val="95000"/>
+                  </a:schemeClr>
+                </a:solidFill>
+                <a:latin typeface="Roboto" panose="02000000000000000000" pitchFamily="2" charset="0"/>
+                <a:ea typeface="Roboto" panose="02000000000000000000" pitchFamily="2" charset="0"/>
+              </a:endParaRPr>
+            </a:p>
+            <a:p>
+              <a:endParaRPr lang="es-MX" sz="2400" dirty="0" smtClean="0">
+                <a:solidFill>
+                  <a:schemeClr val="bg1">
+                    <a:lumMod val="95000"/>
+                  </a:schemeClr>
+                </a:solidFill>
+                <a:latin typeface="Roboto" panose="02000000000000000000" pitchFamily="2" charset="0"/>
+                <a:ea typeface="Roboto" panose="02000000000000000000" pitchFamily="2" charset="0"/>
+              </a:endParaRPr>
+            </a:p>
+            <a:p>
+              <a:r>
+                <a:rPr lang="es-MX" sz="2200" b="1" dirty="0">
+                  <a:solidFill>
+                    <a:srgbClr val="FFC000"/>
+                  </a:solidFill>
+                  <a:latin typeface="Roboto" panose="02000000000000000000" pitchFamily="2" charset="0"/>
+                  <a:ea typeface="Roboto" panose="02000000000000000000" pitchFamily="2" charset="0"/>
+                </a:rPr>
+                <a:t>Descartar cambios </a:t>
+              </a:r>
+              <a:r>
+                <a:rPr lang="es-MX" sz="2200" dirty="0" smtClean="0">
+                  <a:solidFill>
+                    <a:schemeClr val="accent6">
+                      <a:lumMod val="40000"/>
+                      <a:lumOff val="60000"/>
+                    </a:schemeClr>
+                  </a:solidFill>
+                  <a:latin typeface="Roboto" panose="02000000000000000000" pitchFamily="2" charset="0"/>
+                  <a:ea typeface="Roboto" panose="02000000000000000000" pitchFamily="2" charset="0"/>
+                </a:rPr>
+                <a:t>en la sesión</a:t>
+              </a:r>
+              <a:endParaRPr lang="es-MX" sz="2200" b="1" dirty="0">
+                <a:solidFill>
+                  <a:srgbClr val="FFC000"/>
+                </a:solidFill>
+                <a:latin typeface="Roboto" panose="02000000000000000000" pitchFamily="2" charset="0"/>
+                <a:ea typeface="Roboto" panose="02000000000000000000" pitchFamily="2" charset="0"/>
+              </a:endParaRPr>
+            </a:p>
+            <a:p>
+              <a:r>
+                <a:rPr lang="es-MX" sz="2400" dirty="0">
+                  <a:solidFill>
+                    <a:schemeClr val="bg1">
+                      <a:lumMod val="95000"/>
+                    </a:schemeClr>
+                  </a:solidFill>
+                  <a:latin typeface="Roboto" panose="02000000000000000000" pitchFamily="2" charset="0"/>
+                  <a:ea typeface="Roboto" panose="02000000000000000000" pitchFamily="2" charset="0"/>
+                </a:rPr>
+                <a:t>	</a:t>
+              </a:r>
+              <a:r>
+                <a:rPr lang="es-MX" sz="2400" dirty="0" smtClean="0">
+                  <a:solidFill>
+                    <a:schemeClr val="bg1">
+                      <a:lumMod val="95000"/>
+                    </a:schemeClr>
+                  </a:solidFill>
+                  <a:latin typeface="Roboto" panose="02000000000000000000" pitchFamily="2" charset="0"/>
+                  <a:ea typeface="Roboto" panose="02000000000000000000" pitchFamily="2" charset="0"/>
+                </a:rPr>
+                <a:t>* </a:t>
+              </a:r>
+              <a:r>
+                <a:rPr lang="es-MX" sz="1600" dirty="0" smtClean="0">
+                  <a:solidFill>
+                    <a:schemeClr val="bg1">
+                      <a:lumMod val="75000"/>
+                    </a:schemeClr>
+                  </a:solidFill>
+                  <a:latin typeface="Roboto" panose="02000000000000000000" pitchFamily="2" charset="0"/>
+                  <a:ea typeface="Roboto" panose="02000000000000000000" pitchFamily="2" charset="0"/>
+                </a:rPr>
+                <a:t>+</a:t>
+              </a:r>
+              <a:r>
+                <a:rPr lang="es-MX" sz="2400" dirty="0" smtClean="0">
+                  <a:solidFill>
+                    <a:schemeClr val="bg1">
+                      <a:lumMod val="95000"/>
+                    </a:schemeClr>
+                  </a:solidFill>
+                  <a:latin typeface="Roboto" panose="02000000000000000000" pitchFamily="2" charset="0"/>
+                  <a:ea typeface="Roboto" panose="02000000000000000000" pitchFamily="2" charset="0"/>
+                </a:rPr>
+                <a:t> u</a:t>
+              </a:r>
+              <a:endParaRPr lang="es-MX" sz="2400" dirty="0">
+                <a:solidFill>
+                  <a:schemeClr val="bg1">
+                    <a:lumMod val="95000"/>
+                  </a:schemeClr>
+                </a:solidFill>
+                <a:latin typeface="Roboto" panose="02000000000000000000" pitchFamily="2" charset="0"/>
+                <a:ea typeface="Roboto" panose="02000000000000000000" pitchFamily="2" charset="0"/>
+              </a:endParaRPr>
+            </a:p>
+            <a:p>
+              <a:endParaRPr lang="es-MX" dirty="0" smtClean="0"/>
+            </a:p>
+            <a:p>
+              <a:r>
+                <a:rPr lang="es-MX" sz="2200" dirty="0">
+                  <a:solidFill>
+                    <a:schemeClr val="accent6">
+                      <a:lumMod val="40000"/>
+                      <a:lumOff val="60000"/>
+                    </a:schemeClr>
+                  </a:solidFill>
+                  <a:latin typeface="Roboto" panose="02000000000000000000" pitchFamily="2" charset="0"/>
+                  <a:ea typeface="Roboto" panose="02000000000000000000" pitchFamily="2" charset="0"/>
+                </a:rPr>
+                <a:t>Desplazamiento una </a:t>
+              </a:r>
+              <a:r>
+                <a:rPr lang="es-MX" sz="2200" b="1" dirty="0">
+                  <a:solidFill>
+                    <a:srgbClr val="FFC000"/>
+                  </a:solidFill>
+                  <a:latin typeface="Roboto" panose="02000000000000000000" pitchFamily="2" charset="0"/>
+                  <a:ea typeface="Roboto" panose="02000000000000000000" pitchFamily="2" charset="0"/>
+                </a:rPr>
+                <a:t>letra a la </a:t>
+              </a:r>
+              <a:r>
+                <a:rPr lang="es-MX" sz="2200" b="1" dirty="0" err="1">
+                  <a:solidFill>
+                    <a:srgbClr val="FFC000"/>
+                  </a:solidFill>
+                  <a:latin typeface="Roboto" panose="02000000000000000000" pitchFamily="2" charset="0"/>
+                  <a:ea typeface="Roboto" panose="02000000000000000000" pitchFamily="2" charset="0"/>
+                </a:rPr>
+                <a:t>izq</a:t>
+              </a:r>
+              <a:endParaRPr lang="es-MX" sz="2200" b="1" dirty="0">
+                <a:solidFill>
+                  <a:srgbClr val="FFC000"/>
+                </a:solidFill>
+                <a:latin typeface="Roboto" panose="02000000000000000000" pitchFamily="2" charset="0"/>
+                <a:ea typeface="Roboto" panose="02000000000000000000" pitchFamily="2" charset="0"/>
+              </a:endParaRPr>
+            </a:p>
+            <a:p>
+              <a:r>
+                <a:rPr lang="es-MX" dirty="0">
+                  <a:solidFill>
+                    <a:schemeClr val="bg1">
+                      <a:lumMod val="95000"/>
+                    </a:schemeClr>
+                  </a:solidFill>
+                  <a:latin typeface="Roboto" panose="02000000000000000000" pitchFamily="2" charset="0"/>
+                  <a:ea typeface="Roboto" panose="02000000000000000000" pitchFamily="2" charset="0"/>
+                </a:rPr>
+                <a:t>	</a:t>
+              </a:r>
+              <a:r>
+                <a:rPr lang="es-MX" sz="2400" dirty="0" smtClean="0">
+                  <a:solidFill>
+                    <a:schemeClr val="bg1">
+                      <a:lumMod val="95000"/>
+                    </a:schemeClr>
+                  </a:solidFill>
+                  <a:latin typeface="Roboto" panose="02000000000000000000" pitchFamily="2" charset="0"/>
+                  <a:ea typeface="Roboto" panose="02000000000000000000" pitchFamily="2" charset="0"/>
+                </a:rPr>
+                <a:t>h ó →</a:t>
+              </a:r>
+              <a:endParaRPr lang="es-MX" sz="2400" dirty="0">
+                <a:solidFill>
+                  <a:schemeClr val="bg1">
+                    <a:lumMod val="95000"/>
+                  </a:schemeClr>
+                </a:solidFill>
+                <a:latin typeface="Roboto" panose="02000000000000000000" pitchFamily="2" charset="0"/>
+                <a:ea typeface="Roboto" panose="02000000000000000000" pitchFamily="2" charset="0"/>
+              </a:endParaRPr>
+            </a:p>
+            <a:p>
+              <a:endParaRPr lang="es-MX" dirty="0" smtClean="0"/>
+            </a:p>
+            <a:p>
+              <a:r>
+                <a:rPr lang="es-MX" sz="2200" dirty="0">
+                  <a:solidFill>
+                    <a:schemeClr val="accent6">
+                      <a:lumMod val="40000"/>
+                      <a:lumOff val="60000"/>
+                    </a:schemeClr>
+                  </a:solidFill>
+                  <a:latin typeface="Roboto" panose="02000000000000000000" pitchFamily="2" charset="0"/>
+                  <a:ea typeface="Roboto" panose="02000000000000000000" pitchFamily="2" charset="0"/>
+                </a:rPr>
+                <a:t>Desplazamiento una </a:t>
+              </a:r>
+              <a:r>
+                <a:rPr lang="es-MX" sz="2200" b="1" dirty="0">
+                  <a:solidFill>
+                    <a:srgbClr val="FFC000"/>
+                  </a:solidFill>
+                  <a:latin typeface="Roboto" panose="02000000000000000000" pitchFamily="2" charset="0"/>
+                  <a:ea typeface="Roboto" panose="02000000000000000000" pitchFamily="2" charset="0"/>
+                </a:rPr>
+                <a:t>letra a la </a:t>
+              </a:r>
+              <a:r>
+                <a:rPr lang="es-MX" sz="2200" b="1" dirty="0">
+                  <a:solidFill>
+                    <a:srgbClr val="FFC000"/>
+                  </a:solidFill>
+                  <a:latin typeface="Roboto" panose="02000000000000000000" pitchFamily="2" charset="0"/>
+                  <a:ea typeface="Roboto" panose="02000000000000000000" pitchFamily="2" charset="0"/>
+                </a:rPr>
+                <a:t>der</a:t>
+              </a:r>
+              <a:endParaRPr lang="es-MX" sz="2200" b="1" dirty="0">
+                <a:solidFill>
+                  <a:srgbClr val="FFC000"/>
+                </a:solidFill>
+                <a:latin typeface="Roboto" panose="02000000000000000000" pitchFamily="2" charset="0"/>
+                <a:ea typeface="Roboto" panose="02000000000000000000" pitchFamily="2" charset="0"/>
+              </a:endParaRPr>
+            </a:p>
+            <a:p>
+              <a:r>
+                <a:rPr lang="es-MX" sz="2200" b="1" dirty="0">
+                  <a:solidFill>
+                    <a:srgbClr val="FFC000"/>
+                  </a:solidFill>
+                  <a:latin typeface="Roboto" panose="02000000000000000000" pitchFamily="2" charset="0"/>
+                  <a:ea typeface="Roboto" panose="02000000000000000000" pitchFamily="2" charset="0"/>
+                </a:rPr>
+                <a:t>	</a:t>
+              </a:r>
+              <a:r>
+                <a:rPr lang="es-MX" sz="2400" dirty="0" smtClean="0">
+                  <a:solidFill>
+                    <a:schemeClr val="bg1">
+                      <a:lumMod val="95000"/>
+                    </a:schemeClr>
+                  </a:solidFill>
+                  <a:latin typeface="Roboto" panose="02000000000000000000" pitchFamily="2" charset="0"/>
+                  <a:ea typeface="Roboto" panose="02000000000000000000" pitchFamily="2" charset="0"/>
+                </a:rPr>
+                <a:t>l ó ←</a:t>
+              </a:r>
+              <a:endParaRPr lang="es-MX" sz="2400" dirty="0">
+                <a:solidFill>
+                  <a:schemeClr val="bg1">
+                    <a:lumMod val="95000"/>
+                  </a:schemeClr>
+                </a:solidFill>
+                <a:latin typeface="Roboto" panose="02000000000000000000" pitchFamily="2" charset="0"/>
+                <a:ea typeface="Roboto" panose="02000000000000000000" pitchFamily="2" charset="0"/>
+              </a:endParaRPr>
+            </a:p>
+          </p:txBody>
+        </p:sp>
+      </p:grpSp>
+    </p:spTree>
+    <p:extLst>
+      <p:ext uri="{BB962C8B-B14F-4D97-AF65-F5344CB8AC3E}">
+        <p14:creationId xmlns:p14="http://schemas.microsoft.com/office/powerpoint/2010/main" val="1674416322"/>
       </p:ext>
     </p:extLst>
   </p:cSld>
@@ -5741,7 +8760,31 @@
                 <a:latin typeface="Roboto" panose="02000000000000000000" pitchFamily="2" charset="0"/>
                 <a:ea typeface="Roboto" panose="02000000000000000000" pitchFamily="2" charset="0"/>
               </a:rPr>
-              <a:t>[</a:t>
+              <a:t>[ </a:t>
+            </a:r>
+            <a:r>
+              <a:rPr lang="es-MX" sz="3000" dirty="0" err="1">
+                <a:solidFill>
+                  <a:schemeClr val="bg1">
+                    <a:lumMod val="85000"/>
+                  </a:schemeClr>
+                </a:solidFill>
+                <a:latin typeface="Roboto" panose="02000000000000000000" pitchFamily="2" charset="0"/>
+                <a:ea typeface="Roboto" panose="02000000000000000000" pitchFamily="2" charset="0"/>
+              </a:rPr>
+              <a:t>git</a:t>
+            </a:r>
+            <a:r>
+              <a:rPr lang="es-MX" sz="3000" dirty="0" smtClean="0">
+                <a:solidFill>
+                  <a:schemeClr val="bg1">
+                    <a:lumMod val="85000"/>
+                  </a:schemeClr>
+                </a:solidFill>
+                <a:latin typeface="Roboto" panose="02000000000000000000" pitchFamily="2" charset="0"/>
+                <a:ea typeface="Roboto" panose="02000000000000000000" pitchFamily="2" charset="0"/>
+              </a:rPr>
+              <a:t> </a:t>
             </a:r>
             <a:r>
               <a:rPr lang="es-MX" sz="2500" dirty="0">
@@ -5753,53 +8796,8 @@
                 <a:latin typeface="Roboto" panose="02000000000000000000" pitchFamily="2" charset="0"/>
                 <a:ea typeface="Roboto" panose="02000000000000000000" pitchFamily="2" charset="0"/>
               </a:rPr>
-              <a:t> </a:t>
-            </a:r>
-            <a:r>
-              <a:rPr lang="es-MX" sz="3000" dirty="0" err="1">
-                <a:solidFill>
-                  <a:schemeClr val="bg1">
-                    <a:lumMod val="85000"/>
-                  </a:schemeClr>
-                </a:solidFill>
-                <a:latin typeface="Roboto" panose="02000000000000000000" pitchFamily="2" charset="0"/>
-                <a:ea typeface="Roboto" panose="02000000000000000000" pitchFamily="2" charset="0"/>
-              </a:rPr>
-              <a:t>git</a:t>
-            </a:r>
-            <a:r>
-              <a:rPr lang="es-MX" sz="3000" dirty="0" smtClean="0">
-                <a:solidFill>
-                  <a:schemeClr val="bg1">
-                    <a:lumMod val="85000"/>
-                  </a:schemeClr>
-                </a:solidFill>
-                <a:latin typeface="Roboto" panose="02000000000000000000" pitchFamily="2" charset="0"/>
-                <a:ea typeface="Roboto" panose="02000000000000000000" pitchFamily="2" charset="0"/>
-              </a:rPr>
-              <a:t> </a:t>
-            </a:r>
-            <a:r>
-              <a:rPr lang="es-MX" sz="2500" dirty="0">
-                <a:solidFill>
-                  <a:schemeClr val="bg1">
-                    <a:lumMod val="85000"/>
-                  </a:schemeClr>
-                </a:solidFill>
-                <a:latin typeface="Roboto" panose="02000000000000000000" pitchFamily="2" charset="0"/>
-                <a:ea typeface="Roboto" panose="02000000000000000000" pitchFamily="2" charset="0"/>
-              </a:rPr>
               <a:t>]</a:t>
             </a:r>
-            <a:endParaRPr lang="es-MX" sz="2500" dirty="0">
-              <a:solidFill>
-                <a:schemeClr val="bg1">
-                  <a:lumMod val="85000"/>
-                </a:schemeClr>
-              </a:solidFill>
-              <a:latin typeface="Roboto" panose="02000000000000000000" pitchFamily="2" charset="0"/>
-              <a:ea typeface="Roboto" panose="02000000000000000000" pitchFamily="2" charset="0"/>
-            </a:endParaRPr>
           </a:p>
         </p:txBody>
       </p:sp>
@@ -6066,6 +9064,2133 @@
     <p:extLst>
       <p:ext uri="{BB962C8B-B14F-4D97-AF65-F5344CB8AC3E}">
         <p14:creationId xmlns:p14="http://schemas.microsoft.com/office/powerpoint/2010/main" val="4155650457"/>
+      </p:ext>
+    </p:extLst>
+  </p:cSld>
+  <p:clrMapOvr>
+    <a:masterClrMapping/>
+  </p:clrMapOvr>
+  <p:timing>
+    <p:tnLst>
+      <p:par>
+        <p:cTn id="1" dur="indefinite" restart="never" nodeType="tmRoot"/>
+      </p:par>
+    </p:tnLst>
+  </p:timing>
+</p:sld>
+</file>
+
+<file path=ppt/slides/slide20.xml><?xml version="1.0" encoding="utf-8"?>
+<p:sld xmlns:a="http://schemas.openxmlformats.org/drawingml/2006/main" xmlns:r="http://schemas.openxmlformats.org/officeDocument/2006/relationships" xmlns:p="http://schemas.openxmlformats.org/presentationml/2006/main">
+  <p:cSld>
+    <p:spTree>
+      <p:nvGrpSpPr>
+        <p:cNvPr id="1" name=""/>
+        <p:cNvGrpSpPr/>
+        <p:nvPr/>
+      </p:nvGrpSpPr>
+      <p:grpSpPr>
+        <a:xfrm>
+          <a:off x="0" y="0"/>
+          <a:ext cx="0" cy="0"/>
+          <a:chOff x="0" y="0"/>
+          <a:chExt cx="0" cy="0"/>
+        </a:xfrm>
+      </p:grpSpPr>
+      <p:sp>
+        <p:nvSpPr>
+          <p:cNvPr id="4" name="Título 1"/>
+          <p:cNvSpPr txBox="1">
+            <a:spLocks/>
+          </p:cNvSpPr>
+          <p:nvPr/>
+        </p:nvSpPr>
+        <p:spPr>
+          <a:xfrm>
+            <a:off x="838200" y="370187"/>
+            <a:ext cx="8639433" cy="1325563"/>
+          </a:xfrm>
+          <a:prstGeom prst="rect">
+            <a:avLst/>
+          </a:prstGeom>
+        </p:spPr>
+        <p:txBody>
+          <a:bodyPr vert="horz" lIns="91440" tIns="45720" rIns="91440" bIns="45720" rtlCol="0" anchor="ctr">
+            <a:normAutofit/>
+          </a:bodyPr>
+          <a:lstStyle>
+            <a:lvl1pPr algn="l" defTabSz="914400" rtl="0" eaLnBrk="1" latinLnBrk="0" hangingPunct="1">
+              <a:lnSpc>
+                <a:spcPct val="90000"/>
+              </a:lnSpc>
+              <a:spcBef>
+                <a:spcPct val="0"/>
+              </a:spcBef>
+              <a:buNone/>
+              <a:defRPr sz="4400" kern="1200">
+                <a:solidFill>
+                  <a:schemeClr val="tx1"/>
+                </a:solidFill>
+                <a:latin typeface="+mj-lt"/>
+                <a:ea typeface="+mj-ea"/>
+                <a:cs typeface="+mj-cs"/>
+              </a:defRPr>
+            </a:lvl1pPr>
+          </a:lstStyle>
+          <a:p>
+            <a:r>
+              <a:rPr lang="es-MX" sz="5000" dirty="0" err="1" smtClean="0">
+                <a:solidFill>
+                  <a:srgbClr val="D50F2E"/>
+                </a:solidFill>
+                <a:latin typeface="Roboto Black" panose="02000000000000000000" pitchFamily="2" charset="0"/>
+                <a:ea typeface="Roboto Black" panose="02000000000000000000" pitchFamily="2" charset="0"/>
+              </a:rPr>
+              <a:t>Branches</a:t>
+            </a:r>
+            <a:r>
+              <a:rPr lang="es-MX" sz="5000" dirty="0" smtClean="0">
+                <a:solidFill>
+                  <a:srgbClr val="D50F2E"/>
+                </a:solidFill>
+                <a:latin typeface="Roboto Black" panose="02000000000000000000" pitchFamily="2" charset="0"/>
+                <a:ea typeface="Roboto Black" panose="02000000000000000000" pitchFamily="2" charset="0"/>
+              </a:rPr>
+              <a:t> </a:t>
+            </a:r>
+            <a:r>
+              <a:rPr lang="es-MX" sz="2500" dirty="0" smtClean="0">
+                <a:solidFill>
+                  <a:schemeClr val="bg1">
+                    <a:lumMod val="85000"/>
+                  </a:schemeClr>
+                </a:solidFill>
+                <a:latin typeface="Roboto" panose="02000000000000000000" pitchFamily="2" charset="0"/>
+                <a:ea typeface="Roboto" panose="02000000000000000000" pitchFamily="2" charset="0"/>
+              </a:rPr>
+              <a:t>[</a:t>
+            </a:r>
+            <a:r>
+              <a:rPr lang="es-MX" sz="3000" dirty="0" smtClean="0">
+                <a:solidFill>
+                  <a:schemeClr val="bg1">
+                    <a:lumMod val="85000"/>
+                  </a:schemeClr>
+                </a:solidFill>
+                <a:latin typeface="Roboto" panose="02000000000000000000" pitchFamily="2" charset="0"/>
+                <a:ea typeface="Roboto" panose="02000000000000000000" pitchFamily="2" charset="0"/>
+              </a:rPr>
+              <a:t> </a:t>
+            </a:r>
+            <a:r>
+              <a:rPr lang="es-MX" sz="3000" dirty="0" err="1" smtClean="0">
+                <a:solidFill>
+                  <a:schemeClr val="bg1">
+                    <a:lumMod val="85000"/>
+                  </a:schemeClr>
+                </a:solidFill>
+                <a:latin typeface="Roboto" panose="02000000000000000000" pitchFamily="2" charset="0"/>
+                <a:ea typeface="Roboto" panose="02000000000000000000" pitchFamily="2" charset="0"/>
+              </a:rPr>
+              <a:t>git</a:t>
+            </a:r>
+            <a:r>
+              <a:rPr lang="es-MX" sz="3000" dirty="0" smtClean="0">
+                <a:solidFill>
+                  <a:schemeClr val="bg1">
+                    <a:lumMod val="85000"/>
+                  </a:schemeClr>
+                </a:solidFill>
+                <a:latin typeface="Roboto" panose="02000000000000000000" pitchFamily="2" charset="0"/>
+                <a:ea typeface="Roboto" panose="02000000000000000000" pitchFamily="2" charset="0"/>
+              </a:rPr>
+              <a:t> </a:t>
+            </a:r>
+            <a:r>
+              <a:rPr lang="es-MX" sz="2500" dirty="0" smtClean="0">
+                <a:solidFill>
+                  <a:schemeClr val="bg1">
+                    <a:lumMod val="85000"/>
+                  </a:schemeClr>
+                </a:solidFill>
+                <a:latin typeface="Roboto" panose="02000000000000000000" pitchFamily="2" charset="0"/>
+                <a:ea typeface="Roboto" panose="02000000000000000000" pitchFamily="2" charset="0"/>
+              </a:rPr>
+              <a:t>]</a:t>
+            </a:r>
+            <a:r>
+              <a:rPr lang="es-MX" sz="3000" dirty="0" smtClean="0">
+                <a:solidFill>
+                  <a:schemeClr val="bg1">
+                    <a:lumMod val="85000"/>
+                  </a:schemeClr>
+                </a:solidFill>
+                <a:latin typeface="Roboto" panose="02000000000000000000" pitchFamily="2" charset="0"/>
+                <a:ea typeface="Roboto" panose="02000000000000000000" pitchFamily="2" charset="0"/>
+              </a:rPr>
+              <a:t> </a:t>
+            </a:r>
+            <a:endParaRPr lang="es-MX" sz="3000" dirty="0">
+              <a:solidFill>
+                <a:schemeClr val="bg1">
+                  <a:lumMod val="85000"/>
+                </a:schemeClr>
+              </a:solidFill>
+              <a:latin typeface="Roboto" panose="02000000000000000000" pitchFamily="2" charset="0"/>
+              <a:ea typeface="Roboto" panose="02000000000000000000" pitchFamily="2" charset="0"/>
+            </a:endParaRPr>
+          </a:p>
+        </p:txBody>
+      </p:sp>
+      <p:sp>
+        <p:nvSpPr>
+          <p:cNvPr id="2" name="Marcador de contenido 1"/>
+          <p:cNvSpPr>
+            <a:spLocks noGrp="1"/>
+          </p:cNvSpPr>
+          <p:nvPr>
+            <p:ph idx="1"/>
+          </p:nvPr>
+        </p:nvSpPr>
+        <p:spPr>
+          <a:xfrm>
+            <a:off x="838200" y="1825625"/>
+            <a:ext cx="4984630" cy="4351338"/>
+          </a:xfrm>
+        </p:spPr>
+        <p:txBody>
+          <a:bodyPr>
+            <a:normAutofit/>
+          </a:bodyPr>
+          <a:lstStyle/>
+          <a:p>
+            <a:pPr marL="0" indent="0">
+              <a:buNone/>
+            </a:pPr>
+            <a:r>
+              <a:rPr lang="es-MX" sz="2200" dirty="0" smtClean="0">
+                <a:solidFill>
+                  <a:schemeClr val="bg1">
+                    <a:lumMod val="75000"/>
+                  </a:schemeClr>
+                </a:solidFill>
+                <a:latin typeface="Roboto" panose="02000000000000000000" pitchFamily="2" charset="0"/>
+                <a:ea typeface="Roboto" panose="02000000000000000000" pitchFamily="2" charset="0"/>
+              </a:rPr>
+              <a:t>Listar </a:t>
+            </a:r>
+            <a:r>
+              <a:rPr lang="es-MX" sz="2200" dirty="0" err="1" smtClean="0">
+                <a:solidFill>
+                  <a:schemeClr val="bg1">
+                    <a:lumMod val="75000"/>
+                  </a:schemeClr>
+                </a:solidFill>
+                <a:latin typeface="Roboto" panose="02000000000000000000" pitchFamily="2" charset="0"/>
+                <a:ea typeface="Roboto" panose="02000000000000000000" pitchFamily="2" charset="0"/>
+              </a:rPr>
+              <a:t>branches</a:t>
+            </a:r>
+            <a:r>
+              <a:rPr lang="es-MX" sz="2200" dirty="0" smtClean="0">
+                <a:solidFill>
+                  <a:schemeClr val="bg1">
+                    <a:lumMod val="75000"/>
+                  </a:schemeClr>
+                </a:solidFill>
+                <a:latin typeface="Roboto" panose="02000000000000000000" pitchFamily="2" charset="0"/>
+                <a:ea typeface="Roboto" panose="02000000000000000000" pitchFamily="2" charset="0"/>
+              </a:rPr>
+              <a:t> disponibles en el repo</a:t>
+            </a:r>
+            <a:endParaRPr lang="es-MX" sz="2200" dirty="0">
+              <a:solidFill>
+                <a:schemeClr val="bg1">
+                  <a:lumMod val="75000"/>
+                </a:schemeClr>
+              </a:solidFill>
+              <a:latin typeface="Roboto" panose="02000000000000000000" pitchFamily="2" charset="0"/>
+              <a:ea typeface="Roboto" panose="02000000000000000000" pitchFamily="2" charset="0"/>
+            </a:endParaRPr>
+          </a:p>
+          <a:p>
+            <a:pPr marL="0" indent="0">
+              <a:buNone/>
+            </a:pPr>
+            <a:r>
+              <a:rPr lang="es-MX" sz="2400" dirty="0" err="1" smtClean="0">
+                <a:solidFill>
+                  <a:schemeClr val="bg1">
+                    <a:lumMod val="50000"/>
+                  </a:schemeClr>
+                </a:solidFill>
+                <a:latin typeface="Roboto" panose="02000000000000000000" pitchFamily="2" charset="0"/>
+                <a:ea typeface="Roboto" panose="02000000000000000000" pitchFamily="2" charset="0"/>
+              </a:rPr>
+              <a:t>git</a:t>
+            </a:r>
+            <a:r>
+              <a:rPr lang="es-MX" sz="2400" dirty="0" smtClean="0">
+                <a:solidFill>
+                  <a:schemeClr val="bg1">
+                    <a:lumMod val="50000"/>
+                  </a:schemeClr>
+                </a:solidFill>
+                <a:latin typeface="Roboto" panose="02000000000000000000" pitchFamily="2" charset="0"/>
+                <a:ea typeface="Roboto" panose="02000000000000000000" pitchFamily="2" charset="0"/>
+              </a:rPr>
+              <a:t> </a:t>
+            </a:r>
+            <a:r>
+              <a:rPr lang="es-MX" sz="2400" dirty="0" err="1" smtClean="0">
+                <a:solidFill>
+                  <a:schemeClr val="bg1">
+                    <a:lumMod val="50000"/>
+                  </a:schemeClr>
+                </a:solidFill>
+                <a:latin typeface="Roboto" panose="02000000000000000000" pitchFamily="2" charset="0"/>
+                <a:ea typeface="Roboto" panose="02000000000000000000" pitchFamily="2" charset="0"/>
+              </a:rPr>
+              <a:t>branch</a:t>
+            </a:r>
+            <a:endParaRPr lang="es-MX" sz="2400" dirty="0" smtClean="0">
+              <a:solidFill>
+                <a:schemeClr val="bg1">
+                  <a:lumMod val="50000"/>
+                </a:schemeClr>
+              </a:solidFill>
+              <a:latin typeface="Roboto" panose="02000000000000000000" pitchFamily="2" charset="0"/>
+              <a:ea typeface="Roboto" panose="02000000000000000000" pitchFamily="2" charset="0"/>
+            </a:endParaRPr>
+          </a:p>
+          <a:p>
+            <a:pPr marL="0" indent="0">
+              <a:buNone/>
+            </a:pPr>
+            <a:endParaRPr lang="es-MX" sz="2400" dirty="0">
+              <a:solidFill>
+                <a:schemeClr val="bg1">
+                  <a:lumMod val="50000"/>
+                </a:schemeClr>
+              </a:solidFill>
+              <a:latin typeface="Roboto" panose="02000000000000000000" pitchFamily="2" charset="0"/>
+              <a:ea typeface="Roboto" panose="02000000000000000000" pitchFamily="2" charset="0"/>
+            </a:endParaRPr>
+          </a:p>
+          <a:p>
+            <a:pPr marL="0" indent="0">
+              <a:buNone/>
+            </a:pPr>
+            <a:r>
+              <a:rPr lang="es-MX" sz="2200" dirty="0" smtClean="0">
+                <a:solidFill>
+                  <a:schemeClr val="bg1">
+                    <a:lumMod val="75000"/>
+                  </a:schemeClr>
+                </a:solidFill>
+                <a:latin typeface="Roboto" panose="02000000000000000000" pitchFamily="2" charset="0"/>
+                <a:ea typeface="Roboto" panose="02000000000000000000" pitchFamily="2" charset="0"/>
+              </a:rPr>
+              <a:t>Crear nueva </a:t>
+            </a:r>
+            <a:r>
+              <a:rPr lang="es-MX" sz="2200" dirty="0" err="1" smtClean="0">
+                <a:solidFill>
+                  <a:schemeClr val="bg1">
+                    <a:lumMod val="75000"/>
+                  </a:schemeClr>
+                </a:solidFill>
+                <a:latin typeface="Roboto" panose="02000000000000000000" pitchFamily="2" charset="0"/>
+                <a:ea typeface="Roboto" panose="02000000000000000000" pitchFamily="2" charset="0"/>
+              </a:rPr>
+              <a:t>branch</a:t>
+            </a:r>
+            <a:endParaRPr lang="es-MX" sz="2200" dirty="0">
+              <a:solidFill>
+                <a:schemeClr val="bg1">
+                  <a:lumMod val="75000"/>
+                </a:schemeClr>
+              </a:solidFill>
+              <a:latin typeface="Roboto" panose="02000000000000000000" pitchFamily="2" charset="0"/>
+              <a:ea typeface="Roboto" panose="02000000000000000000" pitchFamily="2" charset="0"/>
+            </a:endParaRPr>
+          </a:p>
+          <a:p>
+            <a:pPr marL="0" indent="0">
+              <a:buNone/>
+            </a:pPr>
+            <a:r>
+              <a:rPr lang="es-MX" sz="2400" dirty="0" err="1" smtClean="0">
+                <a:solidFill>
+                  <a:schemeClr val="bg1">
+                    <a:lumMod val="50000"/>
+                  </a:schemeClr>
+                </a:solidFill>
+                <a:latin typeface="Roboto" panose="02000000000000000000" pitchFamily="2" charset="0"/>
+                <a:ea typeface="Roboto" panose="02000000000000000000" pitchFamily="2" charset="0"/>
+              </a:rPr>
+              <a:t>git</a:t>
+            </a:r>
+            <a:r>
+              <a:rPr lang="es-MX" sz="2400" dirty="0" smtClean="0">
+                <a:solidFill>
+                  <a:schemeClr val="bg1">
+                    <a:lumMod val="50000"/>
+                  </a:schemeClr>
+                </a:solidFill>
+                <a:latin typeface="Roboto" panose="02000000000000000000" pitchFamily="2" charset="0"/>
+                <a:ea typeface="Roboto" panose="02000000000000000000" pitchFamily="2" charset="0"/>
+              </a:rPr>
+              <a:t> [nombre rama]</a:t>
+            </a:r>
+            <a:endParaRPr lang="es-MX" sz="2400" dirty="0" smtClean="0">
+              <a:solidFill>
+                <a:schemeClr val="bg1">
+                  <a:lumMod val="50000"/>
+                </a:schemeClr>
+              </a:solidFill>
+              <a:latin typeface="Roboto" panose="02000000000000000000" pitchFamily="2" charset="0"/>
+              <a:ea typeface="Roboto" panose="02000000000000000000" pitchFamily="2" charset="0"/>
+            </a:endParaRPr>
+          </a:p>
+          <a:p>
+            <a:pPr marL="0" indent="0">
+              <a:buNone/>
+            </a:pPr>
+            <a:endParaRPr lang="es-MX" sz="2400" dirty="0">
+              <a:solidFill>
+                <a:schemeClr val="bg1">
+                  <a:lumMod val="50000"/>
+                </a:schemeClr>
+              </a:solidFill>
+              <a:latin typeface="Roboto" panose="02000000000000000000" pitchFamily="2" charset="0"/>
+              <a:ea typeface="Roboto" panose="02000000000000000000" pitchFamily="2" charset="0"/>
+            </a:endParaRPr>
+          </a:p>
+          <a:p>
+            <a:pPr marL="0" indent="0">
+              <a:buNone/>
+            </a:pPr>
+            <a:r>
+              <a:rPr lang="es-MX" sz="2200" dirty="0" smtClean="0">
+                <a:solidFill>
+                  <a:schemeClr val="bg1">
+                    <a:lumMod val="75000"/>
+                  </a:schemeClr>
+                </a:solidFill>
+                <a:latin typeface="Roboto" panose="02000000000000000000" pitchFamily="2" charset="0"/>
+                <a:ea typeface="Roboto" panose="02000000000000000000" pitchFamily="2" charset="0"/>
+              </a:rPr>
+              <a:t>Cambiars</a:t>
+            </a:r>
+            <a:r>
+              <a:rPr lang="es-MX" sz="2200" dirty="0" smtClean="0">
+                <a:solidFill>
+                  <a:schemeClr val="bg1">
+                    <a:lumMod val="75000"/>
+                  </a:schemeClr>
+                </a:solidFill>
+                <a:latin typeface="Roboto" panose="02000000000000000000" pitchFamily="2" charset="0"/>
+                <a:ea typeface="Roboto" panose="02000000000000000000" pitchFamily="2" charset="0"/>
+              </a:rPr>
+              <a:t>e a otra rama</a:t>
+            </a:r>
+            <a:endParaRPr lang="es-MX" sz="2200" dirty="0">
+              <a:solidFill>
+                <a:schemeClr val="bg1">
+                  <a:lumMod val="75000"/>
+                </a:schemeClr>
+              </a:solidFill>
+              <a:latin typeface="Roboto" panose="02000000000000000000" pitchFamily="2" charset="0"/>
+              <a:ea typeface="Roboto" panose="02000000000000000000" pitchFamily="2" charset="0"/>
+            </a:endParaRPr>
+          </a:p>
+          <a:p>
+            <a:pPr marL="0" indent="0">
+              <a:buNone/>
+            </a:pPr>
+            <a:r>
+              <a:rPr lang="es-MX" sz="2400" dirty="0" err="1">
+                <a:solidFill>
+                  <a:schemeClr val="bg1">
+                    <a:lumMod val="50000"/>
+                  </a:schemeClr>
+                </a:solidFill>
+                <a:latin typeface="Roboto" panose="02000000000000000000" pitchFamily="2" charset="0"/>
+                <a:ea typeface="Roboto" panose="02000000000000000000" pitchFamily="2" charset="0"/>
+              </a:rPr>
+              <a:t>g</a:t>
+            </a:r>
+            <a:r>
+              <a:rPr lang="es-MX" sz="2400" dirty="0" err="1" smtClean="0">
+                <a:solidFill>
+                  <a:schemeClr val="bg1">
+                    <a:lumMod val="50000"/>
+                  </a:schemeClr>
+                </a:solidFill>
+                <a:latin typeface="Roboto" panose="02000000000000000000" pitchFamily="2" charset="0"/>
+                <a:ea typeface="Roboto" panose="02000000000000000000" pitchFamily="2" charset="0"/>
+              </a:rPr>
+              <a:t>it</a:t>
+            </a:r>
+            <a:r>
+              <a:rPr lang="es-MX" sz="2400" dirty="0" smtClean="0">
+                <a:solidFill>
+                  <a:schemeClr val="bg1">
+                    <a:lumMod val="50000"/>
+                  </a:schemeClr>
+                </a:solidFill>
+                <a:latin typeface="Roboto" panose="02000000000000000000" pitchFamily="2" charset="0"/>
+                <a:ea typeface="Roboto" panose="02000000000000000000" pitchFamily="2" charset="0"/>
+              </a:rPr>
+              <a:t> </a:t>
+            </a:r>
+            <a:r>
+              <a:rPr lang="es-MX" sz="2400" dirty="0" err="1" smtClean="0">
+                <a:solidFill>
+                  <a:schemeClr val="bg1">
+                    <a:lumMod val="50000"/>
+                  </a:schemeClr>
+                </a:solidFill>
+                <a:latin typeface="Roboto" panose="02000000000000000000" pitchFamily="2" charset="0"/>
+                <a:ea typeface="Roboto" panose="02000000000000000000" pitchFamily="2" charset="0"/>
+              </a:rPr>
+              <a:t>checkout</a:t>
+            </a:r>
+            <a:r>
+              <a:rPr lang="es-MX" sz="2400" dirty="0" smtClean="0">
+                <a:solidFill>
+                  <a:schemeClr val="bg1">
+                    <a:lumMod val="50000"/>
+                  </a:schemeClr>
+                </a:solidFill>
+                <a:latin typeface="Roboto" panose="02000000000000000000" pitchFamily="2" charset="0"/>
+                <a:ea typeface="Roboto" panose="02000000000000000000" pitchFamily="2" charset="0"/>
+              </a:rPr>
+              <a:t> [nombre rama]</a:t>
+            </a:r>
+            <a:endParaRPr lang="es-MX" sz="2400" dirty="0">
+              <a:solidFill>
+                <a:schemeClr val="bg1">
+                  <a:lumMod val="50000"/>
+                </a:schemeClr>
+              </a:solidFill>
+              <a:latin typeface="Roboto" panose="02000000000000000000" pitchFamily="2" charset="0"/>
+              <a:ea typeface="Roboto" panose="02000000000000000000" pitchFamily="2" charset="0"/>
+            </a:endParaRPr>
+          </a:p>
+        </p:txBody>
+      </p:sp>
+      <p:pic>
+        <p:nvPicPr>
+          <p:cNvPr id="3" name="Imagen 2"/>
+          <p:cNvPicPr>
+            <a:picLocks noChangeAspect="1"/>
+          </p:cNvPicPr>
+          <p:nvPr/>
+        </p:nvPicPr>
+        <p:blipFill>
+          <a:blip r:embed="rId2" cstate="print">
+            <a:extLst>
+              <a:ext uri="{28A0092B-C50C-407E-A947-70E740481C1C}">
+                <a14:useLocalDpi xmlns:a14="http://schemas.microsoft.com/office/drawing/2010/main" val="0"/>
+              </a:ext>
+            </a:extLst>
+          </a:blip>
+          <a:stretch>
+            <a:fillRect/>
+          </a:stretch>
+        </p:blipFill>
+        <p:spPr>
+          <a:xfrm>
+            <a:off x="193575" y="767217"/>
+            <a:ext cx="376939" cy="531501"/>
+          </a:xfrm>
+          <a:prstGeom prst="rect">
+            <a:avLst/>
+          </a:prstGeom>
+        </p:spPr>
+      </p:pic>
+      <p:grpSp>
+        <p:nvGrpSpPr>
+          <p:cNvPr id="6" name="Grupo 5"/>
+          <p:cNvGrpSpPr/>
+          <p:nvPr/>
+        </p:nvGrpSpPr>
+        <p:grpSpPr>
+          <a:xfrm>
+            <a:off x="6840747" y="3198168"/>
+            <a:ext cx="4688666" cy="461665"/>
+            <a:chOff x="6150634" y="3217653"/>
+            <a:chExt cx="4688666" cy="461665"/>
+          </a:xfrm>
+        </p:grpSpPr>
+        <p:sp>
+          <p:nvSpPr>
+            <p:cNvPr id="5" name="CuadroTexto 4"/>
+            <p:cNvSpPr txBox="1"/>
+            <p:nvPr/>
+          </p:nvSpPr>
+          <p:spPr>
+            <a:xfrm>
+              <a:off x="6150634" y="3217653"/>
+              <a:ext cx="4459875" cy="461665"/>
+            </a:xfrm>
+            <a:prstGeom prst="rect">
+              <a:avLst/>
+            </a:prstGeom>
+            <a:noFill/>
+          </p:spPr>
+          <p:txBody>
+            <a:bodyPr wrap="none" rtlCol="0">
+              <a:spAutoFit/>
+            </a:bodyPr>
+            <a:lstStyle/>
+            <a:p>
+              <a:r>
+                <a:rPr lang="es-MX" sz="2400" dirty="0" err="1">
+                  <a:solidFill>
+                    <a:schemeClr val="bg1">
+                      <a:lumMod val="50000"/>
+                    </a:schemeClr>
+                  </a:solidFill>
+                  <a:latin typeface="Roboto" panose="02000000000000000000" pitchFamily="2" charset="0"/>
+                  <a:ea typeface="Roboto" panose="02000000000000000000" pitchFamily="2" charset="0"/>
+                </a:rPr>
+                <a:t>g</a:t>
+              </a:r>
+              <a:r>
+                <a:rPr lang="es-MX" sz="2400" dirty="0" err="1" smtClean="0">
+                  <a:solidFill>
+                    <a:schemeClr val="bg1">
+                      <a:lumMod val="50000"/>
+                    </a:schemeClr>
+                  </a:solidFill>
+                  <a:latin typeface="Roboto" panose="02000000000000000000" pitchFamily="2" charset="0"/>
+                  <a:ea typeface="Roboto" panose="02000000000000000000" pitchFamily="2" charset="0"/>
+                </a:rPr>
+                <a:t>it</a:t>
+              </a:r>
+              <a:r>
+                <a:rPr lang="es-MX" sz="2400" dirty="0" smtClean="0">
+                  <a:solidFill>
+                    <a:schemeClr val="bg1">
+                      <a:lumMod val="50000"/>
+                    </a:schemeClr>
+                  </a:solidFill>
+                  <a:latin typeface="Roboto" panose="02000000000000000000" pitchFamily="2" charset="0"/>
+                  <a:ea typeface="Roboto" panose="02000000000000000000" pitchFamily="2" charset="0"/>
+                </a:rPr>
+                <a:t> </a:t>
+              </a:r>
+              <a:r>
+                <a:rPr lang="es-MX" sz="2400" dirty="0" err="1">
+                  <a:solidFill>
+                    <a:schemeClr val="bg1">
+                      <a:lumMod val="50000"/>
+                    </a:schemeClr>
+                  </a:solidFill>
+                  <a:latin typeface="Roboto" panose="02000000000000000000" pitchFamily="2" charset="0"/>
+                  <a:ea typeface="Roboto" panose="02000000000000000000" pitchFamily="2" charset="0"/>
+                </a:rPr>
+                <a:t>checkout</a:t>
+              </a:r>
+              <a:r>
+                <a:rPr lang="es-MX" sz="2400" dirty="0">
+                  <a:solidFill>
+                    <a:schemeClr val="bg1">
+                      <a:lumMod val="50000"/>
+                    </a:schemeClr>
+                  </a:solidFill>
+                  <a:latin typeface="Roboto" panose="02000000000000000000" pitchFamily="2" charset="0"/>
+                  <a:ea typeface="Roboto" panose="02000000000000000000" pitchFamily="2" charset="0"/>
+                </a:rPr>
+                <a:t> –b [nombre rama]</a:t>
+              </a:r>
+              <a:endParaRPr lang="es-MX" sz="2400" dirty="0">
+                <a:solidFill>
+                  <a:schemeClr val="bg1">
+                    <a:lumMod val="50000"/>
+                  </a:schemeClr>
+                </a:solidFill>
+                <a:latin typeface="Roboto" panose="02000000000000000000" pitchFamily="2" charset="0"/>
+                <a:ea typeface="Roboto" panose="02000000000000000000" pitchFamily="2" charset="0"/>
+              </a:endParaRPr>
+            </a:p>
+          </p:txBody>
+        </p:sp>
+        <p:pic>
+          <p:nvPicPr>
+            <p:cNvPr id="1026" name="Picture 2" descr="http://www.newdesignfile.com/postpic/2014/01/8-bit-heart_281672.png"/>
+            <p:cNvPicPr>
+              <a:picLocks noChangeAspect="1" noChangeArrowheads="1"/>
+            </p:cNvPicPr>
+            <p:nvPr/>
+          </p:nvPicPr>
+          <p:blipFill>
+            <a:blip r:embed="rId3" cstate="print">
+              <a:extLst>
+                <a:ext uri="{28A0092B-C50C-407E-A947-70E740481C1C}">
+                  <a14:useLocalDpi xmlns:a14="http://schemas.microsoft.com/office/drawing/2010/main" val="0"/>
+                </a:ext>
+              </a:extLst>
+            </a:blip>
+            <a:srcRect/>
+            <a:stretch>
+              <a:fillRect/>
+            </a:stretch>
+          </p:blipFill>
+          <p:spPr bwMode="auto">
+            <a:xfrm>
+              <a:off x="10610509" y="3334089"/>
+              <a:ext cx="228791" cy="228791"/>
+            </a:xfrm>
+            <a:prstGeom prst="rect">
+              <a:avLst/>
+            </a:prstGeom>
+            <a:noFill/>
+            <a:extLst>
+              <a:ext uri="{909E8E84-426E-40DD-AFC4-6F175D3DCCD1}">
+                <a14:hiddenFill xmlns:a14="http://schemas.microsoft.com/office/drawing/2010/main">
+                  <a:solidFill>
+                    <a:srgbClr val="FFFFFF"/>
+                  </a:solidFill>
+                </a14:hiddenFill>
+              </a:ext>
+            </a:extLst>
+          </p:spPr>
+        </p:pic>
+      </p:grpSp>
+    </p:spTree>
+    <p:extLst>
+      <p:ext uri="{BB962C8B-B14F-4D97-AF65-F5344CB8AC3E}">
+        <p14:creationId xmlns:p14="http://schemas.microsoft.com/office/powerpoint/2010/main" val="1652985192"/>
+      </p:ext>
+    </p:extLst>
+  </p:cSld>
+  <p:clrMapOvr>
+    <a:masterClrMapping/>
+  </p:clrMapOvr>
+  <p:timing>
+    <p:tnLst>
+      <p:par>
+        <p:cTn id="1" dur="indefinite" restart="never" nodeType="tmRoot"/>
+      </p:par>
+    </p:tnLst>
+  </p:timing>
+</p:sld>
+</file>
+
+<file path=ppt/slides/slide21.xml><?xml version="1.0" encoding="utf-8"?>
+<p:sld xmlns:a="http://schemas.openxmlformats.org/drawingml/2006/main" xmlns:r="http://schemas.openxmlformats.org/officeDocument/2006/relationships" xmlns:p="http://schemas.openxmlformats.org/presentationml/2006/main">
+  <p:cSld>
+    <p:spTree>
+      <p:nvGrpSpPr>
+        <p:cNvPr id="1" name=""/>
+        <p:cNvGrpSpPr/>
+        <p:nvPr/>
+      </p:nvGrpSpPr>
+      <p:grpSpPr>
+        <a:xfrm>
+          <a:off x="0" y="0"/>
+          <a:ext cx="0" cy="0"/>
+          <a:chOff x="0" y="0"/>
+          <a:chExt cx="0" cy="0"/>
+        </a:xfrm>
+      </p:grpSpPr>
+      <p:sp>
+        <p:nvSpPr>
+          <p:cNvPr id="4" name="Título 1"/>
+          <p:cNvSpPr txBox="1">
+            <a:spLocks/>
+          </p:cNvSpPr>
+          <p:nvPr/>
+        </p:nvSpPr>
+        <p:spPr>
+          <a:xfrm>
+            <a:off x="838200" y="370187"/>
+            <a:ext cx="8639433" cy="1325563"/>
+          </a:xfrm>
+          <a:prstGeom prst="rect">
+            <a:avLst/>
+          </a:prstGeom>
+        </p:spPr>
+        <p:txBody>
+          <a:bodyPr vert="horz" lIns="91440" tIns="45720" rIns="91440" bIns="45720" rtlCol="0" anchor="ctr">
+            <a:normAutofit/>
+          </a:bodyPr>
+          <a:lstStyle>
+            <a:lvl1pPr algn="l" defTabSz="914400" rtl="0" eaLnBrk="1" latinLnBrk="0" hangingPunct="1">
+              <a:lnSpc>
+                <a:spcPct val="90000"/>
+              </a:lnSpc>
+              <a:spcBef>
+                <a:spcPct val="0"/>
+              </a:spcBef>
+              <a:buNone/>
+              <a:defRPr sz="4400" kern="1200">
+                <a:solidFill>
+                  <a:schemeClr val="tx1"/>
+                </a:solidFill>
+                <a:latin typeface="+mj-lt"/>
+                <a:ea typeface="+mj-ea"/>
+                <a:cs typeface="+mj-cs"/>
+              </a:defRPr>
+            </a:lvl1pPr>
+          </a:lstStyle>
+          <a:p>
+            <a:r>
+              <a:rPr lang="es-MX" sz="5000" dirty="0" smtClean="0">
+                <a:solidFill>
+                  <a:srgbClr val="D50F2E"/>
+                </a:solidFill>
+                <a:latin typeface="Roboto Black" panose="02000000000000000000" pitchFamily="2" charset="0"/>
+                <a:ea typeface="Roboto Black" panose="02000000000000000000" pitchFamily="2" charset="0"/>
+              </a:rPr>
+              <a:t>Flujos de trabajo </a:t>
+            </a:r>
+            <a:r>
+              <a:rPr lang="es-MX" sz="2500" dirty="0" smtClean="0">
+                <a:solidFill>
+                  <a:schemeClr val="bg1">
+                    <a:lumMod val="85000"/>
+                  </a:schemeClr>
+                </a:solidFill>
+                <a:latin typeface="Roboto" panose="02000000000000000000" pitchFamily="2" charset="0"/>
+                <a:ea typeface="Roboto" panose="02000000000000000000" pitchFamily="2" charset="0"/>
+              </a:rPr>
+              <a:t>[</a:t>
+            </a:r>
+            <a:r>
+              <a:rPr lang="es-MX" sz="3000" dirty="0" smtClean="0">
+                <a:solidFill>
+                  <a:schemeClr val="bg1">
+                    <a:lumMod val="85000"/>
+                  </a:schemeClr>
+                </a:solidFill>
+                <a:latin typeface="Roboto" panose="02000000000000000000" pitchFamily="2" charset="0"/>
+                <a:ea typeface="Roboto" panose="02000000000000000000" pitchFamily="2" charset="0"/>
+              </a:rPr>
+              <a:t> </a:t>
+            </a:r>
+            <a:r>
+              <a:rPr lang="es-MX" sz="3000" dirty="0" err="1" smtClean="0">
+                <a:solidFill>
+                  <a:schemeClr val="bg1">
+                    <a:lumMod val="85000"/>
+                  </a:schemeClr>
+                </a:solidFill>
+                <a:latin typeface="Roboto" panose="02000000000000000000" pitchFamily="2" charset="0"/>
+                <a:ea typeface="Roboto" panose="02000000000000000000" pitchFamily="2" charset="0"/>
+              </a:rPr>
+              <a:t>git</a:t>
+            </a:r>
+            <a:r>
+              <a:rPr lang="es-MX" sz="3000" dirty="0" smtClean="0">
+                <a:solidFill>
+                  <a:schemeClr val="bg1">
+                    <a:lumMod val="85000"/>
+                  </a:schemeClr>
+                </a:solidFill>
+                <a:latin typeface="Roboto" panose="02000000000000000000" pitchFamily="2" charset="0"/>
+                <a:ea typeface="Roboto" panose="02000000000000000000" pitchFamily="2" charset="0"/>
+              </a:rPr>
+              <a:t> </a:t>
+            </a:r>
+            <a:r>
+              <a:rPr lang="es-MX" sz="2500" dirty="0" smtClean="0">
+                <a:solidFill>
+                  <a:schemeClr val="bg1">
+                    <a:lumMod val="85000"/>
+                  </a:schemeClr>
+                </a:solidFill>
+                <a:latin typeface="Roboto" panose="02000000000000000000" pitchFamily="2" charset="0"/>
+                <a:ea typeface="Roboto" panose="02000000000000000000" pitchFamily="2" charset="0"/>
+              </a:rPr>
+              <a:t>]</a:t>
+            </a:r>
+            <a:r>
+              <a:rPr lang="es-MX" sz="3000" dirty="0" smtClean="0">
+                <a:solidFill>
+                  <a:schemeClr val="bg1">
+                    <a:lumMod val="85000"/>
+                  </a:schemeClr>
+                </a:solidFill>
+                <a:latin typeface="Roboto" panose="02000000000000000000" pitchFamily="2" charset="0"/>
+                <a:ea typeface="Roboto" panose="02000000000000000000" pitchFamily="2" charset="0"/>
+              </a:rPr>
+              <a:t> </a:t>
+            </a:r>
+            <a:endParaRPr lang="es-MX" sz="3000" dirty="0">
+              <a:solidFill>
+                <a:schemeClr val="bg1">
+                  <a:lumMod val="85000"/>
+                </a:schemeClr>
+              </a:solidFill>
+              <a:latin typeface="Roboto" panose="02000000000000000000" pitchFamily="2" charset="0"/>
+              <a:ea typeface="Roboto" panose="02000000000000000000" pitchFamily="2" charset="0"/>
+            </a:endParaRPr>
+          </a:p>
+        </p:txBody>
+      </p:sp>
+      <p:grpSp>
+        <p:nvGrpSpPr>
+          <p:cNvPr id="16" name="Grupo 15"/>
+          <p:cNvGrpSpPr/>
+          <p:nvPr/>
+        </p:nvGrpSpPr>
+        <p:grpSpPr>
+          <a:xfrm>
+            <a:off x="573974" y="2206098"/>
+            <a:ext cx="4142211" cy="2445804"/>
+            <a:chOff x="573974" y="2147979"/>
+            <a:chExt cx="4142211" cy="2445804"/>
+          </a:xfrm>
+        </p:grpSpPr>
+        <p:grpSp>
+          <p:nvGrpSpPr>
+            <p:cNvPr id="12" name="Grupo 11"/>
+            <p:cNvGrpSpPr/>
+            <p:nvPr/>
+          </p:nvGrpSpPr>
+          <p:grpSpPr>
+            <a:xfrm>
+              <a:off x="573974" y="2147979"/>
+              <a:ext cx="2266697" cy="477054"/>
+              <a:chOff x="573974" y="2147979"/>
+              <a:chExt cx="2266697" cy="477054"/>
+            </a:xfrm>
+          </p:grpSpPr>
+          <p:pic>
+            <p:nvPicPr>
+              <p:cNvPr id="3" name="Imagen 2"/>
+              <p:cNvPicPr>
+                <a:picLocks noChangeAspect="1"/>
+              </p:cNvPicPr>
+              <p:nvPr/>
+            </p:nvPicPr>
+            <p:blipFill>
+              <a:blip r:embed="rId2" cstate="print">
+                <a:extLst>
+                  <a:ext uri="{28A0092B-C50C-407E-A947-70E740481C1C}">
+                    <a14:useLocalDpi xmlns:a14="http://schemas.microsoft.com/office/drawing/2010/main" val="0"/>
+                  </a:ext>
+                </a:extLst>
+              </a:blip>
+              <a:stretch>
+                <a:fillRect/>
+              </a:stretch>
+            </p:blipFill>
+            <p:spPr>
+              <a:xfrm>
+                <a:off x="573974" y="2200221"/>
+                <a:ext cx="264226" cy="372570"/>
+              </a:xfrm>
+              <a:prstGeom prst="rect">
+                <a:avLst/>
+              </a:prstGeom>
+            </p:spPr>
+          </p:pic>
+          <p:sp>
+            <p:nvSpPr>
+              <p:cNvPr id="11" name="CuadroTexto 10"/>
+              <p:cNvSpPr txBox="1"/>
+              <p:nvPr/>
+            </p:nvSpPr>
+            <p:spPr>
+              <a:xfrm>
+                <a:off x="838200" y="2147979"/>
+                <a:ext cx="2002471" cy="477054"/>
+              </a:xfrm>
+              <a:prstGeom prst="rect">
+                <a:avLst/>
+              </a:prstGeom>
+              <a:noFill/>
+            </p:spPr>
+            <p:txBody>
+              <a:bodyPr wrap="none" rtlCol="0">
+                <a:spAutoFit/>
+              </a:bodyPr>
+              <a:lstStyle/>
+              <a:p>
+                <a:r>
+                  <a:rPr lang="es-MX" sz="2500" dirty="0" smtClean="0">
+                    <a:solidFill>
+                      <a:schemeClr val="bg1">
+                        <a:lumMod val="50000"/>
+                      </a:schemeClr>
+                    </a:solidFill>
+                    <a:latin typeface="Roboto Medium" panose="02000000000000000000" pitchFamily="2" charset="0"/>
+                    <a:ea typeface="Roboto Medium" panose="02000000000000000000" pitchFamily="2" charset="0"/>
+                  </a:rPr>
+                  <a:t>Centralizado</a:t>
+                </a:r>
+                <a:endParaRPr lang="es-MX" sz="2500" dirty="0">
+                  <a:solidFill>
+                    <a:schemeClr val="bg1">
+                      <a:lumMod val="50000"/>
+                    </a:schemeClr>
+                  </a:solidFill>
+                  <a:latin typeface="Roboto Medium" panose="02000000000000000000" pitchFamily="2" charset="0"/>
+                  <a:ea typeface="Roboto Medium" panose="02000000000000000000" pitchFamily="2" charset="0"/>
+                </a:endParaRPr>
+              </a:p>
+            </p:txBody>
+          </p:sp>
+        </p:grpSp>
+        <p:grpSp>
+          <p:nvGrpSpPr>
+            <p:cNvPr id="15" name="Grupo 14"/>
+            <p:cNvGrpSpPr/>
+            <p:nvPr/>
+          </p:nvGrpSpPr>
+          <p:grpSpPr>
+            <a:xfrm>
+              <a:off x="573974" y="2804229"/>
+              <a:ext cx="4142211" cy="477054"/>
+              <a:chOff x="573974" y="2804229"/>
+              <a:chExt cx="4142211" cy="477054"/>
+            </a:xfrm>
+          </p:grpSpPr>
+          <p:pic>
+            <p:nvPicPr>
+              <p:cNvPr id="13" name="Imagen 12"/>
+              <p:cNvPicPr>
+                <a:picLocks noChangeAspect="1"/>
+              </p:cNvPicPr>
+              <p:nvPr/>
+            </p:nvPicPr>
+            <p:blipFill>
+              <a:blip r:embed="rId2" cstate="print">
+                <a:extLst>
+                  <a:ext uri="{28A0092B-C50C-407E-A947-70E740481C1C}">
+                    <a14:useLocalDpi xmlns:a14="http://schemas.microsoft.com/office/drawing/2010/main" val="0"/>
+                  </a:ext>
+                </a:extLst>
+              </a:blip>
+              <a:stretch>
+                <a:fillRect/>
+              </a:stretch>
+            </p:blipFill>
+            <p:spPr>
+              <a:xfrm>
+                <a:off x="573974" y="2856471"/>
+                <a:ext cx="264226" cy="372570"/>
+              </a:xfrm>
+              <a:prstGeom prst="rect">
+                <a:avLst/>
+              </a:prstGeom>
+            </p:spPr>
+          </p:pic>
+          <p:sp>
+            <p:nvSpPr>
+              <p:cNvPr id="14" name="CuadroTexto 13"/>
+              <p:cNvSpPr txBox="1"/>
+              <p:nvPr/>
+            </p:nvSpPr>
+            <p:spPr>
+              <a:xfrm>
+                <a:off x="838200" y="2804229"/>
+                <a:ext cx="3877985" cy="477054"/>
+              </a:xfrm>
+              <a:prstGeom prst="rect">
+                <a:avLst/>
+              </a:prstGeom>
+              <a:noFill/>
+            </p:spPr>
+            <p:txBody>
+              <a:bodyPr wrap="none" rtlCol="0">
+                <a:spAutoFit/>
+              </a:bodyPr>
+              <a:lstStyle/>
+              <a:p>
+                <a:r>
+                  <a:rPr lang="es-MX" sz="2500" dirty="0">
+                    <a:solidFill>
+                      <a:schemeClr val="bg1">
+                        <a:lumMod val="50000"/>
+                      </a:schemeClr>
+                    </a:solidFill>
+                    <a:latin typeface="Roboto Medium" panose="02000000000000000000" pitchFamily="2" charset="0"/>
+                    <a:ea typeface="Roboto Medium" panose="02000000000000000000" pitchFamily="2" charset="0"/>
+                  </a:rPr>
+                  <a:t>Rama por característica</a:t>
+                </a:r>
+                <a:r>
+                  <a:rPr lang="es-MX" sz="2500" dirty="0" smtClean="0">
+                    <a:solidFill>
+                      <a:srgbClr val="FF0000"/>
+                    </a:solidFill>
+                    <a:latin typeface="Roboto Medium" panose="02000000000000000000" pitchFamily="2" charset="0"/>
+                    <a:ea typeface="Roboto Medium" panose="02000000000000000000" pitchFamily="2" charset="0"/>
+                  </a:rPr>
+                  <a:t>	</a:t>
+                </a:r>
+                <a:endParaRPr lang="es-MX" sz="2500" dirty="0">
+                  <a:solidFill>
+                    <a:srgbClr val="FF0000"/>
+                  </a:solidFill>
+                  <a:latin typeface="Roboto Medium" panose="02000000000000000000" pitchFamily="2" charset="0"/>
+                  <a:ea typeface="Roboto Medium" panose="02000000000000000000" pitchFamily="2" charset="0"/>
+                </a:endParaRPr>
+              </a:p>
+            </p:txBody>
+          </p:sp>
+        </p:grpSp>
+        <p:grpSp>
+          <p:nvGrpSpPr>
+            <p:cNvPr id="17" name="Grupo 16"/>
+            <p:cNvGrpSpPr/>
+            <p:nvPr/>
+          </p:nvGrpSpPr>
+          <p:grpSpPr>
+            <a:xfrm>
+              <a:off x="573974" y="3460479"/>
+              <a:ext cx="1833886" cy="477054"/>
+              <a:chOff x="573974" y="2804229"/>
+              <a:chExt cx="1833886" cy="477054"/>
+            </a:xfrm>
+          </p:grpSpPr>
+          <p:pic>
+            <p:nvPicPr>
+              <p:cNvPr id="18" name="Imagen 17"/>
+              <p:cNvPicPr>
+                <a:picLocks noChangeAspect="1"/>
+              </p:cNvPicPr>
+              <p:nvPr/>
+            </p:nvPicPr>
+            <p:blipFill>
+              <a:blip r:embed="rId2" cstate="print">
+                <a:extLst>
+                  <a:ext uri="{28A0092B-C50C-407E-A947-70E740481C1C}">
+                    <a14:useLocalDpi xmlns:a14="http://schemas.microsoft.com/office/drawing/2010/main" val="0"/>
+                  </a:ext>
+                </a:extLst>
+              </a:blip>
+              <a:stretch>
+                <a:fillRect/>
+              </a:stretch>
+            </p:blipFill>
+            <p:spPr>
+              <a:xfrm>
+                <a:off x="573974" y="2856471"/>
+                <a:ext cx="264226" cy="372570"/>
+              </a:xfrm>
+              <a:prstGeom prst="rect">
+                <a:avLst/>
+              </a:prstGeom>
+            </p:spPr>
+          </p:pic>
+          <p:sp>
+            <p:nvSpPr>
+              <p:cNvPr id="19" name="CuadroTexto 18"/>
+              <p:cNvSpPr txBox="1"/>
+              <p:nvPr/>
+            </p:nvSpPr>
+            <p:spPr>
+              <a:xfrm>
+                <a:off x="838200" y="2804229"/>
+                <a:ext cx="1569660" cy="477054"/>
+              </a:xfrm>
+              <a:prstGeom prst="rect">
+                <a:avLst/>
+              </a:prstGeom>
+              <a:noFill/>
+            </p:spPr>
+            <p:txBody>
+              <a:bodyPr wrap="none" rtlCol="0">
+                <a:spAutoFit/>
+              </a:bodyPr>
+              <a:lstStyle/>
+              <a:p>
+                <a:r>
+                  <a:rPr lang="es-MX" sz="2500" dirty="0" err="1" smtClean="0">
+                    <a:solidFill>
+                      <a:schemeClr val="bg1">
+                        <a:lumMod val="50000"/>
+                      </a:schemeClr>
+                    </a:solidFill>
+                    <a:latin typeface="Roboto Medium" panose="02000000000000000000" pitchFamily="2" charset="0"/>
+                    <a:ea typeface="Roboto Medium" panose="02000000000000000000" pitchFamily="2" charset="0"/>
+                  </a:rPr>
+                  <a:t>Gitflow</a:t>
+                </a:r>
+                <a:r>
+                  <a:rPr lang="es-MX" sz="2500" dirty="0" smtClean="0">
+                    <a:solidFill>
+                      <a:srgbClr val="FF0000"/>
+                    </a:solidFill>
+                    <a:latin typeface="Roboto Medium" panose="02000000000000000000" pitchFamily="2" charset="0"/>
+                    <a:ea typeface="Roboto Medium" panose="02000000000000000000" pitchFamily="2" charset="0"/>
+                  </a:rPr>
+                  <a:t>	</a:t>
+                </a:r>
+                <a:endParaRPr lang="es-MX" sz="2500" dirty="0">
+                  <a:solidFill>
+                    <a:srgbClr val="FF0000"/>
+                  </a:solidFill>
+                  <a:latin typeface="Roboto Medium" panose="02000000000000000000" pitchFamily="2" charset="0"/>
+                  <a:ea typeface="Roboto Medium" panose="02000000000000000000" pitchFamily="2" charset="0"/>
+                </a:endParaRPr>
+              </a:p>
+            </p:txBody>
+          </p:sp>
+        </p:grpSp>
+        <p:grpSp>
+          <p:nvGrpSpPr>
+            <p:cNvPr id="20" name="Grupo 19"/>
+            <p:cNvGrpSpPr/>
+            <p:nvPr/>
+          </p:nvGrpSpPr>
+          <p:grpSpPr>
+            <a:xfrm>
+              <a:off x="573974" y="4116729"/>
+              <a:ext cx="1833886" cy="477054"/>
+              <a:chOff x="573974" y="2804229"/>
+              <a:chExt cx="1833886" cy="477054"/>
+            </a:xfrm>
+          </p:grpSpPr>
+          <p:pic>
+            <p:nvPicPr>
+              <p:cNvPr id="21" name="Imagen 20"/>
+              <p:cNvPicPr>
+                <a:picLocks noChangeAspect="1"/>
+              </p:cNvPicPr>
+              <p:nvPr/>
+            </p:nvPicPr>
+            <p:blipFill>
+              <a:blip r:embed="rId2" cstate="print">
+                <a:extLst>
+                  <a:ext uri="{28A0092B-C50C-407E-A947-70E740481C1C}">
+                    <a14:useLocalDpi xmlns:a14="http://schemas.microsoft.com/office/drawing/2010/main" val="0"/>
+                  </a:ext>
+                </a:extLst>
+              </a:blip>
+              <a:stretch>
+                <a:fillRect/>
+              </a:stretch>
+            </p:blipFill>
+            <p:spPr>
+              <a:xfrm>
+                <a:off x="573974" y="2856471"/>
+                <a:ext cx="264226" cy="372570"/>
+              </a:xfrm>
+              <a:prstGeom prst="rect">
+                <a:avLst/>
+              </a:prstGeom>
+            </p:spPr>
+          </p:pic>
+          <p:sp>
+            <p:nvSpPr>
+              <p:cNvPr id="22" name="CuadroTexto 21"/>
+              <p:cNvSpPr txBox="1"/>
+              <p:nvPr/>
+            </p:nvSpPr>
+            <p:spPr>
+              <a:xfrm>
+                <a:off x="838200" y="2804229"/>
+                <a:ext cx="1569660" cy="477054"/>
+              </a:xfrm>
+              <a:prstGeom prst="rect">
+                <a:avLst/>
+              </a:prstGeom>
+              <a:noFill/>
+            </p:spPr>
+            <p:txBody>
+              <a:bodyPr wrap="none" rtlCol="0">
+                <a:spAutoFit/>
+              </a:bodyPr>
+              <a:lstStyle/>
+              <a:p>
+                <a:r>
+                  <a:rPr lang="es-MX" sz="2500" dirty="0" err="1" smtClean="0">
+                    <a:solidFill>
+                      <a:schemeClr val="bg1">
+                        <a:lumMod val="50000"/>
+                      </a:schemeClr>
+                    </a:solidFill>
+                    <a:latin typeface="Roboto Medium" panose="02000000000000000000" pitchFamily="2" charset="0"/>
+                    <a:ea typeface="Roboto Medium" panose="02000000000000000000" pitchFamily="2" charset="0"/>
+                  </a:rPr>
+                  <a:t>Forkflow</a:t>
+                </a:r>
+                <a:r>
+                  <a:rPr lang="es-MX" sz="2500" dirty="0" smtClean="0">
+                    <a:solidFill>
+                      <a:srgbClr val="FF0000"/>
+                    </a:solidFill>
+                    <a:latin typeface="Roboto Medium" panose="02000000000000000000" pitchFamily="2" charset="0"/>
+                    <a:ea typeface="Roboto Medium" panose="02000000000000000000" pitchFamily="2" charset="0"/>
+                  </a:rPr>
+                  <a:t>	</a:t>
+                </a:r>
+                <a:endParaRPr lang="es-MX" sz="2500" dirty="0">
+                  <a:solidFill>
+                    <a:srgbClr val="FF0000"/>
+                  </a:solidFill>
+                  <a:latin typeface="Roboto Medium" panose="02000000000000000000" pitchFamily="2" charset="0"/>
+                  <a:ea typeface="Roboto Medium" panose="02000000000000000000" pitchFamily="2" charset="0"/>
+                </a:endParaRPr>
+              </a:p>
+            </p:txBody>
+          </p:sp>
+        </p:grpSp>
+      </p:grpSp>
+    </p:spTree>
+    <p:extLst>
+      <p:ext uri="{BB962C8B-B14F-4D97-AF65-F5344CB8AC3E}">
+        <p14:creationId xmlns:p14="http://schemas.microsoft.com/office/powerpoint/2010/main" val="399132498"/>
+      </p:ext>
+    </p:extLst>
+  </p:cSld>
+  <p:clrMapOvr>
+    <a:masterClrMapping/>
+  </p:clrMapOvr>
+  <p:timing>
+    <p:tnLst>
+      <p:par>
+        <p:cTn id="1" dur="indefinite" restart="never" nodeType="tmRoot"/>
+      </p:par>
+    </p:tnLst>
+  </p:timing>
+</p:sld>
+</file>
+
+<file path=ppt/slides/slide22.xml><?xml version="1.0" encoding="utf-8"?>
+<p:sld xmlns:a="http://schemas.openxmlformats.org/drawingml/2006/main" xmlns:r="http://schemas.openxmlformats.org/officeDocument/2006/relationships" xmlns:p="http://schemas.openxmlformats.org/presentationml/2006/main">
+  <p:cSld>
+    <p:bg>
+      <p:bgPr>
+        <a:solidFill>
+          <a:srgbClr val="7030A0"/>
+        </a:solidFill>
+        <a:effectLst/>
+      </p:bgPr>
+    </p:bg>
+    <p:spTree>
+      <p:nvGrpSpPr>
+        <p:cNvPr id="1" name=""/>
+        <p:cNvGrpSpPr/>
+        <p:nvPr/>
+      </p:nvGrpSpPr>
+      <p:grpSpPr>
+        <a:xfrm>
+          <a:off x="0" y="0"/>
+          <a:ext cx="0" cy="0"/>
+          <a:chOff x="0" y="0"/>
+          <a:chExt cx="0" cy="0"/>
+        </a:xfrm>
+      </p:grpSpPr>
+      <p:sp>
+        <p:nvSpPr>
+          <p:cNvPr id="2" name="Título 1"/>
+          <p:cNvSpPr>
+            <a:spLocks noGrp="1"/>
+          </p:cNvSpPr>
+          <p:nvPr>
+            <p:ph type="title"/>
+          </p:nvPr>
+        </p:nvSpPr>
+        <p:spPr>
+          <a:xfrm>
+            <a:off x="3805236" y="1593850"/>
+            <a:ext cx="4581525" cy="1325563"/>
+          </a:xfrm>
+        </p:spPr>
+        <p:txBody>
+          <a:bodyPr/>
+          <a:lstStyle/>
+          <a:p>
+            <a:r>
+              <a:rPr lang="es-MX" sz="6000" dirty="0" smtClean="0">
+                <a:solidFill>
+                  <a:schemeClr val="bg1">
+                    <a:lumMod val="95000"/>
+                  </a:schemeClr>
+                </a:solidFill>
+                <a:latin typeface="Roboto Black" panose="02000000000000000000" pitchFamily="2" charset="0"/>
+                <a:ea typeface="Roboto Black" panose="02000000000000000000" pitchFamily="2" charset="0"/>
+              </a:rPr>
+              <a:t>Centralizado</a:t>
+            </a:r>
+            <a:endParaRPr lang="es-MX" sz="6000" dirty="0">
+              <a:solidFill>
+                <a:schemeClr val="bg1">
+                  <a:lumMod val="95000"/>
+                </a:schemeClr>
+              </a:solidFill>
+              <a:latin typeface="Roboto Black" panose="02000000000000000000" pitchFamily="2" charset="0"/>
+              <a:ea typeface="Roboto Black" panose="02000000000000000000" pitchFamily="2" charset="0"/>
+            </a:endParaRPr>
+          </a:p>
+        </p:txBody>
+      </p:sp>
+      <p:pic>
+        <p:nvPicPr>
+          <p:cNvPr id="4" name="Imagen 3"/>
+          <p:cNvPicPr>
+            <a:picLocks noChangeAspect="1"/>
+          </p:cNvPicPr>
+          <p:nvPr/>
+        </p:nvPicPr>
+        <p:blipFill>
+          <a:blip r:embed="rId2" cstate="print">
+            <a:extLst>
+              <a:ext uri="{28A0092B-C50C-407E-A947-70E740481C1C}">
+                <a14:useLocalDpi xmlns:a14="http://schemas.microsoft.com/office/drawing/2010/main" val="0"/>
+              </a:ext>
+            </a:extLst>
+          </a:blip>
+          <a:stretch>
+            <a:fillRect/>
+          </a:stretch>
+        </p:blipFill>
+        <p:spPr>
+          <a:xfrm>
+            <a:off x="5097682" y="3152774"/>
+            <a:ext cx="1996633" cy="1762125"/>
+          </a:xfrm>
+          <a:prstGeom prst="rect">
+            <a:avLst/>
+          </a:prstGeom>
+        </p:spPr>
+      </p:pic>
+    </p:spTree>
+    <p:extLst>
+      <p:ext uri="{BB962C8B-B14F-4D97-AF65-F5344CB8AC3E}">
+        <p14:creationId xmlns:p14="http://schemas.microsoft.com/office/powerpoint/2010/main" val="4267404770"/>
+      </p:ext>
+    </p:extLst>
+  </p:cSld>
+  <p:clrMapOvr>
+    <a:masterClrMapping/>
+  </p:clrMapOvr>
+  <p:timing>
+    <p:tnLst>
+      <p:par>
+        <p:cTn id="1" dur="indefinite" restart="never" nodeType="tmRoot"/>
+      </p:par>
+    </p:tnLst>
+  </p:timing>
+</p:sld>
+</file>
+
+<file path=ppt/slides/slide23.xml><?xml version="1.0" encoding="utf-8"?>
+<p:sld xmlns:a="http://schemas.openxmlformats.org/drawingml/2006/main" xmlns:r="http://schemas.openxmlformats.org/officeDocument/2006/relationships" xmlns:p="http://schemas.openxmlformats.org/presentationml/2006/main">
+  <p:cSld>
+    <p:spTree>
+      <p:nvGrpSpPr>
+        <p:cNvPr id="1" name=""/>
+        <p:cNvGrpSpPr/>
+        <p:nvPr/>
+      </p:nvGrpSpPr>
+      <p:grpSpPr>
+        <a:xfrm>
+          <a:off x="0" y="0"/>
+          <a:ext cx="0" cy="0"/>
+          <a:chOff x="0" y="0"/>
+          <a:chExt cx="0" cy="0"/>
+        </a:xfrm>
+      </p:grpSpPr>
+      <p:sp>
+        <p:nvSpPr>
+          <p:cNvPr id="5" name="Título 1"/>
+          <p:cNvSpPr txBox="1">
+            <a:spLocks/>
+          </p:cNvSpPr>
+          <p:nvPr/>
+        </p:nvSpPr>
+        <p:spPr>
+          <a:xfrm>
+            <a:off x="838200" y="370187"/>
+            <a:ext cx="8639433" cy="1325563"/>
+          </a:xfrm>
+          <a:prstGeom prst="rect">
+            <a:avLst/>
+          </a:prstGeom>
+        </p:spPr>
+        <p:txBody>
+          <a:bodyPr vert="horz" lIns="91440" tIns="45720" rIns="91440" bIns="45720" rtlCol="0" anchor="ctr">
+            <a:normAutofit/>
+          </a:bodyPr>
+          <a:lstStyle>
+            <a:lvl1pPr algn="l" defTabSz="914400" rtl="0" eaLnBrk="1" latinLnBrk="0" hangingPunct="1">
+              <a:lnSpc>
+                <a:spcPct val="90000"/>
+              </a:lnSpc>
+              <a:spcBef>
+                <a:spcPct val="0"/>
+              </a:spcBef>
+              <a:buNone/>
+              <a:defRPr sz="4400" kern="1200">
+                <a:solidFill>
+                  <a:schemeClr val="tx1"/>
+                </a:solidFill>
+                <a:latin typeface="+mj-lt"/>
+                <a:ea typeface="+mj-ea"/>
+                <a:cs typeface="+mj-cs"/>
+              </a:defRPr>
+            </a:lvl1pPr>
+          </a:lstStyle>
+          <a:p>
+            <a:r>
+              <a:rPr lang="es-MX" sz="5000" dirty="0" smtClean="0">
+                <a:solidFill>
+                  <a:srgbClr val="7030A0"/>
+                </a:solidFill>
+                <a:latin typeface="Roboto Black" panose="02000000000000000000" pitchFamily="2" charset="0"/>
+                <a:ea typeface="Roboto Black" panose="02000000000000000000" pitchFamily="2" charset="0"/>
+              </a:rPr>
+              <a:t>Flujo centralizado</a:t>
+            </a:r>
+            <a:endParaRPr lang="es-MX" sz="3000" dirty="0">
+              <a:solidFill>
+                <a:srgbClr val="7030A0"/>
+              </a:solidFill>
+              <a:latin typeface="Roboto" panose="02000000000000000000" pitchFamily="2" charset="0"/>
+              <a:ea typeface="Roboto" panose="02000000000000000000" pitchFamily="2" charset="0"/>
+            </a:endParaRPr>
+          </a:p>
+        </p:txBody>
+      </p:sp>
+    </p:spTree>
+    <p:extLst>
+      <p:ext uri="{BB962C8B-B14F-4D97-AF65-F5344CB8AC3E}">
+        <p14:creationId xmlns:p14="http://schemas.microsoft.com/office/powerpoint/2010/main" val="3633037503"/>
+      </p:ext>
+    </p:extLst>
+  </p:cSld>
+  <p:clrMapOvr>
+    <a:masterClrMapping/>
+  </p:clrMapOvr>
+  <p:timing>
+    <p:tnLst>
+      <p:par>
+        <p:cTn id="1" dur="indefinite" restart="never" nodeType="tmRoot"/>
+      </p:par>
+    </p:tnLst>
+  </p:timing>
+</p:sld>
+</file>
+
+<file path=ppt/slides/slide24.xml><?xml version="1.0" encoding="utf-8"?>
+<p:sld xmlns:a="http://schemas.openxmlformats.org/drawingml/2006/main" xmlns:r="http://schemas.openxmlformats.org/officeDocument/2006/relationships" xmlns:p="http://schemas.openxmlformats.org/presentationml/2006/main">
+  <p:cSld>
+    <p:bg>
+      <p:bgPr>
+        <a:solidFill>
+          <a:srgbClr val="0070C0"/>
+        </a:solidFill>
+        <a:effectLst/>
+      </p:bgPr>
+    </p:bg>
+    <p:spTree>
+      <p:nvGrpSpPr>
+        <p:cNvPr id="1" name=""/>
+        <p:cNvGrpSpPr/>
+        <p:nvPr/>
+      </p:nvGrpSpPr>
+      <p:grpSpPr>
+        <a:xfrm>
+          <a:off x="0" y="0"/>
+          <a:ext cx="0" cy="0"/>
+          <a:chOff x="0" y="0"/>
+          <a:chExt cx="0" cy="0"/>
+        </a:xfrm>
+      </p:grpSpPr>
+      <p:sp>
+        <p:nvSpPr>
+          <p:cNvPr id="2" name="Título 1"/>
+          <p:cNvSpPr>
+            <a:spLocks noGrp="1"/>
+          </p:cNvSpPr>
+          <p:nvPr>
+            <p:ph type="title"/>
+          </p:nvPr>
+        </p:nvSpPr>
+        <p:spPr>
+          <a:xfrm>
+            <a:off x="3805238" y="2766219"/>
+            <a:ext cx="4581525" cy="1325563"/>
+          </a:xfrm>
+        </p:spPr>
+        <p:txBody>
+          <a:bodyPr>
+            <a:normAutofit fontScale="90000"/>
+          </a:bodyPr>
+          <a:lstStyle/>
+          <a:p>
+            <a:pPr algn="ctr"/>
+            <a:r>
+              <a:rPr lang="es-MX" sz="6000" dirty="0" smtClean="0">
+                <a:solidFill>
+                  <a:schemeClr val="bg1">
+                    <a:lumMod val="95000"/>
+                  </a:schemeClr>
+                </a:solidFill>
+                <a:latin typeface="Roboto Black" panose="02000000000000000000" pitchFamily="2" charset="0"/>
+                <a:ea typeface="Roboto Black" panose="02000000000000000000" pitchFamily="2" charset="0"/>
+              </a:rPr>
+              <a:t>Rama por característica</a:t>
+            </a:r>
+            <a:endParaRPr lang="es-MX" sz="6000" dirty="0">
+              <a:solidFill>
+                <a:schemeClr val="bg1">
+                  <a:lumMod val="95000"/>
+                </a:schemeClr>
+              </a:solidFill>
+              <a:latin typeface="Roboto Black" panose="02000000000000000000" pitchFamily="2" charset="0"/>
+              <a:ea typeface="Roboto Black" panose="02000000000000000000" pitchFamily="2" charset="0"/>
+            </a:endParaRPr>
+          </a:p>
+        </p:txBody>
+      </p:sp>
+    </p:spTree>
+    <p:extLst>
+      <p:ext uri="{BB962C8B-B14F-4D97-AF65-F5344CB8AC3E}">
+        <p14:creationId xmlns:p14="http://schemas.microsoft.com/office/powerpoint/2010/main" val="1413987108"/>
+      </p:ext>
+    </p:extLst>
+  </p:cSld>
+  <p:clrMapOvr>
+    <a:masterClrMapping/>
+  </p:clrMapOvr>
+  <p:timing>
+    <p:tnLst>
+      <p:par>
+        <p:cTn id="1" dur="indefinite" restart="never" nodeType="tmRoot"/>
+      </p:par>
+    </p:tnLst>
+  </p:timing>
+</p:sld>
+</file>
+
+<file path=ppt/slides/slide25.xml><?xml version="1.0" encoding="utf-8"?>
+<p:sld xmlns:a="http://schemas.openxmlformats.org/drawingml/2006/main" xmlns:r="http://schemas.openxmlformats.org/officeDocument/2006/relationships" xmlns:p="http://schemas.openxmlformats.org/presentationml/2006/main">
+  <p:cSld>
+    <p:spTree>
+      <p:nvGrpSpPr>
+        <p:cNvPr id="1" name=""/>
+        <p:cNvGrpSpPr/>
+        <p:nvPr/>
+      </p:nvGrpSpPr>
+      <p:grpSpPr>
+        <a:xfrm>
+          <a:off x="0" y="0"/>
+          <a:ext cx="0" cy="0"/>
+          <a:chOff x="0" y="0"/>
+          <a:chExt cx="0" cy="0"/>
+        </a:xfrm>
+      </p:grpSpPr>
+      <p:sp>
+        <p:nvSpPr>
+          <p:cNvPr id="5" name="Título 1"/>
+          <p:cNvSpPr txBox="1">
+            <a:spLocks/>
+          </p:cNvSpPr>
+          <p:nvPr/>
+        </p:nvSpPr>
+        <p:spPr>
+          <a:xfrm>
+            <a:off x="838200" y="370187"/>
+            <a:ext cx="8639433" cy="1325563"/>
+          </a:xfrm>
+          <a:prstGeom prst="rect">
+            <a:avLst/>
+          </a:prstGeom>
+        </p:spPr>
+        <p:txBody>
+          <a:bodyPr vert="horz" lIns="91440" tIns="45720" rIns="91440" bIns="45720" rtlCol="0" anchor="ctr">
+            <a:normAutofit/>
+          </a:bodyPr>
+          <a:lstStyle>
+            <a:lvl1pPr algn="l" defTabSz="914400" rtl="0" eaLnBrk="1" latinLnBrk="0" hangingPunct="1">
+              <a:lnSpc>
+                <a:spcPct val="90000"/>
+              </a:lnSpc>
+              <a:spcBef>
+                <a:spcPct val="0"/>
+              </a:spcBef>
+              <a:buNone/>
+              <a:defRPr sz="4400" kern="1200">
+                <a:solidFill>
+                  <a:schemeClr val="tx1"/>
+                </a:solidFill>
+                <a:latin typeface="+mj-lt"/>
+                <a:ea typeface="+mj-ea"/>
+                <a:cs typeface="+mj-cs"/>
+              </a:defRPr>
+            </a:lvl1pPr>
+          </a:lstStyle>
+          <a:p>
+            <a:r>
+              <a:rPr lang="es-MX" sz="5000" dirty="0" smtClean="0">
+                <a:solidFill>
+                  <a:srgbClr val="0070C0"/>
+                </a:solidFill>
+                <a:latin typeface="Roboto Black" panose="02000000000000000000" pitchFamily="2" charset="0"/>
+                <a:ea typeface="Roboto Black" panose="02000000000000000000" pitchFamily="2" charset="0"/>
+              </a:rPr>
+              <a:t>Flujo rama por característica</a:t>
+            </a:r>
+            <a:endParaRPr lang="es-MX" sz="3000" dirty="0">
+              <a:solidFill>
+                <a:srgbClr val="0070C0"/>
+              </a:solidFill>
+              <a:latin typeface="Roboto" panose="02000000000000000000" pitchFamily="2" charset="0"/>
+              <a:ea typeface="Roboto" panose="02000000000000000000" pitchFamily="2" charset="0"/>
+            </a:endParaRPr>
+          </a:p>
+        </p:txBody>
+      </p:sp>
+    </p:spTree>
+    <p:extLst>
+      <p:ext uri="{BB962C8B-B14F-4D97-AF65-F5344CB8AC3E}">
+        <p14:creationId xmlns:p14="http://schemas.microsoft.com/office/powerpoint/2010/main" val="915500910"/>
+      </p:ext>
+    </p:extLst>
+  </p:cSld>
+  <p:clrMapOvr>
+    <a:masterClrMapping/>
+  </p:clrMapOvr>
+  <p:timing>
+    <p:tnLst>
+      <p:par>
+        <p:cTn id="1" dur="indefinite" restart="never" nodeType="tmRoot"/>
+      </p:par>
+    </p:tnLst>
+  </p:timing>
+</p:sld>
+</file>
+
+<file path=ppt/slides/slide26.xml><?xml version="1.0" encoding="utf-8"?>
+<p:sld xmlns:a="http://schemas.openxmlformats.org/drawingml/2006/main" xmlns:r="http://schemas.openxmlformats.org/officeDocument/2006/relationships" xmlns:p="http://schemas.openxmlformats.org/presentationml/2006/main">
+  <p:cSld>
+    <p:bg>
+      <p:bgPr>
+        <a:solidFill>
+          <a:schemeClr val="accent2">
+            <a:lumMod val="75000"/>
+          </a:schemeClr>
+        </a:solidFill>
+        <a:effectLst/>
+      </p:bgPr>
+    </p:bg>
+    <p:spTree>
+      <p:nvGrpSpPr>
+        <p:cNvPr id="1" name=""/>
+        <p:cNvGrpSpPr/>
+        <p:nvPr/>
+      </p:nvGrpSpPr>
+      <p:grpSpPr>
+        <a:xfrm>
+          <a:off x="0" y="0"/>
+          <a:ext cx="0" cy="0"/>
+          <a:chOff x="0" y="0"/>
+          <a:chExt cx="0" cy="0"/>
+        </a:xfrm>
+      </p:grpSpPr>
+      <p:sp>
+        <p:nvSpPr>
+          <p:cNvPr id="2" name="Título 1"/>
+          <p:cNvSpPr>
+            <a:spLocks noGrp="1"/>
+          </p:cNvSpPr>
+          <p:nvPr>
+            <p:ph type="title"/>
+          </p:nvPr>
+        </p:nvSpPr>
+        <p:spPr>
+          <a:xfrm>
+            <a:off x="3805238" y="2766219"/>
+            <a:ext cx="4581525" cy="1325563"/>
+          </a:xfrm>
+        </p:spPr>
+        <p:txBody>
+          <a:bodyPr>
+            <a:normAutofit/>
+          </a:bodyPr>
+          <a:lstStyle/>
+          <a:p>
+            <a:pPr algn="ctr"/>
+            <a:r>
+              <a:rPr lang="es-MX" sz="6000" dirty="0" err="1" smtClean="0">
+                <a:solidFill>
+                  <a:schemeClr val="bg1">
+                    <a:lumMod val="95000"/>
+                  </a:schemeClr>
+                </a:solidFill>
+                <a:latin typeface="Roboto Black" panose="02000000000000000000" pitchFamily="2" charset="0"/>
+                <a:ea typeface="Roboto Black" panose="02000000000000000000" pitchFamily="2" charset="0"/>
+              </a:rPr>
+              <a:t>Gitflow</a:t>
+            </a:r>
+            <a:endParaRPr lang="es-MX" sz="6000" dirty="0">
+              <a:solidFill>
+                <a:schemeClr val="bg1">
+                  <a:lumMod val="95000"/>
+                </a:schemeClr>
+              </a:solidFill>
+              <a:latin typeface="Roboto Black" panose="02000000000000000000" pitchFamily="2" charset="0"/>
+              <a:ea typeface="Roboto Black" panose="02000000000000000000" pitchFamily="2" charset="0"/>
+            </a:endParaRPr>
+          </a:p>
+        </p:txBody>
+      </p:sp>
+    </p:spTree>
+    <p:extLst>
+      <p:ext uri="{BB962C8B-B14F-4D97-AF65-F5344CB8AC3E}">
+        <p14:creationId xmlns:p14="http://schemas.microsoft.com/office/powerpoint/2010/main" val="72157810"/>
+      </p:ext>
+    </p:extLst>
+  </p:cSld>
+  <p:clrMapOvr>
+    <a:masterClrMapping/>
+  </p:clrMapOvr>
+  <p:timing>
+    <p:tnLst>
+      <p:par>
+        <p:cTn id="1" dur="indefinite" restart="never" nodeType="tmRoot"/>
+      </p:par>
+    </p:tnLst>
+  </p:timing>
+</p:sld>
+</file>
+
+<file path=ppt/slides/slide27.xml><?xml version="1.0" encoding="utf-8"?>
+<p:sld xmlns:a="http://schemas.openxmlformats.org/drawingml/2006/main" xmlns:r="http://schemas.openxmlformats.org/officeDocument/2006/relationships" xmlns:p="http://schemas.openxmlformats.org/presentationml/2006/main">
+  <p:cSld>
+    <p:spTree>
+      <p:nvGrpSpPr>
+        <p:cNvPr id="1" name=""/>
+        <p:cNvGrpSpPr/>
+        <p:nvPr/>
+      </p:nvGrpSpPr>
+      <p:grpSpPr>
+        <a:xfrm>
+          <a:off x="0" y="0"/>
+          <a:ext cx="0" cy="0"/>
+          <a:chOff x="0" y="0"/>
+          <a:chExt cx="0" cy="0"/>
+        </a:xfrm>
+      </p:grpSpPr>
+      <p:sp>
+        <p:nvSpPr>
+          <p:cNvPr id="5" name="Título 1"/>
+          <p:cNvSpPr txBox="1">
+            <a:spLocks/>
+          </p:cNvSpPr>
+          <p:nvPr/>
+        </p:nvSpPr>
+        <p:spPr>
+          <a:xfrm>
+            <a:off x="838200" y="370187"/>
+            <a:ext cx="8639433" cy="1325563"/>
+          </a:xfrm>
+          <a:prstGeom prst="rect">
+            <a:avLst/>
+          </a:prstGeom>
+        </p:spPr>
+        <p:txBody>
+          <a:bodyPr vert="horz" lIns="91440" tIns="45720" rIns="91440" bIns="45720" rtlCol="0" anchor="ctr">
+            <a:normAutofit/>
+          </a:bodyPr>
+          <a:lstStyle>
+            <a:lvl1pPr algn="l" defTabSz="914400" rtl="0" eaLnBrk="1" latinLnBrk="0" hangingPunct="1">
+              <a:lnSpc>
+                <a:spcPct val="90000"/>
+              </a:lnSpc>
+              <a:spcBef>
+                <a:spcPct val="0"/>
+              </a:spcBef>
+              <a:buNone/>
+              <a:defRPr sz="4400" kern="1200">
+                <a:solidFill>
+                  <a:schemeClr val="tx1"/>
+                </a:solidFill>
+                <a:latin typeface="+mj-lt"/>
+                <a:ea typeface="+mj-ea"/>
+                <a:cs typeface="+mj-cs"/>
+              </a:defRPr>
+            </a:lvl1pPr>
+          </a:lstStyle>
+          <a:p>
+            <a:r>
+              <a:rPr lang="es-MX" sz="5000" dirty="0" smtClean="0">
+                <a:solidFill>
+                  <a:schemeClr val="accent2">
+                    <a:lumMod val="75000"/>
+                  </a:schemeClr>
+                </a:solidFill>
+                <a:latin typeface="Roboto Black" panose="02000000000000000000" pitchFamily="2" charset="0"/>
+                <a:ea typeface="Roboto Black" panose="02000000000000000000" pitchFamily="2" charset="0"/>
+              </a:rPr>
+              <a:t>Flujo </a:t>
+            </a:r>
+            <a:r>
+              <a:rPr lang="es-MX" sz="5000" dirty="0" err="1" smtClean="0">
+                <a:solidFill>
+                  <a:schemeClr val="accent2">
+                    <a:lumMod val="75000"/>
+                  </a:schemeClr>
+                </a:solidFill>
+                <a:latin typeface="Roboto Black" panose="02000000000000000000" pitchFamily="2" charset="0"/>
+                <a:ea typeface="Roboto Black" panose="02000000000000000000" pitchFamily="2" charset="0"/>
+              </a:rPr>
+              <a:t>Gitflow</a:t>
+            </a:r>
+            <a:endParaRPr lang="es-MX" sz="3000" dirty="0">
+              <a:solidFill>
+                <a:schemeClr val="accent2">
+                  <a:lumMod val="75000"/>
+                </a:schemeClr>
+              </a:solidFill>
+              <a:latin typeface="Roboto" panose="02000000000000000000" pitchFamily="2" charset="0"/>
+              <a:ea typeface="Roboto" panose="02000000000000000000" pitchFamily="2" charset="0"/>
+            </a:endParaRPr>
+          </a:p>
+        </p:txBody>
+      </p:sp>
+    </p:spTree>
+    <p:extLst>
+      <p:ext uri="{BB962C8B-B14F-4D97-AF65-F5344CB8AC3E}">
+        <p14:creationId xmlns:p14="http://schemas.microsoft.com/office/powerpoint/2010/main" val="3383270948"/>
+      </p:ext>
+    </p:extLst>
+  </p:cSld>
+  <p:clrMapOvr>
+    <a:masterClrMapping/>
+  </p:clrMapOvr>
+  <p:timing>
+    <p:tnLst>
+      <p:par>
+        <p:cTn id="1" dur="indefinite" restart="never" nodeType="tmRoot"/>
+      </p:par>
+    </p:tnLst>
+  </p:timing>
+</p:sld>
+</file>
+
+<file path=ppt/slides/slide28.xml><?xml version="1.0" encoding="utf-8"?>
+<p:sld xmlns:a="http://schemas.openxmlformats.org/drawingml/2006/main" xmlns:r="http://schemas.openxmlformats.org/officeDocument/2006/relationships" xmlns:p="http://schemas.openxmlformats.org/presentationml/2006/main">
+  <p:cSld>
+    <p:bg>
+      <p:bgPr>
+        <a:solidFill>
+          <a:srgbClr val="7F8C8C"/>
+        </a:solidFill>
+        <a:effectLst/>
+      </p:bgPr>
+    </p:bg>
+    <p:spTree>
+      <p:nvGrpSpPr>
+        <p:cNvPr id="1" name=""/>
+        <p:cNvGrpSpPr/>
+        <p:nvPr/>
+      </p:nvGrpSpPr>
+      <p:grpSpPr>
+        <a:xfrm>
+          <a:off x="0" y="0"/>
+          <a:ext cx="0" cy="0"/>
+          <a:chOff x="0" y="0"/>
+          <a:chExt cx="0" cy="0"/>
+        </a:xfrm>
+      </p:grpSpPr>
+      <p:sp>
+        <p:nvSpPr>
+          <p:cNvPr id="2" name="Título 1"/>
+          <p:cNvSpPr>
+            <a:spLocks noGrp="1"/>
+          </p:cNvSpPr>
+          <p:nvPr>
+            <p:ph type="title"/>
+          </p:nvPr>
+        </p:nvSpPr>
+        <p:spPr>
+          <a:xfrm>
+            <a:off x="3805238" y="2556669"/>
+            <a:ext cx="4581525" cy="1325563"/>
+          </a:xfrm>
+        </p:spPr>
+        <p:txBody>
+          <a:bodyPr>
+            <a:normAutofit/>
+          </a:bodyPr>
+          <a:lstStyle/>
+          <a:p>
+            <a:pPr algn="ctr"/>
+            <a:r>
+              <a:rPr lang="es-MX" sz="6000" dirty="0" err="1" smtClean="0">
+                <a:solidFill>
+                  <a:schemeClr val="bg1">
+                    <a:lumMod val="95000"/>
+                  </a:schemeClr>
+                </a:solidFill>
+                <a:latin typeface="Roboto Black" panose="02000000000000000000" pitchFamily="2" charset="0"/>
+                <a:ea typeface="Roboto Black" panose="02000000000000000000" pitchFamily="2" charset="0"/>
+              </a:rPr>
+              <a:t>Forkflow</a:t>
+            </a:r>
+            <a:endParaRPr lang="es-MX" sz="6000" dirty="0">
+              <a:solidFill>
+                <a:schemeClr val="bg1">
+                  <a:lumMod val="95000"/>
+                </a:schemeClr>
+              </a:solidFill>
+              <a:latin typeface="Roboto Black" panose="02000000000000000000" pitchFamily="2" charset="0"/>
+              <a:ea typeface="Roboto Black" panose="02000000000000000000" pitchFamily="2" charset="0"/>
+            </a:endParaRPr>
+          </a:p>
+        </p:txBody>
+      </p:sp>
+      <p:pic>
+        <p:nvPicPr>
+          <p:cNvPr id="3" name="Imagen 2"/>
+          <p:cNvPicPr>
+            <a:picLocks noChangeAspect="1"/>
+          </p:cNvPicPr>
+          <p:nvPr/>
+        </p:nvPicPr>
+        <p:blipFill>
+          <a:blip r:embed="rId2" cstate="print">
+            <a:extLst>
+              <a:ext uri="{28A0092B-C50C-407E-A947-70E740481C1C}">
+                <a14:useLocalDpi xmlns:a14="http://schemas.microsoft.com/office/drawing/2010/main" val="0"/>
+              </a:ext>
+            </a:extLst>
+          </a:blip>
+          <a:stretch>
+            <a:fillRect/>
+          </a:stretch>
+        </p:blipFill>
+        <p:spPr>
+          <a:xfrm>
+            <a:off x="5883401" y="3882232"/>
+            <a:ext cx="425197" cy="1373127"/>
+          </a:xfrm>
+          <a:prstGeom prst="rect">
+            <a:avLst/>
+          </a:prstGeom>
+        </p:spPr>
+      </p:pic>
+    </p:spTree>
+    <p:extLst>
+      <p:ext uri="{BB962C8B-B14F-4D97-AF65-F5344CB8AC3E}">
+        <p14:creationId xmlns:p14="http://schemas.microsoft.com/office/powerpoint/2010/main" val="3449553744"/>
+      </p:ext>
+    </p:extLst>
+  </p:cSld>
+  <p:clrMapOvr>
+    <a:masterClrMapping/>
+  </p:clrMapOvr>
+  <p:timing>
+    <p:tnLst>
+      <p:par>
+        <p:cTn id="1" dur="indefinite" restart="never" nodeType="tmRoot"/>
+      </p:par>
+    </p:tnLst>
+  </p:timing>
+</p:sld>
+</file>
+
+<file path=ppt/slides/slide29.xml><?xml version="1.0" encoding="utf-8"?>
+<p:sld xmlns:a="http://schemas.openxmlformats.org/drawingml/2006/main" xmlns:r="http://schemas.openxmlformats.org/officeDocument/2006/relationships" xmlns:p="http://schemas.openxmlformats.org/presentationml/2006/main">
+  <p:cSld>
+    <p:spTree>
+      <p:nvGrpSpPr>
+        <p:cNvPr id="1" name=""/>
+        <p:cNvGrpSpPr/>
+        <p:nvPr/>
+      </p:nvGrpSpPr>
+      <p:grpSpPr>
+        <a:xfrm>
+          <a:off x="0" y="0"/>
+          <a:ext cx="0" cy="0"/>
+          <a:chOff x="0" y="0"/>
+          <a:chExt cx="0" cy="0"/>
+        </a:xfrm>
+      </p:grpSpPr>
+      <p:sp>
+        <p:nvSpPr>
+          <p:cNvPr id="5" name="Título 1"/>
+          <p:cNvSpPr txBox="1">
+            <a:spLocks/>
+          </p:cNvSpPr>
+          <p:nvPr/>
+        </p:nvSpPr>
+        <p:spPr>
+          <a:xfrm>
+            <a:off x="838200" y="370187"/>
+            <a:ext cx="8639433" cy="1325563"/>
+          </a:xfrm>
+          <a:prstGeom prst="rect">
+            <a:avLst/>
+          </a:prstGeom>
+        </p:spPr>
+        <p:txBody>
+          <a:bodyPr vert="horz" lIns="91440" tIns="45720" rIns="91440" bIns="45720" rtlCol="0" anchor="ctr">
+            <a:normAutofit/>
+          </a:bodyPr>
+          <a:lstStyle>
+            <a:lvl1pPr algn="l" defTabSz="914400" rtl="0" eaLnBrk="1" latinLnBrk="0" hangingPunct="1">
+              <a:lnSpc>
+                <a:spcPct val="90000"/>
+              </a:lnSpc>
+              <a:spcBef>
+                <a:spcPct val="0"/>
+              </a:spcBef>
+              <a:buNone/>
+              <a:defRPr sz="4400" kern="1200">
+                <a:solidFill>
+                  <a:schemeClr val="tx1"/>
+                </a:solidFill>
+                <a:latin typeface="+mj-lt"/>
+                <a:ea typeface="+mj-ea"/>
+                <a:cs typeface="+mj-cs"/>
+              </a:defRPr>
+            </a:lvl1pPr>
+          </a:lstStyle>
+          <a:p>
+            <a:r>
+              <a:rPr lang="es-MX" sz="5000" dirty="0" smtClean="0">
+                <a:solidFill>
+                  <a:schemeClr val="bg1">
+                    <a:lumMod val="50000"/>
+                  </a:schemeClr>
+                </a:solidFill>
+                <a:latin typeface="Roboto Black" panose="02000000000000000000" pitchFamily="2" charset="0"/>
+                <a:ea typeface="Roboto Black" panose="02000000000000000000" pitchFamily="2" charset="0"/>
+              </a:rPr>
+              <a:t>Flujo </a:t>
+            </a:r>
+            <a:r>
+              <a:rPr lang="es-MX" sz="5000" dirty="0" err="1" smtClean="0">
+                <a:solidFill>
+                  <a:schemeClr val="bg1">
+                    <a:lumMod val="50000"/>
+                  </a:schemeClr>
+                </a:solidFill>
+                <a:latin typeface="Roboto Black" panose="02000000000000000000" pitchFamily="2" charset="0"/>
+                <a:ea typeface="Roboto Black" panose="02000000000000000000" pitchFamily="2" charset="0"/>
+              </a:rPr>
+              <a:t>Forkflow</a:t>
+            </a:r>
+            <a:endParaRPr lang="es-MX" sz="3000" dirty="0">
+              <a:solidFill>
+                <a:schemeClr val="bg1">
+                  <a:lumMod val="50000"/>
+                </a:schemeClr>
+              </a:solidFill>
+              <a:latin typeface="Roboto" panose="02000000000000000000" pitchFamily="2" charset="0"/>
+              <a:ea typeface="Roboto" panose="02000000000000000000" pitchFamily="2" charset="0"/>
+            </a:endParaRPr>
+          </a:p>
+        </p:txBody>
+      </p:sp>
+    </p:spTree>
+    <p:extLst>
+      <p:ext uri="{BB962C8B-B14F-4D97-AF65-F5344CB8AC3E}">
+        <p14:creationId xmlns:p14="http://schemas.microsoft.com/office/powerpoint/2010/main" val="4091193814"/>
       </p:ext>
     </p:extLst>
   </p:cSld>
@@ -6151,6 +11276,220 @@
     <p:extLst>
       <p:ext uri="{BB962C8B-B14F-4D97-AF65-F5344CB8AC3E}">
         <p14:creationId xmlns:p14="http://schemas.microsoft.com/office/powerpoint/2010/main" val="2121535208"/>
+      </p:ext>
+    </p:extLst>
+  </p:cSld>
+  <p:clrMapOvr>
+    <a:masterClrMapping/>
+  </p:clrMapOvr>
+  <p:timing>
+    <p:tnLst>
+      <p:par>
+        <p:cTn id="1" dur="indefinite" restart="never" nodeType="tmRoot"/>
+      </p:par>
+    </p:tnLst>
+  </p:timing>
+</p:sld>
+</file>
+
+<file path=ppt/slides/slide30.xml><?xml version="1.0" encoding="utf-8"?>
+<p:sld xmlns:a="http://schemas.openxmlformats.org/drawingml/2006/main" xmlns:r="http://schemas.openxmlformats.org/officeDocument/2006/relationships" xmlns:p="http://schemas.openxmlformats.org/presentationml/2006/main">
+  <p:cSld>
+    <p:bg>
+      <p:bgPr>
+        <a:solidFill>
+          <a:schemeClr val="accent4">
+            <a:lumMod val="75000"/>
+          </a:schemeClr>
+        </a:solidFill>
+        <a:effectLst/>
+      </p:bgPr>
+    </p:bg>
+    <p:spTree>
+      <p:nvGrpSpPr>
+        <p:cNvPr id="1" name=""/>
+        <p:cNvGrpSpPr/>
+        <p:nvPr/>
+      </p:nvGrpSpPr>
+      <p:grpSpPr>
+        <a:xfrm>
+          <a:off x="0" y="0"/>
+          <a:ext cx="0" cy="0"/>
+          <a:chOff x="0" y="0"/>
+          <a:chExt cx="0" cy="0"/>
+        </a:xfrm>
+      </p:grpSpPr>
+      <p:sp>
+        <p:nvSpPr>
+          <p:cNvPr id="2" name="Título 1"/>
+          <p:cNvSpPr>
+            <a:spLocks noGrp="1"/>
+          </p:cNvSpPr>
+          <p:nvPr>
+            <p:ph type="title"/>
+          </p:nvPr>
+        </p:nvSpPr>
+        <p:spPr>
+          <a:xfrm>
+            <a:off x="3738563" y="1556544"/>
+            <a:ext cx="4581525" cy="1325563"/>
+          </a:xfrm>
+        </p:spPr>
+        <p:txBody>
+          <a:bodyPr>
+            <a:normAutofit/>
+          </a:bodyPr>
+          <a:lstStyle/>
+          <a:p>
+            <a:pPr algn="ctr"/>
+            <a:r>
+              <a:rPr lang="es-MX" sz="6000" dirty="0" smtClean="0">
+                <a:solidFill>
+                  <a:schemeClr val="bg1">
+                    <a:lumMod val="95000"/>
+                  </a:schemeClr>
+                </a:solidFill>
+                <a:latin typeface="Roboto Black" panose="02000000000000000000" pitchFamily="2" charset="0"/>
+                <a:ea typeface="Roboto Black" panose="02000000000000000000" pitchFamily="2" charset="0"/>
+              </a:rPr>
+              <a:t>Mío</a:t>
+            </a:r>
+            <a:endParaRPr lang="es-MX" sz="6000" dirty="0">
+              <a:solidFill>
+                <a:schemeClr val="bg1">
+                  <a:lumMod val="95000"/>
+                </a:schemeClr>
+              </a:solidFill>
+              <a:latin typeface="Roboto Black" panose="02000000000000000000" pitchFamily="2" charset="0"/>
+              <a:ea typeface="Roboto Black" panose="02000000000000000000" pitchFamily="2" charset="0"/>
+            </a:endParaRPr>
+          </a:p>
+        </p:txBody>
+      </p:sp>
+      <p:pic>
+        <p:nvPicPr>
+          <p:cNvPr id="4" name="Imagen 3"/>
+          <p:cNvPicPr>
+            <a:picLocks noChangeAspect="1"/>
+          </p:cNvPicPr>
+          <p:nvPr/>
+        </p:nvPicPr>
+        <p:blipFill>
+          <a:blip r:embed="rId2">
+            <a:extLst>
+              <a:ext uri="{28A0092B-C50C-407E-A947-70E740481C1C}">
+                <a14:useLocalDpi xmlns:a14="http://schemas.microsoft.com/office/drawing/2010/main" val="0"/>
+              </a:ext>
+            </a:extLst>
+          </a:blip>
+          <a:stretch>
+            <a:fillRect/>
+          </a:stretch>
+        </p:blipFill>
+        <p:spPr>
+          <a:xfrm>
+            <a:off x="4171950" y="2633662"/>
+            <a:ext cx="3714750" cy="2790825"/>
+          </a:xfrm>
+          <a:prstGeom prst="rect">
+            <a:avLst/>
+          </a:prstGeom>
+        </p:spPr>
+      </p:pic>
+    </p:spTree>
+    <p:extLst>
+      <p:ext uri="{BB962C8B-B14F-4D97-AF65-F5344CB8AC3E}">
+        <p14:creationId xmlns:p14="http://schemas.microsoft.com/office/powerpoint/2010/main" val="2845997134"/>
+      </p:ext>
+    </p:extLst>
+  </p:cSld>
+  <p:clrMapOvr>
+    <a:masterClrMapping/>
+  </p:clrMapOvr>
+  <p:timing>
+    <p:tnLst>
+      <p:par>
+        <p:cTn id="1" dur="indefinite" restart="never" nodeType="tmRoot"/>
+      </p:par>
+    </p:tnLst>
+  </p:timing>
+</p:sld>
+</file>
+
+<file path=ppt/slides/slide31.xml><?xml version="1.0" encoding="utf-8"?>
+<p:sld xmlns:a="http://schemas.openxmlformats.org/drawingml/2006/main" xmlns:r="http://schemas.openxmlformats.org/officeDocument/2006/relationships" xmlns:p="http://schemas.openxmlformats.org/presentationml/2006/main">
+  <p:cSld>
+    <p:spTree>
+      <p:nvGrpSpPr>
+        <p:cNvPr id="1" name=""/>
+        <p:cNvGrpSpPr/>
+        <p:nvPr/>
+      </p:nvGrpSpPr>
+      <p:grpSpPr>
+        <a:xfrm>
+          <a:off x="0" y="0"/>
+          <a:ext cx="0" cy="0"/>
+          <a:chOff x="0" y="0"/>
+          <a:chExt cx="0" cy="0"/>
+        </a:xfrm>
+      </p:grpSpPr>
+      <p:sp>
+        <p:nvSpPr>
+          <p:cNvPr id="5" name="Título 1"/>
+          <p:cNvSpPr txBox="1">
+            <a:spLocks/>
+          </p:cNvSpPr>
+          <p:nvPr/>
+        </p:nvSpPr>
+        <p:spPr>
+          <a:xfrm>
+            <a:off x="838200" y="370187"/>
+            <a:ext cx="8639433" cy="1325563"/>
+          </a:xfrm>
+          <a:prstGeom prst="rect">
+            <a:avLst/>
+          </a:prstGeom>
+        </p:spPr>
+        <p:txBody>
+          <a:bodyPr vert="horz" lIns="91440" tIns="45720" rIns="91440" bIns="45720" rtlCol="0" anchor="ctr">
+            <a:normAutofit/>
+          </a:bodyPr>
+          <a:lstStyle>
+            <a:lvl1pPr algn="l" defTabSz="914400" rtl="0" eaLnBrk="1" latinLnBrk="0" hangingPunct="1">
+              <a:lnSpc>
+                <a:spcPct val="90000"/>
+              </a:lnSpc>
+              <a:spcBef>
+                <a:spcPct val="0"/>
+              </a:spcBef>
+              <a:buNone/>
+              <a:defRPr sz="4400" kern="1200">
+                <a:solidFill>
+                  <a:schemeClr val="tx1"/>
+                </a:solidFill>
+                <a:latin typeface="+mj-lt"/>
+                <a:ea typeface="+mj-ea"/>
+                <a:cs typeface="+mj-cs"/>
+              </a:defRPr>
+            </a:lvl1pPr>
+          </a:lstStyle>
+          <a:p>
+            <a:endParaRPr lang="es-MX" sz="3000" dirty="0">
+              <a:solidFill>
+                <a:schemeClr val="bg1">
+                  <a:lumMod val="50000"/>
+                </a:schemeClr>
+              </a:solidFill>
+              <a:latin typeface="Roboto" panose="02000000000000000000" pitchFamily="2" charset="0"/>
+              <a:ea typeface="Roboto" panose="02000000000000000000" pitchFamily="2" charset="0"/>
+            </a:endParaRPr>
+          </a:p>
+        </p:txBody>
+      </p:sp>
+    </p:spTree>
+    <p:extLst>
+      <p:ext uri="{BB962C8B-B14F-4D97-AF65-F5344CB8AC3E}">
+        <p14:creationId xmlns:p14="http://schemas.microsoft.com/office/powerpoint/2010/main" val="692982003"/>
       </p:ext>
     </p:extLst>
   </p:cSld>
@@ -7523,15 +12862,6 @@
               </a:rPr>
               <a:t>Checar claves</a:t>
             </a:r>
-            <a:endParaRPr lang="es-MX" sz="2200" dirty="0" smtClean="0">
-              <a:solidFill>
-                <a:schemeClr val="bg1">
-                  <a:lumMod val="75000"/>
-                </a:schemeClr>
-              </a:solidFill>
-              <a:latin typeface="Roboto" panose="02000000000000000000" pitchFamily="2" charset="0"/>
-              <a:ea typeface="Roboto" panose="02000000000000000000" pitchFamily="2" charset="0"/>
-            </a:endParaRPr>
           </a:p>
           <a:p>
             <a:pPr marL="0" indent="0">
@@ -7896,15 +13226,6 @@
               </a:rPr>
               <a:t>Comando para generar clave SSH</a:t>
             </a:r>
-            <a:endParaRPr lang="es-MX" sz="2200" dirty="0" smtClean="0">
-              <a:solidFill>
-                <a:schemeClr val="bg1">
-                  <a:lumMod val="75000"/>
-                </a:schemeClr>
-              </a:solidFill>
-              <a:latin typeface="Roboto" panose="02000000000000000000" pitchFamily="2" charset="0"/>
-              <a:ea typeface="Roboto" panose="02000000000000000000" pitchFamily="2" charset="0"/>
-            </a:endParaRPr>
           </a:p>
           <a:p>
             <a:pPr marL="0" indent="0">
@@ -7920,7 +13241,19 @@
                 <a:latin typeface="Roboto" panose="02000000000000000000" pitchFamily="2" charset="0"/>
                 <a:ea typeface="Roboto" panose="02000000000000000000" pitchFamily="2" charset="0"/>
               </a:rPr>
-              <a:t>s</a:t>
+              <a:t>ssh-keygen</a:t>
+            </a:r>
+            <a:r>
+              <a:rPr lang="es-MX" sz="2400" dirty="0" smtClean="0">
+                <a:solidFill>
+                  <a:schemeClr val="bg1">
+                    <a:lumMod val="50000"/>
+                  </a:schemeClr>
+                </a:solidFill>
+                <a:latin typeface="Roboto" panose="02000000000000000000" pitchFamily="2" charset="0"/>
+                <a:ea typeface="Roboto" panose="02000000000000000000" pitchFamily="2" charset="0"/>
+              </a:rPr>
+              <a:t> –t </a:t>
             </a:r>
             <a:r>
               <a:rPr lang="es-MX" sz="2400" dirty="0" err="1" smtClean="0">
@@ -7932,7 +13265,7 @@
                 <a:latin typeface="Roboto" panose="02000000000000000000" pitchFamily="2" charset="0"/>
                 <a:ea typeface="Roboto" panose="02000000000000000000" pitchFamily="2" charset="0"/>
               </a:rPr>
-              <a:t>sh-keygen</a:t>
+              <a:t>rsa</a:t>
             </a:r>
             <a:r>
               <a:rPr lang="es-MX" sz="2400" dirty="0" smtClean="0">
@@ -7944,55 +13277,7 @@
                 <a:latin typeface="Roboto" panose="02000000000000000000" pitchFamily="2" charset="0"/>
                 <a:ea typeface="Roboto" panose="02000000000000000000" pitchFamily="2" charset="0"/>
               </a:rPr>
-              <a:t> –t </a:t>
-            </a:r>
-            <a:r>
-              <a:rPr lang="es-MX" sz="2400" dirty="0" err="1" smtClean="0">
-                <a:solidFill>
-                  <a:schemeClr val="bg1">
-                    <a:lumMod val="50000"/>
-                  </a:schemeClr>
-                </a:solidFill>
-                <a:latin typeface="Roboto" panose="02000000000000000000" pitchFamily="2" charset="0"/>
-                <a:ea typeface="Roboto" panose="02000000000000000000" pitchFamily="2" charset="0"/>
-              </a:rPr>
-              <a:t>rsa</a:t>
-            </a:r>
-            <a:r>
-              <a:rPr lang="es-MX" sz="2400" dirty="0" smtClean="0">
-                <a:solidFill>
-                  <a:schemeClr val="bg1">
-                    <a:lumMod val="50000"/>
-                  </a:schemeClr>
-                </a:solidFill>
-                <a:latin typeface="Roboto" panose="02000000000000000000" pitchFamily="2" charset="0"/>
-                <a:ea typeface="Roboto" panose="02000000000000000000" pitchFamily="2" charset="0"/>
-              </a:rPr>
-              <a:t> –b 4096 –C “</a:t>
-            </a:r>
-            <a:r>
-              <a:rPr lang="es-MX" sz="2400" dirty="0" smtClean="0">
-                <a:solidFill>
-                  <a:schemeClr val="bg1">
-                    <a:lumMod val="50000"/>
-                  </a:schemeClr>
-                </a:solidFill>
-                <a:latin typeface="Roboto" panose="02000000000000000000" pitchFamily="2" charset="0"/>
-                <a:ea typeface="Roboto" panose="02000000000000000000" pitchFamily="2" charset="0"/>
-              </a:rPr>
-              <a:t>G</a:t>
-            </a:r>
-            <a:r>
-              <a:rPr lang="es-MX" sz="2400" dirty="0" smtClean="0">
-                <a:solidFill>
-                  <a:schemeClr val="bg1">
-                    <a:lumMod val="50000"/>
-                  </a:schemeClr>
-                </a:solidFill>
-                <a:latin typeface="Roboto" panose="02000000000000000000" pitchFamily="2" charset="0"/>
-                <a:ea typeface="Roboto" panose="02000000000000000000" pitchFamily="2" charset="0"/>
-              </a:rPr>
-              <a:t>itHub email”</a:t>
+              <a:t> –b 4096 –C “GitHub email”</a:t>
             </a:r>
           </a:p>
           <a:p>
@@ -8587,4 +13872,47 @@
     </a:ext>
   </a:extLst>
 </a:theme>
+</file>
+
+<file path=ppt/theme/themeOverride1.xml><?xml version="1.0" encoding="utf-8"?>
+<a:themeOverride xmlns:a="http://schemas.openxmlformats.org/drawingml/2006/main">
+  <a:clrScheme name="Tema de Office">
+    <a:dk1>
+      <a:sysClr val="windowText" lastClr="000000"/>
+    </a:dk1>
+    <a:lt1>
+      <a:sysClr val="window" lastClr="FFFFFF"/>
+    </a:lt1>
+    <a:dk2>
+      <a:srgbClr val="44546A"/>
+    </a:dk2>
+    <a:lt2>
+      <a:srgbClr val="E7E6E6"/>
+    </a:lt2>
+    <a:accent1>
+      <a:srgbClr val="5B9BD5"/>
+    </a:accent1>
+    <a:accent2>
+      <a:srgbClr val="ED7D31"/>
+    </a:accent2>
+    <a:accent3>
+      <a:srgbClr val="A5A5A5"/>
+    </a:accent3>
+    <a:accent4>
+      <a:srgbClr val="FFC000"/>
+    </a:accent4>
+    <a:accent5>
+      <a:srgbClr val="4472C4"/>
+    </a:accent5>
+    <a:accent6>
+      <a:srgbClr val="70AD47"/>
+    </a:accent6>
+    <a:hlink>
+      <a:srgbClr val="0563C1"/>
+    </a:hlink>
+    <a:folHlink>
+      <a:srgbClr val="954F72"/>
+    </a:folHlink>
+  </a:clrScheme>
+</a:themeOverride>
 </file>
--- a/2017/dec_7_Git_GitHub_WorkShop/DGO.pptx
+++ b/2017/dec_7_Git_GitHub_WorkShop/DGO.pptx
@@ -273,7 +273,7 @@
           <a:p>
             <a:fld id="{3FD3500F-8B60-4FBA-BC8A-72168F3C79F5}" type="datetimeFigureOut">
               <a:rPr lang="es-MX" smtClean="0"/>
-              <a:t>05/12/2017</a:t>
+              <a:t>06/12/2017</a:t>
             </a:fld>
             <a:endParaRPr lang="es-MX"/>
           </a:p>
@@ -443,7 +443,7 @@
           <a:p>
             <a:fld id="{3FD3500F-8B60-4FBA-BC8A-72168F3C79F5}" type="datetimeFigureOut">
               <a:rPr lang="es-MX" smtClean="0"/>
-              <a:t>05/12/2017</a:t>
+              <a:t>06/12/2017</a:t>
             </a:fld>
             <a:endParaRPr lang="es-MX"/>
           </a:p>
@@ -623,7 +623,7 @@
           <a:p>
             <a:fld id="{3FD3500F-8B60-4FBA-BC8A-72168F3C79F5}" type="datetimeFigureOut">
               <a:rPr lang="es-MX" smtClean="0"/>
-              <a:t>05/12/2017</a:t>
+              <a:t>06/12/2017</a:t>
             </a:fld>
             <a:endParaRPr lang="es-MX"/>
           </a:p>
@@ -793,7 +793,7 @@
           <a:p>
             <a:fld id="{3FD3500F-8B60-4FBA-BC8A-72168F3C79F5}" type="datetimeFigureOut">
               <a:rPr lang="es-MX" smtClean="0"/>
-              <a:t>05/12/2017</a:t>
+              <a:t>06/12/2017</a:t>
             </a:fld>
             <a:endParaRPr lang="es-MX"/>
           </a:p>
@@ -1039,7 +1039,7 @@
           <a:p>
             <a:fld id="{3FD3500F-8B60-4FBA-BC8A-72168F3C79F5}" type="datetimeFigureOut">
               <a:rPr lang="es-MX" smtClean="0"/>
-              <a:t>05/12/2017</a:t>
+              <a:t>06/12/2017</a:t>
             </a:fld>
             <a:endParaRPr lang="es-MX"/>
           </a:p>
@@ -1271,7 +1271,7 @@
           <a:p>
             <a:fld id="{3FD3500F-8B60-4FBA-BC8A-72168F3C79F5}" type="datetimeFigureOut">
               <a:rPr lang="es-MX" smtClean="0"/>
-              <a:t>05/12/2017</a:t>
+              <a:t>06/12/2017</a:t>
             </a:fld>
             <a:endParaRPr lang="es-MX"/>
           </a:p>
@@ -1638,7 +1638,7 @@
           <a:p>
             <a:fld id="{3FD3500F-8B60-4FBA-BC8A-72168F3C79F5}" type="datetimeFigureOut">
               <a:rPr lang="es-MX" smtClean="0"/>
-              <a:t>05/12/2017</a:t>
+              <a:t>06/12/2017</a:t>
             </a:fld>
             <a:endParaRPr lang="es-MX"/>
           </a:p>
@@ -1756,7 +1756,7 @@
           <a:p>
             <a:fld id="{3FD3500F-8B60-4FBA-BC8A-72168F3C79F5}" type="datetimeFigureOut">
               <a:rPr lang="es-MX" smtClean="0"/>
-              <a:t>05/12/2017</a:t>
+              <a:t>06/12/2017</a:t>
             </a:fld>
             <a:endParaRPr lang="es-MX"/>
           </a:p>
@@ -1851,7 +1851,7 @@
           <a:p>
             <a:fld id="{3FD3500F-8B60-4FBA-BC8A-72168F3C79F5}" type="datetimeFigureOut">
               <a:rPr lang="es-MX" smtClean="0"/>
-              <a:t>05/12/2017</a:t>
+              <a:t>06/12/2017</a:t>
             </a:fld>
             <a:endParaRPr lang="es-MX"/>
           </a:p>
@@ -2128,7 +2128,7 @@
           <a:p>
             <a:fld id="{3FD3500F-8B60-4FBA-BC8A-72168F3C79F5}" type="datetimeFigureOut">
               <a:rPr lang="es-MX" smtClean="0"/>
-              <a:t>05/12/2017</a:t>
+              <a:t>06/12/2017</a:t>
             </a:fld>
             <a:endParaRPr lang="es-MX"/>
           </a:p>
@@ -2385,7 +2385,7 @@
           <a:p>
             <a:fld id="{3FD3500F-8B60-4FBA-BC8A-72168F3C79F5}" type="datetimeFigureOut">
               <a:rPr lang="es-MX" smtClean="0"/>
-              <a:t>05/12/2017</a:t>
+              <a:t>06/12/2017</a:t>
             </a:fld>
             <a:endParaRPr lang="es-MX"/>
           </a:p>
@@ -2598,7 +2598,7 @@
           <a:p>
             <a:fld id="{3FD3500F-8B60-4FBA-BC8A-72168F3C79F5}" type="datetimeFigureOut">
               <a:rPr lang="es-MX" smtClean="0"/>
-              <a:t>05/12/2017</a:t>
+              <a:t>06/12/2017</a:t>
             </a:fld>
             <a:endParaRPr lang="es-MX"/>
           </a:p>
@@ -3046,18 +3046,7 @@
                 <a:ea typeface="Roboto Black" panose="02000000000000000000" pitchFamily="2" charset="0"/>
                 <a:cs typeface="Open Sans" panose="020B0606030504020204" pitchFamily="34" charset="0"/>
               </a:rPr>
-              <a:t> </a:t>
-            </a:r>
-            <a:r>
-              <a:rPr lang="es-MX" sz="11000" dirty="0" smtClean="0">
-                <a:solidFill>
-                  <a:srgbClr val="921429"/>
-                </a:solidFill>
-                <a:latin typeface="Roboto Black" panose="02000000000000000000" pitchFamily="2" charset="0"/>
-                <a:ea typeface="Roboto Black" panose="02000000000000000000" pitchFamily="2" charset="0"/>
-                <a:cs typeface="Open Sans" panose="020B0606030504020204" pitchFamily="34" charset="0"/>
-              </a:rPr>
-              <a:t>/ </a:t>
+              <a:t> / </a:t>
             </a:r>
             <a:r>
               <a:rPr lang="es-MX" sz="11000" dirty="0" smtClean="0">
@@ -4230,19 +4219,7 @@
                 <a:latin typeface="Roboto" panose="02000000000000000000" pitchFamily="2" charset="0"/>
                 <a:ea typeface="Roboto" panose="02000000000000000000" pitchFamily="2" charset="0"/>
               </a:rPr>
-              <a:t> </a:t>
-            </a:r>
-            <a:r>
-              <a:rPr lang="es-MX" sz="2400" dirty="0" smtClean="0">
-                <a:solidFill>
-                  <a:schemeClr val="bg1">
-                    <a:lumMod val="50000"/>
-                  </a:schemeClr>
-                </a:solidFill>
-                <a:latin typeface="Roboto" panose="02000000000000000000" pitchFamily="2" charset="0"/>
-                <a:ea typeface="Roboto" panose="02000000000000000000" pitchFamily="2" charset="0"/>
-              </a:rPr>
-              <a:t>–</a:t>
+              <a:t> –</a:t>
             </a:r>
             <a:r>
               <a:rPr lang="es-MX" sz="2400" dirty="0" err="1" smtClean="0">
@@ -5826,15 +5803,6 @@
                 </a:rPr>
                 <a:t> remoto</a:t>
               </a:r>
-              <a:endParaRPr lang="es-MX" sz="2500" b="1" dirty="0">
-                <a:solidFill>
-                  <a:schemeClr val="bg1">
-                    <a:lumMod val="95000"/>
-                  </a:schemeClr>
-                </a:solidFill>
-                <a:latin typeface="Roboto Light" panose="02000000000000000000" pitchFamily="2" charset="0"/>
-                <a:ea typeface="Roboto Light" panose="02000000000000000000" pitchFamily="2" charset="0"/>
-              </a:endParaRPr>
             </a:p>
           </p:txBody>
         </p:sp>
@@ -6727,25 +6695,8 @@
                   <a:latin typeface="Roboto" panose="02000000000000000000" pitchFamily="2" charset="0"/>
                   <a:ea typeface="Roboto" panose="02000000000000000000" pitchFamily="2" charset="0"/>
                 </a:rPr>
-                <a:t>línea </a:t>
-              </a:r>
-              <a:r>
-                <a:rPr lang="es-MX" sz="2200" b="1" dirty="0">
-                  <a:solidFill>
-                    <a:srgbClr val="FFC000"/>
-                  </a:solidFill>
-                  <a:latin typeface="Roboto" panose="02000000000000000000" pitchFamily="2" charset="0"/>
-                  <a:ea typeface="Roboto" panose="02000000000000000000" pitchFamily="2" charset="0"/>
-                </a:rPr>
-                <a:t>arriba</a:t>
-              </a:r>
-              <a:endParaRPr lang="es-MX" sz="2200" b="1" dirty="0">
-                <a:solidFill>
-                  <a:srgbClr val="FFC000"/>
-                </a:solidFill>
-                <a:latin typeface="Roboto" panose="02000000000000000000" pitchFamily="2" charset="0"/>
-                <a:ea typeface="Roboto" panose="02000000000000000000" pitchFamily="2" charset="0"/>
-              </a:endParaRPr>
+                <a:t>línea arriba</a:t>
+              </a:r>
             </a:p>
             <a:p>
               <a:r>
@@ -6887,25 +6838,8 @@
                   <a:latin typeface="Roboto" panose="02000000000000000000" pitchFamily="2" charset="0"/>
                   <a:ea typeface="Roboto" panose="02000000000000000000" pitchFamily="2" charset="0"/>
                 </a:rPr>
-                <a:t>letra a la </a:t>
-              </a:r>
-              <a:r>
-                <a:rPr lang="es-MX" sz="2200" b="1" dirty="0">
-                  <a:solidFill>
-                    <a:srgbClr val="FFC000"/>
-                  </a:solidFill>
-                  <a:latin typeface="Roboto" panose="02000000000000000000" pitchFamily="2" charset="0"/>
-                  <a:ea typeface="Roboto" panose="02000000000000000000" pitchFamily="2" charset="0"/>
-                </a:rPr>
-                <a:t>der</a:t>
-              </a:r>
-              <a:endParaRPr lang="es-MX" sz="2200" b="1" dirty="0">
-                <a:solidFill>
-                  <a:srgbClr val="FFC000"/>
-                </a:solidFill>
-                <a:latin typeface="Roboto" panose="02000000000000000000" pitchFamily="2" charset="0"/>
-                <a:ea typeface="Roboto" panose="02000000000000000000" pitchFamily="2" charset="0"/>
-              </a:endParaRPr>
+                <a:t>letra a la der</a:t>
+              </a:r>
             </a:p>
             <a:p>
               <a:r>
@@ -7065,9 +6999,9 @@
         <p:grpSpPr>
           <a:xfrm>
             <a:off x="830413" y="1505396"/>
-            <a:ext cx="10531175" cy="3847208"/>
+            <a:ext cx="10531175" cy="3939540"/>
             <a:chOff x="759125" y="1794293"/>
-            <a:chExt cx="10531175" cy="3847208"/>
+            <a:chExt cx="10531175" cy="3939540"/>
           </a:xfrm>
         </p:grpSpPr>
         <p:sp>
@@ -7165,13 +7099,6 @@
                 </a:rPr>
                 <a:t>anterior</a:t>
               </a:r>
-              <a:endParaRPr lang="es-MX" sz="2200" b="1" dirty="0">
-                <a:solidFill>
-                  <a:srgbClr val="FFC000"/>
-                </a:solidFill>
-                <a:latin typeface="Roboto" panose="02000000000000000000" pitchFamily="2" charset="0"/>
-                <a:ea typeface="Roboto" panose="02000000000000000000" pitchFamily="2" charset="0"/>
-              </a:endParaRPr>
             </a:p>
             <a:p>
               <a:r>
@@ -7305,15 +7232,6 @@
                 </a:rPr>
                 <a:t>0</a:t>
               </a:r>
-              <a:endParaRPr lang="es-MX" sz="2400" dirty="0">
-                <a:solidFill>
-                  <a:schemeClr val="bg1">
-                    <a:lumMod val="95000"/>
-                  </a:schemeClr>
-                </a:solidFill>
-                <a:latin typeface="Roboto" panose="02000000000000000000" pitchFamily="2" charset="0"/>
-                <a:ea typeface="Roboto" panose="02000000000000000000" pitchFamily="2" charset="0"/>
-              </a:endParaRPr>
             </a:p>
             <a:p>
               <a:endParaRPr lang="es-MX" dirty="0" smtClean="0"/>
@@ -7409,15 +7327,6 @@
                 </a:rPr>
                 <a:t>$</a:t>
               </a:r>
-              <a:endParaRPr lang="es-MX" sz="2400" dirty="0">
-                <a:solidFill>
-                  <a:schemeClr val="bg1">
-                    <a:lumMod val="95000"/>
-                  </a:schemeClr>
-                </a:solidFill>
-                <a:latin typeface="Roboto" panose="02000000000000000000" pitchFamily="2" charset="0"/>
-                <a:ea typeface="Roboto" panose="02000000000000000000" pitchFamily="2" charset="0"/>
-              </a:endParaRPr>
             </a:p>
           </p:txBody>
         </p:sp>
@@ -7430,7 +7339,7 @@
           <p:spPr>
             <a:xfrm>
               <a:off x="6817025" y="1794293"/>
-              <a:ext cx="4473275" cy="3847207"/>
+              <a:ext cx="4473275" cy="3939540"/>
             </a:xfrm>
             <a:prstGeom prst="rect">
               <a:avLst/>
@@ -7457,14 +7366,24 @@
                 <a:t>Cursor </a:t>
               </a:r>
               <a:r>
-                <a:rPr lang="es-MX" sz="2200" b="1" dirty="0" smtClean="0">
+                <a:rPr lang="es-MX" sz="2200" b="1" dirty="0">
                   <a:solidFill>
                     <a:srgbClr val="FFC000"/>
                   </a:solidFill>
                   <a:latin typeface="Roboto" panose="02000000000000000000" pitchFamily="2" charset="0"/>
                   <a:ea typeface="Roboto" panose="02000000000000000000" pitchFamily="2" charset="0"/>
                 </a:rPr>
-                <a:t>n </a:t>
+                <a:t>N</a:t>
+              </a:r>
+              <a:r>
+                <a:rPr lang="es-MX" sz="2200" b="1" dirty="0" smtClean="0">
+                  <a:solidFill>
+                    <a:srgbClr val="FFC000"/>
+                  </a:solidFill>
+                  <a:latin typeface="Roboto" panose="02000000000000000000" pitchFamily="2" charset="0"/>
+                  <a:ea typeface="Roboto" panose="02000000000000000000" pitchFamily="2" charset="0"/>
+                </a:rPr>
+                <a:t> </a:t>
               </a:r>
               <a:r>
                 <a:rPr lang="es-MX" sz="2200" b="1" dirty="0">
@@ -7524,7 +7443,7 @@
                   <a:latin typeface="Roboto" panose="02000000000000000000" pitchFamily="2" charset="0"/>
                   <a:ea typeface="Roboto" panose="02000000000000000000" pitchFamily="2" charset="0"/>
                 </a:rPr>
-                <a:t>:n</a:t>
+                <a:t>:N</a:t>
               </a:r>
               <a:endParaRPr lang="es-MX" sz="2400" dirty="0">
                 <a:solidFill>
@@ -7653,7 +7572,7 @@
                   <a:latin typeface="Roboto" panose="02000000000000000000" pitchFamily="2" charset="0"/>
                   <a:ea typeface="Roboto" panose="02000000000000000000" pitchFamily="2" charset="0"/>
                 </a:rPr>
-                <a:t>Desplazamiento una </a:t>
+                <a:t>Insertar texto </a:t>
               </a:r>
               <a:r>
                 <a:rPr lang="es-MX" sz="2200" b="1" dirty="0">
@@ -7663,7 +7582,7 @@
                   <a:latin typeface="Roboto" panose="02000000000000000000" pitchFamily="2" charset="0"/>
                   <a:ea typeface="Roboto" panose="02000000000000000000" pitchFamily="2" charset="0"/>
                 </a:rPr>
-                <a:t>letra a la </a:t>
+                <a:t>(después de ‘</a:t>
               </a:r>
               <a:r>
                 <a:rPr lang="es-MX" sz="2200" b="1" dirty="0" err="1">
@@ -7673,11 +7592,39 @@
                   <a:latin typeface="Roboto" panose="02000000000000000000" pitchFamily="2" charset="0"/>
                   <a:ea typeface="Roboto" panose="02000000000000000000" pitchFamily="2" charset="0"/>
                 </a:rPr>
-                <a:t>izq</a:t>
-              </a:r>
-              <a:endParaRPr lang="es-MX" sz="2200" b="1" dirty="0">
-                <a:solidFill>
-                  <a:srgbClr val="FFC000"/>
+                <a:t>esc</a:t>
+              </a:r>
+              <a:r>
+                <a:rPr lang="es-MX" sz="2200" b="1" dirty="0">
+                  <a:solidFill>
+                    <a:srgbClr val="FFC000"/>
+                  </a:solidFill>
+                  <a:latin typeface="Roboto" panose="02000000000000000000" pitchFamily="2" charset="0"/>
+                  <a:ea typeface="Roboto" panose="02000000000000000000" pitchFamily="2" charset="0"/>
+                </a:rPr>
+                <a:t>’)</a:t>
+              </a:r>
+            </a:p>
+            <a:p>
+              <a:r>
+                <a:rPr lang="es-MX" sz="2400" dirty="0">
+                  <a:solidFill>
+                    <a:schemeClr val="bg1">
+                      <a:lumMod val="95000"/>
+                    </a:schemeClr>
+                  </a:solidFill>
+                  <a:latin typeface="Roboto" panose="02000000000000000000" pitchFamily="2" charset="0"/>
+                  <a:ea typeface="Roboto" panose="02000000000000000000" pitchFamily="2" charset="0"/>
+                </a:rPr>
+                <a:t>	i</a:t>
+              </a:r>
+            </a:p>
+            <a:p>
+              <a:endParaRPr lang="es-MX" sz="2400" dirty="0">
+                <a:solidFill>
+                  <a:schemeClr val="bg1">
+                    <a:lumMod val="95000"/>
+                  </a:schemeClr>
                 </a:solidFill>
                 <a:latin typeface="Roboto" panose="02000000000000000000" pitchFamily="2" charset="0"/>
                 <a:ea typeface="Roboto" panose="02000000000000000000" pitchFamily="2" charset="0"/>
@@ -7685,43 +7632,15 @@
             </a:p>
             <a:p>
               <a:r>
-                <a:rPr lang="es-MX" dirty="0">
-                  <a:solidFill>
-                    <a:schemeClr val="bg1">
-                      <a:lumMod val="95000"/>
-                    </a:schemeClr>
+                <a:rPr lang="es-MX" sz="2200" b="1" dirty="0">
+                  <a:solidFill>
+                    <a:srgbClr val="FFC000"/>
                   </a:solidFill>
                   <a:latin typeface="Roboto" panose="02000000000000000000" pitchFamily="2" charset="0"/>
                   <a:ea typeface="Roboto" panose="02000000000000000000" pitchFamily="2" charset="0"/>
                 </a:rPr>
-                <a:t>	</a:t>
-              </a:r>
-              <a:r>
-                <a:rPr lang="es-MX" sz="2400" dirty="0" smtClean="0">
-                  <a:solidFill>
-                    <a:schemeClr val="bg1">
-                      <a:lumMod val="95000"/>
-                    </a:schemeClr>
-                  </a:solidFill>
-                  <a:latin typeface="Roboto" panose="02000000000000000000" pitchFamily="2" charset="0"/>
-                  <a:ea typeface="Roboto" panose="02000000000000000000" pitchFamily="2" charset="0"/>
-                </a:rPr>
-                <a:t>h ó →</a:t>
-              </a:r>
-              <a:endParaRPr lang="es-MX" sz="2400" dirty="0">
-                <a:solidFill>
-                  <a:schemeClr val="bg1">
-                    <a:lumMod val="95000"/>
-                  </a:schemeClr>
-                </a:solidFill>
-                <a:latin typeface="Roboto" panose="02000000000000000000" pitchFamily="2" charset="0"/>
-                <a:ea typeface="Roboto" panose="02000000000000000000" pitchFamily="2" charset="0"/>
-              </a:endParaRPr>
-            </a:p>
-            <a:p>
-              <a:endParaRPr lang="es-MX" dirty="0" smtClean="0"/>
-            </a:p>
-            <a:p>
+                <a:t>Reemplazar</a:t>
+              </a:r>
               <a:r>
                 <a:rPr lang="es-MX" sz="2200" dirty="0">
                   <a:solidFill>
@@ -7733,27 +7652,7 @@
                   <a:latin typeface="Roboto" panose="02000000000000000000" pitchFamily="2" charset="0"/>
                   <a:ea typeface="Roboto" panose="02000000000000000000" pitchFamily="2" charset="0"/>
                 </a:rPr>
-                <a:t>Desplazamiento una </a:t>
-              </a:r>
-              <a:r>
-                <a:rPr lang="es-MX" sz="2200" b="1" dirty="0">
-                  <a:solidFill>
-                    <a:srgbClr val="FFC000"/>
-                  </a:solidFill>
-                  <a:latin typeface="Roboto" panose="02000000000000000000" pitchFamily="2" charset="0"/>
-                  <a:ea typeface="Roboto" panose="02000000000000000000" pitchFamily="2" charset="0"/>
-                </a:rPr>
-                <a:t>letra a la </a:t>
-              </a:r>
-              <a:r>
-                <a:rPr lang="es-MX" sz="2200" b="1" dirty="0">
-                  <a:solidFill>
-                    <a:srgbClr val="FFC000"/>
-                  </a:solidFill>
-                  <a:latin typeface="Roboto" panose="02000000000000000000" pitchFamily="2" charset="0"/>
-                  <a:ea typeface="Roboto" panose="02000000000000000000" pitchFamily="2" charset="0"/>
-                </a:rPr>
-                <a:t>der</a:t>
+                <a:t> carácter </a:t>
               </a:r>
               <a:endParaRPr lang="es-MX" sz="2200" b="1" dirty="0">
                 <a:solidFill>
@@ -7765,17 +7664,7 @@
             </a:p>
             <a:p>
               <a:r>
-                <a:rPr lang="es-MX" sz="2200" b="1" dirty="0">
-                  <a:solidFill>
-                    <a:srgbClr val="FFC000"/>
-                  </a:solidFill>
-                  <a:latin typeface="Roboto" panose="02000000000000000000" pitchFamily="2" charset="0"/>
-                  <a:ea typeface="Roboto" panose="02000000000000000000" pitchFamily="2" charset="0"/>
-                </a:rPr>
-                <a:t>	</a:t>
-              </a:r>
-              <a:r>
-                <a:rPr lang="es-MX" sz="2400" dirty="0" smtClean="0">
+                <a:rPr lang="es-MX" sz="2400" dirty="0">
                   <a:solidFill>
                     <a:schemeClr val="bg1">
                       <a:lumMod val="95000"/>
@@ -7784,7 +7673,7 @@
                   <a:latin typeface="Roboto" panose="02000000000000000000" pitchFamily="2" charset="0"/>
                   <a:ea typeface="Roboto" panose="02000000000000000000" pitchFamily="2" charset="0"/>
                 </a:rPr>
-                <a:t>l ó ←</a:t>
+                <a:t>	* + a</a:t>
               </a:r>
               <a:endParaRPr lang="es-MX" sz="2400" dirty="0">
                 <a:solidFill>
@@ -7920,10 +7809,10 @@
         </p:nvGrpSpPr>
         <p:grpSpPr>
           <a:xfrm>
-            <a:off x="830413" y="1505396"/>
-            <a:ext cx="10531175" cy="3847208"/>
-            <a:chOff x="759125" y="1794293"/>
-            <a:chExt cx="10531175" cy="3847208"/>
+            <a:off x="830412" y="1505396"/>
+            <a:ext cx="10531176" cy="4278095"/>
+            <a:chOff x="759124" y="1794293"/>
+            <a:chExt cx="10531176" cy="4278095"/>
           </a:xfrm>
         </p:grpSpPr>
         <p:sp>
@@ -7934,8 +7823,8 @@
           </p:nvSpPr>
           <p:spPr>
             <a:xfrm>
-              <a:off x="759125" y="1794294"/>
-              <a:ext cx="4473275" cy="3847207"/>
+              <a:off x="759124" y="1794294"/>
+              <a:ext cx="5435917" cy="4278094"/>
             </a:xfrm>
             <a:prstGeom prst="rect">
               <a:avLst/>
@@ -7959,72 +7848,8 @@
                   <a:latin typeface="Roboto" panose="02000000000000000000" pitchFamily="2" charset="0"/>
                   <a:ea typeface="Roboto" panose="02000000000000000000" pitchFamily="2" charset="0"/>
                 </a:rPr>
-                <a:t>Insertar texto </a:t>
-              </a:r>
-              <a:r>
-                <a:rPr lang="es-MX" sz="2200" b="1" dirty="0">
-                  <a:solidFill>
-                    <a:srgbClr val="FFC000"/>
-                  </a:solidFill>
-                  <a:latin typeface="Roboto" panose="02000000000000000000" pitchFamily="2" charset="0"/>
-                  <a:ea typeface="Roboto" panose="02000000000000000000" pitchFamily="2" charset="0"/>
-                </a:rPr>
-                <a:t>(después de ‘</a:t>
-              </a:r>
-              <a:r>
-                <a:rPr lang="es-MX" sz="2200" b="1" dirty="0" err="1">
-                  <a:solidFill>
-                    <a:srgbClr val="FFC000"/>
-                  </a:solidFill>
-                  <a:latin typeface="Roboto" panose="02000000000000000000" pitchFamily="2" charset="0"/>
-                  <a:ea typeface="Roboto" panose="02000000000000000000" pitchFamily="2" charset="0"/>
-                </a:rPr>
-                <a:t>esc</a:t>
-              </a:r>
-              <a:r>
-                <a:rPr lang="es-MX" sz="2200" b="1" dirty="0">
-                  <a:solidFill>
-                    <a:srgbClr val="FFC000"/>
-                  </a:solidFill>
-                  <a:latin typeface="Roboto" panose="02000000000000000000" pitchFamily="2" charset="0"/>
-                  <a:ea typeface="Roboto" panose="02000000000000000000" pitchFamily="2" charset="0"/>
-                </a:rPr>
-                <a:t>’)</a:t>
-              </a:r>
-              <a:endParaRPr lang="es-MX" sz="2200" b="1" dirty="0">
-                <a:solidFill>
-                  <a:srgbClr val="FFC000"/>
-                </a:solidFill>
-                <a:latin typeface="Roboto" panose="02000000000000000000" pitchFamily="2" charset="0"/>
-                <a:ea typeface="Roboto" panose="02000000000000000000" pitchFamily="2" charset="0"/>
-              </a:endParaRPr>
-            </a:p>
-            <a:p>
-              <a:r>
-                <a:rPr lang="es-MX" sz="2400" dirty="0" smtClean="0">
-                  <a:solidFill>
-                    <a:schemeClr val="bg1">
-                      <a:lumMod val="95000"/>
-                    </a:schemeClr>
-                  </a:solidFill>
-                  <a:latin typeface="Roboto" panose="02000000000000000000" pitchFamily="2" charset="0"/>
-                  <a:ea typeface="Roboto" panose="02000000000000000000" pitchFamily="2" charset="0"/>
-                </a:rPr>
-                <a:t>	i</a:t>
-              </a:r>
-            </a:p>
-            <a:p>
-              <a:endParaRPr lang="es-MX" sz="2400" dirty="0" smtClean="0">
-                <a:solidFill>
-                  <a:schemeClr val="bg1">
-                    <a:lumMod val="95000"/>
-                  </a:schemeClr>
-                </a:solidFill>
-                <a:latin typeface="Roboto" panose="02000000000000000000" pitchFamily="2" charset="0"/>
-                <a:ea typeface="Roboto" panose="02000000000000000000" pitchFamily="2" charset="0"/>
-              </a:endParaRPr>
-            </a:p>
-            <a:p>
+                <a:t>Reemplazar </a:t>
+              </a:r>
               <a:r>
                 <a:rPr lang="es-MX" sz="2200" dirty="0" smtClean="0">
                   <a:solidFill>
@@ -8036,11 +7861,71 @@
                   <a:latin typeface="Roboto" panose="02000000000000000000" pitchFamily="2" charset="0"/>
                   <a:ea typeface="Roboto" panose="02000000000000000000" pitchFamily="2" charset="0"/>
                 </a:rPr>
-                <a:t>Reemplazar carácter </a:t>
-              </a:r>
-              <a:endParaRPr lang="es-MX" sz="2200" b="1" dirty="0">
-                <a:solidFill>
-                  <a:srgbClr val="FFC000"/>
+                <a:t>caracteres </a:t>
+              </a:r>
+              <a:r>
+                <a:rPr lang="es-MX" sz="2200" b="1" dirty="0">
+                  <a:solidFill>
+                    <a:srgbClr val="FFC000"/>
+                  </a:solidFill>
+                  <a:latin typeface="Roboto" panose="02000000000000000000" pitchFamily="2" charset="0"/>
+                  <a:ea typeface="Roboto" panose="02000000000000000000" pitchFamily="2" charset="0"/>
+                </a:rPr>
+                <a:t>hasta </a:t>
+              </a:r>
+              <a:r>
+                <a:rPr lang="es-MX" sz="2200" b="1" dirty="0" err="1">
+                  <a:solidFill>
+                    <a:srgbClr val="FFC000"/>
+                  </a:solidFill>
+                  <a:latin typeface="Roboto" panose="02000000000000000000" pitchFamily="2" charset="0"/>
+                  <a:ea typeface="Roboto" panose="02000000000000000000" pitchFamily="2" charset="0"/>
+                </a:rPr>
+                <a:t>esc</a:t>
+              </a:r>
+              <a:r>
+                <a:rPr lang="es-MX" sz="2200" b="1" dirty="0">
+                  <a:solidFill>
+                    <a:srgbClr val="FFC000"/>
+                  </a:solidFill>
+                  <a:latin typeface="Roboto" panose="02000000000000000000" pitchFamily="2" charset="0"/>
+                  <a:ea typeface="Roboto" panose="02000000000000000000" pitchFamily="2" charset="0"/>
+                </a:rPr>
+                <a:t> </a:t>
+              </a:r>
+            </a:p>
+            <a:p>
+              <a:r>
+                <a:rPr lang="es-MX" dirty="0">
+                  <a:solidFill>
+                    <a:schemeClr val="bg1">
+                      <a:lumMod val="95000"/>
+                    </a:schemeClr>
+                  </a:solidFill>
+                  <a:latin typeface="Roboto" panose="02000000000000000000" pitchFamily="2" charset="0"/>
+                  <a:ea typeface="Roboto" panose="02000000000000000000" pitchFamily="2" charset="0"/>
+                </a:rPr>
+                <a:t>	</a:t>
+              </a:r>
+              <a:r>
+                <a:rPr lang="es-MX" sz="2400" dirty="0" smtClean="0">
+                  <a:solidFill>
+                    <a:schemeClr val="bg1">
+                      <a:lumMod val="95000"/>
+                    </a:schemeClr>
+                  </a:solidFill>
+                  <a:latin typeface="Roboto" panose="02000000000000000000" pitchFamily="2" charset="0"/>
+                  <a:ea typeface="Roboto" panose="02000000000000000000" pitchFamily="2" charset="0"/>
+                </a:rPr>
+                <a:t>R</a:t>
+              </a:r>
+            </a:p>
+            <a:p>
+              <a:endParaRPr lang="es-MX" sz="2400" dirty="0">
+                <a:solidFill>
+                  <a:schemeClr val="bg1">
+                    <a:lumMod val="95000"/>
+                  </a:schemeClr>
                 </a:solidFill>
                 <a:latin typeface="Roboto" panose="02000000000000000000" pitchFamily="2" charset="0"/>
                 <a:ea typeface="Roboto" panose="02000000000000000000" pitchFamily="2" charset="0"/>
@@ -8048,51 +7933,35 @@
             </a:p>
             <a:p>
               <a:r>
-                <a:rPr lang="es-MX" sz="2400" dirty="0">
-                  <a:solidFill>
-                    <a:schemeClr val="bg1">
-                      <a:lumMod val="95000"/>
-                    </a:schemeClr>
+                <a:rPr lang="es-MX" sz="2200" b="1" dirty="0">
+                  <a:solidFill>
+                    <a:srgbClr val="FFC000"/>
                   </a:solidFill>
                   <a:latin typeface="Roboto" panose="02000000000000000000" pitchFamily="2" charset="0"/>
                   <a:ea typeface="Roboto" panose="02000000000000000000" pitchFamily="2" charset="0"/>
                 </a:rPr>
-                <a:t>	</a:t>
-              </a:r>
-              <a:r>
-                <a:rPr lang="es-MX" sz="2400" dirty="0" smtClean="0">
-                  <a:solidFill>
-                    <a:schemeClr val="bg1">
-                      <a:lumMod val="95000"/>
-                    </a:schemeClr>
+                <a:t>Eliminar </a:t>
+              </a:r>
+              <a:r>
+                <a:rPr lang="es-MX" sz="2200" b="1" dirty="0" err="1">
+                  <a:solidFill>
+                    <a:srgbClr val="FFC000"/>
                   </a:solidFill>
                   <a:latin typeface="Roboto" panose="02000000000000000000" pitchFamily="2" charset="0"/>
                   <a:ea typeface="Roboto" panose="02000000000000000000" pitchFamily="2" charset="0"/>
                 </a:rPr>
-                <a:t>* + a</a:t>
-              </a:r>
-              <a:endParaRPr lang="es-MX" sz="2400" dirty="0">
-                <a:solidFill>
-                  <a:schemeClr val="bg1">
-                    <a:lumMod val="95000"/>
-                  </a:schemeClr>
-                </a:solidFill>
-                <a:latin typeface="Roboto" panose="02000000000000000000" pitchFamily="2" charset="0"/>
-                <a:ea typeface="Roboto" panose="02000000000000000000" pitchFamily="2" charset="0"/>
-              </a:endParaRPr>
-            </a:p>
-            <a:p>
-              <a:endParaRPr lang="es-MX" dirty="0" smtClean="0">
-                <a:solidFill>
-                  <a:schemeClr val="bg1">
-                    <a:lumMod val="95000"/>
-                  </a:schemeClr>
-                </a:solidFill>
-                <a:latin typeface="Roboto" panose="02000000000000000000" pitchFamily="2" charset="0"/>
-                <a:ea typeface="Roboto" panose="02000000000000000000" pitchFamily="2" charset="0"/>
-              </a:endParaRPr>
-            </a:p>
-            <a:p>
+                <a:t>caracter</a:t>
+              </a:r>
+              <a:r>
+                <a:rPr lang="es-MX" sz="2200" b="1" dirty="0">
+                  <a:solidFill>
+                    <a:srgbClr val="FFC000"/>
+                  </a:solidFill>
+                  <a:latin typeface="Roboto" panose="02000000000000000000" pitchFamily="2" charset="0"/>
+                  <a:ea typeface="Roboto" panose="02000000000000000000" pitchFamily="2" charset="0"/>
+                </a:rPr>
+                <a:t> </a:t>
+              </a:r>
               <a:r>
                 <a:rPr lang="es-MX" sz="2200" dirty="0">
                   <a:solidFill>
@@ -8104,7 +7973,7 @@
                   <a:latin typeface="Roboto" panose="02000000000000000000" pitchFamily="2" charset="0"/>
                   <a:ea typeface="Roboto" panose="02000000000000000000" pitchFamily="2" charset="0"/>
                 </a:rPr>
-                <a:t>Reemplazar </a:t>
+                <a:t>frente al </a:t>
               </a:r>
               <a:r>
                 <a:rPr lang="es-MX" sz="2200" dirty="0" smtClean="0">
@@ -8117,41 +7986,78 @@
                   <a:latin typeface="Roboto" panose="02000000000000000000" pitchFamily="2" charset="0"/>
                   <a:ea typeface="Roboto" panose="02000000000000000000" pitchFamily="2" charset="0"/>
                 </a:rPr>
-                <a:t>caracteres </a:t>
-              </a:r>
-              <a:r>
-                <a:rPr lang="es-MX" sz="2200" b="1" dirty="0">
-                  <a:solidFill>
-                    <a:srgbClr val="FFC000"/>
+                <a:t>cursor</a:t>
+              </a:r>
+            </a:p>
+            <a:p>
+              <a:r>
+                <a:rPr lang="es-MX" sz="2200" dirty="0">
+                  <a:solidFill>
+                    <a:schemeClr val="accent6">
+                      <a:lumMod val="40000"/>
+                      <a:lumOff val="60000"/>
+                    </a:schemeClr>
                   </a:solidFill>
                   <a:latin typeface="Roboto" panose="02000000000000000000" pitchFamily="2" charset="0"/>
                   <a:ea typeface="Roboto" panose="02000000000000000000" pitchFamily="2" charset="0"/>
                 </a:rPr>
-                <a:t>hasta </a:t>
-              </a:r>
-              <a:r>
-                <a:rPr lang="es-MX" sz="2200" b="1" dirty="0" err="1">
-                  <a:solidFill>
-                    <a:srgbClr val="FFC000"/>
+                <a:t>	</a:t>
+              </a:r>
+              <a:r>
+                <a:rPr lang="es-MX" sz="2400" dirty="0">
+                  <a:solidFill>
+                    <a:schemeClr val="bg1">
+                      <a:lumMod val="95000"/>
+                    </a:schemeClr>
                   </a:solidFill>
                   <a:latin typeface="Roboto" panose="02000000000000000000" pitchFamily="2" charset="0"/>
                   <a:ea typeface="Roboto" panose="02000000000000000000" pitchFamily="2" charset="0"/>
                 </a:rPr>
-                <a:t>esc</a:t>
-              </a:r>
-              <a:r>
-                <a:rPr lang="es-MX" sz="2200" b="1" dirty="0">
-                  <a:solidFill>
-                    <a:srgbClr val="FFC000"/>
+                <a:t>* </a:t>
+              </a:r>
+              <a:r>
+                <a:rPr lang="es-MX" sz="1600" dirty="0">
+                  <a:solidFill>
+                    <a:schemeClr val="bg1">
+                      <a:lumMod val="75000"/>
+                    </a:schemeClr>
                   </a:solidFill>
                   <a:latin typeface="Roboto" panose="02000000000000000000" pitchFamily="2" charset="0"/>
                   <a:ea typeface="Roboto" panose="02000000000000000000" pitchFamily="2" charset="0"/>
                 </a:rPr>
+                <a:t>+</a:t>
+              </a:r>
+              <a:r>
+                <a:rPr lang="es-MX" sz="2400" dirty="0">
+                  <a:solidFill>
+                    <a:schemeClr val="bg1">
+                      <a:lumMod val="95000"/>
+                    </a:schemeClr>
+                  </a:solidFill>
+                  <a:latin typeface="Roboto" panose="02000000000000000000" pitchFamily="2" charset="0"/>
+                  <a:ea typeface="Roboto" panose="02000000000000000000" pitchFamily="2" charset="0"/>
+                </a:rPr>
                 <a:t> </a:t>
               </a:r>
-              <a:endParaRPr lang="es-MX" sz="2200" b="1" dirty="0">
-                <a:solidFill>
-                  <a:srgbClr val="FFC000"/>
+              <a:r>
+                <a:rPr lang="es-MX" sz="2400" dirty="0" smtClean="0">
+                  <a:solidFill>
+                    <a:schemeClr val="bg1">
+                      <a:lumMod val="95000"/>
+                    </a:schemeClr>
+                  </a:solidFill>
+                  <a:latin typeface="Roboto" panose="02000000000000000000" pitchFamily="2" charset="0"/>
+                  <a:ea typeface="Roboto" panose="02000000000000000000" pitchFamily="2" charset="0"/>
+                </a:rPr>
+                <a:t>x</a:t>
+              </a:r>
+            </a:p>
+            <a:p>
+              <a:endParaRPr lang="es-MX" sz="2400" dirty="0">
+                <a:solidFill>
+                  <a:schemeClr val="bg1">
+                    <a:lumMod val="95000"/>
+                  </a:schemeClr>
                 </a:solidFill>
                 <a:latin typeface="Roboto" panose="02000000000000000000" pitchFamily="2" charset="0"/>
                 <a:ea typeface="Roboto" panose="02000000000000000000" pitchFamily="2" charset="0"/>
@@ -8159,7 +8065,78 @@
             </a:p>
             <a:p>
               <a:r>
-                <a:rPr lang="es-MX" dirty="0">
+                <a:rPr lang="es-MX" sz="2200" b="1" dirty="0">
+                  <a:solidFill>
+                    <a:srgbClr val="FFC000"/>
+                  </a:solidFill>
+                  <a:latin typeface="Roboto" panose="02000000000000000000" pitchFamily="2" charset="0"/>
+                  <a:ea typeface="Roboto" panose="02000000000000000000" pitchFamily="2" charset="0"/>
+                </a:rPr>
+                <a:t>Eliminar </a:t>
+              </a:r>
+              <a:r>
+                <a:rPr lang="es-MX" sz="2200" b="1" dirty="0" smtClean="0">
+                  <a:solidFill>
+                    <a:srgbClr val="FFC000"/>
+                  </a:solidFill>
+                  <a:latin typeface="Roboto" panose="02000000000000000000" pitchFamily="2" charset="0"/>
+                  <a:ea typeface="Roboto" panose="02000000000000000000" pitchFamily="2" charset="0"/>
+                </a:rPr>
+                <a:t>N </a:t>
+              </a:r>
+              <a:r>
+                <a:rPr lang="es-MX" sz="2200" b="1" dirty="0">
+                  <a:solidFill>
+                    <a:srgbClr val="FFC000"/>
+                  </a:solidFill>
+                  <a:latin typeface="Roboto" panose="02000000000000000000" pitchFamily="2" charset="0"/>
+                  <a:ea typeface="Roboto" panose="02000000000000000000" pitchFamily="2" charset="0"/>
+                </a:rPr>
+                <a:t>caracteres </a:t>
+              </a:r>
+              <a:r>
+                <a:rPr lang="es-MX" sz="2200" dirty="0">
+                  <a:solidFill>
+                    <a:schemeClr val="accent6">
+                      <a:lumMod val="40000"/>
+                      <a:lumOff val="60000"/>
+                    </a:schemeClr>
+                  </a:solidFill>
+                  <a:latin typeface="Roboto" panose="02000000000000000000" pitchFamily="2" charset="0"/>
+                  <a:ea typeface="Roboto" panose="02000000000000000000" pitchFamily="2" charset="0"/>
+                </a:rPr>
+                <a:t>frente al </a:t>
+              </a:r>
+              <a:r>
+                <a:rPr lang="es-MX" sz="2200" dirty="0" smtClean="0">
+                  <a:solidFill>
+                    <a:schemeClr val="accent6">
+                      <a:lumMod val="40000"/>
+                      <a:lumOff val="60000"/>
+                    </a:schemeClr>
+                  </a:solidFill>
+                  <a:latin typeface="Roboto" panose="02000000000000000000" pitchFamily="2" charset="0"/>
+                  <a:ea typeface="Roboto" panose="02000000000000000000" pitchFamily="2" charset="0"/>
+                </a:rPr>
+                <a:t>cursor</a:t>
+              </a:r>
+            </a:p>
+            <a:p>
+              <a:r>
+                <a:rPr lang="es-MX" sz="2200" dirty="0">
+                  <a:solidFill>
+                    <a:schemeClr val="accent6">
+                      <a:lumMod val="40000"/>
+                      <a:lumOff val="60000"/>
+                    </a:schemeClr>
+                  </a:solidFill>
+                  <a:latin typeface="Roboto" panose="02000000000000000000" pitchFamily="2" charset="0"/>
+                  <a:ea typeface="Roboto" panose="02000000000000000000" pitchFamily="2" charset="0"/>
+                </a:rPr>
+                <a:t>	</a:t>
+              </a:r>
+              <a:r>
+                <a:rPr lang="es-MX" sz="2400" dirty="0" err="1">
                   <a:solidFill>
                     <a:schemeClr val="bg1">
                       <a:lumMod val="95000"/>
@@ -8168,10 +8145,71 @@
                   <a:latin typeface="Roboto" panose="02000000000000000000" pitchFamily="2" charset="0"/>
                   <a:ea typeface="Roboto" panose="02000000000000000000" pitchFamily="2" charset="0"/>
                 </a:rPr>
+                <a:t>Nx</a:t>
+              </a:r>
+              <a:endParaRPr lang="es-MX" sz="2400" dirty="0">
+                <a:solidFill>
+                  <a:schemeClr val="bg1">
+                    <a:lumMod val="95000"/>
+                  </a:schemeClr>
+                </a:solidFill>
+                <a:latin typeface="Roboto" panose="02000000000000000000" pitchFamily="2" charset="0"/>
+                <a:ea typeface="Roboto" panose="02000000000000000000" pitchFamily="2" charset="0"/>
+              </a:endParaRPr>
+            </a:p>
+            <a:p>
+              <a:endParaRPr lang="es-MX" sz="2200" dirty="0">
+                <a:solidFill>
+                  <a:schemeClr val="accent6">
+                    <a:lumMod val="40000"/>
+                    <a:lumOff val="60000"/>
+                  </a:schemeClr>
+                </a:solidFill>
+                <a:latin typeface="Roboto" panose="02000000000000000000" pitchFamily="2" charset="0"/>
+                <a:ea typeface="Roboto" panose="02000000000000000000" pitchFamily="2" charset="0"/>
+              </a:endParaRPr>
+            </a:p>
+            <a:p>
+              <a:r>
+                <a:rPr lang="es-MX" sz="2200" b="1" dirty="0">
+                  <a:solidFill>
+                    <a:srgbClr val="FFC000"/>
+                  </a:solidFill>
+                  <a:latin typeface="Roboto" panose="02000000000000000000" pitchFamily="2" charset="0"/>
+                  <a:ea typeface="Roboto" panose="02000000000000000000" pitchFamily="2" charset="0"/>
+                </a:rPr>
+                <a:t>Eliminar resto de línea </a:t>
+              </a:r>
+              <a:r>
+                <a:rPr lang="es-MX" sz="2200" dirty="0" smtClean="0">
+                  <a:solidFill>
+                    <a:schemeClr val="accent6">
+                      <a:lumMod val="40000"/>
+                      <a:lumOff val="60000"/>
+                    </a:schemeClr>
+                  </a:solidFill>
+                  <a:latin typeface="Roboto" panose="02000000000000000000" pitchFamily="2" charset="0"/>
+                  <a:ea typeface="Roboto" panose="02000000000000000000" pitchFamily="2" charset="0"/>
+                </a:rPr>
+                <a:t>después de cursor</a:t>
+              </a:r>
+            </a:p>
+            <a:p>
+              <a:r>
+                <a:rPr lang="es-MX" sz="2200" dirty="0">
+                  <a:solidFill>
+                    <a:schemeClr val="accent6">
+                      <a:lumMod val="40000"/>
+                      <a:lumOff val="60000"/>
+                    </a:schemeClr>
+                  </a:solidFill>
+                  <a:latin typeface="Roboto" panose="02000000000000000000" pitchFamily="2" charset="0"/>
+                  <a:ea typeface="Roboto" panose="02000000000000000000" pitchFamily="2" charset="0"/>
+                </a:rPr>
                 <a:t>	</a:t>
               </a:r>
               <a:r>
-                <a:rPr lang="es-MX" sz="2400" dirty="0" smtClean="0">
+                <a:rPr lang="es-MX" sz="2400" dirty="0">
                   <a:solidFill>
                     <a:schemeClr val="bg1">
                       <a:lumMod val="95000"/>
@@ -8180,7 +8218,7 @@
                   <a:latin typeface="Roboto" panose="02000000000000000000" pitchFamily="2" charset="0"/>
                   <a:ea typeface="Roboto" panose="02000000000000000000" pitchFamily="2" charset="0"/>
                 </a:rPr>
-                <a:t>R</a:t>
+                <a:t>D</a:t>
               </a:r>
               <a:endParaRPr lang="es-MX" sz="2400" dirty="0">
                 <a:solidFill>
@@ -8194,107 +8232,6 @@
             </a:p>
             <a:p>
               <a:endParaRPr lang="es-MX" dirty="0" smtClean="0"/>
-            </a:p>
-            <a:p>
-              <a:r>
-                <a:rPr lang="es-MX" sz="2200" dirty="0">
-                  <a:solidFill>
-                    <a:schemeClr val="accent6">
-                      <a:lumMod val="40000"/>
-                      <a:lumOff val="60000"/>
-                    </a:schemeClr>
-                  </a:solidFill>
-                  <a:latin typeface="Roboto" panose="02000000000000000000" pitchFamily="2" charset="0"/>
-                  <a:ea typeface="Roboto" panose="02000000000000000000" pitchFamily="2" charset="0"/>
-                </a:rPr>
-                <a:t>Cursor </a:t>
-              </a:r>
-              <a:r>
-                <a:rPr lang="es-MX" sz="2200" b="1" dirty="0" smtClean="0">
-                  <a:solidFill>
-                    <a:srgbClr val="FFC000"/>
-                  </a:solidFill>
-                  <a:latin typeface="Roboto" panose="02000000000000000000" pitchFamily="2" charset="0"/>
-                  <a:ea typeface="Roboto" panose="02000000000000000000" pitchFamily="2" charset="0"/>
-                </a:rPr>
-                <a:t>última línea </a:t>
-              </a:r>
-              <a:endParaRPr lang="es-MX" sz="2200" b="1" dirty="0">
-                <a:solidFill>
-                  <a:srgbClr val="FFC000"/>
-                </a:solidFill>
-                <a:latin typeface="Roboto" panose="02000000000000000000" pitchFamily="2" charset="0"/>
-                <a:ea typeface="Roboto" panose="02000000000000000000" pitchFamily="2" charset="0"/>
-              </a:endParaRPr>
-            </a:p>
-            <a:p>
-              <a:r>
-                <a:rPr lang="es-MX" sz="2200" b="1" dirty="0">
-                  <a:solidFill>
-                    <a:srgbClr val="FFC000"/>
-                  </a:solidFill>
-                  <a:latin typeface="Roboto" panose="02000000000000000000" pitchFamily="2" charset="0"/>
-                  <a:ea typeface="Roboto" panose="02000000000000000000" pitchFamily="2" charset="0"/>
-                </a:rPr>
-                <a:t>	</a:t>
-              </a:r>
-              <a:r>
-                <a:rPr lang="es-MX" sz="2400" dirty="0" err="1">
-                  <a:solidFill>
-                    <a:schemeClr val="bg1">
-                      <a:lumMod val="95000"/>
-                    </a:schemeClr>
-                  </a:solidFill>
-                  <a:latin typeface="Roboto" panose="02000000000000000000" pitchFamily="2" charset="0"/>
-                  <a:ea typeface="Roboto" panose="02000000000000000000" pitchFamily="2" charset="0"/>
-                </a:rPr>
-                <a:t>esc</a:t>
-              </a:r>
-              <a:r>
-                <a:rPr lang="es-MX" sz="2400" dirty="0">
-                  <a:solidFill>
-                    <a:schemeClr val="bg1">
-                      <a:lumMod val="95000"/>
-                    </a:schemeClr>
-                  </a:solidFill>
-                  <a:latin typeface="Roboto" panose="02000000000000000000" pitchFamily="2" charset="0"/>
-                  <a:ea typeface="Roboto" panose="02000000000000000000" pitchFamily="2" charset="0"/>
-                </a:rPr>
-                <a:t> -&gt; </a:t>
-              </a:r>
-              <a:r>
-                <a:rPr lang="es-MX" sz="2400" dirty="0" smtClean="0">
-                  <a:solidFill>
-                    <a:schemeClr val="bg1">
-                      <a:lumMod val="95000"/>
-                    </a:schemeClr>
-                  </a:solidFill>
-                  <a:latin typeface="Roboto" panose="02000000000000000000" pitchFamily="2" charset="0"/>
-                  <a:ea typeface="Roboto" panose="02000000000000000000" pitchFamily="2" charset="0"/>
-                </a:rPr>
-                <a:t>:</a:t>
-              </a:r>
-              <a:r>
-                <a:rPr lang="es-MX" sz="2400" dirty="0">
-                  <a:solidFill>
-                    <a:schemeClr val="bg1">
-                      <a:lumMod val="95000"/>
-                    </a:schemeClr>
-                  </a:solidFill>
-                  <a:latin typeface="Roboto" panose="02000000000000000000" pitchFamily="2" charset="0"/>
-                  <a:ea typeface="Roboto" panose="02000000000000000000" pitchFamily="2" charset="0"/>
-                </a:rPr>
-                <a:t>$</a:t>
-              </a:r>
-              <a:endParaRPr lang="es-MX" sz="2400" dirty="0">
-                <a:solidFill>
-                  <a:schemeClr val="bg1">
-                    <a:lumMod val="95000"/>
-                  </a:schemeClr>
-                </a:solidFill>
-                <a:latin typeface="Roboto" panose="02000000000000000000" pitchFamily="2" charset="0"/>
-                <a:ea typeface="Roboto" panose="02000000000000000000" pitchFamily="2" charset="0"/>
-              </a:endParaRPr>
             </a:p>
           </p:txBody>
         </p:sp>
@@ -8307,7 +8244,7 @@
           <p:spPr>
             <a:xfrm>
               <a:off x="6817025" y="1794293"/>
-              <a:ext cx="4473275" cy="3847207"/>
+              <a:ext cx="4473275" cy="3939540"/>
             </a:xfrm>
             <a:prstGeom prst="rect">
               <a:avLst/>
@@ -8321,7 +8258,17 @@
             <a:lstStyle/>
             <a:p>
               <a:r>
-                <a:rPr lang="es-MX" sz="2200" dirty="0">
+                <a:rPr lang="es-MX" sz="2200" b="1" dirty="0">
+                  <a:solidFill>
+                    <a:srgbClr val="FFC000"/>
+                  </a:solidFill>
+                  <a:latin typeface="Roboto" panose="02000000000000000000" pitchFamily="2" charset="0"/>
+                  <a:ea typeface="Roboto" panose="02000000000000000000" pitchFamily="2" charset="0"/>
+                </a:rPr>
+                <a:t>Buscar adelante </a:t>
+              </a:r>
+              <a:r>
+                <a:rPr lang="es-MX" sz="2200" dirty="0" smtClean="0">
                   <a:solidFill>
                     <a:schemeClr val="accent6">
                       <a:lumMod val="40000"/>
@@ -8331,28 +8278,15 @@
                   <a:latin typeface="Roboto" panose="02000000000000000000" pitchFamily="2" charset="0"/>
                   <a:ea typeface="Roboto" panose="02000000000000000000" pitchFamily="2" charset="0"/>
                 </a:rPr>
-                <a:t>Cursor </a:t>
-              </a:r>
-              <a:r>
-                <a:rPr lang="es-MX" sz="2200" b="1" dirty="0" smtClean="0">
-                  <a:solidFill>
-                    <a:srgbClr val="FFC000"/>
-                  </a:solidFill>
-                  <a:latin typeface="Roboto" panose="02000000000000000000" pitchFamily="2" charset="0"/>
-                  <a:ea typeface="Roboto" panose="02000000000000000000" pitchFamily="2" charset="0"/>
-                </a:rPr>
-                <a:t>n </a:t>
-              </a:r>
-              <a:r>
-                <a:rPr lang="es-MX" sz="2200" b="1" dirty="0">
-                  <a:solidFill>
-                    <a:srgbClr val="FFC000"/>
-                  </a:solidFill>
-                  <a:latin typeface="Roboto" panose="02000000000000000000" pitchFamily="2" charset="0"/>
-                  <a:ea typeface="Roboto" panose="02000000000000000000" pitchFamily="2" charset="0"/>
-                </a:rPr>
-                <a:t>línea </a:t>
-              </a:r>
+                <a:t>cadena</a:t>
+              </a:r>
+              <a:endParaRPr lang="es-MX" sz="2200" b="1" dirty="0">
+                <a:solidFill>
+                  <a:srgbClr val="FFC000"/>
+                </a:solidFill>
+                <a:latin typeface="Roboto" panose="02000000000000000000" pitchFamily="2" charset="0"/>
+                <a:ea typeface="Roboto" panose="02000000000000000000" pitchFamily="2" charset="0"/>
+              </a:endParaRPr>
             </a:p>
             <a:p>
               <a:r>
@@ -8368,7 +8302,7 @@
                 <a:t>	</a:t>
               </a:r>
               <a:r>
-                <a:rPr lang="es-MX" sz="2400" dirty="0" err="1">
+                <a:rPr lang="es-MX" sz="2400" dirty="0" smtClean="0">
                   <a:solidFill>
                     <a:schemeClr val="bg1">
                       <a:lumMod val="95000"/>
@@ -8377,31 +8311,7 @@
                   <a:latin typeface="Roboto" panose="02000000000000000000" pitchFamily="2" charset="0"/>
                   <a:ea typeface="Roboto" panose="02000000000000000000" pitchFamily="2" charset="0"/>
                 </a:rPr>
-                <a:t>esc</a:t>
-              </a:r>
-              <a:r>
-                <a:rPr lang="es-MX" sz="2400" dirty="0">
-                  <a:solidFill>
-                    <a:schemeClr val="bg1">
-                      <a:lumMod val="95000"/>
-                    </a:schemeClr>
-                  </a:solidFill>
-                  <a:latin typeface="Roboto" panose="02000000000000000000" pitchFamily="2" charset="0"/>
-                  <a:ea typeface="Roboto" panose="02000000000000000000" pitchFamily="2" charset="0"/>
-                </a:rPr>
-                <a:t> -&gt; </a:t>
-              </a:r>
-              <a:r>
-                <a:rPr lang="es-MX" sz="2400" dirty="0" smtClean="0">
-                  <a:solidFill>
-                    <a:schemeClr val="bg1">
-                      <a:lumMod val="95000"/>
-                    </a:schemeClr>
-                  </a:solidFill>
-                  <a:latin typeface="Roboto" panose="02000000000000000000" pitchFamily="2" charset="0"/>
-                  <a:ea typeface="Roboto" panose="02000000000000000000" pitchFamily="2" charset="0"/>
-                </a:rPr>
-                <a:t>:n</a:t>
+                <a:t>/”cadena”</a:t>
               </a:r>
               <a:endParaRPr lang="es-MX" sz="2400" dirty="0">
                 <a:solidFill>
@@ -8426,17 +8336,17 @@
             </a:p>
             <a:p>
               <a:r>
-                <a:rPr lang="es-MX" sz="2200" b="1" dirty="0">
+                <a:rPr lang="es-MX" sz="2200" b="1" dirty="0" smtClean="0">
                   <a:solidFill>
                     <a:srgbClr val="FFC000"/>
                   </a:solidFill>
                   <a:latin typeface="Roboto" panose="02000000000000000000" pitchFamily="2" charset="0"/>
                   <a:ea typeface="Roboto" panose="02000000000000000000" pitchFamily="2" charset="0"/>
                 </a:rPr>
-                <a:t>Descartar cambios </a:t>
-              </a:r>
-              <a:r>
-                <a:rPr lang="es-MX" sz="2200" dirty="0" smtClean="0">
+                <a:t>Buscar detrás </a:t>
+              </a:r>
+              <a:r>
+                <a:rPr lang="es-MX" sz="2200" dirty="0">
                   <a:solidFill>
                     <a:schemeClr val="accent6">
                       <a:lumMod val="40000"/>
@@ -8446,11 +8356,14 @@
                   <a:latin typeface="Roboto" panose="02000000000000000000" pitchFamily="2" charset="0"/>
                   <a:ea typeface="Roboto" panose="02000000000000000000" pitchFamily="2" charset="0"/>
                 </a:rPr>
-                <a:t>en la sesión</a:t>
-              </a:r>
-              <a:endParaRPr lang="es-MX" sz="2200" b="1" dirty="0">
-                <a:solidFill>
-                  <a:srgbClr val="FFC000"/>
+                <a:t>cadena</a:t>
+              </a:r>
+              <a:endParaRPr lang="es-MX" sz="2200" dirty="0">
+                <a:solidFill>
+                  <a:schemeClr val="accent6">
+                    <a:lumMod val="40000"/>
+                    <a:lumOff val="60000"/>
+                  </a:schemeClr>
                 </a:solidFill>
                 <a:latin typeface="Roboto" panose="02000000000000000000" pitchFamily="2" charset="0"/>
                 <a:ea typeface="Roboto" panose="02000000000000000000" pitchFamily="2" charset="0"/>
@@ -8458,6 +8371,10 @@
             </a:p>
             <a:p>
               <a:r>
+                <a:rPr lang="es-MX" dirty="0"/>
+                <a:t>	</a:t>
+              </a:r>
+              <a:r>
                 <a:rPr lang="es-MX" sz="2400" dirty="0">
                   <a:solidFill>
                     <a:schemeClr val="bg1">
@@ -8467,7 +8384,7 @@
                   <a:latin typeface="Roboto" panose="02000000000000000000" pitchFamily="2" charset="0"/>
                   <a:ea typeface="Roboto" panose="02000000000000000000" pitchFamily="2" charset="0"/>
                 </a:rPr>
-                <a:t>	</a:t>
+                <a:t>?”cadena</a:t>
               </a:r>
               <a:r>
                 <a:rPr lang="es-MX" sz="2400" dirty="0" smtClean="0">
@@ -8479,22 +8396,55 @@
                   <a:latin typeface="Roboto" panose="02000000000000000000" pitchFamily="2" charset="0"/>
                   <a:ea typeface="Roboto" panose="02000000000000000000" pitchFamily="2" charset="0"/>
                 </a:rPr>
-                <a:t>* </a:t>
-              </a:r>
-              <a:r>
-                <a:rPr lang="es-MX" sz="1600" dirty="0" smtClean="0">
-                  <a:solidFill>
-                    <a:schemeClr val="bg1">
-                      <a:lumMod val="75000"/>
-                    </a:schemeClr>
+                <a:t>”</a:t>
+              </a:r>
+            </a:p>
+            <a:p>
+              <a:endParaRPr lang="es-MX" sz="2400" dirty="0">
+                <a:solidFill>
+                  <a:schemeClr val="bg1">
+                    <a:lumMod val="95000"/>
+                  </a:schemeClr>
+                </a:solidFill>
+                <a:latin typeface="Roboto" panose="02000000000000000000" pitchFamily="2" charset="0"/>
+                <a:ea typeface="Roboto" panose="02000000000000000000" pitchFamily="2" charset="0"/>
+              </a:endParaRPr>
+            </a:p>
+            <a:p>
+              <a:r>
+                <a:rPr lang="es-MX" sz="2200" b="1" dirty="0">
+                  <a:solidFill>
+                    <a:srgbClr val="FFC000"/>
                   </a:solidFill>
                   <a:latin typeface="Roboto" panose="02000000000000000000" pitchFamily="2" charset="0"/>
                   <a:ea typeface="Roboto" panose="02000000000000000000" pitchFamily="2" charset="0"/>
                 </a:rPr>
-                <a:t>+</a:t>
-              </a:r>
-              <a:r>
-                <a:rPr lang="es-MX" sz="2400" dirty="0" smtClean="0">
+                <a:t>Número de línea </a:t>
+              </a:r>
+              <a:r>
+                <a:rPr lang="es-MX" sz="2200" dirty="0" smtClean="0">
+                  <a:solidFill>
+                    <a:schemeClr val="accent6">
+                      <a:lumMod val="40000"/>
+                      <a:lumOff val="60000"/>
+                    </a:schemeClr>
+                  </a:solidFill>
+                  <a:latin typeface="Roboto" panose="02000000000000000000" pitchFamily="2" charset="0"/>
+                  <a:ea typeface="Roboto" panose="02000000000000000000" pitchFamily="2" charset="0"/>
+                </a:rPr>
+                <a:t>(actual línea)</a:t>
+              </a:r>
+              <a:endParaRPr lang="es-MX" sz="2200" b="1" dirty="0">
+                <a:solidFill>
+                  <a:srgbClr val="FFC000"/>
+                </a:solidFill>
+                <a:latin typeface="Roboto" panose="02000000000000000000" pitchFamily="2" charset="0"/>
+                <a:ea typeface="Roboto" panose="02000000000000000000" pitchFamily="2" charset="0"/>
+              </a:endParaRPr>
+            </a:p>
+            <a:p>
+              <a:r>
+                <a:rPr lang="es-MX" dirty="0">
                   <a:solidFill>
                     <a:schemeClr val="bg1">
                       <a:lumMod val="95000"/>
@@ -8503,7 +8453,19 @@
                   <a:latin typeface="Roboto" panose="02000000000000000000" pitchFamily="2" charset="0"/>
                   <a:ea typeface="Roboto" panose="02000000000000000000" pitchFamily="2" charset="0"/>
                 </a:rPr>
-                <a:t> u</a:t>
+                <a:t>	</a:t>
+              </a:r>
+              <a:r>
+                <a:rPr lang="es-MX" sz="2400" dirty="0" smtClean="0">
+                  <a:solidFill>
+                    <a:schemeClr val="bg1">
+                      <a:lumMod val="95000"/>
+                    </a:schemeClr>
+                  </a:solidFill>
+                  <a:latin typeface="Roboto" panose="02000000000000000000" pitchFamily="2" charset="0"/>
+                  <a:ea typeface="Roboto" panose="02000000000000000000" pitchFamily="2" charset="0"/>
+                </a:rPr>
+                <a:t>:.=</a:t>
               </a:r>
               <a:endParaRPr lang="es-MX" sz="2400" dirty="0">
                 <a:solidFill>
@@ -8520,7 +8482,7 @@
             </a:p>
             <a:p>
               <a:r>
-                <a:rPr lang="es-MX" sz="2200" dirty="0">
+                <a:rPr lang="es-MX" sz="2200" dirty="0" smtClean="0">
                   <a:solidFill>
                     <a:schemeClr val="accent6">
                       <a:lumMod val="40000"/>
@@ -8530,27 +8492,7 @@
                   <a:latin typeface="Roboto" panose="02000000000000000000" pitchFamily="2" charset="0"/>
                   <a:ea typeface="Roboto" panose="02000000000000000000" pitchFamily="2" charset="0"/>
                 </a:rPr>
-                <a:t>Desplazamiento una </a:t>
-              </a:r>
-              <a:r>
-                <a:rPr lang="es-MX" sz="2200" b="1" dirty="0">
-                  <a:solidFill>
-                    <a:srgbClr val="FFC000"/>
-                  </a:solidFill>
-                  <a:latin typeface="Roboto" panose="02000000000000000000" pitchFamily="2" charset="0"/>
-                  <a:ea typeface="Roboto" panose="02000000000000000000" pitchFamily="2" charset="0"/>
-                </a:rPr>
-                <a:t>letra a la </a:t>
-              </a:r>
-              <a:r>
-                <a:rPr lang="es-MX" sz="2200" b="1" dirty="0" err="1">
-                  <a:solidFill>
-                    <a:srgbClr val="FFC000"/>
-                  </a:solidFill>
-                  <a:latin typeface="Roboto" panose="02000000000000000000" pitchFamily="2" charset="0"/>
-                  <a:ea typeface="Roboto" panose="02000000000000000000" pitchFamily="2" charset="0"/>
-                </a:rPr>
-                <a:t>izq</a:t>
+                <a:t>Número de líneas </a:t>
               </a:r>
               <a:endParaRPr lang="es-MX" sz="2200" b="1" dirty="0">
                 <a:solidFill>
@@ -8562,7 +8504,17 @@
             </a:p>
             <a:p>
               <a:r>
-                <a:rPr lang="es-MX" dirty="0">
+                <a:rPr lang="es-MX" sz="2200" b="1" dirty="0">
+                  <a:solidFill>
+                    <a:srgbClr val="FFC000"/>
+                  </a:solidFill>
+                  <a:latin typeface="Roboto" panose="02000000000000000000" pitchFamily="2" charset="0"/>
+                  <a:ea typeface="Roboto" panose="02000000000000000000" pitchFamily="2" charset="0"/>
+                </a:rPr>
+                <a:t>	</a:t>
+              </a:r>
+              <a:r>
+                <a:rPr lang="es-MX" sz="2400" dirty="0" smtClean="0">
                   <a:solidFill>
                     <a:schemeClr val="bg1">
                       <a:lumMod val="95000"/>
@@ -8571,97 +8523,7 @@
                   <a:latin typeface="Roboto" panose="02000000000000000000" pitchFamily="2" charset="0"/>
                   <a:ea typeface="Roboto" panose="02000000000000000000" pitchFamily="2" charset="0"/>
                 </a:rPr>
-                <a:t>	</a:t>
-              </a:r>
-              <a:r>
-                <a:rPr lang="es-MX" sz="2400" dirty="0" smtClean="0">
-                  <a:solidFill>
-                    <a:schemeClr val="bg1">
-                      <a:lumMod val="95000"/>
-                    </a:schemeClr>
-                  </a:solidFill>
-                  <a:latin typeface="Roboto" panose="02000000000000000000" pitchFamily="2" charset="0"/>
-                  <a:ea typeface="Roboto" panose="02000000000000000000" pitchFamily="2" charset="0"/>
-                </a:rPr>
-                <a:t>h ó →</a:t>
-              </a:r>
-              <a:endParaRPr lang="es-MX" sz="2400" dirty="0">
-                <a:solidFill>
-                  <a:schemeClr val="bg1">
-                    <a:lumMod val="95000"/>
-                  </a:schemeClr>
-                </a:solidFill>
-                <a:latin typeface="Roboto" panose="02000000000000000000" pitchFamily="2" charset="0"/>
-                <a:ea typeface="Roboto" panose="02000000000000000000" pitchFamily="2" charset="0"/>
-              </a:endParaRPr>
-            </a:p>
-            <a:p>
-              <a:endParaRPr lang="es-MX" dirty="0" smtClean="0"/>
-            </a:p>
-            <a:p>
-              <a:r>
-                <a:rPr lang="es-MX" sz="2200" dirty="0">
-                  <a:solidFill>
-                    <a:schemeClr val="accent6">
-                      <a:lumMod val="40000"/>
-                      <a:lumOff val="60000"/>
-                    </a:schemeClr>
-                  </a:solidFill>
-                  <a:latin typeface="Roboto" panose="02000000000000000000" pitchFamily="2" charset="0"/>
-                  <a:ea typeface="Roboto" panose="02000000000000000000" pitchFamily="2" charset="0"/>
-                </a:rPr>
-                <a:t>Desplazamiento una </a:t>
-              </a:r>
-              <a:r>
-                <a:rPr lang="es-MX" sz="2200" b="1" dirty="0">
-                  <a:solidFill>
-                    <a:srgbClr val="FFC000"/>
-                  </a:solidFill>
-                  <a:latin typeface="Roboto" panose="02000000000000000000" pitchFamily="2" charset="0"/>
-                  <a:ea typeface="Roboto" panose="02000000000000000000" pitchFamily="2" charset="0"/>
-                </a:rPr>
-                <a:t>letra a la </a:t>
-              </a:r>
-              <a:r>
-                <a:rPr lang="es-MX" sz="2200" b="1" dirty="0">
-                  <a:solidFill>
-                    <a:srgbClr val="FFC000"/>
-                  </a:solidFill>
-                  <a:latin typeface="Roboto" panose="02000000000000000000" pitchFamily="2" charset="0"/>
-                  <a:ea typeface="Roboto" panose="02000000000000000000" pitchFamily="2" charset="0"/>
-                </a:rPr>
-                <a:t>der</a:t>
-              </a:r>
-              <a:endParaRPr lang="es-MX" sz="2200" b="1" dirty="0">
-                <a:solidFill>
-                  <a:srgbClr val="FFC000"/>
-                </a:solidFill>
-                <a:latin typeface="Roboto" panose="02000000000000000000" pitchFamily="2" charset="0"/>
-                <a:ea typeface="Roboto" panose="02000000000000000000" pitchFamily="2" charset="0"/>
-              </a:endParaRPr>
-            </a:p>
-            <a:p>
-              <a:r>
-                <a:rPr lang="es-MX" sz="2200" b="1" dirty="0">
-                  <a:solidFill>
-                    <a:srgbClr val="FFC000"/>
-                  </a:solidFill>
-                  <a:latin typeface="Roboto" panose="02000000000000000000" pitchFamily="2" charset="0"/>
-                  <a:ea typeface="Roboto" panose="02000000000000000000" pitchFamily="2" charset="0"/>
-                </a:rPr>
-                <a:t>	</a:t>
-              </a:r>
-              <a:r>
-                <a:rPr lang="es-MX" sz="2400" dirty="0" smtClean="0">
-                  <a:solidFill>
-                    <a:schemeClr val="bg1">
-                      <a:lumMod val="95000"/>
-                    </a:schemeClr>
-                  </a:solidFill>
-                  <a:latin typeface="Roboto" panose="02000000000000000000" pitchFamily="2" charset="0"/>
-                  <a:ea typeface="Roboto" panose="02000000000000000000" pitchFamily="2" charset="0"/>
-                </a:rPr>
-                <a:t>l ó ←</a:t>
+                <a:t>:=</a:t>
               </a:r>
               <a:endParaRPr lang="es-MX" sz="2400" dirty="0">
                 <a:solidFill>
@@ -9443,15 +9305,6 @@
               </a:rPr>
               <a:t> [nombre rama]</a:t>
             </a:r>
-            <a:endParaRPr lang="es-MX" sz="2400" dirty="0" smtClean="0">
-              <a:solidFill>
-                <a:schemeClr val="bg1">
-                  <a:lumMod val="50000"/>
-                </a:schemeClr>
-              </a:solidFill>
-              <a:latin typeface="Roboto" panose="02000000000000000000" pitchFamily="2" charset="0"/>
-              <a:ea typeface="Roboto" panose="02000000000000000000" pitchFamily="2" charset="0"/>
-            </a:endParaRPr>
           </a:p>
           <a:p>
             <a:pPr marL="0" indent="0">
@@ -9481,19 +9334,7 @@
                 <a:latin typeface="Roboto" panose="02000000000000000000" pitchFamily="2" charset="0"/>
                 <a:ea typeface="Roboto" panose="02000000000000000000" pitchFamily="2" charset="0"/>
               </a:rPr>
-              <a:t>Cambiars</a:t>
-            </a:r>
-            <a:r>
-              <a:rPr lang="es-MX" sz="2200" dirty="0" smtClean="0">
-                <a:solidFill>
-                  <a:schemeClr val="bg1">
-                    <a:lumMod val="75000"/>
-                  </a:schemeClr>
-                </a:solidFill>
-                <a:latin typeface="Roboto" panose="02000000000000000000" pitchFamily="2" charset="0"/>
-                <a:ea typeface="Roboto" panose="02000000000000000000" pitchFamily="2" charset="0"/>
-              </a:rPr>
-              <a:t>e a otra rama</a:t>
+              <a:t>Cambiarse a otra rama</a:t>
             </a:r>
             <a:endParaRPr lang="es-MX" sz="2200" dirty="0">
               <a:solidFill>
@@ -9613,16 +9454,16 @@
       </p:pic>
       <p:grpSp>
         <p:nvGrpSpPr>
-          <p:cNvPr id="6" name="Grupo 5"/>
+          <p:cNvPr id="9" name="Grupo 8"/>
           <p:cNvGrpSpPr/>
           <p:nvPr/>
         </p:nvGrpSpPr>
         <p:grpSpPr>
           <a:xfrm>
-            <a:off x="6840747" y="3198168"/>
-            <a:ext cx="4688666" cy="461665"/>
-            <a:chOff x="6150634" y="3217653"/>
-            <a:chExt cx="4688666" cy="461665"/>
+            <a:off x="6228271" y="3198168"/>
+            <a:ext cx="5293190" cy="461665"/>
+            <a:chOff x="6228271" y="3405202"/>
+            <a:chExt cx="5293190" cy="461665"/>
           </a:xfrm>
         </p:grpSpPr>
         <p:sp>
@@ -9633,7 +9474,7 @@
           </p:nvSpPr>
           <p:spPr>
             <a:xfrm>
-              <a:off x="6150634" y="3217653"/>
+              <a:off x="6228271" y="3405202"/>
               <a:ext cx="4459875" cy="461665"/>
             </a:xfrm>
             <a:prstGeom prst="rect">
@@ -9707,23 +9548,14 @@
                 </a:rPr>
                 <a:t> –b [nombre rama]</a:t>
               </a:r>
-              <a:endParaRPr lang="es-MX" sz="2400" dirty="0">
-                <a:solidFill>
-                  <a:schemeClr val="bg1">
-                    <a:lumMod val="50000"/>
-                  </a:schemeClr>
-                </a:solidFill>
-                <a:latin typeface="Roboto" panose="02000000000000000000" pitchFamily="2" charset="0"/>
-                <a:ea typeface="Roboto" panose="02000000000000000000" pitchFamily="2" charset="0"/>
-              </a:endParaRPr>
             </a:p>
           </p:txBody>
         </p:sp>
         <p:pic>
           <p:nvPicPr>
-            <p:cNvPr id="1026" name="Picture 2" descr="http://www.newdesignfile.com/postpic/2014/01/8-bit-heart_281672.png"/>
+            <p:cNvPr id="7" name="Imagen 6"/>
             <p:cNvPicPr>
-              <a:picLocks noChangeAspect="1" noChangeArrowheads="1"/>
+              <a:picLocks noChangeAspect="1"/>
             </p:cNvPicPr>
             <p:nvPr/>
           </p:nvPicPr>
@@ -9735,29 +9567,18 @@
                 </a:ext>
               </a:extLst>
             </a:blip>
-            <a:srcRect/>
             <a:stretch>
               <a:fillRect/>
             </a:stretch>
           </p:blipFill>
-          <p:spPr bwMode="auto">
+          <p:spPr>
             <a:xfrm>
-              <a:off x="10610509" y="3334089"/>
-              <a:ext cx="228791" cy="228791"/>
+              <a:off x="10688146" y="3570778"/>
+              <a:ext cx="833315" cy="130512"/>
             </a:xfrm>
             <a:prstGeom prst="rect">
               <a:avLst/>
             </a:prstGeom>
-            <a:noFill/>
-            <a:extLst>
-              <a:ext uri="{909E8E84-426E-40DD-AFC4-6F175D3DCCD1}">
-                <a14:hiddenFill xmlns:a14="http://schemas.microsoft.com/office/drawing/2010/main">
-                  <a:solidFill>
-                    <a:srgbClr val="FFFFFF"/>
-                  </a:solidFill>
-                </a14:hiddenFill>
-              </a:ext>
-            </a:extLst>
           </p:spPr>
         </p:pic>
       </p:grpSp>

--- a/2017/dec_7_Git_GitHub_WorkShop/DGO.pptx
+++ b/2017/dec_7_Git_GitHub_WorkShop/DGO.pptx
@@ -24,18 +24,20 @@
     <p:sldId id="285" r:id="rId18"/>
     <p:sldId id="286" r:id="rId19"/>
     <p:sldId id="287" r:id="rId20"/>
-    <p:sldId id="271" r:id="rId21"/>
-    <p:sldId id="272" r:id="rId22"/>
-    <p:sldId id="274" r:id="rId23"/>
-    <p:sldId id="277" r:id="rId24"/>
-    <p:sldId id="273" r:id="rId25"/>
-    <p:sldId id="279" r:id="rId26"/>
-    <p:sldId id="275" r:id="rId27"/>
-    <p:sldId id="280" r:id="rId28"/>
-    <p:sldId id="276" r:id="rId29"/>
-    <p:sldId id="281" r:id="rId30"/>
-    <p:sldId id="278" r:id="rId31"/>
-    <p:sldId id="283" r:id="rId32"/>
+    <p:sldId id="289" r:id="rId21"/>
+    <p:sldId id="288" r:id="rId22"/>
+    <p:sldId id="271" r:id="rId23"/>
+    <p:sldId id="272" r:id="rId24"/>
+    <p:sldId id="274" r:id="rId25"/>
+    <p:sldId id="277" r:id="rId26"/>
+    <p:sldId id="273" r:id="rId27"/>
+    <p:sldId id="279" r:id="rId28"/>
+    <p:sldId id="275" r:id="rId29"/>
+    <p:sldId id="280" r:id="rId30"/>
+    <p:sldId id="276" r:id="rId31"/>
+    <p:sldId id="281" r:id="rId32"/>
+    <p:sldId id="278" r:id="rId33"/>
+    <p:sldId id="283" r:id="rId34"/>
   </p:sldIdLst>
   <p:sldSz cx="12192000" cy="6858000"/>
   <p:notesSz cx="6858000" cy="9144000"/>
@@ -8959,6 +8961,986 @@
           <a:chExt cx="0" cy="0"/>
         </a:xfrm>
       </p:grpSpPr>
+      <p:pic>
+        <p:nvPicPr>
+          <p:cNvPr id="2" name="Imagen 1"/>
+          <p:cNvPicPr>
+            <a:picLocks noChangeAspect="1"/>
+          </p:cNvPicPr>
+          <p:nvPr/>
+        </p:nvPicPr>
+        <p:blipFill>
+          <a:blip r:embed="rId2" cstate="print">
+            <a:extLst>
+              <a:ext uri="{28A0092B-C50C-407E-A947-70E740481C1C}">
+                <a14:useLocalDpi xmlns:a14="http://schemas.microsoft.com/office/drawing/2010/main" val="0"/>
+              </a:ext>
+            </a:extLst>
+          </a:blip>
+          <a:stretch>
+            <a:fillRect/>
+          </a:stretch>
+        </p:blipFill>
+        <p:spPr>
+          <a:xfrm>
+            <a:off x="979074" y="590387"/>
+            <a:ext cx="535960" cy="535960"/>
+          </a:xfrm>
+          <a:prstGeom prst="rect">
+            <a:avLst/>
+          </a:prstGeom>
+        </p:spPr>
+      </p:pic>
+      <p:sp>
+        <p:nvSpPr>
+          <p:cNvPr id="6" name="CuadroTexto 5"/>
+          <p:cNvSpPr txBox="1"/>
+          <p:nvPr/>
+        </p:nvSpPr>
+        <p:spPr>
+          <a:xfrm>
+            <a:off x="1515035" y="342901"/>
+            <a:ext cx="2999816" cy="850122"/>
+          </a:xfrm>
+          <a:prstGeom prst="rect">
+            <a:avLst/>
+          </a:prstGeom>
+          <a:noFill/>
+        </p:spPr>
+        <p:txBody>
+          <a:bodyPr wrap="square" rtlCol="0">
+            <a:noAutofit/>
+          </a:bodyPr>
+          <a:lstStyle/>
+          <a:p>
+            <a:r>
+              <a:rPr lang="es-MX" sz="4000" dirty="0" smtClean="0">
+                <a:solidFill>
+                  <a:schemeClr val="accent6">
+                    <a:lumMod val="75000"/>
+                  </a:schemeClr>
+                </a:solidFill>
+                <a:latin typeface="Roboto Black" panose="02000000000000000000" pitchFamily="2" charset="0"/>
+                <a:ea typeface="Roboto Black" panose="02000000000000000000" pitchFamily="2" charset="0"/>
+              </a:rPr>
+              <a:t>Ejercicios</a:t>
+            </a:r>
+            <a:r>
+              <a:rPr lang="es-MX" sz="5000" dirty="0" smtClean="0">
+                <a:solidFill>
+                  <a:schemeClr val="accent6">
+                    <a:lumMod val="75000"/>
+                  </a:schemeClr>
+                </a:solidFill>
+                <a:latin typeface="Roboto Black" panose="02000000000000000000" pitchFamily="2" charset="0"/>
+                <a:ea typeface="Roboto Black" panose="02000000000000000000" pitchFamily="2" charset="0"/>
+              </a:rPr>
+              <a:t> </a:t>
+            </a:r>
+            <a:r>
+              <a:rPr lang="es-MX" sz="2500" dirty="0" smtClean="0">
+                <a:solidFill>
+                  <a:schemeClr val="bg1">
+                    <a:lumMod val="75000"/>
+                  </a:schemeClr>
+                </a:solidFill>
+                <a:latin typeface="Roboto" panose="02000000000000000000" pitchFamily="2" charset="0"/>
+                <a:ea typeface="Roboto" panose="02000000000000000000" pitchFamily="2" charset="0"/>
+              </a:rPr>
+              <a:t>[vi</a:t>
+            </a:r>
+            <a:r>
+              <a:rPr lang="es-MX" sz="2500" dirty="0">
+                <a:solidFill>
+                  <a:schemeClr val="bg1">
+                    <a:lumMod val="75000"/>
+                  </a:schemeClr>
+                </a:solidFill>
+                <a:latin typeface="Roboto" panose="02000000000000000000" pitchFamily="2" charset="0"/>
+                <a:ea typeface="Roboto" panose="02000000000000000000" pitchFamily="2" charset="0"/>
+              </a:rPr>
+              <a:t>]</a:t>
+            </a:r>
+          </a:p>
+        </p:txBody>
+      </p:sp>
+    </p:spTree>
+    <p:extLst>
+      <p:ext uri="{BB962C8B-B14F-4D97-AF65-F5344CB8AC3E}">
+        <p14:creationId xmlns:p14="http://schemas.microsoft.com/office/powerpoint/2010/main" val="527878627"/>
+      </p:ext>
+    </p:extLst>
+  </p:cSld>
+  <p:clrMapOvr>
+    <a:masterClrMapping/>
+  </p:clrMapOvr>
+  <p:timing>
+    <p:tnLst>
+      <p:par>
+        <p:cTn id="1" dur="indefinite" restart="never" nodeType="tmRoot"/>
+      </p:par>
+    </p:tnLst>
+  </p:timing>
+</p:sld>
+</file>
+
+<file path=ppt/slides/slide21.xml><?xml version="1.0" encoding="utf-8"?>
+<p:sld xmlns:a="http://schemas.openxmlformats.org/drawingml/2006/main" xmlns:r="http://schemas.openxmlformats.org/officeDocument/2006/relationships" xmlns:p="http://schemas.openxmlformats.org/presentationml/2006/main">
+  <p:cSld>
+    <p:spTree>
+      <p:nvGrpSpPr>
+        <p:cNvPr id="1" name=""/>
+        <p:cNvGrpSpPr/>
+        <p:nvPr/>
+      </p:nvGrpSpPr>
+      <p:grpSpPr>
+        <a:xfrm>
+          <a:off x="0" y="0"/>
+          <a:ext cx="0" cy="0"/>
+          <a:chOff x="0" y="0"/>
+          <a:chExt cx="0" cy="0"/>
+        </a:xfrm>
+      </p:grpSpPr>
+      <p:sp>
+        <p:nvSpPr>
+          <p:cNvPr id="3" name="CuadroTexto 2"/>
+          <p:cNvSpPr txBox="1"/>
+          <p:nvPr/>
+        </p:nvSpPr>
+        <p:spPr>
+          <a:xfrm>
+            <a:off x="577970" y="448574"/>
+            <a:ext cx="5096267" cy="707886"/>
+          </a:xfrm>
+          <a:prstGeom prst="rect">
+            <a:avLst/>
+          </a:prstGeom>
+          <a:noFill/>
+        </p:spPr>
+        <p:txBody>
+          <a:bodyPr wrap="none" rtlCol="0">
+            <a:spAutoFit/>
+          </a:bodyPr>
+          <a:lstStyle/>
+          <a:p>
+            <a:r>
+              <a:rPr lang="es-MX" sz="4000" dirty="0">
+                <a:solidFill>
+                  <a:schemeClr val="bg1"/>
+                </a:solidFill>
+                <a:latin typeface="Roboto Black" panose="02000000000000000000" pitchFamily="2" charset="0"/>
+                <a:ea typeface="Roboto Black" panose="02000000000000000000" pitchFamily="2" charset="0"/>
+              </a:rPr>
+              <a:t>Comandos </a:t>
+            </a:r>
+            <a:r>
+              <a:rPr lang="es-MX" sz="4000" dirty="0" smtClean="0">
+                <a:solidFill>
+                  <a:schemeClr val="bg1"/>
+                </a:solidFill>
+                <a:latin typeface="Roboto Black" panose="02000000000000000000" pitchFamily="2" charset="0"/>
+                <a:ea typeface="Roboto Black" panose="02000000000000000000" pitchFamily="2" charset="0"/>
+              </a:rPr>
+              <a:t>básicos </a:t>
+            </a:r>
+            <a:r>
+              <a:rPr lang="es-MX" sz="2500" dirty="0" smtClean="0">
+                <a:solidFill>
+                  <a:schemeClr val="bg1">
+                    <a:lumMod val="75000"/>
+                  </a:schemeClr>
+                </a:solidFill>
+                <a:latin typeface="Roboto" panose="02000000000000000000" pitchFamily="2" charset="0"/>
+                <a:ea typeface="Roboto" panose="02000000000000000000" pitchFamily="2" charset="0"/>
+              </a:rPr>
+              <a:t>[vi]</a:t>
+            </a:r>
+            <a:endParaRPr lang="es-MX" sz="2500" dirty="0">
+              <a:solidFill>
+                <a:schemeClr val="bg1">
+                  <a:lumMod val="75000"/>
+                </a:schemeClr>
+              </a:solidFill>
+              <a:latin typeface="Roboto" panose="02000000000000000000" pitchFamily="2" charset="0"/>
+              <a:ea typeface="Roboto" panose="02000000000000000000" pitchFamily="2" charset="0"/>
+            </a:endParaRPr>
+          </a:p>
+        </p:txBody>
+      </p:sp>
+      <p:grpSp>
+        <p:nvGrpSpPr>
+          <p:cNvPr id="7" name="Grupo 6"/>
+          <p:cNvGrpSpPr/>
+          <p:nvPr/>
+        </p:nvGrpSpPr>
+        <p:grpSpPr>
+          <a:xfrm>
+            <a:off x="830412" y="1505396"/>
+            <a:ext cx="10531176" cy="4278095"/>
+            <a:chOff x="759124" y="1794293"/>
+            <a:chExt cx="10531176" cy="4278095"/>
+          </a:xfrm>
+        </p:grpSpPr>
+        <p:sp>
+          <p:nvSpPr>
+            <p:cNvPr id="4" name="CuadroTexto 3"/>
+            <p:cNvSpPr txBox="1"/>
+            <p:nvPr/>
+          </p:nvSpPr>
+          <p:spPr>
+            <a:xfrm>
+              <a:off x="759124" y="1794294"/>
+              <a:ext cx="5435917" cy="4278094"/>
+            </a:xfrm>
+            <a:prstGeom prst="rect">
+              <a:avLst/>
+            </a:prstGeom>
+            <a:noFill/>
+          </p:spPr>
+          <p:txBody>
+            <a:bodyPr wrap="square" rtlCol="0">
+              <a:spAutoFit/>
+            </a:bodyPr>
+            <a:lstStyle/>
+            <a:p>
+              <a:r>
+                <a:rPr lang="es-MX" sz="2200" dirty="0" smtClean="0">
+                  <a:solidFill>
+                    <a:schemeClr val="accent6">
+                      <a:lumMod val="40000"/>
+                      <a:lumOff val="60000"/>
+                    </a:schemeClr>
+                  </a:solidFill>
+                  <a:latin typeface="Roboto" panose="02000000000000000000" pitchFamily="2" charset="0"/>
+                  <a:ea typeface="Roboto" panose="02000000000000000000" pitchFamily="2" charset="0"/>
+                </a:rPr>
+                <a:t>Reemplazar </a:t>
+              </a:r>
+              <a:r>
+                <a:rPr lang="es-MX" sz="2200" dirty="0" smtClean="0">
+                  <a:solidFill>
+                    <a:schemeClr val="accent6">
+                      <a:lumMod val="40000"/>
+                      <a:lumOff val="60000"/>
+                    </a:schemeClr>
+                  </a:solidFill>
+                  <a:latin typeface="Roboto" panose="02000000000000000000" pitchFamily="2" charset="0"/>
+                  <a:ea typeface="Roboto" panose="02000000000000000000" pitchFamily="2" charset="0"/>
+                </a:rPr>
+                <a:t>caracteres </a:t>
+              </a:r>
+              <a:r>
+                <a:rPr lang="es-MX" sz="2200" b="1" dirty="0">
+                  <a:solidFill>
+                    <a:srgbClr val="FFC000"/>
+                  </a:solidFill>
+                  <a:latin typeface="Roboto" panose="02000000000000000000" pitchFamily="2" charset="0"/>
+                  <a:ea typeface="Roboto" panose="02000000000000000000" pitchFamily="2" charset="0"/>
+                </a:rPr>
+                <a:t>hasta </a:t>
+              </a:r>
+              <a:r>
+                <a:rPr lang="es-MX" sz="2200" b="1" dirty="0" err="1">
+                  <a:solidFill>
+                    <a:srgbClr val="FFC000"/>
+                  </a:solidFill>
+                  <a:latin typeface="Roboto" panose="02000000000000000000" pitchFamily="2" charset="0"/>
+                  <a:ea typeface="Roboto" panose="02000000000000000000" pitchFamily="2" charset="0"/>
+                </a:rPr>
+                <a:t>esc</a:t>
+              </a:r>
+              <a:r>
+                <a:rPr lang="es-MX" sz="2200" b="1" dirty="0">
+                  <a:solidFill>
+                    <a:srgbClr val="FFC000"/>
+                  </a:solidFill>
+                  <a:latin typeface="Roboto" panose="02000000000000000000" pitchFamily="2" charset="0"/>
+                  <a:ea typeface="Roboto" panose="02000000000000000000" pitchFamily="2" charset="0"/>
+                </a:rPr>
+                <a:t> </a:t>
+              </a:r>
+            </a:p>
+            <a:p>
+              <a:r>
+                <a:rPr lang="es-MX" dirty="0">
+                  <a:solidFill>
+                    <a:schemeClr val="bg1">
+                      <a:lumMod val="95000"/>
+                    </a:schemeClr>
+                  </a:solidFill>
+                  <a:latin typeface="Roboto" panose="02000000000000000000" pitchFamily="2" charset="0"/>
+                  <a:ea typeface="Roboto" panose="02000000000000000000" pitchFamily="2" charset="0"/>
+                </a:rPr>
+                <a:t>	</a:t>
+              </a:r>
+              <a:r>
+                <a:rPr lang="es-MX" sz="2400" dirty="0" smtClean="0">
+                  <a:solidFill>
+                    <a:schemeClr val="bg1">
+                      <a:lumMod val="95000"/>
+                    </a:schemeClr>
+                  </a:solidFill>
+                  <a:latin typeface="Roboto" panose="02000000000000000000" pitchFamily="2" charset="0"/>
+                  <a:ea typeface="Roboto" panose="02000000000000000000" pitchFamily="2" charset="0"/>
+                </a:rPr>
+                <a:t>R</a:t>
+              </a:r>
+            </a:p>
+            <a:p>
+              <a:endParaRPr lang="es-MX" sz="2400" dirty="0">
+                <a:solidFill>
+                  <a:schemeClr val="bg1">
+                    <a:lumMod val="95000"/>
+                  </a:schemeClr>
+                </a:solidFill>
+                <a:latin typeface="Roboto" panose="02000000000000000000" pitchFamily="2" charset="0"/>
+                <a:ea typeface="Roboto" panose="02000000000000000000" pitchFamily="2" charset="0"/>
+              </a:endParaRPr>
+            </a:p>
+            <a:p>
+              <a:r>
+                <a:rPr lang="es-MX" sz="2200" b="1" dirty="0">
+                  <a:solidFill>
+                    <a:srgbClr val="FFC000"/>
+                  </a:solidFill>
+                  <a:latin typeface="Roboto" panose="02000000000000000000" pitchFamily="2" charset="0"/>
+                  <a:ea typeface="Roboto" panose="02000000000000000000" pitchFamily="2" charset="0"/>
+                </a:rPr>
+                <a:t>Eliminar </a:t>
+              </a:r>
+              <a:r>
+                <a:rPr lang="es-MX" sz="2200" b="1" dirty="0" err="1">
+                  <a:solidFill>
+                    <a:srgbClr val="FFC000"/>
+                  </a:solidFill>
+                  <a:latin typeface="Roboto" panose="02000000000000000000" pitchFamily="2" charset="0"/>
+                  <a:ea typeface="Roboto" panose="02000000000000000000" pitchFamily="2" charset="0"/>
+                </a:rPr>
+                <a:t>caracter</a:t>
+              </a:r>
+              <a:r>
+                <a:rPr lang="es-MX" sz="2200" b="1" dirty="0">
+                  <a:solidFill>
+                    <a:srgbClr val="FFC000"/>
+                  </a:solidFill>
+                  <a:latin typeface="Roboto" panose="02000000000000000000" pitchFamily="2" charset="0"/>
+                  <a:ea typeface="Roboto" panose="02000000000000000000" pitchFamily="2" charset="0"/>
+                </a:rPr>
+                <a:t> </a:t>
+              </a:r>
+              <a:r>
+                <a:rPr lang="es-MX" sz="2200" dirty="0">
+                  <a:solidFill>
+                    <a:schemeClr val="accent6">
+                      <a:lumMod val="40000"/>
+                      <a:lumOff val="60000"/>
+                    </a:schemeClr>
+                  </a:solidFill>
+                  <a:latin typeface="Roboto" panose="02000000000000000000" pitchFamily="2" charset="0"/>
+                  <a:ea typeface="Roboto" panose="02000000000000000000" pitchFamily="2" charset="0"/>
+                </a:rPr>
+                <a:t>frente al </a:t>
+              </a:r>
+              <a:r>
+                <a:rPr lang="es-MX" sz="2200" dirty="0" smtClean="0">
+                  <a:solidFill>
+                    <a:schemeClr val="accent6">
+                      <a:lumMod val="40000"/>
+                      <a:lumOff val="60000"/>
+                    </a:schemeClr>
+                  </a:solidFill>
+                  <a:latin typeface="Roboto" panose="02000000000000000000" pitchFamily="2" charset="0"/>
+                  <a:ea typeface="Roboto" panose="02000000000000000000" pitchFamily="2" charset="0"/>
+                </a:rPr>
+                <a:t>cursor</a:t>
+              </a:r>
+            </a:p>
+            <a:p>
+              <a:r>
+                <a:rPr lang="es-MX" sz="2200" dirty="0">
+                  <a:solidFill>
+                    <a:schemeClr val="accent6">
+                      <a:lumMod val="40000"/>
+                      <a:lumOff val="60000"/>
+                    </a:schemeClr>
+                  </a:solidFill>
+                  <a:latin typeface="Roboto" panose="02000000000000000000" pitchFamily="2" charset="0"/>
+                  <a:ea typeface="Roboto" panose="02000000000000000000" pitchFamily="2" charset="0"/>
+                </a:rPr>
+                <a:t>	</a:t>
+              </a:r>
+              <a:r>
+                <a:rPr lang="es-MX" sz="2400" dirty="0">
+                  <a:solidFill>
+                    <a:schemeClr val="bg1">
+                      <a:lumMod val="95000"/>
+                    </a:schemeClr>
+                  </a:solidFill>
+                  <a:latin typeface="Roboto" panose="02000000000000000000" pitchFamily="2" charset="0"/>
+                  <a:ea typeface="Roboto" panose="02000000000000000000" pitchFamily="2" charset="0"/>
+                </a:rPr>
+                <a:t>* </a:t>
+              </a:r>
+              <a:r>
+                <a:rPr lang="es-MX" sz="1600" dirty="0">
+                  <a:solidFill>
+                    <a:schemeClr val="bg1">
+                      <a:lumMod val="75000"/>
+                    </a:schemeClr>
+                  </a:solidFill>
+                  <a:latin typeface="Roboto" panose="02000000000000000000" pitchFamily="2" charset="0"/>
+                  <a:ea typeface="Roboto" panose="02000000000000000000" pitchFamily="2" charset="0"/>
+                </a:rPr>
+                <a:t>+</a:t>
+              </a:r>
+              <a:r>
+                <a:rPr lang="es-MX" sz="2400" dirty="0">
+                  <a:solidFill>
+                    <a:schemeClr val="bg1">
+                      <a:lumMod val="95000"/>
+                    </a:schemeClr>
+                  </a:solidFill>
+                  <a:latin typeface="Roboto" panose="02000000000000000000" pitchFamily="2" charset="0"/>
+                  <a:ea typeface="Roboto" panose="02000000000000000000" pitchFamily="2" charset="0"/>
+                </a:rPr>
+                <a:t> </a:t>
+              </a:r>
+              <a:r>
+                <a:rPr lang="es-MX" sz="2400" dirty="0" smtClean="0">
+                  <a:solidFill>
+                    <a:schemeClr val="bg1">
+                      <a:lumMod val="95000"/>
+                    </a:schemeClr>
+                  </a:solidFill>
+                  <a:latin typeface="Roboto" panose="02000000000000000000" pitchFamily="2" charset="0"/>
+                  <a:ea typeface="Roboto" panose="02000000000000000000" pitchFamily="2" charset="0"/>
+                </a:rPr>
+                <a:t>x</a:t>
+              </a:r>
+            </a:p>
+            <a:p>
+              <a:endParaRPr lang="es-MX" sz="2400" dirty="0">
+                <a:solidFill>
+                  <a:schemeClr val="bg1">
+                    <a:lumMod val="95000"/>
+                  </a:schemeClr>
+                </a:solidFill>
+                <a:latin typeface="Roboto" panose="02000000000000000000" pitchFamily="2" charset="0"/>
+                <a:ea typeface="Roboto" panose="02000000000000000000" pitchFamily="2" charset="0"/>
+              </a:endParaRPr>
+            </a:p>
+            <a:p>
+              <a:r>
+                <a:rPr lang="es-MX" sz="2200" b="1" dirty="0">
+                  <a:solidFill>
+                    <a:srgbClr val="FFC000"/>
+                  </a:solidFill>
+                  <a:latin typeface="Roboto" panose="02000000000000000000" pitchFamily="2" charset="0"/>
+                  <a:ea typeface="Roboto" panose="02000000000000000000" pitchFamily="2" charset="0"/>
+                </a:rPr>
+                <a:t>Eliminar </a:t>
+              </a:r>
+              <a:r>
+                <a:rPr lang="es-MX" sz="2200" b="1" dirty="0" smtClean="0">
+                  <a:solidFill>
+                    <a:srgbClr val="FFC000"/>
+                  </a:solidFill>
+                  <a:latin typeface="Roboto" panose="02000000000000000000" pitchFamily="2" charset="0"/>
+                  <a:ea typeface="Roboto" panose="02000000000000000000" pitchFamily="2" charset="0"/>
+                </a:rPr>
+                <a:t>N </a:t>
+              </a:r>
+              <a:r>
+                <a:rPr lang="es-MX" sz="2200" b="1" dirty="0">
+                  <a:solidFill>
+                    <a:srgbClr val="FFC000"/>
+                  </a:solidFill>
+                  <a:latin typeface="Roboto" panose="02000000000000000000" pitchFamily="2" charset="0"/>
+                  <a:ea typeface="Roboto" panose="02000000000000000000" pitchFamily="2" charset="0"/>
+                </a:rPr>
+                <a:t>caracteres </a:t>
+              </a:r>
+              <a:r>
+                <a:rPr lang="es-MX" sz="2200" dirty="0">
+                  <a:solidFill>
+                    <a:schemeClr val="accent6">
+                      <a:lumMod val="40000"/>
+                      <a:lumOff val="60000"/>
+                    </a:schemeClr>
+                  </a:solidFill>
+                  <a:latin typeface="Roboto" panose="02000000000000000000" pitchFamily="2" charset="0"/>
+                  <a:ea typeface="Roboto" panose="02000000000000000000" pitchFamily="2" charset="0"/>
+                </a:rPr>
+                <a:t>frente al </a:t>
+              </a:r>
+              <a:r>
+                <a:rPr lang="es-MX" sz="2200" dirty="0" smtClean="0">
+                  <a:solidFill>
+                    <a:schemeClr val="accent6">
+                      <a:lumMod val="40000"/>
+                      <a:lumOff val="60000"/>
+                    </a:schemeClr>
+                  </a:solidFill>
+                  <a:latin typeface="Roboto" panose="02000000000000000000" pitchFamily="2" charset="0"/>
+                  <a:ea typeface="Roboto" panose="02000000000000000000" pitchFamily="2" charset="0"/>
+                </a:rPr>
+                <a:t>cursor</a:t>
+              </a:r>
+            </a:p>
+            <a:p>
+              <a:r>
+                <a:rPr lang="es-MX" sz="2200" dirty="0">
+                  <a:solidFill>
+                    <a:schemeClr val="accent6">
+                      <a:lumMod val="40000"/>
+                      <a:lumOff val="60000"/>
+                    </a:schemeClr>
+                  </a:solidFill>
+                  <a:latin typeface="Roboto" panose="02000000000000000000" pitchFamily="2" charset="0"/>
+                  <a:ea typeface="Roboto" panose="02000000000000000000" pitchFamily="2" charset="0"/>
+                </a:rPr>
+                <a:t>	</a:t>
+              </a:r>
+              <a:r>
+                <a:rPr lang="es-MX" sz="2400" dirty="0" err="1">
+                  <a:solidFill>
+                    <a:schemeClr val="bg1">
+                      <a:lumMod val="95000"/>
+                    </a:schemeClr>
+                  </a:solidFill>
+                  <a:latin typeface="Roboto" panose="02000000000000000000" pitchFamily="2" charset="0"/>
+                  <a:ea typeface="Roboto" panose="02000000000000000000" pitchFamily="2" charset="0"/>
+                </a:rPr>
+                <a:t>Nx</a:t>
+              </a:r>
+              <a:endParaRPr lang="es-MX" sz="2400" dirty="0">
+                <a:solidFill>
+                  <a:schemeClr val="bg1">
+                    <a:lumMod val="95000"/>
+                  </a:schemeClr>
+                </a:solidFill>
+                <a:latin typeface="Roboto" panose="02000000000000000000" pitchFamily="2" charset="0"/>
+                <a:ea typeface="Roboto" panose="02000000000000000000" pitchFamily="2" charset="0"/>
+              </a:endParaRPr>
+            </a:p>
+            <a:p>
+              <a:endParaRPr lang="es-MX" sz="2200" dirty="0">
+                <a:solidFill>
+                  <a:schemeClr val="accent6">
+                    <a:lumMod val="40000"/>
+                    <a:lumOff val="60000"/>
+                  </a:schemeClr>
+                </a:solidFill>
+                <a:latin typeface="Roboto" panose="02000000000000000000" pitchFamily="2" charset="0"/>
+                <a:ea typeface="Roboto" panose="02000000000000000000" pitchFamily="2" charset="0"/>
+              </a:endParaRPr>
+            </a:p>
+            <a:p>
+              <a:r>
+                <a:rPr lang="es-MX" sz="2200" b="1" dirty="0">
+                  <a:solidFill>
+                    <a:srgbClr val="FFC000"/>
+                  </a:solidFill>
+                  <a:latin typeface="Roboto" panose="02000000000000000000" pitchFamily="2" charset="0"/>
+                  <a:ea typeface="Roboto" panose="02000000000000000000" pitchFamily="2" charset="0"/>
+                </a:rPr>
+                <a:t>Eliminar resto de línea </a:t>
+              </a:r>
+              <a:r>
+                <a:rPr lang="es-MX" sz="2200" dirty="0" smtClean="0">
+                  <a:solidFill>
+                    <a:schemeClr val="accent6">
+                      <a:lumMod val="40000"/>
+                      <a:lumOff val="60000"/>
+                    </a:schemeClr>
+                  </a:solidFill>
+                  <a:latin typeface="Roboto" panose="02000000000000000000" pitchFamily="2" charset="0"/>
+                  <a:ea typeface="Roboto" panose="02000000000000000000" pitchFamily="2" charset="0"/>
+                </a:rPr>
+                <a:t>después de cursor</a:t>
+              </a:r>
+            </a:p>
+            <a:p>
+              <a:r>
+                <a:rPr lang="es-MX" sz="2200" dirty="0">
+                  <a:solidFill>
+                    <a:schemeClr val="accent6">
+                      <a:lumMod val="40000"/>
+                      <a:lumOff val="60000"/>
+                    </a:schemeClr>
+                  </a:solidFill>
+                  <a:latin typeface="Roboto" panose="02000000000000000000" pitchFamily="2" charset="0"/>
+                  <a:ea typeface="Roboto" panose="02000000000000000000" pitchFamily="2" charset="0"/>
+                </a:rPr>
+                <a:t>	</a:t>
+              </a:r>
+              <a:r>
+                <a:rPr lang="es-MX" sz="2400" dirty="0">
+                  <a:solidFill>
+                    <a:schemeClr val="bg1">
+                      <a:lumMod val="95000"/>
+                    </a:schemeClr>
+                  </a:solidFill>
+                  <a:latin typeface="Roboto" panose="02000000000000000000" pitchFamily="2" charset="0"/>
+                  <a:ea typeface="Roboto" panose="02000000000000000000" pitchFamily="2" charset="0"/>
+                </a:rPr>
+                <a:t>D</a:t>
+              </a:r>
+              <a:endParaRPr lang="es-MX" sz="2400" dirty="0">
+                <a:solidFill>
+                  <a:schemeClr val="bg1">
+                    <a:lumMod val="95000"/>
+                  </a:schemeClr>
+                </a:solidFill>
+                <a:latin typeface="Roboto" panose="02000000000000000000" pitchFamily="2" charset="0"/>
+                <a:ea typeface="Roboto" panose="02000000000000000000" pitchFamily="2" charset="0"/>
+              </a:endParaRPr>
+            </a:p>
+            <a:p>
+              <a:endParaRPr lang="es-MX" dirty="0" smtClean="0"/>
+            </a:p>
+          </p:txBody>
+        </p:sp>
+        <p:sp>
+          <p:nvSpPr>
+            <p:cNvPr id="5" name="CuadroTexto 4"/>
+            <p:cNvSpPr txBox="1"/>
+            <p:nvPr/>
+          </p:nvSpPr>
+          <p:spPr>
+            <a:xfrm>
+              <a:off x="6817025" y="1794293"/>
+              <a:ext cx="4473275" cy="3939540"/>
+            </a:xfrm>
+            <a:prstGeom prst="rect">
+              <a:avLst/>
+            </a:prstGeom>
+            <a:noFill/>
+          </p:spPr>
+          <p:txBody>
+            <a:bodyPr wrap="square" rtlCol="0">
+              <a:spAutoFit/>
+            </a:bodyPr>
+            <a:lstStyle/>
+            <a:p>
+              <a:r>
+                <a:rPr lang="es-MX" sz="2200" b="1" dirty="0">
+                  <a:solidFill>
+                    <a:srgbClr val="FFC000"/>
+                  </a:solidFill>
+                  <a:latin typeface="Roboto" panose="02000000000000000000" pitchFamily="2" charset="0"/>
+                  <a:ea typeface="Roboto" panose="02000000000000000000" pitchFamily="2" charset="0"/>
+                </a:rPr>
+                <a:t>Buscar adelante </a:t>
+              </a:r>
+              <a:r>
+                <a:rPr lang="es-MX" sz="2200" dirty="0" smtClean="0">
+                  <a:solidFill>
+                    <a:schemeClr val="accent6">
+                      <a:lumMod val="40000"/>
+                      <a:lumOff val="60000"/>
+                    </a:schemeClr>
+                  </a:solidFill>
+                  <a:latin typeface="Roboto" panose="02000000000000000000" pitchFamily="2" charset="0"/>
+                  <a:ea typeface="Roboto" panose="02000000000000000000" pitchFamily="2" charset="0"/>
+                </a:rPr>
+                <a:t>cadena</a:t>
+              </a:r>
+              <a:endParaRPr lang="es-MX" sz="2200" b="1" dirty="0">
+                <a:solidFill>
+                  <a:srgbClr val="FFC000"/>
+                </a:solidFill>
+                <a:latin typeface="Roboto" panose="02000000000000000000" pitchFamily="2" charset="0"/>
+                <a:ea typeface="Roboto" panose="02000000000000000000" pitchFamily="2" charset="0"/>
+              </a:endParaRPr>
+            </a:p>
+            <a:p>
+              <a:r>
+                <a:rPr lang="es-MX" sz="2400" dirty="0" smtClean="0">
+                  <a:solidFill>
+                    <a:schemeClr val="bg1">
+                      <a:lumMod val="95000"/>
+                    </a:schemeClr>
+                  </a:solidFill>
+                  <a:latin typeface="Roboto" panose="02000000000000000000" pitchFamily="2" charset="0"/>
+                  <a:ea typeface="Roboto" panose="02000000000000000000" pitchFamily="2" charset="0"/>
+                </a:rPr>
+                <a:t>	</a:t>
+              </a:r>
+              <a:r>
+                <a:rPr lang="es-MX" sz="2400" dirty="0" smtClean="0">
+                  <a:solidFill>
+                    <a:schemeClr val="bg1">
+                      <a:lumMod val="95000"/>
+                    </a:schemeClr>
+                  </a:solidFill>
+                  <a:latin typeface="Roboto" panose="02000000000000000000" pitchFamily="2" charset="0"/>
+                  <a:ea typeface="Roboto" panose="02000000000000000000" pitchFamily="2" charset="0"/>
+                </a:rPr>
+                <a:t>/”cadena”</a:t>
+              </a:r>
+              <a:endParaRPr lang="es-MX" sz="2400" dirty="0">
+                <a:solidFill>
+                  <a:schemeClr val="bg1">
+                    <a:lumMod val="95000"/>
+                  </a:schemeClr>
+                </a:solidFill>
+                <a:latin typeface="Roboto" panose="02000000000000000000" pitchFamily="2" charset="0"/>
+                <a:ea typeface="Roboto" panose="02000000000000000000" pitchFamily="2" charset="0"/>
+              </a:endParaRPr>
+            </a:p>
+            <a:p>
+              <a:endParaRPr lang="es-MX" sz="2400" dirty="0" smtClean="0">
+                <a:solidFill>
+                  <a:schemeClr val="bg1">
+                    <a:lumMod val="95000"/>
+                  </a:schemeClr>
+                </a:solidFill>
+                <a:latin typeface="Roboto" panose="02000000000000000000" pitchFamily="2" charset="0"/>
+                <a:ea typeface="Roboto" panose="02000000000000000000" pitchFamily="2" charset="0"/>
+              </a:endParaRPr>
+            </a:p>
+            <a:p>
+              <a:r>
+                <a:rPr lang="es-MX" sz="2200" b="1" dirty="0" smtClean="0">
+                  <a:solidFill>
+                    <a:srgbClr val="FFC000"/>
+                  </a:solidFill>
+                  <a:latin typeface="Roboto" panose="02000000000000000000" pitchFamily="2" charset="0"/>
+                  <a:ea typeface="Roboto" panose="02000000000000000000" pitchFamily="2" charset="0"/>
+                </a:rPr>
+                <a:t>Buscar detrás </a:t>
+              </a:r>
+              <a:r>
+                <a:rPr lang="es-MX" sz="2200" dirty="0">
+                  <a:solidFill>
+                    <a:schemeClr val="accent6">
+                      <a:lumMod val="40000"/>
+                      <a:lumOff val="60000"/>
+                    </a:schemeClr>
+                  </a:solidFill>
+                  <a:latin typeface="Roboto" panose="02000000000000000000" pitchFamily="2" charset="0"/>
+                  <a:ea typeface="Roboto" panose="02000000000000000000" pitchFamily="2" charset="0"/>
+                </a:rPr>
+                <a:t>cadena</a:t>
+              </a:r>
+              <a:endParaRPr lang="es-MX" sz="2200" dirty="0">
+                <a:solidFill>
+                  <a:schemeClr val="accent6">
+                    <a:lumMod val="40000"/>
+                    <a:lumOff val="60000"/>
+                  </a:schemeClr>
+                </a:solidFill>
+                <a:latin typeface="Roboto" panose="02000000000000000000" pitchFamily="2" charset="0"/>
+                <a:ea typeface="Roboto" panose="02000000000000000000" pitchFamily="2" charset="0"/>
+              </a:endParaRPr>
+            </a:p>
+            <a:p>
+              <a:r>
+                <a:rPr lang="es-MX" dirty="0"/>
+                <a:t>	</a:t>
+              </a:r>
+              <a:r>
+                <a:rPr lang="es-MX" sz="2400" dirty="0">
+                  <a:solidFill>
+                    <a:schemeClr val="bg1">
+                      <a:lumMod val="95000"/>
+                    </a:schemeClr>
+                  </a:solidFill>
+                  <a:latin typeface="Roboto" panose="02000000000000000000" pitchFamily="2" charset="0"/>
+                  <a:ea typeface="Roboto" panose="02000000000000000000" pitchFamily="2" charset="0"/>
+                </a:rPr>
+                <a:t>?”cadena</a:t>
+              </a:r>
+              <a:r>
+                <a:rPr lang="es-MX" sz="2400" dirty="0" smtClean="0">
+                  <a:solidFill>
+                    <a:schemeClr val="bg1">
+                      <a:lumMod val="95000"/>
+                    </a:schemeClr>
+                  </a:solidFill>
+                  <a:latin typeface="Roboto" panose="02000000000000000000" pitchFamily="2" charset="0"/>
+                  <a:ea typeface="Roboto" panose="02000000000000000000" pitchFamily="2" charset="0"/>
+                </a:rPr>
+                <a:t>”</a:t>
+              </a:r>
+            </a:p>
+            <a:p>
+              <a:endParaRPr lang="es-MX" sz="2400" dirty="0">
+                <a:solidFill>
+                  <a:schemeClr val="bg1">
+                    <a:lumMod val="95000"/>
+                  </a:schemeClr>
+                </a:solidFill>
+                <a:latin typeface="Roboto" panose="02000000000000000000" pitchFamily="2" charset="0"/>
+                <a:ea typeface="Roboto" panose="02000000000000000000" pitchFamily="2" charset="0"/>
+              </a:endParaRPr>
+            </a:p>
+            <a:p>
+              <a:r>
+                <a:rPr lang="es-MX" sz="2200" b="1" dirty="0">
+                  <a:solidFill>
+                    <a:srgbClr val="FFC000"/>
+                  </a:solidFill>
+                  <a:latin typeface="Roboto" panose="02000000000000000000" pitchFamily="2" charset="0"/>
+                  <a:ea typeface="Roboto" panose="02000000000000000000" pitchFamily="2" charset="0"/>
+                </a:rPr>
+                <a:t>Número de línea </a:t>
+              </a:r>
+              <a:r>
+                <a:rPr lang="es-MX" sz="2200" dirty="0" smtClean="0">
+                  <a:solidFill>
+                    <a:schemeClr val="accent6">
+                      <a:lumMod val="40000"/>
+                      <a:lumOff val="60000"/>
+                    </a:schemeClr>
+                  </a:solidFill>
+                  <a:latin typeface="Roboto" panose="02000000000000000000" pitchFamily="2" charset="0"/>
+                  <a:ea typeface="Roboto" panose="02000000000000000000" pitchFamily="2" charset="0"/>
+                </a:rPr>
+                <a:t>(actual línea)</a:t>
+              </a:r>
+              <a:endParaRPr lang="es-MX" sz="2200" b="1" dirty="0">
+                <a:solidFill>
+                  <a:srgbClr val="FFC000"/>
+                </a:solidFill>
+                <a:latin typeface="Roboto" panose="02000000000000000000" pitchFamily="2" charset="0"/>
+                <a:ea typeface="Roboto" panose="02000000000000000000" pitchFamily="2" charset="0"/>
+              </a:endParaRPr>
+            </a:p>
+            <a:p>
+              <a:r>
+                <a:rPr lang="es-MX" dirty="0">
+                  <a:solidFill>
+                    <a:schemeClr val="bg1">
+                      <a:lumMod val="95000"/>
+                    </a:schemeClr>
+                  </a:solidFill>
+                  <a:latin typeface="Roboto" panose="02000000000000000000" pitchFamily="2" charset="0"/>
+                  <a:ea typeface="Roboto" panose="02000000000000000000" pitchFamily="2" charset="0"/>
+                </a:rPr>
+                <a:t>	</a:t>
+              </a:r>
+              <a:r>
+                <a:rPr lang="es-MX" sz="2400" dirty="0" smtClean="0">
+                  <a:solidFill>
+                    <a:schemeClr val="bg1">
+                      <a:lumMod val="95000"/>
+                    </a:schemeClr>
+                  </a:solidFill>
+                  <a:latin typeface="Roboto" panose="02000000000000000000" pitchFamily="2" charset="0"/>
+                  <a:ea typeface="Roboto" panose="02000000000000000000" pitchFamily="2" charset="0"/>
+                </a:rPr>
+                <a:t>:.=</a:t>
+              </a:r>
+              <a:endParaRPr lang="es-MX" sz="2400" dirty="0">
+                <a:solidFill>
+                  <a:schemeClr val="bg1">
+                    <a:lumMod val="95000"/>
+                  </a:schemeClr>
+                </a:solidFill>
+                <a:latin typeface="Roboto" panose="02000000000000000000" pitchFamily="2" charset="0"/>
+                <a:ea typeface="Roboto" panose="02000000000000000000" pitchFamily="2" charset="0"/>
+              </a:endParaRPr>
+            </a:p>
+            <a:p>
+              <a:endParaRPr lang="es-MX" dirty="0" smtClean="0"/>
+            </a:p>
+            <a:p>
+              <a:r>
+                <a:rPr lang="es-MX" sz="2200" dirty="0" smtClean="0">
+                  <a:solidFill>
+                    <a:schemeClr val="accent6">
+                      <a:lumMod val="40000"/>
+                      <a:lumOff val="60000"/>
+                    </a:schemeClr>
+                  </a:solidFill>
+                  <a:latin typeface="Roboto" panose="02000000000000000000" pitchFamily="2" charset="0"/>
+                  <a:ea typeface="Roboto" panose="02000000000000000000" pitchFamily="2" charset="0"/>
+                </a:rPr>
+                <a:t>Número de líneas </a:t>
+              </a:r>
+              <a:endParaRPr lang="es-MX" sz="2200" b="1" dirty="0">
+                <a:solidFill>
+                  <a:srgbClr val="FFC000"/>
+                </a:solidFill>
+                <a:latin typeface="Roboto" panose="02000000000000000000" pitchFamily="2" charset="0"/>
+                <a:ea typeface="Roboto" panose="02000000000000000000" pitchFamily="2" charset="0"/>
+              </a:endParaRPr>
+            </a:p>
+            <a:p>
+              <a:r>
+                <a:rPr lang="es-MX" sz="2200" b="1" dirty="0">
+                  <a:solidFill>
+                    <a:srgbClr val="FFC000"/>
+                  </a:solidFill>
+                  <a:latin typeface="Roboto" panose="02000000000000000000" pitchFamily="2" charset="0"/>
+                  <a:ea typeface="Roboto" panose="02000000000000000000" pitchFamily="2" charset="0"/>
+                </a:rPr>
+                <a:t>	</a:t>
+              </a:r>
+              <a:r>
+                <a:rPr lang="es-MX" sz="2400" dirty="0" smtClean="0">
+                  <a:solidFill>
+                    <a:schemeClr val="bg1">
+                      <a:lumMod val="95000"/>
+                    </a:schemeClr>
+                  </a:solidFill>
+                  <a:latin typeface="Roboto" panose="02000000000000000000" pitchFamily="2" charset="0"/>
+                  <a:ea typeface="Roboto" panose="02000000000000000000" pitchFamily="2" charset="0"/>
+                </a:rPr>
+                <a:t>:=</a:t>
+              </a:r>
+              <a:endParaRPr lang="es-MX" sz="2400" dirty="0">
+                <a:solidFill>
+                  <a:schemeClr val="bg1">
+                    <a:lumMod val="95000"/>
+                  </a:schemeClr>
+                </a:solidFill>
+                <a:latin typeface="Roboto" panose="02000000000000000000" pitchFamily="2" charset="0"/>
+                <a:ea typeface="Roboto" panose="02000000000000000000" pitchFamily="2" charset="0"/>
+              </a:endParaRPr>
+            </a:p>
+          </p:txBody>
+        </p:sp>
+      </p:grpSp>
+    </p:spTree>
+    <p:extLst>
+      <p:ext uri="{BB962C8B-B14F-4D97-AF65-F5344CB8AC3E}">
+        <p14:creationId xmlns:p14="http://schemas.microsoft.com/office/powerpoint/2010/main" val="1012585068"/>
+      </p:ext>
+    </p:extLst>
+  </p:cSld>
+  <p:clrMapOvr>
+    <a:masterClrMapping/>
+  </p:clrMapOvr>
+  <p:timing>
+    <p:tnLst>
+      <p:par>
+        <p:cTn id="1" dur="indefinite" restart="never" nodeType="tmRoot"/>
+      </p:par>
+    </p:tnLst>
+  </p:timing>
+</p:sld>
+</file>
+
+<file path=ppt/slides/slide22.xml><?xml version="1.0" encoding="utf-8"?>
+<p:sld xmlns:a="http://schemas.openxmlformats.org/drawingml/2006/main" xmlns:r="http://schemas.openxmlformats.org/officeDocument/2006/relationships" xmlns:p="http://schemas.openxmlformats.org/presentationml/2006/main">
+  <p:cSld>
+    <p:spTree>
+      <p:nvGrpSpPr>
+        <p:cNvPr id="1" name=""/>
+        <p:cNvGrpSpPr/>
+        <p:nvPr/>
+      </p:nvGrpSpPr>
+      <p:grpSpPr>
+        <a:xfrm>
+          <a:off x="0" y="0"/>
+          <a:ext cx="0" cy="0"/>
+          <a:chOff x="0" y="0"/>
+          <a:chExt cx="0" cy="0"/>
+        </a:xfrm>
+      </p:grpSpPr>
       <p:sp>
         <p:nvSpPr>
           <p:cNvPr id="4" name="Título 1"/>
@@ -9602,7 +10584,7 @@
 </p:sld>
 </file>
 
-<file path=ppt/slides/slide21.xml><?xml version="1.0" encoding="utf-8"?>
+<file path=ppt/slides/slide23.xml><?xml version="1.0" encoding="utf-8"?>
 <p:sld xmlns:a="http://schemas.openxmlformats.org/drawingml/2006/main" xmlns:r="http://schemas.openxmlformats.org/officeDocument/2006/relationships" xmlns:p="http://schemas.openxmlformats.org/presentationml/2006/main">
   <p:cSld>
     <p:spTree>
@@ -10177,7 +11159,7 @@
 </p:sld>
 </file>
 
-<file path=ppt/slides/slide22.xml><?xml version="1.0" encoding="utf-8"?>
+<file path=ppt/slides/slide24.xml><?xml version="1.0" encoding="utf-8"?>
 <p:sld xmlns:a="http://schemas.openxmlformats.org/drawingml/2006/main" xmlns:r="http://schemas.openxmlformats.org/officeDocument/2006/relationships" xmlns:p="http://schemas.openxmlformats.org/presentationml/2006/main">
   <p:cSld>
     <p:bg>
@@ -10280,196 +11262,6 @@
     <p:extLst>
       <p:ext uri="{BB962C8B-B14F-4D97-AF65-F5344CB8AC3E}">
         <p14:creationId xmlns:p14="http://schemas.microsoft.com/office/powerpoint/2010/main" val="4267404770"/>
-      </p:ext>
-    </p:extLst>
-  </p:cSld>
-  <p:clrMapOvr>
-    <a:masterClrMapping/>
-  </p:clrMapOvr>
-  <p:timing>
-    <p:tnLst>
-      <p:par>
-        <p:cTn id="1" dur="indefinite" restart="never" nodeType="tmRoot"/>
-      </p:par>
-    </p:tnLst>
-  </p:timing>
-</p:sld>
-</file>
-
-<file path=ppt/slides/slide23.xml><?xml version="1.0" encoding="utf-8"?>
-<p:sld xmlns:a="http://schemas.openxmlformats.org/drawingml/2006/main" xmlns:r="http://schemas.openxmlformats.org/officeDocument/2006/relationships" xmlns:p="http://schemas.openxmlformats.org/presentationml/2006/main">
-  <p:cSld>
-    <p:spTree>
-      <p:nvGrpSpPr>
-        <p:cNvPr id="1" name=""/>
-        <p:cNvGrpSpPr/>
-        <p:nvPr/>
-      </p:nvGrpSpPr>
-      <p:grpSpPr>
-        <a:xfrm>
-          <a:off x="0" y="0"/>
-          <a:ext cx="0" cy="0"/>
-          <a:chOff x="0" y="0"/>
-          <a:chExt cx="0" cy="0"/>
-        </a:xfrm>
-      </p:grpSpPr>
-      <p:sp>
-        <p:nvSpPr>
-          <p:cNvPr id="5" name="Título 1"/>
-          <p:cNvSpPr txBox="1">
-            <a:spLocks/>
-          </p:cNvSpPr>
-          <p:nvPr/>
-        </p:nvSpPr>
-        <p:spPr>
-          <a:xfrm>
-            <a:off x="838200" y="370187"/>
-            <a:ext cx="8639433" cy="1325563"/>
-          </a:xfrm>
-          <a:prstGeom prst="rect">
-            <a:avLst/>
-          </a:prstGeom>
-        </p:spPr>
-        <p:txBody>
-          <a:bodyPr vert="horz" lIns="91440" tIns="45720" rIns="91440" bIns="45720" rtlCol="0" anchor="ctr">
-            <a:normAutofit/>
-          </a:bodyPr>
-          <a:lstStyle>
-            <a:lvl1pPr algn="l" defTabSz="914400" rtl="0" eaLnBrk="1" latinLnBrk="0" hangingPunct="1">
-              <a:lnSpc>
-                <a:spcPct val="90000"/>
-              </a:lnSpc>
-              <a:spcBef>
-                <a:spcPct val="0"/>
-              </a:spcBef>
-              <a:buNone/>
-              <a:defRPr sz="4400" kern="1200">
-                <a:solidFill>
-                  <a:schemeClr val="tx1"/>
-                </a:solidFill>
-                <a:latin typeface="+mj-lt"/>
-                <a:ea typeface="+mj-ea"/>
-                <a:cs typeface="+mj-cs"/>
-              </a:defRPr>
-            </a:lvl1pPr>
-          </a:lstStyle>
-          <a:p>
-            <a:r>
-              <a:rPr lang="es-MX" sz="5000" dirty="0" smtClean="0">
-                <a:solidFill>
-                  <a:srgbClr val="7030A0"/>
-                </a:solidFill>
-                <a:latin typeface="Roboto Black" panose="02000000000000000000" pitchFamily="2" charset="0"/>
-                <a:ea typeface="Roboto Black" panose="02000000000000000000" pitchFamily="2" charset="0"/>
-              </a:rPr>
-              <a:t>Flujo centralizado</a:t>
-            </a:r>
-            <a:endParaRPr lang="es-MX" sz="3000" dirty="0">
-              <a:solidFill>
-                <a:srgbClr val="7030A0"/>
-              </a:solidFill>
-              <a:latin typeface="Roboto" panose="02000000000000000000" pitchFamily="2" charset="0"/>
-              <a:ea typeface="Roboto" panose="02000000000000000000" pitchFamily="2" charset="0"/>
-            </a:endParaRPr>
-          </a:p>
-        </p:txBody>
-      </p:sp>
-    </p:spTree>
-    <p:extLst>
-      <p:ext uri="{BB962C8B-B14F-4D97-AF65-F5344CB8AC3E}">
-        <p14:creationId xmlns:p14="http://schemas.microsoft.com/office/powerpoint/2010/main" val="3633037503"/>
-      </p:ext>
-    </p:extLst>
-  </p:cSld>
-  <p:clrMapOvr>
-    <a:masterClrMapping/>
-  </p:clrMapOvr>
-  <p:timing>
-    <p:tnLst>
-      <p:par>
-        <p:cTn id="1" dur="indefinite" restart="never" nodeType="tmRoot"/>
-      </p:par>
-    </p:tnLst>
-  </p:timing>
-</p:sld>
-</file>
-
-<file path=ppt/slides/slide24.xml><?xml version="1.0" encoding="utf-8"?>
-<p:sld xmlns:a="http://schemas.openxmlformats.org/drawingml/2006/main" xmlns:r="http://schemas.openxmlformats.org/officeDocument/2006/relationships" xmlns:p="http://schemas.openxmlformats.org/presentationml/2006/main">
-  <p:cSld>
-    <p:bg>
-      <p:bgPr>
-        <a:solidFill>
-          <a:srgbClr val="0070C0"/>
-        </a:solidFill>
-        <a:effectLst/>
-      </p:bgPr>
-    </p:bg>
-    <p:spTree>
-      <p:nvGrpSpPr>
-        <p:cNvPr id="1" name=""/>
-        <p:cNvGrpSpPr/>
-        <p:nvPr/>
-      </p:nvGrpSpPr>
-      <p:grpSpPr>
-        <a:xfrm>
-          <a:off x="0" y="0"/>
-          <a:ext cx="0" cy="0"/>
-          <a:chOff x="0" y="0"/>
-          <a:chExt cx="0" cy="0"/>
-        </a:xfrm>
-      </p:grpSpPr>
-      <p:sp>
-        <p:nvSpPr>
-          <p:cNvPr id="2" name="Título 1"/>
-          <p:cNvSpPr>
-            <a:spLocks noGrp="1"/>
-          </p:cNvSpPr>
-          <p:nvPr>
-            <p:ph type="title"/>
-          </p:nvPr>
-        </p:nvSpPr>
-        <p:spPr>
-          <a:xfrm>
-            <a:off x="3805238" y="2766219"/>
-            <a:ext cx="4581525" cy="1325563"/>
-          </a:xfrm>
-        </p:spPr>
-        <p:txBody>
-          <a:bodyPr>
-            <a:normAutofit fontScale="90000"/>
-          </a:bodyPr>
-          <a:lstStyle/>
-          <a:p>
-            <a:pPr algn="ctr"/>
-            <a:r>
-              <a:rPr lang="es-MX" sz="6000" dirty="0" smtClean="0">
-                <a:solidFill>
-                  <a:schemeClr val="bg1">
-                    <a:lumMod val="95000"/>
-                  </a:schemeClr>
-                </a:solidFill>
-                <a:latin typeface="Roboto Black" panose="02000000000000000000" pitchFamily="2" charset="0"/>
-                <a:ea typeface="Roboto Black" panose="02000000000000000000" pitchFamily="2" charset="0"/>
-              </a:rPr>
-              <a:t>Rama por característica</a:t>
-            </a:r>
-            <a:endParaRPr lang="es-MX" sz="6000" dirty="0">
-              <a:solidFill>
-                <a:schemeClr val="bg1">
-                  <a:lumMod val="95000"/>
-                </a:schemeClr>
-              </a:solidFill>
-              <a:latin typeface="Roboto Black" panose="02000000000000000000" pitchFamily="2" charset="0"/>
-              <a:ea typeface="Roboto Black" panose="02000000000000000000" pitchFamily="2" charset="0"/>
-            </a:endParaRPr>
-          </a:p>
-        </p:txBody>
-      </p:sp>
-    </p:spTree>
-    <p:extLst>
-      <p:ext uri="{BB962C8B-B14F-4D97-AF65-F5344CB8AC3E}">
-        <p14:creationId xmlns:p14="http://schemas.microsoft.com/office/powerpoint/2010/main" val="1413987108"/>
       </p:ext>
     </p:extLst>
   </p:cSld>
@@ -10547,16 +11339,16 @@
             <a:r>
               <a:rPr lang="es-MX" sz="5000" dirty="0" smtClean="0">
                 <a:solidFill>
-                  <a:srgbClr val="0070C0"/>
+                  <a:srgbClr val="7030A0"/>
                 </a:solidFill>
                 <a:latin typeface="Roboto Black" panose="02000000000000000000" pitchFamily="2" charset="0"/>
                 <a:ea typeface="Roboto Black" panose="02000000000000000000" pitchFamily="2" charset="0"/>
               </a:rPr>
-              <a:t>Flujo rama por característica</a:t>
+              <a:t>Flujo centralizado</a:t>
             </a:r>
             <a:endParaRPr lang="es-MX" sz="3000" dirty="0">
               <a:solidFill>
-                <a:srgbClr val="0070C0"/>
+                <a:srgbClr val="7030A0"/>
               </a:solidFill>
               <a:latin typeface="Roboto" panose="02000000000000000000" pitchFamily="2" charset="0"/>
               <a:ea typeface="Roboto" panose="02000000000000000000" pitchFamily="2" charset="0"/>
@@ -10567,7 +11359,7 @@
     </p:spTree>
     <p:extLst>
       <p:ext uri="{BB962C8B-B14F-4D97-AF65-F5344CB8AC3E}">
-        <p14:creationId xmlns:p14="http://schemas.microsoft.com/office/powerpoint/2010/main" val="915500910"/>
+        <p14:creationId xmlns:p14="http://schemas.microsoft.com/office/powerpoint/2010/main" val="3633037503"/>
       </p:ext>
     </p:extLst>
   </p:cSld>
@@ -10590,9 +11382,7 @@
     <p:bg>
       <p:bgPr>
         <a:solidFill>
-          <a:schemeClr val="accent2">
-            <a:lumMod val="75000"/>
-          </a:schemeClr>
+          <a:srgbClr val="0070C0"/>
         </a:solidFill>
         <a:effectLst/>
       </p:bgPr>
@@ -10629,13 +11419,13 @@
         </p:spPr>
         <p:txBody>
           <a:bodyPr>
-            <a:normAutofit/>
+            <a:normAutofit fontScale="90000"/>
           </a:bodyPr>
           <a:lstStyle/>
           <a:p>
             <a:pPr algn="ctr"/>
             <a:r>
-              <a:rPr lang="es-MX" sz="6000" dirty="0" err="1" smtClean="0">
+              <a:rPr lang="es-MX" sz="6000" dirty="0" smtClean="0">
                 <a:solidFill>
                   <a:schemeClr val="bg1">
                     <a:lumMod val="95000"/>
@@ -10644,7 +11434,7 @@
                 <a:latin typeface="Roboto Black" panose="02000000000000000000" pitchFamily="2" charset="0"/>
                 <a:ea typeface="Roboto Black" panose="02000000000000000000" pitchFamily="2" charset="0"/>
               </a:rPr>
-              <a:t>Gitflow</a:t>
+              <a:t>Rama por característica</a:t>
             </a:r>
             <a:endParaRPr lang="es-MX" sz="6000" dirty="0">
               <a:solidFill>
@@ -10661,7 +11451,7 @@
     </p:spTree>
     <p:extLst>
       <p:ext uri="{BB962C8B-B14F-4D97-AF65-F5344CB8AC3E}">
-        <p14:creationId xmlns:p14="http://schemas.microsoft.com/office/powerpoint/2010/main" val="72157810"/>
+        <p14:creationId xmlns:p14="http://schemas.microsoft.com/office/powerpoint/2010/main" val="1413987108"/>
       </p:ext>
     </p:extLst>
   </p:cSld>
@@ -10739,32 +11529,16 @@
             <a:r>
               <a:rPr lang="es-MX" sz="5000" dirty="0" smtClean="0">
                 <a:solidFill>
-                  <a:schemeClr val="accent2">
-                    <a:lumMod val="75000"/>
-                  </a:schemeClr>
+                  <a:srgbClr val="0070C0"/>
                 </a:solidFill>
                 <a:latin typeface="Roboto Black" panose="02000000000000000000" pitchFamily="2" charset="0"/>
                 <a:ea typeface="Roboto Black" panose="02000000000000000000" pitchFamily="2" charset="0"/>
               </a:rPr>
-              <a:t>Flujo </a:t>
-            </a:r>
-            <a:r>
-              <a:rPr lang="es-MX" sz="5000" dirty="0" err="1" smtClean="0">
-                <a:solidFill>
-                  <a:schemeClr val="accent2">
-                    <a:lumMod val="75000"/>
-                  </a:schemeClr>
-                </a:solidFill>
-                <a:latin typeface="Roboto Black" panose="02000000000000000000" pitchFamily="2" charset="0"/>
-                <a:ea typeface="Roboto Black" panose="02000000000000000000" pitchFamily="2" charset="0"/>
-              </a:rPr>
-              <a:t>Gitflow</a:t>
+              <a:t>Flujo rama por característica</a:t>
             </a:r>
             <a:endParaRPr lang="es-MX" sz="3000" dirty="0">
               <a:solidFill>
-                <a:schemeClr val="accent2">
-                  <a:lumMod val="75000"/>
-                </a:schemeClr>
+                <a:srgbClr val="0070C0"/>
               </a:solidFill>
               <a:latin typeface="Roboto" panose="02000000000000000000" pitchFamily="2" charset="0"/>
               <a:ea typeface="Roboto" panose="02000000000000000000" pitchFamily="2" charset="0"/>
@@ -10775,7 +11549,7 @@
     </p:spTree>
     <p:extLst>
       <p:ext uri="{BB962C8B-B14F-4D97-AF65-F5344CB8AC3E}">
-        <p14:creationId xmlns:p14="http://schemas.microsoft.com/office/powerpoint/2010/main" val="3383270948"/>
+        <p14:creationId xmlns:p14="http://schemas.microsoft.com/office/powerpoint/2010/main" val="915500910"/>
       </p:ext>
     </p:extLst>
   </p:cSld>
@@ -10798,7 +11572,9 @@
     <p:bg>
       <p:bgPr>
         <a:solidFill>
-          <a:srgbClr val="7F8C8C"/>
+          <a:schemeClr val="accent2">
+            <a:lumMod val="75000"/>
+          </a:schemeClr>
         </a:solidFill>
         <a:effectLst/>
       </p:bgPr>
@@ -10829,7 +11605,7 @@
         </p:nvSpPr>
         <p:spPr>
           <a:xfrm>
-            <a:off x="3805238" y="2556669"/>
+            <a:off x="3805238" y="2766219"/>
             <a:ext cx="4581525" cy="1325563"/>
           </a:xfrm>
         </p:spPr>
@@ -10850,7 +11626,7 @@
                 <a:latin typeface="Roboto Black" panose="02000000000000000000" pitchFamily="2" charset="0"/>
                 <a:ea typeface="Roboto Black" panose="02000000000000000000" pitchFamily="2" charset="0"/>
               </a:rPr>
-              <a:t>Forkflow</a:t>
+              <a:t>Gitflow</a:t>
             </a:r>
             <a:endParaRPr lang="es-MX" sz="6000" dirty="0">
               <a:solidFill>
@@ -10864,40 +11640,10 @@
           </a:p>
         </p:txBody>
       </p:sp>
-      <p:pic>
-        <p:nvPicPr>
-          <p:cNvPr id="3" name="Imagen 2"/>
-          <p:cNvPicPr>
-            <a:picLocks noChangeAspect="1"/>
-          </p:cNvPicPr>
-          <p:nvPr/>
-        </p:nvPicPr>
-        <p:blipFill>
-          <a:blip r:embed="rId2" cstate="print">
-            <a:extLst>
-              <a:ext uri="{28A0092B-C50C-407E-A947-70E740481C1C}">
-                <a14:useLocalDpi xmlns:a14="http://schemas.microsoft.com/office/drawing/2010/main" val="0"/>
-              </a:ext>
-            </a:extLst>
-          </a:blip>
-          <a:stretch>
-            <a:fillRect/>
-          </a:stretch>
-        </p:blipFill>
-        <p:spPr>
-          <a:xfrm>
-            <a:off x="5883401" y="3882232"/>
-            <a:ext cx="425197" cy="1373127"/>
-          </a:xfrm>
-          <a:prstGeom prst="rect">
-            <a:avLst/>
-          </a:prstGeom>
-        </p:spPr>
-      </p:pic>
     </p:spTree>
     <p:extLst>
       <p:ext uri="{BB962C8B-B14F-4D97-AF65-F5344CB8AC3E}">
-        <p14:creationId xmlns:p14="http://schemas.microsoft.com/office/powerpoint/2010/main" val="3449553744"/>
+        <p14:creationId xmlns:p14="http://schemas.microsoft.com/office/powerpoint/2010/main" val="72157810"/>
       </p:ext>
     </p:extLst>
   </p:cSld>
@@ -10975,8 +11721,8 @@
             <a:r>
               <a:rPr lang="es-MX" sz="5000" dirty="0" smtClean="0">
                 <a:solidFill>
-                  <a:schemeClr val="bg1">
-                    <a:lumMod val="50000"/>
+                  <a:schemeClr val="accent2">
+                    <a:lumMod val="75000"/>
                   </a:schemeClr>
                 </a:solidFill>
                 <a:latin typeface="Roboto Black" panose="02000000000000000000" pitchFamily="2" charset="0"/>
@@ -10987,19 +11733,19 @@
             <a:r>
               <a:rPr lang="es-MX" sz="5000" dirty="0" err="1" smtClean="0">
                 <a:solidFill>
-                  <a:schemeClr val="bg1">
-                    <a:lumMod val="50000"/>
+                  <a:schemeClr val="accent2">
+                    <a:lumMod val="75000"/>
                   </a:schemeClr>
                 </a:solidFill>
                 <a:latin typeface="Roboto Black" panose="02000000000000000000" pitchFamily="2" charset="0"/>
                 <a:ea typeface="Roboto Black" panose="02000000000000000000" pitchFamily="2" charset="0"/>
               </a:rPr>
-              <a:t>Forkflow</a:t>
+              <a:t>Gitflow</a:t>
             </a:r>
             <a:endParaRPr lang="es-MX" sz="3000" dirty="0">
               <a:solidFill>
-                <a:schemeClr val="bg1">
-                  <a:lumMod val="50000"/>
+                <a:schemeClr val="accent2">
+                  <a:lumMod val="75000"/>
                 </a:schemeClr>
               </a:solidFill>
               <a:latin typeface="Roboto" panose="02000000000000000000" pitchFamily="2" charset="0"/>
@@ -11011,7 +11757,7 @@
     </p:spTree>
     <p:extLst>
       <p:ext uri="{BB962C8B-B14F-4D97-AF65-F5344CB8AC3E}">
-        <p14:creationId xmlns:p14="http://schemas.microsoft.com/office/powerpoint/2010/main" val="4091193814"/>
+        <p14:creationId xmlns:p14="http://schemas.microsoft.com/office/powerpoint/2010/main" val="3383270948"/>
       </p:ext>
     </p:extLst>
   </p:cSld>
@@ -11119,6 +11865,242 @@
     <p:bg>
       <p:bgPr>
         <a:solidFill>
+          <a:srgbClr val="7F8C8C"/>
+        </a:solidFill>
+        <a:effectLst/>
+      </p:bgPr>
+    </p:bg>
+    <p:spTree>
+      <p:nvGrpSpPr>
+        <p:cNvPr id="1" name=""/>
+        <p:cNvGrpSpPr/>
+        <p:nvPr/>
+      </p:nvGrpSpPr>
+      <p:grpSpPr>
+        <a:xfrm>
+          <a:off x="0" y="0"/>
+          <a:ext cx="0" cy="0"/>
+          <a:chOff x="0" y="0"/>
+          <a:chExt cx="0" cy="0"/>
+        </a:xfrm>
+      </p:grpSpPr>
+      <p:sp>
+        <p:nvSpPr>
+          <p:cNvPr id="2" name="Título 1"/>
+          <p:cNvSpPr>
+            <a:spLocks noGrp="1"/>
+          </p:cNvSpPr>
+          <p:nvPr>
+            <p:ph type="title"/>
+          </p:nvPr>
+        </p:nvSpPr>
+        <p:spPr>
+          <a:xfrm>
+            <a:off x="3805238" y="2556669"/>
+            <a:ext cx="4581525" cy="1325563"/>
+          </a:xfrm>
+        </p:spPr>
+        <p:txBody>
+          <a:bodyPr>
+            <a:normAutofit/>
+          </a:bodyPr>
+          <a:lstStyle/>
+          <a:p>
+            <a:pPr algn="ctr"/>
+            <a:r>
+              <a:rPr lang="es-MX" sz="6000" dirty="0" err="1" smtClean="0">
+                <a:solidFill>
+                  <a:schemeClr val="bg1">
+                    <a:lumMod val="95000"/>
+                  </a:schemeClr>
+                </a:solidFill>
+                <a:latin typeface="Roboto Black" panose="02000000000000000000" pitchFamily="2" charset="0"/>
+                <a:ea typeface="Roboto Black" panose="02000000000000000000" pitchFamily="2" charset="0"/>
+              </a:rPr>
+              <a:t>Forkflow</a:t>
+            </a:r>
+            <a:endParaRPr lang="es-MX" sz="6000" dirty="0">
+              <a:solidFill>
+                <a:schemeClr val="bg1">
+                  <a:lumMod val="95000"/>
+                </a:schemeClr>
+              </a:solidFill>
+              <a:latin typeface="Roboto Black" panose="02000000000000000000" pitchFamily="2" charset="0"/>
+              <a:ea typeface="Roboto Black" panose="02000000000000000000" pitchFamily="2" charset="0"/>
+            </a:endParaRPr>
+          </a:p>
+        </p:txBody>
+      </p:sp>
+      <p:pic>
+        <p:nvPicPr>
+          <p:cNvPr id="3" name="Imagen 2"/>
+          <p:cNvPicPr>
+            <a:picLocks noChangeAspect="1"/>
+          </p:cNvPicPr>
+          <p:nvPr/>
+        </p:nvPicPr>
+        <p:blipFill>
+          <a:blip r:embed="rId2" cstate="print">
+            <a:extLst>
+              <a:ext uri="{28A0092B-C50C-407E-A947-70E740481C1C}">
+                <a14:useLocalDpi xmlns:a14="http://schemas.microsoft.com/office/drawing/2010/main" val="0"/>
+              </a:ext>
+            </a:extLst>
+          </a:blip>
+          <a:stretch>
+            <a:fillRect/>
+          </a:stretch>
+        </p:blipFill>
+        <p:spPr>
+          <a:xfrm>
+            <a:off x="5883401" y="3882232"/>
+            <a:ext cx="425197" cy="1373127"/>
+          </a:xfrm>
+          <a:prstGeom prst="rect">
+            <a:avLst/>
+          </a:prstGeom>
+        </p:spPr>
+      </p:pic>
+    </p:spTree>
+    <p:extLst>
+      <p:ext uri="{BB962C8B-B14F-4D97-AF65-F5344CB8AC3E}">
+        <p14:creationId xmlns:p14="http://schemas.microsoft.com/office/powerpoint/2010/main" val="3449553744"/>
+      </p:ext>
+    </p:extLst>
+  </p:cSld>
+  <p:clrMapOvr>
+    <a:masterClrMapping/>
+  </p:clrMapOvr>
+  <p:timing>
+    <p:tnLst>
+      <p:par>
+        <p:cTn id="1" dur="indefinite" restart="never" nodeType="tmRoot"/>
+      </p:par>
+    </p:tnLst>
+  </p:timing>
+</p:sld>
+</file>
+
+<file path=ppt/slides/slide31.xml><?xml version="1.0" encoding="utf-8"?>
+<p:sld xmlns:a="http://schemas.openxmlformats.org/drawingml/2006/main" xmlns:r="http://schemas.openxmlformats.org/officeDocument/2006/relationships" xmlns:p="http://schemas.openxmlformats.org/presentationml/2006/main">
+  <p:cSld>
+    <p:spTree>
+      <p:nvGrpSpPr>
+        <p:cNvPr id="1" name=""/>
+        <p:cNvGrpSpPr/>
+        <p:nvPr/>
+      </p:nvGrpSpPr>
+      <p:grpSpPr>
+        <a:xfrm>
+          <a:off x="0" y="0"/>
+          <a:ext cx="0" cy="0"/>
+          <a:chOff x="0" y="0"/>
+          <a:chExt cx="0" cy="0"/>
+        </a:xfrm>
+      </p:grpSpPr>
+      <p:sp>
+        <p:nvSpPr>
+          <p:cNvPr id="5" name="Título 1"/>
+          <p:cNvSpPr txBox="1">
+            <a:spLocks/>
+          </p:cNvSpPr>
+          <p:nvPr/>
+        </p:nvSpPr>
+        <p:spPr>
+          <a:xfrm>
+            <a:off x="838200" y="370187"/>
+            <a:ext cx="8639433" cy="1325563"/>
+          </a:xfrm>
+          <a:prstGeom prst="rect">
+            <a:avLst/>
+          </a:prstGeom>
+        </p:spPr>
+        <p:txBody>
+          <a:bodyPr vert="horz" lIns="91440" tIns="45720" rIns="91440" bIns="45720" rtlCol="0" anchor="ctr">
+            <a:normAutofit/>
+          </a:bodyPr>
+          <a:lstStyle>
+            <a:lvl1pPr algn="l" defTabSz="914400" rtl="0" eaLnBrk="1" latinLnBrk="0" hangingPunct="1">
+              <a:lnSpc>
+                <a:spcPct val="90000"/>
+              </a:lnSpc>
+              <a:spcBef>
+                <a:spcPct val="0"/>
+              </a:spcBef>
+              <a:buNone/>
+              <a:defRPr sz="4400" kern="1200">
+                <a:solidFill>
+                  <a:schemeClr val="tx1"/>
+                </a:solidFill>
+                <a:latin typeface="+mj-lt"/>
+                <a:ea typeface="+mj-ea"/>
+                <a:cs typeface="+mj-cs"/>
+              </a:defRPr>
+            </a:lvl1pPr>
+          </a:lstStyle>
+          <a:p>
+            <a:r>
+              <a:rPr lang="es-MX" sz="5000" dirty="0" smtClean="0">
+                <a:solidFill>
+                  <a:schemeClr val="bg1">
+                    <a:lumMod val="50000"/>
+                  </a:schemeClr>
+                </a:solidFill>
+                <a:latin typeface="Roboto Black" panose="02000000000000000000" pitchFamily="2" charset="0"/>
+                <a:ea typeface="Roboto Black" panose="02000000000000000000" pitchFamily="2" charset="0"/>
+              </a:rPr>
+              <a:t>Flujo </a:t>
+            </a:r>
+            <a:r>
+              <a:rPr lang="es-MX" sz="5000" dirty="0" err="1" smtClean="0">
+                <a:solidFill>
+                  <a:schemeClr val="bg1">
+                    <a:lumMod val="50000"/>
+                  </a:schemeClr>
+                </a:solidFill>
+                <a:latin typeface="Roboto Black" panose="02000000000000000000" pitchFamily="2" charset="0"/>
+                <a:ea typeface="Roboto Black" panose="02000000000000000000" pitchFamily="2" charset="0"/>
+              </a:rPr>
+              <a:t>Forkflow</a:t>
+            </a:r>
+            <a:endParaRPr lang="es-MX" sz="3000" dirty="0">
+              <a:solidFill>
+                <a:schemeClr val="bg1">
+                  <a:lumMod val="50000"/>
+                </a:schemeClr>
+              </a:solidFill>
+              <a:latin typeface="Roboto" panose="02000000000000000000" pitchFamily="2" charset="0"/>
+              <a:ea typeface="Roboto" panose="02000000000000000000" pitchFamily="2" charset="0"/>
+            </a:endParaRPr>
+          </a:p>
+        </p:txBody>
+      </p:sp>
+    </p:spTree>
+    <p:extLst>
+      <p:ext uri="{BB962C8B-B14F-4D97-AF65-F5344CB8AC3E}">
+        <p14:creationId xmlns:p14="http://schemas.microsoft.com/office/powerpoint/2010/main" val="4091193814"/>
+      </p:ext>
+    </p:extLst>
+  </p:cSld>
+  <p:clrMapOvr>
+    <a:masterClrMapping/>
+  </p:clrMapOvr>
+  <p:timing>
+    <p:tnLst>
+      <p:par>
+        <p:cTn id="1" dur="indefinite" restart="never" nodeType="tmRoot"/>
+      </p:par>
+    </p:tnLst>
+  </p:timing>
+</p:sld>
+</file>
+
+<file path=ppt/slides/slide32.xml><?xml version="1.0" encoding="utf-8"?>
+<p:sld xmlns:a="http://schemas.openxmlformats.org/drawingml/2006/main" xmlns:r="http://schemas.openxmlformats.org/officeDocument/2006/relationships" xmlns:p="http://schemas.openxmlformats.org/presentationml/2006/main">
+  <p:cSld>
+    <p:bg>
+      <p:bgPr>
+        <a:solidFill>
           <a:schemeClr val="accent4">
             <a:lumMod val="75000"/>
           </a:schemeClr>
@@ -11237,7 +12219,7 @@
 </p:sld>
 </file>
 
-<file path=ppt/slides/slide31.xml><?xml version="1.0" encoding="utf-8"?>
+<file path=ppt/slides/slide33.xml><?xml version="1.0" encoding="utf-8"?>
 <p:sld xmlns:a="http://schemas.openxmlformats.org/drawingml/2006/main" xmlns:r="http://schemas.openxmlformats.org/officeDocument/2006/relationships" xmlns:p="http://schemas.openxmlformats.org/presentationml/2006/main">
   <p:cSld>
     <p:spTree>

--- a/2017/dec_7_Git_GitHub_WorkShop/DGO.pptx
+++ b/2017/dec_7_Git_GitHub_WorkShop/DGO.pptx
@@ -25,19 +25,25 @@
     <p:sldId id="286" r:id="rId19"/>
     <p:sldId id="287" r:id="rId20"/>
     <p:sldId id="289" r:id="rId21"/>
-    <p:sldId id="288" r:id="rId22"/>
-    <p:sldId id="271" r:id="rId23"/>
-    <p:sldId id="272" r:id="rId24"/>
-    <p:sldId id="274" r:id="rId25"/>
-    <p:sldId id="277" r:id="rId26"/>
-    <p:sldId id="273" r:id="rId27"/>
-    <p:sldId id="279" r:id="rId28"/>
-    <p:sldId id="275" r:id="rId29"/>
-    <p:sldId id="280" r:id="rId30"/>
-    <p:sldId id="276" r:id="rId31"/>
-    <p:sldId id="281" r:id="rId32"/>
-    <p:sldId id="278" r:id="rId33"/>
-    <p:sldId id="283" r:id="rId34"/>
+    <p:sldId id="290" r:id="rId22"/>
+    <p:sldId id="291" r:id="rId23"/>
+    <p:sldId id="292" r:id="rId24"/>
+    <p:sldId id="293" r:id="rId25"/>
+    <p:sldId id="294" r:id="rId26"/>
+    <p:sldId id="295" r:id="rId27"/>
+    <p:sldId id="288" r:id="rId28"/>
+    <p:sldId id="271" r:id="rId29"/>
+    <p:sldId id="272" r:id="rId30"/>
+    <p:sldId id="274" r:id="rId31"/>
+    <p:sldId id="277" r:id="rId32"/>
+    <p:sldId id="273" r:id="rId33"/>
+    <p:sldId id="279" r:id="rId34"/>
+    <p:sldId id="275" r:id="rId35"/>
+    <p:sldId id="280" r:id="rId36"/>
+    <p:sldId id="276" r:id="rId37"/>
+    <p:sldId id="281" r:id="rId38"/>
+    <p:sldId id="278" r:id="rId39"/>
+    <p:sldId id="283" r:id="rId40"/>
   </p:sldIdLst>
   <p:sldSz cx="12192000" cy="6858000"/>
   <p:notesSz cx="6858000" cy="9144000"/>
@@ -6435,16 +6441,13 @@
                 </a:rPr>
                 <a:t>Cerrar vi </a:t>
               </a:r>
-              <a:r>
-                <a:rPr lang="es-MX" sz="2200" b="1" dirty="0">
-                  <a:solidFill>
-                    <a:srgbClr val="FFC000"/>
-                  </a:solidFill>
-                  <a:latin typeface="Roboto" panose="02000000000000000000" pitchFamily="2" charset="0"/>
-                  <a:ea typeface="Roboto" panose="02000000000000000000" pitchFamily="2" charset="0"/>
-                </a:rPr>
-                <a:t>forzoso sin guardar</a:t>
-              </a:r>
+              <a:endParaRPr lang="es-MX" sz="2200" b="1" dirty="0" smtClean="0">
+                <a:solidFill>
+                  <a:srgbClr val="FFC000"/>
+                </a:solidFill>
+                <a:latin typeface="Roboto" panose="02000000000000000000" pitchFamily="2" charset="0"/>
+                <a:ea typeface="Roboto" panose="02000000000000000000" pitchFamily="2" charset="0"/>
+              </a:endParaRPr>
             </a:p>
             <a:p>
               <a:r>
@@ -7677,15 +7680,6 @@
                 </a:rPr>
                 <a:t>	* + a</a:t>
               </a:r>
-              <a:endParaRPr lang="es-MX" sz="2400" dirty="0">
-                <a:solidFill>
-                  <a:schemeClr val="bg1">
-                    <a:lumMod val="95000"/>
-                  </a:schemeClr>
-                </a:solidFill>
-                <a:latin typeface="Roboto" panose="02000000000000000000" pitchFamily="2" charset="0"/>
-                <a:ea typeface="Roboto" panose="02000000000000000000" pitchFamily="2" charset="0"/>
-              </a:endParaRPr>
             </a:p>
           </p:txBody>
         </p:sp>
@@ -7850,20 +7844,7 @@
                   <a:latin typeface="Roboto" panose="02000000000000000000" pitchFamily="2" charset="0"/>
                   <a:ea typeface="Roboto" panose="02000000000000000000" pitchFamily="2" charset="0"/>
                 </a:rPr>
-                <a:t>Reemplazar </a:t>
-              </a:r>
-              <a:r>
-                <a:rPr lang="es-MX" sz="2200" dirty="0" smtClean="0">
-                  <a:solidFill>
-                    <a:schemeClr val="accent6">
-                      <a:lumMod val="40000"/>
-                      <a:lumOff val="60000"/>
-                    </a:schemeClr>
-                  </a:solidFill>
-                  <a:latin typeface="Roboto" panose="02000000000000000000" pitchFamily="2" charset="0"/>
-                  <a:ea typeface="Roboto" panose="02000000000000000000" pitchFamily="2" charset="0"/>
-                </a:rPr>
-                <a:t>caracteres </a:t>
+                <a:t>Reemplazar caracteres </a:t>
               </a:r>
               <a:r>
                 <a:rPr lang="es-MX" sz="2200" b="1" dirty="0">
@@ -8222,15 +8203,6 @@
                 </a:rPr>
                 <a:t>D</a:t>
               </a:r>
-              <a:endParaRPr lang="es-MX" sz="2400" dirty="0">
-                <a:solidFill>
-                  <a:schemeClr val="bg1">
-                    <a:lumMod val="95000"/>
-                  </a:schemeClr>
-                </a:solidFill>
-                <a:latin typeface="Roboto" panose="02000000000000000000" pitchFamily="2" charset="0"/>
-                <a:ea typeface="Roboto" panose="02000000000000000000" pitchFamily="2" charset="0"/>
-              </a:endParaRPr>
             </a:p>
             <a:p>
               <a:endParaRPr lang="es-MX" dirty="0" smtClean="0"/>
@@ -8301,19 +8273,7 @@
                   <a:latin typeface="Roboto" panose="02000000000000000000" pitchFamily="2" charset="0"/>
                   <a:ea typeface="Roboto" panose="02000000000000000000" pitchFamily="2" charset="0"/>
                 </a:rPr>
-                <a:t>	</a:t>
-              </a:r>
-              <a:r>
-                <a:rPr lang="es-MX" sz="2400" dirty="0" smtClean="0">
-                  <a:solidFill>
-                    <a:schemeClr val="bg1">
-                      <a:lumMod val="95000"/>
-                    </a:schemeClr>
-                  </a:solidFill>
-                  <a:latin typeface="Roboto" panose="02000000000000000000" pitchFamily="2" charset="0"/>
-                  <a:ea typeface="Roboto" panose="02000000000000000000" pitchFamily="2" charset="0"/>
-                </a:rPr>
-                <a:t>/”cadena”</a:t>
+                <a:t>	/”cadena”</a:t>
               </a:r>
               <a:endParaRPr lang="es-MX" sz="2400" dirty="0">
                 <a:solidFill>
@@ -8360,16 +8320,6 @@
                 </a:rPr>
                 <a:t>cadena</a:t>
               </a:r>
-              <a:endParaRPr lang="es-MX" sz="2200" dirty="0">
-                <a:solidFill>
-                  <a:schemeClr val="accent6">
-                    <a:lumMod val="40000"/>
-                    <a:lumOff val="60000"/>
-                  </a:schemeClr>
-                </a:solidFill>
-                <a:latin typeface="Roboto" panose="02000000000000000000" pitchFamily="2" charset="0"/>
-                <a:ea typeface="Roboto" panose="02000000000000000000" pitchFamily="2" charset="0"/>
-              </a:endParaRPr>
             </a:p>
             <a:p>
               <a:r>
@@ -8999,7 +8949,7 @@
         </p:nvSpPr>
         <p:spPr>
           <a:xfrm>
-            <a:off x="1515035" y="342901"/>
+            <a:off x="1515035" y="308395"/>
             <a:ext cx="2999816" cy="850122"/>
           </a:xfrm>
           <a:prstGeom prst="rect">
@@ -9061,6 +9011,338 @@
               </a:rPr>
               <a:t>]</a:t>
             </a:r>
+          </a:p>
+        </p:txBody>
+      </p:sp>
+      <p:sp>
+        <p:nvSpPr>
+          <p:cNvPr id="4" name="CuadroTexto 3"/>
+          <p:cNvSpPr txBox="1"/>
+          <p:nvPr/>
+        </p:nvSpPr>
+        <p:spPr>
+          <a:xfrm>
+            <a:off x="979074" y="1544127"/>
+            <a:ext cx="9191469" cy="3399347"/>
+          </a:xfrm>
+          <a:prstGeom prst="rect">
+            <a:avLst/>
+          </a:prstGeom>
+          <a:noFill/>
+        </p:spPr>
+        <p:txBody>
+          <a:bodyPr wrap="square" rtlCol="0">
+            <a:noAutofit/>
+          </a:bodyPr>
+          <a:lstStyle/>
+          <a:p>
+            <a:r>
+              <a:rPr lang="es-MX" dirty="0" smtClean="0">
+                <a:solidFill>
+                  <a:schemeClr val="bg1">
+                    <a:lumMod val="65000"/>
+                  </a:schemeClr>
+                </a:solidFill>
+              </a:rPr>
+              <a:t>1- Crear un archivo de texto de nombre</a:t>
+            </a:r>
+            <a:r>
+              <a:rPr lang="es-MX" dirty="0" smtClean="0"/>
+              <a:t>		yo.txt </a:t>
+            </a:r>
+            <a:r>
+              <a:rPr lang="es-MX" b="1" dirty="0" smtClean="0">
+                <a:solidFill>
+                  <a:srgbClr val="FFC000"/>
+                </a:solidFill>
+              </a:rPr>
+              <a:t>en carpeta</a:t>
+            </a:r>
+            <a:r>
+              <a:rPr lang="es-MX" dirty="0" smtClean="0"/>
+              <a:t> </a:t>
+            </a:r>
+            <a:r>
+              <a:rPr lang="es-MX" dirty="0" err="1" smtClean="0"/>
+              <a:t>infoPersonal</a:t>
+            </a:r>
+            <a:endParaRPr lang="es-MX" dirty="0" smtClean="0"/>
+          </a:p>
+          <a:p>
+            <a:r>
+              <a:rPr lang="es-MX" dirty="0"/>
+              <a:t>	</a:t>
+            </a:r>
+            <a:r>
+              <a:rPr lang="es-MX" dirty="0" smtClean="0"/>
+              <a:t>con los siguientes datos:</a:t>
+            </a:r>
+          </a:p>
+          <a:p>
+            <a:r>
+              <a:rPr lang="es-MX" dirty="0">
+                <a:solidFill>
+                  <a:srgbClr val="FFC000"/>
+                </a:solidFill>
+              </a:rPr>
+              <a:t>	</a:t>
+            </a:r>
+            <a:r>
+              <a:rPr lang="es-MX" dirty="0" smtClean="0">
+                <a:solidFill>
+                  <a:srgbClr val="FFC000"/>
+                </a:solidFill>
+              </a:rPr>
+              <a:t>	Nombre</a:t>
+            </a:r>
+          </a:p>
+          <a:p>
+            <a:r>
+              <a:rPr lang="es-MX" dirty="0">
+                <a:solidFill>
+                  <a:srgbClr val="FFC000"/>
+                </a:solidFill>
+              </a:rPr>
+              <a:t>	</a:t>
+            </a:r>
+            <a:r>
+              <a:rPr lang="es-MX" dirty="0" smtClean="0">
+                <a:solidFill>
+                  <a:srgbClr val="FFC000"/>
+                </a:solidFill>
+              </a:rPr>
+              <a:t>	Edad</a:t>
+            </a:r>
+          </a:p>
+          <a:p>
+            <a:r>
+              <a:rPr lang="es-MX" dirty="0">
+                <a:solidFill>
+                  <a:srgbClr val="FFC000"/>
+                </a:solidFill>
+              </a:rPr>
+              <a:t>	</a:t>
+            </a:r>
+            <a:r>
+              <a:rPr lang="es-MX" dirty="0" smtClean="0">
+                <a:solidFill>
+                  <a:srgbClr val="FFC000"/>
+                </a:solidFill>
+              </a:rPr>
+              <a:t>	Ocupación</a:t>
+            </a:r>
+          </a:p>
+          <a:p>
+            <a:r>
+              <a:rPr lang="es-MX" dirty="0">
+                <a:solidFill>
+                  <a:srgbClr val="FFC000"/>
+                </a:solidFill>
+              </a:rPr>
+              <a:t>	</a:t>
+            </a:r>
+            <a:r>
+              <a:rPr lang="es-MX" dirty="0" smtClean="0">
+                <a:solidFill>
+                  <a:srgbClr val="FFC000"/>
+                </a:solidFill>
+              </a:rPr>
+              <a:t>	Escuela (si aplica)</a:t>
+            </a:r>
+          </a:p>
+          <a:p>
+            <a:r>
+              <a:rPr lang="es-MX" dirty="0">
+                <a:solidFill>
+                  <a:srgbClr val="FFC000"/>
+                </a:solidFill>
+              </a:rPr>
+              <a:t>	</a:t>
+            </a:r>
+            <a:r>
+              <a:rPr lang="es-MX" dirty="0" smtClean="0">
+                <a:solidFill>
+                  <a:srgbClr val="FFC000"/>
+                </a:solidFill>
+              </a:rPr>
+              <a:t>	Carrera (si aplica)</a:t>
+            </a:r>
+          </a:p>
+          <a:p>
+            <a:r>
+              <a:rPr lang="es-MX" dirty="0">
+                <a:solidFill>
+                  <a:srgbClr val="FFC000"/>
+                </a:solidFill>
+              </a:rPr>
+              <a:t>	</a:t>
+            </a:r>
+            <a:r>
+              <a:rPr lang="es-MX" dirty="0" smtClean="0">
+                <a:solidFill>
+                  <a:srgbClr val="FFC000"/>
+                </a:solidFill>
+              </a:rPr>
+              <a:t>	Hobbies</a:t>
+            </a:r>
+            <a:r>
+              <a:rPr lang="es-MX" dirty="0" smtClean="0"/>
+              <a:t> </a:t>
+            </a:r>
+          </a:p>
+          <a:p>
+            <a:r>
+              <a:rPr lang="es-MX" dirty="0"/>
+              <a:t>	</a:t>
+            </a:r>
+            <a:r>
+              <a:rPr lang="es-MX" dirty="0" smtClean="0"/>
+              <a:t>	</a:t>
+            </a:r>
+            <a:r>
+              <a:rPr lang="es-MX" dirty="0">
+                <a:solidFill>
+                  <a:srgbClr val="FFC000"/>
+                </a:solidFill>
+              </a:rPr>
+              <a:t>Descripción </a:t>
+            </a:r>
+            <a:r>
+              <a:rPr lang="es-MX" dirty="0" smtClean="0">
+                <a:solidFill>
+                  <a:srgbClr val="FFC000"/>
+                </a:solidFill>
+              </a:rPr>
+              <a:t>breve</a:t>
+            </a:r>
+          </a:p>
+          <a:p>
+            <a:r>
+              <a:rPr lang="es-MX" dirty="0">
+                <a:solidFill>
+                  <a:srgbClr val="FFC000"/>
+                </a:solidFill>
+              </a:rPr>
+              <a:t>	</a:t>
+            </a:r>
+            <a:r>
+              <a:rPr lang="es-MX" dirty="0" smtClean="0">
+                <a:solidFill>
+                  <a:srgbClr val="FFC000"/>
+                </a:solidFill>
+              </a:rPr>
+              <a:t>	Lenguajes de programación que sé</a:t>
+            </a:r>
+          </a:p>
+          <a:p>
+            <a:r>
+              <a:rPr lang="es-MX" dirty="0">
+                <a:solidFill>
+                  <a:srgbClr val="FFC000"/>
+                </a:solidFill>
+              </a:rPr>
+              <a:t>	</a:t>
+            </a:r>
+            <a:r>
+              <a:rPr lang="es-MX" dirty="0" smtClean="0">
+                <a:solidFill>
+                  <a:srgbClr val="FFC000"/>
+                </a:solidFill>
+              </a:rPr>
+              <a:t>	</a:t>
+            </a:r>
+            <a:r>
+              <a:rPr lang="es-MX" dirty="0" err="1">
+                <a:solidFill>
+                  <a:srgbClr val="FFC000"/>
+                </a:solidFill>
+              </a:rPr>
+              <a:t>F</a:t>
+            </a:r>
+            <a:r>
+              <a:rPr lang="es-MX" dirty="0" err="1" smtClean="0">
+                <a:solidFill>
+                  <a:srgbClr val="FFC000"/>
+                </a:solidFill>
+              </a:rPr>
+              <a:t>rameworks</a:t>
+            </a:r>
+            <a:r>
+              <a:rPr lang="es-MX" dirty="0" smtClean="0">
+                <a:solidFill>
+                  <a:srgbClr val="FFC000"/>
+                </a:solidFill>
+              </a:rPr>
+              <a:t> manejados</a:t>
+            </a:r>
+          </a:p>
+          <a:p>
+            <a:r>
+              <a:rPr lang="es-MX" dirty="0">
+                <a:solidFill>
+                  <a:srgbClr val="FFC000"/>
+                </a:solidFill>
+              </a:rPr>
+              <a:t>	</a:t>
+            </a:r>
+            <a:r>
+              <a:rPr lang="es-MX" dirty="0" smtClean="0">
+                <a:solidFill>
+                  <a:srgbClr val="FFC000"/>
+                </a:solidFill>
+              </a:rPr>
+              <a:t>	Proyectos personales e industria realizados (con descripción breve </a:t>
+            </a:r>
+            <a:r>
+              <a:rPr lang="es-MX" dirty="0" err="1" smtClean="0">
+                <a:solidFill>
+                  <a:srgbClr val="FFC000"/>
+                </a:solidFill>
+              </a:rPr>
+              <a:t>cu</a:t>
+            </a:r>
+            <a:r>
+              <a:rPr lang="es-MX" smtClean="0">
+                <a:solidFill>
+                  <a:srgbClr val="FFC000"/>
+                </a:solidFill>
+              </a:rPr>
+              <a:t>)</a:t>
+            </a:r>
+            <a:endParaRPr lang="es-MX" dirty="0" smtClean="0">
+              <a:solidFill>
+                <a:srgbClr val="FFC000"/>
+              </a:solidFill>
+            </a:endParaRPr>
+          </a:p>
+          <a:p>
+            <a:endParaRPr lang="es-MX" dirty="0" smtClean="0">
+              <a:solidFill>
+                <a:srgbClr val="FFC000"/>
+              </a:solidFill>
+            </a:endParaRPr>
+          </a:p>
+          <a:p>
+            <a:r>
+              <a:rPr lang="es-MX" dirty="0">
+                <a:solidFill>
+                  <a:schemeClr val="bg1">
+                    <a:lumMod val="65000"/>
+                  </a:schemeClr>
+                </a:solidFill>
+              </a:rPr>
+              <a:t>2- Jugar con los comandos vistos de vi</a:t>
+            </a:r>
+            <a:endParaRPr lang="es-MX" dirty="0">
+              <a:solidFill>
+                <a:schemeClr val="bg1">
+                  <a:lumMod val="65000"/>
+                </a:schemeClr>
+              </a:solidFill>
+            </a:endParaRPr>
+          </a:p>
+          <a:p>
+            <a:endParaRPr lang="es-MX" dirty="0"/>
           </a:p>
         </p:txBody>
       </p:sp>
@@ -9085,6 +9367,3336 @@
 </file>
 
 <file path=ppt/slides/slide21.xml><?xml version="1.0" encoding="utf-8"?>
+<p:sld xmlns:a="http://schemas.openxmlformats.org/drawingml/2006/main" xmlns:r="http://schemas.openxmlformats.org/officeDocument/2006/relationships" xmlns:p="http://schemas.openxmlformats.org/presentationml/2006/main">
+  <p:cSld>
+    <p:bg>
+      <p:bgPr>
+        <a:solidFill>
+          <a:srgbClr val="1ABC9C"/>
+        </a:solidFill>
+        <a:effectLst/>
+      </p:bgPr>
+    </p:bg>
+    <p:spTree>
+      <p:nvGrpSpPr>
+        <p:cNvPr id="1" name=""/>
+        <p:cNvGrpSpPr/>
+        <p:nvPr/>
+      </p:nvGrpSpPr>
+      <p:grpSpPr>
+        <a:xfrm>
+          <a:off x="0" y="0"/>
+          <a:ext cx="0" cy="0"/>
+          <a:chOff x="0" y="0"/>
+          <a:chExt cx="0" cy="0"/>
+        </a:xfrm>
+      </p:grpSpPr>
+      <p:sp>
+        <p:nvSpPr>
+          <p:cNvPr id="2" name="CuadroTexto 1"/>
+          <p:cNvSpPr txBox="1"/>
+          <p:nvPr/>
+        </p:nvSpPr>
+        <p:spPr>
+          <a:xfrm>
+            <a:off x="3891435" y="2433906"/>
+            <a:ext cx="4566765" cy="1323439"/>
+          </a:xfrm>
+          <a:prstGeom prst="rect">
+            <a:avLst/>
+          </a:prstGeom>
+          <a:noFill/>
+        </p:spPr>
+        <p:txBody>
+          <a:bodyPr wrap="square" rtlCol="0">
+            <a:spAutoFit/>
+          </a:bodyPr>
+          <a:lstStyle/>
+          <a:p>
+            <a:pPr algn="ctr"/>
+            <a:r>
+              <a:rPr lang="es-MX" sz="6000" dirty="0" smtClean="0">
+                <a:solidFill>
+                  <a:schemeClr val="bg1"/>
+                </a:solidFill>
+                <a:latin typeface="Roboto Black" panose="02000000000000000000" pitchFamily="2" charset="0"/>
+                <a:ea typeface="Roboto Black" panose="02000000000000000000" pitchFamily="2" charset="0"/>
+              </a:rPr>
+              <a:t>MARKDOWN</a:t>
+            </a:r>
+          </a:p>
+          <a:p>
+            <a:pPr algn="ctr"/>
+            <a:r>
+              <a:rPr lang="es-MX" sz="2000" dirty="0" err="1">
+                <a:solidFill>
+                  <a:schemeClr val="bg1">
+                    <a:lumMod val="85000"/>
+                  </a:schemeClr>
+                </a:solidFill>
+                <a:latin typeface="Roboto" panose="02000000000000000000" pitchFamily="2" charset="0"/>
+                <a:ea typeface="Roboto" panose="02000000000000000000" pitchFamily="2" charset="0"/>
+              </a:rPr>
+              <a:t>text</a:t>
+            </a:r>
+            <a:r>
+              <a:rPr lang="es-MX" sz="2000" dirty="0">
+                <a:solidFill>
+                  <a:schemeClr val="bg1">
+                    <a:lumMod val="85000"/>
+                  </a:schemeClr>
+                </a:solidFill>
+                <a:latin typeface="Roboto" panose="02000000000000000000" pitchFamily="2" charset="0"/>
+                <a:ea typeface="Roboto" panose="02000000000000000000" pitchFamily="2" charset="0"/>
+              </a:rPr>
+              <a:t> </a:t>
+            </a:r>
+            <a:r>
+              <a:rPr lang="es-MX" sz="2000" dirty="0" err="1" smtClean="0">
+                <a:solidFill>
+                  <a:schemeClr val="bg1">
+                    <a:lumMod val="85000"/>
+                  </a:schemeClr>
+                </a:solidFill>
+                <a:latin typeface="Roboto" panose="02000000000000000000" pitchFamily="2" charset="0"/>
+                <a:ea typeface="Roboto" panose="02000000000000000000" pitchFamily="2" charset="0"/>
+              </a:rPr>
+              <a:t>formatting</a:t>
+            </a:r>
+            <a:r>
+              <a:rPr lang="es-MX" sz="2000" dirty="0" smtClean="0">
+                <a:solidFill>
+                  <a:schemeClr val="bg1">
+                    <a:lumMod val="85000"/>
+                  </a:schemeClr>
+                </a:solidFill>
+                <a:latin typeface="Roboto" panose="02000000000000000000" pitchFamily="2" charset="0"/>
+                <a:ea typeface="Roboto" panose="02000000000000000000" pitchFamily="2" charset="0"/>
+              </a:rPr>
+              <a:t> </a:t>
+            </a:r>
+            <a:r>
+              <a:rPr lang="es-MX" sz="2000" dirty="0" err="1">
+                <a:solidFill>
+                  <a:schemeClr val="bg1">
+                    <a:lumMod val="85000"/>
+                  </a:schemeClr>
+                </a:solidFill>
+                <a:latin typeface="Roboto" panose="02000000000000000000" pitchFamily="2" charset="0"/>
+                <a:ea typeface="Roboto" panose="02000000000000000000" pitchFamily="2" charset="0"/>
+              </a:rPr>
+              <a:t>syntax</a:t>
+            </a:r>
+            <a:endParaRPr lang="es-MX" sz="2000" dirty="0">
+              <a:solidFill>
+                <a:schemeClr val="bg1">
+                  <a:lumMod val="85000"/>
+                </a:schemeClr>
+              </a:solidFill>
+              <a:latin typeface="Roboto" panose="02000000000000000000" pitchFamily="2" charset="0"/>
+              <a:ea typeface="Roboto" panose="02000000000000000000" pitchFamily="2" charset="0"/>
+            </a:endParaRPr>
+          </a:p>
+        </p:txBody>
+      </p:sp>
+    </p:spTree>
+    <p:extLst>
+      <p:ext uri="{BB962C8B-B14F-4D97-AF65-F5344CB8AC3E}">
+        <p14:creationId xmlns:p14="http://schemas.microsoft.com/office/powerpoint/2010/main" val="3843371155"/>
+      </p:ext>
+    </p:extLst>
+  </p:cSld>
+  <p:clrMapOvr>
+    <a:masterClrMapping/>
+  </p:clrMapOvr>
+  <p:timing>
+    <p:tnLst>
+      <p:par>
+        <p:cTn id="1" dur="indefinite" restart="never" nodeType="tmRoot"/>
+      </p:par>
+    </p:tnLst>
+  </p:timing>
+</p:sld>
+</file>
+
+<file path=ppt/slides/slide22.xml><?xml version="1.0" encoding="utf-8"?>
+<p:sld xmlns:a="http://schemas.openxmlformats.org/drawingml/2006/main" xmlns:r="http://schemas.openxmlformats.org/officeDocument/2006/relationships" xmlns:p="http://schemas.openxmlformats.org/presentationml/2006/main">
+  <p:cSld>
+    <p:bg>
+      <p:bgPr>
+        <a:solidFill>
+          <a:srgbClr val="1ABC9C"/>
+        </a:solidFill>
+        <a:effectLst/>
+      </p:bgPr>
+    </p:bg>
+    <p:spTree>
+      <p:nvGrpSpPr>
+        <p:cNvPr id="1" name=""/>
+        <p:cNvGrpSpPr/>
+        <p:nvPr/>
+      </p:nvGrpSpPr>
+      <p:grpSpPr>
+        <a:xfrm>
+          <a:off x="0" y="0"/>
+          <a:ext cx="0" cy="0"/>
+          <a:chOff x="0" y="0"/>
+          <a:chExt cx="0" cy="0"/>
+        </a:xfrm>
+      </p:grpSpPr>
+      <p:sp>
+        <p:nvSpPr>
+          <p:cNvPr id="2" name="CuadroTexto 1"/>
+          <p:cNvSpPr txBox="1"/>
+          <p:nvPr/>
+        </p:nvSpPr>
+        <p:spPr>
+          <a:xfrm>
+            <a:off x="481485" y="538431"/>
+            <a:ext cx="5366865" cy="707886"/>
+          </a:xfrm>
+          <a:prstGeom prst="rect">
+            <a:avLst/>
+          </a:prstGeom>
+          <a:noFill/>
+        </p:spPr>
+        <p:txBody>
+          <a:bodyPr wrap="square" rtlCol="0">
+            <a:spAutoFit/>
+          </a:bodyPr>
+          <a:lstStyle/>
+          <a:p>
+            <a:pPr algn="ctr"/>
+            <a:r>
+              <a:rPr lang="es-MX" sz="4000" dirty="0">
+                <a:solidFill>
+                  <a:schemeClr val="bg1"/>
+                </a:solidFill>
+                <a:latin typeface="Roboto Black" panose="02000000000000000000" pitchFamily="2" charset="0"/>
+                <a:ea typeface="Roboto Black" panose="02000000000000000000" pitchFamily="2" charset="0"/>
+              </a:rPr>
+              <a:t>Elementos principales</a:t>
+            </a:r>
+            <a:endParaRPr lang="es-MX" sz="4000" dirty="0">
+              <a:solidFill>
+                <a:schemeClr val="bg1"/>
+              </a:solidFill>
+              <a:latin typeface="Roboto Black" panose="02000000000000000000" pitchFamily="2" charset="0"/>
+              <a:ea typeface="Roboto Black" panose="02000000000000000000" pitchFamily="2" charset="0"/>
+            </a:endParaRPr>
+          </a:p>
+        </p:txBody>
+      </p:sp>
+      <p:sp>
+        <p:nvSpPr>
+          <p:cNvPr id="3" name="CuadroTexto 2"/>
+          <p:cNvSpPr txBox="1"/>
+          <p:nvPr/>
+        </p:nvSpPr>
+        <p:spPr>
+          <a:xfrm flipH="1">
+            <a:off x="1064892" y="1543050"/>
+            <a:ext cx="6266349" cy="4801314"/>
+          </a:xfrm>
+          <a:prstGeom prst="rect">
+            <a:avLst/>
+          </a:prstGeom>
+          <a:noFill/>
+        </p:spPr>
+        <p:txBody>
+          <a:bodyPr wrap="square" rtlCol="0">
+            <a:spAutoFit/>
+          </a:bodyPr>
+          <a:lstStyle/>
+          <a:p>
+            <a:r>
+              <a:rPr lang="es-MX" sz="3000" dirty="0" err="1" smtClean="0">
+                <a:solidFill>
+                  <a:schemeClr val="accent4">
+                    <a:lumMod val="60000"/>
+                    <a:lumOff val="40000"/>
+                  </a:schemeClr>
+                </a:solidFill>
+                <a:latin typeface="Roboto Medium" panose="02000000000000000000" pitchFamily="2" charset="0"/>
+                <a:ea typeface="Roboto Medium" panose="02000000000000000000" pitchFamily="2" charset="0"/>
+              </a:rPr>
+              <a:t>Headers</a:t>
+            </a:r>
+            <a:r>
+              <a:rPr lang="es-MX" sz="3000" dirty="0" smtClean="0">
+                <a:solidFill>
+                  <a:schemeClr val="accent4">
+                    <a:lumMod val="60000"/>
+                    <a:lumOff val="40000"/>
+                  </a:schemeClr>
+                </a:solidFill>
+                <a:latin typeface="Roboto Medium" panose="02000000000000000000" pitchFamily="2" charset="0"/>
+                <a:ea typeface="Roboto Medium" panose="02000000000000000000" pitchFamily="2" charset="0"/>
+              </a:rPr>
+              <a:t> </a:t>
+            </a:r>
+          </a:p>
+          <a:p>
+            <a:r>
+              <a:rPr lang="es-MX" dirty="0"/>
+              <a:t>	</a:t>
+            </a:r>
+            <a:r>
+              <a:rPr lang="es-MX" sz="2400" dirty="0">
+                <a:solidFill>
+                  <a:schemeClr val="bg1">
+                    <a:lumMod val="95000"/>
+                  </a:schemeClr>
+                </a:solidFill>
+                <a:latin typeface="Roboto" panose="02000000000000000000" pitchFamily="2" charset="0"/>
+                <a:ea typeface="Roboto" panose="02000000000000000000" pitchFamily="2" charset="0"/>
+              </a:rPr>
+              <a:t># </a:t>
+            </a:r>
+            <a:r>
+              <a:rPr lang="es-MX" sz="2400" dirty="0" smtClean="0">
+                <a:solidFill>
+                  <a:schemeClr val="bg1">
+                    <a:lumMod val="95000"/>
+                  </a:schemeClr>
+                </a:solidFill>
+                <a:latin typeface="Roboto" panose="02000000000000000000" pitchFamily="2" charset="0"/>
+                <a:ea typeface="Roboto" panose="02000000000000000000" pitchFamily="2" charset="0"/>
+              </a:rPr>
+              <a:t>			=	h1</a:t>
+            </a:r>
+            <a:endParaRPr lang="es-MX" sz="2400" dirty="0">
+              <a:solidFill>
+                <a:schemeClr val="bg1">
+                  <a:lumMod val="95000"/>
+                </a:schemeClr>
+              </a:solidFill>
+              <a:latin typeface="Roboto" panose="02000000000000000000" pitchFamily="2" charset="0"/>
+              <a:ea typeface="Roboto" panose="02000000000000000000" pitchFamily="2" charset="0"/>
+            </a:endParaRPr>
+          </a:p>
+          <a:p>
+            <a:r>
+              <a:rPr lang="es-MX" sz="2400" dirty="0">
+                <a:solidFill>
+                  <a:schemeClr val="bg1">
+                    <a:lumMod val="95000"/>
+                  </a:schemeClr>
+                </a:solidFill>
+                <a:latin typeface="Roboto" panose="02000000000000000000" pitchFamily="2" charset="0"/>
+                <a:ea typeface="Roboto" panose="02000000000000000000" pitchFamily="2" charset="0"/>
+              </a:rPr>
+              <a:t>	</a:t>
+            </a:r>
+            <a:r>
+              <a:rPr lang="es-MX" sz="2400" dirty="0">
+                <a:solidFill>
+                  <a:schemeClr val="bg1">
+                    <a:lumMod val="95000"/>
+                  </a:schemeClr>
+                </a:solidFill>
+                <a:latin typeface="Roboto" panose="02000000000000000000" pitchFamily="2" charset="0"/>
+                <a:ea typeface="Roboto" panose="02000000000000000000" pitchFamily="2" charset="0"/>
+              </a:rPr>
+              <a:t>## </a:t>
+            </a:r>
+            <a:r>
+              <a:rPr lang="es-MX" sz="2400" dirty="0" smtClean="0">
+                <a:solidFill>
+                  <a:schemeClr val="bg1">
+                    <a:lumMod val="95000"/>
+                  </a:schemeClr>
+                </a:solidFill>
+                <a:latin typeface="Roboto" panose="02000000000000000000" pitchFamily="2" charset="0"/>
+                <a:ea typeface="Roboto" panose="02000000000000000000" pitchFamily="2" charset="0"/>
+              </a:rPr>
+              <a:t>		= 	h2</a:t>
+            </a:r>
+            <a:endParaRPr lang="es-MX" sz="2400" dirty="0">
+              <a:solidFill>
+                <a:schemeClr val="bg1">
+                  <a:lumMod val="95000"/>
+                </a:schemeClr>
+              </a:solidFill>
+              <a:latin typeface="Roboto" panose="02000000000000000000" pitchFamily="2" charset="0"/>
+              <a:ea typeface="Roboto" panose="02000000000000000000" pitchFamily="2" charset="0"/>
+            </a:endParaRPr>
+          </a:p>
+          <a:p>
+            <a:r>
+              <a:rPr lang="es-MX" sz="2400" dirty="0">
+                <a:solidFill>
+                  <a:schemeClr val="bg1">
+                    <a:lumMod val="95000"/>
+                  </a:schemeClr>
+                </a:solidFill>
+                <a:latin typeface="Roboto" panose="02000000000000000000" pitchFamily="2" charset="0"/>
+                <a:ea typeface="Roboto" panose="02000000000000000000" pitchFamily="2" charset="0"/>
+              </a:rPr>
+              <a:t>	</a:t>
+            </a:r>
+            <a:r>
+              <a:rPr lang="es-MX" sz="2400" dirty="0">
+                <a:solidFill>
+                  <a:schemeClr val="bg1">
+                    <a:lumMod val="95000"/>
+                  </a:schemeClr>
+                </a:solidFill>
+                <a:latin typeface="Roboto" panose="02000000000000000000" pitchFamily="2" charset="0"/>
+                <a:ea typeface="Roboto" panose="02000000000000000000" pitchFamily="2" charset="0"/>
+              </a:rPr>
+              <a:t>### </a:t>
+            </a:r>
+            <a:r>
+              <a:rPr lang="es-MX" sz="2400" dirty="0" smtClean="0">
+                <a:solidFill>
+                  <a:schemeClr val="bg1">
+                    <a:lumMod val="95000"/>
+                  </a:schemeClr>
+                </a:solidFill>
+                <a:latin typeface="Roboto" panose="02000000000000000000" pitchFamily="2" charset="0"/>
+                <a:ea typeface="Roboto" panose="02000000000000000000" pitchFamily="2" charset="0"/>
+              </a:rPr>
+              <a:t>		= 	h3</a:t>
+            </a:r>
+            <a:endParaRPr lang="es-MX" sz="2400" dirty="0">
+              <a:solidFill>
+                <a:schemeClr val="bg1">
+                  <a:lumMod val="95000"/>
+                </a:schemeClr>
+              </a:solidFill>
+              <a:latin typeface="Roboto" panose="02000000000000000000" pitchFamily="2" charset="0"/>
+              <a:ea typeface="Roboto" panose="02000000000000000000" pitchFamily="2" charset="0"/>
+            </a:endParaRPr>
+          </a:p>
+          <a:p>
+            <a:r>
+              <a:rPr lang="es-MX" sz="2400" dirty="0">
+                <a:solidFill>
+                  <a:schemeClr val="bg1">
+                    <a:lumMod val="95000"/>
+                  </a:schemeClr>
+                </a:solidFill>
+                <a:latin typeface="Roboto" panose="02000000000000000000" pitchFamily="2" charset="0"/>
+                <a:ea typeface="Roboto" panose="02000000000000000000" pitchFamily="2" charset="0"/>
+              </a:rPr>
+              <a:t>	</a:t>
+            </a:r>
+            <a:r>
+              <a:rPr lang="es-MX" sz="2400" dirty="0">
+                <a:solidFill>
+                  <a:schemeClr val="bg1">
+                    <a:lumMod val="95000"/>
+                  </a:schemeClr>
+                </a:solidFill>
+                <a:latin typeface="Roboto" panose="02000000000000000000" pitchFamily="2" charset="0"/>
+                <a:ea typeface="Roboto" panose="02000000000000000000" pitchFamily="2" charset="0"/>
+              </a:rPr>
+              <a:t>#### </a:t>
+            </a:r>
+            <a:r>
+              <a:rPr lang="es-MX" sz="2400" dirty="0" smtClean="0">
+                <a:solidFill>
+                  <a:schemeClr val="bg1">
+                    <a:lumMod val="95000"/>
+                  </a:schemeClr>
+                </a:solidFill>
+                <a:latin typeface="Roboto" panose="02000000000000000000" pitchFamily="2" charset="0"/>
+                <a:ea typeface="Roboto" panose="02000000000000000000" pitchFamily="2" charset="0"/>
+              </a:rPr>
+              <a:t>		= 	h4</a:t>
+            </a:r>
+            <a:endParaRPr lang="es-MX" sz="2400" dirty="0">
+              <a:solidFill>
+                <a:schemeClr val="bg1">
+                  <a:lumMod val="95000"/>
+                </a:schemeClr>
+              </a:solidFill>
+              <a:latin typeface="Roboto" panose="02000000000000000000" pitchFamily="2" charset="0"/>
+              <a:ea typeface="Roboto" panose="02000000000000000000" pitchFamily="2" charset="0"/>
+            </a:endParaRPr>
+          </a:p>
+          <a:p>
+            <a:r>
+              <a:rPr lang="es-MX" sz="2400" dirty="0">
+                <a:solidFill>
+                  <a:schemeClr val="bg1">
+                    <a:lumMod val="95000"/>
+                  </a:schemeClr>
+                </a:solidFill>
+                <a:latin typeface="Roboto" panose="02000000000000000000" pitchFamily="2" charset="0"/>
+                <a:ea typeface="Roboto" panose="02000000000000000000" pitchFamily="2" charset="0"/>
+              </a:rPr>
+              <a:t>	##### </a:t>
+            </a:r>
+            <a:r>
+              <a:rPr lang="es-MX" sz="2400" dirty="0" smtClean="0">
+                <a:solidFill>
+                  <a:schemeClr val="bg1">
+                    <a:lumMod val="95000"/>
+                  </a:schemeClr>
+                </a:solidFill>
+                <a:latin typeface="Roboto" panose="02000000000000000000" pitchFamily="2" charset="0"/>
+                <a:ea typeface="Roboto" panose="02000000000000000000" pitchFamily="2" charset="0"/>
+              </a:rPr>
+              <a:t>	= 	h5</a:t>
+            </a:r>
+            <a:endParaRPr lang="es-MX" sz="2400" dirty="0">
+              <a:solidFill>
+                <a:schemeClr val="bg1">
+                  <a:lumMod val="95000"/>
+                </a:schemeClr>
+              </a:solidFill>
+              <a:latin typeface="Roboto" panose="02000000000000000000" pitchFamily="2" charset="0"/>
+              <a:ea typeface="Roboto" panose="02000000000000000000" pitchFamily="2" charset="0"/>
+            </a:endParaRPr>
+          </a:p>
+          <a:p>
+            <a:r>
+              <a:rPr lang="es-MX" sz="2400" dirty="0">
+                <a:solidFill>
+                  <a:schemeClr val="bg1">
+                    <a:lumMod val="95000"/>
+                  </a:schemeClr>
+                </a:solidFill>
+                <a:latin typeface="Roboto" panose="02000000000000000000" pitchFamily="2" charset="0"/>
+                <a:ea typeface="Roboto" panose="02000000000000000000" pitchFamily="2" charset="0"/>
+              </a:rPr>
+              <a:t>	</a:t>
+            </a:r>
+            <a:r>
+              <a:rPr lang="es-MX" sz="2400" dirty="0">
+                <a:solidFill>
+                  <a:schemeClr val="bg1">
+                    <a:lumMod val="95000"/>
+                  </a:schemeClr>
+                </a:solidFill>
+                <a:latin typeface="Roboto" panose="02000000000000000000" pitchFamily="2" charset="0"/>
+                <a:ea typeface="Roboto" panose="02000000000000000000" pitchFamily="2" charset="0"/>
+              </a:rPr>
+              <a:t>###### </a:t>
+            </a:r>
+            <a:r>
+              <a:rPr lang="es-MX" sz="2400" dirty="0" smtClean="0">
+                <a:solidFill>
+                  <a:schemeClr val="bg1">
+                    <a:lumMod val="95000"/>
+                  </a:schemeClr>
+                </a:solidFill>
+                <a:latin typeface="Roboto" panose="02000000000000000000" pitchFamily="2" charset="0"/>
+                <a:ea typeface="Roboto" panose="02000000000000000000" pitchFamily="2" charset="0"/>
+              </a:rPr>
+              <a:t>	= 	h6</a:t>
+            </a:r>
+          </a:p>
+          <a:p>
+            <a:endParaRPr lang="es-MX" sz="2400" dirty="0">
+              <a:solidFill>
+                <a:schemeClr val="bg1">
+                  <a:lumMod val="95000"/>
+                </a:schemeClr>
+              </a:solidFill>
+              <a:latin typeface="Roboto" panose="02000000000000000000" pitchFamily="2" charset="0"/>
+              <a:ea typeface="Roboto" panose="02000000000000000000" pitchFamily="2" charset="0"/>
+            </a:endParaRPr>
+          </a:p>
+          <a:p>
+            <a:r>
+              <a:rPr lang="es-MX" sz="3000" dirty="0" smtClean="0">
+                <a:solidFill>
+                  <a:schemeClr val="accent4">
+                    <a:lumMod val="60000"/>
+                    <a:lumOff val="40000"/>
+                  </a:schemeClr>
+                </a:solidFill>
+                <a:latin typeface="Roboto Medium" panose="02000000000000000000" pitchFamily="2" charset="0"/>
+                <a:ea typeface="Roboto Medium" panose="02000000000000000000" pitchFamily="2" charset="0"/>
+              </a:rPr>
+              <a:t>Formato de texto</a:t>
+            </a:r>
+          </a:p>
+          <a:p>
+            <a:r>
+              <a:rPr lang="es-MX" sz="3000" dirty="0">
+                <a:solidFill>
+                  <a:schemeClr val="accent4">
+                    <a:lumMod val="60000"/>
+                    <a:lumOff val="40000"/>
+                  </a:schemeClr>
+                </a:solidFill>
+                <a:latin typeface="Roboto Medium" panose="02000000000000000000" pitchFamily="2" charset="0"/>
+                <a:ea typeface="Roboto Medium" panose="02000000000000000000" pitchFamily="2" charset="0"/>
+              </a:rPr>
+              <a:t>	</a:t>
+            </a:r>
+            <a:r>
+              <a:rPr lang="es-MX" sz="2400" dirty="0" smtClean="0">
+                <a:solidFill>
+                  <a:schemeClr val="bg1">
+                    <a:lumMod val="95000"/>
+                  </a:schemeClr>
+                </a:solidFill>
+                <a:latin typeface="Roboto" panose="02000000000000000000" pitchFamily="2" charset="0"/>
+                <a:ea typeface="Roboto" panose="02000000000000000000" pitchFamily="2" charset="0"/>
+              </a:rPr>
+              <a:t>*texto* 				</a:t>
+            </a:r>
+            <a:r>
+              <a:rPr lang="es-MX" sz="2200" dirty="0" err="1">
+                <a:solidFill>
+                  <a:schemeClr val="accent6">
+                    <a:lumMod val="40000"/>
+                    <a:lumOff val="60000"/>
+                  </a:schemeClr>
+                </a:solidFill>
+                <a:latin typeface="Roboto" panose="02000000000000000000" pitchFamily="2" charset="0"/>
+                <a:ea typeface="Roboto" panose="02000000000000000000" pitchFamily="2" charset="0"/>
+              </a:rPr>
+              <a:t>italic</a:t>
+            </a:r>
+            <a:endParaRPr lang="es-MX" sz="2200" dirty="0">
+              <a:solidFill>
+                <a:schemeClr val="accent6">
+                  <a:lumMod val="40000"/>
+                  <a:lumOff val="60000"/>
+                </a:schemeClr>
+              </a:solidFill>
+              <a:latin typeface="Roboto" panose="02000000000000000000" pitchFamily="2" charset="0"/>
+              <a:ea typeface="Roboto" panose="02000000000000000000" pitchFamily="2" charset="0"/>
+            </a:endParaRPr>
+          </a:p>
+          <a:p>
+            <a:r>
+              <a:rPr lang="es-MX" sz="2400" dirty="0">
+                <a:solidFill>
+                  <a:schemeClr val="bg1">
+                    <a:lumMod val="95000"/>
+                  </a:schemeClr>
+                </a:solidFill>
+                <a:latin typeface="Roboto" panose="02000000000000000000" pitchFamily="2" charset="0"/>
+                <a:ea typeface="Roboto" panose="02000000000000000000" pitchFamily="2" charset="0"/>
+              </a:rPr>
+              <a:t>	</a:t>
+            </a:r>
+            <a:r>
+              <a:rPr lang="es-MX" sz="2400" dirty="0" smtClean="0">
+                <a:solidFill>
+                  <a:schemeClr val="bg1">
+                    <a:lumMod val="95000"/>
+                  </a:schemeClr>
+                </a:solidFill>
+                <a:latin typeface="Roboto" panose="02000000000000000000" pitchFamily="2" charset="0"/>
+                <a:ea typeface="Roboto" panose="02000000000000000000" pitchFamily="2" charset="0"/>
+              </a:rPr>
+              <a:t>**texto**				</a:t>
+            </a:r>
+            <a:r>
+              <a:rPr lang="es-MX" sz="2200" dirty="0" err="1" smtClean="0">
+                <a:solidFill>
+                  <a:schemeClr val="accent6">
+                    <a:lumMod val="40000"/>
+                    <a:lumOff val="60000"/>
+                  </a:schemeClr>
+                </a:solidFill>
+                <a:latin typeface="Roboto" panose="02000000000000000000" pitchFamily="2" charset="0"/>
+                <a:ea typeface="Roboto" panose="02000000000000000000" pitchFamily="2" charset="0"/>
+              </a:rPr>
+              <a:t>bold</a:t>
+            </a:r>
+            <a:endParaRPr lang="es-MX" sz="2200" dirty="0">
+              <a:solidFill>
+                <a:schemeClr val="accent6">
+                  <a:lumMod val="40000"/>
+                  <a:lumOff val="60000"/>
+                </a:schemeClr>
+              </a:solidFill>
+              <a:latin typeface="Roboto" panose="02000000000000000000" pitchFamily="2" charset="0"/>
+              <a:ea typeface="Roboto" panose="02000000000000000000" pitchFamily="2" charset="0"/>
+            </a:endParaRPr>
+          </a:p>
+          <a:p>
+            <a:r>
+              <a:rPr lang="es-MX" sz="2400" dirty="0">
+                <a:solidFill>
+                  <a:schemeClr val="bg1">
+                    <a:lumMod val="95000"/>
+                  </a:schemeClr>
+                </a:solidFill>
+                <a:latin typeface="Roboto" panose="02000000000000000000" pitchFamily="2" charset="0"/>
+                <a:ea typeface="Roboto" panose="02000000000000000000" pitchFamily="2" charset="0"/>
+              </a:rPr>
+              <a:t>	</a:t>
+            </a:r>
+            <a:r>
+              <a:rPr lang="es-MX" sz="2400" dirty="0" smtClean="0">
+                <a:solidFill>
+                  <a:schemeClr val="bg1">
+                    <a:lumMod val="95000"/>
+                  </a:schemeClr>
+                </a:solidFill>
+                <a:latin typeface="Roboto" panose="02000000000000000000" pitchFamily="2" charset="0"/>
+                <a:ea typeface="Roboto" panose="02000000000000000000" pitchFamily="2" charset="0"/>
+              </a:rPr>
+              <a:t>~~texto~~			</a:t>
+            </a:r>
+            <a:r>
+              <a:rPr lang="es-MX" sz="2200" dirty="0" err="1" smtClean="0">
+                <a:solidFill>
+                  <a:schemeClr val="accent6">
+                    <a:lumMod val="40000"/>
+                    <a:lumOff val="60000"/>
+                  </a:schemeClr>
+                </a:solidFill>
+                <a:latin typeface="Roboto" panose="02000000000000000000" pitchFamily="2" charset="0"/>
+                <a:ea typeface="Roboto" panose="02000000000000000000" pitchFamily="2" charset="0"/>
+              </a:rPr>
+              <a:t>strikethrough</a:t>
+            </a:r>
+            <a:endParaRPr lang="es-MX" sz="2200" dirty="0">
+              <a:solidFill>
+                <a:schemeClr val="accent6">
+                  <a:lumMod val="40000"/>
+                  <a:lumOff val="60000"/>
+                </a:schemeClr>
+              </a:solidFill>
+              <a:latin typeface="Roboto" panose="02000000000000000000" pitchFamily="2" charset="0"/>
+              <a:ea typeface="Roboto" panose="02000000000000000000" pitchFamily="2" charset="0"/>
+            </a:endParaRPr>
+          </a:p>
+        </p:txBody>
+      </p:sp>
+      <p:sp>
+        <p:nvSpPr>
+          <p:cNvPr id="7" name="CuadroTexto 6"/>
+          <p:cNvSpPr txBox="1"/>
+          <p:nvPr/>
+        </p:nvSpPr>
+        <p:spPr>
+          <a:xfrm flipH="1">
+            <a:off x="9735150" y="5790366"/>
+            <a:ext cx="2456850" cy="553998"/>
+          </a:xfrm>
+          <a:prstGeom prst="rect">
+            <a:avLst/>
+          </a:prstGeom>
+          <a:noFill/>
+        </p:spPr>
+        <p:txBody>
+          <a:bodyPr wrap="square" rtlCol="0">
+            <a:spAutoFit/>
+          </a:bodyPr>
+          <a:lstStyle/>
+          <a:p>
+            <a:r>
+              <a:rPr lang="es-MX" sz="2400" dirty="0">
+                <a:solidFill>
+                  <a:schemeClr val="bg1">
+                    <a:lumMod val="95000"/>
+                  </a:schemeClr>
+                </a:solidFill>
+                <a:latin typeface="Roboto" panose="02000000000000000000" pitchFamily="2" charset="0"/>
+                <a:ea typeface="Roboto" panose="02000000000000000000" pitchFamily="2" charset="0"/>
+              </a:rPr>
+              <a:t>Extensión</a:t>
+            </a:r>
+            <a:r>
+              <a:rPr lang="es-MX" sz="3000" dirty="0" smtClean="0">
+                <a:solidFill>
+                  <a:schemeClr val="accent4">
+                    <a:lumMod val="60000"/>
+                    <a:lumOff val="40000"/>
+                  </a:schemeClr>
+                </a:solidFill>
+                <a:latin typeface="Roboto Medium" panose="02000000000000000000" pitchFamily="2" charset="0"/>
+                <a:ea typeface="Roboto Medium" panose="02000000000000000000" pitchFamily="2" charset="0"/>
+              </a:rPr>
+              <a:t> .md</a:t>
+            </a:r>
+            <a:endParaRPr lang="es-MX" sz="3000" dirty="0">
+              <a:solidFill>
+                <a:schemeClr val="accent4">
+                  <a:lumMod val="60000"/>
+                  <a:lumOff val="40000"/>
+                </a:schemeClr>
+              </a:solidFill>
+              <a:latin typeface="Roboto Medium" panose="02000000000000000000" pitchFamily="2" charset="0"/>
+              <a:ea typeface="Roboto Medium" panose="02000000000000000000" pitchFamily="2" charset="0"/>
+            </a:endParaRPr>
+          </a:p>
+        </p:txBody>
+      </p:sp>
+    </p:spTree>
+    <p:extLst>
+      <p:ext uri="{BB962C8B-B14F-4D97-AF65-F5344CB8AC3E}">
+        <p14:creationId xmlns:p14="http://schemas.microsoft.com/office/powerpoint/2010/main" val="2518863473"/>
+      </p:ext>
+    </p:extLst>
+  </p:cSld>
+  <p:clrMapOvr>
+    <a:masterClrMapping/>
+  </p:clrMapOvr>
+  <p:timing>
+    <p:tnLst>
+      <p:par>
+        <p:cTn id="1" dur="indefinite" restart="never" nodeType="tmRoot"/>
+      </p:par>
+    </p:tnLst>
+  </p:timing>
+</p:sld>
+</file>
+
+<file path=ppt/slides/slide23.xml><?xml version="1.0" encoding="utf-8"?>
+<p:sld xmlns:a="http://schemas.openxmlformats.org/drawingml/2006/main" xmlns:r="http://schemas.openxmlformats.org/officeDocument/2006/relationships" xmlns:p="http://schemas.openxmlformats.org/presentationml/2006/main">
+  <p:cSld>
+    <p:bg>
+      <p:bgPr>
+        <a:solidFill>
+          <a:srgbClr val="1ABC9C"/>
+        </a:solidFill>
+        <a:effectLst/>
+      </p:bgPr>
+    </p:bg>
+    <p:spTree>
+      <p:nvGrpSpPr>
+        <p:cNvPr id="1" name=""/>
+        <p:cNvGrpSpPr/>
+        <p:nvPr/>
+      </p:nvGrpSpPr>
+      <p:grpSpPr>
+        <a:xfrm>
+          <a:off x="0" y="0"/>
+          <a:ext cx="0" cy="0"/>
+          <a:chOff x="0" y="0"/>
+          <a:chExt cx="0" cy="0"/>
+        </a:xfrm>
+      </p:grpSpPr>
+      <p:sp>
+        <p:nvSpPr>
+          <p:cNvPr id="2" name="CuadroTexto 1"/>
+          <p:cNvSpPr txBox="1"/>
+          <p:nvPr/>
+        </p:nvSpPr>
+        <p:spPr>
+          <a:xfrm>
+            <a:off x="481485" y="538431"/>
+            <a:ext cx="5366865" cy="707886"/>
+          </a:xfrm>
+          <a:prstGeom prst="rect">
+            <a:avLst/>
+          </a:prstGeom>
+          <a:noFill/>
+        </p:spPr>
+        <p:txBody>
+          <a:bodyPr wrap="square" rtlCol="0">
+            <a:spAutoFit/>
+          </a:bodyPr>
+          <a:lstStyle/>
+          <a:p>
+            <a:pPr algn="ctr"/>
+            <a:r>
+              <a:rPr lang="es-MX" sz="4000" dirty="0">
+                <a:solidFill>
+                  <a:schemeClr val="bg1"/>
+                </a:solidFill>
+                <a:latin typeface="Roboto Black" panose="02000000000000000000" pitchFamily="2" charset="0"/>
+                <a:ea typeface="Roboto Black" panose="02000000000000000000" pitchFamily="2" charset="0"/>
+              </a:rPr>
+              <a:t>Elementos principales</a:t>
+            </a:r>
+            <a:endParaRPr lang="es-MX" sz="4000" dirty="0">
+              <a:solidFill>
+                <a:schemeClr val="bg1"/>
+              </a:solidFill>
+              <a:latin typeface="Roboto Black" panose="02000000000000000000" pitchFamily="2" charset="0"/>
+              <a:ea typeface="Roboto Black" panose="02000000000000000000" pitchFamily="2" charset="0"/>
+            </a:endParaRPr>
+          </a:p>
+        </p:txBody>
+      </p:sp>
+      <p:sp>
+        <p:nvSpPr>
+          <p:cNvPr id="3" name="CuadroTexto 2"/>
+          <p:cNvSpPr txBox="1"/>
+          <p:nvPr/>
+        </p:nvSpPr>
+        <p:spPr>
+          <a:xfrm flipH="1">
+            <a:off x="1064888" y="1543050"/>
+            <a:ext cx="8929343" cy="5038725"/>
+          </a:xfrm>
+          <a:prstGeom prst="rect">
+            <a:avLst/>
+          </a:prstGeom>
+          <a:noFill/>
+        </p:spPr>
+        <p:txBody>
+          <a:bodyPr wrap="square" rtlCol="0">
+            <a:noAutofit/>
+          </a:bodyPr>
+          <a:lstStyle/>
+          <a:p>
+            <a:r>
+              <a:rPr lang="es-MX" sz="3000" dirty="0">
+                <a:solidFill>
+                  <a:schemeClr val="accent4">
+                    <a:lumMod val="60000"/>
+                    <a:lumOff val="40000"/>
+                  </a:schemeClr>
+                </a:solidFill>
+                <a:latin typeface="Roboto Medium" panose="02000000000000000000" pitchFamily="2" charset="0"/>
+                <a:ea typeface="Roboto Medium" panose="02000000000000000000" pitchFamily="2" charset="0"/>
+              </a:rPr>
+              <a:t>Lista ordenada</a:t>
+            </a:r>
+          </a:p>
+          <a:p>
+            <a:r>
+              <a:rPr lang="es-MX" sz="4000" dirty="0">
+                <a:solidFill>
+                  <a:schemeClr val="accent4">
+                    <a:lumMod val="60000"/>
+                    <a:lumOff val="40000"/>
+                  </a:schemeClr>
+                </a:solidFill>
+                <a:latin typeface="Roboto Medium" panose="02000000000000000000" pitchFamily="2" charset="0"/>
+                <a:ea typeface="Roboto Medium" panose="02000000000000000000" pitchFamily="2" charset="0"/>
+              </a:rPr>
+              <a:t>	</a:t>
+            </a:r>
+            <a:r>
+              <a:rPr lang="es-MX" sz="2400" dirty="0">
+                <a:solidFill>
+                  <a:schemeClr val="bg1">
+                    <a:lumMod val="95000"/>
+                  </a:schemeClr>
+                </a:solidFill>
+                <a:latin typeface="Roboto" panose="02000000000000000000" pitchFamily="2" charset="0"/>
+                <a:ea typeface="Roboto" panose="02000000000000000000" pitchFamily="2" charset="0"/>
+              </a:rPr>
+              <a:t>[numero]. texto</a:t>
+            </a:r>
+            <a:r>
+              <a:rPr lang="es-MX" sz="3200" dirty="0">
+                <a:solidFill>
+                  <a:schemeClr val="bg1">
+                    <a:lumMod val="95000"/>
+                  </a:schemeClr>
+                </a:solidFill>
+                <a:latin typeface="Roboto" panose="02000000000000000000" pitchFamily="2" charset="0"/>
+                <a:ea typeface="Roboto" panose="02000000000000000000" pitchFamily="2" charset="0"/>
+              </a:rPr>
+              <a:t> </a:t>
+            </a:r>
+          </a:p>
+          <a:p>
+            <a:r>
+              <a:rPr lang="es-MX" sz="3200" dirty="0">
+                <a:solidFill>
+                  <a:schemeClr val="bg1">
+                    <a:lumMod val="95000"/>
+                  </a:schemeClr>
+                </a:solidFill>
+                <a:latin typeface="Roboto" panose="02000000000000000000" pitchFamily="2" charset="0"/>
+                <a:ea typeface="Roboto" panose="02000000000000000000" pitchFamily="2" charset="0"/>
+              </a:rPr>
+              <a:t>		</a:t>
+            </a:r>
+            <a:r>
+              <a:rPr lang="es-MX" sz="2400" dirty="0">
+                <a:solidFill>
+                  <a:schemeClr val="bg1">
+                    <a:lumMod val="95000"/>
+                  </a:schemeClr>
+                </a:solidFill>
+                <a:latin typeface="Roboto" panose="02000000000000000000" pitchFamily="2" charset="0"/>
+                <a:ea typeface="Roboto" panose="02000000000000000000" pitchFamily="2" charset="0"/>
+              </a:rPr>
+              <a:t>1. texto </a:t>
+            </a:r>
+            <a:r>
+              <a:rPr lang="es-MX" sz="3200" dirty="0">
+                <a:solidFill>
+                  <a:schemeClr val="bg1">
+                    <a:lumMod val="95000"/>
+                  </a:schemeClr>
+                </a:solidFill>
+                <a:latin typeface="Roboto" panose="02000000000000000000" pitchFamily="2" charset="0"/>
+                <a:ea typeface="Roboto" panose="02000000000000000000" pitchFamily="2" charset="0"/>
+              </a:rPr>
+              <a:t>			</a:t>
+            </a:r>
+            <a:r>
+              <a:rPr lang="es-MX" sz="2200" dirty="0" err="1">
+                <a:solidFill>
+                  <a:schemeClr val="accent6">
+                    <a:lumMod val="40000"/>
+                    <a:lumOff val="60000"/>
+                  </a:schemeClr>
+                </a:solidFill>
+                <a:latin typeface="Roboto" panose="02000000000000000000" pitchFamily="2" charset="0"/>
+                <a:ea typeface="Roboto" panose="02000000000000000000" pitchFamily="2" charset="0"/>
+              </a:rPr>
+              <a:t>sublista</a:t>
+            </a:r>
+            <a:endParaRPr lang="es-MX" sz="2200" dirty="0">
+              <a:solidFill>
+                <a:schemeClr val="accent6">
+                  <a:lumMod val="40000"/>
+                  <a:lumOff val="60000"/>
+                </a:schemeClr>
+              </a:solidFill>
+              <a:latin typeface="Roboto" panose="02000000000000000000" pitchFamily="2" charset="0"/>
+              <a:ea typeface="Roboto" panose="02000000000000000000" pitchFamily="2" charset="0"/>
+            </a:endParaRPr>
+          </a:p>
+          <a:p>
+            <a:r>
+              <a:rPr lang="es-MX" sz="3200" dirty="0">
+                <a:solidFill>
+                  <a:schemeClr val="bg1">
+                    <a:lumMod val="95000"/>
+                  </a:schemeClr>
+                </a:solidFill>
+                <a:latin typeface="Roboto" panose="02000000000000000000" pitchFamily="2" charset="0"/>
+                <a:ea typeface="Roboto" panose="02000000000000000000" pitchFamily="2" charset="0"/>
+              </a:rPr>
+              <a:t>		</a:t>
+            </a:r>
+            <a:r>
+              <a:rPr lang="es-MX" sz="2400" dirty="0">
+                <a:solidFill>
+                  <a:schemeClr val="bg1">
+                    <a:lumMod val="95000"/>
+                  </a:schemeClr>
+                </a:solidFill>
+                <a:latin typeface="Roboto" panose="02000000000000000000" pitchFamily="2" charset="0"/>
+                <a:ea typeface="Roboto" panose="02000000000000000000" pitchFamily="2" charset="0"/>
+              </a:rPr>
+              <a:t>* texto</a:t>
+            </a:r>
+            <a:r>
+              <a:rPr lang="es-MX" sz="3200" dirty="0">
+                <a:solidFill>
+                  <a:schemeClr val="bg1">
+                    <a:lumMod val="95000"/>
+                  </a:schemeClr>
+                </a:solidFill>
+                <a:latin typeface="Roboto" panose="02000000000000000000" pitchFamily="2" charset="0"/>
+                <a:ea typeface="Roboto" panose="02000000000000000000" pitchFamily="2" charset="0"/>
+              </a:rPr>
+              <a:t>				</a:t>
+            </a:r>
+            <a:r>
+              <a:rPr lang="es-MX" sz="2200" dirty="0">
+                <a:solidFill>
+                  <a:schemeClr val="accent6">
+                    <a:lumMod val="40000"/>
+                    <a:lumOff val="60000"/>
+                  </a:schemeClr>
+                </a:solidFill>
+                <a:latin typeface="Roboto" panose="02000000000000000000" pitchFamily="2" charset="0"/>
+                <a:ea typeface="Roboto" panose="02000000000000000000" pitchFamily="2" charset="0"/>
+              </a:rPr>
+              <a:t>numero consecutivo</a:t>
+            </a:r>
+          </a:p>
+          <a:p>
+            <a:endParaRPr lang="es-MX" sz="3000" dirty="0" smtClean="0">
+              <a:solidFill>
+                <a:schemeClr val="accent4">
+                  <a:lumMod val="60000"/>
+                  <a:lumOff val="40000"/>
+                </a:schemeClr>
+              </a:solidFill>
+              <a:latin typeface="Roboto Medium" panose="02000000000000000000" pitchFamily="2" charset="0"/>
+              <a:ea typeface="Roboto Medium" panose="02000000000000000000" pitchFamily="2" charset="0"/>
+            </a:endParaRPr>
+          </a:p>
+          <a:p>
+            <a:r>
+              <a:rPr lang="es-MX" sz="3000" dirty="0" smtClean="0">
+                <a:solidFill>
+                  <a:schemeClr val="accent4">
+                    <a:lumMod val="60000"/>
+                    <a:lumOff val="40000"/>
+                  </a:schemeClr>
+                </a:solidFill>
+                <a:latin typeface="Roboto Medium" panose="02000000000000000000" pitchFamily="2" charset="0"/>
+                <a:ea typeface="Roboto Medium" panose="02000000000000000000" pitchFamily="2" charset="0"/>
+              </a:rPr>
+              <a:t>Lista no ordenada</a:t>
+            </a:r>
+          </a:p>
+          <a:p>
+            <a:r>
+              <a:rPr lang="es-MX" sz="3000" dirty="0">
+                <a:solidFill>
+                  <a:schemeClr val="accent4">
+                    <a:lumMod val="60000"/>
+                    <a:lumOff val="40000"/>
+                  </a:schemeClr>
+                </a:solidFill>
+                <a:latin typeface="Roboto Medium" panose="02000000000000000000" pitchFamily="2" charset="0"/>
+                <a:ea typeface="Roboto Medium" panose="02000000000000000000" pitchFamily="2" charset="0"/>
+              </a:rPr>
+              <a:t>	</a:t>
+            </a:r>
+            <a:r>
+              <a:rPr lang="es-MX" sz="2400" dirty="0">
+                <a:solidFill>
+                  <a:schemeClr val="bg1">
+                    <a:lumMod val="95000"/>
+                  </a:schemeClr>
+                </a:solidFill>
+                <a:latin typeface="Roboto" panose="02000000000000000000" pitchFamily="2" charset="0"/>
+                <a:ea typeface="Roboto" panose="02000000000000000000" pitchFamily="2" charset="0"/>
+              </a:rPr>
+              <a:t>* </a:t>
+            </a:r>
+            <a:r>
+              <a:rPr lang="es-MX" sz="2400" dirty="0" smtClean="0">
+                <a:solidFill>
+                  <a:schemeClr val="bg1">
+                    <a:lumMod val="95000"/>
+                  </a:schemeClr>
+                </a:solidFill>
+                <a:latin typeface="Roboto" panose="02000000000000000000" pitchFamily="2" charset="0"/>
+                <a:ea typeface="Roboto" panose="02000000000000000000" pitchFamily="2" charset="0"/>
+              </a:rPr>
+              <a:t>texto					</a:t>
+            </a:r>
+            <a:r>
+              <a:rPr lang="es-MX" sz="2200" dirty="0">
+                <a:solidFill>
+                  <a:schemeClr val="accent6">
+                    <a:lumMod val="40000"/>
+                    <a:lumOff val="60000"/>
+                  </a:schemeClr>
+                </a:solidFill>
+                <a:latin typeface="Roboto" panose="02000000000000000000" pitchFamily="2" charset="0"/>
+                <a:ea typeface="Roboto" panose="02000000000000000000" pitchFamily="2" charset="0"/>
+              </a:rPr>
+              <a:t>lista </a:t>
+            </a:r>
+            <a:r>
+              <a:rPr lang="es-MX" sz="2200" dirty="0">
+                <a:solidFill>
+                  <a:schemeClr val="accent6">
+                    <a:lumMod val="40000"/>
+                    <a:lumOff val="60000"/>
+                  </a:schemeClr>
+                </a:solidFill>
+                <a:latin typeface="Roboto" panose="02000000000000000000" pitchFamily="2" charset="0"/>
+                <a:ea typeface="Roboto" panose="02000000000000000000" pitchFamily="2" charset="0"/>
+              </a:rPr>
+              <a:t>no ordenada</a:t>
+            </a:r>
+          </a:p>
+          <a:p>
+            <a:r>
+              <a:rPr lang="es-MX" sz="2400" dirty="0">
+                <a:solidFill>
+                  <a:schemeClr val="bg1">
+                    <a:lumMod val="95000"/>
+                  </a:schemeClr>
+                </a:solidFill>
+                <a:latin typeface="Roboto" panose="02000000000000000000" pitchFamily="2" charset="0"/>
+                <a:ea typeface="Roboto" panose="02000000000000000000" pitchFamily="2" charset="0"/>
+              </a:rPr>
+              <a:t>	</a:t>
+            </a:r>
+            <a:r>
+              <a:rPr lang="es-MX" sz="2400" dirty="0">
+                <a:solidFill>
+                  <a:schemeClr val="bg1">
+                    <a:lumMod val="95000"/>
+                  </a:schemeClr>
+                </a:solidFill>
+                <a:latin typeface="Roboto" panose="02000000000000000000" pitchFamily="2" charset="0"/>
+                <a:ea typeface="Roboto" panose="02000000000000000000" pitchFamily="2" charset="0"/>
+              </a:rPr>
+              <a:t>	* texto	</a:t>
+            </a:r>
+            <a:r>
+              <a:rPr lang="es-MX" sz="3000" dirty="0" smtClean="0">
+                <a:solidFill>
+                  <a:schemeClr val="accent4">
+                    <a:lumMod val="60000"/>
+                    <a:lumOff val="40000"/>
+                  </a:schemeClr>
+                </a:solidFill>
+                <a:latin typeface="Roboto Medium" panose="02000000000000000000" pitchFamily="2" charset="0"/>
+                <a:ea typeface="Roboto Medium" panose="02000000000000000000" pitchFamily="2" charset="0"/>
+              </a:rPr>
+              <a:t>			</a:t>
+            </a:r>
+            <a:r>
+              <a:rPr lang="es-MX" sz="2200" dirty="0" err="1">
+                <a:solidFill>
+                  <a:schemeClr val="accent6">
+                    <a:lumMod val="40000"/>
+                    <a:lumOff val="60000"/>
+                  </a:schemeClr>
+                </a:solidFill>
+                <a:latin typeface="Roboto" panose="02000000000000000000" pitchFamily="2" charset="0"/>
+                <a:ea typeface="Roboto" panose="02000000000000000000" pitchFamily="2" charset="0"/>
+              </a:rPr>
+              <a:t>sublista</a:t>
+            </a:r>
+            <a:r>
+              <a:rPr lang="es-MX" sz="2200" dirty="0">
+                <a:solidFill>
+                  <a:schemeClr val="accent6">
+                    <a:lumMod val="40000"/>
+                    <a:lumOff val="60000"/>
+                  </a:schemeClr>
+                </a:solidFill>
+                <a:latin typeface="Roboto" panose="02000000000000000000" pitchFamily="2" charset="0"/>
+                <a:ea typeface="Roboto" panose="02000000000000000000" pitchFamily="2" charset="0"/>
+              </a:rPr>
+              <a:t> no </a:t>
+            </a:r>
+            <a:r>
+              <a:rPr lang="es-MX" sz="2200" dirty="0" smtClean="0">
+                <a:solidFill>
+                  <a:schemeClr val="accent6">
+                    <a:lumMod val="40000"/>
+                    <a:lumOff val="60000"/>
+                  </a:schemeClr>
+                </a:solidFill>
+                <a:latin typeface="Roboto" panose="02000000000000000000" pitchFamily="2" charset="0"/>
+                <a:ea typeface="Roboto" panose="02000000000000000000" pitchFamily="2" charset="0"/>
+              </a:rPr>
+              <a:t>ordenada</a:t>
+            </a:r>
+          </a:p>
+          <a:p>
+            <a:r>
+              <a:rPr lang="es-MX" sz="2200" dirty="0">
+                <a:solidFill>
+                  <a:schemeClr val="accent6">
+                    <a:lumMod val="40000"/>
+                    <a:lumOff val="60000"/>
+                  </a:schemeClr>
+                </a:solidFill>
+                <a:latin typeface="Roboto" panose="02000000000000000000" pitchFamily="2" charset="0"/>
+                <a:ea typeface="Roboto" panose="02000000000000000000" pitchFamily="2" charset="0"/>
+              </a:rPr>
+              <a:t>	</a:t>
+            </a:r>
+            <a:r>
+              <a:rPr lang="es-MX" sz="2200" dirty="0" smtClean="0">
+                <a:solidFill>
+                  <a:schemeClr val="accent6">
+                    <a:lumMod val="40000"/>
+                    <a:lumOff val="60000"/>
+                  </a:schemeClr>
+                </a:solidFill>
+                <a:latin typeface="Roboto" panose="02000000000000000000" pitchFamily="2" charset="0"/>
+                <a:ea typeface="Roboto" panose="02000000000000000000" pitchFamily="2" charset="0"/>
+              </a:rPr>
+              <a:t>	</a:t>
+            </a:r>
+            <a:r>
+              <a:rPr lang="es-MX" sz="2400" dirty="0">
+                <a:solidFill>
+                  <a:schemeClr val="bg1">
+                    <a:lumMod val="95000"/>
+                  </a:schemeClr>
+                </a:solidFill>
+                <a:latin typeface="Roboto" panose="02000000000000000000" pitchFamily="2" charset="0"/>
+                <a:ea typeface="Roboto" panose="02000000000000000000" pitchFamily="2" charset="0"/>
+              </a:rPr>
+              <a:t>+ texto </a:t>
+            </a:r>
+            <a:r>
+              <a:rPr lang="es-MX" sz="2200" dirty="0" smtClean="0">
+                <a:solidFill>
+                  <a:schemeClr val="accent6">
+                    <a:lumMod val="40000"/>
+                    <a:lumOff val="60000"/>
+                  </a:schemeClr>
+                </a:solidFill>
+                <a:latin typeface="Roboto" panose="02000000000000000000" pitchFamily="2" charset="0"/>
+                <a:ea typeface="Roboto" panose="02000000000000000000" pitchFamily="2" charset="0"/>
+              </a:rPr>
+              <a:t>			</a:t>
+            </a:r>
+            <a:r>
+              <a:rPr lang="es-MX" sz="2200" dirty="0" err="1" smtClean="0">
+                <a:solidFill>
+                  <a:schemeClr val="accent6">
+                    <a:lumMod val="40000"/>
+                    <a:lumOff val="60000"/>
+                  </a:schemeClr>
+                </a:solidFill>
+                <a:latin typeface="Roboto" panose="02000000000000000000" pitchFamily="2" charset="0"/>
+                <a:ea typeface="Roboto" panose="02000000000000000000" pitchFamily="2" charset="0"/>
+              </a:rPr>
+              <a:t>sublista</a:t>
+            </a:r>
+            <a:r>
+              <a:rPr lang="es-MX" sz="2200" dirty="0" smtClean="0">
+                <a:solidFill>
+                  <a:schemeClr val="accent6">
+                    <a:lumMod val="40000"/>
+                    <a:lumOff val="60000"/>
+                  </a:schemeClr>
+                </a:solidFill>
+                <a:latin typeface="Roboto" panose="02000000000000000000" pitchFamily="2" charset="0"/>
+                <a:ea typeface="Roboto" panose="02000000000000000000" pitchFamily="2" charset="0"/>
+              </a:rPr>
+              <a:t> no ordenada</a:t>
+            </a:r>
+          </a:p>
+          <a:p>
+            <a:r>
+              <a:rPr lang="es-MX" sz="2200" dirty="0">
+                <a:solidFill>
+                  <a:schemeClr val="accent6">
+                    <a:lumMod val="40000"/>
+                    <a:lumOff val="60000"/>
+                  </a:schemeClr>
+                </a:solidFill>
+                <a:latin typeface="Roboto" panose="02000000000000000000" pitchFamily="2" charset="0"/>
+                <a:ea typeface="Roboto" panose="02000000000000000000" pitchFamily="2" charset="0"/>
+              </a:rPr>
+              <a:t>	</a:t>
+            </a:r>
+            <a:r>
+              <a:rPr lang="es-MX" sz="2200" dirty="0" smtClean="0">
+                <a:solidFill>
+                  <a:schemeClr val="accent6">
+                    <a:lumMod val="40000"/>
+                    <a:lumOff val="60000"/>
+                  </a:schemeClr>
+                </a:solidFill>
+                <a:latin typeface="Roboto" panose="02000000000000000000" pitchFamily="2" charset="0"/>
+                <a:ea typeface="Roboto" panose="02000000000000000000" pitchFamily="2" charset="0"/>
+              </a:rPr>
+              <a:t>		</a:t>
+            </a:r>
+            <a:r>
+              <a:rPr lang="es-MX" sz="2400" dirty="0">
+                <a:solidFill>
+                  <a:schemeClr val="bg1">
+                    <a:lumMod val="95000"/>
+                  </a:schemeClr>
+                </a:solidFill>
+                <a:latin typeface="Roboto" panose="02000000000000000000" pitchFamily="2" charset="0"/>
+                <a:ea typeface="Roboto" panose="02000000000000000000" pitchFamily="2" charset="0"/>
+              </a:rPr>
+              <a:t>1. texto</a:t>
+            </a:r>
+            <a:r>
+              <a:rPr lang="es-MX" sz="2200" dirty="0" smtClean="0">
+                <a:solidFill>
+                  <a:schemeClr val="accent6">
+                    <a:lumMod val="40000"/>
+                    <a:lumOff val="60000"/>
+                  </a:schemeClr>
+                </a:solidFill>
+                <a:latin typeface="Roboto" panose="02000000000000000000" pitchFamily="2" charset="0"/>
+                <a:ea typeface="Roboto" panose="02000000000000000000" pitchFamily="2" charset="0"/>
+              </a:rPr>
+              <a:t>		sub </a:t>
+            </a:r>
+            <a:r>
+              <a:rPr lang="es-MX" sz="2200" dirty="0" err="1" smtClean="0">
+                <a:solidFill>
+                  <a:schemeClr val="accent6">
+                    <a:lumMod val="40000"/>
+                    <a:lumOff val="60000"/>
+                  </a:schemeClr>
+                </a:solidFill>
+                <a:latin typeface="Roboto" panose="02000000000000000000" pitchFamily="2" charset="0"/>
+                <a:ea typeface="Roboto" panose="02000000000000000000" pitchFamily="2" charset="0"/>
+              </a:rPr>
+              <a:t>sublista</a:t>
+            </a:r>
+            <a:r>
+              <a:rPr lang="es-MX" sz="2200" dirty="0" smtClean="0">
+                <a:solidFill>
+                  <a:schemeClr val="accent6">
+                    <a:lumMod val="40000"/>
+                    <a:lumOff val="60000"/>
+                  </a:schemeClr>
+                </a:solidFill>
+                <a:latin typeface="Roboto" panose="02000000000000000000" pitchFamily="2" charset="0"/>
+                <a:ea typeface="Roboto" panose="02000000000000000000" pitchFamily="2" charset="0"/>
+              </a:rPr>
+              <a:t> ordenada</a:t>
+            </a:r>
+          </a:p>
+          <a:p>
+            <a:endParaRPr lang="es-MX" sz="2200" dirty="0">
+              <a:solidFill>
+                <a:schemeClr val="accent6">
+                  <a:lumMod val="40000"/>
+                  <a:lumOff val="60000"/>
+                </a:schemeClr>
+              </a:solidFill>
+              <a:latin typeface="Roboto" panose="02000000000000000000" pitchFamily="2" charset="0"/>
+              <a:ea typeface="Roboto" panose="02000000000000000000" pitchFamily="2" charset="0"/>
+            </a:endParaRPr>
+          </a:p>
+        </p:txBody>
+      </p:sp>
+    </p:spTree>
+    <p:extLst>
+      <p:ext uri="{BB962C8B-B14F-4D97-AF65-F5344CB8AC3E}">
+        <p14:creationId xmlns:p14="http://schemas.microsoft.com/office/powerpoint/2010/main" val="711345411"/>
+      </p:ext>
+    </p:extLst>
+  </p:cSld>
+  <p:clrMapOvr>
+    <a:masterClrMapping/>
+  </p:clrMapOvr>
+  <p:timing>
+    <p:tnLst>
+      <p:par>
+        <p:cTn id="1" dur="indefinite" restart="never" nodeType="tmRoot"/>
+      </p:par>
+    </p:tnLst>
+  </p:timing>
+</p:sld>
+</file>
+
+<file path=ppt/slides/slide24.xml><?xml version="1.0" encoding="utf-8"?>
+<p:sld xmlns:a="http://schemas.openxmlformats.org/drawingml/2006/main" xmlns:r="http://schemas.openxmlformats.org/officeDocument/2006/relationships" xmlns:p="http://schemas.openxmlformats.org/presentationml/2006/main">
+  <p:cSld>
+    <p:bg>
+      <p:bgPr>
+        <a:solidFill>
+          <a:srgbClr val="1ABC9C"/>
+        </a:solidFill>
+        <a:effectLst/>
+      </p:bgPr>
+    </p:bg>
+    <p:spTree>
+      <p:nvGrpSpPr>
+        <p:cNvPr id="1" name=""/>
+        <p:cNvGrpSpPr/>
+        <p:nvPr/>
+      </p:nvGrpSpPr>
+      <p:grpSpPr>
+        <a:xfrm>
+          <a:off x="0" y="0"/>
+          <a:ext cx="0" cy="0"/>
+          <a:chOff x="0" y="0"/>
+          <a:chExt cx="0" cy="0"/>
+        </a:xfrm>
+      </p:grpSpPr>
+      <p:sp>
+        <p:nvSpPr>
+          <p:cNvPr id="2" name="CuadroTexto 1"/>
+          <p:cNvSpPr txBox="1"/>
+          <p:nvPr/>
+        </p:nvSpPr>
+        <p:spPr>
+          <a:xfrm>
+            <a:off x="481485" y="538431"/>
+            <a:ext cx="5366865" cy="707886"/>
+          </a:xfrm>
+          <a:prstGeom prst="rect">
+            <a:avLst/>
+          </a:prstGeom>
+          <a:noFill/>
+        </p:spPr>
+        <p:txBody>
+          <a:bodyPr wrap="square" rtlCol="0">
+            <a:spAutoFit/>
+          </a:bodyPr>
+          <a:lstStyle/>
+          <a:p>
+            <a:pPr algn="ctr"/>
+            <a:r>
+              <a:rPr lang="es-MX" sz="4000" dirty="0">
+                <a:solidFill>
+                  <a:schemeClr val="bg1"/>
+                </a:solidFill>
+                <a:latin typeface="Roboto Black" panose="02000000000000000000" pitchFamily="2" charset="0"/>
+                <a:ea typeface="Roboto Black" panose="02000000000000000000" pitchFamily="2" charset="0"/>
+              </a:rPr>
+              <a:t>Elementos principales</a:t>
+            </a:r>
+            <a:endParaRPr lang="es-MX" sz="4000" dirty="0">
+              <a:solidFill>
+                <a:schemeClr val="bg1"/>
+              </a:solidFill>
+              <a:latin typeface="Roboto Black" panose="02000000000000000000" pitchFamily="2" charset="0"/>
+              <a:ea typeface="Roboto Black" panose="02000000000000000000" pitchFamily="2" charset="0"/>
+            </a:endParaRPr>
+          </a:p>
+        </p:txBody>
+      </p:sp>
+      <p:sp>
+        <p:nvSpPr>
+          <p:cNvPr id="3" name="CuadroTexto 2"/>
+          <p:cNvSpPr txBox="1"/>
+          <p:nvPr/>
+        </p:nvSpPr>
+        <p:spPr>
+          <a:xfrm flipH="1">
+            <a:off x="1064887" y="1543050"/>
+            <a:ext cx="9662252" cy="5038725"/>
+          </a:xfrm>
+          <a:prstGeom prst="rect">
+            <a:avLst/>
+          </a:prstGeom>
+          <a:noFill/>
+        </p:spPr>
+        <p:txBody>
+          <a:bodyPr wrap="square" rtlCol="0">
+            <a:noAutofit/>
+          </a:bodyPr>
+          <a:lstStyle/>
+          <a:p>
+            <a:r>
+              <a:rPr lang="es-MX" sz="3000" dirty="0" smtClean="0">
+                <a:solidFill>
+                  <a:schemeClr val="accent4">
+                    <a:lumMod val="60000"/>
+                    <a:lumOff val="40000"/>
+                  </a:schemeClr>
+                </a:solidFill>
+                <a:latin typeface="Roboto Medium" panose="02000000000000000000" pitchFamily="2" charset="0"/>
+                <a:ea typeface="Roboto Medium" panose="02000000000000000000" pitchFamily="2" charset="0"/>
+              </a:rPr>
+              <a:t>Links</a:t>
+            </a:r>
+            <a:endParaRPr lang="es-MX" sz="3000" dirty="0">
+              <a:solidFill>
+                <a:schemeClr val="accent4">
+                  <a:lumMod val="60000"/>
+                  <a:lumOff val="40000"/>
+                </a:schemeClr>
+              </a:solidFill>
+              <a:latin typeface="Roboto Medium" panose="02000000000000000000" pitchFamily="2" charset="0"/>
+              <a:ea typeface="Roboto Medium" panose="02000000000000000000" pitchFamily="2" charset="0"/>
+            </a:endParaRPr>
+          </a:p>
+          <a:p>
+            <a:r>
+              <a:rPr lang="es-MX" sz="4000" dirty="0">
+                <a:solidFill>
+                  <a:schemeClr val="accent4">
+                    <a:lumMod val="60000"/>
+                    <a:lumOff val="40000"/>
+                  </a:schemeClr>
+                </a:solidFill>
+                <a:latin typeface="Roboto Medium" panose="02000000000000000000" pitchFamily="2" charset="0"/>
+                <a:ea typeface="Roboto Medium" panose="02000000000000000000" pitchFamily="2" charset="0"/>
+              </a:rPr>
+              <a:t>	</a:t>
+            </a:r>
+            <a:r>
+              <a:rPr lang="es-MX" sz="2400" dirty="0">
+                <a:solidFill>
+                  <a:schemeClr val="bg1">
+                    <a:lumMod val="95000"/>
+                  </a:schemeClr>
+                </a:solidFill>
+                <a:latin typeface="Roboto" panose="02000000000000000000" pitchFamily="2" charset="0"/>
+                <a:ea typeface="Roboto" panose="02000000000000000000" pitchFamily="2" charset="0"/>
+              </a:rPr>
+              <a:t>[</a:t>
+            </a:r>
+            <a:r>
+              <a:rPr lang="es-MX" sz="2400" dirty="0" smtClean="0">
+                <a:solidFill>
+                  <a:schemeClr val="bg1">
+                    <a:lumMod val="95000"/>
+                  </a:schemeClr>
+                </a:solidFill>
+                <a:latin typeface="Roboto" panose="02000000000000000000" pitchFamily="2" charset="0"/>
+                <a:ea typeface="Roboto" panose="02000000000000000000" pitchFamily="2" charset="0"/>
+              </a:rPr>
+              <a:t>texto](</a:t>
+            </a:r>
+            <a:r>
+              <a:rPr lang="es-MX" sz="2400" dirty="0" err="1" smtClean="0">
+                <a:solidFill>
+                  <a:schemeClr val="bg1">
+                    <a:lumMod val="95000"/>
+                  </a:schemeClr>
+                </a:solidFill>
+                <a:latin typeface="Roboto" panose="02000000000000000000" pitchFamily="2" charset="0"/>
+                <a:ea typeface="Roboto" panose="02000000000000000000" pitchFamily="2" charset="0"/>
+              </a:rPr>
+              <a:t>url</a:t>
+            </a:r>
+            <a:r>
+              <a:rPr lang="es-MX" sz="2400" dirty="0" smtClean="0">
+                <a:solidFill>
+                  <a:schemeClr val="bg1">
+                    <a:lumMod val="95000"/>
+                  </a:schemeClr>
+                </a:solidFill>
+                <a:latin typeface="Roboto" panose="02000000000000000000" pitchFamily="2" charset="0"/>
+                <a:ea typeface="Roboto" panose="02000000000000000000" pitchFamily="2" charset="0"/>
+              </a:rPr>
+              <a:t>)									</a:t>
+            </a:r>
+            <a:r>
+              <a:rPr lang="es-MX" sz="2400" dirty="0" smtClean="0">
+                <a:solidFill>
+                  <a:schemeClr val="accent6">
+                    <a:lumMod val="40000"/>
+                    <a:lumOff val="60000"/>
+                  </a:schemeClr>
+                </a:solidFill>
+                <a:latin typeface="Roboto" panose="02000000000000000000" pitchFamily="2" charset="0"/>
+                <a:ea typeface="Roboto" panose="02000000000000000000" pitchFamily="2" charset="0"/>
+              </a:rPr>
+              <a:t>link sencillo</a:t>
+            </a:r>
+            <a:endParaRPr lang="es-MX" sz="2400" dirty="0" smtClean="0">
+              <a:solidFill>
+                <a:schemeClr val="bg1">
+                  <a:lumMod val="95000"/>
+                </a:schemeClr>
+              </a:solidFill>
+              <a:latin typeface="Roboto" panose="02000000000000000000" pitchFamily="2" charset="0"/>
+              <a:ea typeface="Roboto" panose="02000000000000000000" pitchFamily="2" charset="0"/>
+            </a:endParaRPr>
+          </a:p>
+          <a:p>
+            <a:r>
+              <a:rPr lang="es-MX" sz="2400" dirty="0">
+                <a:solidFill>
+                  <a:schemeClr val="bg1">
+                    <a:lumMod val="95000"/>
+                  </a:schemeClr>
+                </a:solidFill>
+                <a:latin typeface="Roboto" panose="02000000000000000000" pitchFamily="2" charset="0"/>
+                <a:ea typeface="Roboto" panose="02000000000000000000" pitchFamily="2" charset="0"/>
+              </a:rPr>
+              <a:t>	[</a:t>
+            </a:r>
+            <a:r>
+              <a:rPr lang="es-MX" sz="2400" dirty="0" smtClean="0">
+                <a:solidFill>
+                  <a:schemeClr val="bg1">
+                    <a:lumMod val="95000"/>
+                  </a:schemeClr>
+                </a:solidFill>
+                <a:latin typeface="Roboto" panose="02000000000000000000" pitchFamily="2" charset="0"/>
+                <a:ea typeface="Roboto" panose="02000000000000000000" pitchFamily="2" charset="0"/>
+              </a:rPr>
+              <a:t>texto] (</a:t>
+            </a:r>
+            <a:r>
+              <a:rPr lang="es-MX" sz="2400" dirty="0" err="1" smtClean="0">
+                <a:solidFill>
+                  <a:schemeClr val="bg1">
+                    <a:lumMod val="95000"/>
+                  </a:schemeClr>
+                </a:solidFill>
+                <a:latin typeface="Roboto" panose="02000000000000000000" pitchFamily="2" charset="0"/>
+                <a:ea typeface="Roboto" panose="02000000000000000000" pitchFamily="2" charset="0"/>
+              </a:rPr>
+              <a:t>url</a:t>
+            </a:r>
+            <a:r>
+              <a:rPr lang="es-MX" sz="2400" dirty="0" smtClean="0">
+                <a:solidFill>
+                  <a:schemeClr val="bg1">
+                    <a:lumMod val="95000"/>
+                  </a:schemeClr>
+                </a:solidFill>
+                <a:latin typeface="Roboto" panose="02000000000000000000" pitchFamily="2" charset="0"/>
+                <a:ea typeface="Roboto" panose="02000000000000000000" pitchFamily="2" charset="0"/>
+              </a:rPr>
+              <a:t> “Texto a mostrar”)				</a:t>
+            </a:r>
+            <a:r>
+              <a:rPr lang="es-MX" sz="2400" dirty="0" smtClean="0">
+                <a:solidFill>
+                  <a:schemeClr val="accent6">
+                    <a:lumMod val="40000"/>
+                    <a:lumOff val="60000"/>
+                  </a:schemeClr>
+                </a:solidFill>
+                <a:latin typeface="Roboto" panose="02000000000000000000" pitchFamily="2" charset="0"/>
+                <a:ea typeface="Roboto" panose="02000000000000000000" pitchFamily="2" charset="0"/>
+              </a:rPr>
+              <a:t>link con título</a:t>
+            </a:r>
+          </a:p>
+          <a:p>
+            <a:endParaRPr lang="es-MX" sz="2400" dirty="0" smtClean="0">
+              <a:solidFill>
+                <a:schemeClr val="bg1">
+                  <a:lumMod val="95000"/>
+                </a:schemeClr>
+              </a:solidFill>
+              <a:latin typeface="Roboto" panose="02000000000000000000" pitchFamily="2" charset="0"/>
+              <a:ea typeface="Roboto" panose="02000000000000000000" pitchFamily="2" charset="0"/>
+            </a:endParaRPr>
+          </a:p>
+          <a:p>
+            <a:r>
+              <a:rPr lang="es-MX" sz="3000" dirty="0" smtClean="0">
+                <a:solidFill>
+                  <a:schemeClr val="accent4">
+                    <a:lumMod val="60000"/>
+                    <a:lumOff val="40000"/>
+                  </a:schemeClr>
+                </a:solidFill>
+                <a:latin typeface="Roboto Medium" panose="02000000000000000000" pitchFamily="2" charset="0"/>
+                <a:ea typeface="Roboto Medium" panose="02000000000000000000" pitchFamily="2" charset="0"/>
+              </a:rPr>
+              <a:t>Imágenes</a:t>
+            </a:r>
+          </a:p>
+          <a:p>
+            <a:r>
+              <a:rPr lang="es-MX" sz="3000" dirty="0">
+                <a:solidFill>
+                  <a:schemeClr val="accent4">
+                    <a:lumMod val="60000"/>
+                    <a:lumOff val="40000"/>
+                  </a:schemeClr>
+                </a:solidFill>
+                <a:latin typeface="Roboto Medium" panose="02000000000000000000" pitchFamily="2" charset="0"/>
+                <a:ea typeface="Roboto Medium" panose="02000000000000000000" pitchFamily="2" charset="0"/>
+              </a:rPr>
+              <a:t>	</a:t>
+            </a:r>
+            <a:r>
+              <a:rPr lang="es-MX" sz="2400" dirty="0" smtClean="0">
+                <a:solidFill>
+                  <a:schemeClr val="bg1">
+                    <a:lumMod val="95000"/>
+                  </a:schemeClr>
+                </a:solidFill>
+                <a:latin typeface="Roboto" panose="02000000000000000000" pitchFamily="2" charset="0"/>
+                <a:ea typeface="Roboto" panose="02000000000000000000" pitchFamily="2" charset="0"/>
+              </a:rPr>
+              <a:t>![</a:t>
+            </a:r>
+            <a:r>
+              <a:rPr lang="es-MX" sz="2400" dirty="0" err="1" smtClean="0">
+                <a:solidFill>
+                  <a:schemeClr val="bg1">
+                    <a:lumMod val="95000"/>
+                  </a:schemeClr>
+                </a:solidFill>
+                <a:latin typeface="Roboto" panose="02000000000000000000" pitchFamily="2" charset="0"/>
+                <a:ea typeface="Roboto" panose="02000000000000000000" pitchFamily="2" charset="0"/>
+              </a:rPr>
+              <a:t>alt</a:t>
+            </a:r>
+            <a:r>
+              <a:rPr lang="es-MX" sz="2400" dirty="0" smtClean="0">
+                <a:solidFill>
+                  <a:schemeClr val="bg1">
+                    <a:lumMod val="95000"/>
+                  </a:schemeClr>
+                </a:solidFill>
+                <a:latin typeface="Roboto" panose="02000000000000000000" pitchFamily="2" charset="0"/>
+                <a:ea typeface="Roboto" panose="02000000000000000000" pitchFamily="2" charset="0"/>
+              </a:rPr>
+              <a:t> </a:t>
+            </a:r>
+            <a:r>
+              <a:rPr lang="es-MX" sz="2400" dirty="0" err="1" smtClean="0">
+                <a:solidFill>
+                  <a:schemeClr val="bg1">
+                    <a:lumMod val="95000"/>
+                  </a:schemeClr>
+                </a:solidFill>
+                <a:latin typeface="Roboto" panose="02000000000000000000" pitchFamily="2" charset="0"/>
+                <a:ea typeface="Roboto" panose="02000000000000000000" pitchFamily="2" charset="0"/>
+              </a:rPr>
+              <a:t>text</a:t>
+            </a:r>
+            <a:r>
+              <a:rPr lang="es-MX" sz="2400" dirty="0" smtClean="0">
+                <a:solidFill>
+                  <a:schemeClr val="bg1">
+                    <a:lumMod val="95000"/>
+                  </a:schemeClr>
+                </a:solidFill>
+                <a:latin typeface="Roboto" panose="02000000000000000000" pitchFamily="2" charset="0"/>
+                <a:ea typeface="Roboto" panose="02000000000000000000" pitchFamily="2" charset="0"/>
+              </a:rPr>
+              <a:t>](</a:t>
+            </a:r>
+            <a:r>
+              <a:rPr lang="es-MX" sz="2400" dirty="0" err="1" smtClean="0">
+                <a:solidFill>
+                  <a:schemeClr val="bg1">
+                    <a:lumMod val="95000"/>
+                  </a:schemeClr>
+                </a:solidFill>
+                <a:latin typeface="Roboto" panose="02000000000000000000" pitchFamily="2" charset="0"/>
+                <a:ea typeface="Roboto" panose="02000000000000000000" pitchFamily="2" charset="0"/>
+              </a:rPr>
+              <a:t>url</a:t>
+            </a:r>
+            <a:r>
+              <a:rPr lang="es-MX" sz="2400" dirty="0" smtClean="0">
+                <a:solidFill>
+                  <a:schemeClr val="bg1">
+                    <a:lumMod val="95000"/>
+                  </a:schemeClr>
+                </a:solidFill>
+                <a:latin typeface="Roboto" panose="02000000000000000000" pitchFamily="2" charset="0"/>
+                <a:ea typeface="Roboto" panose="02000000000000000000" pitchFamily="2" charset="0"/>
+              </a:rPr>
+              <a:t> imagen “</a:t>
+            </a:r>
+            <a:r>
+              <a:rPr lang="es-MX" sz="2400" dirty="0" err="1" smtClean="0">
+                <a:solidFill>
+                  <a:schemeClr val="bg1">
+                    <a:lumMod val="95000"/>
+                  </a:schemeClr>
+                </a:solidFill>
+                <a:latin typeface="Roboto" panose="02000000000000000000" pitchFamily="2" charset="0"/>
+                <a:ea typeface="Roboto" panose="02000000000000000000" pitchFamily="2" charset="0"/>
+              </a:rPr>
+              <a:t>alt</a:t>
+            </a:r>
+            <a:r>
+              <a:rPr lang="es-MX" sz="2400" dirty="0" smtClean="0">
+                <a:solidFill>
+                  <a:schemeClr val="bg1">
+                    <a:lumMod val="95000"/>
+                  </a:schemeClr>
+                </a:solidFill>
+                <a:latin typeface="Roboto" panose="02000000000000000000" pitchFamily="2" charset="0"/>
+                <a:ea typeface="Roboto" panose="02000000000000000000" pitchFamily="2" charset="0"/>
+              </a:rPr>
+              <a:t> </a:t>
+            </a:r>
+            <a:r>
+              <a:rPr lang="es-MX" sz="2400" dirty="0" err="1" smtClean="0">
+                <a:solidFill>
+                  <a:schemeClr val="bg1">
+                    <a:lumMod val="95000"/>
+                  </a:schemeClr>
+                </a:solidFill>
+                <a:latin typeface="Roboto" panose="02000000000000000000" pitchFamily="2" charset="0"/>
+                <a:ea typeface="Roboto" panose="02000000000000000000" pitchFamily="2" charset="0"/>
+              </a:rPr>
+              <a:t>text</a:t>
+            </a:r>
+            <a:r>
+              <a:rPr lang="es-MX" sz="2400" dirty="0" smtClean="0">
+                <a:solidFill>
+                  <a:schemeClr val="bg1">
+                    <a:lumMod val="95000"/>
+                  </a:schemeClr>
+                </a:solidFill>
+                <a:latin typeface="Roboto" panose="02000000000000000000" pitchFamily="2" charset="0"/>
+                <a:ea typeface="Roboto" panose="02000000000000000000" pitchFamily="2" charset="0"/>
+              </a:rPr>
+              <a:t>”)				</a:t>
+            </a:r>
+            <a:r>
+              <a:rPr lang="es-MX" sz="2200" dirty="0" smtClean="0">
+                <a:solidFill>
+                  <a:schemeClr val="accent6">
+                    <a:lumMod val="40000"/>
+                    <a:lumOff val="60000"/>
+                  </a:schemeClr>
+                </a:solidFill>
+                <a:latin typeface="Roboto" panose="02000000000000000000" pitchFamily="2" charset="0"/>
+                <a:ea typeface="Roboto" panose="02000000000000000000" pitchFamily="2" charset="0"/>
+              </a:rPr>
+              <a:t>imagen</a:t>
+            </a:r>
+            <a:endParaRPr lang="es-MX" sz="2200" dirty="0">
+              <a:solidFill>
+                <a:schemeClr val="accent6">
+                  <a:lumMod val="40000"/>
+                  <a:lumOff val="60000"/>
+                </a:schemeClr>
+              </a:solidFill>
+              <a:latin typeface="Roboto" panose="02000000000000000000" pitchFamily="2" charset="0"/>
+              <a:ea typeface="Roboto" panose="02000000000000000000" pitchFamily="2" charset="0"/>
+            </a:endParaRPr>
+          </a:p>
+          <a:p>
+            <a:r>
+              <a:rPr lang="es-MX" sz="2200" dirty="0" smtClean="0">
+                <a:solidFill>
+                  <a:schemeClr val="accent6">
+                    <a:lumMod val="40000"/>
+                    <a:lumOff val="60000"/>
+                  </a:schemeClr>
+                </a:solidFill>
+                <a:latin typeface="Roboto" panose="02000000000000000000" pitchFamily="2" charset="0"/>
+                <a:ea typeface="Roboto" panose="02000000000000000000" pitchFamily="2" charset="0"/>
+              </a:rPr>
+              <a:t>	</a:t>
+            </a:r>
+          </a:p>
+          <a:p>
+            <a:r>
+              <a:rPr lang="es-MX" sz="2200" dirty="0">
+                <a:solidFill>
+                  <a:schemeClr val="accent6">
+                    <a:lumMod val="40000"/>
+                    <a:lumOff val="60000"/>
+                  </a:schemeClr>
+                </a:solidFill>
+                <a:latin typeface="Roboto" panose="02000000000000000000" pitchFamily="2" charset="0"/>
+                <a:ea typeface="Roboto" panose="02000000000000000000" pitchFamily="2" charset="0"/>
+              </a:rPr>
+              <a:t>	</a:t>
+            </a:r>
+            <a:r>
+              <a:rPr lang="es-MX" sz="2400" dirty="0" smtClean="0">
+                <a:solidFill>
+                  <a:schemeClr val="bg1">
+                    <a:lumMod val="95000"/>
+                  </a:schemeClr>
+                </a:solidFill>
+                <a:latin typeface="Roboto" panose="02000000000000000000" pitchFamily="2" charset="0"/>
+                <a:ea typeface="Roboto" panose="02000000000000000000" pitchFamily="2" charset="0"/>
+              </a:rPr>
+              <a:t>![</a:t>
+            </a:r>
+            <a:r>
+              <a:rPr lang="es-MX" sz="2400" dirty="0" err="1">
+                <a:solidFill>
+                  <a:schemeClr val="bg1">
+                    <a:lumMod val="95000"/>
+                  </a:schemeClr>
+                </a:solidFill>
+                <a:latin typeface="Roboto" panose="02000000000000000000" pitchFamily="2" charset="0"/>
+                <a:ea typeface="Roboto" panose="02000000000000000000" pitchFamily="2" charset="0"/>
+              </a:rPr>
+              <a:t>alt</a:t>
+            </a:r>
+            <a:r>
+              <a:rPr lang="es-MX" sz="2400" dirty="0">
+                <a:solidFill>
+                  <a:schemeClr val="bg1">
+                    <a:lumMod val="95000"/>
+                  </a:schemeClr>
+                </a:solidFill>
+                <a:latin typeface="Roboto" panose="02000000000000000000" pitchFamily="2" charset="0"/>
+                <a:ea typeface="Roboto" panose="02000000000000000000" pitchFamily="2" charset="0"/>
+              </a:rPr>
+              <a:t> </a:t>
+            </a:r>
+            <a:r>
+              <a:rPr lang="es-MX" sz="2400" dirty="0" err="1">
+                <a:solidFill>
+                  <a:schemeClr val="bg1">
+                    <a:lumMod val="95000"/>
+                  </a:schemeClr>
+                </a:solidFill>
+                <a:latin typeface="Roboto" panose="02000000000000000000" pitchFamily="2" charset="0"/>
+                <a:ea typeface="Roboto" panose="02000000000000000000" pitchFamily="2" charset="0"/>
+              </a:rPr>
+              <a:t>text</a:t>
+            </a:r>
+            <a:r>
+              <a:rPr lang="es-MX" sz="2400" dirty="0">
+                <a:solidFill>
+                  <a:schemeClr val="bg1">
+                    <a:lumMod val="95000"/>
+                  </a:schemeClr>
+                </a:solidFill>
+                <a:latin typeface="Roboto" panose="02000000000000000000" pitchFamily="2" charset="0"/>
+                <a:ea typeface="Roboto" panose="02000000000000000000" pitchFamily="2" charset="0"/>
+              </a:rPr>
+              <a:t>][logo</a:t>
+            </a:r>
+            <a:r>
+              <a:rPr lang="es-MX" sz="2400" dirty="0" smtClean="0">
+                <a:solidFill>
+                  <a:schemeClr val="bg1">
+                    <a:lumMod val="95000"/>
+                  </a:schemeClr>
+                </a:solidFill>
+                <a:latin typeface="Roboto" panose="02000000000000000000" pitchFamily="2" charset="0"/>
+                <a:ea typeface="Roboto" panose="02000000000000000000" pitchFamily="2" charset="0"/>
+              </a:rPr>
+              <a:t>]</a:t>
+            </a:r>
+          </a:p>
+          <a:p>
+            <a:endParaRPr lang="es-MX" sz="2400" dirty="0" smtClean="0">
+              <a:solidFill>
+                <a:schemeClr val="bg1">
+                  <a:lumMod val="95000"/>
+                </a:schemeClr>
+              </a:solidFill>
+              <a:latin typeface="Roboto" panose="02000000000000000000" pitchFamily="2" charset="0"/>
+              <a:ea typeface="Roboto" panose="02000000000000000000" pitchFamily="2" charset="0"/>
+            </a:endParaRPr>
+          </a:p>
+          <a:p>
+            <a:r>
+              <a:rPr lang="es-MX" sz="2400" dirty="0">
+                <a:solidFill>
+                  <a:schemeClr val="bg1">
+                    <a:lumMod val="95000"/>
+                  </a:schemeClr>
+                </a:solidFill>
+                <a:latin typeface="Roboto" panose="02000000000000000000" pitchFamily="2" charset="0"/>
+                <a:ea typeface="Roboto" panose="02000000000000000000" pitchFamily="2" charset="0"/>
+              </a:rPr>
+              <a:t>	</a:t>
+            </a:r>
+            <a:r>
+              <a:rPr lang="es-MX" sz="2400" dirty="0" smtClean="0">
+                <a:solidFill>
+                  <a:schemeClr val="bg1">
+                    <a:lumMod val="95000"/>
+                  </a:schemeClr>
+                </a:solidFill>
+                <a:latin typeface="Roboto" panose="02000000000000000000" pitchFamily="2" charset="0"/>
+                <a:ea typeface="Roboto" panose="02000000000000000000" pitchFamily="2" charset="0"/>
+              </a:rPr>
+              <a:t>[logo]:  </a:t>
+            </a:r>
+            <a:r>
+              <a:rPr lang="es-MX" sz="2400" dirty="0" err="1" smtClean="0">
+                <a:solidFill>
+                  <a:schemeClr val="bg1">
+                    <a:lumMod val="95000"/>
+                  </a:schemeClr>
+                </a:solidFill>
+                <a:latin typeface="Roboto" panose="02000000000000000000" pitchFamily="2" charset="0"/>
+                <a:ea typeface="Roboto" panose="02000000000000000000" pitchFamily="2" charset="0"/>
+              </a:rPr>
+              <a:t>url</a:t>
+            </a:r>
+            <a:r>
+              <a:rPr lang="es-MX" sz="2400" dirty="0" smtClean="0">
+                <a:solidFill>
+                  <a:schemeClr val="bg1">
+                    <a:lumMod val="95000"/>
+                  </a:schemeClr>
+                </a:solidFill>
+                <a:latin typeface="Roboto" panose="02000000000000000000" pitchFamily="2" charset="0"/>
+                <a:ea typeface="Roboto" panose="02000000000000000000" pitchFamily="2" charset="0"/>
+              </a:rPr>
+              <a:t> “</a:t>
+            </a:r>
+            <a:r>
+              <a:rPr lang="es-MX" sz="2400" dirty="0" err="1" smtClean="0">
+                <a:solidFill>
+                  <a:schemeClr val="bg1">
+                    <a:lumMod val="95000"/>
+                  </a:schemeClr>
+                </a:solidFill>
+                <a:latin typeface="Roboto" panose="02000000000000000000" pitchFamily="2" charset="0"/>
+                <a:ea typeface="Roboto" panose="02000000000000000000" pitchFamily="2" charset="0"/>
+              </a:rPr>
+              <a:t>alt</a:t>
+            </a:r>
+            <a:r>
+              <a:rPr lang="es-MX" sz="2400" dirty="0" smtClean="0">
+                <a:solidFill>
+                  <a:schemeClr val="bg1">
+                    <a:lumMod val="95000"/>
+                  </a:schemeClr>
+                </a:solidFill>
+                <a:latin typeface="Roboto" panose="02000000000000000000" pitchFamily="2" charset="0"/>
+                <a:ea typeface="Roboto" panose="02000000000000000000" pitchFamily="2" charset="0"/>
+              </a:rPr>
+              <a:t> </a:t>
+            </a:r>
+            <a:r>
+              <a:rPr lang="es-MX" sz="2400" dirty="0" err="1" smtClean="0">
+                <a:solidFill>
+                  <a:schemeClr val="bg1">
+                    <a:lumMod val="95000"/>
+                  </a:schemeClr>
+                </a:solidFill>
+                <a:latin typeface="Roboto" panose="02000000000000000000" pitchFamily="2" charset="0"/>
+                <a:ea typeface="Roboto" panose="02000000000000000000" pitchFamily="2" charset="0"/>
+              </a:rPr>
+              <a:t>text</a:t>
+            </a:r>
+            <a:r>
+              <a:rPr lang="es-MX" sz="2400" dirty="0" smtClean="0">
+                <a:solidFill>
+                  <a:schemeClr val="bg1">
+                    <a:lumMod val="95000"/>
+                  </a:schemeClr>
+                </a:solidFill>
+                <a:latin typeface="Roboto" panose="02000000000000000000" pitchFamily="2" charset="0"/>
+                <a:ea typeface="Roboto" panose="02000000000000000000" pitchFamily="2" charset="0"/>
+              </a:rPr>
+              <a:t>”							</a:t>
+            </a:r>
+            <a:r>
+              <a:rPr lang="es-MX" sz="2400" dirty="0">
+                <a:solidFill>
+                  <a:schemeClr val="accent6">
+                    <a:lumMod val="40000"/>
+                    <a:lumOff val="60000"/>
+                  </a:schemeClr>
+                </a:solidFill>
+                <a:latin typeface="Roboto" panose="02000000000000000000" pitchFamily="2" charset="0"/>
+                <a:ea typeface="Roboto" panose="02000000000000000000" pitchFamily="2" charset="0"/>
+              </a:rPr>
+              <a:t>imagen por referencia</a:t>
+            </a:r>
+            <a:endParaRPr lang="es-MX" sz="2400" dirty="0">
+              <a:solidFill>
+                <a:schemeClr val="accent6">
+                  <a:lumMod val="40000"/>
+                  <a:lumOff val="60000"/>
+                </a:schemeClr>
+              </a:solidFill>
+              <a:latin typeface="Roboto" panose="02000000000000000000" pitchFamily="2" charset="0"/>
+              <a:ea typeface="Roboto" panose="02000000000000000000" pitchFamily="2" charset="0"/>
+            </a:endParaRPr>
+          </a:p>
+        </p:txBody>
+      </p:sp>
+    </p:spTree>
+    <p:extLst>
+      <p:ext uri="{BB962C8B-B14F-4D97-AF65-F5344CB8AC3E}">
+        <p14:creationId xmlns:p14="http://schemas.microsoft.com/office/powerpoint/2010/main" val="602333648"/>
+      </p:ext>
+    </p:extLst>
+  </p:cSld>
+  <p:clrMapOvr>
+    <a:masterClrMapping/>
+  </p:clrMapOvr>
+  <p:timing>
+    <p:tnLst>
+      <p:par>
+        <p:cTn id="1" dur="indefinite" restart="never" nodeType="tmRoot"/>
+      </p:par>
+    </p:tnLst>
+  </p:timing>
+</p:sld>
+</file>
+
+<file path=ppt/slides/slide25.xml><?xml version="1.0" encoding="utf-8"?>
+<p:sld xmlns:a="http://schemas.openxmlformats.org/drawingml/2006/main" xmlns:r="http://schemas.openxmlformats.org/officeDocument/2006/relationships" xmlns:p="http://schemas.openxmlformats.org/presentationml/2006/main">
+  <p:cSld>
+    <p:bg>
+      <p:bgPr>
+        <a:solidFill>
+          <a:srgbClr val="1ABC9C"/>
+        </a:solidFill>
+        <a:effectLst/>
+      </p:bgPr>
+    </p:bg>
+    <p:spTree>
+      <p:nvGrpSpPr>
+        <p:cNvPr id="1" name=""/>
+        <p:cNvGrpSpPr/>
+        <p:nvPr/>
+      </p:nvGrpSpPr>
+      <p:grpSpPr>
+        <a:xfrm>
+          <a:off x="0" y="0"/>
+          <a:ext cx="0" cy="0"/>
+          <a:chOff x="0" y="0"/>
+          <a:chExt cx="0" cy="0"/>
+        </a:xfrm>
+      </p:grpSpPr>
+      <p:sp>
+        <p:nvSpPr>
+          <p:cNvPr id="2" name="CuadroTexto 1"/>
+          <p:cNvSpPr txBox="1"/>
+          <p:nvPr/>
+        </p:nvSpPr>
+        <p:spPr>
+          <a:xfrm>
+            <a:off x="481485" y="538431"/>
+            <a:ext cx="5366865" cy="707886"/>
+          </a:xfrm>
+          <a:prstGeom prst="rect">
+            <a:avLst/>
+          </a:prstGeom>
+          <a:noFill/>
+        </p:spPr>
+        <p:txBody>
+          <a:bodyPr wrap="square" rtlCol="0">
+            <a:spAutoFit/>
+          </a:bodyPr>
+          <a:lstStyle/>
+          <a:p>
+            <a:pPr algn="ctr"/>
+            <a:r>
+              <a:rPr lang="es-MX" sz="4000" dirty="0">
+                <a:solidFill>
+                  <a:schemeClr val="bg1"/>
+                </a:solidFill>
+                <a:latin typeface="Roboto Black" panose="02000000000000000000" pitchFamily="2" charset="0"/>
+                <a:ea typeface="Roboto Black" panose="02000000000000000000" pitchFamily="2" charset="0"/>
+              </a:rPr>
+              <a:t>Elementos principales</a:t>
+            </a:r>
+            <a:endParaRPr lang="es-MX" sz="4000" dirty="0">
+              <a:solidFill>
+                <a:schemeClr val="bg1"/>
+              </a:solidFill>
+              <a:latin typeface="Roboto Black" panose="02000000000000000000" pitchFamily="2" charset="0"/>
+              <a:ea typeface="Roboto Black" panose="02000000000000000000" pitchFamily="2" charset="0"/>
+            </a:endParaRPr>
+          </a:p>
+        </p:txBody>
+      </p:sp>
+      <p:sp>
+        <p:nvSpPr>
+          <p:cNvPr id="3" name="CuadroTexto 2"/>
+          <p:cNvSpPr txBox="1"/>
+          <p:nvPr/>
+        </p:nvSpPr>
+        <p:spPr>
+          <a:xfrm flipH="1">
+            <a:off x="1064887" y="1543050"/>
+            <a:ext cx="9662252" cy="5038725"/>
+          </a:xfrm>
+          <a:prstGeom prst="rect">
+            <a:avLst/>
+          </a:prstGeom>
+          <a:noFill/>
+        </p:spPr>
+        <p:txBody>
+          <a:bodyPr wrap="square" rtlCol="0">
+            <a:noAutofit/>
+          </a:bodyPr>
+          <a:lstStyle/>
+          <a:p>
+            <a:r>
+              <a:rPr lang="es-MX" sz="3000" dirty="0" err="1" smtClean="0">
+                <a:solidFill>
+                  <a:schemeClr val="accent4">
+                    <a:lumMod val="60000"/>
+                    <a:lumOff val="40000"/>
+                  </a:schemeClr>
+                </a:solidFill>
+                <a:latin typeface="Roboto Medium" panose="02000000000000000000" pitchFamily="2" charset="0"/>
+                <a:ea typeface="Roboto Medium" panose="02000000000000000000" pitchFamily="2" charset="0"/>
+              </a:rPr>
+              <a:t>Blockquotes</a:t>
+            </a:r>
+            <a:endParaRPr lang="es-MX" sz="3000" dirty="0">
+              <a:solidFill>
+                <a:schemeClr val="accent4">
+                  <a:lumMod val="60000"/>
+                  <a:lumOff val="40000"/>
+                </a:schemeClr>
+              </a:solidFill>
+              <a:latin typeface="Roboto Medium" panose="02000000000000000000" pitchFamily="2" charset="0"/>
+              <a:ea typeface="Roboto Medium" panose="02000000000000000000" pitchFamily="2" charset="0"/>
+            </a:endParaRPr>
+          </a:p>
+          <a:p>
+            <a:r>
+              <a:rPr lang="es-MX" sz="2400" dirty="0">
+                <a:solidFill>
+                  <a:schemeClr val="bg1">
+                    <a:lumMod val="95000"/>
+                  </a:schemeClr>
+                </a:solidFill>
+                <a:latin typeface="Roboto" panose="02000000000000000000" pitchFamily="2" charset="0"/>
+                <a:ea typeface="Roboto" panose="02000000000000000000" pitchFamily="2" charset="0"/>
+              </a:rPr>
+              <a:t>	</a:t>
+            </a:r>
+            <a:r>
+              <a:rPr lang="es-MX" sz="2400" dirty="0" smtClean="0">
+                <a:solidFill>
+                  <a:schemeClr val="bg1">
+                    <a:lumMod val="95000"/>
+                  </a:schemeClr>
+                </a:solidFill>
+                <a:latin typeface="Roboto" panose="02000000000000000000" pitchFamily="2" charset="0"/>
+                <a:ea typeface="Roboto" panose="02000000000000000000" pitchFamily="2" charset="0"/>
+              </a:rPr>
+              <a:t>&gt; Texto</a:t>
+            </a:r>
+          </a:p>
+          <a:p>
+            <a:endParaRPr lang="es-MX" sz="2400" dirty="0">
+              <a:solidFill>
+                <a:schemeClr val="bg1">
+                  <a:lumMod val="95000"/>
+                </a:schemeClr>
+              </a:solidFill>
+              <a:latin typeface="Roboto" panose="02000000000000000000" pitchFamily="2" charset="0"/>
+              <a:ea typeface="Roboto" panose="02000000000000000000" pitchFamily="2" charset="0"/>
+            </a:endParaRPr>
+          </a:p>
+          <a:p>
+            <a:r>
+              <a:rPr lang="es-MX" sz="3000" dirty="0">
+                <a:solidFill>
+                  <a:schemeClr val="accent4">
+                    <a:lumMod val="60000"/>
+                    <a:lumOff val="40000"/>
+                  </a:schemeClr>
+                </a:solidFill>
+                <a:latin typeface="Roboto Medium" panose="02000000000000000000" pitchFamily="2" charset="0"/>
+                <a:ea typeface="Roboto Medium" panose="02000000000000000000" pitchFamily="2" charset="0"/>
+              </a:rPr>
+              <a:t>Línea de </a:t>
+            </a:r>
+            <a:r>
+              <a:rPr lang="es-MX" sz="3000" dirty="0" smtClean="0">
+                <a:solidFill>
+                  <a:schemeClr val="accent4">
+                    <a:lumMod val="60000"/>
+                    <a:lumOff val="40000"/>
+                  </a:schemeClr>
+                </a:solidFill>
+                <a:latin typeface="Roboto Medium" panose="02000000000000000000" pitchFamily="2" charset="0"/>
+                <a:ea typeface="Roboto Medium" panose="02000000000000000000" pitchFamily="2" charset="0"/>
+              </a:rPr>
+              <a:t>división</a:t>
+            </a:r>
+          </a:p>
+          <a:p>
+            <a:r>
+              <a:rPr lang="es-MX" sz="3000" dirty="0">
+                <a:solidFill>
+                  <a:schemeClr val="accent4">
+                    <a:lumMod val="60000"/>
+                    <a:lumOff val="40000"/>
+                  </a:schemeClr>
+                </a:solidFill>
+                <a:latin typeface="Roboto Medium" panose="02000000000000000000" pitchFamily="2" charset="0"/>
+                <a:ea typeface="Roboto Medium" panose="02000000000000000000" pitchFamily="2" charset="0"/>
+              </a:rPr>
+              <a:t>	</a:t>
+            </a:r>
+            <a:r>
+              <a:rPr lang="es-MX" sz="2400" dirty="0">
+                <a:solidFill>
+                  <a:schemeClr val="bg1">
+                    <a:lumMod val="95000"/>
+                  </a:schemeClr>
+                </a:solidFill>
+                <a:latin typeface="Roboto" panose="02000000000000000000" pitchFamily="2" charset="0"/>
+                <a:ea typeface="Roboto" panose="02000000000000000000" pitchFamily="2" charset="0"/>
+              </a:rPr>
+              <a:t>---	ó *** ó </a:t>
+            </a:r>
+            <a:r>
+              <a:rPr lang="es-MX" sz="2400" dirty="0" smtClean="0">
+                <a:solidFill>
+                  <a:schemeClr val="bg1">
+                    <a:lumMod val="95000"/>
+                  </a:schemeClr>
+                </a:solidFill>
+                <a:latin typeface="Roboto" panose="02000000000000000000" pitchFamily="2" charset="0"/>
+                <a:ea typeface="Roboto" panose="02000000000000000000" pitchFamily="2" charset="0"/>
+              </a:rPr>
+              <a:t>___							</a:t>
+            </a:r>
+            <a:r>
+              <a:rPr lang="es-MX" sz="2400" dirty="0">
+                <a:solidFill>
+                  <a:schemeClr val="accent6">
+                    <a:lumMod val="40000"/>
+                    <a:lumOff val="60000"/>
+                  </a:schemeClr>
+                </a:solidFill>
+                <a:latin typeface="Roboto" panose="02000000000000000000" pitchFamily="2" charset="0"/>
+                <a:ea typeface="Roboto" panose="02000000000000000000" pitchFamily="2" charset="0"/>
+              </a:rPr>
+              <a:t>tres o más</a:t>
+            </a:r>
+            <a:endParaRPr lang="es-MX" sz="2400" dirty="0">
+              <a:solidFill>
+                <a:schemeClr val="accent6">
+                  <a:lumMod val="40000"/>
+                  <a:lumOff val="60000"/>
+                </a:schemeClr>
+              </a:solidFill>
+              <a:latin typeface="Roboto" panose="02000000000000000000" pitchFamily="2" charset="0"/>
+              <a:ea typeface="Roboto" panose="02000000000000000000" pitchFamily="2" charset="0"/>
+            </a:endParaRPr>
+          </a:p>
+        </p:txBody>
+      </p:sp>
+    </p:spTree>
+    <p:extLst>
+      <p:ext uri="{BB962C8B-B14F-4D97-AF65-F5344CB8AC3E}">
+        <p14:creationId xmlns:p14="http://schemas.microsoft.com/office/powerpoint/2010/main" val="852738498"/>
+      </p:ext>
+    </p:extLst>
+  </p:cSld>
+  <p:clrMapOvr>
+    <a:masterClrMapping/>
+  </p:clrMapOvr>
+  <p:timing>
+    <p:tnLst>
+      <p:par>
+        <p:cTn id="1" dur="indefinite" restart="never" nodeType="tmRoot"/>
+      </p:par>
+    </p:tnLst>
+  </p:timing>
+</p:sld>
+</file>
+
+<file path=ppt/slides/slide26.xml><?xml version="1.0" encoding="utf-8"?>
+<p:sld xmlns:a="http://schemas.openxmlformats.org/drawingml/2006/main" xmlns:r="http://schemas.openxmlformats.org/officeDocument/2006/relationships" xmlns:p="http://schemas.openxmlformats.org/presentationml/2006/main">
+  <p:cSld>
+    <p:spTree>
+      <p:nvGrpSpPr>
+        <p:cNvPr id="1" name=""/>
+        <p:cNvGrpSpPr/>
+        <p:nvPr/>
+      </p:nvGrpSpPr>
+      <p:grpSpPr>
+        <a:xfrm>
+          <a:off x="0" y="0"/>
+          <a:ext cx="0" cy="0"/>
+          <a:chOff x="0" y="0"/>
+          <a:chExt cx="0" cy="0"/>
+        </a:xfrm>
+      </p:grpSpPr>
+      <p:sp>
+        <p:nvSpPr>
+          <p:cNvPr id="6" name="CuadroTexto 5"/>
+          <p:cNvSpPr txBox="1"/>
+          <p:nvPr/>
+        </p:nvSpPr>
+        <p:spPr>
+          <a:xfrm>
+            <a:off x="1515034" y="308395"/>
+            <a:ext cx="5800165" cy="850122"/>
+          </a:xfrm>
+          <a:prstGeom prst="rect">
+            <a:avLst/>
+          </a:prstGeom>
+          <a:noFill/>
+        </p:spPr>
+        <p:txBody>
+          <a:bodyPr wrap="square" rtlCol="0">
+            <a:noAutofit/>
+          </a:bodyPr>
+          <a:lstStyle/>
+          <a:p>
+            <a:r>
+              <a:rPr lang="es-MX" sz="5000" dirty="0" smtClean="0">
+                <a:solidFill>
+                  <a:srgbClr val="1ABC9C"/>
+                </a:solidFill>
+                <a:latin typeface="Roboto Black" panose="02000000000000000000" pitchFamily="2" charset="0"/>
+                <a:ea typeface="Roboto Black" panose="02000000000000000000" pitchFamily="2" charset="0"/>
+              </a:rPr>
+              <a:t>Ejercicio</a:t>
+            </a:r>
+            <a:r>
+              <a:rPr lang="es-MX" sz="5000" dirty="0" smtClean="0">
+                <a:solidFill>
+                  <a:schemeClr val="accent6">
+                    <a:lumMod val="75000"/>
+                  </a:schemeClr>
+                </a:solidFill>
+                <a:latin typeface="Roboto Black" panose="02000000000000000000" pitchFamily="2" charset="0"/>
+                <a:ea typeface="Roboto Black" panose="02000000000000000000" pitchFamily="2" charset="0"/>
+              </a:rPr>
+              <a:t> </a:t>
+            </a:r>
+            <a:r>
+              <a:rPr lang="es-MX" sz="2500" dirty="0" smtClean="0">
+                <a:solidFill>
+                  <a:schemeClr val="bg1">
+                    <a:lumMod val="75000"/>
+                  </a:schemeClr>
+                </a:solidFill>
+                <a:latin typeface="Roboto" panose="02000000000000000000" pitchFamily="2" charset="0"/>
+                <a:ea typeface="Roboto" panose="02000000000000000000" pitchFamily="2" charset="0"/>
+              </a:rPr>
+              <a:t>[</a:t>
+            </a:r>
+            <a:r>
+              <a:rPr lang="es-MX" sz="2500" dirty="0" err="1" smtClean="0">
+                <a:solidFill>
+                  <a:schemeClr val="bg1">
+                    <a:lumMod val="75000"/>
+                  </a:schemeClr>
+                </a:solidFill>
+                <a:latin typeface="Roboto" panose="02000000000000000000" pitchFamily="2" charset="0"/>
+                <a:ea typeface="Roboto" panose="02000000000000000000" pitchFamily="2" charset="0"/>
+              </a:rPr>
+              <a:t>markdown</a:t>
+            </a:r>
+            <a:r>
+              <a:rPr lang="es-MX" sz="2500" dirty="0" smtClean="0">
+                <a:solidFill>
+                  <a:schemeClr val="bg1">
+                    <a:lumMod val="75000"/>
+                  </a:schemeClr>
+                </a:solidFill>
+                <a:latin typeface="Roboto" panose="02000000000000000000" pitchFamily="2" charset="0"/>
+                <a:ea typeface="Roboto" panose="02000000000000000000" pitchFamily="2" charset="0"/>
+              </a:rPr>
+              <a:t>]</a:t>
+            </a:r>
+            <a:endParaRPr lang="es-MX" sz="2500" dirty="0">
+              <a:solidFill>
+                <a:schemeClr val="bg1">
+                  <a:lumMod val="75000"/>
+                </a:schemeClr>
+              </a:solidFill>
+              <a:latin typeface="Roboto" panose="02000000000000000000" pitchFamily="2" charset="0"/>
+              <a:ea typeface="Roboto" panose="02000000000000000000" pitchFamily="2" charset="0"/>
+            </a:endParaRPr>
+          </a:p>
+        </p:txBody>
+      </p:sp>
+      <p:sp>
+        <p:nvSpPr>
+          <p:cNvPr id="4" name="CuadroTexto 3"/>
+          <p:cNvSpPr txBox="1"/>
+          <p:nvPr/>
+        </p:nvSpPr>
+        <p:spPr>
+          <a:xfrm>
+            <a:off x="946904" y="1349248"/>
+            <a:ext cx="10442905" cy="5508751"/>
+          </a:xfrm>
+          <a:prstGeom prst="rect">
+            <a:avLst/>
+          </a:prstGeom>
+          <a:noFill/>
+        </p:spPr>
+        <p:txBody>
+          <a:bodyPr wrap="square" rtlCol="0">
+            <a:noAutofit/>
+          </a:bodyPr>
+          <a:lstStyle/>
+          <a:p>
+            <a:r>
+              <a:rPr lang="es-MX" dirty="0" smtClean="0">
+                <a:solidFill>
+                  <a:schemeClr val="bg1">
+                    <a:lumMod val="65000"/>
+                  </a:schemeClr>
+                </a:solidFill>
+              </a:rPr>
+              <a:t>Crear un archivo con nombre </a:t>
+            </a:r>
+            <a:r>
+              <a:rPr lang="es-MX" dirty="0" err="1" smtClean="0">
+                <a:solidFill>
+                  <a:schemeClr val="bg1">
+                    <a:lumMod val="65000"/>
+                  </a:schemeClr>
+                </a:solidFill>
+              </a:rPr>
+              <a:t>mi_vida</a:t>
+            </a:r>
+            <a:r>
+              <a:rPr lang="es-MX" dirty="0" smtClean="0">
+                <a:solidFill>
+                  <a:schemeClr val="bg1">
+                    <a:lumMod val="65000"/>
+                  </a:schemeClr>
+                </a:solidFill>
+              </a:rPr>
+              <a:t> con lo siguiente:</a:t>
+            </a:r>
+          </a:p>
+          <a:p>
+            <a:r>
+              <a:rPr lang="es-MX" dirty="0" smtClean="0">
+                <a:solidFill>
+                  <a:schemeClr val="bg1">
+                    <a:lumMod val="65000"/>
+                  </a:schemeClr>
+                </a:solidFill>
+              </a:rPr>
+              <a:t>	</a:t>
+            </a:r>
+            <a:r>
+              <a:rPr lang="es-MX" dirty="0" smtClean="0">
+                <a:solidFill>
+                  <a:srgbClr val="1ABC9C"/>
+                </a:solidFill>
+              </a:rPr>
+              <a:t>Título: </a:t>
+            </a:r>
+            <a:r>
+              <a:rPr lang="es-MX" dirty="0" smtClean="0">
+                <a:solidFill>
+                  <a:schemeClr val="bg1">
+                    <a:lumMod val="65000"/>
+                  </a:schemeClr>
+                </a:solidFill>
+              </a:rPr>
+              <a:t>Una introducción a mi vida</a:t>
+            </a:r>
+          </a:p>
+          <a:p>
+            <a:r>
+              <a:rPr lang="es-MX" dirty="0">
+                <a:solidFill>
+                  <a:schemeClr val="bg1">
+                    <a:lumMod val="65000"/>
+                  </a:schemeClr>
+                </a:solidFill>
+              </a:rPr>
+              <a:t>	</a:t>
+            </a:r>
+            <a:r>
+              <a:rPr lang="es-MX" dirty="0" err="1">
+                <a:solidFill>
+                  <a:schemeClr val="bg1">
+                    <a:lumMod val="65000"/>
+                  </a:schemeClr>
+                </a:solidFill>
+              </a:rPr>
+              <a:t>Indice</a:t>
+            </a:r>
+            <a:r>
+              <a:rPr lang="es-MX" dirty="0">
+                <a:solidFill>
+                  <a:schemeClr val="bg1">
+                    <a:lumMod val="65000"/>
+                  </a:schemeClr>
+                </a:solidFill>
+              </a:rPr>
+              <a:t> con numeración (vínculos a </a:t>
+            </a:r>
+            <a:r>
+              <a:rPr lang="es-MX" dirty="0" smtClean="0">
+                <a:solidFill>
+                  <a:schemeClr val="bg1">
+                    <a:lumMod val="65000"/>
+                  </a:schemeClr>
+                </a:solidFill>
+              </a:rPr>
+              <a:t>secciones y </a:t>
+            </a:r>
+            <a:r>
+              <a:rPr lang="es-MX" b="1" dirty="0" smtClean="0">
+                <a:solidFill>
+                  <a:srgbClr val="FFC000"/>
+                </a:solidFill>
+              </a:rPr>
+              <a:t>secciones desarrolladas</a:t>
+            </a:r>
+            <a:r>
+              <a:rPr lang="es-MX" dirty="0" smtClean="0">
+                <a:solidFill>
+                  <a:schemeClr val="bg1">
+                    <a:lumMod val="65000"/>
+                  </a:schemeClr>
+                </a:solidFill>
+              </a:rPr>
+              <a:t>)</a:t>
+            </a:r>
+            <a:endParaRPr lang="es-MX" dirty="0">
+              <a:solidFill>
+                <a:schemeClr val="bg1">
+                  <a:lumMod val="65000"/>
+                </a:schemeClr>
+              </a:solidFill>
+            </a:endParaRPr>
+          </a:p>
+          <a:p>
+            <a:r>
+              <a:rPr lang="es-MX" dirty="0">
+                <a:solidFill>
+                  <a:schemeClr val="bg1">
+                    <a:lumMod val="65000"/>
+                  </a:schemeClr>
+                </a:solidFill>
+              </a:rPr>
+              <a:t>	</a:t>
+            </a:r>
+            <a:r>
+              <a:rPr lang="es-MX" dirty="0" smtClean="0">
+                <a:solidFill>
+                  <a:schemeClr val="bg1">
+                    <a:lumMod val="65000"/>
+                  </a:schemeClr>
+                </a:solidFill>
+              </a:rPr>
+              <a:t>	</a:t>
+            </a:r>
+            <a:r>
+              <a:rPr lang="es-MX" dirty="0">
+                <a:solidFill>
+                  <a:srgbClr val="FFC000"/>
+                </a:solidFill>
+              </a:rPr>
+              <a:t>Acerca de mi</a:t>
+            </a:r>
+          </a:p>
+          <a:p>
+            <a:r>
+              <a:rPr lang="es-MX" dirty="0">
+                <a:solidFill>
+                  <a:schemeClr val="bg1">
+                    <a:lumMod val="65000"/>
+                  </a:schemeClr>
+                </a:solidFill>
+              </a:rPr>
+              <a:t>	</a:t>
+            </a:r>
+            <a:r>
+              <a:rPr lang="es-MX" dirty="0" smtClean="0">
+                <a:solidFill>
+                  <a:schemeClr val="bg1">
+                    <a:lumMod val="65000"/>
+                  </a:schemeClr>
+                </a:solidFill>
+              </a:rPr>
+              <a:t>		Mi infancia</a:t>
+            </a:r>
+          </a:p>
+          <a:p>
+            <a:r>
+              <a:rPr lang="es-MX" dirty="0">
+                <a:solidFill>
+                  <a:schemeClr val="bg1">
+                    <a:lumMod val="65000"/>
+                  </a:schemeClr>
+                </a:solidFill>
+              </a:rPr>
+              <a:t>	</a:t>
+            </a:r>
+            <a:r>
+              <a:rPr lang="es-MX" dirty="0" smtClean="0">
+                <a:solidFill>
+                  <a:schemeClr val="bg1">
+                    <a:lumMod val="65000"/>
+                  </a:schemeClr>
+                </a:solidFill>
+              </a:rPr>
+              <a:t>		Mis hobbies</a:t>
+            </a:r>
+          </a:p>
+          <a:p>
+            <a:r>
+              <a:rPr lang="es-MX" dirty="0">
+                <a:solidFill>
+                  <a:schemeClr val="bg1">
+                    <a:lumMod val="65000"/>
+                  </a:schemeClr>
+                </a:solidFill>
+              </a:rPr>
+              <a:t>	</a:t>
+            </a:r>
+            <a:r>
+              <a:rPr lang="es-MX" dirty="0" smtClean="0">
+                <a:solidFill>
+                  <a:schemeClr val="bg1">
+                    <a:lumMod val="65000"/>
+                  </a:schemeClr>
+                </a:solidFill>
+              </a:rPr>
+              <a:t>		Estudios		</a:t>
+            </a:r>
+          </a:p>
+          <a:p>
+            <a:r>
+              <a:rPr lang="es-MX" dirty="0" smtClean="0">
+                <a:solidFill>
+                  <a:schemeClr val="bg1">
+                    <a:lumMod val="65000"/>
+                  </a:schemeClr>
+                </a:solidFill>
+              </a:rPr>
+              <a:t>	</a:t>
+            </a:r>
+            <a:r>
+              <a:rPr lang="es-MX" dirty="0">
+                <a:solidFill>
+                  <a:schemeClr val="bg1">
+                    <a:lumMod val="65000"/>
+                  </a:schemeClr>
+                </a:solidFill>
+              </a:rPr>
+              <a:t>	</a:t>
+            </a:r>
+            <a:r>
+              <a:rPr lang="es-MX" dirty="0" smtClean="0">
+                <a:solidFill>
+                  <a:schemeClr val="bg1">
+                    <a:lumMod val="65000"/>
+                  </a:schemeClr>
+                </a:solidFill>
+              </a:rPr>
+              <a:t>	Momentos inolvidables</a:t>
+            </a:r>
+          </a:p>
+          <a:p>
+            <a:r>
+              <a:rPr lang="es-MX" dirty="0">
+                <a:solidFill>
+                  <a:schemeClr val="bg1">
+                    <a:lumMod val="65000"/>
+                  </a:schemeClr>
+                </a:solidFill>
+              </a:rPr>
+              <a:t>	</a:t>
+            </a:r>
+            <a:r>
+              <a:rPr lang="es-MX" dirty="0" smtClean="0">
+                <a:solidFill>
+                  <a:schemeClr val="bg1">
+                    <a:lumMod val="65000"/>
+                  </a:schemeClr>
+                </a:solidFill>
+              </a:rPr>
+              <a:t>	</a:t>
+            </a:r>
+            <a:r>
+              <a:rPr lang="es-MX" dirty="0">
+                <a:solidFill>
+                  <a:srgbClr val="FFC000"/>
+                </a:solidFill>
+              </a:rPr>
+              <a:t>Acerca de mi yo programador</a:t>
+            </a:r>
+          </a:p>
+          <a:p>
+            <a:r>
+              <a:rPr lang="es-MX" dirty="0">
+                <a:solidFill>
+                  <a:schemeClr val="bg1">
+                    <a:lumMod val="65000"/>
+                  </a:schemeClr>
+                </a:solidFill>
+              </a:rPr>
+              <a:t>	</a:t>
+            </a:r>
+            <a:r>
+              <a:rPr lang="es-MX" dirty="0" smtClean="0">
+                <a:solidFill>
+                  <a:schemeClr val="bg1">
+                    <a:lumMod val="65000"/>
+                  </a:schemeClr>
+                </a:solidFill>
+              </a:rPr>
+              <a:t>		</a:t>
+            </a:r>
+            <a:r>
+              <a:rPr lang="es-MX" dirty="0" err="1" smtClean="0">
+                <a:solidFill>
+                  <a:schemeClr val="bg1">
+                    <a:lumMod val="65000"/>
+                  </a:schemeClr>
+                </a:solidFill>
+              </a:rPr>
+              <a:t>Frameworks</a:t>
+            </a:r>
+            <a:r>
+              <a:rPr lang="es-MX" dirty="0" smtClean="0">
+                <a:solidFill>
+                  <a:schemeClr val="bg1">
+                    <a:lumMod val="65000"/>
+                  </a:schemeClr>
+                </a:solidFill>
+              </a:rPr>
+              <a:t> utilizados (En forma de tabla: nombre – numero de proyectos desarrollados)</a:t>
+            </a:r>
+          </a:p>
+          <a:p>
+            <a:r>
+              <a:rPr lang="es-MX" dirty="0">
+                <a:solidFill>
+                  <a:schemeClr val="bg1">
+                    <a:lumMod val="65000"/>
+                  </a:schemeClr>
+                </a:solidFill>
+              </a:rPr>
+              <a:t>	</a:t>
+            </a:r>
+            <a:r>
+              <a:rPr lang="es-MX" dirty="0" smtClean="0">
+                <a:solidFill>
+                  <a:schemeClr val="bg1">
+                    <a:lumMod val="65000"/>
+                  </a:schemeClr>
+                </a:solidFill>
+              </a:rPr>
+              <a:t>		Lenguajes aprendidos</a:t>
+            </a:r>
+          </a:p>
+          <a:p>
+            <a:r>
+              <a:rPr lang="es-MX" dirty="0">
+                <a:solidFill>
+                  <a:schemeClr val="bg1">
+                    <a:lumMod val="65000"/>
+                  </a:schemeClr>
+                </a:solidFill>
+              </a:rPr>
+              <a:t>	</a:t>
+            </a:r>
+            <a:r>
+              <a:rPr lang="es-MX" dirty="0" smtClean="0">
+                <a:solidFill>
+                  <a:schemeClr val="bg1">
+                    <a:lumMod val="65000"/>
+                  </a:schemeClr>
+                </a:solidFill>
+              </a:rPr>
+              <a:t>		Proyectos desarrollados</a:t>
+            </a:r>
+          </a:p>
+          <a:p>
+            <a:r>
+              <a:rPr lang="es-MX" dirty="0">
+                <a:solidFill>
+                  <a:schemeClr val="bg1">
+                    <a:lumMod val="65000"/>
+                  </a:schemeClr>
+                </a:solidFill>
+              </a:rPr>
+              <a:t>	</a:t>
+            </a:r>
+            <a:r>
+              <a:rPr lang="es-MX" dirty="0" smtClean="0">
+                <a:solidFill>
+                  <a:schemeClr val="bg1">
+                    <a:lumMod val="65000"/>
+                  </a:schemeClr>
+                </a:solidFill>
+              </a:rPr>
+              <a:t>		Historial profesional.</a:t>
+            </a:r>
+          </a:p>
+          <a:p>
+            <a:r>
+              <a:rPr lang="es-MX" dirty="0">
+                <a:solidFill>
+                  <a:schemeClr val="bg1">
+                    <a:lumMod val="65000"/>
+                  </a:schemeClr>
+                </a:solidFill>
+              </a:rPr>
+              <a:t>	</a:t>
+            </a:r>
+            <a:r>
+              <a:rPr lang="es-MX" dirty="0" smtClean="0">
+                <a:solidFill>
+                  <a:schemeClr val="bg1">
+                    <a:lumMod val="65000"/>
+                  </a:schemeClr>
+                </a:solidFill>
+              </a:rPr>
+              <a:t>		Que me gustaría aprender.</a:t>
+            </a:r>
+          </a:p>
+          <a:p>
+            <a:r>
+              <a:rPr lang="es-MX" dirty="0">
+                <a:solidFill>
+                  <a:schemeClr val="bg1">
+                    <a:lumMod val="65000"/>
+                  </a:schemeClr>
+                </a:solidFill>
+              </a:rPr>
+              <a:t>	</a:t>
+            </a:r>
+            <a:r>
+              <a:rPr lang="es-MX" dirty="0" smtClean="0">
+                <a:solidFill>
+                  <a:schemeClr val="bg1">
+                    <a:lumMod val="65000"/>
+                  </a:schemeClr>
+                </a:solidFill>
+              </a:rPr>
+              <a:t>	</a:t>
+            </a:r>
+            <a:r>
+              <a:rPr lang="es-MX" dirty="0">
+                <a:solidFill>
+                  <a:srgbClr val="FFC000"/>
+                </a:solidFill>
+              </a:rPr>
+              <a:t>Cosas favoritas</a:t>
+            </a:r>
+          </a:p>
+          <a:p>
+            <a:r>
+              <a:rPr lang="es-MX" dirty="0">
+                <a:solidFill>
+                  <a:schemeClr val="bg1">
+                    <a:lumMod val="65000"/>
+                  </a:schemeClr>
+                </a:solidFill>
+              </a:rPr>
+              <a:t>	</a:t>
+            </a:r>
+            <a:r>
+              <a:rPr lang="es-MX" dirty="0" smtClean="0">
+                <a:solidFill>
+                  <a:schemeClr val="bg1">
+                    <a:lumMod val="65000"/>
+                  </a:schemeClr>
+                </a:solidFill>
+              </a:rPr>
+              <a:t>		Meme favorito</a:t>
+            </a:r>
+          </a:p>
+          <a:p>
+            <a:r>
+              <a:rPr lang="es-MX" dirty="0">
+                <a:solidFill>
+                  <a:schemeClr val="bg1">
+                    <a:lumMod val="65000"/>
+                  </a:schemeClr>
+                </a:solidFill>
+              </a:rPr>
+              <a:t>	</a:t>
+            </a:r>
+            <a:r>
+              <a:rPr lang="es-MX" dirty="0" smtClean="0">
+                <a:solidFill>
+                  <a:schemeClr val="bg1">
+                    <a:lumMod val="65000"/>
+                  </a:schemeClr>
+                </a:solidFill>
+              </a:rPr>
+              <a:t>		Video favorito</a:t>
+            </a:r>
+          </a:p>
+          <a:p>
+            <a:r>
+              <a:rPr lang="es-MX" dirty="0">
+                <a:solidFill>
+                  <a:schemeClr val="bg1">
+                    <a:lumMod val="65000"/>
+                  </a:schemeClr>
+                </a:solidFill>
+              </a:rPr>
+              <a:t>	</a:t>
+            </a:r>
+            <a:r>
+              <a:rPr lang="es-MX" dirty="0" smtClean="0">
+                <a:solidFill>
+                  <a:schemeClr val="bg1">
+                    <a:lumMod val="65000"/>
+                  </a:schemeClr>
+                </a:solidFill>
+              </a:rPr>
+              <a:t>		Bandas favoritas</a:t>
+            </a:r>
+          </a:p>
+          <a:p>
+            <a:r>
+              <a:rPr lang="es-MX" dirty="0">
+                <a:solidFill>
+                  <a:schemeClr val="bg1">
+                    <a:lumMod val="65000"/>
+                  </a:schemeClr>
+                </a:solidFill>
+              </a:rPr>
+              <a:t>	</a:t>
+            </a:r>
+            <a:r>
+              <a:rPr lang="es-MX" dirty="0" smtClean="0">
+                <a:solidFill>
+                  <a:schemeClr val="bg1">
+                    <a:lumMod val="65000"/>
+                  </a:schemeClr>
+                </a:solidFill>
+              </a:rPr>
+              <a:t>	</a:t>
+            </a:r>
+            <a:r>
+              <a:rPr lang="es-MX" dirty="0">
+                <a:solidFill>
+                  <a:srgbClr val="FFC000"/>
+                </a:solidFill>
+              </a:rPr>
+              <a:t>Contacto (email, teléfono, </a:t>
+            </a:r>
+            <a:r>
+              <a:rPr lang="es-MX" dirty="0" err="1">
+                <a:solidFill>
+                  <a:srgbClr val="FFC000"/>
+                </a:solidFill>
+              </a:rPr>
+              <a:t>github</a:t>
+            </a:r>
+            <a:r>
+              <a:rPr lang="es-MX" dirty="0">
+                <a:solidFill>
+                  <a:srgbClr val="FFC000"/>
+                </a:solidFill>
+              </a:rPr>
+              <a:t> </a:t>
+            </a:r>
+            <a:r>
+              <a:rPr lang="es-MX" dirty="0" err="1">
+                <a:solidFill>
+                  <a:srgbClr val="FFC000"/>
+                </a:solidFill>
+              </a:rPr>
+              <a:t>url</a:t>
+            </a:r>
+            <a:r>
+              <a:rPr lang="es-MX" dirty="0">
+                <a:solidFill>
+                  <a:srgbClr val="FFC000"/>
+                </a:solidFill>
+              </a:rPr>
+              <a:t>, </a:t>
+            </a:r>
+            <a:r>
+              <a:rPr lang="es-MX" dirty="0" err="1">
+                <a:solidFill>
+                  <a:srgbClr val="FFC000"/>
+                </a:solidFill>
+              </a:rPr>
+              <a:t>facebook</a:t>
+            </a:r>
+            <a:r>
+              <a:rPr lang="es-MX" dirty="0">
+                <a:solidFill>
+                  <a:srgbClr val="FFC000"/>
+                </a:solidFill>
+              </a:rPr>
+              <a:t>)</a:t>
+            </a:r>
+            <a:endParaRPr lang="es-MX" dirty="0">
+              <a:solidFill>
+                <a:srgbClr val="FFC000"/>
+              </a:solidFill>
+            </a:endParaRPr>
+          </a:p>
+          <a:p>
+            <a:r>
+              <a:rPr lang="es-MX" dirty="0">
+                <a:solidFill>
+                  <a:schemeClr val="bg1">
+                    <a:lumMod val="65000"/>
+                  </a:schemeClr>
+                </a:solidFill>
+              </a:rPr>
+              <a:t>	</a:t>
+            </a:r>
+            <a:r>
+              <a:rPr lang="es-MX" dirty="0" smtClean="0">
+                <a:solidFill>
+                  <a:schemeClr val="bg1">
+                    <a:lumMod val="65000"/>
+                  </a:schemeClr>
+                </a:solidFill>
+              </a:rPr>
+              <a:t>	</a:t>
+            </a:r>
+          </a:p>
+          <a:p>
+            <a:r>
+              <a:rPr lang="es-MX" dirty="0">
+                <a:solidFill>
+                  <a:schemeClr val="bg1">
+                    <a:lumMod val="65000"/>
+                  </a:schemeClr>
+                </a:solidFill>
+              </a:rPr>
+              <a:t>	</a:t>
+            </a:r>
+            <a:r>
+              <a:rPr lang="es-MX" dirty="0" smtClean="0">
+                <a:solidFill>
+                  <a:schemeClr val="bg1">
+                    <a:lumMod val="65000"/>
+                  </a:schemeClr>
+                </a:solidFill>
+              </a:rPr>
+              <a:t>		</a:t>
+            </a:r>
+          </a:p>
+          <a:p>
+            <a:r>
+              <a:rPr lang="es-MX" dirty="0">
+                <a:solidFill>
+                  <a:schemeClr val="bg1">
+                    <a:lumMod val="65000"/>
+                  </a:schemeClr>
+                </a:solidFill>
+              </a:rPr>
+              <a:t>	</a:t>
+            </a:r>
+            <a:r>
+              <a:rPr lang="es-MX" dirty="0" smtClean="0">
+                <a:solidFill>
+                  <a:schemeClr val="bg1">
+                    <a:lumMod val="65000"/>
+                  </a:schemeClr>
+                </a:solidFill>
+              </a:rPr>
+              <a:t>		</a:t>
+            </a:r>
+          </a:p>
+          <a:p>
+            <a:r>
+              <a:rPr lang="es-MX" dirty="0">
+                <a:solidFill>
+                  <a:schemeClr val="bg1">
+                    <a:lumMod val="65000"/>
+                  </a:schemeClr>
+                </a:solidFill>
+              </a:rPr>
+              <a:t>	</a:t>
+            </a:r>
+            <a:r>
+              <a:rPr lang="es-MX" dirty="0" smtClean="0">
+                <a:solidFill>
+                  <a:schemeClr val="bg1">
+                    <a:lumMod val="65000"/>
+                  </a:schemeClr>
+                </a:solidFill>
+              </a:rPr>
+              <a:t>		</a:t>
+            </a:r>
+          </a:p>
+          <a:p>
+            <a:r>
+              <a:rPr lang="es-MX" dirty="0">
+                <a:solidFill>
+                  <a:schemeClr val="bg1">
+                    <a:lumMod val="65000"/>
+                  </a:schemeClr>
+                </a:solidFill>
+              </a:rPr>
+              <a:t>	</a:t>
+            </a:r>
+            <a:r>
+              <a:rPr lang="es-MX" dirty="0" smtClean="0">
+                <a:solidFill>
+                  <a:schemeClr val="bg1">
+                    <a:lumMod val="65000"/>
+                  </a:schemeClr>
+                </a:solidFill>
+              </a:rPr>
+              <a:t>		</a:t>
+            </a:r>
+          </a:p>
+          <a:p>
+            <a:r>
+              <a:rPr lang="es-MX" dirty="0">
+                <a:solidFill>
+                  <a:schemeClr val="bg1">
+                    <a:lumMod val="65000"/>
+                  </a:schemeClr>
+                </a:solidFill>
+              </a:rPr>
+              <a:t>	</a:t>
+            </a:r>
+            <a:r>
+              <a:rPr lang="es-MX" dirty="0" smtClean="0">
+                <a:solidFill>
+                  <a:schemeClr val="bg1">
+                    <a:lumMod val="65000"/>
+                  </a:schemeClr>
+                </a:solidFill>
+              </a:rPr>
+              <a:t>		</a:t>
+            </a:r>
+          </a:p>
+          <a:p>
+            <a:r>
+              <a:rPr lang="es-MX" dirty="0">
+                <a:solidFill>
+                  <a:schemeClr val="bg1">
+                    <a:lumMod val="65000"/>
+                  </a:schemeClr>
+                </a:solidFill>
+              </a:rPr>
+              <a:t>	</a:t>
+            </a:r>
+            <a:r>
+              <a:rPr lang="es-MX" dirty="0" smtClean="0">
+                <a:solidFill>
+                  <a:schemeClr val="bg1">
+                    <a:lumMod val="65000"/>
+                  </a:schemeClr>
+                </a:solidFill>
+              </a:rPr>
+              <a:t>		</a:t>
+            </a:r>
+            <a:r>
+              <a:rPr lang="es-MX" dirty="0">
+                <a:solidFill>
+                  <a:schemeClr val="bg1">
+                    <a:lumMod val="65000"/>
+                  </a:schemeClr>
+                </a:solidFill>
+              </a:rPr>
+              <a:t>	</a:t>
+            </a:r>
+            <a:endParaRPr lang="es-MX" dirty="0" smtClean="0">
+              <a:solidFill>
+                <a:srgbClr val="FFC000"/>
+              </a:solidFill>
+            </a:endParaRPr>
+          </a:p>
+          <a:p>
+            <a:endParaRPr lang="es-MX" dirty="0" smtClean="0">
+              <a:solidFill>
+                <a:srgbClr val="FFC000"/>
+              </a:solidFill>
+            </a:endParaRPr>
+          </a:p>
+          <a:p>
+            <a:endParaRPr lang="es-MX" dirty="0"/>
+          </a:p>
+        </p:txBody>
+      </p:sp>
+      <p:pic>
+        <p:nvPicPr>
+          <p:cNvPr id="3" name="Imagen 2"/>
+          <p:cNvPicPr>
+            <a:picLocks noChangeAspect="1"/>
+          </p:cNvPicPr>
+          <p:nvPr/>
+        </p:nvPicPr>
+        <p:blipFill>
+          <a:blip r:embed="rId2" cstate="print">
+            <a:extLst>
+              <a:ext uri="{28A0092B-C50C-407E-A947-70E740481C1C}">
+                <a14:useLocalDpi xmlns:a14="http://schemas.microsoft.com/office/drawing/2010/main" val="0"/>
+              </a:ext>
+            </a:extLst>
+          </a:blip>
+          <a:stretch>
+            <a:fillRect/>
+          </a:stretch>
+        </p:blipFill>
+        <p:spPr>
+          <a:xfrm>
+            <a:off x="946904" y="499127"/>
+            <a:ext cx="568130" cy="568130"/>
+          </a:xfrm>
+          <a:prstGeom prst="rect">
+            <a:avLst/>
+          </a:prstGeom>
+        </p:spPr>
+      </p:pic>
+    </p:spTree>
+    <p:extLst>
+      <p:ext uri="{BB962C8B-B14F-4D97-AF65-F5344CB8AC3E}">
+        <p14:creationId xmlns:p14="http://schemas.microsoft.com/office/powerpoint/2010/main" val="2072208636"/>
+      </p:ext>
+    </p:extLst>
+  </p:cSld>
+  <p:clrMapOvr>
+    <a:masterClrMapping/>
+  </p:clrMapOvr>
+  <p:timing>
+    <p:tnLst>
+      <p:par>
+        <p:cTn id="1" dur="indefinite" restart="never" nodeType="tmRoot"/>
+      </p:par>
+    </p:tnLst>
+  </p:timing>
+</p:sld>
+</file>
+
+<file path=ppt/slides/slide27.xml><?xml version="1.0" encoding="utf-8"?>
 <p:sld xmlns:a="http://schemas.openxmlformats.org/drawingml/2006/main" xmlns:r="http://schemas.openxmlformats.org/officeDocument/2006/relationships" xmlns:p="http://schemas.openxmlformats.org/presentationml/2006/main">
   <p:cSld>
     <p:spTree>
@@ -9214,20 +12826,7 @@
                   <a:latin typeface="Roboto" panose="02000000000000000000" pitchFamily="2" charset="0"/>
                   <a:ea typeface="Roboto" panose="02000000000000000000" pitchFamily="2" charset="0"/>
                 </a:rPr>
-                <a:t>Reemplazar </a:t>
-              </a:r>
-              <a:r>
-                <a:rPr lang="es-MX" sz="2200" dirty="0" smtClean="0">
-                  <a:solidFill>
-                    <a:schemeClr val="accent6">
-                      <a:lumMod val="40000"/>
-                      <a:lumOff val="60000"/>
-                    </a:schemeClr>
-                  </a:solidFill>
-                  <a:latin typeface="Roboto" panose="02000000000000000000" pitchFamily="2" charset="0"/>
-                  <a:ea typeface="Roboto" panose="02000000000000000000" pitchFamily="2" charset="0"/>
-                </a:rPr>
-                <a:t>caracteres </a:t>
+                <a:t>Reemplazar caracteres </a:t>
               </a:r>
               <a:r>
                 <a:rPr lang="es-MX" sz="2200" b="1" dirty="0">
@@ -9586,15 +13185,6 @@
                 </a:rPr>
                 <a:t>D</a:t>
               </a:r>
-              <a:endParaRPr lang="es-MX" sz="2400" dirty="0">
-                <a:solidFill>
-                  <a:schemeClr val="bg1">
-                    <a:lumMod val="95000"/>
-                  </a:schemeClr>
-                </a:solidFill>
-                <a:latin typeface="Roboto" panose="02000000000000000000" pitchFamily="2" charset="0"/>
-                <a:ea typeface="Roboto" panose="02000000000000000000" pitchFamily="2" charset="0"/>
-              </a:endParaRPr>
             </a:p>
             <a:p>
               <a:endParaRPr lang="es-MX" dirty="0" smtClean="0"/>
@@ -9665,19 +13255,7 @@
                   <a:latin typeface="Roboto" panose="02000000000000000000" pitchFamily="2" charset="0"/>
                   <a:ea typeface="Roboto" panose="02000000000000000000" pitchFamily="2" charset="0"/>
                 </a:rPr>
-                <a:t>	</a:t>
-              </a:r>
-              <a:r>
-                <a:rPr lang="es-MX" sz="2400" dirty="0" smtClean="0">
-                  <a:solidFill>
-                    <a:schemeClr val="bg1">
-                      <a:lumMod val="95000"/>
-                    </a:schemeClr>
-                  </a:solidFill>
-                  <a:latin typeface="Roboto" panose="02000000000000000000" pitchFamily="2" charset="0"/>
-                  <a:ea typeface="Roboto" panose="02000000000000000000" pitchFamily="2" charset="0"/>
-                </a:rPr>
-                <a:t>/”cadena”</a:t>
+                <a:t>	/”cadena”</a:t>
               </a:r>
               <a:endParaRPr lang="es-MX" sz="2400" dirty="0">
                 <a:solidFill>
@@ -9724,16 +13302,6 @@
                 </a:rPr>
                 <a:t>cadena</a:t>
               </a:r>
-              <a:endParaRPr lang="es-MX" sz="2200" dirty="0">
-                <a:solidFill>
-                  <a:schemeClr val="accent6">
-                    <a:lumMod val="40000"/>
-                    <a:lumOff val="60000"/>
-                  </a:schemeClr>
-                </a:solidFill>
-                <a:latin typeface="Roboto" panose="02000000000000000000" pitchFamily="2" charset="0"/>
-                <a:ea typeface="Roboto" panose="02000000000000000000" pitchFamily="2" charset="0"/>
-              </a:endParaRPr>
             </a:p>
             <a:p>
               <a:r>
@@ -9924,7 +13492,7 @@
 </p:sld>
 </file>
 
-<file path=ppt/slides/slide22.xml><?xml version="1.0" encoding="utf-8"?>
+<file path=ppt/slides/slide28.xml><?xml version="1.0" encoding="utf-8"?>
 <p:sld xmlns:a="http://schemas.openxmlformats.org/drawingml/2006/main" xmlns:r="http://schemas.openxmlformats.org/officeDocument/2006/relationships" xmlns:p="http://schemas.openxmlformats.org/presentationml/2006/main">
   <p:cSld>
     <p:spTree>
@@ -10584,7 +14152,7 @@
 </p:sld>
 </file>
 
-<file path=ppt/slides/slide23.xml><?xml version="1.0" encoding="utf-8"?>
+<file path=ppt/slides/slide29.xml><?xml version="1.0" encoding="utf-8"?>
 <p:sld xmlns:a="http://schemas.openxmlformats.org/drawingml/2006/main" xmlns:r="http://schemas.openxmlformats.org/officeDocument/2006/relationships" xmlns:p="http://schemas.openxmlformats.org/presentationml/2006/main">
   <p:cSld>
     <p:spTree>
@@ -11159,621 +14727,6 @@
 </p:sld>
 </file>
 
-<file path=ppt/slides/slide24.xml><?xml version="1.0" encoding="utf-8"?>
-<p:sld xmlns:a="http://schemas.openxmlformats.org/drawingml/2006/main" xmlns:r="http://schemas.openxmlformats.org/officeDocument/2006/relationships" xmlns:p="http://schemas.openxmlformats.org/presentationml/2006/main">
-  <p:cSld>
-    <p:bg>
-      <p:bgPr>
-        <a:solidFill>
-          <a:srgbClr val="7030A0"/>
-        </a:solidFill>
-        <a:effectLst/>
-      </p:bgPr>
-    </p:bg>
-    <p:spTree>
-      <p:nvGrpSpPr>
-        <p:cNvPr id="1" name=""/>
-        <p:cNvGrpSpPr/>
-        <p:nvPr/>
-      </p:nvGrpSpPr>
-      <p:grpSpPr>
-        <a:xfrm>
-          <a:off x="0" y="0"/>
-          <a:ext cx="0" cy="0"/>
-          <a:chOff x="0" y="0"/>
-          <a:chExt cx="0" cy="0"/>
-        </a:xfrm>
-      </p:grpSpPr>
-      <p:sp>
-        <p:nvSpPr>
-          <p:cNvPr id="2" name="Título 1"/>
-          <p:cNvSpPr>
-            <a:spLocks noGrp="1"/>
-          </p:cNvSpPr>
-          <p:nvPr>
-            <p:ph type="title"/>
-          </p:nvPr>
-        </p:nvSpPr>
-        <p:spPr>
-          <a:xfrm>
-            <a:off x="3805236" y="1593850"/>
-            <a:ext cx="4581525" cy="1325563"/>
-          </a:xfrm>
-        </p:spPr>
-        <p:txBody>
-          <a:bodyPr/>
-          <a:lstStyle/>
-          <a:p>
-            <a:r>
-              <a:rPr lang="es-MX" sz="6000" dirty="0" smtClean="0">
-                <a:solidFill>
-                  <a:schemeClr val="bg1">
-                    <a:lumMod val="95000"/>
-                  </a:schemeClr>
-                </a:solidFill>
-                <a:latin typeface="Roboto Black" panose="02000000000000000000" pitchFamily="2" charset="0"/>
-                <a:ea typeface="Roboto Black" panose="02000000000000000000" pitchFamily="2" charset="0"/>
-              </a:rPr>
-              <a:t>Centralizado</a:t>
-            </a:r>
-            <a:endParaRPr lang="es-MX" sz="6000" dirty="0">
-              <a:solidFill>
-                <a:schemeClr val="bg1">
-                  <a:lumMod val="95000"/>
-                </a:schemeClr>
-              </a:solidFill>
-              <a:latin typeface="Roboto Black" panose="02000000000000000000" pitchFamily="2" charset="0"/>
-              <a:ea typeface="Roboto Black" panose="02000000000000000000" pitchFamily="2" charset="0"/>
-            </a:endParaRPr>
-          </a:p>
-        </p:txBody>
-      </p:sp>
-      <p:pic>
-        <p:nvPicPr>
-          <p:cNvPr id="4" name="Imagen 3"/>
-          <p:cNvPicPr>
-            <a:picLocks noChangeAspect="1"/>
-          </p:cNvPicPr>
-          <p:nvPr/>
-        </p:nvPicPr>
-        <p:blipFill>
-          <a:blip r:embed="rId2" cstate="print">
-            <a:extLst>
-              <a:ext uri="{28A0092B-C50C-407E-A947-70E740481C1C}">
-                <a14:useLocalDpi xmlns:a14="http://schemas.microsoft.com/office/drawing/2010/main" val="0"/>
-              </a:ext>
-            </a:extLst>
-          </a:blip>
-          <a:stretch>
-            <a:fillRect/>
-          </a:stretch>
-        </p:blipFill>
-        <p:spPr>
-          <a:xfrm>
-            <a:off x="5097682" y="3152774"/>
-            <a:ext cx="1996633" cy="1762125"/>
-          </a:xfrm>
-          <a:prstGeom prst="rect">
-            <a:avLst/>
-          </a:prstGeom>
-        </p:spPr>
-      </p:pic>
-    </p:spTree>
-    <p:extLst>
-      <p:ext uri="{BB962C8B-B14F-4D97-AF65-F5344CB8AC3E}">
-        <p14:creationId xmlns:p14="http://schemas.microsoft.com/office/powerpoint/2010/main" val="4267404770"/>
-      </p:ext>
-    </p:extLst>
-  </p:cSld>
-  <p:clrMapOvr>
-    <a:masterClrMapping/>
-  </p:clrMapOvr>
-  <p:timing>
-    <p:tnLst>
-      <p:par>
-        <p:cTn id="1" dur="indefinite" restart="never" nodeType="tmRoot"/>
-      </p:par>
-    </p:tnLst>
-  </p:timing>
-</p:sld>
-</file>
-
-<file path=ppt/slides/slide25.xml><?xml version="1.0" encoding="utf-8"?>
-<p:sld xmlns:a="http://schemas.openxmlformats.org/drawingml/2006/main" xmlns:r="http://schemas.openxmlformats.org/officeDocument/2006/relationships" xmlns:p="http://schemas.openxmlformats.org/presentationml/2006/main">
-  <p:cSld>
-    <p:spTree>
-      <p:nvGrpSpPr>
-        <p:cNvPr id="1" name=""/>
-        <p:cNvGrpSpPr/>
-        <p:nvPr/>
-      </p:nvGrpSpPr>
-      <p:grpSpPr>
-        <a:xfrm>
-          <a:off x="0" y="0"/>
-          <a:ext cx="0" cy="0"/>
-          <a:chOff x="0" y="0"/>
-          <a:chExt cx="0" cy="0"/>
-        </a:xfrm>
-      </p:grpSpPr>
-      <p:sp>
-        <p:nvSpPr>
-          <p:cNvPr id="5" name="Título 1"/>
-          <p:cNvSpPr txBox="1">
-            <a:spLocks/>
-          </p:cNvSpPr>
-          <p:nvPr/>
-        </p:nvSpPr>
-        <p:spPr>
-          <a:xfrm>
-            <a:off x="838200" y="370187"/>
-            <a:ext cx="8639433" cy="1325563"/>
-          </a:xfrm>
-          <a:prstGeom prst="rect">
-            <a:avLst/>
-          </a:prstGeom>
-        </p:spPr>
-        <p:txBody>
-          <a:bodyPr vert="horz" lIns="91440" tIns="45720" rIns="91440" bIns="45720" rtlCol="0" anchor="ctr">
-            <a:normAutofit/>
-          </a:bodyPr>
-          <a:lstStyle>
-            <a:lvl1pPr algn="l" defTabSz="914400" rtl="0" eaLnBrk="1" latinLnBrk="0" hangingPunct="1">
-              <a:lnSpc>
-                <a:spcPct val="90000"/>
-              </a:lnSpc>
-              <a:spcBef>
-                <a:spcPct val="0"/>
-              </a:spcBef>
-              <a:buNone/>
-              <a:defRPr sz="4400" kern="1200">
-                <a:solidFill>
-                  <a:schemeClr val="tx1"/>
-                </a:solidFill>
-                <a:latin typeface="+mj-lt"/>
-                <a:ea typeface="+mj-ea"/>
-                <a:cs typeface="+mj-cs"/>
-              </a:defRPr>
-            </a:lvl1pPr>
-          </a:lstStyle>
-          <a:p>
-            <a:r>
-              <a:rPr lang="es-MX" sz="5000" dirty="0" smtClean="0">
-                <a:solidFill>
-                  <a:srgbClr val="7030A0"/>
-                </a:solidFill>
-                <a:latin typeface="Roboto Black" panose="02000000000000000000" pitchFamily="2" charset="0"/>
-                <a:ea typeface="Roboto Black" panose="02000000000000000000" pitchFamily="2" charset="0"/>
-              </a:rPr>
-              <a:t>Flujo centralizado</a:t>
-            </a:r>
-            <a:endParaRPr lang="es-MX" sz="3000" dirty="0">
-              <a:solidFill>
-                <a:srgbClr val="7030A0"/>
-              </a:solidFill>
-              <a:latin typeface="Roboto" panose="02000000000000000000" pitchFamily="2" charset="0"/>
-              <a:ea typeface="Roboto" panose="02000000000000000000" pitchFamily="2" charset="0"/>
-            </a:endParaRPr>
-          </a:p>
-        </p:txBody>
-      </p:sp>
-    </p:spTree>
-    <p:extLst>
-      <p:ext uri="{BB962C8B-B14F-4D97-AF65-F5344CB8AC3E}">
-        <p14:creationId xmlns:p14="http://schemas.microsoft.com/office/powerpoint/2010/main" val="3633037503"/>
-      </p:ext>
-    </p:extLst>
-  </p:cSld>
-  <p:clrMapOvr>
-    <a:masterClrMapping/>
-  </p:clrMapOvr>
-  <p:timing>
-    <p:tnLst>
-      <p:par>
-        <p:cTn id="1" dur="indefinite" restart="never" nodeType="tmRoot"/>
-      </p:par>
-    </p:tnLst>
-  </p:timing>
-</p:sld>
-</file>
-
-<file path=ppt/slides/slide26.xml><?xml version="1.0" encoding="utf-8"?>
-<p:sld xmlns:a="http://schemas.openxmlformats.org/drawingml/2006/main" xmlns:r="http://schemas.openxmlformats.org/officeDocument/2006/relationships" xmlns:p="http://schemas.openxmlformats.org/presentationml/2006/main">
-  <p:cSld>
-    <p:bg>
-      <p:bgPr>
-        <a:solidFill>
-          <a:srgbClr val="0070C0"/>
-        </a:solidFill>
-        <a:effectLst/>
-      </p:bgPr>
-    </p:bg>
-    <p:spTree>
-      <p:nvGrpSpPr>
-        <p:cNvPr id="1" name=""/>
-        <p:cNvGrpSpPr/>
-        <p:nvPr/>
-      </p:nvGrpSpPr>
-      <p:grpSpPr>
-        <a:xfrm>
-          <a:off x="0" y="0"/>
-          <a:ext cx="0" cy="0"/>
-          <a:chOff x="0" y="0"/>
-          <a:chExt cx="0" cy="0"/>
-        </a:xfrm>
-      </p:grpSpPr>
-      <p:sp>
-        <p:nvSpPr>
-          <p:cNvPr id="2" name="Título 1"/>
-          <p:cNvSpPr>
-            <a:spLocks noGrp="1"/>
-          </p:cNvSpPr>
-          <p:nvPr>
-            <p:ph type="title"/>
-          </p:nvPr>
-        </p:nvSpPr>
-        <p:spPr>
-          <a:xfrm>
-            <a:off x="3805238" y="2766219"/>
-            <a:ext cx="4581525" cy="1325563"/>
-          </a:xfrm>
-        </p:spPr>
-        <p:txBody>
-          <a:bodyPr>
-            <a:normAutofit fontScale="90000"/>
-          </a:bodyPr>
-          <a:lstStyle/>
-          <a:p>
-            <a:pPr algn="ctr"/>
-            <a:r>
-              <a:rPr lang="es-MX" sz="6000" dirty="0" smtClean="0">
-                <a:solidFill>
-                  <a:schemeClr val="bg1">
-                    <a:lumMod val="95000"/>
-                  </a:schemeClr>
-                </a:solidFill>
-                <a:latin typeface="Roboto Black" panose="02000000000000000000" pitchFamily="2" charset="0"/>
-                <a:ea typeface="Roboto Black" panose="02000000000000000000" pitchFamily="2" charset="0"/>
-              </a:rPr>
-              <a:t>Rama por característica</a:t>
-            </a:r>
-            <a:endParaRPr lang="es-MX" sz="6000" dirty="0">
-              <a:solidFill>
-                <a:schemeClr val="bg1">
-                  <a:lumMod val="95000"/>
-                </a:schemeClr>
-              </a:solidFill>
-              <a:latin typeface="Roboto Black" panose="02000000000000000000" pitchFamily="2" charset="0"/>
-              <a:ea typeface="Roboto Black" panose="02000000000000000000" pitchFamily="2" charset="0"/>
-            </a:endParaRPr>
-          </a:p>
-        </p:txBody>
-      </p:sp>
-    </p:spTree>
-    <p:extLst>
-      <p:ext uri="{BB962C8B-B14F-4D97-AF65-F5344CB8AC3E}">
-        <p14:creationId xmlns:p14="http://schemas.microsoft.com/office/powerpoint/2010/main" val="1413987108"/>
-      </p:ext>
-    </p:extLst>
-  </p:cSld>
-  <p:clrMapOvr>
-    <a:masterClrMapping/>
-  </p:clrMapOvr>
-  <p:timing>
-    <p:tnLst>
-      <p:par>
-        <p:cTn id="1" dur="indefinite" restart="never" nodeType="tmRoot"/>
-      </p:par>
-    </p:tnLst>
-  </p:timing>
-</p:sld>
-</file>
-
-<file path=ppt/slides/slide27.xml><?xml version="1.0" encoding="utf-8"?>
-<p:sld xmlns:a="http://schemas.openxmlformats.org/drawingml/2006/main" xmlns:r="http://schemas.openxmlformats.org/officeDocument/2006/relationships" xmlns:p="http://schemas.openxmlformats.org/presentationml/2006/main">
-  <p:cSld>
-    <p:spTree>
-      <p:nvGrpSpPr>
-        <p:cNvPr id="1" name=""/>
-        <p:cNvGrpSpPr/>
-        <p:nvPr/>
-      </p:nvGrpSpPr>
-      <p:grpSpPr>
-        <a:xfrm>
-          <a:off x="0" y="0"/>
-          <a:ext cx="0" cy="0"/>
-          <a:chOff x="0" y="0"/>
-          <a:chExt cx="0" cy="0"/>
-        </a:xfrm>
-      </p:grpSpPr>
-      <p:sp>
-        <p:nvSpPr>
-          <p:cNvPr id="5" name="Título 1"/>
-          <p:cNvSpPr txBox="1">
-            <a:spLocks/>
-          </p:cNvSpPr>
-          <p:nvPr/>
-        </p:nvSpPr>
-        <p:spPr>
-          <a:xfrm>
-            <a:off x="838200" y="370187"/>
-            <a:ext cx="8639433" cy="1325563"/>
-          </a:xfrm>
-          <a:prstGeom prst="rect">
-            <a:avLst/>
-          </a:prstGeom>
-        </p:spPr>
-        <p:txBody>
-          <a:bodyPr vert="horz" lIns="91440" tIns="45720" rIns="91440" bIns="45720" rtlCol="0" anchor="ctr">
-            <a:normAutofit/>
-          </a:bodyPr>
-          <a:lstStyle>
-            <a:lvl1pPr algn="l" defTabSz="914400" rtl="0" eaLnBrk="1" latinLnBrk="0" hangingPunct="1">
-              <a:lnSpc>
-                <a:spcPct val="90000"/>
-              </a:lnSpc>
-              <a:spcBef>
-                <a:spcPct val="0"/>
-              </a:spcBef>
-              <a:buNone/>
-              <a:defRPr sz="4400" kern="1200">
-                <a:solidFill>
-                  <a:schemeClr val="tx1"/>
-                </a:solidFill>
-                <a:latin typeface="+mj-lt"/>
-                <a:ea typeface="+mj-ea"/>
-                <a:cs typeface="+mj-cs"/>
-              </a:defRPr>
-            </a:lvl1pPr>
-          </a:lstStyle>
-          <a:p>
-            <a:r>
-              <a:rPr lang="es-MX" sz="5000" dirty="0" smtClean="0">
-                <a:solidFill>
-                  <a:srgbClr val="0070C0"/>
-                </a:solidFill>
-                <a:latin typeface="Roboto Black" panose="02000000000000000000" pitchFamily="2" charset="0"/>
-                <a:ea typeface="Roboto Black" panose="02000000000000000000" pitchFamily="2" charset="0"/>
-              </a:rPr>
-              <a:t>Flujo rama por característica</a:t>
-            </a:r>
-            <a:endParaRPr lang="es-MX" sz="3000" dirty="0">
-              <a:solidFill>
-                <a:srgbClr val="0070C0"/>
-              </a:solidFill>
-              <a:latin typeface="Roboto" panose="02000000000000000000" pitchFamily="2" charset="0"/>
-              <a:ea typeface="Roboto" panose="02000000000000000000" pitchFamily="2" charset="0"/>
-            </a:endParaRPr>
-          </a:p>
-        </p:txBody>
-      </p:sp>
-    </p:spTree>
-    <p:extLst>
-      <p:ext uri="{BB962C8B-B14F-4D97-AF65-F5344CB8AC3E}">
-        <p14:creationId xmlns:p14="http://schemas.microsoft.com/office/powerpoint/2010/main" val="915500910"/>
-      </p:ext>
-    </p:extLst>
-  </p:cSld>
-  <p:clrMapOvr>
-    <a:masterClrMapping/>
-  </p:clrMapOvr>
-  <p:timing>
-    <p:tnLst>
-      <p:par>
-        <p:cTn id="1" dur="indefinite" restart="never" nodeType="tmRoot"/>
-      </p:par>
-    </p:tnLst>
-  </p:timing>
-</p:sld>
-</file>
-
-<file path=ppt/slides/slide28.xml><?xml version="1.0" encoding="utf-8"?>
-<p:sld xmlns:a="http://schemas.openxmlformats.org/drawingml/2006/main" xmlns:r="http://schemas.openxmlformats.org/officeDocument/2006/relationships" xmlns:p="http://schemas.openxmlformats.org/presentationml/2006/main">
-  <p:cSld>
-    <p:bg>
-      <p:bgPr>
-        <a:solidFill>
-          <a:schemeClr val="accent2">
-            <a:lumMod val="75000"/>
-          </a:schemeClr>
-        </a:solidFill>
-        <a:effectLst/>
-      </p:bgPr>
-    </p:bg>
-    <p:spTree>
-      <p:nvGrpSpPr>
-        <p:cNvPr id="1" name=""/>
-        <p:cNvGrpSpPr/>
-        <p:nvPr/>
-      </p:nvGrpSpPr>
-      <p:grpSpPr>
-        <a:xfrm>
-          <a:off x="0" y="0"/>
-          <a:ext cx="0" cy="0"/>
-          <a:chOff x="0" y="0"/>
-          <a:chExt cx="0" cy="0"/>
-        </a:xfrm>
-      </p:grpSpPr>
-      <p:sp>
-        <p:nvSpPr>
-          <p:cNvPr id="2" name="Título 1"/>
-          <p:cNvSpPr>
-            <a:spLocks noGrp="1"/>
-          </p:cNvSpPr>
-          <p:nvPr>
-            <p:ph type="title"/>
-          </p:nvPr>
-        </p:nvSpPr>
-        <p:spPr>
-          <a:xfrm>
-            <a:off x="3805238" y="2766219"/>
-            <a:ext cx="4581525" cy="1325563"/>
-          </a:xfrm>
-        </p:spPr>
-        <p:txBody>
-          <a:bodyPr>
-            <a:normAutofit/>
-          </a:bodyPr>
-          <a:lstStyle/>
-          <a:p>
-            <a:pPr algn="ctr"/>
-            <a:r>
-              <a:rPr lang="es-MX" sz="6000" dirty="0" err="1" smtClean="0">
-                <a:solidFill>
-                  <a:schemeClr val="bg1">
-                    <a:lumMod val="95000"/>
-                  </a:schemeClr>
-                </a:solidFill>
-                <a:latin typeface="Roboto Black" panose="02000000000000000000" pitchFamily="2" charset="0"/>
-                <a:ea typeface="Roboto Black" panose="02000000000000000000" pitchFamily="2" charset="0"/>
-              </a:rPr>
-              <a:t>Gitflow</a:t>
-            </a:r>
-            <a:endParaRPr lang="es-MX" sz="6000" dirty="0">
-              <a:solidFill>
-                <a:schemeClr val="bg1">
-                  <a:lumMod val="95000"/>
-                </a:schemeClr>
-              </a:solidFill>
-              <a:latin typeface="Roboto Black" panose="02000000000000000000" pitchFamily="2" charset="0"/>
-              <a:ea typeface="Roboto Black" panose="02000000000000000000" pitchFamily="2" charset="0"/>
-            </a:endParaRPr>
-          </a:p>
-        </p:txBody>
-      </p:sp>
-    </p:spTree>
-    <p:extLst>
-      <p:ext uri="{BB962C8B-B14F-4D97-AF65-F5344CB8AC3E}">
-        <p14:creationId xmlns:p14="http://schemas.microsoft.com/office/powerpoint/2010/main" val="72157810"/>
-      </p:ext>
-    </p:extLst>
-  </p:cSld>
-  <p:clrMapOvr>
-    <a:masterClrMapping/>
-  </p:clrMapOvr>
-  <p:timing>
-    <p:tnLst>
-      <p:par>
-        <p:cTn id="1" dur="indefinite" restart="never" nodeType="tmRoot"/>
-      </p:par>
-    </p:tnLst>
-  </p:timing>
-</p:sld>
-</file>
-
-<file path=ppt/slides/slide29.xml><?xml version="1.0" encoding="utf-8"?>
-<p:sld xmlns:a="http://schemas.openxmlformats.org/drawingml/2006/main" xmlns:r="http://schemas.openxmlformats.org/officeDocument/2006/relationships" xmlns:p="http://schemas.openxmlformats.org/presentationml/2006/main">
-  <p:cSld>
-    <p:spTree>
-      <p:nvGrpSpPr>
-        <p:cNvPr id="1" name=""/>
-        <p:cNvGrpSpPr/>
-        <p:nvPr/>
-      </p:nvGrpSpPr>
-      <p:grpSpPr>
-        <a:xfrm>
-          <a:off x="0" y="0"/>
-          <a:ext cx="0" cy="0"/>
-          <a:chOff x="0" y="0"/>
-          <a:chExt cx="0" cy="0"/>
-        </a:xfrm>
-      </p:grpSpPr>
-      <p:sp>
-        <p:nvSpPr>
-          <p:cNvPr id="5" name="Título 1"/>
-          <p:cNvSpPr txBox="1">
-            <a:spLocks/>
-          </p:cNvSpPr>
-          <p:nvPr/>
-        </p:nvSpPr>
-        <p:spPr>
-          <a:xfrm>
-            <a:off x="838200" y="370187"/>
-            <a:ext cx="8639433" cy="1325563"/>
-          </a:xfrm>
-          <a:prstGeom prst="rect">
-            <a:avLst/>
-          </a:prstGeom>
-        </p:spPr>
-        <p:txBody>
-          <a:bodyPr vert="horz" lIns="91440" tIns="45720" rIns="91440" bIns="45720" rtlCol="0" anchor="ctr">
-            <a:normAutofit/>
-          </a:bodyPr>
-          <a:lstStyle>
-            <a:lvl1pPr algn="l" defTabSz="914400" rtl="0" eaLnBrk="1" latinLnBrk="0" hangingPunct="1">
-              <a:lnSpc>
-                <a:spcPct val="90000"/>
-              </a:lnSpc>
-              <a:spcBef>
-                <a:spcPct val="0"/>
-              </a:spcBef>
-              <a:buNone/>
-              <a:defRPr sz="4400" kern="1200">
-                <a:solidFill>
-                  <a:schemeClr val="tx1"/>
-                </a:solidFill>
-                <a:latin typeface="+mj-lt"/>
-                <a:ea typeface="+mj-ea"/>
-                <a:cs typeface="+mj-cs"/>
-              </a:defRPr>
-            </a:lvl1pPr>
-          </a:lstStyle>
-          <a:p>
-            <a:r>
-              <a:rPr lang="es-MX" sz="5000" dirty="0" smtClean="0">
-                <a:solidFill>
-                  <a:schemeClr val="accent2">
-                    <a:lumMod val="75000"/>
-                  </a:schemeClr>
-                </a:solidFill>
-                <a:latin typeface="Roboto Black" panose="02000000000000000000" pitchFamily="2" charset="0"/>
-                <a:ea typeface="Roboto Black" panose="02000000000000000000" pitchFamily="2" charset="0"/>
-              </a:rPr>
-              <a:t>Flujo </a:t>
-            </a:r>
-            <a:r>
-              <a:rPr lang="es-MX" sz="5000" dirty="0" err="1" smtClean="0">
-                <a:solidFill>
-                  <a:schemeClr val="accent2">
-                    <a:lumMod val="75000"/>
-                  </a:schemeClr>
-                </a:solidFill>
-                <a:latin typeface="Roboto Black" panose="02000000000000000000" pitchFamily="2" charset="0"/>
-                <a:ea typeface="Roboto Black" panose="02000000000000000000" pitchFamily="2" charset="0"/>
-              </a:rPr>
-              <a:t>Gitflow</a:t>
-            </a:r>
-            <a:endParaRPr lang="es-MX" sz="3000" dirty="0">
-              <a:solidFill>
-                <a:schemeClr val="accent2">
-                  <a:lumMod val="75000"/>
-                </a:schemeClr>
-              </a:solidFill>
-              <a:latin typeface="Roboto" panose="02000000000000000000" pitchFamily="2" charset="0"/>
-              <a:ea typeface="Roboto" panose="02000000000000000000" pitchFamily="2" charset="0"/>
-            </a:endParaRPr>
-          </a:p>
-        </p:txBody>
-      </p:sp>
-    </p:spTree>
-    <p:extLst>
-      <p:ext uri="{BB962C8B-B14F-4D97-AF65-F5344CB8AC3E}">
-        <p14:creationId xmlns:p14="http://schemas.microsoft.com/office/powerpoint/2010/main" val="3383270948"/>
-      </p:ext>
-    </p:extLst>
-  </p:cSld>
-  <p:clrMapOvr>
-    <a:masterClrMapping/>
-  </p:clrMapOvr>
-  <p:timing>
-    <p:tnLst>
-      <p:par>
-        <p:cTn id="1" dur="indefinite" restart="never" nodeType="tmRoot"/>
-      </p:par>
-    </p:tnLst>
-  </p:timing>
-</p:sld>
-</file>
-
 <file path=ppt/slides/slide3.xml><?xml version="1.0" encoding="utf-8"?>
 <p:sld xmlns:a="http://schemas.openxmlformats.org/drawingml/2006/main" xmlns:r="http://schemas.openxmlformats.org/officeDocument/2006/relationships" xmlns:p="http://schemas.openxmlformats.org/presentationml/2006/main">
   <p:cSld>
@@ -11865,7 +14818,7 @@
     <p:bg>
       <p:bgPr>
         <a:solidFill>
-          <a:srgbClr val="7F8C8C"/>
+          <a:srgbClr val="7030A0"/>
         </a:solidFill>
         <a:effectLst/>
       </p:bgPr>
@@ -11896,19 +14849,16 @@
         </p:nvSpPr>
         <p:spPr>
           <a:xfrm>
-            <a:off x="3805238" y="2556669"/>
+            <a:off x="3805236" y="1593850"/>
             <a:ext cx="4581525" cy="1325563"/>
           </a:xfrm>
         </p:spPr>
         <p:txBody>
-          <a:bodyPr>
-            <a:normAutofit/>
-          </a:bodyPr>
+          <a:bodyPr/>
           <a:lstStyle/>
           <a:p>
-            <a:pPr algn="ctr"/>
-            <a:r>
-              <a:rPr lang="es-MX" sz="6000" dirty="0" err="1" smtClean="0">
+            <a:r>
+              <a:rPr lang="es-MX" sz="6000" dirty="0" smtClean="0">
                 <a:solidFill>
                   <a:schemeClr val="bg1">
                     <a:lumMod val="95000"/>
@@ -11917,7 +14867,7 @@
                 <a:latin typeface="Roboto Black" panose="02000000000000000000" pitchFamily="2" charset="0"/>
                 <a:ea typeface="Roboto Black" panose="02000000000000000000" pitchFamily="2" charset="0"/>
               </a:rPr>
-              <a:t>Forkflow</a:t>
+              <a:t>Centralizado</a:t>
             </a:r>
             <a:endParaRPr lang="es-MX" sz="6000" dirty="0">
               <a:solidFill>
@@ -11933,7 +14883,7 @@
       </p:sp>
       <p:pic>
         <p:nvPicPr>
-          <p:cNvPr id="3" name="Imagen 2"/>
+          <p:cNvPr id="4" name="Imagen 3"/>
           <p:cNvPicPr>
             <a:picLocks noChangeAspect="1"/>
           </p:cNvPicPr>
@@ -11953,8 +14903,8 @@
         </p:blipFill>
         <p:spPr>
           <a:xfrm>
-            <a:off x="5883401" y="3882232"/>
-            <a:ext cx="425197" cy="1373127"/>
+            <a:off x="5097682" y="3152774"/>
+            <a:ext cx="1996633" cy="1762125"/>
           </a:xfrm>
           <a:prstGeom prst="rect">
             <a:avLst/>
@@ -11964,7 +14914,7 @@
     </p:spTree>
     <p:extLst>
       <p:ext uri="{BB962C8B-B14F-4D97-AF65-F5344CB8AC3E}">
-        <p14:creationId xmlns:p14="http://schemas.microsoft.com/office/powerpoint/2010/main" val="3449553744"/>
+        <p14:creationId xmlns:p14="http://schemas.microsoft.com/office/powerpoint/2010/main" val="4267404770"/>
       </p:ext>
     </p:extLst>
   </p:cSld>
@@ -12042,6 +14992,624 @@
             <a:r>
               <a:rPr lang="es-MX" sz="5000" dirty="0" smtClean="0">
                 <a:solidFill>
+                  <a:srgbClr val="7030A0"/>
+                </a:solidFill>
+                <a:latin typeface="Roboto Black" panose="02000000000000000000" pitchFamily="2" charset="0"/>
+                <a:ea typeface="Roboto Black" panose="02000000000000000000" pitchFamily="2" charset="0"/>
+              </a:rPr>
+              <a:t>Flujo centralizado</a:t>
+            </a:r>
+            <a:endParaRPr lang="es-MX" sz="3000" dirty="0">
+              <a:solidFill>
+                <a:srgbClr val="7030A0"/>
+              </a:solidFill>
+              <a:latin typeface="Roboto" panose="02000000000000000000" pitchFamily="2" charset="0"/>
+              <a:ea typeface="Roboto" panose="02000000000000000000" pitchFamily="2" charset="0"/>
+            </a:endParaRPr>
+          </a:p>
+        </p:txBody>
+      </p:sp>
+    </p:spTree>
+    <p:extLst>
+      <p:ext uri="{BB962C8B-B14F-4D97-AF65-F5344CB8AC3E}">
+        <p14:creationId xmlns:p14="http://schemas.microsoft.com/office/powerpoint/2010/main" val="3633037503"/>
+      </p:ext>
+    </p:extLst>
+  </p:cSld>
+  <p:clrMapOvr>
+    <a:masterClrMapping/>
+  </p:clrMapOvr>
+  <p:timing>
+    <p:tnLst>
+      <p:par>
+        <p:cTn id="1" dur="indefinite" restart="never" nodeType="tmRoot"/>
+      </p:par>
+    </p:tnLst>
+  </p:timing>
+</p:sld>
+</file>
+
+<file path=ppt/slides/slide32.xml><?xml version="1.0" encoding="utf-8"?>
+<p:sld xmlns:a="http://schemas.openxmlformats.org/drawingml/2006/main" xmlns:r="http://schemas.openxmlformats.org/officeDocument/2006/relationships" xmlns:p="http://schemas.openxmlformats.org/presentationml/2006/main">
+  <p:cSld>
+    <p:bg>
+      <p:bgPr>
+        <a:solidFill>
+          <a:srgbClr val="0070C0"/>
+        </a:solidFill>
+        <a:effectLst/>
+      </p:bgPr>
+    </p:bg>
+    <p:spTree>
+      <p:nvGrpSpPr>
+        <p:cNvPr id="1" name=""/>
+        <p:cNvGrpSpPr/>
+        <p:nvPr/>
+      </p:nvGrpSpPr>
+      <p:grpSpPr>
+        <a:xfrm>
+          <a:off x="0" y="0"/>
+          <a:ext cx="0" cy="0"/>
+          <a:chOff x="0" y="0"/>
+          <a:chExt cx="0" cy="0"/>
+        </a:xfrm>
+      </p:grpSpPr>
+      <p:sp>
+        <p:nvSpPr>
+          <p:cNvPr id="2" name="Título 1"/>
+          <p:cNvSpPr>
+            <a:spLocks noGrp="1"/>
+          </p:cNvSpPr>
+          <p:nvPr>
+            <p:ph type="title"/>
+          </p:nvPr>
+        </p:nvSpPr>
+        <p:spPr>
+          <a:xfrm>
+            <a:off x="3805238" y="2766219"/>
+            <a:ext cx="4581525" cy="1325563"/>
+          </a:xfrm>
+        </p:spPr>
+        <p:txBody>
+          <a:bodyPr>
+            <a:normAutofit fontScale="90000"/>
+          </a:bodyPr>
+          <a:lstStyle/>
+          <a:p>
+            <a:pPr algn="ctr"/>
+            <a:r>
+              <a:rPr lang="es-MX" sz="6000" dirty="0" smtClean="0">
+                <a:solidFill>
+                  <a:schemeClr val="bg1">
+                    <a:lumMod val="95000"/>
+                  </a:schemeClr>
+                </a:solidFill>
+                <a:latin typeface="Roboto Black" panose="02000000000000000000" pitchFamily="2" charset="0"/>
+                <a:ea typeface="Roboto Black" panose="02000000000000000000" pitchFamily="2" charset="0"/>
+              </a:rPr>
+              <a:t>Rama por característica</a:t>
+            </a:r>
+            <a:endParaRPr lang="es-MX" sz="6000" dirty="0">
+              <a:solidFill>
+                <a:schemeClr val="bg1">
+                  <a:lumMod val="95000"/>
+                </a:schemeClr>
+              </a:solidFill>
+              <a:latin typeface="Roboto Black" panose="02000000000000000000" pitchFamily="2" charset="0"/>
+              <a:ea typeface="Roboto Black" panose="02000000000000000000" pitchFamily="2" charset="0"/>
+            </a:endParaRPr>
+          </a:p>
+        </p:txBody>
+      </p:sp>
+    </p:spTree>
+    <p:extLst>
+      <p:ext uri="{BB962C8B-B14F-4D97-AF65-F5344CB8AC3E}">
+        <p14:creationId xmlns:p14="http://schemas.microsoft.com/office/powerpoint/2010/main" val="1413987108"/>
+      </p:ext>
+    </p:extLst>
+  </p:cSld>
+  <p:clrMapOvr>
+    <a:masterClrMapping/>
+  </p:clrMapOvr>
+  <p:timing>
+    <p:tnLst>
+      <p:par>
+        <p:cTn id="1" dur="indefinite" restart="never" nodeType="tmRoot"/>
+      </p:par>
+    </p:tnLst>
+  </p:timing>
+</p:sld>
+</file>
+
+<file path=ppt/slides/slide33.xml><?xml version="1.0" encoding="utf-8"?>
+<p:sld xmlns:a="http://schemas.openxmlformats.org/drawingml/2006/main" xmlns:r="http://schemas.openxmlformats.org/officeDocument/2006/relationships" xmlns:p="http://schemas.openxmlformats.org/presentationml/2006/main">
+  <p:cSld>
+    <p:spTree>
+      <p:nvGrpSpPr>
+        <p:cNvPr id="1" name=""/>
+        <p:cNvGrpSpPr/>
+        <p:nvPr/>
+      </p:nvGrpSpPr>
+      <p:grpSpPr>
+        <a:xfrm>
+          <a:off x="0" y="0"/>
+          <a:ext cx="0" cy="0"/>
+          <a:chOff x="0" y="0"/>
+          <a:chExt cx="0" cy="0"/>
+        </a:xfrm>
+      </p:grpSpPr>
+      <p:sp>
+        <p:nvSpPr>
+          <p:cNvPr id="5" name="Título 1"/>
+          <p:cNvSpPr txBox="1">
+            <a:spLocks/>
+          </p:cNvSpPr>
+          <p:nvPr/>
+        </p:nvSpPr>
+        <p:spPr>
+          <a:xfrm>
+            <a:off x="838200" y="370187"/>
+            <a:ext cx="8639433" cy="1325563"/>
+          </a:xfrm>
+          <a:prstGeom prst="rect">
+            <a:avLst/>
+          </a:prstGeom>
+        </p:spPr>
+        <p:txBody>
+          <a:bodyPr vert="horz" lIns="91440" tIns="45720" rIns="91440" bIns="45720" rtlCol="0" anchor="ctr">
+            <a:normAutofit/>
+          </a:bodyPr>
+          <a:lstStyle>
+            <a:lvl1pPr algn="l" defTabSz="914400" rtl="0" eaLnBrk="1" latinLnBrk="0" hangingPunct="1">
+              <a:lnSpc>
+                <a:spcPct val="90000"/>
+              </a:lnSpc>
+              <a:spcBef>
+                <a:spcPct val="0"/>
+              </a:spcBef>
+              <a:buNone/>
+              <a:defRPr sz="4400" kern="1200">
+                <a:solidFill>
+                  <a:schemeClr val="tx1"/>
+                </a:solidFill>
+                <a:latin typeface="+mj-lt"/>
+                <a:ea typeface="+mj-ea"/>
+                <a:cs typeface="+mj-cs"/>
+              </a:defRPr>
+            </a:lvl1pPr>
+          </a:lstStyle>
+          <a:p>
+            <a:r>
+              <a:rPr lang="es-MX" sz="5000" dirty="0" smtClean="0">
+                <a:solidFill>
+                  <a:srgbClr val="0070C0"/>
+                </a:solidFill>
+                <a:latin typeface="Roboto Black" panose="02000000000000000000" pitchFamily="2" charset="0"/>
+                <a:ea typeface="Roboto Black" panose="02000000000000000000" pitchFamily="2" charset="0"/>
+              </a:rPr>
+              <a:t>Flujo rama por característica</a:t>
+            </a:r>
+            <a:endParaRPr lang="es-MX" sz="3000" dirty="0">
+              <a:solidFill>
+                <a:srgbClr val="0070C0"/>
+              </a:solidFill>
+              <a:latin typeface="Roboto" panose="02000000000000000000" pitchFamily="2" charset="0"/>
+              <a:ea typeface="Roboto" panose="02000000000000000000" pitchFamily="2" charset="0"/>
+            </a:endParaRPr>
+          </a:p>
+        </p:txBody>
+      </p:sp>
+    </p:spTree>
+    <p:extLst>
+      <p:ext uri="{BB962C8B-B14F-4D97-AF65-F5344CB8AC3E}">
+        <p14:creationId xmlns:p14="http://schemas.microsoft.com/office/powerpoint/2010/main" val="915500910"/>
+      </p:ext>
+    </p:extLst>
+  </p:cSld>
+  <p:clrMapOvr>
+    <a:masterClrMapping/>
+  </p:clrMapOvr>
+  <p:timing>
+    <p:tnLst>
+      <p:par>
+        <p:cTn id="1" dur="indefinite" restart="never" nodeType="tmRoot"/>
+      </p:par>
+    </p:tnLst>
+  </p:timing>
+</p:sld>
+</file>
+
+<file path=ppt/slides/slide34.xml><?xml version="1.0" encoding="utf-8"?>
+<p:sld xmlns:a="http://schemas.openxmlformats.org/drawingml/2006/main" xmlns:r="http://schemas.openxmlformats.org/officeDocument/2006/relationships" xmlns:p="http://schemas.openxmlformats.org/presentationml/2006/main">
+  <p:cSld>
+    <p:bg>
+      <p:bgPr>
+        <a:solidFill>
+          <a:schemeClr val="accent2">
+            <a:lumMod val="75000"/>
+          </a:schemeClr>
+        </a:solidFill>
+        <a:effectLst/>
+      </p:bgPr>
+    </p:bg>
+    <p:spTree>
+      <p:nvGrpSpPr>
+        <p:cNvPr id="1" name=""/>
+        <p:cNvGrpSpPr/>
+        <p:nvPr/>
+      </p:nvGrpSpPr>
+      <p:grpSpPr>
+        <a:xfrm>
+          <a:off x="0" y="0"/>
+          <a:ext cx="0" cy="0"/>
+          <a:chOff x="0" y="0"/>
+          <a:chExt cx="0" cy="0"/>
+        </a:xfrm>
+      </p:grpSpPr>
+      <p:sp>
+        <p:nvSpPr>
+          <p:cNvPr id="2" name="Título 1"/>
+          <p:cNvSpPr>
+            <a:spLocks noGrp="1"/>
+          </p:cNvSpPr>
+          <p:nvPr>
+            <p:ph type="title"/>
+          </p:nvPr>
+        </p:nvSpPr>
+        <p:spPr>
+          <a:xfrm>
+            <a:off x="3805238" y="2766219"/>
+            <a:ext cx="4581525" cy="1325563"/>
+          </a:xfrm>
+        </p:spPr>
+        <p:txBody>
+          <a:bodyPr>
+            <a:normAutofit/>
+          </a:bodyPr>
+          <a:lstStyle/>
+          <a:p>
+            <a:pPr algn="ctr"/>
+            <a:r>
+              <a:rPr lang="es-MX" sz="6000" dirty="0" err="1" smtClean="0">
+                <a:solidFill>
+                  <a:schemeClr val="bg1">
+                    <a:lumMod val="95000"/>
+                  </a:schemeClr>
+                </a:solidFill>
+                <a:latin typeface="Roboto Black" panose="02000000000000000000" pitchFamily="2" charset="0"/>
+                <a:ea typeface="Roboto Black" panose="02000000000000000000" pitchFamily="2" charset="0"/>
+              </a:rPr>
+              <a:t>Gitflow</a:t>
+            </a:r>
+            <a:endParaRPr lang="es-MX" sz="6000" dirty="0">
+              <a:solidFill>
+                <a:schemeClr val="bg1">
+                  <a:lumMod val="95000"/>
+                </a:schemeClr>
+              </a:solidFill>
+              <a:latin typeface="Roboto Black" panose="02000000000000000000" pitchFamily="2" charset="0"/>
+              <a:ea typeface="Roboto Black" panose="02000000000000000000" pitchFamily="2" charset="0"/>
+            </a:endParaRPr>
+          </a:p>
+        </p:txBody>
+      </p:sp>
+    </p:spTree>
+    <p:extLst>
+      <p:ext uri="{BB962C8B-B14F-4D97-AF65-F5344CB8AC3E}">
+        <p14:creationId xmlns:p14="http://schemas.microsoft.com/office/powerpoint/2010/main" val="72157810"/>
+      </p:ext>
+    </p:extLst>
+  </p:cSld>
+  <p:clrMapOvr>
+    <a:masterClrMapping/>
+  </p:clrMapOvr>
+  <p:timing>
+    <p:tnLst>
+      <p:par>
+        <p:cTn id="1" dur="indefinite" restart="never" nodeType="tmRoot"/>
+      </p:par>
+    </p:tnLst>
+  </p:timing>
+</p:sld>
+</file>
+
+<file path=ppt/slides/slide35.xml><?xml version="1.0" encoding="utf-8"?>
+<p:sld xmlns:a="http://schemas.openxmlformats.org/drawingml/2006/main" xmlns:r="http://schemas.openxmlformats.org/officeDocument/2006/relationships" xmlns:p="http://schemas.openxmlformats.org/presentationml/2006/main">
+  <p:cSld>
+    <p:spTree>
+      <p:nvGrpSpPr>
+        <p:cNvPr id="1" name=""/>
+        <p:cNvGrpSpPr/>
+        <p:nvPr/>
+      </p:nvGrpSpPr>
+      <p:grpSpPr>
+        <a:xfrm>
+          <a:off x="0" y="0"/>
+          <a:ext cx="0" cy="0"/>
+          <a:chOff x="0" y="0"/>
+          <a:chExt cx="0" cy="0"/>
+        </a:xfrm>
+      </p:grpSpPr>
+      <p:sp>
+        <p:nvSpPr>
+          <p:cNvPr id="5" name="Título 1"/>
+          <p:cNvSpPr txBox="1">
+            <a:spLocks/>
+          </p:cNvSpPr>
+          <p:nvPr/>
+        </p:nvSpPr>
+        <p:spPr>
+          <a:xfrm>
+            <a:off x="838200" y="370187"/>
+            <a:ext cx="8639433" cy="1325563"/>
+          </a:xfrm>
+          <a:prstGeom prst="rect">
+            <a:avLst/>
+          </a:prstGeom>
+        </p:spPr>
+        <p:txBody>
+          <a:bodyPr vert="horz" lIns="91440" tIns="45720" rIns="91440" bIns="45720" rtlCol="0" anchor="ctr">
+            <a:normAutofit/>
+          </a:bodyPr>
+          <a:lstStyle>
+            <a:lvl1pPr algn="l" defTabSz="914400" rtl="0" eaLnBrk="1" latinLnBrk="0" hangingPunct="1">
+              <a:lnSpc>
+                <a:spcPct val="90000"/>
+              </a:lnSpc>
+              <a:spcBef>
+                <a:spcPct val="0"/>
+              </a:spcBef>
+              <a:buNone/>
+              <a:defRPr sz="4400" kern="1200">
+                <a:solidFill>
+                  <a:schemeClr val="tx1"/>
+                </a:solidFill>
+                <a:latin typeface="+mj-lt"/>
+                <a:ea typeface="+mj-ea"/>
+                <a:cs typeface="+mj-cs"/>
+              </a:defRPr>
+            </a:lvl1pPr>
+          </a:lstStyle>
+          <a:p>
+            <a:r>
+              <a:rPr lang="es-MX" sz="5000" dirty="0" smtClean="0">
+                <a:solidFill>
+                  <a:schemeClr val="accent2">
+                    <a:lumMod val="75000"/>
+                  </a:schemeClr>
+                </a:solidFill>
+                <a:latin typeface="Roboto Black" panose="02000000000000000000" pitchFamily="2" charset="0"/>
+                <a:ea typeface="Roboto Black" panose="02000000000000000000" pitchFamily="2" charset="0"/>
+              </a:rPr>
+              <a:t>Flujo </a:t>
+            </a:r>
+            <a:r>
+              <a:rPr lang="es-MX" sz="5000" dirty="0" err="1" smtClean="0">
+                <a:solidFill>
+                  <a:schemeClr val="accent2">
+                    <a:lumMod val="75000"/>
+                  </a:schemeClr>
+                </a:solidFill>
+                <a:latin typeface="Roboto Black" panose="02000000000000000000" pitchFamily="2" charset="0"/>
+                <a:ea typeface="Roboto Black" panose="02000000000000000000" pitchFamily="2" charset="0"/>
+              </a:rPr>
+              <a:t>Gitflow</a:t>
+            </a:r>
+            <a:endParaRPr lang="es-MX" sz="3000" dirty="0">
+              <a:solidFill>
+                <a:schemeClr val="accent2">
+                  <a:lumMod val="75000"/>
+                </a:schemeClr>
+              </a:solidFill>
+              <a:latin typeface="Roboto" panose="02000000000000000000" pitchFamily="2" charset="0"/>
+              <a:ea typeface="Roboto" panose="02000000000000000000" pitchFamily="2" charset="0"/>
+            </a:endParaRPr>
+          </a:p>
+        </p:txBody>
+      </p:sp>
+    </p:spTree>
+    <p:extLst>
+      <p:ext uri="{BB962C8B-B14F-4D97-AF65-F5344CB8AC3E}">
+        <p14:creationId xmlns:p14="http://schemas.microsoft.com/office/powerpoint/2010/main" val="3383270948"/>
+      </p:ext>
+    </p:extLst>
+  </p:cSld>
+  <p:clrMapOvr>
+    <a:masterClrMapping/>
+  </p:clrMapOvr>
+  <p:timing>
+    <p:tnLst>
+      <p:par>
+        <p:cTn id="1" dur="indefinite" restart="never" nodeType="tmRoot"/>
+      </p:par>
+    </p:tnLst>
+  </p:timing>
+</p:sld>
+</file>
+
+<file path=ppt/slides/slide36.xml><?xml version="1.0" encoding="utf-8"?>
+<p:sld xmlns:a="http://schemas.openxmlformats.org/drawingml/2006/main" xmlns:r="http://schemas.openxmlformats.org/officeDocument/2006/relationships" xmlns:p="http://schemas.openxmlformats.org/presentationml/2006/main">
+  <p:cSld>
+    <p:bg>
+      <p:bgPr>
+        <a:solidFill>
+          <a:srgbClr val="7F8C8C"/>
+        </a:solidFill>
+        <a:effectLst/>
+      </p:bgPr>
+    </p:bg>
+    <p:spTree>
+      <p:nvGrpSpPr>
+        <p:cNvPr id="1" name=""/>
+        <p:cNvGrpSpPr/>
+        <p:nvPr/>
+      </p:nvGrpSpPr>
+      <p:grpSpPr>
+        <a:xfrm>
+          <a:off x="0" y="0"/>
+          <a:ext cx="0" cy="0"/>
+          <a:chOff x="0" y="0"/>
+          <a:chExt cx="0" cy="0"/>
+        </a:xfrm>
+      </p:grpSpPr>
+      <p:sp>
+        <p:nvSpPr>
+          <p:cNvPr id="2" name="Título 1"/>
+          <p:cNvSpPr>
+            <a:spLocks noGrp="1"/>
+          </p:cNvSpPr>
+          <p:nvPr>
+            <p:ph type="title"/>
+          </p:nvPr>
+        </p:nvSpPr>
+        <p:spPr>
+          <a:xfrm>
+            <a:off x="3805238" y="2556669"/>
+            <a:ext cx="4581525" cy="1325563"/>
+          </a:xfrm>
+        </p:spPr>
+        <p:txBody>
+          <a:bodyPr>
+            <a:normAutofit/>
+          </a:bodyPr>
+          <a:lstStyle/>
+          <a:p>
+            <a:pPr algn="ctr"/>
+            <a:r>
+              <a:rPr lang="es-MX" sz="6000" dirty="0" err="1" smtClean="0">
+                <a:solidFill>
+                  <a:schemeClr val="bg1">
+                    <a:lumMod val="95000"/>
+                  </a:schemeClr>
+                </a:solidFill>
+                <a:latin typeface="Roboto Black" panose="02000000000000000000" pitchFamily="2" charset="0"/>
+                <a:ea typeface="Roboto Black" panose="02000000000000000000" pitchFamily="2" charset="0"/>
+              </a:rPr>
+              <a:t>Forkflow</a:t>
+            </a:r>
+            <a:endParaRPr lang="es-MX" sz="6000" dirty="0">
+              <a:solidFill>
+                <a:schemeClr val="bg1">
+                  <a:lumMod val="95000"/>
+                </a:schemeClr>
+              </a:solidFill>
+              <a:latin typeface="Roboto Black" panose="02000000000000000000" pitchFamily="2" charset="0"/>
+              <a:ea typeface="Roboto Black" panose="02000000000000000000" pitchFamily="2" charset="0"/>
+            </a:endParaRPr>
+          </a:p>
+        </p:txBody>
+      </p:sp>
+      <p:pic>
+        <p:nvPicPr>
+          <p:cNvPr id="3" name="Imagen 2"/>
+          <p:cNvPicPr>
+            <a:picLocks noChangeAspect="1"/>
+          </p:cNvPicPr>
+          <p:nvPr/>
+        </p:nvPicPr>
+        <p:blipFill>
+          <a:blip r:embed="rId2" cstate="print">
+            <a:extLst>
+              <a:ext uri="{28A0092B-C50C-407E-A947-70E740481C1C}">
+                <a14:useLocalDpi xmlns:a14="http://schemas.microsoft.com/office/drawing/2010/main" val="0"/>
+              </a:ext>
+            </a:extLst>
+          </a:blip>
+          <a:stretch>
+            <a:fillRect/>
+          </a:stretch>
+        </p:blipFill>
+        <p:spPr>
+          <a:xfrm>
+            <a:off x="5883401" y="3882232"/>
+            <a:ext cx="425197" cy="1373127"/>
+          </a:xfrm>
+          <a:prstGeom prst="rect">
+            <a:avLst/>
+          </a:prstGeom>
+        </p:spPr>
+      </p:pic>
+    </p:spTree>
+    <p:extLst>
+      <p:ext uri="{BB962C8B-B14F-4D97-AF65-F5344CB8AC3E}">
+        <p14:creationId xmlns:p14="http://schemas.microsoft.com/office/powerpoint/2010/main" val="3449553744"/>
+      </p:ext>
+    </p:extLst>
+  </p:cSld>
+  <p:clrMapOvr>
+    <a:masterClrMapping/>
+  </p:clrMapOvr>
+  <p:timing>
+    <p:tnLst>
+      <p:par>
+        <p:cTn id="1" dur="indefinite" restart="never" nodeType="tmRoot"/>
+      </p:par>
+    </p:tnLst>
+  </p:timing>
+</p:sld>
+</file>
+
+<file path=ppt/slides/slide37.xml><?xml version="1.0" encoding="utf-8"?>
+<p:sld xmlns:a="http://schemas.openxmlformats.org/drawingml/2006/main" xmlns:r="http://schemas.openxmlformats.org/officeDocument/2006/relationships" xmlns:p="http://schemas.openxmlformats.org/presentationml/2006/main">
+  <p:cSld>
+    <p:spTree>
+      <p:nvGrpSpPr>
+        <p:cNvPr id="1" name=""/>
+        <p:cNvGrpSpPr/>
+        <p:nvPr/>
+      </p:nvGrpSpPr>
+      <p:grpSpPr>
+        <a:xfrm>
+          <a:off x="0" y="0"/>
+          <a:ext cx="0" cy="0"/>
+          <a:chOff x="0" y="0"/>
+          <a:chExt cx="0" cy="0"/>
+        </a:xfrm>
+      </p:grpSpPr>
+      <p:sp>
+        <p:nvSpPr>
+          <p:cNvPr id="5" name="Título 1"/>
+          <p:cNvSpPr txBox="1">
+            <a:spLocks/>
+          </p:cNvSpPr>
+          <p:nvPr/>
+        </p:nvSpPr>
+        <p:spPr>
+          <a:xfrm>
+            <a:off x="838200" y="370187"/>
+            <a:ext cx="8639433" cy="1325563"/>
+          </a:xfrm>
+          <a:prstGeom prst="rect">
+            <a:avLst/>
+          </a:prstGeom>
+        </p:spPr>
+        <p:txBody>
+          <a:bodyPr vert="horz" lIns="91440" tIns="45720" rIns="91440" bIns="45720" rtlCol="0" anchor="ctr">
+            <a:normAutofit/>
+          </a:bodyPr>
+          <a:lstStyle>
+            <a:lvl1pPr algn="l" defTabSz="914400" rtl="0" eaLnBrk="1" latinLnBrk="0" hangingPunct="1">
+              <a:lnSpc>
+                <a:spcPct val="90000"/>
+              </a:lnSpc>
+              <a:spcBef>
+                <a:spcPct val="0"/>
+              </a:spcBef>
+              <a:buNone/>
+              <a:defRPr sz="4400" kern="1200">
+                <a:solidFill>
+                  <a:schemeClr val="tx1"/>
+                </a:solidFill>
+                <a:latin typeface="+mj-lt"/>
+                <a:ea typeface="+mj-ea"/>
+                <a:cs typeface="+mj-cs"/>
+              </a:defRPr>
+            </a:lvl1pPr>
+          </a:lstStyle>
+          <a:p>
+            <a:r>
+              <a:rPr lang="es-MX" sz="5000" dirty="0" smtClean="0">
+                <a:solidFill>
                   <a:schemeClr val="bg1">
                     <a:lumMod val="50000"/>
                   </a:schemeClr>
@@ -12095,7 +15663,7 @@
 </p:sld>
 </file>
 
-<file path=ppt/slides/slide32.xml><?xml version="1.0" encoding="utf-8"?>
+<file path=ppt/slides/slide38.xml><?xml version="1.0" encoding="utf-8"?>
 <p:sld xmlns:a="http://schemas.openxmlformats.org/drawingml/2006/main" xmlns:r="http://schemas.openxmlformats.org/officeDocument/2006/relationships" xmlns:p="http://schemas.openxmlformats.org/presentationml/2006/main">
   <p:cSld>
     <p:bg>
@@ -12219,7 +15787,7 @@
 </p:sld>
 </file>
 
-<file path=ppt/slides/slide33.xml><?xml version="1.0" encoding="utf-8"?>
+<file path=ppt/slides/slide39.xml><?xml version="1.0" encoding="utf-8"?>
 <p:sld xmlns:a="http://schemas.openxmlformats.org/drawingml/2006/main" xmlns:r="http://schemas.openxmlformats.org/officeDocument/2006/relationships" xmlns:p="http://schemas.openxmlformats.org/presentationml/2006/main">
   <p:cSld>
     <p:spTree>

--- a/2017/dec_7_Git_GitHub_WorkShop/DGO.pptx
+++ b/2017/dec_7_Git_GitHub_WorkShop/DGO.pptx
@@ -12839,6 +12839,36 @@
           </a:extLst>
         </p:spPr>
       </p:pic>
+      <p:sp>
+        <p:nvSpPr>
+          <p:cNvPr id="2" name="CuadroTexto 1"/>
+          <p:cNvSpPr txBox="1"/>
+          <p:nvPr/>
+        </p:nvSpPr>
+        <p:spPr>
+          <a:xfrm>
+            <a:off x="2156604" y="5693434"/>
+            <a:ext cx="4968815" cy="369332"/>
+          </a:xfrm>
+          <a:prstGeom prst="rect">
+            <a:avLst/>
+          </a:prstGeom>
+          <a:noFill/>
+        </p:spPr>
+        <p:txBody>
+          <a:bodyPr wrap="square" rtlCol="0">
+            <a:spAutoFit/>
+          </a:bodyPr>
+          <a:lstStyle/>
+          <a:p>
+            <a:r>
+              <a:rPr lang="es-MX" smtClean="0"/>
+              <a:t>dlkjfj</a:t>
+            </a:r>
+            <a:endParaRPr lang="es-MX"/>
+          </a:p>
+        </p:txBody>
+      </p:sp>
     </p:spTree>
     <p:extLst>
       <p:ext uri="{BB962C8B-B14F-4D97-AF65-F5344CB8AC3E}">
@@ -22743,32 +22773,6 @@
           <a:chExt cx="0" cy="0"/>
         </a:xfrm>
       </p:grpSpPr>
-      <p:sp>
-        <p:nvSpPr>
-          <p:cNvPr id="5" name="CuadroTexto 4"/>
-          <p:cNvSpPr txBox="1"/>
-          <p:nvPr/>
-        </p:nvSpPr>
-        <p:spPr>
-          <a:xfrm>
-            <a:off x="1520890" y="382555"/>
-            <a:ext cx="45719" cy="369332"/>
-          </a:xfrm>
-          <a:prstGeom prst="rect">
-            <a:avLst/>
-          </a:prstGeom>
-          <a:noFill/>
-        </p:spPr>
-        <p:txBody>
-          <a:bodyPr wrap="square" rtlCol="0">
-            <a:spAutoFit/>
-          </a:bodyPr>
-          <a:lstStyle/>
-          <a:p>
-            <a:endParaRPr lang="es-MX" dirty="0"/>
-          </a:p>
-        </p:txBody>
-      </p:sp>
       <p:pic>
         <p:nvPicPr>
           <p:cNvPr id="7" name="dYBjVTMUQY0"/>

--- a/2017/dec_7_Git_GitHub_WorkShop/DGO.pptx
+++ b/2017/dec_7_Git_GitHub_WorkShop/DGO.pptx
@@ -774,29 +774,12 @@
           <a:p>
             <a:r>
               <a:rPr lang="es-MX" dirty="0" smtClean="0"/>
-              <a:t>Primero crear un folder antes de inicializar</a:t>
-            </a:r>
-            <a:r>
-              <a:rPr lang="es-MX" baseline="0" dirty="0" smtClean="0"/>
-              <a:t> </a:t>
-            </a:r>
-            <a:r>
-              <a:rPr lang="es-MX" baseline="0" dirty="0" err="1" smtClean="0"/>
-              <a:t>git</a:t>
-            </a:r>
-            <a:r>
-              <a:rPr lang="es-MX" baseline="0" dirty="0" smtClean="0"/>
-              <a:t>  </a:t>
-            </a:r>
-            <a:br>
-              <a:rPr lang="es-MX" baseline="0" dirty="0" smtClean="0"/>
-            </a:br>
-            <a:r>
-              <a:rPr lang="es-MX" baseline="0" dirty="0" smtClean="0"/>
-              <a:t>ES EN EL QUE TRABAJARAN SIEMPRE</a:t>
-            </a:r>
-          </a:p>
-          <a:p>
+              <a:t>Tour por </a:t>
+            </a:r>
+            <a:r>
+              <a:rPr lang="es-MX" dirty="0" err="1" smtClean="0"/>
+              <a:t>github</a:t>
+            </a:r>
             <a:endParaRPr lang="es-MX" dirty="0"/>
           </a:p>
         </p:txBody>
@@ -818,6 +801,115 @@
           <a:p>
             <a:fld id="{46156E59-E055-4CB3-9140-1A026D5ECC98}" type="slidenum">
               <a:rPr lang="es-MX" smtClean="0"/>
+              <a:t>25</a:t>
+            </a:fld>
+            <a:endParaRPr lang="es-MX"/>
+          </a:p>
+        </p:txBody>
+      </p:sp>
+    </p:spTree>
+    <p:extLst>
+      <p:ext uri="{BB962C8B-B14F-4D97-AF65-F5344CB8AC3E}">
+        <p14:creationId xmlns:p14="http://schemas.microsoft.com/office/powerpoint/2010/main" val="583645856"/>
+      </p:ext>
+    </p:extLst>
+  </p:cSld>
+  <p:clrMapOvr>
+    <a:masterClrMapping/>
+  </p:clrMapOvr>
+</p:notes>
+</file>
+
+<file path=ppt/notesSlides/notesSlide12.xml><?xml version="1.0" encoding="utf-8"?>
+<p:notes xmlns:a="http://schemas.openxmlformats.org/drawingml/2006/main" xmlns:r="http://schemas.openxmlformats.org/officeDocument/2006/relationships" xmlns:p="http://schemas.openxmlformats.org/presentationml/2006/main">
+  <p:cSld>
+    <p:spTree>
+      <p:nvGrpSpPr>
+        <p:cNvPr id="1" name=""/>
+        <p:cNvGrpSpPr/>
+        <p:nvPr/>
+      </p:nvGrpSpPr>
+      <p:grpSpPr>
+        <a:xfrm>
+          <a:off x="0" y="0"/>
+          <a:ext cx="0" cy="0"/>
+          <a:chOff x="0" y="0"/>
+          <a:chExt cx="0" cy="0"/>
+        </a:xfrm>
+      </p:grpSpPr>
+      <p:sp>
+        <p:nvSpPr>
+          <p:cNvPr id="2" name="Marcador de imagen de diapositiva 1"/>
+          <p:cNvSpPr>
+            <a:spLocks noGrp="1" noRot="1" noChangeAspect="1"/>
+          </p:cNvSpPr>
+          <p:nvPr>
+            <p:ph type="sldImg"/>
+          </p:nvPr>
+        </p:nvSpPr>
+        <p:spPr/>
+      </p:sp>
+      <p:sp>
+        <p:nvSpPr>
+          <p:cNvPr id="3" name="Marcador de notas 2"/>
+          <p:cNvSpPr>
+            <a:spLocks noGrp="1"/>
+          </p:cNvSpPr>
+          <p:nvPr>
+            <p:ph type="body" idx="1"/>
+          </p:nvPr>
+        </p:nvSpPr>
+        <p:spPr/>
+        <p:txBody>
+          <a:bodyPr/>
+          <a:lstStyle/>
+          <a:p>
+            <a:r>
+              <a:rPr lang="es-MX" dirty="0" smtClean="0"/>
+              <a:t>Primero crear un folder antes de inicializar</a:t>
+            </a:r>
+            <a:r>
+              <a:rPr lang="es-MX" baseline="0" dirty="0" smtClean="0"/>
+              <a:t> </a:t>
+            </a:r>
+            <a:r>
+              <a:rPr lang="es-MX" baseline="0" dirty="0" err="1" smtClean="0"/>
+              <a:t>git</a:t>
+            </a:r>
+            <a:r>
+              <a:rPr lang="es-MX" baseline="0" dirty="0" smtClean="0"/>
+              <a:t>  </a:t>
+            </a:r>
+            <a:br>
+              <a:rPr lang="es-MX" baseline="0" dirty="0" smtClean="0"/>
+            </a:br>
+            <a:r>
+              <a:rPr lang="es-MX" baseline="0" dirty="0" smtClean="0"/>
+              <a:t>ES EN EL QUE TRABAJARAN SIEMPRE</a:t>
+            </a:r>
+          </a:p>
+          <a:p>
+            <a:endParaRPr lang="es-MX" dirty="0"/>
+          </a:p>
+        </p:txBody>
+      </p:sp>
+      <p:sp>
+        <p:nvSpPr>
+          <p:cNvPr id="4" name="Marcador de número de diapositiva 3"/>
+          <p:cNvSpPr>
+            <a:spLocks noGrp="1"/>
+          </p:cNvSpPr>
+          <p:nvPr>
+            <p:ph type="sldNum" sz="quarter" idx="10"/>
+          </p:nvPr>
+        </p:nvSpPr>
+        <p:spPr/>
+        <p:txBody>
+          <a:bodyPr/>
+          <a:lstStyle/>
+          <a:p>
+            <a:fld id="{46156E59-E055-4CB3-9140-1A026D5ECC98}" type="slidenum">
+              <a:rPr lang="es-MX" smtClean="0"/>
               <a:t>26</a:t>
             </a:fld>
             <a:endParaRPr lang="es-MX"/>
@@ -837,7 +929,7 @@
 </p:notes>
 </file>
 
-<file path=ppt/notesSlides/notesSlide12.xml><?xml version="1.0" encoding="utf-8"?>
+<file path=ppt/notesSlides/notesSlide13.xml><?xml version="1.0" encoding="utf-8"?>
 <p:notes xmlns:a="http://schemas.openxmlformats.org/drawingml/2006/main" xmlns:r="http://schemas.openxmlformats.org/officeDocument/2006/relationships" xmlns:p="http://schemas.openxmlformats.org/presentationml/2006/main">
   <p:cSld>
     <p:spTree>
@@ -12807,7 +12899,7 @@
           <p:nvPr/>
         </p:nvPicPr>
         <p:blipFill>
-          <a:blip r:embed="rId2">
+          <a:blip r:embed="rId3">
             <a:extLst>
               <a:ext uri="{28A0092B-C50C-407E-A947-70E740481C1C}">
                 <a14:useLocalDpi xmlns:a14="http://schemas.microsoft.com/office/drawing/2010/main" val="0"/>
@@ -12839,36 +12931,6 @@
           </a:extLst>
         </p:spPr>
       </p:pic>
-      <p:sp>
-        <p:nvSpPr>
-          <p:cNvPr id="2" name="CuadroTexto 1"/>
-          <p:cNvSpPr txBox="1"/>
-          <p:nvPr/>
-        </p:nvSpPr>
-        <p:spPr>
-          <a:xfrm>
-            <a:off x="2156604" y="5693434"/>
-            <a:ext cx="4968815" cy="369332"/>
-          </a:xfrm>
-          <a:prstGeom prst="rect">
-            <a:avLst/>
-          </a:prstGeom>
-          <a:noFill/>
-        </p:spPr>
-        <p:txBody>
-          <a:bodyPr wrap="square" rtlCol="0">
-            <a:spAutoFit/>
-          </a:bodyPr>
-          <a:lstStyle/>
-          <a:p>
-            <a:r>
-              <a:rPr lang="es-MX" smtClean="0"/>
-              <a:t>dlkjfj</a:t>
-            </a:r>
-            <a:endParaRPr lang="es-MX"/>
-          </a:p>
-        </p:txBody>
-      </p:sp>
     </p:spTree>
     <p:extLst>
       <p:ext uri="{BB962C8B-B14F-4D97-AF65-F5344CB8AC3E}">
@@ -14442,7 +14504,7 @@
                 <a:latin typeface="Roboto" panose="02000000000000000000" pitchFamily="2" charset="0"/>
                 <a:ea typeface="Roboto" panose="02000000000000000000" pitchFamily="2" charset="0"/>
               </a:rPr>
-              <a:t> –u </a:t>
+              <a:t> </a:t>
             </a:r>
             <a:r>
               <a:rPr lang="es-MX" sz="2400" dirty="0" err="1" smtClean="0">
@@ -14755,7 +14817,19 @@
                 <a:latin typeface="Roboto" panose="02000000000000000000" pitchFamily="2" charset="0"/>
                 <a:ea typeface="Roboto" panose="02000000000000000000" pitchFamily="2" charset="0"/>
               </a:rPr>
-              <a:t> -</a:t>
+              <a:t> </a:t>
+            </a:r>
+            <a:r>
+              <a:rPr lang="es-MX" sz="2000" dirty="0" smtClean="0">
+                <a:solidFill>
+                  <a:schemeClr val="bg1">
+                    <a:lumMod val="50000"/>
+                  </a:schemeClr>
+                </a:solidFill>
+                <a:latin typeface="Roboto" panose="02000000000000000000" pitchFamily="2" charset="0"/>
+                <a:ea typeface="Roboto" panose="02000000000000000000" pitchFamily="2" charset="0"/>
+              </a:rPr>
+              <a:t>–</a:t>
             </a:r>
             <a:r>
               <a:rPr lang="es-MX" sz="2000" dirty="0" err="1" smtClean="0">
@@ -14779,8 +14853,113 @@
                 <a:latin typeface="Roboto" panose="02000000000000000000" pitchFamily="2" charset="0"/>
                 <a:ea typeface="Roboto" panose="02000000000000000000" pitchFamily="2" charset="0"/>
               </a:rPr>
+              <a:t>	</a:t>
+            </a:r>
+            <a:r>
+              <a:rPr lang="es-MX" sz="2000" dirty="0" err="1" smtClean="0">
+                <a:solidFill>
+                  <a:schemeClr val="bg1">
+                    <a:lumMod val="50000"/>
+                  </a:schemeClr>
+                </a:solidFill>
+                <a:latin typeface="Roboto" panose="02000000000000000000" pitchFamily="2" charset="0"/>
+                <a:ea typeface="Roboto" panose="02000000000000000000" pitchFamily="2" charset="0"/>
+              </a:rPr>
+              <a:t>git</a:t>
+            </a:r>
+            <a:r>
+              <a:rPr lang="es-MX" sz="2000" dirty="0" smtClean="0">
+                <a:solidFill>
+                  <a:schemeClr val="bg1">
+                    <a:lumMod val="50000"/>
+                  </a:schemeClr>
+                </a:solidFill>
+                <a:latin typeface="Roboto" panose="02000000000000000000" pitchFamily="2" charset="0"/>
+                <a:ea typeface="Roboto" panose="02000000000000000000" pitchFamily="2" charset="0"/>
+              </a:rPr>
               <a:t> </a:t>
             </a:r>
+            <a:r>
+              <a:rPr lang="es-MX" sz="2000" dirty="0" err="1" smtClean="0">
+                <a:solidFill>
+                  <a:schemeClr val="bg1">
+                    <a:lumMod val="50000"/>
+                  </a:schemeClr>
+                </a:solidFill>
+                <a:latin typeface="Roboto" panose="02000000000000000000" pitchFamily="2" charset="0"/>
+                <a:ea typeface="Roboto" panose="02000000000000000000" pitchFamily="2" charset="0"/>
+              </a:rPr>
+              <a:t>add</a:t>
+            </a:r>
+            <a:r>
+              <a:rPr lang="es-MX" sz="2000" dirty="0" smtClean="0">
+                <a:solidFill>
+                  <a:schemeClr val="bg1">
+                    <a:lumMod val="50000"/>
+                  </a:schemeClr>
+                </a:solidFill>
+                <a:latin typeface="Roboto" panose="02000000000000000000" pitchFamily="2" charset="0"/>
+                <a:ea typeface="Roboto" panose="02000000000000000000" pitchFamily="2" charset="0"/>
+              </a:rPr>
+              <a:t> [archivo] 	</a:t>
+            </a:r>
+            <a:r>
+              <a:rPr lang="es-MX" sz="2000" dirty="0" err="1" smtClean="0">
+                <a:solidFill>
+                  <a:schemeClr val="bg1">
+                    <a:lumMod val="50000"/>
+                  </a:schemeClr>
+                </a:solidFill>
+                <a:latin typeface="Roboto" panose="02000000000000000000" pitchFamily="2" charset="0"/>
+                <a:ea typeface="Roboto" panose="02000000000000000000" pitchFamily="2" charset="0"/>
+              </a:rPr>
+              <a:t>git</a:t>
+            </a:r>
+            <a:r>
+              <a:rPr lang="es-MX" sz="2000" dirty="0" smtClean="0">
+                <a:solidFill>
+                  <a:schemeClr val="bg1">
+                    <a:lumMod val="50000"/>
+                  </a:schemeClr>
+                </a:solidFill>
+                <a:latin typeface="Roboto" panose="02000000000000000000" pitchFamily="2" charset="0"/>
+                <a:ea typeface="Roboto" panose="02000000000000000000" pitchFamily="2" charset="0"/>
+              </a:rPr>
+              <a:t> </a:t>
+            </a:r>
+            <a:r>
+              <a:rPr lang="es-MX" sz="2000" dirty="0" err="1" smtClean="0">
+                <a:solidFill>
+                  <a:schemeClr val="bg1">
+                    <a:lumMod val="50000"/>
+                  </a:schemeClr>
+                </a:solidFill>
+                <a:latin typeface="Roboto" panose="02000000000000000000" pitchFamily="2" charset="0"/>
+                <a:ea typeface="Roboto" panose="02000000000000000000" pitchFamily="2" charset="0"/>
+              </a:rPr>
+              <a:t>add</a:t>
+            </a:r>
+            <a:r>
+              <a:rPr lang="es-MX" sz="2000" smtClean="0">
+                <a:solidFill>
+                  <a:schemeClr val="bg1">
+                    <a:lumMod val="50000"/>
+                  </a:schemeClr>
+                </a:solidFill>
+                <a:latin typeface="Roboto" panose="02000000000000000000" pitchFamily="2" charset="0"/>
+                <a:ea typeface="Roboto" panose="02000000000000000000" pitchFamily="2" charset="0"/>
+              </a:rPr>
+              <a:t> . </a:t>
+            </a:r>
+            <a:endParaRPr lang="es-MX" sz="2000" dirty="0" smtClean="0">
+              <a:solidFill>
+                <a:schemeClr val="bg1">
+                  <a:lumMod val="50000"/>
+                </a:schemeClr>
+              </a:solidFill>
+              <a:latin typeface="Roboto" panose="02000000000000000000" pitchFamily="2" charset="0"/>
+              <a:ea typeface="Roboto" panose="02000000000000000000" pitchFamily="2" charset="0"/>
+            </a:endParaRPr>
           </a:p>
           <a:p>
             <a:pPr marL="0" indent="0">
@@ -18044,7 +18223,7 @@
         <p:spPr>
           <a:xfrm>
             <a:off x="4207098" y="3370440"/>
-            <a:ext cx="816249" cy="307777"/>
+            <a:ext cx="793807" cy="307777"/>
           </a:xfrm>
           <a:prstGeom prst="rect">
             <a:avLst/>
@@ -18058,14 +18237,24 @@
           <a:lstStyle/>
           <a:p>
             <a:r>
-              <a:rPr lang="es-MX" sz="1400" dirty="0" err="1" smtClean="0">
+              <a:rPr lang="es-MX" sz="1400" dirty="0" err="1">
                 <a:solidFill>
                   <a:srgbClr val="D50F2E"/>
                 </a:solidFill>
                 <a:latin typeface="Roboto Light" panose="02000000000000000000" pitchFamily="2" charset="0"/>
                 <a:ea typeface="Roboto Light" panose="02000000000000000000" pitchFamily="2" charset="0"/>
               </a:rPr>
-              <a:t>Commit</a:t>
+              <a:t>c</a:t>
+            </a:r>
+            <a:r>
+              <a:rPr lang="es-MX" sz="1400" dirty="0" err="1" smtClean="0">
+                <a:solidFill>
+                  <a:srgbClr val="D50F2E"/>
+                </a:solidFill>
+                <a:latin typeface="Roboto Light" panose="02000000000000000000" pitchFamily="2" charset="0"/>
+                <a:ea typeface="Roboto Light" panose="02000000000000000000" pitchFamily="2" charset="0"/>
+              </a:rPr>
+              <a:t>ommit</a:t>
             </a:r>
             <a:endParaRPr lang="es-MX" sz="1400" dirty="0">
               <a:solidFill>
@@ -18086,7 +18275,7 @@
         <p:spPr>
           <a:xfrm>
             <a:off x="4207098" y="4083565"/>
-            <a:ext cx="816249" cy="307777"/>
+            <a:ext cx="793807" cy="307777"/>
           </a:xfrm>
           <a:prstGeom prst="rect">
             <a:avLst/>
@@ -18107,7 +18296,7 @@
                 <a:latin typeface="Roboto Light" panose="02000000000000000000" pitchFamily="2" charset="0"/>
                 <a:ea typeface="Roboto Light" panose="02000000000000000000" pitchFamily="2" charset="0"/>
               </a:rPr>
-              <a:t>Commit</a:t>
+              <a:t>commit</a:t>
             </a:r>
             <a:endParaRPr lang="es-MX" sz="1400" dirty="0">
               <a:solidFill>
@@ -18128,7 +18317,7 @@
         <p:spPr>
           <a:xfrm>
             <a:off x="4207098" y="4853555"/>
-            <a:ext cx="816249" cy="307777"/>
+            <a:ext cx="793807" cy="307777"/>
           </a:xfrm>
           <a:prstGeom prst="rect">
             <a:avLst/>
@@ -18142,14 +18331,24 @@
           <a:lstStyle/>
           <a:p>
             <a:r>
-              <a:rPr lang="es-MX" sz="1400" dirty="0" err="1" smtClean="0">
+              <a:rPr lang="es-MX" sz="1400" dirty="0" err="1">
                 <a:solidFill>
                   <a:srgbClr val="D50F2E"/>
                 </a:solidFill>
                 <a:latin typeface="Roboto Light" panose="02000000000000000000" pitchFamily="2" charset="0"/>
                 <a:ea typeface="Roboto Light" panose="02000000000000000000" pitchFamily="2" charset="0"/>
               </a:rPr>
-              <a:t>Commit</a:t>
+              <a:t>c</a:t>
+            </a:r>
+            <a:r>
+              <a:rPr lang="es-MX" sz="1400" dirty="0" err="1" smtClean="0">
+                <a:solidFill>
+                  <a:srgbClr val="D50F2E"/>
+                </a:solidFill>
+                <a:latin typeface="Roboto Light" panose="02000000000000000000" pitchFamily="2" charset="0"/>
+                <a:ea typeface="Roboto Light" panose="02000000000000000000" pitchFamily="2" charset="0"/>
+              </a:rPr>
+              <a:t>ommit</a:t>
             </a:r>
             <a:endParaRPr lang="es-MX" sz="1400" dirty="0">
               <a:solidFill>

--- a/2017/dec_7_Git_GitHub_WorkShop/DGO.pptx
+++ b/2017/dec_7_Git_GitHub_WorkShop/DGO.pptx
@@ -267,7 +267,7 @@
           <a:p>
             <a:fld id="{1C37CE4E-5F93-4226-9277-CF79B69D078F}" type="datetimeFigureOut">
               <a:rPr lang="es-MX" smtClean="0"/>
-              <a:t>07/12/2017</a:t>
+              <a:t>24/04/2018</a:t>
             </a:fld>
             <a:endParaRPr lang="es-MX"/>
           </a:p>
@@ -1987,7 +1987,7 @@
           <a:p>
             <a:fld id="{3FD3500F-8B60-4FBA-BC8A-72168F3C79F5}" type="datetimeFigureOut">
               <a:rPr lang="es-MX" smtClean="0"/>
-              <a:t>07/12/2017</a:t>
+              <a:t>24/04/2018</a:t>
             </a:fld>
             <a:endParaRPr lang="es-MX"/>
           </a:p>
@@ -2157,7 +2157,7 @@
           <a:p>
             <a:fld id="{3FD3500F-8B60-4FBA-BC8A-72168F3C79F5}" type="datetimeFigureOut">
               <a:rPr lang="es-MX" smtClean="0"/>
-              <a:t>07/12/2017</a:t>
+              <a:t>24/04/2018</a:t>
             </a:fld>
             <a:endParaRPr lang="es-MX"/>
           </a:p>
@@ -2337,7 +2337,7 @@
           <a:p>
             <a:fld id="{3FD3500F-8B60-4FBA-BC8A-72168F3C79F5}" type="datetimeFigureOut">
               <a:rPr lang="es-MX" smtClean="0"/>
-              <a:t>07/12/2017</a:t>
+              <a:t>24/04/2018</a:t>
             </a:fld>
             <a:endParaRPr lang="es-MX"/>
           </a:p>
@@ -2507,7 +2507,7 @@
           <a:p>
             <a:fld id="{3FD3500F-8B60-4FBA-BC8A-72168F3C79F5}" type="datetimeFigureOut">
               <a:rPr lang="es-MX" smtClean="0"/>
-              <a:t>07/12/2017</a:t>
+              <a:t>24/04/2018</a:t>
             </a:fld>
             <a:endParaRPr lang="es-MX"/>
           </a:p>
@@ -2753,7 +2753,7 @@
           <a:p>
             <a:fld id="{3FD3500F-8B60-4FBA-BC8A-72168F3C79F5}" type="datetimeFigureOut">
               <a:rPr lang="es-MX" smtClean="0"/>
-              <a:t>07/12/2017</a:t>
+              <a:t>24/04/2018</a:t>
             </a:fld>
             <a:endParaRPr lang="es-MX"/>
           </a:p>
@@ -2985,7 +2985,7 @@
           <a:p>
             <a:fld id="{3FD3500F-8B60-4FBA-BC8A-72168F3C79F5}" type="datetimeFigureOut">
               <a:rPr lang="es-MX" smtClean="0"/>
-              <a:t>07/12/2017</a:t>
+              <a:t>24/04/2018</a:t>
             </a:fld>
             <a:endParaRPr lang="es-MX"/>
           </a:p>
@@ -3352,7 +3352,7 @@
           <a:p>
             <a:fld id="{3FD3500F-8B60-4FBA-BC8A-72168F3C79F5}" type="datetimeFigureOut">
               <a:rPr lang="es-MX" smtClean="0"/>
-              <a:t>07/12/2017</a:t>
+              <a:t>24/04/2018</a:t>
             </a:fld>
             <a:endParaRPr lang="es-MX"/>
           </a:p>
@@ -3470,7 +3470,7 @@
           <a:p>
             <a:fld id="{3FD3500F-8B60-4FBA-BC8A-72168F3C79F5}" type="datetimeFigureOut">
               <a:rPr lang="es-MX" smtClean="0"/>
-              <a:t>07/12/2017</a:t>
+              <a:t>24/04/2018</a:t>
             </a:fld>
             <a:endParaRPr lang="es-MX"/>
           </a:p>
@@ -3565,7 +3565,7 @@
           <a:p>
             <a:fld id="{3FD3500F-8B60-4FBA-BC8A-72168F3C79F5}" type="datetimeFigureOut">
               <a:rPr lang="es-MX" smtClean="0"/>
-              <a:t>07/12/2017</a:t>
+              <a:t>24/04/2018</a:t>
             </a:fld>
             <a:endParaRPr lang="es-MX"/>
           </a:p>
@@ -3842,7 +3842,7 @@
           <a:p>
             <a:fld id="{3FD3500F-8B60-4FBA-BC8A-72168F3C79F5}" type="datetimeFigureOut">
               <a:rPr lang="es-MX" smtClean="0"/>
-              <a:t>07/12/2017</a:t>
+              <a:t>24/04/2018</a:t>
             </a:fld>
             <a:endParaRPr lang="es-MX"/>
           </a:p>
@@ -4099,7 +4099,7 @@
           <a:p>
             <a:fld id="{3FD3500F-8B60-4FBA-BC8A-72168F3C79F5}" type="datetimeFigureOut">
               <a:rPr lang="es-MX" smtClean="0"/>
-              <a:t>07/12/2017</a:t>
+              <a:t>24/04/2018</a:t>
             </a:fld>
             <a:endParaRPr lang="es-MX"/>
           </a:p>
@@ -4312,7 +4312,7 @@
           <a:p>
             <a:fld id="{3FD3500F-8B60-4FBA-BC8A-72168F3C79F5}" type="datetimeFigureOut">
               <a:rPr lang="es-MX" smtClean="0"/>
-              <a:t>07/12/2017</a:t>
+              <a:t>24/04/2018</a:t>
             </a:fld>
             <a:endParaRPr lang="es-MX"/>
           </a:p>
@@ -13982,9 +13982,69 @@
                 <a:latin typeface="Roboto" panose="02000000000000000000" pitchFamily="2" charset="0"/>
                 <a:ea typeface="Roboto" panose="02000000000000000000" pitchFamily="2" charset="0"/>
               </a:rPr>
+              <a:t> –</a:t>
+            </a:r>
+            <a:r>
+              <a:rPr lang="es-MX" sz="2000" dirty="0" err="1" smtClean="0">
+                <a:solidFill>
+                  <a:schemeClr val="bg1">
+                    <a:lumMod val="50000"/>
+                  </a:schemeClr>
+                </a:solidFill>
+                <a:latin typeface="Roboto" panose="02000000000000000000" pitchFamily="2" charset="0"/>
+                <a:ea typeface="Roboto" panose="02000000000000000000" pitchFamily="2" charset="0"/>
+              </a:rPr>
+              <a:t>all</a:t>
+            </a:r>
+            <a:r>
+              <a:rPr lang="es-MX" sz="2000" dirty="0" smtClean="0">
+                <a:solidFill>
+                  <a:schemeClr val="bg1">
+                    <a:lumMod val="50000"/>
+                  </a:schemeClr>
+                </a:solidFill>
+                <a:latin typeface="Roboto" panose="02000000000000000000" pitchFamily="2" charset="0"/>
+                <a:ea typeface="Roboto" panose="02000000000000000000" pitchFamily="2" charset="0"/>
+              </a:rPr>
+              <a:t>	</a:t>
+            </a:r>
+            <a:r>
+              <a:rPr lang="es-MX" sz="2000" dirty="0" err="1" smtClean="0">
+                <a:solidFill>
+                  <a:schemeClr val="bg1">
+                    <a:lumMod val="50000"/>
+                  </a:schemeClr>
+                </a:solidFill>
+                <a:latin typeface="Roboto" panose="02000000000000000000" pitchFamily="2" charset="0"/>
+                <a:ea typeface="Roboto" panose="02000000000000000000" pitchFamily="2" charset="0"/>
+              </a:rPr>
+              <a:t>git</a:t>
+            </a:r>
+            <a:r>
+              <a:rPr lang="es-MX" sz="2000" dirty="0" smtClean="0">
+                <a:solidFill>
+                  <a:schemeClr val="bg1">
+                    <a:lumMod val="50000"/>
+                  </a:schemeClr>
+                </a:solidFill>
+                <a:latin typeface="Roboto" panose="02000000000000000000" pitchFamily="2" charset="0"/>
+                <a:ea typeface="Roboto" panose="02000000000000000000" pitchFamily="2" charset="0"/>
+              </a:rPr>
               <a:t> </a:t>
             </a:r>
             <a:r>
+              <a:rPr lang="es-MX" sz="2000" dirty="0" err="1" smtClean="0">
+                <a:solidFill>
+                  <a:schemeClr val="bg1">
+                    <a:lumMod val="50000"/>
+                  </a:schemeClr>
+                </a:solidFill>
+                <a:latin typeface="Roboto" panose="02000000000000000000" pitchFamily="2" charset="0"/>
+                <a:ea typeface="Roboto" panose="02000000000000000000" pitchFamily="2" charset="0"/>
+              </a:rPr>
+              <a:t>add</a:t>
+            </a:r>
+            <a:r>
               <a:rPr lang="es-MX" sz="2000" dirty="0" smtClean="0">
                 <a:solidFill>
                   <a:schemeClr val="bg1">
@@ -13994,7 +14054,7 @@
                 <a:latin typeface="Roboto" panose="02000000000000000000" pitchFamily="2" charset="0"/>
                 <a:ea typeface="Roboto" panose="02000000000000000000" pitchFamily="2" charset="0"/>
               </a:rPr>
-              <a:t>–</a:t>
+              <a:t> [archivo] 	</a:t>
             </a:r>
             <a:r>
               <a:rPr lang="es-MX" sz="2000" dirty="0" err="1" smtClean="0">
@@ -14006,7 +14066,7 @@
                 <a:latin typeface="Roboto" panose="02000000000000000000" pitchFamily="2" charset="0"/>
                 <a:ea typeface="Roboto" panose="02000000000000000000" pitchFamily="2" charset="0"/>
               </a:rPr>
-              <a:t>all</a:t>
+              <a:t>git</a:t>
             </a:r>
             <a:r>
               <a:rPr lang="es-MX" sz="2000" dirty="0" smtClean="0">
@@ -14018,7 +14078,7 @@
                 <a:latin typeface="Roboto" panose="02000000000000000000" pitchFamily="2" charset="0"/>
                 <a:ea typeface="Roboto" panose="02000000000000000000" pitchFamily="2" charset="0"/>
               </a:rPr>
-              <a:t>	</a:t>
+              <a:t> </a:t>
             </a:r>
             <a:r>
               <a:rPr lang="es-MX" sz="2000" dirty="0" err="1" smtClean="0">
@@ -14030,7 +14090,7 @@
                 <a:latin typeface="Roboto" panose="02000000000000000000" pitchFamily="2" charset="0"/>
                 <a:ea typeface="Roboto" panose="02000000000000000000" pitchFamily="2" charset="0"/>
               </a:rPr>
-              <a:t>git</a:t>
+              <a:t>add</a:t>
             </a:r>
             <a:r>
               <a:rPr lang="es-MX" sz="2000" dirty="0" smtClean="0">
@@ -14042,89 +14102,8 @@
                 <a:latin typeface="Roboto" panose="02000000000000000000" pitchFamily="2" charset="0"/>
                 <a:ea typeface="Roboto" panose="02000000000000000000" pitchFamily="2" charset="0"/>
               </a:rPr>
-              <a:t> </a:t>
-            </a:r>
-            <a:r>
-              <a:rPr lang="es-MX" sz="2000" dirty="0" err="1" smtClean="0">
-                <a:solidFill>
-                  <a:schemeClr val="bg1">
-                    <a:lumMod val="50000"/>
-                  </a:schemeClr>
-                </a:solidFill>
-                <a:latin typeface="Roboto" panose="02000000000000000000" pitchFamily="2" charset="0"/>
-                <a:ea typeface="Roboto" panose="02000000000000000000" pitchFamily="2" charset="0"/>
-              </a:rPr>
-              <a:t>add</a:t>
-            </a:r>
-            <a:r>
-              <a:rPr lang="es-MX" sz="2000" dirty="0" smtClean="0">
-                <a:solidFill>
-                  <a:schemeClr val="bg1">
-                    <a:lumMod val="50000"/>
-                  </a:schemeClr>
-                </a:solidFill>
-                <a:latin typeface="Roboto" panose="02000000000000000000" pitchFamily="2" charset="0"/>
-                <a:ea typeface="Roboto" panose="02000000000000000000" pitchFamily="2" charset="0"/>
-              </a:rPr>
-              <a:t> [archivo] 	</a:t>
-            </a:r>
-            <a:r>
-              <a:rPr lang="es-MX" sz="2000" dirty="0" err="1" smtClean="0">
-                <a:solidFill>
-                  <a:schemeClr val="bg1">
-                    <a:lumMod val="50000"/>
-                  </a:schemeClr>
-                </a:solidFill>
-                <a:latin typeface="Roboto" panose="02000000000000000000" pitchFamily="2" charset="0"/>
-                <a:ea typeface="Roboto" panose="02000000000000000000" pitchFamily="2" charset="0"/>
-              </a:rPr>
-              <a:t>git</a:t>
-            </a:r>
-            <a:r>
-              <a:rPr lang="es-MX" sz="2000" dirty="0" smtClean="0">
-                <a:solidFill>
-                  <a:schemeClr val="bg1">
-                    <a:lumMod val="50000"/>
-                  </a:schemeClr>
-                </a:solidFill>
-                <a:latin typeface="Roboto" panose="02000000000000000000" pitchFamily="2" charset="0"/>
-                <a:ea typeface="Roboto" panose="02000000000000000000" pitchFamily="2" charset="0"/>
-              </a:rPr>
-              <a:t> </a:t>
-            </a:r>
-            <a:r>
-              <a:rPr lang="es-MX" sz="2000" dirty="0" err="1" smtClean="0">
-                <a:solidFill>
-                  <a:schemeClr val="bg1">
-                    <a:lumMod val="50000"/>
-                  </a:schemeClr>
-                </a:solidFill>
-                <a:latin typeface="Roboto" panose="02000000000000000000" pitchFamily="2" charset="0"/>
-                <a:ea typeface="Roboto" panose="02000000000000000000" pitchFamily="2" charset="0"/>
-              </a:rPr>
-              <a:t>add</a:t>
-            </a:r>
-            <a:r>
-              <a:rPr lang="es-MX" sz="2000" dirty="0" smtClean="0">
-                <a:solidFill>
-                  <a:schemeClr val="bg1">
-                    <a:lumMod val="50000"/>
-                  </a:schemeClr>
-                </a:solidFill>
-                <a:latin typeface="Roboto" panose="02000000000000000000" pitchFamily="2" charset="0"/>
-                <a:ea typeface="Roboto" panose="02000000000000000000" pitchFamily="2" charset="0"/>
-              </a:rPr>
               <a:t> . </a:t>
             </a:r>
-            <a:endParaRPr lang="es-MX" sz="2000" dirty="0" smtClean="0">
-              <a:solidFill>
-                <a:schemeClr val="bg1">
-                  <a:lumMod val="50000"/>
-                </a:schemeClr>
-              </a:solidFill>
-              <a:latin typeface="Roboto" panose="02000000000000000000" pitchFamily="2" charset="0"/>
-              <a:ea typeface="Roboto" panose="02000000000000000000" pitchFamily="2" charset="0"/>
-            </a:endParaRPr>
           </a:p>
           <a:p>
             <a:pPr marL="0" indent="0">
